--- a/Spiritual Wellbeing IV Professional Development and Applied Research/Μητροπολιτικό Κολλέγιο_ΣΕΚΦ[Μιχαηλ Μαρκου] IT in Global Business.pptx
+++ b/Spiritual Wellbeing IV Professional Development and Applied Research/Μητροπολιτικό Κολλέγιο_ΣΕΚΦ[Μιχαηλ Μαρκου] IT in Global Business.pptx
@@ -6,10 +6,10 @@
     <p:sldMasterId id="2147483672" r:id="rId2"/>
   </p:sldMasterIdLst>
   <p:notesMasterIdLst>
-    <p:notesMasterId r:id="rId34"/>
+    <p:notesMasterId r:id="rId37"/>
   </p:notesMasterIdLst>
   <p:handoutMasterIdLst>
-    <p:handoutMasterId r:id="rId35"/>
+    <p:handoutMasterId r:id="rId38"/>
   </p:handoutMasterIdLst>
   <p:sldIdLst>
     <p:sldId id="302" r:id="rId3"/>
@@ -17,32 +17,35 @@
     <p:sldId id="408" r:id="rId5"/>
     <p:sldId id="410" r:id="rId6"/>
     <p:sldId id="437" r:id="rId7"/>
-    <p:sldId id="411" r:id="rId8"/>
-    <p:sldId id="432" r:id="rId9"/>
-    <p:sldId id="436" r:id="rId10"/>
-    <p:sldId id="409" r:id="rId11"/>
-    <p:sldId id="412" r:id="rId12"/>
-    <p:sldId id="414" r:id="rId13"/>
-    <p:sldId id="433" r:id="rId14"/>
-    <p:sldId id="415" r:id="rId15"/>
-    <p:sldId id="418" r:id="rId16"/>
-    <p:sldId id="420" r:id="rId17"/>
-    <p:sldId id="421" r:id="rId18"/>
-    <p:sldId id="422" r:id="rId19"/>
-    <p:sldId id="423" r:id="rId20"/>
-    <p:sldId id="424" r:id="rId21"/>
-    <p:sldId id="416" r:id="rId22"/>
-    <p:sldId id="419" r:id="rId23"/>
-    <p:sldId id="425" r:id="rId24"/>
-    <p:sldId id="417" r:id="rId25"/>
-    <p:sldId id="427" r:id="rId26"/>
-    <p:sldId id="428" r:id="rId27"/>
-    <p:sldId id="429" r:id="rId28"/>
-    <p:sldId id="430" r:id="rId29"/>
-    <p:sldId id="431" r:id="rId30"/>
-    <p:sldId id="434" r:id="rId31"/>
-    <p:sldId id="435" r:id="rId32"/>
-    <p:sldId id="426" r:id="rId33"/>
+    <p:sldId id="438" r:id="rId8"/>
+    <p:sldId id="439" r:id="rId9"/>
+    <p:sldId id="440" r:id="rId10"/>
+    <p:sldId id="411" r:id="rId11"/>
+    <p:sldId id="432" r:id="rId12"/>
+    <p:sldId id="436" r:id="rId13"/>
+    <p:sldId id="409" r:id="rId14"/>
+    <p:sldId id="412" r:id="rId15"/>
+    <p:sldId id="414" r:id="rId16"/>
+    <p:sldId id="433" r:id="rId17"/>
+    <p:sldId id="415" r:id="rId18"/>
+    <p:sldId id="418" r:id="rId19"/>
+    <p:sldId id="420" r:id="rId20"/>
+    <p:sldId id="421" r:id="rId21"/>
+    <p:sldId id="422" r:id="rId22"/>
+    <p:sldId id="423" r:id="rId23"/>
+    <p:sldId id="424" r:id="rId24"/>
+    <p:sldId id="416" r:id="rId25"/>
+    <p:sldId id="419" r:id="rId26"/>
+    <p:sldId id="425" r:id="rId27"/>
+    <p:sldId id="417" r:id="rId28"/>
+    <p:sldId id="427" r:id="rId29"/>
+    <p:sldId id="428" r:id="rId30"/>
+    <p:sldId id="429" r:id="rId31"/>
+    <p:sldId id="430" r:id="rId32"/>
+    <p:sldId id="431" r:id="rId33"/>
+    <p:sldId id="434" r:id="rId34"/>
+    <p:sldId id="435" r:id="rId35"/>
+    <p:sldId id="426" r:id="rId36"/>
   </p:sldIdLst>
   <p:sldSz cx="9144000" cy="6858000" type="screen4x3"/>
   <p:notesSz cx="6864350" cy="9996488"/>
@@ -17684,7 +17687,7 @@
             <a:fld id="{8196BD0F-C7DE-4148-B4AF-E3709382BF27}" type="datetimeFigureOut">
               <a:rPr lang="en-US" smtClean="0"/>
               <a:pPr/>
-              <a:t>3/9/2023</a:t>
+              <a:t>3/10/2023</a:t>
             </a:fld>
             <a:endParaRPr lang="en-US" dirty="0"/>
           </a:p>
@@ -17851,7 +17854,7 @@
             <a:fld id="{FEE8B350-5958-0E41-A6C5-C2C83FBF1FAC}" type="datetimeFigureOut">
               <a:rPr lang="en-US" smtClean="0"/>
               <a:pPr/>
-              <a:t>3/8/2023</a:t>
+              <a:t>3/9/2023</a:t>
             </a:fld>
             <a:endParaRPr lang="en-US" dirty="0"/>
           </a:p>
@@ -18206,15 +18209,7 @@
             </a:pPr>
             <a:r>
               <a:rPr lang="el-GR" dirty="0"/>
-              <a:t>Χαίρεται, στην παρακάτω παρουσίαση θα σας παρουσιάσω μια βιβλιογραφική </a:t>
-            </a:r>
-            <a:r>
-              <a:rPr lang="el-GR" dirty="0" err="1"/>
-              <a:t>εύρευνα</a:t>
-            </a:r>
-            <a:r>
-              <a:rPr lang="el-GR" dirty="0"/>
-              <a:t> για το ρόλο της τεχνολογίας στις παγκόσμιες επιχειρηματικές δραστηριότητες.</a:t>
+              <a:t>Χαίρεται, στην παρακάτω παρουσίαση κανω μια βιβλιογραφική εύρυνα για το ρόλο της τεχνολογίας στις παγκόσμιες επιχειρηματικές δραστηριότητες.</a:t>
             </a:r>
             <a:endParaRPr lang="en-US" dirty="0"/>
           </a:p>
@@ -18377,355 +18372,64 @@
           <a:bodyPr/>
           <a:lstStyle/>
           <a:p>
-            <a:pPr marL="0" marR="0" lvl="0" indent="0" algn="l" defTabSz="914400" rtl="0" eaLnBrk="1" fontAlgn="auto" latinLnBrk="0" hangingPunct="1">
-              <a:lnSpc>
-                <a:spcPct val="100000"/>
-              </a:lnSpc>
-              <a:spcBef>
-                <a:spcPts val="0"/>
-              </a:spcBef>
-              <a:spcAft>
-                <a:spcPts val="0"/>
-              </a:spcAft>
-              <a:buClrTx/>
-              <a:buSzTx/>
-              <a:buFontTx/>
-              <a:buNone/>
-              <a:tabLst/>
-              <a:defRPr/>
-            </a:pPr>
-            <a:r>
-              <a:rPr lang="el-GR" sz="1200" b="1" dirty="0"/>
-              <a:t>ΠΕΡΙΛΗΨΗ</a:t>
-            </a:r>
-            <a:endParaRPr lang="en-US" sz="1200" b="1" dirty="0"/>
-          </a:p>
-          <a:p>
-            <a:pPr marL="0" marR="0" lvl="0" indent="0" algn="l" defTabSz="914400" rtl="0" eaLnBrk="1" fontAlgn="auto" latinLnBrk="0" hangingPunct="1">
-              <a:lnSpc>
-                <a:spcPct val="100000"/>
-              </a:lnSpc>
-              <a:spcBef>
-                <a:spcPts val="0"/>
-              </a:spcBef>
-              <a:spcAft>
-                <a:spcPts val="0"/>
-              </a:spcAft>
-              <a:buClrTx/>
-              <a:buSzTx/>
-              <a:buFontTx/>
-              <a:buNone/>
-              <a:tabLst/>
-              <a:defRPr/>
-            </a:pPr>
-            <a:endParaRPr lang="en-US" sz="1200" b="1" dirty="0"/>
-          </a:p>
-          <a:p>
-            <a:pPr marL="0" marR="0" lvl="0" indent="0" algn="l" defTabSz="914400" rtl="0" eaLnBrk="1" fontAlgn="auto" latinLnBrk="0" hangingPunct="1">
-              <a:lnSpc>
-                <a:spcPct val="100000"/>
-              </a:lnSpc>
-              <a:spcBef>
-                <a:spcPts val="0"/>
-              </a:spcBef>
-              <a:spcAft>
-                <a:spcPts val="0"/>
-              </a:spcAft>
-              <a:buClrTx/>
-              <a:buSzTx/>
-              <a:buFontTx/>
-              <a:buNone/>
-              <a:tabLst/>
-              <a:defRPr/>
-            </a:pPr>
-            <a:r>
-              <a:rPr lang="el-GR" dirty="0">
-                <a:effectLst/>
-                <a:latin typeface="Arial" panose="020B0604020202020204" pitchFamily="34" charset="0"/>
-                <a:ea typeface="Calibri" panose="020F0502020204030204" pitchFamily="34" charset="0"/>
-                <a:cs typeface="Arial" panose="020B0604020202020204" pitchFamily="34" charset="0"/>
-              </a:rPr>
-              <a:t>Ο ψηφιακός κόσμος είναι προϊόν υψηλής συμμετοχής που τείνει να διατηρεί τους χρήστες του καθ' όλη τη διάρκεια/την αφήγηση ή τον αντικειμενικό στόχο. Στον πυρήνα της εφαρμογής του, από τους επιχειρηματικούς στόχους έως την παράδοση προϊόντος, βρίσκονται τα συστήματα βίντεο-παιχνιδιού. Η έρευνα επικεντρώνεται στα δημογραφικά δεδομένα προτιμήσεις εικονικών κόσμων καθώς και την καθηλωτική εμπειρία τους συγκρίνοντας το με αντίστοιχους τίτλους εμπορικής επιτυχίας στα υπερ. και τα κατά. Το σύστημα ανάπτυξης της παρούσας εργασίας είναι επικεντρωμένο στο </a:t>
-            </a:r>
-            <a:r>
-              <a:rPr lang="en-US" dirty="0">
-                <a:effectLst/>
-                <a:latin typeface="Arial" panose="020B0604020202020204" pitchFamily="34" charset="0"/>
-                <a:ea typeface="Calibri" panose="020F0502020204030204" pitchFamily="34" charset="0"/>
-                <a:cs typeface="Arial" panose="020B0604020202020204" pitchFamily="34" charset="0"/>
-              </a:rPr>
-              <a:t>multiplayer survival horror experience </a:t>
-            </a:r>
-            <a:r>
-              <a:rPr lang="el-GR" dirty="0">
-                <a:effectLst/>
-                <a:latin typeface="Arial" panose="020B0604020202020204" pitchFamily="34" charset="0"/>
-                <a:ea typeface="Calibri" panose="020F0502020204030204" pitchFamily="34" charset="0"/>
-                <a:cs typeface="Arial" panose="020B0604020202020204" pitchFamily="34" charset="0"/>
-              </a:rPr>
-              <a:t>όπως περιβαλλοντικές αλληλεπιδράσεις παίχτη και </a:t>
-            </a:r>
-            <a:r>
-              <a:rPr lang="en-US" dirty="0">
-                <a:effectLst/>
-                <a:latin typeface="Arial" panose="020B0604020202020204" pitchFamily="34" charset="0"/>
-                <a:ea typeface="Calibri" panose="020F0502020204030204" pitchFamily="34" charset="0"/>
-                <a:cs typeface="Arial" panose="020B0604020202020204" pitchFamily="34" charset="0"/>
-              </a:rPr>
-              <a:t>real time communications</a:t>
-            </a:r>
-            <a:r>
-              <a:rPr lang="el-GR" dirty="0">
-                <a:effectLst/>
-                <a:latin typeface="Arial" panose="020B0604020202020204" pitchFamily="34" charset="0"/>
-                <a:ea typeface="Calibri" panose="020F0502020204030204" pitchFamily="34" charset="0"/>
-                <a:cs typeface="Arial" panose="020B0604020202020204" pitchFamily="34" charset="0"/>
-              </a:rPr>
-              <a:t> (</a:t>
-            </a:r>
-            <a:r>
-              <a:rPr lang="en-US" i="1" dirty="0">
-                <a:effectLst/>
-                <a:latin typeface="Arial" panose="020B0604020202020204" pitchFamily="34" charset="0"/>
-                <a:ea typeface="Calibri" panose="020F0502020204030204" pitchFamily="34" charset="0"/>
-                <a:cs typeface="Arial" panose="020B0604020202020204" pitchFamily="34" charset="0"/>
-              </a:rPr>
-              <a:t>Voice over IP</a:t>
-            </a:r>
-            <a:r>
-              <a:rPr lang="el-GR" i="1" dirty="0">
-                <a:effectLst/>
-                <a:latin typeface="Arial" panose="020B0604020202020204" pitchFamily="34" charset="0"/>
-                <a:ea typeface="Calibri" panose="020F0502020204030204" pitchFamily="34" charset="0"/>
-                <a:cs typeface="Arial" panose="020B0604020202020204" pitchFamily="34" charset="0"/>
-              </a:rPr>
-              <a:t> - </a:t>
-            </a:r>
-            <a:r>
-              <a:rPr lang="en-US" i="1" dirty="0">
-                <a:effectLst/>
-                <a:latin typeface="Arial" panose="020B0604020202020204" pitchFamily="34" charset="0"/>
-                <a:ea typeface="Calibri" panose="020F0502020204030204" pitchFamily="34" charset="0"/>
-                <a:cs typeface="Arial" panose="020B0604020202020204" pitchFamily="34" charset="0"/>
-              </a:rPr>
-              <a:t>VOIP</a:t>
-            </a:r>
-            <a:r>
-              <a:rPr lang="el-GR" dirty="0">
-                <a:effectLst/>
-                <a:latin typeface="Arial" panose="020B0604020202020204" pitchFamily="34" charset="0"/>
-                <a:ea typeface="Calibri" panose="020F0502020204030204" pitchFamily="34" charset="0"/>
-                <a:cs typeface="Arial" panose="020B0604020202020204" pitchFamily="34" charset="0"/>
-              </a:rPr>
-              <a:t>) καθώς και την αρχιτεκτονική των συστημάτων δημιουργίας τους προγραμματιστικά αλλά και από άλλες πτυχές συμβάλλουσες όπως 3</a:t>
-            </a:r>
-            <a:r>
-              <a:rPr lang="en-US" dirty="0">
-                <a:effectLst/>
-                <a:latin typeface="Arial" panose="020B0604020202020204" pitchFamily="34" charset="0"/>
-                <a:ea typeface="Calibri" panose="020F0502020204030204" pitchFamily="34" charset="0"/>
-                <a:cs typeface="Arial" panose="020B0604020202020204" pitchFamily="34" charset="0"/>
-              </a:rPr>
-              <a:t>D Architectural Visualization</a:t>
-            </a:r>
-            <a:r>
-              <a:rPr lang="el-GR" dirty="0">
-                <a:effectLst/>
-                <a:latin typeface="Arial" panose="020B0604020202020204" pitchFamily="34" charset="0"/>
-                <a:ea typeface="Calibri" panose="020F0502020204030204" pitchFamily="34" charset="0"/>
-                <a:cs typeface="Arial" panose="020B0604020202020204" pitchFamily="34" charset="0"/>
-              </a:rPr>
-              <a:t>, </a:t>
-            </a:r>
-            <a:r>
-              <a:rPr lang="en-US" dirty="0">
-                <a:effectLst/>
-                <a:latin typeface="Arial" panose="020B0604020202020204" pitchFamily="34" charset="0"/>
-                <a:ea typeface="Calibri" panose="020F0502020204030204" pitchFamily="34" charset="0"/>
-                <a:cs typeface="Arial" panose="020B0604020202020204" pitchFamily="34" charset="0"/>
-              </a:rPr>
-              <a:t>Sound Design</a:t>
-            </a:r>
-            <a:r>
-              <a:rPr lang="el-GR" dirty="0">
-                <a:effectLst/>
-                <a:latin typeface="Arial" panose="020B0604020202020204" pitchFamily="34" charset="0"/>
-                <a:ea typeface="Calibri" panose="020F0502020204030204" pitchFamily="34" charset="0"/>
-                <a:cs typeface="Arial" panose="020B0604020202020204" pitchFamily="34" charset="0"/>
-              </a:rPr>
-              <a:t>. Η </a:t>
-            </a:r>
-            <a:r>
-              <a:rPr lang="el-GR" dirty="0" err="1">
-                <a:effectLst/>
-                <a:latin typeface="Arial" panose="020B0604020202020204" pitchFamily="34" charset="0"/>
-                <a:ea typeface="Calibri" panose="020F0502020204030204" pitchFamily="34" charset="0"/>
-                <a:cs typeface="Arial" panose="020B0604020202020204" pitchFamily="34" charset="0"/>
-              </a:rPr>
-              <a:t>δοθουσες</a:t>
-            </a:r>
-            <a:r>
-              <a:rPr lang="el-GR" dirty="0">
-                <a:effectLst/>
-                <a:latin typeface="Arial" panose="020B0604020202020204" pitchFamily="34" charset="0"/>
-                <a:ea typeface="Calibri" panose="020F0502020204030204" pitchFamily="34" charset="0"/>
-                <a:cs typeface="Arial" panose="020B0604020202020204" pitchFamily="34" charset="0"/>
-              </a:rPr>
-              <a:t> τεχνικές είναι </a:t>
-            </a:r>
-            <a:r>
-              <a:rPr lang="en-US" dirty="0">
-                <a:effectLst/>
-                <a:latin typeface="Arial" panose="020B0604020202020204" pitchFamily="34" charset="0"/>
-                <a:ea typeface="Calibri" panose="020F0502020204030204" pitchFamily="34" charset="0"/>
-                <a:cs typeface="Arial" panose="020B0604020202020204" pitchFamily="34" charset="0"/>
-              </a:rPr>
-              <a:t>abstracted</a:t>
-            </a:r>
-            <a:r>
-              <a:rPr lang="el-GR" dirty="0">
-                <a:effectLst/>
-                <a:latin typeface="Arial" panose="020B0604020202020204" pitchFamily="34" charset="0"/>
-                <a:ea typeface="Calibri" panose="020F0502020204030204" pitchFamily="34" charset="0"/>
-                <a:cs typeface="Arial" panose="020B0604020202020204" pitchFamily="34" charset="0"/>
-              </a:rPr>
-              <a:t> και μπορεί να συμβάλουν σαν </a:t>
-            </a:r>
-            <a:r>
-              <a:rPr lang="en-US" dirty="0">
-                <a:effectLst/>
-                <a:latin typeface="Arial" panose="020B0604020202020204" pitchFamily="34" charset="0"/>
-                <a:ea typeface="Calibri" panose="020F0502020204030204" pitchFamily="34" charset="0"/>
-                <a:cs typeface="Arial" panose="020B0604020202020204" pitchFamily="34" charset="0"/>
-              </a:rPr>
-              <a:t>concept</a:t>
-            </a:r>
-            <a:r>
-              <a:rPr lang="el-GR" dirty="0">
-                <a:effectLst/>
-                <a:latin typeface="Arial" panose="020B0604020202020204" pitchFamily="34" charset="0"/>
-                <a:ea typeface="Calibri" panose="020F0502020204030204" pitchFamily="34" charset="0"/>
-                <a:cs typeface="Arial" panose="020B0604020202020204" pitchFamily="34" charset="0"/>
-              </a:rPr>
-              <a:t> για κάθε είδους </a:t>
-            </a:r>
-            <a:r>
-              <a:rPr lang="en-US" dirty="0">
-                <a:effectLst/>
-                <a:latin typeface="Arial" panose="020B0604020202020204" pitchFamily="34" charset="0"/>
-                <a:ea typeface="Calibri" panose="020F0502020204030204" pitchFamily="34" charset="0"/>
-                <a:cs typeface="Arial" panose="020B0604020202020204" pitchFamily="34" charset="0"/>
-              </a:rPr>
-              <a:t>genre game</a:t>
-            </a:r>
-            <a:r>
-              <a:rPr lang="el-GR" dirty="0">
-                <a:effectLst/>
-                <a:latin typeface="Arial" panose="020B0604020202020204" pitchFamily="34" charset="0"/>
-                <a:ea typeface="Calibri" panose="020F0502020204030204" pitchFamily="34" charset="0"/>
-                <a:cs typeface="Arial" panose="020B0604020202020204" pitchFamily="34" charset="0"/>
-              </a:rPr>
-              <a:t> (</a:t>
-            </a:r>
-            <a:r>
-              <a:rPr lang="en-US" i="1" dirty="0">
-                <a:effectLst/>
-                <a:latin typeface="Arial" panose="020B0604020202020204" pitchFamily="34" charset="0"/>
-                <a:ea typeface="Calibri" panose="020F0502020204030204" pitchFamily="34" charset="0"/>
-                <a:cs typeface="Arial" panose="020B0604020202020204" pitchFamily="34" charset="0"/>
-              </a:rPr>
-              <a:t>virtual world</a:t>
-            </a:r>
-            <a:r>
-              <a:rPr lang="el-GR" dirty="0">
-                <a:effectLst/>
-                <a:latin typeface="Arial" panose="020B0604020202020204" pitchFamily="34" charset="0"/>
-                <a:ea typeface="Calibri" panose="020F0502020204030204" pitchFamily="34" charset="0"/>
-                <a:cs typeface="Arial" panose="020B0604020202020204" pitchFamily="34" charset="0"/>
-              </a:rPr>
-              <a:t>) </a:t>
-            </a:r>
-            <a:r>
-              <a:rPr lang="en-US" dirty="0">
-                <a:effectLst/>
-                <a:latin typeface="Arial" panose="020B0604020202020204" pitchFamily="34" charset="0"/>
-                <a:ea typeface="Calibri" panose="020F0502020204030204" pitchFamily="34" charset="0"/>
-                <a:cs typeface="Arial" panose="020B0604020202020204" pitchFamily="34" charset="0"/>
-              </a:rPr>
-              <a:t>mechanic </a:t>
-            </a:r>
-            <a:r>
-              <a:rPr lang="el-GR" dirty="0">
-                <a:effectLst/>
-                <a:latin typeface="Arial" panose="020B0604020202020204" pitchFamily="34" charset="0"/>
-                <a:ea typeface="Calibri" panose="020F0502020204030204" pitchFamily="34" charset="0"/>
-                <a:cs typeface="Arial" panose="020B0604020202020204" pitchFamily="34" charset="0"/>
-              </a:rPr>
-              <a:t>αλλά και σε κάθε είδους πλατφόρμας </a:t>
-            </a:r>
-            <a:r>
-              <a:rPr lang="en-US" dirty="0">
-                <a:effectLst/>
-                <a:latin typeface="Arial" panose="020B0604020202020204" pitchFamily="34" charset="0"/>
-                <a:ea typeface="Calibri" panose="020F0502020204030204" pitchFamily="34" charset="0"/>
-                <a:cs typeface="Arial" panose="020B0604020202020204" pitchFamily="34" charset="0"/>
-              </a:rPr>
-              <a:t>AR</a:t>
-            </a:r>
-            <a:r>
-              <a:rPr lang="el-GR" dirty="0">
-                <a:effectLst/>
-                <a:latin typeface="Arial" panose="020B0604020202020204" pitchFamily="34" charset="0"/>
-                <a:ea typeface="Calibri" panose="020F0502020204030204" pitchFamily="34" charset="0"/>
-                <a:cs typeface="Arial" panose="020B0604020202020204" pitchFamily="34" charset="0"/>
-              </a:rPr>
-              <a:t>/</a:t>
-            </a:r>
-            <a:r>
-              <a:rPr lang="en-US" dirty="0">
-                <a:effectLst/>
-                <a:latin typeface="Arial" panose="020B0604020202020204" pitchFamily="34" charset="0"/>
-                <a:ea typeface="Calibri" panose="020F0502020204030204" pitchFamily="34" charset="0"/>
-                <a:cs typeface="Arial" panose="020B0604020202020204" pitchFamily="34" charset="0"/>
-              </a:rPr>
-              <a:t>VR</a:t>
-            </a:r>
-            <a:r>
-              <a:rPr lang="el-GR" dirty="0">
-                <a:effectLst/>
-                <a:latin typeface="Arial" panose="020B0604020202020204" pitchFamily="34" charset="0"/>
-                <a:ea typeface="Calibri" panose="020F0502020204030204" pitchFamily="34" charset="0"/>
-                <a:cs typeface="Arial" panose="020B0604020202020204" pitchFamily="34" charset="0"/>
-              </a:rPr>
-              <a:t> &amp; </a:t>
-            </a:r>
-            <a:r>
-              <a:rPr lang="en-US" dirty="0">
-                <a:effectLst/>
-                <a:latin typeface="Arial" panose="020B0604020202020204" pitchFamily="34" charset="0"/>
-                <a:ea typeface="Calibri" panose="020F0502020204030204" pitchFamily="34" charset="0"/>
-                <a:cs typeface="Arial" panose="020B0604020202020204" pitchFamily="34" charset="0"/>
-              </a:rPr>
-              <a:t>metaverse</a:t>
-            </a:r>
-            <a:r>
-              <a:rPr lang="el-GR" dirty="0">
-                <a:effectLst/>
-                <a:latin typeface="Arial" panose="020B0604020202020204" pitchFamily="34" charset="0"/>
-                <a:ea typeface="Calibri" panose="020F0502020204030204" pitchFamily="34" charset="0"/>
-                <a:cs typeface="Arial" panose="020B0604020202020204" pitchFamily="34" charset="0"/>
-              </a:rPr>
-              <a:t>.</a:t>
-            </a:r>
-            <a:endParaRPr lang="en-US" dirty="0">
-              <a:effectLst/>
-              <a:latin typeface="Arial" panose="020B0604020202020204" pitchFamily="34" charset="0"/>
-              <a:ea typeface="Calibri" panose="020F0502020204030204" pitchFamily="34" charset="0"/>
-              <a:cs typeface="Arial" panose="020B0604020202020204" pitchFamily="34" charset="0"/>
-            </a:endParaRPr>
-          </a:p>
-          <a:p>
-            <a:endParaRPr lang="en-US" dirty="0"/>
+            <a:r>
+              <a:rPr lang="el-GR" dirty="0"/>
+              <a:t>Παρατηρούμε το αντίστοιχο </a:t>
+            </a:r>
+            <a:r>
+              <a:rPr lang="en-US" dirty="0"/>
+              <a:t>High Level Business process model </a:t>
+            </a:r>
+            <a:r>
+              <a:rPr lang="el-GR" dirty="0"/>
+              <a:t>του συστήματος</a:t>
+            </a:r>
+            <a:r>
+              <a:rPr lang="en-US" dirty="0"/>
+              <a:t> </a:t>
+            </a:r>
+            <a:r>
+              <a:rPr lang="el-GR" dirty="0"/>
+              <a:t>επικοινωνίας των </a:t>
+            </a:r>
+            <a:r>
+              <a:rPr lang="en-US" dirty="0"/>
+              <a:t>subsystem.</a:t>
+            </a:r>
+          </a:p>
+          <a:p>
+            <a:r>
+              <a:rPr lang="el-GR" dirty="0"/>
+              <a:t>Τα </a:t>
+            </a:r>
+            <a:r>
+              <a:rPr lang="en-US" dirty="0"/>
+              <a:t>Processes </a:t>
+            </a:r>
+            <a:r>
+              <a:rPr lang="el-GR" dirty="0"/>
+              <a:t>εφαρμόζουν </a:t>
+            </a:r>
+            <a:r>
+              <a:rPr lang="en-US" dirty="0"/>
+              <a:t>client-server </a:t>
+            </a:r>
+            <a:r>
+              <a:rPr lang="el-GR" dirty="0"/>
+              <a:t>μοντέλο μέσο </a:t>
+            </a:r>
+            <a:r>
+              <a:rPr lang="en-US" dirty="0"/>
+              <a:t>Authority</a:t>
+            </a:r>
+            <a:r>
+              <a:rPr lang="el-GR" dirty="0"/>
+              <a:t> όλες οι επικοινωνίες και </a:t>
+            </a:r>
+            <a:r>
+              <a:rPr lang="en-US" dirty="0"/>
+              <a:t>Remote Call Procedures (RPC)</a:t>
+            </a:r>
           </a:p>
         </p:txBody>
       </p:sp>
@@ -18756,7 +18460,7 @@
     </p:spTree>
     <p:extLst>
       <p:ext uri="{BB962C8B-B14F-4D97-AF65-F5344CB8AC3E}">
-        <p14:creationId xmlns:p14="http://schemas.microsoft.com/office/powerpoint/2010/main" val="2475791698"/>
+        <p14:creationId xmlns:p14="http://schemas.microsoft.com/office/powerpoint/2010/main" val="3138642228"/>
       </p:ext>
     </p:extLst>
   </p:cSld>
@@ -18811,163 +18515,9 @@
           <a:lstStyle/>
           <a:p>
             <a:r>
-              <a:rPr lang="el-GR" sz="1200" dirty="0">
-                <a:effectLst/>
-                <a:latin typeface="Arial" panose="020B0604020202020204" pitchFamily="34" charset="0"/>
-                <a:ea typeface="Calibri" panose="020F0502020204030204" pitchFamily="34" charset="0"/>
-                <a:cs typeface="Arial" panose="020B0604020202020204" pitchFamily="34" charset="0"/>
-              </a:rPr>
-              <a:t>Η παρούσα εργασία συστημάτων παιχνιδιού</a:t>
-            </a:r>
-            <a:r>
-              <a:rPr lang="en-US" sz="1200" dirty="0">
-                <a:effectLst/>
-                <a:latin typeface="Arial" panose="020B0604020202020204" pitchFamily="34" charset="0"/>
-                <a:ea typeface="Calibri" panose="020F0502020204030204" pitchFamily="34" charset="0"/>
-                <a:cs typeface="Arial" panose="020B0604020202020204" pitchFamily="34" charset="0"/>
-              </a:rPr>
-              <a:t> </a:t>
-            </a:r>
-            <a:r>
-              <a:rPr lang="el-GR" sz="1200" dirty="0">
-                <a:effectLst/>
-                <a:latin typeface="Arial" panose="020B0604020202020204" pitchFamily="34" charset="0"/>
-                <a:ea typeface="Calibri" panose="020F0502020204030204" pitchFamily="34" charset="0"/>
-                <a:cs typeface="Arial" panose="020B0604020202020204" pitchFamily="34" charset="0"/>
-              </a:rPr>
-              <a:t>δεν είναι </a:t>
-            </a:r>
-            <a:r>
-              <a:rPr lang="en-US" sz="1200" dirty="0">
-                <a:effectLst/>
-                <a:latin typeface="Arial" panose="020B0604020202020204" pitchFamily="34" charset="0"/>
-                <a:ea typeface="Calibri" panose="020F0502020204030204" pitchFamily="34" charset="0"/>
-                <a:cs typeface="Arial" panose="020B0604020202020204" pitchFamily="34" charset="0"/>
-              </a:rPr>
-              <a:t>prototype </a:t>
-            </a:r>
-            <a:r>
-              <a:rPr lang="el-GR" sz="1200" dirty="0">
-                <a:effectLst/>
-                <a:latin typeface="Arial" panose="020B0604020202020204" pitchFamily="34" charset="0"/>
-                <a:ea typeface="Calibri" panose="020F0502020204030204" pitchFamily="34" charset="0"/>
-                <a:cs typeface="Arial" panose="020B0604020202020204" pitchFamily="34" charset="0"/>
-              </a:rPr>
-              <a:t>μοντέλο αλλά τελικό καθώς εγκρίθηκε και δημοσιεύτηκε στην επίσημη πλατφόρμα της </a:t>
-            </a:r>
-            <a:r>
-              <a:rPr lang="en-US" sz="1200" u="sng" dirty="0">
-                <a:solidFill>
-                  <a:srgbClr val="0563C1"/>
-                </a:solidFill>
-                <a:effectLst/>
-                <a:latin typeface="Arial" panose="020B0604020202020204" pitchFamily="34" charset="0"/>
-                <a:ea typeface="Calibri" panose="020F0502020204030204" pitchFamily="34" charset="0"/>
-                <a:cs typeface="Arial" panose="020B0604020202020204" pitchFamily="34" charset="0"/>
-                <a:hlinkClick r:id="rId3"/>
-              </a:rPr>
-              <a:t>Unreal Engine Marketplace</a:t>
-            </a:r>
-            <a:r>
-              <a:rPr lang="el-GR" sz="1200" dirty="0">
-                <a:effectLst/>
-                <a:latin typeface="Arial" panose="020B0604020202020204" pitchFamily="34" charset="0"/>
-                <a:ea typeface="Calibri" panose="020F0502020204030204" pitchFamily="34" charset="0"/>
-                <a:cs typeface="Arial" panose="020B0604020202020204" pitchFamily="34" charset="0"/>
-              </a:rPr>
-              <a:t> ώστε </a:t>
-            </a:r>
-          </a:p>
-          <a:p>
-            <a:r>
-              <a:rPr lang="el-GR" sz="1200" dirty="0">
-                <a:effectLst/>
-                <a:latin typeface="Arial" panose="020B0604020202020204" pitchFamily="34" charset="0"/>
-                <a:ea typeface="Calibri" panose="020F0502020204030204" pitchFamily="34" charset="0"/>
-                <a:cs typeface="Arial" panose="020B0604020202020204" pitchFamily="34" charset="0"/>
-              </a:rPr>
-              <a:t>Λαμβάνοντας τα σωστά βήματα/</a:t>
-            </a:r>
-            <a:r>
-              <a:rPr lang="en-US" sz="1200" dirty="0">
-                <a:effectLst/>
-                <a:latin typeface="Arial" panose="020B0604020202020204" pitchFamily="34" charset="0"/>
-                <a:ea typeface="Calibri" panose="020F0502020204030204" pitchFamily="34" charset="0"/>
-                <a:cs typeface="Arial" panose="020B0604020202020204" pitchFamily="34" charset="0"/>
-              </a:rPr>
-              <a:t>Guidelines</a:t>
-            </a:r>
-            <a:r>
-              <a:rPr lang="el-GR" sz="1200" dirty="0">
-                <a:effectLst/>
-                <a:latin typeface="Arial" panose="020B0604020202020204" pitchFamily="34" charset="0"/>
-                <a:ea typeface="Calibri" panose="020F0502020204030204" pitchFamily="34" charset="0"/>
-                <a:cs typeface="Arial" panose="020B0604020202020204" pitchFamily="34" charset="0"/>
-              </a:rPr>
-              <a:t> που θα συνοψίσουμε παρακάτω για να έρθει εις πέρας ένα </a:t>
-            </a:r>
-            <a:r>
-              <a:rPr lang="en-US" sz="1200" dirty="0">
-                <a:effectLst/>
-                <a:latin typeface="Arial" panose="020B0604020202020204" pitchFamily="34" charset="0"/>
-                <a:ea typeface="Calibri" panose="020F0502020204030204" pitchFamily="34" charset="0"/>
-                <a:cs typeface="Arial" panose="020B0604020202020204" pitchFamily="34" charset="0"/>
-              </a:rPr>
-              <a:t>project </a:t>
-            </a:r>
-            <a:r>
-              <a:rPr lang="el-GR" sz="1200" dirty="0">
-                <a:effectLst/>
-                <a:latin typeface="Arial" panose="020B0604020202020204" pitchFamily="34" charset="0"/>
-                <a:ea typeface="Calibri" panose="020F0502020204030204" pitchFamily="34" charset="0"/>
-                <a:cs typeface="Arial" panose="020B0604020202020204" pitchFamily="34" charset="0"/>
-              </a:rPr>
-              <a:t>κομμάτι </a:t>
-            </a:r>
-            <a:r>
-              <a:rPr lang="en-US" sz="1200" dirty="0">
-                <a:effectLst/>
-                <a:latin typeface="Arial" panose="020B0604020202020204" pitchFamily="34" charset="0"/>
-                <a:ea typeface="Calibri" panose="020F0502020204030204" pitchFamily="34" charset="0"/>
-                <a:cs typeface="Arial" panose="020B0604020202020204" pitchFamily="34" charset="0"/>
-              </a:rPr>
-              <a:t>video</a:t>
-            </a:r>
-            <a:r>
-              <a:rPr lang="el-GR" sz="1200" dirty="0">
-                <a:effectLst/>
-                <a:latin typeface="Arial" panose="020B0604020202020204" pitchFamily="34" charset="0"/>
-                <a:ea typeface="Calibri" panose="020F0502020204030204" pitchFamily="34" charset="0"/>
-                <a:cs typeface="Arial" panose="020B0604020202020204" pitchFamily="34" charset="0"/>
-              </a:rPr>
-              <a:t>-</a:t>
-            </a:r>
-            <a:r>
-              <a:rPr lang="en-US" sz="1200" dirty="0">
-                <a:effectLst/>
-                <a:latin typeface="Arial" panose="020B0604020202020204" pitchFamily="34" charset="0"/>
-                <a:ea typeface="Calibri" panose="020F0502020204030204" pitchFamily="34" charset="0"/>
-                <a:cs typeface="Arial" panose="020B0604020202020204" pitchFamily="34" charset="0"/>
-              </a:rPr>
-              <a:t>game</a:t>
-            </a:r>
-            <a:r>
-              <a:rPr lang="el-GR" sz="1200" dirty="0">
-                <a:effectLst/>
-                <a:latin typeface="Arial" panose="020B0604020202020204" pitchFamily="34" charset="0"/>
-                <a:ea typeface="Calibri" panose="020F0502020204030204" pitchFamily="34" charset="0"/>
-                <a:cs typeface="Arial" panose="020B0604020202020204" pitchFamily="34" charset="0"/>
-              </a:rPr>
-              <a:t> με σωστή ροή από ιδέα -&gt; υλοποίηση.</a:t>
-            </a:r>
-            <a:endParaRPr lang="en-US" sz="1200" dirty="0">
-              <a:effectLst/>
-              <a:latin typeface="Arial" panose="020B0604020202020204" pitchFamily="34" charset="0"/>
-              <a:ea typeface="Calibri" panose="020F0502020204030204" pitchFamily="34" charset="0"/>
-              <a:cs typeface="Times New Roman" panose="02020603050405020304" pitchFamily="18" charset="0"/>
-            </a:endParaRPr>
-          </a:p>
-          <a:p>
+              <a:rPr lang="el-GR" dirty="0"/>
+              <a:t>Διάφορα χαρακτηριστικά του συστήματος</a:t>
+            </a:r>
             <a:endParaRPr lang="en-US" dirty="0"/>
           </a:p>
         </p:txBody>
@@ -18999,7 +18549,7 @@
     </p:spTree>
     <p:extLst>
       <p:ext uri="{BB962C8B-B14F-4D97-AF65-F5344CB8AC3E}">
-        <p14:creationId xmlns:p14="http://schemas.microsoft.com/office/powerpoint/2010/main" val="347017491"/>
+        <p14:creationId xmlns:p14="http://schemas.microsoft.com/office/powerpoint/2010/main" val="2584540128"/>
       </p:ext>
     </p:extLst>
   </p:cSld>
@@ -19053,187 +18603,14 @@
           <a:bodyPr/>
           <a:lstStyle/>
           <a:p>
-            <a:pPr marL="0" marR="0" algn="just">
-              <a:lnSpc>
-                <a:spcPct val="150000"/>
-              </a:lnSpc>
-              <a:spcBef>
-                <a:spcPts val="0"/>
-              </a:spcBef>
-              <a:spcAft>
-                <a:spcPts val="800"/>
-              </a:spcAft>
-            </a:pPr>
-            <a:r>
-              <a:rPr lang="el-GR" sz="1200" dirty="0">
-                <a:effectLst/>
-                <a:latin typeface="Arial" panose="020B0604020202020204" pitchFamily="34" charset="0"/>
-                <a:ea typeface="Calibri" panose="020F0502020204030204" pitchFamily="34" charset="0"/>
-                <a:cs typeface="Arial" panose="020B0604020202020204" pitchFamily="34" charset="0"/>
-              </a:rPr>
-              <a:t>Τα βήματα στην δημιουργία συστημάτων εικονικού κόσμου πριν από την διαδικασία έναρξης δόμησης </a:t>
-            </a:r>
-            <a:r>
-              <a:rPr lang="en-US" sz="1200" dirty="0">
-                <a:effectLst/>
-                <a:latin typeface="Arial" panose="020B0604020202020204" pitchFamily="34" charset="0"/>
-                <a:ea typeface="Calibri" panose="020F0502020204030204" pitchFamily="34" charset="0"/>
-                <a:cs typeface="Arial" panose="020B0604020202020204" pitchFamily="34" charset="0"/>
-              </a:rPr>
-              <a:t>business model</a:t>
-            </a:r>
-            <a:r>
-              <a:rPr lang="el-GR" sz="1200" dirty="0">
-                <a:effectLst/>
-                <a:latin typeface="Arial" panose="020B0604020202020204" pitchFamily="34" charset="0"/>
-                <a:ea typeface="Calibri" panose="020F0502020204030204" pitchFamily="34" charset="0"/>
-                <a:cs typeface="Arial" panose="020B0604020202020204" pitchFamily="34" charset="0"/>
-              </a:rPr>
-              <a:t> &amp; </a:t>
-            </a:r>
-            <a:r>
-              <a:rPr lang="en-US" sz="1200" dirty="0">
-                <a:effectLst/>
-                <a:latin typeface="Arial" panose="020B0604020202020204" pitchFamily="34" charset="0"/>
-                <a:ea typeface="Calibri" panose="020F0502020204030204" pitchFamily="34" charset="0"/>
-                <a:cs typeface="Arial" panose="020B0604020202020204" pitchFamily="34" charset="0"/>
-              </a:rPr>
-              <a:t>logic</a:t>
-            </a:r>
-            <a:r>
-              <a:rPr lang="el-GR" sz="1200" dirty="0">
-                <a:effectLst/>
-                <a:latin typeface="Arial" panose="020B0604020202020204" pitchFamily="34" charset="0"/>
-                <a:ea typeface="Calibri" panose="020F0502020204030204" pitchFamily="34" charset="0"/>
-                <a:cs typeface="Arial" panose="020B0604020202020204" pitchFamily="34" charset="0"/>
-              </a:rPr>
-              <a:t> είναι αλγοριθμικά προσεγμένα, τα εξής: </a:t>
-            </a:r>
-            <a:endParaRPr lang="en-US" sz="1200" dirty="0">
-              <a:effectLst/>
-              <a:latin typeface="Arial" panose="020B0604020202020204" pitchFamily="34" charset="0"/>
-              <a:ea typeface="Calibri" panose="020F0502020204030204" pitchFamily="34" charset="0"/>
-              <a:cs typeface="Times New Roman" panose="02020603050405020304" pitchFamily="18" charset="0"/>
-            </a:endParaRPr>
-          </a:p>
-          <a:p>
-            <a:pPr marL="0" marR="0" algn="just">
-              <a:lnSpc>
-                <a:spcPct val="150000"/>
-              </a:lnSpc>
-              <a:spcBef>
-                <a:spcPts val="0"/>
-              </a:spcBef>
-              <a:spcAft>
-                <a:spcPts val="800"/>
-              </a:spcAft>
-            </a:pPr>
-            <a:endParaRPr lang="en-US" sz="1200" dirty="0">
-              <a:effectLst/>
-              <a:latin typeface="Arial" panose="020B0604020202020204" pitchFamily="34" charset="0"/>
-              <a:ea typeface="Calibri" panose="020F0502020204030204" pitchFamily="34" charset="0"/>
-              <a:cs typeface="Arial" panose="020B0604020202020204" pitchFamily="34" charset="0"/>
-            </a:endParaRPr>
-          </a:p>
-          <a:p>
-            <a:pPr marL="0" marR="0" algn="just">
-              <a:lnSpc>
-                <a:spcPct val="150000"/>
-              </a:lnSpc>
-              <a:spcBef>
-                <a:spcPts val="0"/>
-              </a:spcBef>
-              <a:spcAft>
-                <a:spcPts val="800"/>
-              </a:spcAft>
-            </a:pPr>
-            <a:r>
-              <a:rPr lang="el-GR" sz="1200" dirty="0">
-                <a:effectLst/>
-                <a:latin typeface="Arial" panose="020B0604020202020204" pitchFamily="34" charset="0"/>
-                <a:ea typeface="Calibri" panose="020F0502020204030204" pitchFamily="34" charset="0"/>
-                <a:cs typeface="Arial" panose="020B0604020202020204" pitchFamily="34" charset="0"/>
-              </a:rPr>
-              <a:t>Εν τέλη τα παραπάνω βήματα επικεντρώνονται σε έναν </a:t>
-            </a:r>
-            <a:r>
-              <a:rPr lang="en-US" sz="1200" dirty="0">
-                <a:effectLst/>
-                <a:latin typeface="Arial" panose="020B0604020202020204" pitchFamily="34" charset="0"/>
-                <a:ea typeface="Calibri" panose="020F0502020204030204" pitchFamily="34" charset="0"/>
-                <a:cs typeface="Arial" panose="020B0604020202020204" pitchFamily="34" charset="0"/>
-              </a:rPr>
-              <a:t>fast paced marketing</a:t>
-            </a:r>
-            <a:r>
-              <a:rPr lang="el-GR" sz="1200" dirty="0">
-                <a:effectLst/>
-                <a:latin typeface="Arial" panose="020B0604020202020204" pitchFamily="34" charset="0"/>
-                <a:ea typeface="Calibri" panose="020F0502020204030204" pitchFamily="34" charset="0"/>
-                <a:cs typeface="Arial" panose="020B0604020202020204" pitchFamily="34" charset="0"/>
-              </a:rPr>
-              <a:t> ρυθμό ανάπτυξης καθώς χρησιμοποιούνται ήδη υπάρχουσες έτοιμες τεχνολογίες για την δόμηση συστημάτων καθώς αυτό δεν είναι προκαθορισμένο διότι μπορεί για να γίνει η επιθυμία “</a:t>
-            </a:r>
-            <a:r>
-              <a:rPr lang="en-US" sz="1200" i="1" dirty="0">
-                <a:effectLst/>
-                <a:latin typeface="Arial" panose="020B0604020202020204" pitchFamily="34" charset="0"/>
-                <a:ea typeface="Calibri" panose="020F0502020204030204" pitchFamily="34" charset="0"/>
-                <a:cs typeface="Arial" panose="020B0604020202020204" pitchFamily="34" charset="0"/>
-              </a:rPr>
-              <a:t>re</a:t>
-            </a:r>
-            <a:r>
-              <a:rPr lang="el-GR" sz="1200" i="1" dirty="0">
-                <a:effectLst/>
-                <a:latin typeface="Arial" panose="020B0604020202020204" pitchFamily="34" charset="0"/>
-                <a:ea typeface="Calibri" panose="020F0502020204030204" pitchFamily="34" charset="0"/>
-                <a:cs typeface="Arial" panose="020B0604020202020204" pitchFamily="34" charset="0"/>
-              </a:rPr>
-              <a:t>-</a:t>
-            </a:r>
-            <a:r>
-              <a:rPr lang="en-US" sz="1200" i="1" dirty="0">
-                <a:effectLst/>
-                <a:latin typeface="Arial" panose="020B0604020202020204" pitchFamily="34" charset="0"/>
-                <a:ea typeface="Calibri" panose="020F0502020204030204" pitchFamily="34" charset="0"/>
-                <a:cs typeface="Arial" panose="020B0604020202020204" pitchFamily="34" charset="0"/>
-              </a:rPr>
-              <a:t>invent the wheel</a:t>
-            </a:r>
-            <a:r>
-              <a:rPr lang="el-GR" sz="1200" dirty="0">
-                <a:effectLst/>
-                <a:latin typeface="Arial" panose="020B0604020202020204" pitchFamily="34" charset="0"/>
-                <a:ea typeface="Calibri" panose="020F0502020204030204" pitchFamily="34" charset="0"/>
-                <a:cs typeface="Arial" panose="020B0604020202020204" pitchFamily="34" charset="0"/>
-              </a:rPr>
-              <a:t>” με την δημιουργία από την αρχή των τεχνολογιών από </a:t>
-            </a:r>
-            <a:r>
-              <a:rPr lang="en-US" sz="1200" dirty="0">
-                <a:effectLst/>
-                <a:latin typeface="Arial" panose="020B0604020202020204" pitchFamily="34" charset="0"/>
-                <a:ea typeface="Calibri" panose="020F0502020204030204" pitchFamily="34" charset="0"/>
-                <a:cs typeface="Arial" panose="020B0604020202020204" pitchFamily="34" charset="0"/>
-              </a:rPr>
-              <a:t>Low level</a:t>
-            </a:r>
-            <a:r>
-              <a:rPr lang="el-GR" sz="1200" dirty="0">
-                <a:effectLst/>
-                <a:latin typeface="Arial" panose="020B0604020202020204" pitchFamily="34" charset="0"/>
-                <a:ea typeface="Calibri" panose="020F0502020204030204" pitchFamily="34" charset="0"/>
-                <a:cs typeface="Arial" panose="020B0604020202020204" pitchFamily="34" charset="0"/>
-              </a:rPr>
-              <a:t>.</a:t>
-            </a:r>
-            <a:endParaRPr lang="en-US" sz="1200" dirty="0">
-              <a:effectLst/>
-              <a:latin typeface="Arial" panose="020B0604020202020204" pitchFamily="34" charset="0"/>
-              <a:ea typeface="Calibri" panose="020F0502020204030204" pitchFamily="34" charset="0"/>
-              <a:cs typeface="Times New Roman" panose="02020603050405020304" pitchFamily="18" charset="0"/>
-            </a:endParaRPr>
+            <a:r>
+              <a:rPr lang="el-GR" dirty="0"/>
+              <a:t>Εδώ θα βρείτε σχετικά βίντεο με το </a:t>
+            </a:r>
+            <a:r>
+              <a:rPr lang="en-US" dirty="0"/>
+              <a:t>Project</a:t>
+            </a:r>
           </a:p>
         </p:txBody>
       </p:sp>
@@ -19264,7 +18641,7 @@
     </p:spTree>
     <p:extLst>
       <p:ext uri="{BB962C8B-B14F-4D97-AF65-F5344CB8AC3E}">
-        <p14:creationId xmlns:p14="http://schemas.microsoft.com/office/powerpoint/2010/main" val="903801522"/>
+        <p14:creationId xmlns:p14="http://schemas.microsoft.com/office/powerpoint/2010/main" val="1964823117"/>
       </p:ext>
     </p:extLst>
   </p:cSld>
@@ -19318,7 +18695,7 @@
           <a:bodyPr/>
           <a:lstStyle/>
           <a:p>
-            <a:pPr marL="0" marR="0" lvl="0" indent="0" algn="l" defTabSz="457200" rtl="0" eaLnBrk="1" fontAlgn="auto" latinLnBrk="0" hangingPunct="1">
+            <a:pPr marL="0" marR="0" lvl="0" indent="0" algn="l" defTabSz="914400" rtl="0" eaLnBrk="1" fontAlgn="auto" latinLnBrk="0" hangingPunct="1">
               <a:lnSpc>
                 <a:spcPct val="100000"/>
               </a:lnSpc>
@@ -19336,59 +18713,13 @@
               <a:defRPr/>
             </a:pPr>
             <a:r>
-              <a:rPr kumimoji="0" lang="el-GR" sz="1200" b="0" i="0" u="none" strike="noStrike" kern="0" cap="none" spc="0" normalizeH="0" baseline="0" noProof="0" dirty="0">
-                <a:ln>
-                  <a:noFill/>
-                </a:ln>
-                <a:solidFill>
-                  <a:srgbClr val="FFFFFF"/>
-                </a:solidFill>
-                <a:effectLst/>
-                <a:uLnTx/>
-                <a:uFillTx/>
-                <a:latin typeface="Arial" panose="020B0604020202020204" pitchFamily="34" charset="0"/>
-                <a:cs typeface="Arial" panose="020B0604020202020204" pitchFamily="34" charset="0"/>
-                <a:sym typeface="Sora"/>
-              </a:rPr>
-              <a:t>Τι εξετάζει το </a:t>
-            </a:r>
-            <a:r>
-              <a:rPr kumimoji="0" lang="en-US" sz="1200" b="0" i="0" u="none" strike="noStrike" kern="0" cap="none" spc="0" normalizeH="0" baseline="0" noProof="0" dirty="0">
-                <a:ln>
-                  <a:noFill/>
-                </a:ln>
-                <a:solidFill>
-                  <a:srgbClr val="FFFFFF"/>
-                </a:solidFill>
-                <a:effectLst/>
-                <a:uLnTx/>
-                <a:uFillTx/>
-                <a:latin typeface="Arial" panose="020B0604020202020204" pitchFamily="34" charset="0"/>
-                <a:cs typeface="Arial" panose="020B0604020202020204" pitchFamily="34" charset="0"/>
-                <a:sym typeface="Sora"/>
-              </a:rPr>
-              <a:t>project </a:t>
-            </a:r>
-            <a:r>
-              <a:rPr kumimoji="0" lang="el-GR" sz="1200" b="0" i="0" u="none" strike="noStrike" kern="0" cap="none" spc="0" normalizeH="0" baseline="0" noProof="0" dirty="0">
-                <a:ln>
-                  <a:noFill/>
-                </a:ln>
-                <a:solidFill>
-                  <a:srgbClr val="FFFFFF"/>
-                </a:solidFill>
-                <a:effectLst/>
-                <a:uLnTx/>
-                <a:uFillTx/>
-                <a:latin typeface="Arial" panose="020B0604020202020204" pitchFamily="34" charset="0"/>
-                <a:cs typeface="Arial" panose="020B0604020202020204" pitchFamily="34" charset="0"/>
-                <a:sym typeface="Sora"/>
-              </a:rPr>
-              <a:t>για σωστή διεκπεραίωση των απαιτήσεων προδιαγραφών?</a:t>
-            </a:r>
-          </a:p>
-          <a:p>
-            <a:pPr marL="0" marR="0" lvl="0" indent="0" algn="l" defTabSz="457200" rtl="0" eaLnBrk="1" fontAlgn="auto" latinLnBrk="0" hangingPunct="1">
+              <a:rPr lang="el-GR" sz="1200" b="1" dirty="0"/>
+              <a:t>ΠΕΡΙΛΗΨΗ</a:t>
+            </a:r>
+            <a:endParaRPr lang="en-US" sz="1200" b="1" dirty="0"/>
+          </a:p>
+          <a:p>
+            <a:pPr marL="0" marR="0" lvl="0" indent="0" algn="l" defTabSz="914400" rtl="0" eaLnBrk="1" fontAlgn="auto" latinLnBrk="0" hangingPunct="1">
               <a:lnSpc>
                 <a:spcPct val="100000"/>
               </a:lnSpc>
@@ -19405,23 +18736,10 @@
               <a:tabLst/>
               <a:defRPr/>
             </a:pPr>
-            <a:endParaRPr kumimoji="0" lang="en-US" sz="1200" b="0" i="0" u="none" strike="noStrike" kern="0" cap="none" spc="0" normalizeH="0" baseline="0" noProof="0" dirty="0">
-              <a:ln>
-                <a:noFill/>
-              </a:ln>
-              <a:solidFill>
-                <a:srgbClr val="FFFFFF"/>
-              </a:solidFill>
-              <a:effectLst/>
-              <a:uLnTx/>
-              <a:uFillTx/>
-              <a:latin typeface="Arial" panose="020B0604020202020204" pitchFamily="34" charset="0"/>
-              <a:cs typeface="Arial" panose="020B0604020202020204" pitchFamily="34" charset="0"/>
-              <a:sym typeface="Sora"/>
-            </a:endParaRPr>
-          </a:p>
-          <a:p>
-            <a:pPr marL="0" marR="0" lvl="0" indent="0" algn="l" defTabSz="457200" rtl="0" eaLnBrk="1" fontAlgn="auto" latinLnBrk="0" hangingPunct="1">
+            <a:endParaRPr lang="en-US" sz="1200" b="1" dirty="0"/>
+          </a:p>
+          <a:p>
+            <a:pPr marL="0" marR="0" lvl="0" indent="0" algn="l" defTabSz="914400" rtl="0" eaLnBrk="1" fontAlgn="auto" latinLnBrk="0" hangingPunct="1">
               <a:lnSpc>
                 <a:spcPct val="100000"/>
               </a:lnSpc>
@@ -19439,670 +18757,289 @@
               <a:defRPr/>
             </a:pPr>
             <a:r>
-              <a:rPr kumimoji="0" lang="en-US" sz="1200" b="0" i="0" u="none" strike="noStrike" kern="0" cap="none" spc="0" normalizeH="0" baseline="0" noProof="0" dirty="0">
-                <a:ln>
-                  <a:noFill/>
-                </a:ln>
-                <a:solidFill>
-                  <a:srgbClr val="FFFFFF"/>
-                </a:solidFill>
+              <a:rPr lang="el-GR" dirty="0">
                 <a:effectLst/>
-                <a:uLnTx/>
-                <a:uFillTx/>
                 <a:latin typeface="Arial" panose="020B0604020202020204" pitchFamily="34" charset="0"/>
-                <a:cs typeface="Arial" panose="020B0604020202020204" pitchFamily="34" charset="0"/>
-                <a:sym typeface="Sora"/>
-              </a:rPr>
-              <a:t>Metaverse: </a:t>
-            </a:r>
-            <a:r>
-              <a:rPr kumimoji="0" lang="el-GR" sz="1200" b="0" i="0" u="none" strike="noStrike" kern="0" cap="none" spc="0" normalizeH="0" baseline="0" noProof="0" dirty="0">
-                <a:ln>
-                  <a:noFill/>
-                </a:ln>
-                <a:solidFill>
-                  <a:srgbClr val="FFFFFF"/>
-                </a:solidFill>
-                <a:effectLst/>
-                <a:uLnTx/>
-                <a:uFillTx/>
-                <a:latin typeface="Arial" panose="020B0604020202020204" pitchFamily="34" charset="0"/>
-                <a:cs typeface="Arial" panose="020B0604020202020204" pitchFamily="34" charset="0"/>
-                <a:sym typeface="Sora"/>
-              </a:rPr>
-              <a:t>Το μέλλον της εξέλιξης του Διαδικτύου, γνωστό ως δεύτερη ζωή, επεκτείνεται σε προσομοιώσεις λογισμικού πολλαπλών ζωών σε φυσικό και εικονικό κόσμο</a:t>
-            </a:r>
-          </a:p>
-          <a:p>
-            <a:pPr marL="0" marR="0" lvl="0" indent="0" algn="l" defTabSz="457200" rtl="0" eaLnBrk="1" fontAlgn="auto" latinLnBrk="0" hangingPunct="1">
-              <a:lnSpc>
-                <a:spcPct val="100000"/>
-              </a:lnSpc>
-              <a:spcBef>
-                <a:spcPts val="0"/>
-              </a:spcBef>
-              <a:spcAft>
-                <a:spcPts val="0"/>
-              </a:spcAft>
-              <a:buClrTx/>
-              <a:buSzTx/>
-              <a:buFontTx/>
-              <a:buNone/>
-              <a:tabLst/>
-              <a:defRPr/>
-            </a:pPr>
-            <a:r>
-              <a:rPr kumimoji="0" lang="el-GR" sz="1200" b="0" i="0" u="none" strike="noStrike" kern="0" cap="none" spc="0" normalizeH="0" baseline="0" noProof="0" dirty="0">
-                <a:ln>
-                  <a:noFill/>
-                </a:ln>
-                <a:solidFill>
-                  <a:srgbClr val="FFFFFF"/>
-                </a:solidFill>
-                <a:effectLst/>
-                <a:uLnTx/>
-                <a:uFillTx/>
-                <a:latin typeface="Arial" panose="020B0604020202020204" pitchFamily="34" charset="0"/>
-                <a:cs typeface="Arial" panose="020B0604020202020204" pitchFamily="34" charset="0"/>
-                <a:sym typeface="Sora"/>
-              </a:rPr>
-              <a:t>Δεν είναι εντελώς υλοποιήσιμη λόγο έλλειψη τεχνολογιών όμως η ιδέα του ήταν πάντα εδώ και ιδίως ξεκίνησε σιωπηρά το 1970 με τα πρώτα </a:t>
-            </a:r>
-            <a:r>
-              <a:rPr kumimoji="0" lang="en-US" sz="1200" b="0" i="0" u="none" strike="noStrike" kern="0" cap="none" spc="0" normalizeH="0" baseline="0" noProof="0" dirty="0">
-                <a:ln>
-                  <a:noFill/>
-                </a:ln>
-                <a:solidFill>
-                  <a:srgbClr val="FFFFFF"/>
-                </a:solidFill>
-                <a:effectLst/>
-                <a:uLnTx/>
-                <a:uFillTx/>
-                <a:latin typeface="Arial" panose="020B0604020202020204" pitchFamily="34" charset="0"/>
-                <a:cs typeface="Arial" panose="020B0604020202020204" pitchFamily="34" charset="0"/>
-                <a:sym typeface="Sora"/>
-              </a:rPr>
-              <a:t>arcade games</a:t>
-            </a:r>
-            <a:endParaRPr kumimoji="0" lang="el-GR" sz="1200" b="0" i="0" u="none" strike="noStrike" kern="0" cap="none" spc="0" normalizeH="0" baseline="0" noProof="0" dirty="0">
-              <a:ln>
-                <a:noFill/>
-              </a:ln>
-              <a:solidFill>
-                <a:srgbClr val="FFFFFF"/>
-              </a:solidFill>
-              <a:effectLst/>
-              <a:uLnTx/>
-              <a:uFillTx/>
-              <a:latin typeface="Arial" panose="020B0604020202020204" pitchFamily="34" charset="0"/>
-              <a:cs typeface="Arial" panose="020B0604020202020204" pitchFamily="34" charset="0"/>
-              <a:sym typeface="Sora"/>
-            </a:endParaRPr>
-          </a:p>
-          <a:p>
-            <a:pPr marL="0" marR="0" lvl="0" indent="0" algn="l" defTabSz="457200" rtl="0" eaLnBrk="1" fontAlgn="auto" latinLnBrk="0" hangingPunct="1">
-              <a:lnSpc>
-                <a:spcPct val="100000"/>
-              </a:lnSpc>
-              <a:spcBef>
-                <a:spcPts val="0"/>
-              </a:spcBef>
-              <a:spcAft>
-                <a:spcPts val="0"/>
-              </a:spcAft>
-              <a:buClrTx/>
-              <a:buSzTx/>
-              <a:buFontTx/>
-              <a:buNone/>
-              <a:tabLst/>
-              <a:defRPr/>
-            </a:pPr>
-            <a:r>
-              <a:rPr kumimoji="0" lang="el-GR" sz="1200" b="0" i="0" u="none" strike="noStrike" kern="0" cap="none" spc="0" normalizeH="0" baseline="0" noProof="0" dirty="0">
-                <a:ln>
-                  <a:noFill/>
-                </a:ln>
-                <a:solidFill>
-                  <a:srgbClr val="FFFFFF"/>
-                </a:solidFill>
-                <a:effectLst/>
-                <a:uLnTx/>
-                <a:uFillTx/>
-                <a:latin typeface="Arial" panose="020B0604020202020204" pitchFamily="34" charset="0"/>
-                <a:cs typeface="Arial" panose="020B0604020202020204" pitchFamily="34" charset="0"/>
-                <a:sym typeface="Sora"/>
-              </a:rPr>
-              <a:t>Ένα μέρος για συγκέντρωση ανθρώπων και δια-δραστικότητα  φυσικού και εικονικού κόσμου.</a:t>
-            </a:r>
-          </a:p>
-          <a:p>
-            <a:pPr marL="0" marR="0" lvl="0" indent="0" algn="l" defTabSz="457200" rtl="0" eaLnBrk="1" fontAlgn="auto" latinLnBrk="0" hangingPunct="1">
-              <a:lnSpc>
-                <a:spcPct val="100000"/>
-              </a:lnSpc>
-              <a:spcBef>
-                <a:spcPts val="0"/>
-              </a:spcBef>
-              <a:spcAft>
-                <a:spcPts val="0"/>
-              </a:spcAft>
-              <a:buClrTx/>
-              <a:buSzTx/>
-              <a:buFontTx/>
-              <a:buNone/>
-              <a:tabLst/>
-              <a:defRPr/>
-            </a:pPr>
-            <a:r>
-              <a:rPr kumimoji="0" lang="en-US" sz="1200" b="0" i="0" u="none" strike="noStrike" kern="0" cap="none" spc="0" normalizeH="0" baseline="0" noProof="0" dirty="0">
-                <a:ln>
-                  <a:noFill/>
-                </a:ln>
-                <a:solidFill>
-                  <a:srgbClr val="FFFFFF"/>
-                </a:solidFill>
-                <a:effectLst/>
-                <a:uLnTx/>
-                <a:uFillTx/>
-                <a:latin typeface="Arial" panose="020B0604020202020204" pitchFamily="34" charset="0"/>
-                <a:cs typeface="Arial" panose="020B0604020202020204" pitchFamily="34" charset="0"/>
-                <a:sym typeface="Sora"/>
-              </a:rPr>
-              <a:t>(o </a:t>
-            </a:r>
-            <a:r>
-              <a:rPr kumimoji="0" lang="el-GR" sz="1200" b="0" i="0" u="none" strike="noStrike" kern="0" cap="none" spc="0" normalizeH="0" baseline="0" noProof="0" dirty="0">
-                <a:ln>
-                  <a:noFill/>
-                </a:ln>
-                <a:solidFill>
-                  <a:srgbClr val="FFFFFF"/>
-                </a:solidFill>
-                <a:effectLst/>
-                <a:uLnTx/>
-                <a:uFillTx/>
-                <a:latin typeface="Arial" panose="020B0604020202020204" pitchFamily="34" charset="0"/>
-                <a:cs typeface="Arial" panose="020B0604020202020204" pitchFamily="34" charset="0"/>
-                <a:sym typeface="Sora"/>
-              </a:rPr>
-              <a:t>άνθρωπος στο επίκεντρο)</a:t>
-            </a:r>
-            <a:endParaRPr kumimoji="0" lang="en-US" sz="1200" b="0" i="0" u="none" strike="noStrike" kern="0" cap="none" spc="0" normalizeH="0" baseline="0" noProof="0" dirty="0">
-              <a:ln>
-                <a:noFill/>
-              </a:ln>
-              <a:solidFill>
-                <a:srgbClr val="FFFFFF"/>
-              </a:solidFill>
-              <a:effectLst/>
-              <a:uLnTx/>
-              <a:uFillTx/>
-              <a:latin typeface="Arial" panose="020B0604020202020204" pitchFamily="34" charset="0"/>
-              <a:cs typeface="Arial" panose="020B0604020202020204" pitchFamily="34" charset="0"/>
-              <a:sym typeface="Sora"/>
-            </a:endParaRPr>
-          </a:p>
-          <a:p>
-            <a:endParaRPr lang="en-US" dirty="0"/>
-          </a:p>
-          <a:p>
-            <a:pPr marL="0" marR="0" lvl="0" indent="0" algn="l" defTabSz="457200" rtl="0" eaLnBrk="1" fontAlgn="auto" latinLnBrk="0" hangingPunct="1">
-              <a:lnSpc>
-                <a:spcPct val="100000"/>
-              </a:lnSpc>
-              <a:spcBef>
-                <a:spcPts val="0"/>
-              </a:spcBef>
-              <a:spcAft>
-                <a:spcPts val="0"/>
-              </a:spcAft>
-              <a:buClrTx/>
-              <a:buSzTx/>
-              <a:buFontTx/>
-              <a:buNone/>
-              <a:tabLst/>
-              <a:defRPr/>
-            </a:pPr>
-            <a:r>
-              <a:rPr lang="en-US" dirty="0"/>
-              <a:t>AR/VR: </a:t>
-            </a:r>
-            <a:r>
-              <a:rPr lang="el-GR" sz="1200" kern="0" dirty="0" err="1">
-                <a:solidFill>
-                  <a:srgbClr val="FFFFFF"/>
-                </a:solidFill>
-                <a:latin typeface="Arial" panose="020B0604020202020204" pitchFamily="34" charset="0"/>
+                <a:ea typeface="Calibri" panose="020F0502020204030204" pitchFamily="34" charset="0"/>
                 <a:cs typeface="Arial" panose="020B0604020202020204" pitchFamily="34" charset="0"/>
               </a:rPr>
-              <a:t>Διεπαφές</a:t>
-            </a:r>
-            <a:r>
-              <a:rPr lang="el-GR" sz="1200" kern="0" dirty="0">
-                <a:solidFill>
-                  <a:srgbClr val="FFFFFF"/>
-                </a:solidFill>
+              <a:t>Ο ψηφιακός κόσμος είναι προϊόν υψηλής συμμετοχής που τείνει να διατηρεί τους χρήστες του καθ' όλη τη διάρκεια/την αφήγηση ή τον αντικειμενικό στόχο. Στον πυρήνα της εφαρμογής του, από τους επιχειρηματικούς στόχους έως την παράδοση προϊόντος, βρίσκονται τα συστήματα βίντεο-παιχνιδιού. Η έρευνα επικεντρώνεται στα δημογραφικά δεδομένα προτιμήσεις εικονικών κόσμων καθώς και την καθηλωτική εμπειρία τους συγκρίνοντας το με αντίστοιχους τίτλους εμπορικής επιτυχίας στα υπερ. και τα κατά. Το σύστημα ανάπτυξης της παρούσας εργασίας είναι επικεντρωμένο στο </a:t>
+            </a:r>
+            <a:r>
+              <a:rPr lang="en-US" dirty="0">
+                <a:effectLst/>
                 <a:latin typeface="Arial" panose="020B0604020202020204" pitchFamily="34" charset="0"/>
+                <a:ea typeface="Calibri" panose="020F0502020204030204" pitchFamily="34" charset="0"/>
                 <a:cs typeface="Arial" panose="020B0604020202020204" pitchFamily="34" charset="0"/>
               </a:rPr>
-              <a:t> υλικού για αλληλεπίδραση με τους καθηλωτικούς κόσμους που προσομοιώνουν την καθημερινή ζωή</a:t>
-            </a:r>
-            <a:endParaRPr kumimoji="0" lang="en-US" sz="1200" b="0" i="0" u="none" strike="noStrike" kern="0" cap="none" spc="0" normalizeH="0" baseline="0" noProof="0" dirty="0">
-              <a:ln>
-                <a:noFill/>
-              </a:ln>
-              <a:solidFill>
-                <a:srgbClr val="FFFFFF"/>
-              </a:solidFill>
-              <a:effectLst/>
-              <a:uLnTx/>
-              <a:uFillTx/>
-              <a:latin typeface="Arial" panose="020B0604020202020204" pitchFamily="34" charset="0"/>
-              <a:cs typeface="Arial" panose="020B0604020202020204" pitchFamily="34" charset="0"/>
-              <a:sym typeface="Sora"/>
-            </a:endParaRPr>
-          </a:p>
-          <a:p>
-            <a:endParaRPr lang="en-US" dirty="0"/>
-          </a:p>
-          <a:p>
-            <a:pPr marL="0" marR="0" lvl="0" indent="0" algn="l" defTabSz="457200" rtl="0" eaLnBrk="1" fontAlgn="auto" latinLnBrk="0" hangingPunct="1">
-              <a:lnSpc>
-                <a:spcPct val="100000"/>
-              </a:lnSpc>
-              <a:spcBef>
-                <a:spcPts val="0"/>
-              </a:spcBef>
-              <a:spcAft>
-                <a:spcPts val="0"/>
-              </a:spcAft>
-              <a:buClrTx/>
-              <a:buSzTx/>
-              <a:buFontTx/>
-              <a:buNone/>
-              <a:tabLst/>
-              <a:defRPr/>
-            </a:pPr>
-            <a:r>
-              <a:rPr lang="el-GR" dirty="0"/>
-              <a:t>Πως σχετίζονται με τα </a:t>
-            </a:r>
-            <a:r>
-              <a:rPr lang="en-US" dirty="0"/>
-              <a:t>Gameplay Mechanics: </a:t>
-            </a:r>
-            <a:r>
-              <a:rPr kumimoji="0" lang="el-GR" sz="1200" b="0" i="0" u="none" strike="noStrike" kern="0" cap="none" spc="0" normalizeH="0" baseline="0" noProof="0" dirty="0">
-                <a:ln>
-                  <a:noFill/>
-                </a:ln>
-                <a:solidFill>
-                  <a:srgbClr val="FFFFFF"/>
-                </a:solidFill>
+              <a:t>multiplayer survival horror experience </a:t>
+            </a:r>
+            <a:r>
+              <a:rPr lang="el-GR" dirty="0">
                 <a:effectLst/>
-                <a:uLnTx/>
-                <a:uFillTx/>
                 <a:latin typeface="Arial" panose="020B0604020202020204" pitchFamily="34" charset="0"/>
+                <a:ea typeface="Calibri" panose="020F0502020204030204" pitchFamily="34" charset="0"/>
                 <a:cs typeface="Arial" panose="020B0604020202020204" pitchFamily="34" charset="0"/>
-                <a:sym typeface="Sora"/>
               </a:rPr>
-              <a:t>Τα API λογισμικού του AR/VR</a:t>
-            </a:r>
-            <a:r>
-              <a:rPr kumimoji="0" lang="en-US" sz="1200" b="0" i="0" u="none" strike="noStrike" kern="0" cap="none" spc="0" normalizeH="0" baseline="0" noProof="0" dirty="0">
-                <a:ln>
-                  <a:noFill/>
-                </a:ln>
-                <a:solidFill>
-                  <a:srgbClr val="FFFFFF"/>
-                </a:solidFill>
+              <a:t>όπως περιβαλλοντικές αλληλεπιδράσεις παίχτη και </a:t>
+            </a:r>
+            <a:r>
+              <a:rPr lang="en-US" dirty="0">
                 <a:effectLst/>
-                <a:uLnTx/>
-                <a:uFillTx/>
                 <a:latin typeface="Arial" panose="020B0604020202020204" pitchFamily="34" charset="0"/>
+                <a:ea typeface="Calibri" panose="020F0502020204030204" pitchFamily="34" charset="0"/>
                 <a:cs typeface="Arial" panose="020B0604020202020204" pitchFamily="34" charset="0"/>
-                <a:sym typeface="Sora"/>
               </a:rPr>
-              <a:t>/classic</a:t>
-            </a:r>
-            <a:r>
-              <a:rPr kumimoji="0" lang="el-GR" sz="1200" b="0" i="0" u="none" strike="noStrike" kern="0" cap="none" spc="0" normalizeH="0" baseline="0" noProof="0" dirty="0">
-                <a:ln>
-                  <a:noFill/>
-                </a:ln>
-                <a:solidFill>
-                  <a:srgbClr val="FFFFFF"/>
-                </a:solidFill>
+              <a:t>real time communications</a:t>
+            </a:r>
+            <a:r>
+              <a:rPr lang="el-GR" dirty="0">
                 <a:effectLst/>
-                <a:uLnTx/>
-                <a:uFillTx/>
                 <a:latin typeface="Arial" panose="020B0604020202020204" pitchFamily="34" charset="0"/>
+                <a:ea typeface="Calibri" panose="020F0502020204030204" pitchFamily="34" charset="0"/>
                 <a:cs typeface="Arial" panose="020B0604020202020204" pitchFamily="34" charset="0"/>
-                <a:sym typeface="Sora"/>
               </a:rPr>
-              <a:t> για τη γεφύρωση του υλικού με την αλληλεπίδραση χρήστη λογισμικού μέσα στο </a:t>
-            </a:r>
-            <a:r>
-              <a:rPr kumimoji="0" lang="el-GR" sz="1200" b="0" i="0" u="none" strike="noStrike" kern="0" cap="none" spc="0" normalizeH="0" baseline="0" noProof="0" dirty="0" err="1">
-                <a:ln>
-                  <a:noFill/>
-                </a:ln>
-                <a:solidFill>
-                  <a:srgbClr val="FFFFFF"/>
-                </a:solidFill>
+              <a:t> (</a:t>
+            </a:r>
+            <a:r>
+              <a:rPr lang="en-US" i="1" dirty="0">
                 <a:effectLst/>
-                <a:uLnTx/>
-                <a:uFillTx/>
                 <a:latin typeface="Arial" panose="020B0604020202020204" pitchFamily="34" charset="0"/>
+                <a:ea typeface="Calibri" panose="020F0502020204030204" pitchFamily="34" charset="0"/>
                 <a:cs typeface="Arial" panose="020B0604020202020204" pitchFamily="34" charset="0"/>
-                <a:sym typeface="Sora"/>
+              </a:rPr>
+              <a:t>Voice over IP</a:t>
+            </a:r>
+            <a:r>
+              <a:rPr lang="el-GR" i="1" dirty="0">
+                <a:effectLst/>
+                <a:latin typeface="Arial" panose="020B0604020202020204" pitchFamily="34" charset="0"/>
+                <a:ea typeface="Calibri" panose="020F0502020204030204" pitchFamily="34" charset="0"/>
+                <a:cs typeface="Arial" panose="020B0604020202020204" pitchFamily="34" charset="0"/>
+              </a:rPr>
+              <a:t> - </a:t>
+            </a:r>
+            <a:r>
+              <a:rPr lang="en-US" i="1" dirty="0">
+                <a:effectLst/>
+                <a:latin typeface="Arial" panose="020B0604020202020204" pitchFamily="34" charset="0"/>
+                <a:ea typeface="Calibri" panose="020F0502020204030204" pitchFamily="34" charset="0"/>
+                <a:cs typeface="Arial" panose="020B0604020202020204" pitchFamily="34" charset="0"/>
+              </a:rPr>
+              <a:t>VOIP</a:t>
+            </a:r>
+            <a:r>
+              <a:rPr lang="el-GR" dirty="0">
+                <a:effectLst/>
+                <a:latin typeface="Arial" panose="020B0604020202020204" pitchFamily="34" charset="0"/>
+                <a:ea typeface="Calibri" panose="020F0502020204030204" pitchFamily="34" charset="0"/>
+                <a:cs typeface="Arial" panose="020B0604020202020204" pitchFamily="34" charset="0"/>
+              </a:rPr>
+              <a:t>) καθώς και την αρχιτεκτονική των συστημάτων δημιουργίας τους προγραμματιστικά αλλά και από άλλες πτυχές συμβάλλουσες όπως 3</a:t>
+            </a:r>
+            <a:r>
+              <a:rPr lang="en-US" dirty="0">
+                <a:effectLst/>
+                <a:latin typeface="Arial" panose="020B0604020202020204" pitchFamily="34" charset="0"/>
+                <a:ea typeface="Calibri" panose="020F0502020204030204" pitchFamily="34" charset="0"/>
+                <a:cs typeface="Arial" panose="020B0604020202020204" pitchFamily="34" charset="0"/>
+              </a:rPr>
+              <a:t>D Architectural Visualization</a:t>
+            </a:r>
+            <a:r>
+              <a:rPr lang="el-GR" dirty="0">
+                <a:effectLst/>
+                <a:latin typeface="Arial" panose="020B0604020202020204" pitchFamily="34" charset="0"/>
+                <a:ea typeface="Calibri" panose="020F0502020204030204" pitchFamily="34" charset="0"/>
+                <a:cs typeface="Arial" panose="020B0604020202020204" pitchFamily="34" charset="0"/>
+              </a:rPr>
+              <a:t>, </a:t>
+            </a:r>
+            <a:r>
+              <a:rPr lang="en-US" dirty="0">
+                <a:effectLst/>
+                <a:latin typeface="Arial" panose="020B0604020202020204" pitchFamily="34" charset="0"/>
+                <a:ea typeface="Calibri" panose="020F0502020204030204" pitchFamily="34" charset="0"/>
+                <a:cs typeface="Arial" panose="020B0604020202020204" pitchFamily="34" charset="0"/>
+              </a:rPr>
+              <a:t>Sound Design</a:t>
+            </a:r>
+            <a:r>
+              <a:rPr lang="el-GR" dirty="0">
+                <a:effectLst/>
+                <a:latin typeface="Arial" panose="020B0604020202020204" pitchFamily="34" charset="0"/>
+                <a:ea typeface="Calibri" panose="020F0502020204030204" pitchFamily="34" charset="0"/>
+                <a:cs typeface="Arial" panose="020B0604020202020204" pitchFamily="34" charset="0"/>
+              </a:rPr>
+              <a:t>. Η </a:t>
+            </a:r>
+            <a:r>
+              <a:rPr lang="el-GR" dirty="0" err="1">
+                <a:effectLst/>
+                <a:latin typeface="Arial" panose="020B0604020202020204" pitchFamily="34" charset="0"/>
+                <a:ea typeface="Calibri" panose="020F0502020204030204" pitchFamily="34" charset="0"/>
+                <a:cs typeface="Arial" panose="020B0604020202020204" pitchFamily="34" charset="0"/>
+              </a:rPr>
+              <a:t>δοθουσες</a:t>
+            </a:r>
+            <a:r>
+              <a:rPr lang="el-GR" dirty="0">
+                <a:effectLst/>
+                <a:latin typeface="Arial" panose="020B0604020202020204" pitchFamily="34" charset="0"/>
+                <a:ea typeface="Calibri" panose="020F0502020204030204" pitchFamily="34" charset="0"/>
+                <a:cs typeface="Arial" panose="020B0604020202020204" pitchFamily="34" charset="0"/>
+              </a:rPr>
+              <a:t> τεχνικές είναι </a:t>
+            </a:r>
+            <a:r>
+              <a:rPr lang="en-US" dirty="0">
+                <a:effectLst/>
+                <a:latin typeface="Arial" panose="020B0604020202020204" pitchFamily="34" charset="0"/>
+                <a:ea typeface="Calibri" panose="020F0502020204030204" pitchFamily="34" charset="0"/>
+                <a:cs typeface="Arial" panose="020B0604020202020204" pitchFamily="34" charset="0"/>
+              </a:rPr>
+              <a:t>abstracted</a:t>
+            </a:r>
+            <a:r>
+              <a:rPr lang="el-GR" dirty="0">
+                <a:effectLst/>
+                <a:latin typeface="Arial" panose="020B0604020202020204" pitchFamily="34" charset="0"/>
+                <a:ea typeface="Calibri" panose="020F0502020204030204" pitchFamily="34" charset="0"/>
+                <a:cs typeface="Arial" panose="020B0604020202020204" pitchFamily="34" charset="0"/>
+              </a:rPr>
+              <a:t> και μπορεί να συμβάλουν σαν </a:t>
+            </a:r>
+            <a:r>
+              <a:rPr lang="en-US" dirty="0">
+                <a:effectLst/>
+                <a:latin typeface="Arial" panose="020B0604020202020204" pitchFamily="34" charset="0"/>
+                <a:ea typeface="Calibri" panose="020F0502020204030204" pitchFamily="34" charset="0"/>
+                <a:cs typeface="Arial" panose="020B0604020202020204" pitchFamily="34" charset="0"/>
+              </a:rPr>
+              <a:t>concept</a:t>
+            </a:r>
+            <a:r>
+              <a:rPr lang="el-GR" dirty="0">
+                <a:effectLst/>
+                <a:latin typeface="Arial" panose="020B0604020202020204" pitchFamily="34" charset="0"/>
+                <a:ea typeface="Calibri" panose="020F0502020204030204" pitchFamily="34" charset="0"/>
+                <a:cs typeface="Arial" panose="020B0604020202020204" pitchFamily="34" charset="0"/>
+              </a:rPr>
+              <a:t> για κάθε είδους </a:t>
+            </a:r>
+            <a:r>
+              <a:rPr lang="en-US" dirty="0">
+                <a:effectLst/>
+                <a:latin typeface="Arial" panose="020B0604020202020204" pitchFamily="34" charset="0"/>
+                <a:ea typeface="Calibri" panose="020F0502020204030204" pitchFamily="34" charset="0"/>
+                <a:cs typeface="Arial" panose="020B0604020202020204" pitchFamily="34" charset="0"/>
+              </a:rPr>
+              <a:t>genre game</a:t>
+            </a:r>
+            <a:r>
+              <a:rPr lang="el-GR" dirty="0">
+                <a:effectLst/>
+                <a:latin typeface="Arial" panose="020B0604020202020204" pitchFamily="34" charset="0"/>
+                <a:ea typeface="Calibri" panose="020F0502020204030204" pitchFamily="34" charset="0"/>
+                <a:cs typeface="Arial" panose="020B0604020202020204" pitchFamily="34" charset="0"/>
+              </a:rPr>
+              <a:t> (</a:t>
+            </a:r>
+            <a:r>
+              <a:rPr lang="en-US" i="1" dirty="0">
+                <a:effectLst/>
+                <a:latin typeface="Arial" panose="020B0604020202020204" pitchFamily="34" charset="0"/>
+                <a:ea typeface="Calibri" panose="020F0502020204030204" pitchFamily="34" charset="0"/>
+                <a:cs typeface="Arial" panose="020B0604020202020204" pitchFamily="34" charset="0"/>
+              </a:rPr>
+              <a:t>virtual world</a:t>
+            </a:r>
+            <a:r>
+              <a:rPr lang="el-GR" dirty="0">
+                <a:effectLst/>
+                <a:latin typeface="Arial" panose="020B0604020202020204" pitchFamily="34" charset="0"/>
+                <a:ea typeface="Calibri" panose="020F0502020204030204" pitchFamily="34" charset="0"/>
+                <a:cs typeface="Arial" panose="020B0604020202020204" pitchFamily="34" charset="0"/>
+              </a:rPr>
+              <a:t>) </a:t>
+            </a:r>
+            <a:r>
+              <a:rPr lang="en-US" dirty="0">
+                <a:effectLst/>
+                <a:latin typeface="Arial" panose="020B0604020202020204" pitchFamily="34" charset="0"/>
+                <a:ea typeface="Calibri" panose="020F0502020204030204" pitchFamily="34" charset="0"/>
+                <a:cs typeface="Arial" panose="020B0604020202020204" pitchFamily="34" charset="0"/>
+              </a:rPr>
+              <a:t>mechanic </a:t>
+            </a:r>
+            <a:r>
+              <a:rPr lang="el-GR" dirty="0">
+                <a:effectLst/>
+                <a:latin typeface="Arial" panose="020B0604020202020204" pitchFamily="34" charset="0"/>
+                <a:ea typeface="Calibri" panose="020F0502020204030204" pitchFamily="34" charset="0"/>
+                <a:cs typeface="Arial" panose="020B0604020202020204" pitchFamily="34" charset="0"/>
+              </a:rPr>
+              <a:t>αλλά και σε κάθε είδους πλατφόρμας </a:t>
+            </a:r>
+            <a:r>
+              <a:rPr lang="en-US" dirty="0">
+                <a:effectLst/>
+                <a:latin typeface="Arial" panose="020B0604020202020204" pitchFamily="34" charset="0"/>
+                <a:ea typeface="Calibri" panose="020F0502020204030204" pitchFamily="34" charset="0"/>
+                <a:cs typeface="Arial" panose="020B0604020202020204" pitchFamily="34" charset="0"/>
+              </a:rPr>
+              <a:t>AR</a:t>
+            </a:r>
+            <a:r>
+              <a:rPr lang="el-GR" dirty="0">
+                <a:effectLst/>
+                <a:latin typeface="Arial" panose="020B0604020202020204" pitchFamily="34" charset="0"/>
+                <a:ea typeface="Calibri" panose="020F0502020204030204" pitchFamily="34" charset="0"/>
+                <a:cs typeface="Arial" panose="020B0604020202020204" pitchFamily="34" charset="0"/>
+              </a:rPr>
+              <a:t>/</a:t>
+            </a:r>
+            <a:r>
+              <a:rPr lang="en-US" dirty="0">
+                <a:effectLst/>
+                <a:latin typeface="Arial" panose="020B0604020202020204" pitchFamily="34" charset="0"/>
+                <a:ea typeface="Calibri" panose="020F0502020204030204" pitchFamily="34" charset="0"/>
+                <a:cs typeface="Arial" panose="020B0604020202020204" pitchFamily="34" charset="0"/>
+              </a:rPr>
+              <a:t>VR</a:t>
+            </a:r>
+            <a:r>
+              <a:rPr lang="el-GR" dirty="0">
+                <a:effectLst/>
+                <a:latin typeface="Arial" panose="020B0604020202020204" pitchFamily="34" charset="0"/>
+                <a:ea typeface="Calibri" panose="020F0502020204030204" pitchFamily="34" charset="0"/>
+                <a:cs typeface="Arial" panose="020B0604020202020204" pitchFamily="34" charset="0"/>
+              </a:rPr>
+              <a:t> &amp; </a:t>
+            </a:r>
+            <a:r>
+              <a:rPr lang="en-US" dirty="0">
+                <a:effectLst/>
+                <a:latin typeface="Arial" panose="020B0604020202020204" pitchFamily="34" charset="0"/>
+                <a:ea typeface="Calibri" panose="020F0502020204030204" pitchFamily="34" charset="0"/>
+                <a:cs typeface="Arial" panose="020B0604020202020204" pitchFamily="34" charset="0"/>
               </a:rPr>
               <a:t>metaverse</a:t>
             </a:r>
             <a:r>
-              <a:rPr kumimoji="0" lang="el-GR" sz="1200" b="0" i="0" u="none" strike="noStrike" kern="0" cap="none" spc="0" normalizeH="0" baseline="0" noProof="0" dirty="0">
-                <a:ln>
-                  <a:noFill/>
-                </a:ln>
-                <a:solidFill>
-                  <a:srgbClr val="FFFFFF"/>
-                </a:solidFill>
+              <a:rPr lang="el-GR" dirty="0">
                 <a:effectLst/>
-                <a:uLnTx/>
-                <a:uFillTx/>
                 <a:latin typeface="Arial" panose="020B0604020202020204" pitchFamily="34" charset="0"/>
+                <a:ea typeface="Calibri" panose="020F0502020204030204" pitchFamily="34" charset="0"/>
                 <a:cs typeface="Arial" panose="020B0604020202020204" pitchFamily="34" charset="0"/>
-                <a:sym typeface="Sora"/>
               </a:rPr>
-              <a:t> </a:t>
-            </a:r>
-            <a:r>
-              <a:rPr kumimoji="0" lang="el-GR" sz="1200" b="0" i="0" u="none" strike="noStrike" kern="0" cap="none" spc="0" normalizeH="0" baseline="0" noProof="0" dirty="0">
-                <a:ln>
-                  <a:noFill/>
-                </a:ln>
-                <a:solidFill>
-                  <a:srgbClr val="FFC000"/>
-                </a:solidFill>
-                <a:effectLst/>
-                <a:uLnTx/>
-                <a:uFillTx/>
-                <a:latin typeface="Arial" panose="020B0604020202020204" pitchFamily="34" charset="0"/>
-                <a:cs typeface="Arial" panose="020B0604020202020204" pitchFamily="34" charset="0"/>
-                <a:sym typeface="Sora"/>
-              </a:rPr>
-              <a:t>καθώς και πολλά περισσότερο από αυτό.</a:t>
-            </a:r>
-          </a:p>
-          <a:p>
-            <a:pPr marL="0" marR="0" lvl="0" indent="0" algn="l" defTabSz="457200" rtl="0" eaLnBrk="1" fontAlgn="auto" latinLnBrk="0" hangingPunct="1">
-              <a:lnSpc>
-                <a:spcPct val="100000"/>
-              </a:lnSpc>
-              <a:spcBef>
-                <a:spcPts val="0"/>
-              </a:spcBef>
-              <a:spcAft>
-                <a:spcPts val="0"/>
-              </a:spcAft>
-              <a:buClrTx/>
-              <a:buSzTx/>
-              <a:buFontTx/>
-              <a:buNone/>
-              <a:tabLst/>
-              <a:defRPr/>
-            </a:pPr>
-            <a:endParaRPr kumimoji="0" lang="el-GR" sz="1200" b="0" i="0" u="none" strike="noStrike" kern="0" cap="none" spc="0" normalizeH="0" baseline="0" noProof="0" dirty="0">
-              <a:ln>
-                <a:noFill/>
-              </a:ln>
-              <a:solidFill>
-                <a:srgbClr val="FFC000"/>
-              </a:solidFill>
+              <a:t>.</a:t>
+            </a:r>
+            <a:endParaRPr lang="en-US" dirty="0">
               <a:effectLst/>
-              <a:uLnTx/>
-              <a:uFillTx/>
               <a:latin typeface="Arial" panose="020B0604020202020204" pitchFamily="34" charset="0"/>
+              <a:ea typeface="Calibri" panose="020F0502020204030204" pitchFamily="34" charset="0"/>
               <a:cs typeface="Arial" panose="020B0604020202020204" pitchFamily="34" charset="0"/>
-              <a:sym typeface="Sora"/>
-            </a:endParaRPr>
-          </a:p>
-          <a:p>
-            <a:pPr marL="0" marR="0" lvl="0" indent="0" algn="l" defTabSz="457200" rtl="0" eaLnBrk="1" fontAlgn="auto" latinLnBrk="0" hangingPunct="1">
-              <a:lnSpc>
-                <a:spcPct val="100000"/>
-              </a:lnSpc>
-              <a:spcBef>
-                <a:spcPts val="0"/>
-              </a:spcBef>
-              <a:spcAft>
-                <a:spcPts val="0"/>
-              </a:spcAft>
-              <a:buClrTx/>
-              <a:buSzTx/>
-              <a:buFontTx/>
-              <a:buNone/>
-              <a:tabLst/>
-              <a:defRPr/>
-            </a:pPr>
-            <a:r>
-              <a:rPr kumimoji="0" lang="el-GR" sz="1200" b="0" i="0" u="none" strike="noStrike" kern="0" cap="none" spc="0" normalizeH="0" baseline="0" noProof="0" dirty="0">
-                <a:ln>
-                  <a:noFill/>
-                </a:ln>
-                <a:solidFill>
-                  <a:srgbClr val="FFFFFF"/>
-                </a:solidFill>
-                <a:effectLst/>
-                <a:uLnTx/>
-                <a:uFillTx/>
-                <a:latin typeface="Arial" panose="020B0604020202020204" pitchFamily="34" charset="0"/>
-                <a:cs typeface="Arial" panose="020B0604020202020204" pitchFamily="34" charset="0"/>
-                <a:sym typeface="Sora"/>
-              </a:rPr>
-              <a:t>Εταιρείες μεγάλης τεχνολογίας κολοσσοί</a:t>
-            </a:r>
-            <a:r>
-              <a:rPr kumimoji="0" lang="en-US" sz="1200" b="0" i="0" u="none" strike="noStrike" kern="0" cap="none" spc="0" normalizeH="0" baseline="0" noProof="0" dirty="0">
-                <a:ln>
-                  <a:noFill/>
-                </a:ln>
-                <a:solidFill>
-                  <a:srgbClr val="FFFFFF"/>
-                </a:solidFill>
-                <a:effectLst/>
-                <a:uLnTx/>
-                <a:uFillTx/>
-                <a:latin typeface="Arial" panose="020B0604020202020204" pitchFamily="34" charset="0"/>
-                <a:cs typeface="Arial" panose="020B0604020202020204" pitchFamily="34" charset="0"/>
-                <a:sym typeface="Sora"/>
-              </a:rPr>
-              <a:t> </a:t>
-            </a:r>
-            <a:r>
-              <a:rPr kumimoji="0" lang="el-GR" sz="1200" b="0" i="0" u="none" strike="noStrike" kern="0" cap="none" spc="0" normalizeH="0" baseline="0" noProof="0" dirty="0">
-                <a:ln>
-                  <a:noFill/>
-                </a:ln>
-                <a:solidFill>
-                  <a:srgbClr val="FFFFFF"/>
-                </a:solidFill>
-                <a:effectLst/>
-                <a:uLnTx/>
-                <a:uFillTx/>
-                <a:latin typeface="Arial" panose="020B0604020202020204" pitchFamily="34" charset="0"/>
-                <a:cs typeface="Arial" panose="020B0604020202020204" pitchFamily="34" charset="0"/>
-                <a:sym typeface="Sora"/>
-              </a:rPr>
-              <a:t>και όραμα ενιαίας ανάπτυξης (κοινά πρότυπα λογισμικού)</a:t>
-            </a:r>
-            <a:r>
-              <a:rPr kumimoji="0" lang="en-US" sz="1200" b="0" i="0" u="none" strike="noStrike" kern="0" cap="none" spc="0" normalizeH="0" baseline="0" noProof="0" dirty="0">
-                <a:ln>
-                  <a:noFill/>
-                </a:ln>
-                <a:solidFill>
-                  <a:srgbClr val="FFFFFF"/>
-                </a:solidFill>
-                <a:effectLst/>
-                <a:uLnTx/>
-                <a:uFillTx/>
-                <a:latin typeface="Arial" panose="020B0604020202020204" pitchFamily="34" charset="0"/>
-                <a:cs typeface="Arial" panose="020B0604020202020204" pitchFamily="34" charset="0"/>
-                <a:sym typeface="Sora"/>
-              </a:rPr>
-              <a:t> = </a:t>
-            </a:r>
-            <a:r>
-              <a:rPr lang="el-GR" dirty="0"/>
-              <a:t>Κοινά πρότυπα </a:t>
-            </a:r>
-            <a:r>
-              <a:rPr lang="en-US" dirty="0"/>
-              <a:t>business processes </a:t>
-            </a:r>
-            <a:r>
-              <a:rPr lang="el-GR" dirty="0"/>
-              <a:t>δηλαδή</a:t>
-            </a:r>
-            <a:r>
-              <a:rPr lang="en-US" dirty="0"/>
-              <a:t> </a:t>
-            </a:r>
-            <a:r>
-              <a:rPr lang="el-GR" dirty="0"/>
-              <a:t>δεν</a:t>
-            </a:r>
-            <a:r>
-              <a:rPr lang="en-US" dirty="0"/>
-              <a:t> </a:t>
-            </a:r>
-            <a:r>
-              <a:rPr lang="el-GR" dirty="0"/>
-              <a:t>χρειάζεσαι</a:t>
-            </a:r>
-            <a:r>
-              <a:rPr lang="en-US" dirty="0"/>
-              <a:t> </a:t>
-            </a:r>
-            <a:r>
-              <a:rPr lang="el-GR" dirty="0"/>
-              <a:t>μόνο</a:t>
-            </a:r>
-            <a:r>
-              <a:rPr lang="en-US" dirty="0"/>
-              <a:t> </a:t>
-            </a:r>
-            <a:r>
-              <a:rPr lang="el-GR" dirty="0"/>
-              <a:t>κάποια</a:t>
-            </a:r>
-            <a:r>
-              <a:rPr lang="en-US" dirty="0"/>
-              <a:t> </a:t>
-            </a:r>
-            <a:r>
-              <a:rPr lang="el-GR" dirty="0"/>
-              <a:t>εταιρεία</a:t>
-            </a:r>
-            <a:r>
-              <a:rPr lang="en-US" dirty="0"/>
-              <a:t> </a:t>
-            </a:r>
-            <a:r>
-              <a:rPr lang="el-GR" dirty="0"/>
-              <a:t>αλλά</a:t>
-            </a:r>
-            <a:r>
-              <a:rPr lang="en-US" dirty="0"/>
-              <a:t> </a:t>
-            </a:r>
-            <a:r>
-              <a:rPr lang="el-GR" dirty="0"/>
-              <a:t>και όλα τα κομμάτια τις</a:t>
-            </a:r>
-            <a:r>
-              <a:rPr lang="en-US" dirty="0"/>
-              <a:t> </a:t>
-            </a:r>
-            <a:r>
-              <a:rPr lang="el-GR" dirty="0"/>
-              <a:t>σε διοικητικό και</a:t>
-            </a:r>
-            <a:r>
-              <a:rPr lang="en-US" dirty="0"/>
-              <a:t> development </a:t>
-            </a:r>
-            <a:r>
-              <a:rPr lang="el-GR" dirty="0"/>
-              <a:t>να</a:t>
-            </a:r>
-            <a:r>
-              <a:rPr lang="en-US" dirty="0"/>
-              <a:t> </a:t>
-            </a:r>
-            <a:r>
-              <a:rPr lang="el-GR" dirty="0"/>
-              <a:t>επικοινωνούν</a:t>
-            </a:r>
-            <a:r>
-              <a:rPr lang="en-US" dirty="0"/>
-              <a:t> </a:t>
-            </a:r>
-            <a:r>
-              <a:rPr lang="el-GR" dirty="0"/>
-              <a:t>μεταξύ τους προχωρούν μεταξύ τους γνωρίζοντας</a:t>
-            </a:r>
-            <a:r>
-              <a:rPr lang="en-US" dirty="0"/>
-              <a:t> </a:t>
-            </a:r>
-            <a:r>
-              <a:rPr lang="el-GR" dirty="0"/>
-              <a:t>τα</a:t>
-            </a:r>
-            <a:r>
-              <a:rPr lang="en-US" dirty="0"/>
-              <a:t> impediments (</a:t>
-            </a:r>
-            <a:r>
-              <a:rPr lang="el-GR" dirty="0"/>
-              <a:t>τα</a:t>
-            </a:r>
-            <a:r>
-              <a:rPr lang="en-US" dirty="0"/>
-              <a:t> </a:t>
-            </a:r>
-            <a:r>
-              <a:rPr lang="el-GR" dirty="0"/>
-              <a:t>εμπόδια</a:t>
-            </a:r>
-            <a:r>
-              <a:rPr lang="en-US" dirty="0"/>
-              <a:t>) </a:t>
-            </a:r>
-            <a:r>
-              <a:rPr lang="el-GR" dirty="0"/>
-              <a:t>και πώς να τα ξεπεράσουν χρησιμοποιώντας τεχνικές πχ, </a:t>
-            </a:r>
-            <a:r>
-              <a:rPr lang="en-US" dirty="0"/>
-              <a:t>agile-scrum, GitHub, Jira, tickets etc.</a:t>
-            </a:r>
-            <a:endParaRPr kumimoji="0" lang="en-US" sz="1200" b="0" i="0" u="none" strike="noStrike" kern="0" cap="none" spc="0" normalizeH="0" baseline="0" noProof="0" dirty="0">
-              <a:ln>
-                <a:noFill/>
-              </a:ln>
-              <a:solidFill>
-                <a:srgbClr val="D5FA68"/>
-              </a:solidFill>
-              <a:effectLst/>
-              <a:uLnTx/>
-              <a:uFillTx/>
-              <a:latin typeface="Arial" panose="020B0604020202020204" pitchFamily="34" charset="0"/>
-              <a:cs typeface="Arial" panose="020B0604020202020204" pitchFamily="34" charset="0"/>
-              <a:sym typeface="Sora"/>
             </a:endParaRPr>
           </a:p>
           <a:p>
@@ -20137,7 +19074,7 @@
     </p:spTree>
     <p:extLst>
       <p:ext uri="{BB962C8B-B14F-4D97-AF65-F5344CB8AC3E}">
-        <p14:creationId xmlns:p14="http://schemas.microsoft.com/office/powerpoint/2010/main" val="1192721217"/>
+        <p14:creationId xmlns:p14="http://schemas.microsoft.com/office/powerpoint/2010/main" val="2475791698"/>
       </p:ext>
     </p:extLst>
   </p:cSld>
@@ -20192,67 +19129,164 @@
           <a:lstStyle/>
           <a:p>
             <a:r>
-              <a:rPr lang="el-GR" dirty="0"/>
-              <a:t>Στο </a:t>
-            </a:r>
-            <a:r>
-              <a:rPr lang="en-US" dirty="0"/>
-              <a:t>flow of gaming simulation evolution </a:t>
-            </a:r>
-            <a:r>
-              <a:rPr lang="el-GR" dirty="0"/>
-              <a:t>υπάρχει η ακολουθία </a:t>
-            </a:r>
-            <a:r>
-              <a:rPr lang="en-US" dirty="0"/>
-              <a:t>hardware </a:t>
-            </a:r>
-            <a:r>
-              <a:rPr lang="el-GR" dirty="0"/>
-              <a:t>με τα αντίστοιχα </a:t>
-            </a:r>
-            <a:r>
-              <a:rPr lang="en-US" dirty="0"/>
-              <a:t>software’s</a:t>
-            </a:r>
+              <a:rPr lang="el-GR" sz="1200" dirty="0">
+                <a:effectLst/>
+                <a:latin typeface="Arial" panose="020B0604020202020204" pitchFamily="34" charset="0"/>
+                <a:ea typeface="Calibri" panose="020F0502020204030204" pitchFamily="34" charset="0"/>
+                <a:cs typeface="Arial" panose="020B0604020202020204" pitchFamily="34" charset="0"/>
+              </a:rPr>
+              <a:t>Η παρούσα εργασία συστημάτων παιχνιδιού</a:t>
+            </a:r>
+            <a:r>
+              <a:rPr lang="en-US" sz="1200" dirty="0">
+                <a:effectLst/>
+                <a:latin typeface="Arial" panose="020B0604020202020204" pitchFamily="34" charset="0"/>
+                <a:ea typeface="Calibri" panose="020F0502020204030204" pitchFamily="34" charset="0"/>
+                <a:cs typeface="Arial" panose="020B0604020202020204" pitchFamily="34" charset="0"/>
+              </a:rPr>
+              <a:t> </a:t>
+            </a:r>
+            <a:r>
+              <a:rPr lang="el-GR" sz="1200" dirty="0">
+                <a:effectLst/>
+                <a:latin typeface="Arial" panose="020B0604020202020204" pitchFamily="34" charset="0"/>
+                <a:ea typeface="Calibri" panose="020F0502020204030204" pitchFamily="34" charset="0"/>
+                <a:cs typeface="Arial" panose="020B0604020202020204" pitchFamily="34" charset="0"/>
+              </a:rPr>
+              <a:t>δεν είναι </a:t>
+            </a:r>
+            <a:r>
+              <a:rPr lang="en-US" sz="1200" dirty="0">
+                <a:effectLst/>
+                <a:latin typeface="Arial" panose="020B0604020202020204" pitchFamily="34" charset="0"/>
+                <a:ea typeface="Calibri" panose="020F0502020204030204" pitchFamily="34" charset="0"/>
+                <a:cs typeface="Arial" panose="020B0604020202020204" pitchFamily="34" charset="0"/>
+              </a:rPr>
+              <a:t>prototype </a:t>
+            </a:r>
+            <a:r>
+              <a:rPr lang="el-GR" sz="1200" dirty="0">
+                <a:effectLst/>
+                <a:latin typeface="Arial" panose="020B0604020202020204" pitchFamily="34" charset="0"/>
+                <a:ea typeface="Calibri" panose="020F0502020204030204" pitchFamily="34" charset="0"/>
+                <a:cs typeface="Arial" panose="020B0604020202020204" pitchFamily="34" charset="0"/>
+              </a:rPr>
+              <a:t>μοντέλο αλλά τελικό καθώς εγκρίθηκε και δημοσιεύτηκε στην επίσημη πλατφόρμα της </a:t>
+            </a:r>
+            <a:r>
+              <a:rPr lang="en-US" sz="1200" u="sng" dirty="0">
+                <a:solidFill>
+                  <a:srgbClr val="0563C1"/>
+                </a:solidFill>
+                <a:effectLst/>
+                <a:latin typeface="Arial" panose="020B0604020202020204" pitchFamily="34" charset="0"/>
+                <a:ea typeface="Calibri" panose="020F0502020204030204" pitchFamily="34" charset="0"/>
+                <a:cs typeface="Arial" panose="020B0604020202020204" pitchFamily="34" charset="0"/>
+                <a:hlinkClick r:id="rId3"/>
+              </a:rPr>
+              <a:t>Unreal Engine Marketplace</a:t>
+            </a:r>
+            <a:r>
+              <a:rPr lang="el-GR" sz="1200" dirty="0">
+                <a:effectLst/>
+                <a:latin typeface="Arial" panose="020B0604020202020204" pitchFamily="34" charset="0"/>
+                <a:ea typeface="Calibri" panose="020F0502020204030204" pitchFamily="34" charset="0"/>
+                <a:cs typeface="Arial" panose="020B0604020202020204" pitchFamily="34" charset="0"/>
+              </a:rPr>
+              <a:t> ώστε </a:t>
+            </a:r>
+          </a:p>
+          <a:p>
+            <a:r>
+              <a:rPr lang="el-GR" sz="1200" dirty="0">
+                <a:effectLst/>
+                <a:latin typeface="Arial" panose="020B0604020202020204" pitchFamily="34" charset="0"/>
+                <a:ea typeface="Calibri" panose="020F0502020204030204" pitchFamily="34" charset="0"/>
+                <a:cs typeface="Arial" panose="020B0604020202020204" pitchFamily="34" charset="0"/>
+              </a:rPr>
+              <a:t>Λαμβάνοντας τα σωστά βήματα/</a:t>
+            </a:r>
+            <a:r>
+              <a:rPr lang="en-US" sz="1200" dirty="0">
+                <a:effectLst/>
+                <a:latin typeface="Arial" panose="020B0604020202020204" pitchFamily="34" charset="0"/>
+                <a:ea typeface="Calibri" panose="020F0502020204030204" pitchFamily="34" charset="0"/>
+                <a:cs typeface="Arial" panose="020B0604020202020204" pitchFamily="34" charset="0"/>
+              </a:rPr>
+              <a:t>Guidelines</a:t>
+            </a:r>
+            <a:r>
+              <a:rPr lang="el-GR" sz="1200" dirty="0">
+                <a:effectLst/>
+                <a:latin typeface="Arial" panose="020B0604020202020204" pitchFamily="34" charset="0"/>
+                <a:ea typeface="Calibri" panose="020F0502020204030204" pitchFamily="34" charset="0"/>
+                <a:cs typeface="Arial" panose="020B0604020202020204" pitchFamily="34" charset="0"/>
+              </a:rPr>
+              <a:t> που θα συνοψίσουμε παρακάτω για να έρθει εις πέρας ένα </a:t>
+            </a:r>
+            <a:r>
+              <a:rPr lang="en-US" sz="1200" dirty="0">
+                <a:effectLst/>
+                <a:latin typeface="Arial" panose="020B0604020202020204" pitchFamily="34" charset="0"/>
+                <a:ea typeface="Calibri" panose="020F0502020204030204" pitchFamily="34" charset="0"/>
+                <a:cs typeface="Arial" panose="020B0604020202020204" pitchFamily="34" charset="0"/>
+              </a:rPr>
+              <a:t>project </a:t>
+            </a:r>
+            <a:r>
+              <a:rPr lang="el-GR" sz="1200" dirty="0">
+                <a:effectLst/>
+                <a:latin typeface="Arial" panose="020B0604020202020204" pitchFamily="34" charset="0"/>
+                <a:ea typeface="Calibri" panose="020F0502020204030204" pitchFamily="34" charset="0"/>
+                <a:cs typeface="Arial" panose="020B0604020202020204" pitchFamily="34" charset="0"/>
+              </a:rPr>
+              <a:t>κομμάτι </a:t>
+            </a:r>
+            <a:r>
+              <a:rPr lang="en-US" sz="1200" dirty="0">
+                <a:effectLst/>
+                <a:latin typeface="Arial" panose="020B0604020202020204" pitchFamily="34" charset="0"/>
+                <a:ea typeface="Calibri" panose="020F0502020204030204" pitchFamily="34" charset="0"/>
+                <a:cs typeface="Arial" panose="020B0604020202020204" pitchFamily="34" charset="0"/>
+              </a:rPr>
+              <a:t>video</a:t>
+            </a:r>
+            <a:r>
+              <a:rPr lang="el-GR" sz="1200" dirty="0">
+                <a:effectLst/>
+                <a:latin typeface="Arial" panose="020B0604020202020204" pitchFamily="34" charset="0"/>
+                <a:ea typeface="Calibri" panose="020F0502020204030204" pitchFamily="34" charset="0"/>
+                <a:cs typeface="Arial" panose="020B0604020202020204" pitchFamily="34" charset="0"/>
+              </a:rPr>
+              <a:t>-</a:t>
+            </a:r>
+            <a:r>
+              <a:rPr lang="en-US" sz="1200" dirty="0">
+                <a:effectLst/>
+                <a:latin typeface="Arial" panose="020B0604020202020204" pitchFamily="34" charset="0"/>
+                <a:ea typeface="Calibri" panose="020F0502020204030204" pitchFamily="34" charset="0"/>
+                <a:cs typeface="Arial" panose="020B0604020202020204" pitchFamily="34" charset="0"/>
+              </a:rPr>
+              <a:t>game</a:t>
+            </a:r>
+            <a:r>
+              <a:rPr lang="el-GR" sz="1200" dirty="0">
+                <a:effectLst/>
+                <a:latin typeface="Arial" panose="020B0604020202020204" pitchFamily="34" charset="0"/>
+                <a:ea typeface="Calibri" panose="020F0502020204030204" pitchFamily="34" charset="0"/>
+                <a:cs typeface="Arial" panose="020B0604020202020204" pitchFamily="34" charset="0"/>
+              </a:rPr>
+              <a:t> με σωστή ροή από ιδέα -&gt; υλοποίηση.</a:t>
+            </a:r>
+            <a:endParaRPr lang="en-US" sz="1200" dirty="0">
+              <a:effectLst/>
+              <a:latin typeface="Arial" panose="020B0604020202020204" pitchFamily="34" charset="0"/>
+              <a:ea typeface="Calibri" panose="020F0502020204030204" pitchFamily="34" charset="0"/>
+              <a:cs typeface="Times New Roman" panose="02020603050405020304" pitchFamily="18" charset="0"/>
+            </a:endParaRPr>
           </a:p>
           <a:p>
             <a:endParaRPr lang="en-US" dirty="0"/>
-          </a:p>
-          <a:p>
-            <a:r>
-              <a:rPr lang="el-GR" dirty="0"/>
-              <a:t>Στο </a:t>
-            </a:r>
-            <a:r>
-              <a:rPr lang="en-US" dirty="0"/>
-              <a:t>mobile </a:t>
-            </a:r>
-            <a:r>
-              <a:rPr lang="el-GR" dirty="0"/>
-              <a:t>παρουσιάστηκαν οι πιο μεγάλες αλλαγές του </a:t>
-            </a:r>
-            <a:r>
-              <a:rPr lang="en-US" dirty="0"/>
-              <a:t>gaming industry </a:t>
-            </a:r>
-            <a:r>
-              <a:rPr lang="el-GR" dirty="0"/>
-              <a:t>λόγο </a:t>
-            </a:r>
-            <a:r>
-              <a:rPr lang="el-GR" dirty="0" err="1"/>
-              <a:t>φορητότητας</a:t>
-            </a:r>
-            <a:r>
-              <a:rPr lang="el-GR" dirty="0"/>
-              <a:t> αλλά και δυνατότητες επαυξημένης πραγματικότητας σε βιντεοπαιχνίδια είτε </a:t>
-            </a:r>
-            <a:r>
-              <a:rPr lang="en-US" dirty="0"/>
-              <a:t>social media camera filters</a:t>
-            </a:r>
-            <a:endParaRPr lang="el-GR" dirty="0"/>
           </a:p>
         </p:txBody>
       </p:sp>
@@ -20283,7 +19317,7 @@
     </p:spTree>
     <p:extLst>
       <p:ext uri="{BB962C8B-B14F-4D97-AF65-F5344CB8AC3E}">
-        <p14:creationId xmlns:p14="http://schemas.microsoft.com/office/powerpoint/2010/main" val="1120880429"/>
+        <p14:creationId xmlns:p14="http://schemas.microsoft.com/office/powerpoint/2010/main" val="347017491"/>
       </p:ext>
     </p:extLst>
   </p:cSld>
@@ -20337,27 +19371,187 @@
           <a:bodyPr/>
           <a:lstStyle/>
           <a:p>
-            <a:r>
-              <a:rPr lang="el-GR" dirty="0"/>
-              <a:t>Η επιχείρηση υλοποιήσεις </a:t>
-            </a:r>
-            <a:r>
-              <a:rPr lang="en-US" dirty="0"/>
-              <a:t>VR </a:t>
-            </a:r>
-            <a:r>
-              <a:rPr lang="el-GR" dirty="0"/>
-              <a:t>και </a:t>
-            </a:r>
-            <a:r>
-              <a:rPr lang="en-US" dirty="0"/>
-              <a:t>metaverse </a:t>
-            </a:r>
-            <a:r>
-              <a:rPr lang="el-GR" dirty="0"/>
-              <a:t>είναι πρόσφατη λόγο μεγέθους επεξεργαστικού ισχύος σε περιορισμένο χώρο αλλά και οικοσυστημάτων υποδομής.</a:t>
-            </a:r>
-            <a:endParaRPr lang="en-US" dirty="0"/>
+            <a:pPr marL="0" marR="0" algn="just">
+              <a:lnSpc>
+                <a:spcPct val="150000"/>
+              </a:lnSpc>
+              <a:spcBef>
+                <a:spcPts val="0"/>
+              </a:spcBef>
+              <a:spcAft>
+                <a:spcPts val="800"/>
+              </a:spcAft>
+            </a:pPr>
+            <a:r>
+              <a:rPr lang="el-GR" sz="1200" dirty="0">
+                <a:effectLst/>
+                <a:latin typeface="Arial" panose="020B0604020202020204" pitchFamily="34" charset="0"/>
+                <a:ea typeface="Calibri" panose="020F0502020204030204" pitchFamily="34" charset="0"/>
+                <a:cs typeface="Arial" panose="020B0604020202020204" pitchFamily="34" charset="0"/>
+              </a:rPr>
+              <a:t>Τα βήματα στην δημιουργία συστημάτων εικονικού κόσμου πριν από την διαδικασία έναρξης δόμησης </a:t>
+            </a:r>
+            <a:r>
+              <a:rPr lang="en-US" sz="1200" dirty="0">
+                <a:effectLst/>
+                <a:latin typeface="Arial" panose="020B0604020202020204" pitchFamily="34" charset="0"/>
+                <a:ea typeface="Calibri" panose="020F0502020204030204" pitchFamily="34" charset="0"/>
+                <a:cs typeface="Arial" panose="020B0604020202020204" pitchFamily="34" charset="0"/>
+              </a:rPr>
+              <a:t>business model</a:t>
+            </a:r>
+            <a:r>
+              <a:rPr lang="el-GR" sz="1200" dirty="0">
+                <a:effectLst/>
+                <a:latin typeface="Arial" panose="020B0604020202020204" pitchFamily="34" charset="0"/>
+                <a:ea typeface="Calibri" panose="020F0502020204030204" pitchFamily="34" charset="0"/>
+                <a:cs typeface="Arial" panose="020B0604020202020204" pitchFamily="34" charset="0"/>
+              </a:rPr>
+              <a:t> &amp; </a:t>
+            </a:r>
+            <a:r>
+              <a:rPr lang="en-US" sz="1200" dirty="0">
+                <a:effectLst/>
+                <a:latin typeface="Arial" panose="020B0604020202020204" pitchFamily="34" charset="0"/>
+                <a:ea typeface="Calibri" panose="020F0502020204030204" pitchFamily="34" charset="0"/>
+                <a:cs typeface="Arial" panose="020B0604020202020204" pitchFamily="34" charset="0"/>
+              </a:rPr>
+              <a:t>logic</a:t>
+            </a:r>
+            <a:r>
+              <a:rPr lang="el-GR" sz="1200" dirty="0">
+                <a:effectLst/>
+                <a:latin typeface="Arial" panose="020B0604020202020204" pitchFamily="34" charset="0"/>
+                <a:ea typeface="Calibri" panose="020F0502020204030204" pitchFamily="34" charset="0"/>
+                <a:cs typeface="Arial" panose="020B0604020202020204" pitchFamily="34" charset="0"/>
+              </a:rPr>
+              <a:t> είναι αλγοριθμικά προσεγμένα, τα εξής: </a:t>
+            </a:r>
+            <a:endParaRPr lang="en-US" sz="1200" dirty="0">
+              <a:effectLst/>
+              <a:latin typeface="Arial" panose="020B0604020202020204" pitchFamily="34" charset="0"/>
+              <a:ea typeface="Calibri" panose="020F0502020204030204" pitchFamily="34" charset="0"/>
+              <a:cs typeface="Times New Roman" panose="02020603050405020304" pitchFamily="18" charset="0"/>
+            </a:endParaRPr>
+          </a:p>
+          <a:p>
+            <a:pPr marL="0" marR="0" algn="just">
+              <a:lnSpc>
+                <a:spcPct val="150000"/>
+              </a:lnSpc>
+              <a:spcBef>
+                <a:spcPts val="0"/>
+              </a:spcBef>
+              <a:spcAft>
+                <a:spcPts val="800"/>
+              </a:spcAft>
+            </a:pPr>
+            <a:endParaRPr lang="en-US" sz="1200" dirty="0">
+              <a:effectLst/>
+              <a:latin typeface="Arial" panose="020B0604020202020204" pitchFamily="34" charset="0"/>
+              <a:ea typeface="Calibri" panose="020F0502020204030204" pitchFamily="34" charset="0"/>
+              <a:cs typeface="Arial" panose="020B0604020202020204" pitchFamily="34" charset="0"/>
+            </a:endParaRPr>
+          </a:p>
+          <a:p>
+            <a:pPr marL="0" marR="0" algn="just">
+              <a:lnSpc>
+                <a:spcPct val="150000"/>
+              </a:lnSpc>
+              <a:spcBef>
+                <a:spcPts val="0"/>
+              </a:spcBef>
+              <a:spcAft>
+                <a:spcPts val="800"/>
+              </a:spcAft>
+            </a:pPr>
+            <a:r>
+              <a:rPr lang="el-GR" sz="1200" dirty="0">
+                <a:effectLst/>
+                <a:latin typeface="Arial" panose="020B0604020202020204" pitchFamily="34" charset="0"/>
+                <a:ea typeface="Calibri" panose="020F0502020204030204" pitchFamily="34" charset="0"/>
+                <a:cs typeface="Arial" panose="020B0604020202020204" pitchFamily="34" charset="0"/>
+              </a:rPr>
+              <a:t>Εν τέλη τα παραπάνω βήματα επικεντρώνονται σε έναν </a:t>
+            </a:r>
+            <a:r>
+              <a:rPr lang="en-US" sz="1200" dirty="0">
+                <a:effectLst/>
+                <a:latin typeface="Arial" panose="020B0604020202020204" pitchFamily="34" charset="0"/>
+                <a:ea typeface="Calibri" panose="020F0502020204030204" pitchFamily="34" charset="0"/>
+                <a:cs typeface="Arial" panose="020B0604020202020204" pitchFamily="34" charset="0"/>
+              </a:rPr>
+              <a:t>fast paced marketing</a:t>
+            </a:r>
+            <a:r>
+              <a:rPr lang="el-GR" sz="1200" dirty="0">
+                <a:effectLst/>
+                <a:latin typeface="Arial" panose="020B0604020202020204" pitchFamily="34" charset="0"/>
+                <a:ea typeface="Calibri" panose="020F0502020204030204" pitchFamily="34" charset="0"/>
+                <a:cs typeface="Arial" panose="020B0604020202020204" pitchFamily="34" charset="0"/>
+              </a:rPr>
+              <a:t> ρυθμό ανάπτυξης καθώς χρησιμοποιούνται ήδη υπάρχουσες έτοιμες τεχνολογίες για την δόμηση συστημάτων καθώς αυτό δεν είναι προκαθορισμένο διότι μπορεί για να γίνει η επιθυμία “</a:t>
+            </a:r>
+            <a:r>
+              <a:rPr lang="en-US" sz="1200" i="1" dirty="0">
+                <a:effectLst/>
+                <a:latin typeface="Arial" panose="020B0604020202020204" pitchFamily="34" charset="0"/>
+                <a:ea typeface="Calibri" panose="020F0502020204030204" pitchFamily="34" charset="0"/>
+                <a:cs typeface="Arial" panose="020B0604020202020204" pitchFamily="34" charset="0"/>
+              </a:rPr>
+              <a:t>re</a:t>
+            </a:r>
+            <a:r>
+              <a:rPr lang="el-GR" sz="1200" i="1" dirty="0">
+                <a:effectLst/>
+                <a:latin typeface="Arial" panose="020B0604020202020204" pitchFamily="34" charset="0"/>
+                <a:ea typeface="Calibri" panose="020F0502020204030204" pitchFamily="34" charset="0"/>
+                <a:cs typeface="Arial" panose="020B0604020202020204" pitchFamily="34" charset="0"/>
+              </a:rPr>
+              <a:t>-</a:t>
+            </a:r>
+            <a:r>
+              <a:rPr lang="en-US" sz="1200" i="1" dirty="0">
+                <a:effectLst/>
+                <a:latin typeface="Arial" panose="020B0604020202020204" pitchFamily="34" charset="0"/>
+                <a:ea typeface="Calibri" panose="020F0502020204030204" pitchFamily="34" charset="0"/>
+                <a:cs typeface="Arial" panose="020B0604020202020204" pitchFamily="34" charset="0"/>
+              </a:rPr>
+              <a:t>invent the wheel</a:t>
+            </a:r>
+            <a:r>
+              <a:rPr lang="el-GR" sz="1200" dirty="0">
+                <a:effectLst/>
+                <a:latin typeface="Arial" panose="020B0604020202020204" pitchFamily="34" charset="0"/>
+                <a:ea typeface="Calibri" panose="020F0502020204030204" pitchFamily="34" charset="0"/>
+                <a:cs typeface="Arial" panose="020B0604020202020204" pitchFamily="34" charset="0"/>
+              </a:rPr>
+              <a:t>” με την δημιουργία από την αρχή των τεχνολογιών από </a:t>
+            </a:r>
+            <a:r>
+              <a:rPr lang="en-US" sz="1200" dirty="0">
+                <a:effectLst/>
+                <a:latin typeface="Arial" panose="020B0604020202020204" pitchFamily="34" charset="0"/>
+                <a:ea typeface="Calibri" panose="020F0502020204030204" pitchFamily="34" charset="0"/>
+                <a:cs typeface="Arial" panose="020B0604020202020204" pitchFamily="34" charset="0"/>
+              </a:rPr>
+              <a:t>Low level</a:t>
+            </a:r>
+            <a:r>
+              <a:rPr lang="el-GR" sz="1200" dirty="0">
+                <a:effectLst/>
+                <a:latin typeface="Arial" panose="020B0604020202020204" pitchFamily="34" charset="0"/>
+                <a:ea typeface="Calibri" panose="020F0502020204030204" pitchFamily="34" charset="0"/>
+                <a:cs typeface="Arial" panose="020B0604020202020204" pitchFamily="34" charset="0"/>
+              </a:rPr>
+              <a:t>.</a:t>
+            </a:r>
+            <a:endParaRPr lang="en-US" sz="1200" dirty="0">
+              <a:effectLst/>
+              <a:latin typeface="Arial" panose="020B0604020202020204" pitchFamily="34" charset="0"/>
+              <a:ea typeface="Calibri" panose="020F0502020204030204" pitchFamily="34" charset="0"/>
+              <a:cs typeface="Times New Roman" panose="02020603050405020304" pitchFamily="18" charset="0"/>
+            </a:endParaRPr>
           </a:p>
         </p:txBody>
       </p:sp>
@@ -20388,7 +19582,7 @@
     </p:spTree>
     <p:extLst>
       <p:ext uri="{BB962C8B-B14F-4D97-AF65-F5344CB8AC3E}">
-        <p14:creationId xmlns:p14="http://schemas.microsoft.com/office/powerpoint/2010/main" val="4228776886"/>
+        <p14:creationId xmlns:p14="http://schemas.microsoft.com/office/powerpoint/2010/main" val="903801522"/>
       </p:ext>
     </p:extLst>
   </p:cSld>
@@ -20442,27 +19636,794 @@
           <a:bodyPr/>
           <a:lstStyle/>
           <a:p>
+            <a:pPr marL="0" marR="0" lvl="0" indent="0" algn="l" defTabSz="457200" rtl="0" eaLnBrk="1" fontAlgn="auto" latinLnBrk="0" hangingPunct="1">
+              <a:lnSpc>
+                <a:spcPct val="100000"/>
+              </a:lnSpc>
+              <a:spcBef>
+                <a:spcPts val="0"/>
+              </a:spcBef>
+              <a:spcAft>
+                <a:spcPts val="0"/>
+              </a:spcAft>
+              <a:buClrTx/>
+              <a:buSzTx/>
+              <a:buFontTx/>
+              <a:buNone/>
+              <a:tabLst/>
+              <a:defRPr/>
+            </a:pPr>
+            <a:r>
+              <a:rPr kumimoji="0" lang="el-GR" sz="1200" b="0" i="0" u="none" strike="noStrike" kern="0" cap="none" spc="0" normalizeH="0" baseline="0" noProof="0" dirty="0">
+                <a:ln>
+                  <a:noFill/>
+                </a:ln>
+                <a:solidFill>
+                  <a:srgbClr val="FFFFFF"/>
+                </a:solidFill>
+                <a:effectLst/>
+                <a:uLnTx/>
+                <a:uFillTx/>
+                <a:latin typeface="Arial" panose="020B0604020202020204" pitchFamily="34" charset="0"/>
+                <a:cs typeface="Arial" panose="020B0604020202020204" pitchFamily="34" charset="0"/>
+                <a:sym typeface="Sora"/>
+              </a:rPr>
+              <a:t>Τι εξετάζει το </a:t>
+            </a:r>
+            <a:r>
+              <a:rPr kumimoji="0" lang="en-US" sz="1200" b="0" i="0" u="none" strike="noStrike" kern="0" cap="none" spc="0" normalizeH="0" baseline="0" noProof="0" dirty="0">
+                <a:ln>
+                  <a:noFill/>
+                </a:ln>
+                <a:solidFill>
+                  <a:srgbClr val="FFFFFF"/>
+                </a:solidFill>
+                <a:effectLst/>
+                <a:uLnTx/>
+                <a:uFillTx/>
+                <a:latin typeface="Arial" panose="020B0604020202020204" pitchFamily="34" charset="0"/>
+                <a:cs typeface="Arial" panose="020B0604020202020204" pitchFamily="34" charset="0"/>
+                <a:sym typeface="Sora"/>
+              </a:rPr>
+              <a:t>project </a:t>
+            </a:r>
+            <a:r>
+              <a:rPr kumimoji="0" lang="el-GR" sz="1200" b="0" i="0" u="none" strike="noStrike" kern="0" cap="none" spc="0" normalizeH="0" baseline="0" noProof="0" dirty="0">
+                <a:ln>
+                  <a:noFill/>
+                </a:ln>
+                <a:solidFill>
+                  <a:srgbClr val="FFFFFF"/>
+                </a:solidFill>
+                <a:effectLst/>
+                <a:uLnTx/>
+                <a:uFillTx/>
+                <a:latin typeface="Arial" panose="020B0604020202020204" pitchFamily="34" charset="0"/>
+                <a:cs typeface="Arial" panose="020B0604020202020204" pitchFamily="34" charset="0"/>
+                <a:sym typeface="Sora"/>
+              </a:rPr>
+              <a:t>για σωστή διεκπεραίωση των απαιτήσεων προδιαγραφών?</a:t>
+            </a:r>
+          </a:p>
+          <a:p>
+            <a:pPr marL="0" marR="0" lvl="0" indent="0" algn="l" defTabSz="457200" rtl="0" eaLnBrk="1" fontAlgn="auto" latinLnBrk="0" hangingPunct="1">
+              <a:lnSpc>
+                <a:spcPct val="100000"/>
+              </a:lnSpc>
+              <a:spcBef>
+                <a:spcPts val="0"/>
+              </a:spcBef>
+              <a:spcAft>
+                <a:spcPts val="0"/>
+              </a:spcAft>
+              <a:buClrTx/>
+              <a:buSzTx/>
+              <a:buFontTx/>
+              <a:buNone/>
+              <a:tabLst/>
+              <a:defRPr/>
+            </a:pPr>
+            <a:endParaRPr kumimoji="0" lang="en-US" sz="1200" b="0" i="0" u="none" strike="noStrike" kern="0" cap="none" spc="0" normalizeH="0" baseline="0" noProof="0" dirty="0">
+              <a:ln>
+                <a:noFill/>
+              </a:ln>
+              <a:solidFill>
+                <a:srgbClr val="FFFFFF"/>
+              </a:solidFill>
+              <a:effectLst/>
+              <a:uLnTx/>
+              <a:uFillTx/>
+              <a:latin typeface="Arial" panose="020B0604020202020204" pitchFamily="34" charset="0"/>
+              <a:cs typeface="Arial" panose="020B0604020202020204" pitchFamily="34" charset="0"/>
+              <a:sym typeface="Sora"/>
+            </a:endParaRPr>
+          </a:p>
+          <a:p>
+            <a:pPr marL="0" marR="0" lvl="0" indent="0" algn="l" defTabSz="457200" rtl="0" eaLnBrk="1" fontAlgn="auto" latinLnBrk="0" hangingPunct="1">
+              <a:lnSpc>
+                <a:spcPct val="100000"/>
+              </a:lnSpc>
+              <a:spcBef>
+                <a:spcPts val="0"/>
+              </a:spcBef>
+              <a:spcAft>
+                <a:spcPts val="0"/>
+              </a:spcAft>
+              <a:buClrTx/>
+              <a:buSzTx/>
+              <a:buFontTx/>
+              <a:buNone/>
+              <a:tabLst/>
+              <a:defRPr/>
+            </a:pPr>
+            <a:r>
+              <a:rPr kumimoji="0" lang="en-US" sz="1200" b="0" i="0" u="none" strike="noStrike" kern="0" cap="none" spc="0" normalizeH="0" baseline="0" noProof="0" dirty="0">
+                <a:ln>
+                  <a:noFill/>
+                </a:ln>
+                <a:solidFill>
+                  <a:srgbClr val="FFFFFF"/>
+                </a:solidFill>
+                <a:effectLst/>
+                <a:uLnTx/>
+                <a:uFillTx/>
+                <a:latin typeface="Arial" panose="020B0604020202020204" pitchFamily="34" charset="0"/>
+                <a:cs typeface="Arial" panose="020B0604020202020204" pitchFamily="34" charset="0"/>
+                <a:sym typeface="Sora"/>
+              </a:rPr>
+              <a:t>Metaverse: </a:t>
+            </a:r>
+            <a:r>
+              <a:rPr kumimoji="0" lang="el-GR" sz="1200" b="0" i="0" u="none" strike="noStrike" kern="0" cap="none" spc="0" normalizeH="0" baseline="0" noProof="0" dirty="0">
+                <a:ln>
+                  <a:noFill/>
+                </a:ln>
+                <a:solidFill>
+                  <a:srgbClr val="FFFFFF"/>
+                </a:solidFill>
+                <a:effectLst/>
+                <a:uLnTx/>
+                <a:uFillTx/>
+                <a:latin typeface="Arial" panose="020B0604020202020204" pitchFamily="34" charset="0"/>
+                <a:cs typeface="Arial" panose="020B0604020202020204" pitchFamily="34" charset="0"/>
+                <a:sym typeface="Sora"/>
+              </a:rPr>
+              <a:t>Το μέλλον της εξέλιξης του Διαδικτύου, γνωστό ως δεύτερη ζωή, επεκτείνεται σε προσομοιώσεις λογισμικού πολλαπλών ζωών σε φυσικό και εικονικό κόσμο</a:t>
+            </a:r>
+          </a:p>
+          <a:p>
+            <a:pPr marL="0" marR="0" lvl="0" indent="0" algn="l" defTabSz="457200" rtl="0" eaLnBrk="1" fontAlgn="auto" latinLnBrk="0" hangingPunct="1">
+              <a:lnSpc>
+                <a:spcPct val="100000"/>
+              </a:lnSpc>
+              <a:spcBef>
+                <a:spcPts val="0"/>
+              </a:spcBef>
+              <a:spcAft>
+                <a:spcPts val="0"/>
+              </a:spcAft>
+              <a:buClrTx/>
+              <a:buSzTx/>
+              <a:buFontTx/>
+              <a:buNone/>
+              <a:tabLst/>
+              <a:defRPr/>
+            </a:pPr>
+            <a:r>
+              <a:rPr kumimoji="0" lang="el-GR" sz="1200" b="0" i="0" u="none" strike="noStrike" kern="0" cap="none" spc="0" normalizeH="0" baseline="0" noProof="0" dirty="0">
+                <a:ln>
+                  <a:noFill/>
+                </a:ln>
+                <a:solidFill>
+                  <a:srgbClr val="FFFFFF"/>
+                </a:solidFill>
+                <a:effectLst/>
+                <a:uLnTx/>
+                <a:uFillTx/>
+                <a:latin typeface="Arial" panose="020B0604020202020204" pitchFamily="34" charset="0"/>
+                <a:cs typeface="Arial" panose="020B0604020202020204" pitchFamily="34" charset="0"/>
+                <a:sym typeface="Sora"/>
+              </a:rPr>
+              <a:t>Δεν είναι εντελώς υλοποιήσιμη λόγο έλλειψη τεχνολογιών όμως η ιδέα του ήταν πάντα εδώ και ιδίως ξεκίνησε σιωπηρά το 1970 με τα πρώτα </a:t>
+            </a:r>
+            <a:r>
+              <a:rPr kumimoji="0" lang="en-US" sz="1200" b="0" i="0" u="none" strike="noStrike" kern="0" cap="none" spc="0" normalizeH="0" baseline="0" noProof="0" dirty="0">
+                <a:ln>
+                  <a:noFill/>
+                </a:ln>
+                <a:solidFill>
+                  <a:srgbClr val="FFFFFF"/>
+                </a:solidFill>
+                <a:effectLst/>
+                <a:uLnTx/>
+                <a:uFillTx/>
+                <a:latin typeface="Arial" panose="020B0604020202020204" pitchFamily="34" charset="0"/>
+                <a:cs typeface="Arial" panose="020B0604020202020204" pitchFamily="34" charset="0"/>
+                <a:sym typeface="Sora"/>
+              </a:rPr>
+              <a:t>arcade games</a:t>
+            </a:r>
+            <a:endParaRPr kumimoji="0" lang="el-GR" sz="1200" b="0" i="0" u="none" strike="noStrike" kern="0" cap="none" spc="0" normalizeH="0" baseline="0" noProof="0" dirty="0">
+              <a:ln>
+                <a:noFill/>
+              </a:ln>
+              <a:solidFill>
+                <a:srgbClr val="FFFFFF"/>
+              </a:solidFill>
+              <a:effectLst/>
+              <a:uLnTx/>
+              <a:uFillTx/>
+              <a:latin typeface="Arial" panose="020B0604020202020204" pitchFamily="34" charset="0"/>
+              <a:cs typeface="Arial" panose="020B0604020202020204" pitchFamily="34" charset="0"/>
+              <a:sym typeface="Sora"/>
+            </a:endParaRPr>
+          </a:p>
+          <a:p>
+            <a:pPr marL="0" marR="0" lvl="0" indent="0" algn="l" defTabSz="457200" rtl="0" eaLnBrk="1" fontAlgn="auto" latinLnBrk="0" hangingPunct="1">
+              <a:lnSpc>
+                <a:spcPct val="100000"/>
+              </a:lnSpc>
+              <a:spcBef>
+                <a:spcPts val="0"/>
+              </a:spcBef>
+              <a:spcAft>
+                <a:spcPts val="0"/>
+              </a:spcAft>
+              <a:buClrTx/>
+              <a:buSzTx/>
+              <a:buFontTx/>
+              <a:buNone/>
+              <a:tabLst/>
+              <a:defRPr/>
+            </a:pPr>
+            <a:r>
+              <a:rPr kumimoji="0" lang="el-GR" sz="1200" b="0" i="0" u="none" strike="noStrike" kern="0" cap="none" spc="0" normalizeH="0" baseline="0" noProof="0" dirty="0">
+                <a:ln>
+                  <a:noFill/>
+                </a:ln>
+                <a:solidFill>
+                  <a:srgbClr val="FFFFFF"/>
+                </a:solidFill>
+                <a:effectLst/>
+                <a:uLnTx/>
+                <a:uFillTx/>
+                <a:latin typeface="Arial" panose="020B0604020202020204" pitchFamily="34" charset="0"/>
+                <a:cs typeface="Arial" panose="020B0604020202020204" pitchFamily="34" charset="0"/>
+                <a:sym typeface="Sora"/>
+              </a:rPr>
+              <a:t>Ένα μέρος για συγκέντρωση ανθρώπων και δια-δραστικότητα  φυσικού και εικονικού κόσμου.</a:t>
+            </a:r>
+          </a:p>
+          <a:p>
+            <a:pPr marL="0" marR="0" lvl="0" indent="0" algn="l" defTabSz="457200" rtl="0" eaLnBrk="1" fontAlgn="auto" latinLnBrk="0" hangingPunct="1">
+              <a:lnSpc>
+                <a:spcPct val="100000"/>
+              </a:lnSpc>
+              <a:spcBef>
+                <a:spcPts val="0"/>
+              </a:spcBef>
+              <a:spcAft>
+                <a:spcPts val="0"/>
+              </a:spcAft>
+              <a:buClrTx/>
+              <a:buSzTx/>
+              <a:buFontTx/>
+              <a:buNone/>
+              <a:tabLst/>
+              <a:defRPr/>
+            </a:pPr>
+            <a:r>
+              <a:rPr kumimoji="0" lang="en-US" sz="1200" b="0" i="0" u="none" strike="noStrike" kern="0" cap="none" spc="0" normalizeH="0" baseline="0" noProof="0" dirty="0">
+                <a:ln>
+                  <a:noFill/>
+                </a:ln>
+                <a:solidFill>
+                  <a:srgbClr val="FFFFFF"/>
+                </a:solidFill>
+                <a:effectLst/>
+                <a:uLnTx/>
+                <a:uFillTx/>
+                <a:latin typeface="Arial" panose="020B0604020202020204" pitchFamily="34" charset="0"/>
+                <a:cs typeface="Arial" panose="020B0604020202020204" pitchFamily="34" charset="0"/>
+                <a:sym typeface="Sora"/>
+              </a:rPr>
+              <a:t>(o </a:t>
+            </a:r>
+            <a:r>
+              <a:rPr kumimoji="0" lang="el-GR" sz="1200" b="0" i="0" u="none" strike="noStrike" kern="0" cap="none" spc="0" normalizeH="0" baseline="0" noProof="0" dirty="0">
+                <a:ln>
+                  <a:noFill/>
+                </a:ln>
+                <a:solidFill>
+                  <a:srgbClr val="FFFFFF"/>
+                </a:solidFill>
+                <a:effectLst/>
+                <a:uLnTx/>
+                <a:uFillTx/>
+                <a:latin typeface="Arial" panose="020B0604020202020204" pitchFamily="34" charset="0"/>
+                <a:cs typeface="Arial" panose="020B0604020202020204" pitchFamily="34" charset="0"/>
+                <a:sym typeface="Sora"/>
+              </a:rPr>
+              <a:t>άνθρωπος στο επίκεντρο)</a:t>
+            </a:r>
+            <a:endParaRPr kumimoji="0" lang="en-US" sz="1200" b="0" i="0" u="none" strike="noStrike" kern="0" cap="none" spc="0" normalizeH="0" baseline="0" noProof="0" dirty="0">
+              <a:ln>
+                <a:noFill/>
+              </a:ln>
+              <a:solidFill>
+                <a:srgbClr val="FFFFFF"/>
+              </a:solidFill>
+              <a:effectLst/>
+              <a:uLnTx/>
+              <a:uFillTx/>
+              <a:latin typeface="Arial" panose="020B0604020202020204" pitchFamily="34" charset="0"/>
+              <a:cs typeface="Arial" panose="020B0604020202020204" pitchFamily="34" charset="0"/>
+              <a:sym typeface="Sora"/>
+            </a:endParaRPr>
+          </a:p>
+          <a:p>
+            <a:endParaRPr lang="en-US" dirty="0"/>
+          </a:p>
+          <a:p>
+            <a:pPr marL="0" marR="0" lvl="0" indent="0" algn="l" defTabSz="457200" rtl="0" eaLnBrk="1" fontAlgn="auto" latinLnBrk="0" hangingPunct="1">
+              <a:lnSpc>
+                <a:spcPct val="100000"/>
+              </a:lnSpc>
+              <a:spcBef>
+                <a:spcPts val="0"/>
+              </a:spcBef>
+              <a:spcAft>
+                <a:spcPts val="0"/>
+              </a:spcAft>
+              <a:buClrTx/>
+              <a:buSzTx/>
+              <a:buFontTx/>
+              <a:buNone/>
+              <a:tabLst/>
+              <a:defRPr/>
+            </a:pPr>
+            <a:r>
+              <a:rPr lang="en-US" dirty="0"/>
+              <a:t>AR/VR: </a:t>
+            </a:r>
+            <a:r>
+              <a:rPr lang="el-GR" sz="1200" kern="0" dirty="0" err="1">
+                <a:solidFill>
+                  <a:srgbClr val="FFFFFF"/>
+                </a:solidFill>
+                <a:latin typeface="Arial" panose="020B0604020202020204" pitchFamily="34" charset="0"/>
+                <a:cs typeface="Arial" panose="020B0604020202020204" pitchFamily="34" charset="0"/>
+              </a:rPr>
+              <a:t>Διεπαφές</a:t>
+            </a:r>
+            <a:r>
+              <a:rPr lang="el-GR" sz="1200" kern="0" dirty="0">
+                <a:solidFill>
+                  <a:srgbClr val="FFFFFF"/>
+                </a:solidFill>
+                <a:latin typeface="Arial" panose="020B0604020202020204" pitchFamily="34" charset="0"/>
+                <a:cs typeface="Arial" panose="020B0604020202020204" pitchFamily="34" charset="0"/>
+              </a:rPr>
+              <a:t> υλικού για αλληλεπίδραση με τους καθηλωτικούς κόσμους που προσομοιώνουν την καθημερινή ζωή</a:t>
+            </a:r>
+            <a:endParaRPr kumimoji="0" lang="en-US" sz="1200" b="0" i="0" u="none" strike="noStrike" kern="0" cap="none" spc="0" normalizeH="0" baseline="0" noProof="0" dirty="0">
+              <a:ln>
+                <a:noFill/>
+              </a:ln>
+              <a:solidFill>
+                <a:srgbClr val="FFFFFF"/>
+              </a:solidFill>
+              <a:effectLst/>
+              <a:uLnTx/>
+              <a:uFillTx/>
+              <a:latin typeface="Arial" panose="020B0604020202020204" pitchFamily="34" charset="0"/>
+              <a:cs typeface="Arial" panose="020B0604020202020204" pitchFamily="34" charset="0"/>
+              <a:sym typeface="Sora"/>
+            </a:endParaRPr>
+          </a:p>
+          <a:p>
+            <a:endParaRPr lang="en-US" dirty="0"/>
+          </a:p>
+          <a:p>
+            <a:pPr marL="0" marR="0" lvl="0" indent="0" algn="l" defTabSz="457200" rtl="0" eaLnBrk="1" fontAlgn="auto" latinLnBrk="0" hangingPunct="1">
+              <a:lnSpc>
+                <a:spcPct val="100000"/>
+              </a:lnSpc>
+              <a:spcBef>
+                <a:spcPts val="0"/>
+              </a:spcBef>
+              <a:spcAft>
+                <a:spcPts val="0"/>
+              </a:spcAft>
+              <a:buClrTx/>
+              <a:buSzTx/>
+              <a:buFontTx/>
+              <a:buNone/>
+              <a:tabLst/>
+              <a:defRPr/>
+            </a:pPr>
             <a:r>
               <a:rPr lang="el-GR" dirty="0"/>
-              <a:t>Το </a:t>
+              <a:t>Πως σχετίζονται με τα </a:t>
             </a:r>
             <a:r>
               <a:rPr lang="en-US" dirty="0"/>
-              <a:t>roadmap </a:t>
+              <a:t>Gameplay Mechanics: </a:t>
+            </a:r>
+            <a:r>
+              <a:rPr kumimoji="0" lang="el-GR" sz="1200" b="0" i="0" u="none" strike="noStrike" kern="0" cap="none" spc="0" normalizeH="0" baseline="0" noProof="0" dirty="0">
+                <a:ln>
+                  <a:noFill/>
+                </a:ln>
+                <a:solidFill>
+                  <a:srgbClr val="FFFFFF"/>
+                </a:solidFill>
+                <a:effectLst/>
+                <a:uLnTx/>
+                <a:uFillTx/>
+                <a:latin typeface="Arial" panose="020B0604020202020204" pitchFamily="34" charset="0"/>
+                <a:cs typeface="Arial" panose="020B0604020202020204" pitchFamily="34" charset="0"/>
+                <a:sym typeface="Sora"/>
+              </a:rPr>
+              <a:t>Τα API λογισμικού του AR/VR</a:t>
+            </a:r>
+            <a:r>
+              <a:rPr kumimoji="0" lang="en-US" sz="1200" b="0" i="0" u="none" strike="noStrike" kern="0" cap="none" spc="0" normalizeH="0" baseline="0" noProof="0" dirty="0">
+                <a:ln>
+                  <a:noFill/>
+                </a:ln>
+                <a:solidFill>
+                  <a:srgbClr val="FFFFFF"/>
+                </a:solidFill>
+                <a:effectLst/>
+                <a:uLnTx/>
+                <a:uFillTx/>
+                <a:latin typeface="Arial" panose="020B0604020202020204" pitchFamily="34" charset="0"/>
+                <a:cs typeface="Arial" panose="020B0604020202020204" pitchFamily="34" charset="0"/>
+                <a:sym typeface="Sora"/>
+              </a:rPr>
+              <a:t>/classic</a:t>
+            </a:r>
+            <a:r>
+              <a:rPr kumimoji="0" lang="el-GR" sz="1200" b="0" i="0" u="none" strike="noStrike" kern="0" cap="none" spc="0" normalizeH="0" baseline="0" noProof="0" dirty="0">
+                <a:ln>
+                  <a:noFill/>
+                </a:ln>
+                <a:solidFill>
+                  <a:srgbClr val="FFFFFF"/>
+                </a:solidFill>
+                <a:effectLst/>
+                <a:uLnTx/>
+                <a:uFillTx/>
+                <a:latin typeface="Arial" panose="020B0604020202020204" pitchFamily="34" charset="0"/>
+                <a:cs typeface="Arial" panose="020B0604020202020204" pitchFamily="34" charset="0"/>
+                <a:sym typeface="Sora"/>
+              </a:rPr>
+              <a:t> για τη γεφύρωση του υλικού με την αλληλεπίδραση χρήστη λογισμικού μέσα στο </a:t>
+            </a:r>
+            <a:r>
+              <a:rPr kumimoji="0" lang="el-GR" sz="1200" b="0" i="0" u="none" strike="noStrike" kern="0" cap="none" spc="0" normalizeH="0" baseline="0" noProof="0" dirty="0" err="1">
+                <a:ln>
+                  <a:noFill/>
+                </a:ln>
+                <a:solidFill>
+                  <a:srgbClr val="FFFFFF"/>
+                </a:solidFill>
+                <a:effectLst/>
+                <a:uLnTx/>
+                <a:uFillTx/>
+                <a:latin typeface="Arial" panose="020B0604020202020204" pitchFamily="34" charset="0"/>
+                <a:cs typeface="Arial" panose="020B0604020202020204" pitchFamily="34" charset="0"/>
+                <a:sym typeface="Sora"/>
+              </a:rPr>
+              <a:t>metaverse</a:t>
+            </a:r>
+            <a:r>
+              <a:rPr kumimoji="0" lang="el-GR" sz="1200" b="0" i="0" u="none" strike="noStrike" kern="0" cap="none" spc="0" normalizeH="0" baseline="0" noProof="0" dirty="0">
+                <a:ln>
+                  <a:noFill/>
+                </a:ln>
+                <a:solidFill>
+                  <a:srgbClr val="FFFFFF"/>
+                </a:solidFill>
+                <a:effectLst/>
+                <a:uLnTx/>
+                <a:uFillTx/>
+                <a:latin typeface="Arial" panose="020B0604020202020204" pitchFamily="34" charset="0"/>
+                <a:cs typeface="Arial" panose="020B0604020202020204" pitchFamily="34" charset="0"/>
+                <a:sym typeface="Sora"/>
+              </a:rPr>
+              <a:t> </a:t>
+            </a:r>
+            <a:r>
+              <a:rPr kumimoji="0" lang="el-GR" sz="1200" b="0" i="0" u="none" strike="noStrike" kern="0" cap="none" spc="0" normalizeH="0" baseline="0" noProof="0" dirty="0">
+                <a:ln>
+                  <a:noFill/>
+                </a:ln>
+                <a:solidFill>
+                  <a:srgbClr val="FFC000"/>
+                </a:solidFill>
+                <a:effectLst/>
+                <a:uLnTx/>
+                <a:uFillTx/>
+                <a:latin typeface="Arial" panose="020B0604020202020204" pitchFamily="34" charset="0"/>
+                <a:cs typeface="Arial" panose="020B0604020202020204" pitchFamily="34" charset="0"/>
+                <a:sym typeface="Sora"/>
+              </a:rPr>
+              <a:t>καθώς και πολλά περισσότερο από αυτό.</a:t>
+            </a:r>
+          </a:p>
+          <a:p>
+            <a:pPr marL="0" marR="0" lvl="0" indent="0" algn="l" defTabSz="457200" rtl="0" eaLnBrk="1" fontAlgn="auto" latinLnBrk="0" hangingPunct="1">
+              <a:lnSpc>
+                <a:spcPct val="100000"/>
+              </a:lnSpc>
+              <a:spcBef>
+                <a:spcPts val="0"/>
+              </a:spcBef>
+              <a:spcAft>
+                <a:spcPts val="0"/>
+              </a:spcAft>
+              <a:buClrTx/>
+              <a:buSzTx/>
+              <a:buFontTx/>
+              <a:buNone/>
+              <a:tabLst/>
+              <a:defRPr/>
+            </a:pPr>
+            <a:endParaRPr kumimoji="0" lang="el-GR" sz="1200" b="0" i="0" u="none" strike="noStrike" kern="0" cap="none" spc="0" normalizeH="0" baseline="0" noProof="0" dirty="0">
+              <a:ln>
+                <a:noFill/>
+              </a:ln>
+              <a:solidFill>
+                <a:srgbClr val="FFC000"/>
+              </a:solidFill>
+              <a:effectLst/>
+              <a:uLnTx/>
+              <a:uFillTx/>
+              <a:latin typeface="Arial" panose="020B0604020202020204" pitchFamily="34" charset="0"/>
+              <a:cs typeface="Arial" panose="020B0604020202020204" pitchFamily="34" charset="0"/>
+              <a:sym typeface="Sora"/>
+            </a:endParaRPr>
+          </a:p>
+          <a:p>
+            <a:pPr marL="0" marR="0" lvl="0" indent="0" algn="l" defTabSz="457200" rtl="0" eaLnBrk="1" fontAlgn="auto" latinLnBrk="0" hangingPunct="1">
+              <a:lnSpc>
+                <a:spcPct val="100000"/>
+              </a:lnSpc>
+              <a:spcBef>
+                <a:spcPts val="0"/>
+              </a:spcBef>
+              <a:spcAft>
+                <a:spcPts val="0"/>
+              </a:spcAft>
+              <a:buClrTx/>
+              <a:buSzTx/>
+              <a:buFontTx/>
+              <a:buNone/>
+              <a:tabLst/>
+              <a:defRPr/>
+            </a:pPr>
+            <a:r>
+              <a:rPr kumimoji="0" lang="el-GR" sz="1200" b="0" i="0" u="none" strike="noStrike" kern="0" cap="none" spc="0" normalizeH="0" baseline="0" noProof="0" dirty="0">
+                <a:ln>
+                  <a:noFill/>
+                </a:ln>
+                <a:solidFill>
+                  <a:srgbClr val="FFFFFF"/>
+                </a:solidFill>
+                <a:effectLst/>
+                <a:uLnTx/>
+                <a:uFillTx/>
+                <a:latin typeface="Arial" panose="020B0604020202020204" pitchFamily="34" charset="0"/>
+                <a:cs typeface="Arial" panose="020B0604020202020204" pitchFamily="34" charset="0"/>
+                <a:sym typeface="Sora"/>
+              </a:rPr>
+              <a:t>Εταιρείες μεγάλης τεχνολογίας κολοσσοί</a:t>
+            </a:r>
+            <a:r>
+              <a:rPr kumimoji="0" lang="en-US" sz="1200" b="0" i="0" u="none" strike="noStrike" kern="0" cap="none" spc="0" normalizeH="0" baseline="0" noProof="0" dirty="0">
+                <a:ln>
+                  <a:noFill/>
+                </a:ln>
+                <a:solidFill>
+                  <a:srgbClr val="FFFFFF"/>
+                </a:solidFill>
+                <a:effectLst/>
+                <a:uLnTx/>
+                <a:uFillTx/>
+                <a:latin typeface="Arial" panose="020B0604020202020204" pitchFamily="34" charset="0"/>
+                <a:cs typeface="Arial" panose="020B0604020202020204" pitchFamily="34" charset="0"/>
+                <a:sym typeface="Sora"/>
+              </a:rPr>
+              <a:t> </a:t>
+            </a:r>
+            <a:r>
+              <a:rPr kumimoji="0" lang="el-GR" sz="1200" b="0" i="0" u="none" strike="noStrike" kern="0" cap="none" spc="0" normalizeH="0" baseline="0" noProof="0" dirty="0">
+                <a:ln>
+                  <a:noFill/>
+                </a:ln>
+                <a:solidFill>
+                  <a:srgbClr val="FFFFFF"/>
+                </a:solidFill>
+                <a:effectLst/>
+                <a:uLnTx/>
+                <a:uFillTx/>
+                <a:latin typeface="Arial" panose="020B0604020202020204" pitchFamily="34" charset="0"/>
+                <a:cs typeface="Arial" panose="020B0604020202020204" pitchFamily="34" charset="0"/>
+                <a:sym typeface="Sora"/>
+              </a:rPr>
+              <a:t>και όραμα ενιαίας ανάπτυξης (κοινά πρότυπα λογισμικού)</a:t>
+            </a:r>
+            <a:r>
+              <a:rPr kumimoji="0" lang="en-US" sz="1200" b="0" i="0" u="none" strike="noStrike" kern="0" cap="none" spc="0" normalizeH="0" baseline="0" noProof="0" dirty="0">
+                <a:ln>
+                  <a:noFill/>
+                </a:ln>
+                <a:solidFill>
+                  <a:srgbClr val="FFFFFF"/>
+                </a:solidFill>
+                <a:effectLst/>
+                <a:uLnTx/>
+                <a:uFillTx/>
+                <a:latin typeface="Arial" panose="020B0604020202020204" pitchFamily="34" charset="0"/>
+                <a:cs typeface="Arial" panose="020B0604020202020204" pitchFamily="34" charset="0"/>
+                <a:sym typeface="Sora"/>
+              </a:rPr>
+              <a:t> = </a:t>
             </a:r>
             <a:r>
               <a:rPr lang="el-GR" dirty="0"/>
-              <a:t>της τεχνολογίας</a:t>
-            </a:r>
-          </a:p>
-          <a:p>
-            <a:endParaRPr lang="el-GR" dirty="0"/>
-          </a:p>
-          <a:p>
+              <a:t>Κοινά πρότυπα </a:t>
+            </a:r>
+            <a:r>
+              <a:rPr lang="en-US" dirty="0"/>
+              <a:t>business processes </a:t>
+            </a:r>
             <a:r>
               <a:rPr lang="el-GR" dirty="0"/>
-              <a:t>Για να γίνει αυτό πραγματικότητα πρέπει να υπάρξει και η αντίστοιχη υποδομή και τεχνολογίες από οικοσυστήματα</a:t>
-            </a:r>
+              <a:t>δηλαδή</a:t>
+            </a:r>
+            <a:r>
+              <a:rPr lang="en-US" dirty="0"/>
+              <a:t> </a:t>
+            </a:r>
+            <a:r>
+              <a:rPr lang="el-GR" dirty="0"/>
+              <a:t>δεν</a:t>
+            </a:r>
+            <a:r>
+              <a:rPr lang="en-US" dirty="0"/>
+              <a:t> </a:t>
+            </a:r>
+            <a:r>
+              <a:rPr lang="el-GR" dirty="0"/>
+              <a:t>χρειάζεσαι</a:t>
+            </a:r>
+            <a:r>
+              <a:rPr lang="en-US" dirty="0"/>
+              <a:t> </a:t>
+            </a:r>
+            <a:r>
+              <a:rPr lang="el-GR" dirty="0"/>
+              <a:t>μόνο</a:t>
+            </a:r>
+            <a:r>
+              <a:rPr lang="en-US" dirty="0"/>
+              <a:t> </a:t>
+            </a:r>
+            <a:r>
+              <a:rPr lang="el-GR" dirty="0"/>
+              <a:t>κάποια</a:t>
+            </a:r>
+            <a:r>
+              <a:rPr lang="en-US" dirty="0"/>
+              <a:t> </a:t>
+            </a:r>
+            <a:r>
+              <a:rPr lang="el-GR" dirty="0"/>
+              <a:t>εταιρεία</a:t>
+            </a:r>
+            <a:r>
+              <a:rPr lang="en-US" dirty="0"/>
+              <a:t> </a:t>
+            </a:r>
+            <a:r>
+              <a:rPr lang="el-GR" dirty="0"/>
+              <a:t>αλλά</a:t>
+            </a:r>
+            <a:r>
+              <a:rPr lang="en-US" dirty="0"/>
+              <a:t> </a:t>
+            </a:r>
+            <a:r>
+              <a:rPr lang="el-GR" dirty="0"/>
+              <a:t>και όλα τα κομμάτια τις</a:t>
+            </a:r>
+            <a:r>
+              <a:rPr lang="en-US" dirty="0"/>
+              <a:t> </a:t>
+            </a:r>
+            <a:r>
+              <a:rPr lang="el-GR" dirty="0"/>
+              <a:t>σε διοικητικό και</a:t>
+            </a:r>
+            <a:r>
+              <a:rPr lang="en-US" dirty="0"/>
+              <a:t> development </a:t>
+            </a:r>
+            <a:r>
+              <a:rPr lang="el-GR" dirty="0"/>
+              <a:t>να</a:t>
+            </a:r>
+            <a:r>
+              <a:rPr lang="en-US" dirty="0"/>
+              <a:t> </a:t>
+            </a:r>
+            <a:r>
+              <a:rPr lang="el-GR" dirty="0"/>
+              <a:t>επικοινωνούν</a:t>
+            </a:r>
+            <a:r>
+              <a:rPr lang="en-US" dirty="0"/>
+              <a:t> </a:t>
+            </a:r>
+            <a:r>
+              <a:rPr lang="el-GR" dirty="0"/>
+              <a:t>μεταξύ τους προχωρούν μεταξύ τους γνωρίζοντας</a:t>
+            </a:r>
+            <a:r>
+              <a:rPr lang="en-US" dirty="0"/>
+              <a:t> </a:t>
+            </a:r>
+            <a:r>
+              <a:rPr lang="el-GR" dirty="0"/>
+              <a:t>τα</a:t>
+            </a:r>
+            <a:r>
+              <a:rPr lang="en-US" dirty="0"/>
+              <a:t> impediments (</a:t>
+            </a:r>
+            <a:r>
+              <a:rPr lang="el-GR" dirty="0"/>
+              <a:t>τα</a:t>
+            </a:r>
+            <a:r>
+              <a:rPr lang="en-US" dirty="0"/>
+              <a:t> </a:t>
+            </a:r>
+            <a:r>
+              <a:rPr lang="el-GR" dirty="0"/>
+              <a:t>εμπόδια</a:t>
+            </a:r>
+            <a:r>
+              <a:rPr lang="en-US" dirty="0"/>
+              <a:t>) </a:t>
+            </a:r>
+            <a:r>
+              <a:rPr lang="el-GR" dirty="0"/>
+              <a:t>και πώς να τα ξεπεράσουν χρησιμοποιώντας τεχνικές πχ, </a:t>
+            </a:r>
+            <a:r>
+              <a:rPr lang="en-US" dirty="0"/>
+              <a:t>agile-scrum, GitHub, Jira, tickets etc.</a:t>
+            </a:r>
+            <a:endParaRPr kumimoji="0" lang="en-US" sz="1200" b="0" i="0" u="none" strike="noStrike" kern="0" cap="none" spc="0" normalizeH="0" baseline="0" noProof="0" dirty="0">
+              <a:ln>
+                <a:noFill/>
+              </a:ln>
+              <a:solidFill>
+                <a:srgbClr val="D5FA68"/>
+              </a:solidFill>
+              <a:effectLst/>
+              <a:uLnTx/>
+              <a:uFillTx/>
+              <a:latin typeface="Arial" panose="020B0604020202020204" pitchFamily="34" charset="0"/>
+              <a:cs typeface="Arial" panose="020B0604020202020204" pitchFamily="34" charset="0"/>
+              <a:sym typeface="Sora"/>
+            </a:endParaRPr>
+          </a:p>
+          <a:p>
             <a:endParaRPr lang="en-US" dirty="0"/>
           </a:p>
         </p:txBody>
@@ -20494,7 +20455,7 @@
     </p:spTree>
     <p:extLst>
       <p:ext uri="{BB962C8B-B14F-4D97-AF65-F5344CB8AC3E}">
-        <p14:creationId xmlns:p14="http://schemas.microsoft.com/office/powerpoint/2010/main" val="437758119"/>
+        <p14:creationId xmlns:p14="http://schemas.microsoft.com/office/powerpoint/2010/main" val="1192721217"/>
       </p:ext>
     </p:extLst>
   </p:cSld>
@@ -20550,147 +20511,66 @@
           <a:p>
             <a:r>
               <a:rPr lang="el-GR" dirty="0"/>
-              <a:t>Το συνολικό </a:t>
+              <a:t>Στο </a:t>
+            </a:r>
+            <a:r>
+              <a:rPr lang="en-US" dirty="0"/>
+              <a:t>flow of gaming simulation evolution </a:t>
+            </a:r>
+            <a:r>
+              <a:rPr lang="el-GR" dirty="0"/>
+              <a:t>υπάρχει η ακολουθία </a:t>
+            </a:r>
+            <a:r>
+              <a:rPr lang="en-US" dirty="0"/>
+              <a:t>hardware </a:t>
+            </a:r>
+            <a:r>
+              <a:rPr lang="el-GR" dirty="0"/>
+              <a:t>με τα αντίστοιχα </a:t>
+            </a:r>
+            <a:r>
+              <a:rPr lang="en-US" dirty="0"/>
+              <a:t>software’s</a:t>
+            </a:r>
+          </a:p>
+          <a:p>
+            <a:endParaRPr lang="en-US" dirty="0"/>
+          </a:p>
+          <a:p>
+            <a:r>
+              <a:rPr lang="el-GR" dirty="0"/>
+              <a:t>Στο </a:t>
+            </a:r>
+            <a:r>
+              <a:rPr lang="en-US" dirty="0"/>
+              <a:t>mobile </a:t>
+            </a:r>
+            <a:r>
+              <a:rPr lang="el-GR" dirty="0"/>
+              <a:t>παρουσιάστηκαν οι πιο μεγάλες αλλαγές του </a:t>
+            </a:r>
+            <a:r>
+              <a:rPr lang="en-US" dirty="0"/>
+              <a:t>gaming industry </a:t>
+            </a:r>
+            <a:r>
+              <a:rPr lang="el-GR" dirty="0"/>
+              <a:t>λόγο </a:t>
             </a:r>
             <a:r>
               <a:rPr lang="el-GR" dirty="0" err="1"/>
-              <a:t>υπερσύνολο</a:t>
+              <a:t>φορητότητας</a:t>
             </a:r>
             <a:r>
               <a:rPr lang="el-GR" dirty="0"/>
-              <a:t> που αποτελεί το </a:t>
+              <a:t> αλλά και δυνατότητες επαυξημένης πραγματικότητας σε βιντεοπαιχνίδια είτε </a:t>
             </a:r>
             <a:r>
               <a:rPr lang="en-US" dirty="0"/>
-              <a:t>metaverse </a:t>
-            </a:r>
-            <a:r>
-              <a:rPr lang="el-GR" dirty="0"/>
-              <a:t>και ποια κομμάτια πρέπει να συνυπάρξουν ώστε να λειτουργήσει. Βλέπουμε την ένωση όλων των υποδομών</a:t>
-            </a:r>
-            <a:r>
-              <a:rPr lang="en-US" dirty="0"/>
-              <a:t>(infrastructures)</a:t>
-            </a:r>
-            <a:r>
-              <a:rPr lang="el-GR" dirty="0"/>
-              <a:t> σε δράση</a:t>
-            </a:r>
-            <a:r>
-              <a:rPr lang="en-US" dirty="0"/>
-              <a:t> </a:t>
-            </a:r>
-            <a:r>
-              <a:rPr lang="el-GR" dirty="0"/>
-              <a:t>μεταξύ τους τόσο σε </a:t>
-            </a:r>
-            <a:r>
-              <a:rPr lang="en-US" dirty="0"/>
-              <a:t>proactive </a:t>
-            </a:r>
-            <a:r>
-              <a:rPr lang="el-GR" dirty="0"/>
-              <a:t>όσο και </a:t>
-            </a:r>
-            <a:r>
-              <a:rPr lang="en-US" dirty="0"/>
-              <a:t>reactive </a:t>
-            </a:r>
-            <a:r>
-              <a:rPr lang="el-GR" dirty="0"/>
-              <a:t>κατάσταση.</a:t>
-            </a:r>
-          </a:p>
-          <a:p>
+              <a:t>social media camera filters</a:t>
+            </a:r>
             <a:endParaRPr lang="el-GR" dirty="0"/>
-          </a:p>
-          <a:p>
-            <a:r>
-              <a:rPr lang="el-GR" dirty="0"/>
-              <a:t>Επίσης στις ασύρματες και </a:t>
-            </a:r>
-            <a:r>
-              <a:rPr lang="en-US" dirty="0"/>
-              <a:t>Fixed </a:t>
-            </a:r>
-            <a:r>
-              <a:rPr lang="el-GR" dirty="0"/>
-              <a:t>τεχνολογίες παροχών υπηρεσιών </a:t>
-            </a:r>
-            <a:r>
-              <a:rPr lang="en-US" dirty="0"/>
-              <a:t>(SP) </a:t>
-            </a:r>
-            <a:r>
-              <a:rPr lang="el-GR" dirty="0"/>
-              <a:t>με </a:t>
-            </a:r>
-            <a:r>
-              <a:rPr lang="en-US" dirty="0"/>
-              <a:t>5G </a:t>
-            </a:r>
-            <a:r>
-              <a:rPr lang="el-GR" dirty="0"/>
-              <a:t>και</a:t>
-            </a:r>
-            <a:r>
-              <a:rPr lang="en-US" dirty="0"/>
-              <a:t> FTTH (fiber to the home)</a:t>
-            </a:r>
-            <a:r>
-              <a:rPr lang="el-GR" dirty="0"/>
-              <a:t> δίκτυα τα χρειαζόμαστε για </a:t>
-            </a:r>
-            <a:r>
-              <a:rPr lang="en-US" dirty="0"/>
-              <a:t>Low latency </a:t>
-            </a:r>
-            <a:r>
-              <a:rPr lang="el-GR" dirty="0"/>
-              <a:t>ώστε τα </a:t>
-            </a:r>
-            <a:r>
-              <a:rPr lang="en-US" dirty="0"/>
-              <a:t>mission critical </a:t>
-            </a:r>
-            <a:r>
-              <a:rPr lang="el-GR" dirty="0"/>
-              <a:t>να έχουν απόλυτη ακεραιότητα. </a:t>
-            </a:r>
-          </a:p>
-          <a:p>
-            <a:r>
-              <a:rPr lang="el-GR" dirty="0"/>
-              <a:t>Επίσης σε </a:t>
-            </a:r>
-            <a:r>
-              <a:rPr lang="en-US" dirty="0"/>
-              <a:t>Mounted headset device (HMD) </a:t>
-            </a:r>
-            <a:r>
-              <a:rPr lang="el-GR" dirty="0"/>
-              <a:t>για </a:t>
-            </a:r>
-            <a:r>
-              <a:rPr lang="en-US" dirty="0"/>
-              <a:t>VR</a:t>
-            </a:r>
-            <a:r>
-              <a:rPr lang="el-GR" dirty="0"/>
-              <a:t>/</a:t>
-            </a:r>
-            <a:r>
-              <a:rPr lang="en-US" dirty="0"/>
-              <a:t>MR </a:t>
-            </a:r>
-            <a:r>
-              <a:rPr lang="el-GR" dirty="0"/>
-              <a:t>αποφεύγουμε το </a:t>
-            </a:r>
-            <a:r>
-              <a:rPr lang="en-US" dirty="0"/>
-              <a:t>motion sickness</a:t>
-            </a:r>
           </a:p>
         </p:txBody>
       </p:sp>
@@ -20721,7 +20601,7 @@
     </p:spTree>
     <p:extLst>
       <p:ext uri="{BB962C8B-B14F-4D97-AF65-F5344CB8AC3E}">
-        <p14:creationId xmlns:p14="http://schemas.microsoft.com/office/powerpoint/2010/main" val="547921947"/>
+        <p14:creationId xmlns:p14="http://schemas.microsoft.com/office/powerpoint/2010/main" val="1120880429"/>
       </p:ext>
     </p:extLst>
   </p:cSld>
@@ -20777,89 +20657,23 @@
           <a:p>
             <a:r>
               <a:rPr lang="el-GR" dirty="0"/>
-              <a:t>Υποδομή από αρχιτεκτονικές προδιαγραφές πληροφοριών πχ., </a:t>
+              <a:t>Η επιχείρηση υλοποιήσεις </a:t>
             </a:r>
             <a:r>
               <a:rPr lang="en-US" dirty="0"/>
-              <a:t>TOGAF (enterprise architecture framework) &amp; ITIL library </a:t>
+              <a:t>VR </a:t>
             </a:r>
             <a:r>
               <a:rPr lang="el-GR" dirty="0"/>
-              <a:t>για </a:t>
+              <a:t>και </a:t>
             </a:r>
             <a:r>
               <a:rPr lang="en-US" dirty="0"/>
-              <a:t>best practices </a:t>
+              <a:t>metaverse </a:t>
             </a:r>
             <a:r>
               <a:rPr lang="el-GR" dirty="0"/>
-              <a:t>στο </a:t>
-            </a:r>
-            <a:r>
-              <a:rPr lang="en-US" dirty="0"/>
-              <a:t>Information Technology </a:t>
-            </a:r>
-            <a:r>
-              <a:rPr lang="el-GR" dirty="0"/>
-              <a:t>ώστε να υπάρξουν τα </a:t>
-            </a:r>
-            <a:r>
-              <a:rPr lang="en-US" dirty="0"/>
-              <a:t>Information Technology service management</a:t>
-            </a:r>
-            <a:r>
-              <a:rPr lang="el-GR" dirty="0"/>
-              <a:t> </a:t>
-            </a:r>
-            <a:r>
-              <a:rPr lang="en-US" dirty="0"/>
-              <a:t>services (ITSM services) </a:t>
-            </a:r>
-            <a:r>
-              <a:rPr lang="el-GR" dirty="0"/>
-              <a:t>για ένα </a:t>
-            </a:r>
-            <a:r>
-              <a:rPr lang="en-US" dirty="0"/>
-              <a:t>business.</a:t>
-            </a:r>
-          </a:p>
-          <a:p>
-            <a:r>
-              <a:rPr lang="el-GR" dirty="0"/>
-              <a:t>Σε τεχνολογικό τομέα αλλά και οικοσυστήματα που το περιβάλουν ώστε να υπάρξουν </a:t>
-            </a:r>
-            <a:r>
-              <a:rPr lang="el-GR" dirty="0" err="1"/>
-              <a:t>διεπαφές</a:t>
-            </a:r>
-            <a:r>
-              <a:rPr lang="el-GR" dirty="0"/>
-              <a:t> επικοινωνίας μεταξύ τους αλλά και </a:t>
-            </a:r>
-            <a:r>
-              <a:rPr lang="en-US" dirty="0"/>
-              <a:t>streamlined workflows </a:t>
-            </a:r>
-            <a:r>
-              <a:rPr lang="el-GR" dirty="0"/>
-              <a:t>λειτουργείας τους από χρήστες και αυτοματισμοί διεργασιών (</a:t>
-            </a:r>
-            <a:r>
-              <a:rPr lang="en-US" dirty="0"/>
-              <a:t>automation processes). </a:t>
-            </a:r>
-            <a:r>
-              <a:rPr lang="el-GR" dirty="0"/>
-              <a:t>Δηλαδή να υπάρχει έλεγχος </a:t>
-            </a:r>
-            <a:r>
-              <a:rPr lang="en-US" dirty="0"/>
-              <a:t>proactive </a:t>
-            </a:r>
-            <a:r>
-              <a:rPr lang="el-GR" dirty="0"/>
-              <a:t>κατάσταση</a:t>
+              <a:t>είναι πρόσφατη λόγο μεγέθους επεξεργαστικού ισχύος σε περιορισμένο χώρο αλλά και οικοσυστημάτων υποδομής.</a:t>
             </a:r>
             <a:endParaRPr lang="en-US" dirty="0"/>
           </a:p>
@@ -20892,7 +20706,7 @@
     </p:spTree>
     <p:extLst>
       <p:ext uri="{BB962C8B-B14F-4D97-AF65-F5344CB8AC3E}">
-        <p14:creationId xmlns:p14="http://schemas.microsoft.com/office/powerpoint/2010/main" val="2729025747"/>
+        <p14:creationId xmlns:p14="http://schemas.microsoft.com/office/powerpoint/2010/main" val="4228776886"/>
       </p:ext>
     </p:extLst>
   </p:cSld>
@@ -20948,71 +20762,24 @@
           <a:p>
             <a:r>
               <a:rPr lang="el-GR" dirty="0"/>
-              <a:t>Για την υλοποίηση </a:t>
+              <a:t>Το </a:t>
             </a:r>
             <a:r>
               <a:rPr lang="en-US" dirty="0"/>
-              <a:t>gameplay mechanics </a:t>
+              <a:t>roadmap </a:t>
             </a:r>
             <a:r>
               <a:rPr lang="el-GR" dirty="0"/>
-              <a:t>και </a:t>
-            </a:r>
-            <a:r>
-              <a:rPr lang="en-US" dirty="0"/>
-              <a:t>deploy </a:t>
-            </a:r>
+              <a:t>της τεχνολογίας</a:t>
+            </a:r>
+          </a:p>
+          <a:p>
+            <a:endParaRPr lang="el-GR" dirty="0"/>
+          </a:p>
+          <a:p>
             <a:r>
               <a:rPr lang="el-GR" dirty="0"/>
-              <a:t>στο</a:t>
-            </a:r>
-            <a:r>
-              <a:rPr lang="en-US" dirty="0"/>
-              <a:t> public cloud </a:t>
-            </a:r>
-            <a:r>
-              <a:rPr lang="el-GR" dirty="0"/>
-              <a:t>θα χρειαστεί προφανώς να γίνει </a:t>
-            </a:r>
-            <a:r>
-              <a:rPr lang="en-US" dirty="0"/>
-              <a:t>host </a:t>
-            </a:r>
-            <a:r>
-              <a:rPr lang="el-GR" dirty="0"/>
-              <a:t>σε διακομιστή με δυναμική απαιτήσει πόρων σύμφωνα με τις απαιτήσεις χρηστών. Επιπλέον θα χρειαστούν βάσεις δεδομένων για αποθηκεύσει δεδομένων και εξόρυξή τους ώστε να φτιαχτούν μοντέλα πρόβλεψης και </a:t>
-            </a:r>
-            <a:r>
-              <a:rPr lang="en-US" dirty="0"/>
-              <a:t>analytics</a:t>
-            </a:r>
-            <a:r>
-              <a:rPr lang="el-GR" dirty="0"/>
-              <a:t> άρα θα πρέπει να υπάρχει Εμπιστευτικότητα Ακεραιότητα και Διαθεσιμότητα </a:t>
-            </a:r>
-            <a:r>
-              <a:rPr lang="en-US" dirty="0"/>
-              <a:t>(CIA triad). </a:t>
-            </a:r>
-            <a:r>
-              <a:rPr lang="el-GR" dirty="0"/>
-              <a:t>Επίσης όλα αυτά θα λαμβάνουν χώρο σε </a:t>
-            </a:r>
-            <a:r>
-              <a:rPr lang="en-US" dirty="0"/>
-              <a:t>Data center </a:t>
-            </a:r>
-            <a:r>
-              <a:rPr lang="el-GR" dirty="0"/>
-              <a:t>και κατά πάσα πιθανότητα όχι </a:t>
-            </a:r>
-            <a:r>
-              <a:rPr lang="en-US" dirty="0"/>
-              <a:t>on-premises </a:t>
-            </a:r>
-            <a:r>
-              <a:rPr lang="el-GR" dirty="0"/>
-              <a:t>πλέον.</a:t>
+              <a:t>Για να γίνει αυτό πραγματικότητα πρέπει να υπάρξει και η αντίστοιχη υποδομή και τεχνολογίες από οικοσυστήματα</a:t>
             </a:r>
             <a:endParaRPr lang="en-US" dirty="0"/>
           </a:p>
@@ -21045,7 +20812,7 @@
     </p:spTree>
     <p:extLst>
       <p:ext uri="{BB962C8B-B14F-4D97-AF65-F5344CB8AC3E}">
-        <p14:creationId xmlns:p14="http://schemas.microsoft.com/office/powerpoint/2010/main" val="3511860544"/>
+        <p14:creationId xmlns:p14="http://schemas.microsoft.com/office/powerpoint/2010/main" val="437758119"/>
       </p:ext>
     </p:extLst>
   </p:cSld>
@@ -21110,23 +20877,7 @@
           <a:p>
             <a:r>
               <a:rPr lang="el-GR" dirty="0"/>
-              <a:t>Ασχολούμαι με </a:t>
-            </a:r>
-            <a:r>
-              <a:rPr lang="el-GR" dirty="0" err="1"/>
-              <a:t>Δικτυα</a:t>
-            </a:r>
-            <a:r>
-              <a:rPr lang="el-GR" dirty="0"/>
-              <a:t> </a:t>
-            </a:r>
-            <a:r>
-              <a:rPr lang="el-GR" dirty="0" err="1"/>
-              <a:t>παρόχων</a:t>
-            </a:r>
-            <a:r>
-              <a:rPr lang="el-GR" dirty="0"/>
-              <a:t> και υπολογιστών</a:t>
+              <a:t>Ασχολούμαι με Δίκτυα παροχών και υπολογιστών</a:t>
             </a:r>
             <a:r>
               <a:rPr lang="en-US" dirty="0"/>
@@ -21226,56 +20977,146 @@
           <a:p>
             <a:r>
               <a:rPr lang="el-GR" dirty="0"/>
-              <a:t>Ένα </a:t>
-            </a:r>
-            <a:r>
-              <a:rPr lang="en-US" dirty="0"/>
-              <a:t>Venn diagram </a:t>
-            </a:r>
-            <a:r>
-              <a:rPr lang="el-GR" dirty="0"/>
-              <a:t>για σχέση μεταξύ </a:t>
-            </a:r>
-            <a:r>
-              <a:rPr lang="en-US" dirty="0"/>
-              <a:t>Extended Reality </a:t>
-            </a:r>
-            <a:r>
-              <a:rPr lang="el-GR" dirty="0"/>
-              <a:t>και το </a:t>
+              <a:t>Το συνολικό </a:t>
             </a:r>
             <a:r>
               <a:rPr lang="el-GR" dirty="0" err="1"/>
               <a:t>υπερσύνολο</a:t>
             </a:r>
             <a:r>
+              <a:rPr lang="el-GR" dirty="0"/>
+              <a:t> που αποτελεί το </a:t>
+            </a:r>
+            <a:r>
               <a:rPr lang="en-US" dirty="0"/>
-              <a:t> metaverse</a:t>
-            </a:r>
-          </a:p>
-          <a:p>
-            <a:endParaRPr lang="en-US" dirty="0"/>
-          </a:p>
-          <a:p>
+              <a:t>metaverse </a:t>
+            </a:r>
             <a:r>
               <a:rPr lang="el-GR" dirty="0"/>
-              <a:t>Παρατηρούμε ότι τα </a:t>
+              <a:t>και ποια κομμάτια πρέπει να συνυπάρξουν ώστε να λειτουργήσει. Βλέπουμε την ένωση όλων των υποδομών</a:t>
             </a:r>
             <a:r>
               <a:rPr lang="en-US" dirty="0"/>
-              <a:t>gameplay mechanics </a:t>
+              <a:t>(infrastructures)</a:t>
             </a:r>
             <a:r>
               <a:rPr lang="el-GR" dirty="0"/>
-              <a:t>είναι το </a:t>
+              <a:t> σε δράση</a:t>
             </a:r>
             <a:r>
               <a:rPr lang="en-US" dirty="0"/>
-              <a:t>core </a:t>
+              <a:t> </a:t>
             </a:r>
             <a:r>
               <a:rPr lang="el-GR" dirty="0"/>
-              <a:t>κομμάτι παντού</a:t>
+              <a:t>μεταξύ τους τόσο σε </a:t>
+            </a:r>
+            <a:r>
+              <a:rPr lang="en-US" dirty="0"/>
+              <a:t>proactive </a:t>
+            </a:r>
+            <a:r>
+              <a:rPr lang="el-GR" dirty="0"/>
+              <a:t>όσο και </a:t>
+            </a:r>
+            <a:r>
+              <a:rPr lang="en-US" dirty="0"/>
+              <a:t>reactive </a:t>
+            </a:r>
+            <a:r>
+              <a:rPr lang="el-GR" dirty="0"/>
+              <a:t>κατάσταση.</a:t>
+            </a:r>
+          </a:p>
+          <a:p>
+            <a:endParaRPr lang="el-GR" dirty="0"/>
+          </a:p>
+          <a:p>
+            <a:r>
+              <a:rPr lang="el-GR" dirty="0"/>
+              <a:t>Επίσης στις ασύρματες και </a:t>
+            </a:r>
+            <a:r>
+              <a:rPr lang="en-US" dirty="0"/>
+              <a:t>Fixed </a:t>
+            </a:r>
+            <a:r>
+              <a:rPr lang="el-GR" dirty="0"/>
+              <a:t>τεχνολογίες παροχών υπηρεσιών </a:t>
+            </a:r>
+            <a:r>
+              <a:rPr lang="en-US" dirty="0"/>
+              <a:t>(SP) </a:t>
+            </a:r>
+            <a:r>
+              <a:rPr lang="el-GR" dirty="0"/>
+              <a:t>με </a:t>
+            </a:r>
+            <a:r>
+              <a:rPr lang="en-US" dirty="0"/>
+              <a:t>5G </a:t>
+            </a:r>
+            <a:r>
+              <a:rPr lang="el-GR" dirty="0"/>
+              <a:t>και</a:t>
+            </a:r>
+            <a:r>
+              <a:rPr lang="en-US" dirty="0"/>
+              <a:t> FTTH (fiber to the home)</a:t>
+            </a:r>
+            <a:r>
+              <a:rPr lang="el-GR" dirty="0"/>
+              <a:t> δίκτυα τα χρειαζόμαστε για </a:t>
+            </a:r>
+            <a:r>
+              <a:rPr lang="en-US" dirty="0"/>
+              <a:t>Low latency </a:t>
+            </a:r>
+            <a:r>
+              <a:rPr lang="el-GR" dirty="0"/>
+              <a:t>ώστε τα </a:t>
+            </a:r>
+            <a:r>
+              <a:rPr lang="en-US" dirty="0"/>
+              <a:t>mission critical </a:t>
+            </a:r>
+            <a:r>
+              <a:rPr lang="el-GR" dirty="0"/>
+              <a:t>να έχουν απόλυτη ακεραιότητα. </a:t>
+            </a:r>
+          </a:p>
+          <a:p>
+            <a:r>
+              <a:rPr lang="el-GR" dirty="0"/>
+              <a:t>Επίσης σε </a:t>
+            </a:r>
+            <a:r>
+              <a:rPr lang="en-US" dirty="0"/>
+              <a:t>Mounted headset device (HMD) </a:t>
+            </a:r>
+            <a:r>
+              <a:rPr lang="el-GR" dirty="0"/>
+              <a:t>για </a:t>
+            </a:r>
+            <a:r>
+              <a:rPr lang="en-US" dirty="0"/>
+              <a:t>VR</a:t>
+            </a:r>
+            <a:r>
+              <a:rPr lang="el-GR" dirty="0"/>
+              <a:t>/</a:t>
+            </a:r>
+            <a:r>
+              <a:rPr lang="en-US" dirty="0"/>
+              <a:t>MR </a:t>
+            </a:r>
+            <a:r>
+              <a:rPr lang="el-GR" dirty="0"/>
+              <a:t>αποφεύγουμε το </a:t>
+            </a:r>
+            <a:r>
+              <a:rPr lang="en-US" dirty="0"/>
+              <a:t>motion sickness</a:t>
             </a:r>
           </a:p>
         </p:txBody>
@@ -21307,7 +21148,7 @@
     </p:spTree>
     <p:extLst>
       <p:ext uri="{BB962C8B-B14F-4D97-AF65-F5344CB8AC3E}">
-        <p14:creationId xmlns:p14="http://schemas.microsoft.com/office/powerpoint/2010/main" val="239941111"/>
+        <p14:creationId xmlns:p14="http://schemas.microsoft.com/office/powerpoint/2010/main" val="547921947"/>
       </p:ext>
     </p:extLst>
   </p:cSld>
@@ -21363,15 +21204,89 @@
           <a:p>
             <a:r>
               <a:rPr lang="el-GR" dirty="0"/>
-              <a:t>Παρατηρούμε τα δεδομένα από την </a:t>
+              <a:t>Υποδομή από αρχιτεκτονικές προδιαγραφές πληροφοριών πχ., </a:t>
             </a:r>
             <a:r>
               <a:rPr lang="en-US" dirty="0"/>
-              <a:t>ISFE (Europe's video game industry)</a:t>
+              <a:t>TOGAF (enterprise architecture framework) &amp; ITIL library </a:t>
             </a:r>
             <a:r>
               <a:rPr lang="el-GR" dirty="0"/>
-              <a:t> για την γραμμική αύξηση των τελευταίων ετών ιδίως λόγο την πανδημίας</a:t>
+              <a:t>για </a:t>
+            </a:r>
+            <a:r>
+              <a:rPr lang="en-US" dirty="0"/>
+              <a:t>best practices </a:t>
+            </a:r>
+            <a:r>
+              <a:rPr lang="el-GR" dirty="0"/>
+              <a:t>στο </a:t>
+            </a:r>
+            <a:r>
+              <a:rPr lang="en-US" dirty="0"/>
+              <a:t>Information Technology </a:t>
+            </a:r>
+            <a:r>
+              <a:rPr lang="el-GR" dirty="0"/>
+              <a:t>ώστε να υπάρξουν τα </a:t>
+            </a:r>
+            <a:r>
+              <a:rPr lang="en-US" dirty="0"/>
+              <a:t>Information Technology service management</a:t>
+            </a:r>
+            <a:r>
+              <a:rPr lang="el-GR" dirty="0"/>
+              <a:t> </a:t>
+            </a:r>
+            <a:r>
+              <a:rPr lang="en-US" dirty="0"/>
+              <a:t>services (ITSM services) </a:t>
+            </a:r>
+            <a:r>
+              <a:rPr lang="el-GR" dirty="0"/>
+              <a:t>για ένα </a:t>
+            </a:r>
+            <a:r>
+              <a:rPr lang="en-US" dirty="0"/>
+              <a:t>business.</a:t>
+            </a:r>
+          </a:p>
+          <a:p>
+            <a:r>
+              <a:rPr lang="el-GR" dirty="0"/>
+              <a:t>Σε τεχνολογικό τομέα αλλά και οικοσυστήματα που το περιβάλουν ώστε να υπάρξουν </a:t>
+            </a:r>
+            <a:r>
+              <a:rPr lang="el-GR" dirty="0" err="1"/>
+              <a:t>διεπαφές</a:t>
+            </a:r>
+            <a:r>
+              <a:rPr lang="el-GR" dirty="0"/>
+              <a:t> επικοινωνίας μεταξύ τους αλλά και </a:t>
+            </a:r>
+            <a:r>
+              <a:rPr lang="en-US" dirty="0"/>
+              <a:t>streamlined workflows </a:t>
+            </a:r>
+            <a:r>
+              <a:rPr lang="el-GR" dirty="0"/>
+              <a:t>λειτουργείας τους από χρήστες και αυτοματισμοί διεργασιών (</a:t>
+            </a:r>
+            <a:r>
+              <a:rPr lang="en-US" dirty="0"/>
+              <a:t>automation processes). </a:t>
+            </a:r>
+            <a:r>
+              <a:rPr lang="el-GR" dirty="0"/>
+              <a:t>Δηλαδή να υπάρχει έλεγχος </a:t>
+            </a:r>
+            <a:r>
+              <a:rPr lang="en-US" dirty="0"/>
+              <a:t>proactive </a:t>
+            </a:r>
+            <a:r>
+              <a:rPr lang="el-GR" dirty="0"/>
+              <a:t>κατάσταση</a:t>
             </a:r>
             <a:endParaRPr lang="en-US" dirty="0"/>
           </a:p>
@@ -21404,7 +21319,7 @@
     </p:spTree>
     <p:extLst>
       <p:ext uri="{BB962C8B-B14F-4D97-AF65-F5344CB8AC3E}">
-        <p14:creationId xmlns:p14="http://schemas.microsoft.com/office/powerpoint/2010/main" val="2583888266"/>
+        <p14:creationId xmlns:p14="http://schemas.microsoft.com/office/powerpoint/2010/main" val="2729025747"/>
       </p:ext>
     </p:extLst>
   </p:cSld>
@@ -21460,69 +21375,72 @@
           <a:p>
             <a:r>
               <a:rPr lang="el-GR" dirty="0"/>
-              <a:t>Ο κύκλος της εξελίξεις που η κάθε ενότητα είναι προϊόν τις προηγούμενης που σημαίνει δεν είναι </a:t>
+              <a:t>Για την υλοποίηση </a:t>
             </a:r>
             <a:r>
               <a:rPr lang="en-US" dirty="0"/>
-              <a:t>standalone </a:t>
+              <a:t>gameplay mechanics </a:t>
             </a:r>
             <a:r>
               <a:rPr lang="el-GR" dirty="0"/>
-              <a:t>αλλά όλα συνδέονται μεταξύ τους όπως και τα </a:t>
+              <a:t>και </a:t>
             </a:r>
             <a:r>
               <a:rPr lang="en-US" dirty="0"/>
-              <a:t>application programmable interfaces (API).</a:t>
-            </a:r>
-          </a:p>
-          <a:p>
-            <a:endParaRPr lang="en-US" dirty="0"/>
-          </a:p>
-          <a:p>
+              <a:t>deploy </a:t>
+            </a:r>
             <a:r>
               <a:rPr lang="el-GR" dirty="0"/>
-              <a:t>Κρητική σκέψη και Παρατήρηση (όπως αναφέρθηκε από τους ομιλητές στην στρογγυλή τράπεζα</a:t>
+              <a:t>στο</a:t>
             </a:r>
             <a:r>
               <a:rPr lang="en-US" dirty="0"/>
-              <a:t> </a:t>
+              <a:t> public cloud </a:t>
             </a:r>
             <a:r>
               <a:rPr lang="el-GR" dirty="0"/>
-              <a:t>που παρουσιάστηκε εχθές)</a:t>
+              <a:t>θα χρειαστεί προφανώς να γίνει </a:t>
             </a:r>
             <a:r>
               <a:rPr lang="en-US" dirty="0"/>
-              <a:t>!! </a:t>
+              <a:t>host </a:t>
             </a:r>
             <a:r>
               <a:rPr lang="el-GR" dirty="0"/>
-              <a:t>Αλλά όπως είπε και ο μαθηματικός αλλά και παίχτης σκάκι </a:t>
+              <a:t>σε διακομιστή με δυναμική απαιτήσει πόρων σύμφωνα με τις απαιτήσεις χρηστών. Επιπλέον θα χρειαστούν βάσεις δεδομένων για αποθηκεύσει δεδομένων και εξόρυξή τους ώστε να φτιαχτούν μοντέλα πρόβλεψης και </a:t>
             </a:r>
             <a:r>
               <a:rPr lang="en-US" dirty="0"/>
-              <a:t>MAX EUWE </a:t>
+              <a:t>analytics</a:t>
             </a:r>
             <a:r>
               <a:rPr lang="el-GR" dirty="0"/>
-              <a:t>Η στρατηγική θέλει σκέψη, η τακτική θέλει παρατήρηση.</a:t>
+              <a:t> άρα θα πρέπει να υπάρχει Εμπιστευτικότητα Ακεραιότητα και Διαθεσιμότητα </a:t>
             </a:r>
             <a:r>
               <a:rPr lang="en-US" dirty="0"/>
-              <a:t> - </a:t>
-            </a:r>
-            <a:r>
-              <a:rPr lang="en-US" sz="1800" b="0" i="0" u="none" strike="sngStrike" dirty="0">
-                <a:solidFill>
-                  <a:srgbClr val="101010"/>
-                </a:solidFill>
-                <a:effectLst/>
-                <a:latin typeface="Arial" panose="020B0604020202020204" pitchFamily="34" charset="0"/>
-              </a:rPr>
-              <a:t>Strategy requires thought, tactics require observation.</a:t>
-            </a:r>
-          </a:p>
-          <a:p>
+              <a:t>(CIA triad). </a:t>
+            </a:r>
+            <a:r>
+              <a:rPr lang="el-GR" dirty="0"/>
+              <a:t>Επίσης όλα αυτά θα λαμβάνουν χώρο σε </a:t>
+            </a:r>
+            <a:r>
+              <a:rPr lang="en-US" dirty="0"/>
+              <a:t>Data center </a:t>
+            </a:r>
+            <a:r>
+              <a:rPr lang="el-GR" dirty="0"/>
+              <a:t>και κατά πάσα πιθανότητα όχι </a:t>
+            </a:r>
+            <a:r>
+              <a:rPr lang="en-US" dirty="0"/>
+              <a:t>on-premises </a:t>
+            </a:r>
+            <a:r>
+              <a:rPr lang="el-GR" dirty="0"/>
+              <a:t>πλέον.</a:t>
+            </a:r>
             <a:endParaRPr lang="en-US" dirty="0"/>
           </a:p>
         </p:txBody>
@@ -21554,7 +21472,7 @@
     </p:spTree>
     <p:extLst>
       <p:ext uri="{BB962C8B-B14F-4D97-AF65-F5344CB8AC3E}">
-        <p14:creationId xmlns:p14="http://schemas.microsoft.com/office/powerpoint/2010/main" val="3952626509"/>
+        <p14:creationId xmlns:p14="http://schemas.microsoft.com/office/powerpoint/2010/main" val="3511860544"/>
       </p:ext>
     </p:extLst>
   </p:cSld>
@@ -21610,51 +21528,57 @@
           <a:p>
             <a:r>
               <a:rPr lang="el-GR" dirty="0"/>
-              <a:t>Κατανόηση απαιτήσεων με έρευνα διαθέσιμων εργαλείων</a:t>
-            </a:r>
-          </a:p>
-          <a:p>
-            <a:endParaRPr lang="el-GR" dirty="0"/>
-          </a:p>
-          <a:p>
+              <a:t>Ένα </a:t>
+            </a:r>
+            <a:r>
+              <a:rPr lang="en-US" dirty="0"/>
+              <a:t>Venn diagram </a:t>
+            </a:r>
             <a:r>
               <a:rPr lang="el-GR" dirty="0"/>
-              <a:t>Ποιες είναι οι βασικές απαιτήσεις διεκπεραιώσεις ενός </a:t>
+              <a:t>για σχέση μεταξύ </a:t>
             </a:r>
             <a:r>
               <a:rPr lang="en-US" dirty="0"/>
-              <a:t>project? </a:t>
-            </a:r>
-          </a:p>
-          <a:p>
+              <a:t>Extended Reality </a:t>
+            </a:r>
             <a:r>
               <a:rPr lang="el-GR" dirty="0"/>
-              <a:t>Ξεκινώντας κάνοντας έρευνα στα εργαλεία που υπάρχουν και ποιο οφέλη περισσότερο την συγκεκριμένη δουλειά? </a:t>
-            </a:r>
+              <a:t>και το </a:t>
+            </a:r>
+            <a:r>
+              <a:rPr lang="el-GR" dirty="0" err="1"/>
+              <a:t>υπερσύνολο</a:t>
+            </a:r>
+            <a:r>
+              <a:rPr lang="en-US" dirty="0"/>
+              <a:t> metaverse</a:t>
+            </a:r>
+          </a:p>
+          <a:p>
             <a:endParaRPr lang="en-US" dirty="0"/>
           </a:p>
           <a:p>
             <a:r>
               <a:rPr lang="el-GR" dirty="0"/>
-              <a:t>Σύμφωνα με τις δυνατότητες </a:t>
+              <a:t>Παρατηρούμε ότι τα </a:t>
             </a:r>
             <a:r>
               <a:rPr lang="en-US" dirty="0"/>
-              <a:t>stability</a:t>
+              <a:t>gameplay mechanics </a:t>
             </a:r>
             <a:r>
               <a:rPr lang="el-GR" dirty="0"/>
-              <a:t> του εργαλείου, </a:t>
+              <a:t>είναι το </a:t>
             </a:r>
             <a:r>
               <a:rPr lang="en-US" dirty="0"/>
-              <a:t>community (help, tutorials), streamlined workflow </a:t>
+              <a:t>core </a:t>
             </a:r>
             <a:r>
               <a:rPr lang="el-GR" dirty="0"/>
-              <a:t>και οικοσύστημα για τον χρήστη.</a:t>
-            </a:r>
-            <a:endParaRPr lang="en-US" dirty="0"/>
+              <a:t>κομμάτι παντού</a:t>
+            </a:r>
           </a:p>
         </p:txBody>
       </p:sp>
@@ -21685,7 +21609,7 @@
     </p:spTree>
     <p:extLst>
       <p:ext uri="{BB962C8B-B14F-4D97-AF65-F5344CB8AC3E}">
-        <p14:creationId xmlns:p14="http://schemas.microsoft.com/office/powerpoint/2010/main" val="1497768080"/>
+        <p14:creationId xmlns:p14="http://schemas.microsoft.com/office/powerpoint/2010/main" val="239941111"/>
       </p:ext>
     </p:extLst>
   </p:cSld>
@@ -21741,71 +21665,17 @@
           <a:p>
             <a:r>
               <a:rPr lang="el-GR" dirty="0"/>
-              <a:t>Στο παρελθόν ο παραδοσιακός τρόπος </a:t>
+              <a:t>Παρατηρούμε τα δεδομένα από την </a:t>
             </a:r>
             <a:r>
               <a:rPr lang="en-US" dirty="0"/>
-              <a:t>rendering </a:t>
+              <a:t>ISFE (Europe's video game industry)</a:t>
             </a:r>
             <a:r>
               <a:rPr lang="el-GR" dirty="0"/>
-              <a:t>σε εποχές 1990 γινόταν με </a:t>
-            </a:r>
-            <a:r>
-              <a:rPr lang="en-US" dirty="0"/>
-              <a:t>ray-cast</a:t>
-            </a:r>
-            <a:endParaRPr lang="el-GR" dirty="0"/>
-          </a:p>
-          <a:p>
-            <a:endParaRPr lang="el-GR" dirty="0"/>
-          </a:p>
-          <a:p>
-            <a:r>
-              <a:rPr lang="el-GR" dirty="0"/>
-              <a:t>Τα παιχνίδια ήταν 90 μοιρών γωνίες του εδάφους με το τοίχο και δημιουργούνταν από </a:t>
-            </a:r>
-            <a:r>
-              <a:rPr lang="en-US" dirty="0"/>
-              <a:t>2D Plane Projection </a:t>
-            </a:r>
-            <a:r>
-              <a:rPr lang="el-GR" dirty="0"/>
-              <a:t>ένα </a:t>
-            </a:r>
-            <a:r>
-              <a:rPr lang="en-US" dirty="0"/>
-              <a:t>3D</a:t>
-            </a:r>
-            <a:r>
-              <a:rPr lang="el-GR" dirty="0"/>
-              <a:t> </a:t>
-            </a:r>
-            <a:r>
-              <a:rPr lang="en-US" dirty="0"/>
-              <a:t>environment</a:t>
-            </a:r>
-          </a:p>
-          <a:p>
+              <a:t> για την γραμμική αύξηση των τελευταίων ετών ιδίως λόγο την πανδημίας</a:t>
+            </a:r>
             <a:endParaRPr lang="en-US" dirty="0"/>
-          </a:p>
-          <a:p>
-            <a:r>
-              <a:rPr lang="el-GR" dirty="0"/>
-              <a:t>Πλέον λόγο ισχυρότερου υλικού αλλά και αλγορίθμων έχουμε το </a:t>
-            </a:r>
-            <a:r>
-              <a:rPr lang="en-US" dirty="0"/>
-              <a:t>ray trace </a:t>
-            </a:r>
-            <a:r>
-              <a:rPr lang="el-GR" dirty="0"/>
-              <a:t>με περισσότερα </a:t>
-            </a:r>
-            <a:r>
-              <a:rPr lang="en-US" dirty="0"/>
-              <a:t>rays.</a:t>
-            </a:r>
           </a:p>
         </p:txBody>
       </p:sp>
@@ -21836,7 +21706,7 @@
     </p:spTree>
     <p:extLst>
       <p:ext uri="{BB962C8B-B14F-4D97-AF65-F5344CB8AC3E}">
-        <p14:creationId xmlns:p14="http://schemas.microsoft.com/office/powerpoint/2010/main" val="2216904772"/>
+        <p14:creationId xmlns:p14="http://schemas.microsoft.com/office/powerpoint/2010/main" val="2583888266"/>
       </p:ext>
     </p:extLst>
   </p:cSld>
@@ -21892,74 +21762,67 @@
           <a:p>
             <a:r>
               <a:rPr lang="el-GR" dirty="0"/>
-              <a:t>Στο συγκεκριμένο </a:t>
+              <a:t>Ο κύκλος της εξελίξεις που η κάθε ενότητα είναι προϊόν τις προηγούμενης που σημαίνει δεν είναι </a:t>
             </a:r>
             <a:r>
               <a:rPr lang="en-US" dirty="0"/>
-              <a:t>project</a:t>
+              <a:t>standalone </a:t>
             </a:r>
             <a:r>
               <a:rPr lang="el-GR" dirty="0"/>
-              <a:t> επιλέχτηκε η </a:t>
+              <a:t>αλλά όλα συνδέονται μεταξύ τους όπως και τα </a:t>
             </a:r>
             <a:r>
               <a:rPr lang="en-US" dirty="0"/>
-              <a:t>Unreal Engine 5 </a:t>
-            </a:r>
+              <a:t>application programmable interfaces (API).</a:t>
+            </a:r>
+          </a:p>
+          <a:p>
+            <a:endParaRPr lang="en-US" dirty="0"/>
+          </a:p>
+          <a:p>
             <a:r>
               <a:rPr lang="el-GR" dirty="0"/>
-              <a:t>και είναι </a:t>
+              <a:t>Κρητική σκέψη και Παρατήρηση (όπως αναφέρθηκε από τους ομιλητές στην στρογγυλή τράπεζα</a:t>
             </a:r>
             <a:r>
               <a:rPr lang="en-US" dirty="0"/>
-              <a:t>source available </a:t>
+              <a:t> </a:t>
             </a:r>
             <a:r>
               <a:rPr lang="el-GR" dirty="0"/>
-              <a:t>αλλά όχι </a:t>
+              <a:t>που παρουσιάστηκε εχθές)</a:t>
             </a:r>
             <a:r>
               <a:rPr lang="en-US" dirty="0"/>
-              <a:t>open-source </a:t>
+              <a:t>!! </a:t>
             </a:r>
             <a:r>
               <a:rPr lang="el-GR" dirty="0"/>
-              <a:t>αυτό φέρνει πολλά πλεονεκτήματα και για τους </a:t>
+              <a:t>Αλλά όπως είπε και ο μαθηματικός αλλά και παίχτης σκάκι </a:t>
             </a:r>
             <a:r>
               <a:rPr lang="en-US" dirty="0"/>
-              <a:t>contributors </a:t>
+              <a:t>MAX EUWE </a:t>
             </a:r>
             <a:r>
               <a:rPr lang="el-GR" dirty="0"/>
-              <a:t>αλλά και για το μέλλον της.</a:t>
-            </a:r>
-          </a:p>
-          <a:p>
-            <a:endParaRPr lang="el-GR" dirty="0"/>
-          </a:p>
-          <a:p>
-            <a:r>
-              <a:rPr lang="el-GR" dirty="0"/>
-              <a:t>Καθώς η δυνατότητες της έχουν ξεχωρίσει τα τελευταία χρόνια ιδίως με την έλευση της έκδοσης 5 πριν λίγους μήνες, όλοι οι κολοσσοί της ΑΑΑ </a:t>
+              <a:t>Η στρατηγική θέλει σκέψη, η τακτική θέλει παρατήρηση.</a:t>
             </a:r>
             <a:r>
               <a:rPr lang="en-US" dirty="0"/>
-              <a:t>gaming </a:t>
-            </a:r>
-            <a:r>
-              <a:rPr lang="el-GR" dirty="0"/>
-              <a:t>βιομηχανίας πλέον άρχισαν να την χρησιμοποιούν.</a:t>
-            </a:r>
-          </a:p>
-          <a:p>
-            <a:endParaRPr lang="el-GR" dirty="0"/>
-          </a:p>
-          <a:p>
-            <a:endParaRPr lang="el-GR" dirty="0"/>
-          </a:p>
-          <a:p>
-            <a:endParaRPr lang="el-GR" dirty="0"/>
+              <a:t> - </a:t>
+            </a:r>
+            <a:r>
+              <a:rPr lang="en-US" sz="1800" b="0" i="0" u="none" strike="sngStrike" dirty="0">
+                <a:solidFill>
+                  <a:srgbClr val="101010"/>
+                </a:solidFill>
+                <a:effectLst/>
+                <a:latin typeface="Arial" panose="020B0604020202020204" pitchFamily="34" charset="0"/>
+              </a:rPr>
+              <a:t>Strategy requires thought, tactics require observation.</a:t>
+            </a:r>
           </a:p>
           <a:p>
             <a:endParaRPr lang="en-US" dirty="0"/>
@@ -21993,7 +21856,7 @@
     </p:spTree>
     <p:extLst>
       <p:ext uri="{BB962C8B-B14F-4D97-AF65-F5344CB8AC3E}">
-        <p14:creationId xmlns:p14="http://schemas.microsoft.com/office/powerpoint/2010/main" val="2623692385"/>
+        <p14:creationId xmlns:p14="http://schemas.microsoft.com/office/powerpoint/2010/main" val="3952626509"/>
       </p:ext>
     </p:extLst>
   </p:cSld>
@@ -22049,72 +21912,51 @@
           <a:p>
             <a:r>
               <a:rPr lang="el-GR" dirty="0"/>
-              <a:t>Παρατηρούμε κάποια </a:t>
+              <a:t>Κατανόηση απαιτήσεων με έρευνα διαθέσιμων εργαλείων</a:t>
+            </a:r>
+          </a:p>
+          <a:p>
+            <a:endParaRPr lang="el-GR" dirty="0"/>
+          </a:p>
+          <a:p>
+            <a:r>
+              <a:rPr lang="el-GR" dirty="0"/>
+              <a:t>Ποιες είναι οι βασικές απαιτήσεις διεκπεραιώσεις ενός </a:t>
             </a:r>
             <a:r>
               <a:rPr lang="en-US" dirty="0"/>
-              <a:t>gameplay mechanics </a:t>
-            </a:r>
+              <a:t>project? </a:t>
+            </a:r>
+          </a:p>
+          <a:p>
             <a:r>
               <a:rPr lang="el-GR" dirty="0"/>
-              <a:t>από τίτλους παιχνιδιού που κουβαλούν την έννοια του </a:t>
+              <a:t>Ξεκινώντας κάνοντας έρευνα στα εργαλεία που υπάρχουν και ποιο οφέλη περισσότερο την συγκεκριμένη δουλειά? </a:t>
+            </a:r>
+            <a:endParaRPr lang="en-US" dirty="0"/>
+          </a:p>
+          <a:p>
+            <a:r>
+              <a:rPr lang="el-GR" dirty="0"/>
+              <a:t>Σύμφωνα με τις δυνατότητες </a:t>
             </a:r>
             <a:r>
               <a:rPr lang="en-US" dirty="0"/>
-              <a:t>metaverse</a:t>
+              <a:t>stability</a:t>
             </a:r>
             <a:r>
               <a:rPr lang="el-GR" dirty="0"/>
-              <a:t> εν μέρη.</a:t>
+              <a:t> του εργαλείου, </a:t>
+            </a:r>
+            <a:r>
+              <a:rPr lang="en-US" dirty="0"/>
+              <a:t>community (help, tutorials), streamlined workflow </a:t>
+            </a:r>
+            <a:r>
+              <a:rPr lang="el-GR" dirty="0"/>
+              <a:t>και οικοσύστημα για τον χρήστη.</a:t>
             </a:r>
             <a:endParaRPr lang="en-US" dirty="0"/>
-          </a:p>
-          <a:p>
-            <a:endParaRPr lang="en-US" dirty="0"/>
-          </a:p>
-          <a:p>
-            <a:pPr marL="0" marR="0" lvl="0" indent="0" algn="l" defTabSz="457200" rtl="0" eaLnBrk="1" fontAlgn="auto" latinLnBrk="0" hangingPunct="1">
-              <a:lnSpc>
-                <a:spcPct val="100000"/>
-              </a:lnSpc>
-              <a:spcBef>
-                <a:spcPts val="0"/>
-              </a:spcBef>
-              <a:spcAft>
-                <a:spcPts val="0"/>
-              </a:spcAft>
-              <a:buClrTx/>
-              <a:buSzTx/>
-              <a:buFontTx/>
-              <a:buNone/>
-              <a:tabLst/>
-              <a:defRPr/>
-            </a:pPr>
-            <a:r>
-              <a:rPr lang="el-GR" sz="1200" strike="sngStrike" dirty="0">
-                <a:latin typeface="Arial" panose="020B0604020202020204" pitchFamily="34" charset="0"/>
-                <a:cs typeface="Arial" panose="020B0604020202020204" pitchFamily="34" charset="0"/>
-              </a:rPr>
-              <a:t>Ένα </a:t>
-            </a:r>
-            <a:r>
-              <a:rPr lang="en-US" sz="1200" strike="sngStrike" dirty="0">
-                <a:latin typeface="Arial" panose="020B0604020202020204" pitchFamily="34" charset="0"/>
-                <a:cs typeface="Arial" panose="020B0604020202020204" pitchFamily="34" charset="0"/>
-              </a:rPr>
-              <a:t>multi-platform</a:t>
-            </a:r>
-            <a:r>
-              <a:rPr lang="el-GR" sz="1200" strike="sngStrike" dirty="0">
-                <a:latin typeface="Arial" panose="020B0604020202020204" pitchFamily="34" charset="0"/>
-                <a:cs typeface="Arial" panose="020B0604020202020204" pitchFamily="34" charset="0"/>
-              </a:rPr>
-              <a:t> κεντρικό μέρος για παρέα με φίλους/οικογένειες, εξερεύνηση, ψυχαγωγία, μάθηση και το πιο σημαντικό είναι συνεπές με την τεράστια εξέλιξη και ανάπτυξη για τα επόμενα χρόνια. Δεν είναι απλώς ένα παιχνίδι, είναι ένα μέρος. Ένα εικονικό σύμπαν.</a:t>
-            </a:r>
-            <a:endParaRPr lang="en-US" sz="1200" strike="sngStrike" dirty="0">
-              <a:latin typeface="Arial" panose="020B0604020202020204" pitchFamily="34" charset="0"/>
-              <a:cs typeface="Arial" panose="020B0604020202020204" pitchFamily="34" charset="0"/>
-            </a:endParaRPr>
           </a:p>
         </p:txBody>
       </p:sp>
@@ -22145,7 +21987,7 @@
     </p:spTree>
     <p:extLst>
       <p:ext uri="{BB962C8B-B14F-4D97-AF65-F5344CB8AC3E}">
-        <p14:creationId xmlns:p14="http://schemas.microsoft.com/office/powerpoint/2010/main" val="2196702233"/>
+        <p14:creationId xmlns:p14="http://schemas.microsoft.com/office/powerpoint/2010/main" val="1497768080"/>
       </p:ext>
     </p:extLst>
   </p:cSld>
@@ -22200,8 +22042,50 @@
           <a:lstStyle/>
           <a:p>
             <a:r>
-              <a:rPr lang="en-US" strike="sngStrike" dirty="0"/>
-              <a:t>Game population Charts</a:t>
+              <a:rPr lang="el-GR" dirty="0"/>
+              <a:t>Στο παρελθόν ο παραδοσιακός τρόπος </a:t>
+            </a:r>
+            <a:r>
+              <a:rPr lang="en-US" dirty="0"/>
+              <a:t>rendering </a:t>
+            </a:r>
+            <a:r>
+              <a:rPr lang="el-GR" dirty="0"/>
+              <a:t>σε εποχές 1990 γινόταν με </a:t>
+            </a:r>
+            <a:r>
+              <a:rPr lang="en-US" dirty="0"/>
+              <a:t>ray-cast</a:t>
+            </a:r>
+            <a:endParaRPr lang="el-GR" dirty="0"/>
+          </a:p>
+          <a:p>
+            <a:endParaRPr lang="el-GR" dirty="0"/>
+          </a:p>
+          <a:p>
+            <a:r>
+              <a:rPr lang="el-GR" dirty="0"/>
+              <a:t>Τα παιχνίδια ήταν 90 μοιρών γωνίες του εδάφους με το τοίχο και δημιουργούνταν από </a:t>
+            </a:r>
+            <a:r>
+              <a:rPr lang="en-US" dirty="0"/>
+              <a:t>2D Plane Projection </a:t>
+            </a:r>
+            <a:r>
+              <a:rPr lang="el-GR" dirty="0"/>
+              <a:t>ένα </a:t>
+            </a:r>
+            <a:r>
+              <a:rPr lang="en-US" dirty="0"/>
+              <a:t>3D</a:t>
+            </a:r>
+            <a:r>
+              <a:rPr lang="el-GR" dirty="0"/>
+              <a:t> </a:t>
+            </a:r>
+            <a:r>
+              <a:rPr lang="en-US" dirty="0"/>
+              <a:t>environment</a:t>
             </a:r>
           </a:p>
           <a:p>
@@ -22210,66 +22094,20 @@
           <a:p>
             <a:r>
               <a:rPr lang="el-GR" dirty="0"/>
-              <a:t>Όταν αναφερόμαστε ότι οι αριθμοί δεν πολλοί μετράν είναι διότι υπάρχουν πολλοί παράγοντας επιτυχίας ενός προϊόντος πέρα από την μηχανική. Για να πετύχει πρέπει σε επίπεδο </a:t>
+              <a:t>Πλέον λόγο ισχυρότερου υλικού αλλά και αλγορίθμων έχουμε το </a:t>
             </a:r>
             <a:r>
               <a:rPr lang="en-US" dirty="0"/>
-              <a:t>Product, Engineer, Market </a:t>
+              <a:t>ray trace </a:t>
             </a:r>
             <a:r>
               <a:rPr lang="el-GR" dirty="0"/>
-              <a:t>να είναι άριστο</a:t>
-            </a:r>
-          </a:p>
-          <a:p>
-            <a:endParaRPr lang="el-GR" dirty="0"/>
-          </a:p>
-          <a:p>
-            <a:r>
-              <a:rPr lang="el-GR" dirty="0"/>
-              <a:t>Δηλαδή το προϊόν να είναι χρήσιμο να έχει καλή προσεγγίσει στην λύση του προβλήματος αλγοριθμικά και αρχιτεκτονικά, συνδυάζοντας το με το </a:t>
+              <a:t>με περισσότερα </a:t>
             </a:r>
             <a:r>
               <a:rPr lang="en-US" dirty="0"/>
-              <a:t>user experience </a:t>
-            </a:r>
-            <a:r>
-              <a:rPr lang="el-GR" dirty="0"/>
-              <a:t>για μια θετική </a:t>
-            </a:r>
-            <a:r>
-              <a:rPr lang="en-US" dirty="0"/>
-              <a:t>streamlined</a:t>
-            </a:r>
-            <a:r>
-              <a:rPr lang="el-GR" dirty="0"/>
-              <a:t> εμπειρία από τον χρήστη και </a:t>
-            </a:r>
-            <a:r>
-              <a:rPr lang="en-US" dirty="0"/>
-              <a:t>marketing target </a:t>
-            </a:r>
-            <a:r>
-              <a:rPr lang="el-GR" dirty="0"/>
-              <a:t>ως προς την προώθηση &amp; </a:t>
-            </a:r>
-            <a:r>
-              <a:rPr lang="en-US" dirty="0"/>
-              <a:t>Feedback </a:t>
-            </a:r>
-            <a:r>
-              <a:rPr lang="el-GR" dirty="0"/>
-              <a:t>αλλά και μέσα από αυτό</a:t>
-            </a:r>
-            <a:r>
-              <a:rPr lang="en-US" dirty="0"/>
-              <a:t> continual improvement</a:t>
-            </a:r>
-            <a:r>
-              <a:rPr lang="el-GR" dirty="0"/>
-              <a:t>.</a:t>
-            </a:r>
-            <a:endParaRPr lang="en-US" dirty="0"/>
+              <a:t>rays.</a:t>
+            </a:r>
           </a:p>
         </p:txBody>
       </p:sp>
@@ -22300,7 +22138,7 @@
     </p:spTree>
     <p:extLst>
       <p:ext uri="{BB962C8B-B14F-4D97-AF65-F5344CB8AC3E}">
-        <p14:creationId xmlns:p14="http://schemas.microsoft.com/office/powerpoint/2010/main" val="701762417"/>
+        <p14:creationId xmlns:p14="http://schemas.microsoft.com/office/powerpoint/2010/main" val="2216904772"/>
       </p:ext>
     </p:extLst>
   </p:cSld>
@@ -22356,26 +22194,76 @@
           <a:p>
             <a:r>
               <a:rPr lang="el-GR" dirty="0"/>
-              <a:t>Όπως είχαμε αναφέρει κάνοντας «παρατήρηση» των επιτυχημένων παιχνιδιών και μηχανισμών μπορούμε να αποσυνθέσουμε και να προβούμε σε καινοτομίες ακολουθώντας δοκιμές μέσο χρήσης </a:t>
+              <a:t>Στο συγκεκριμένο </a:t>
             </a:r>
             <a:r>
               <a:rPr lang="en-US" dirty="0"/>
-              <a:t>product reverse engineering.</a:t>
-            </a:r>
-          </a:p>
-          <a:p>
+              <a:t>project</a:t>
+            </a:r>
             <a:r>
               <a:rPr lang="el-GR" dirty="0"/>
-              <a:t>Εύρεση </a:t>
+              <a:t> επιλέχτηκε η </a:t>
             </a:r>
             <a:r>
               <a:rPr lang="en-US" dirty="0"/>
-              <a:t>formulas = </a:t>
+              <a:t>Unreal Engine 5 </a:t>
             </a:r>
             <a:r>
               <a:rPr lang="el-GR" dirty="0"/>
-              <a:t>τροποποίηση</a:t>
-            </a:r>
+              <a:t>και είναι </a:t>
+            </a:r>
+            <a:r>
+              <a:rPr lang="en-US" dirty="0"/>
+              <a:t>source available </a:t>
+            </a:r>
+            <a:r>
+              <a:rPr lang="el-GR" dirty="0"/>
+              <a:t>αλλά όχι </a:t>
+            </a:r>
+            <a:r>
+              <a:rPr lang="en-US" dirty="0"/>
+              <a:t>open-source </a:t>
+            </a:r>
+            <a:r>
+              <a:rPr lang="el-GR" dirty="0"/>
+              <a:t>αυτό φέρνει πολλά πλεονεκτήματα και για τους </a:t>
+            </a:r>
+            <a:r>
+              <a:rPr lang="en-US" dirty="0"/>
+              <a:t>contributors </a:t>
+            </a:r>
+            <a:r>
+              <a:rPr lang="el-GR" dirty="0"/>
+              <a:t>αλλά και για το μέλλον της.</a:t>
+            </a:r>
+          </a:p>
+          <a:p>
+            <a:endParaRPr lang="el-GR" dirty="0"/>
+          </a:p>
+          <a:p>
+            <a:r>
+              <a:rPr lang="el-GR" dirty="0"/>
+              <a:t>Καθώς η δυνατότητες της έχουν ξεχωρίσει τα τελευταία χρόνια ιδίως με την έλευση της έκδοσης 5 πριν λίγους μήνες, όλοι οι κολοσσοί της ΑΑΑ </a:t>
+            </a:r>
+            <a:r>
+              <a:rPr lang="en-US" dirty="0"/>
+              <a:t>gaming </a:t>
+            </a:r>
+            <a:r>
+              <a:rPr lang="el-GR" dirty="0"/>
+              <a:t>βιομηχανίας πλέον άρχισαν να την χρησιμοποιούν.</a:t>
+            </a:r>
+          </a:p>
+          <a:p>
+            <a:endParaRPr lang="el-GR" dirty="0"/>
+          </a:p>
+          <a:p>
+            <a:endParaRPr lang="el-GR" dirty="0"/>
+          </a:p>
+          <a:p>
+            <a:endParaRPr lang="el-GR" dirty="0"/>
+          </a:p>
+          <a:p>
             <a:endParaRPr lang="en-US" dirty="0"/>
           </a:p>
         </p:txBody>
@@ -22407,7 +22295,7 @@
     </p:spTree>
     <p:extLst>
       <p:ext uri="{BB962C8B-B14F-4D97-AF65-F5344CB8AC3E}">
-        <p14:creationId xmlns:p14="http://schemas.microsoft.com/office/powerpoint/2010/main" val="2031345537"/>
+        <p14:creationId xmlns:p14="http://schemas.microsoft.com/office/powerpoint/2010/main" val="2623692385"/>
       </p:ext>
     </p:extLst>
   </p:cSld>
@@ -22463,21 +22351,23 @@
           <a:p>
             <a:r>
               <a:rPr lang="el-GR" dirty="0"/>
-              <a:t>«Στην εποχή της ψηφιακής τεχνολογίας, κάθε επιχείρηση είναι μια επιχείρηση λογισμικού.</a:t>
-            </a:r>
-          </a:p>
-          <a:p>
+              <a:t>Παρατηρούμε κάποια </a:t>
+            </a:r>
+            <a:r>
+              <a:rPr lang="en-US" dirty="0"/>
+              <a:t>gameplay mechanics </a:t>
+            </a:r>
             <a:r>
               <a:rPr lang="el-GR" dirty="0"/>
-              <a:t>Η ευελιξία δεν είναι επιλογή ή κάτι μόνο για τεχνικές ομάδες, είναι </a:t>
+              <a:t>από τίτλους παιχνιδιού που κουβαλούν την έννοια του </a:t>
             </a:r>
             <a:r>
               <a:rPr lang="en-US" dirty="0"/>
-              <a:t>business imperative</a:t>
+              <a:t>metaverse</a:t>
             </a:r>
             <a:r>
               <a:rPr lang="el-GR" dirty="0"/>
-              <a:t>».</a:t>
+              <a:t> εν μέρη.</a:t>
             </a:r>
             <a:endParaRPr lang="en-US" dirty="0"/>
           </a:p>
@@ -22485,53 +22375,48 @@
             <a:endParaRPr lang="en-US" dirty="0"/>
           </a:p>
           <a:p>
-            <a:r>
-              <a:rPr lang="el-GR" dirty="0" err="1"/>
-              <a:t>Δηλαδη</a:t>
-            </a:r>
-            <a:r>
-              <a:rPr lang="el-GR" dirty="0"/>
-              <a:t> πρέπει να υπάρξει </a:t>
-            </a:r>
-            <a:r>
-              <a:rPr lang="en-US" dirty="0"/>
-              <a:t>agility </a:t>
-            </a:r>
-            <a:r>
-              <a:rPr lang="el-GR" dirty="0"/>
-              <a:t>και το να </a:t>
-            </a:r>
-            <a:r>
-              <a:rPr lang="el-GR" dirty="0" err="1"/>
-              <a:t>υπαρξει</a:t>
-            </a:r>
-            <a:r>
-              <a:rPr lang="el-GR" dirty="0"/>
-              <a:t> </a:t>
-            </a:r>
-            <a:r>
-              <a:rPr lang="el-GR" dirty="0" err="1"/>
-              <a:t>εννούμε</a:t>
-            </a:r>
-            <a:r>
-              <a:rPr lang="el-GR" dirty="0"/>
-              <a:t> </a:t>
-            </a:r>
-            <a:r>
-              <a:rPr lang="el-GR" dirty="0" err="1"/>
-              <a:t>ριζικα</a:t>
-            </a:r>
-            <a:r>
-              <a:rPr lang="el-GR" dirty="0"/>
-              <a:t> λειτουργική ώστε να προχωρήσει από </a:t>
-            </a:r>
-            <a:r>
-              <a:rPr lang="en-US" dirty="0"/>
-              <a:t>idea -&gt; reality to project vision.</a:t>
-            </a:r>
-          </a:p>
-          <a:p>
-            <a:endParaRPr lang="en-US" dirty="0"/>
+            <a:pPr marL="0" marR="0" lvl="0" indent="0" algn="l" defTabSz="457200" rtl="0" eaLnBrk="1" fontAlgn="auto" latinLnBrk="0" hangingPunct="1">
+              <a:lnSpc>
+                <a:spcPct val="100000"/>
+              </a:lnSpc>
+              <a:spcBef>
+                <a:spcPts val="0"/>
+              </a:spcBef>
+              <a:spcAft>
+                <a:spcPts val="0"/>
+              </a:spcAft>
+              <a:buClrTx/>
+              <a:buSzTx/>
+              <a:buFontTx/>
+              <a:buNone/>
+              <a:tabLst/>
+              <a:defRPr/>
+            </a:pPr>
+            <a:r>
+              <a:rPr lang="el-GR" sz="1200" strike="sngStrike" dirty="0">
+                <a:latin typeface="Arial" panose="020B0604020202020204" pitchFamily="34" charset="0"/>
+                <a:cs typeface="Arial" panose="020B0604020202020204" pitchFamily="34" charset="0"/>
+              </a:rPr>
+              <a:t>Ένα </a:t>
+            </a:r>
+            <a:r>
+              <a:rPr lang="en-US" sz="1200" strike="sngStrike" dirty="0">
+                <a:latin typeface="Arial" panose="020B0604020202020204" pitchFamily="34" charset="0"/>
+                <a:cs typeface="Arial" panose="020B0604020202020204" pitchFamily="34" charset="0"/>
+              </a:rPr>
+              <a:t>multi-platform</a:t>
+            </a:r>
+            <a:r>
+              <a:rPr lang="el-GR" sz="1200" strike="sngStrike" dirty="0">
+                <a:latin typeface="Arial" panose="020B0604020202020204" pitchFamily="34" charset="0"/>
+                <a:cs typeface="Arial" panose="020B0604020202020204" pitchFamily="34" charset="0"/>
+              </a:rPr>
+              <a:t> κεντρικό μέρος για παρέα με φίλους/οικογένειες, εξερεύνηση, ψυχαγωγία, μάθηση και το πιο σημαντικό είναι συνεπές με την τεράστια εξέλιξη και ανάπτυξη για τα επόμενα χρόνια. Δεν είναι απλώς ένα παιχνίδι, είναι ένα μέρος. Ένα εικονικό σύμπαν.</a:t>
+            </a:r>
+            <a:endParaRPr lang="en-US" sz="1200" strike="sngStrike" dirty="0">
+              <a:latin typeface="Arial" panose="020B0604020202020204" pitchFamily="34" charset="0"/>
+              <a:cs typeface="Arial" panose="020B0604020202020204" pitchFamily="34" charset="0"/>
+            </a:endParaRPr>
           </a:p>
         </p:txBody>
       </p:sp>
@@ -22562,7 +22447,7 @@
     </p:spTree>
     <p:extLst>
       <p:ext uri="{BB962C8B-B14F-4D97-AF65-F5344CB8AC3E}">
-        <p14:creationId xmlns:p14="http://schemas.microsoft.com/office/powerpoint/2010/main" val="2778896229"/>
+        <p14:creationId xmlns:p14="http://schemas.microsoft.com/office/powerpoint/2010/main" val="2196702233"/>
       </p:ext>
     </p:extLst>
   </p:cSld>
@@ -22626,7 +22511,7 @@
             </a:r>
             <a:r>
               <a:rPr lang="el-GR" dirty="0"/>
-              <a:t>την Κ </a:t>
+              <a:t>την Κ. </a:t>
             </a:r>
             <a:r>
               <a:rPr lang="el-GR" dirty="0" err="1"/>
@@ -22722,8 +22607,74 @@
           <a:lstStyle/>
           <a:p>
             <a:r>
+              <a:rPr lang="en-US" strike="sngStrike" dirty="0"/>
+              <a:t>Game population Charts</a:t>
+            </a:r>
+          </a:p>
+          <a:p>
+            <a:endParaRPr lang="en-US" dirty="0"/>
+          </a:p>
+          <a:p>
+            <a:r>
               <a:rPr lang="el-GR" dirty="0"/>
-              <a:t>Ευχαριστούμε!</a:t>
+              <a:t>Όταν αναφερόμαστε ότι οι αριθμοί δεν πολλοί μετράν είναι διότι υπάρχουν πολλοί παράγοντας επιτυχίας ενός προϊόντος πέρα από την μηχανική. Για να πετύχει πρέπει σε επίπεδο </a:t>
+            </a:r>
+            <a:r>
+              <a:rPr lang="en-US" dirty="0"/>
+              <a:t>Product, Engineer, Market </a:t>
+            </a:r>
+            <a:r>
+              <a:rPr lang="el-GR" dirty="0"/>
+              <a:t>να είναι άριστο</a:t>
+            </a:r>
+          </a:p>
+          <a:p>
+            <a:endParaRPr lang="el-GR" dirty="0"/>
+          </a:p>
+          <a:p>
+            <a:r>
+              <a:rPr lang="el-GR" dirty="0"/>
+              <a:t>Δηλαδή το προϊόν να είναι χρήσιμο να έχει καλή προσεγγίσει στην λύση του προβλήματος αλγοριθμικά και αρχιτεκτονικά, συνδυάζοντας το με το </a:t>
+            </a:r>
+            <a:r>
+              <a:rPr lang="en-US" dirty="0"/>
+              <a:t>user experience </a:t>
+            </a:r>
+            <a:r>
+              <a:rPr lang="el-GR" dirty="0"/>
+              <a:t>για μια θετική </a:t>
+            </a:r>
+            <a:r>
+              <a:rPr lang="en-US" dirty="0"/>
+              <a:t>streamlined</a:t>
+            </a:r>
+            <a:r>
+              <a:rPr lang="el-GR" dirty="0"/>
+              <a:t> εμπειρία από τον χρήστη και </a:t>
+            </a:r>
+            <a:r>
+              <a:rPr lang="en-US" dirty="0"/>
+              <a:t>marketing target </a:t>
+            </a:r>
+            <a:r>
+              <a:rPr lang="el-GR" dirty="0"/>
+              <a:t>ως προς την προώθηση &amp; </a:t>
+            </a:r>
+            <a:r>
+              <a:rPr lang="en-US" dirty="0"/>
+              <a:t>Feedback </a:t>
+            </a:r>
+            <a:r>
+              <a:rPr lang="el-GR" dirty="0"/>
+              <a:t>αλλά και μέσα από αυτό</a:t>
+            </a:r>
+            <a:r>
+              <a:rPr lang="en-US" dirty="0"/>
+              <a:t> continual improvement</a:t>
+            </a:r>
+            <a:r>
+              <a:rPr lang="el-GR" dirty="0"/>
+              <a:t>.</a:t>
             </a:r>
             <a:endParaRPr lang="en-US" dirty="0"/>
           </a:p>
@@ -22748,6 +22699,357 @@
               <a:rPr lang="en-US" smtClean="0"/>
               <a:pPr/>
               <a:t>30</a:t>
+            </a:fld>
+            <a:endParaRPr lang="en-US" dirty="0"/>
+          </a:p>
+        </p:txBody>
+      </p:sp>
+    </p:spTree>
+    <p:extLst>
+      <p:ext uri="{BB962C8B-B14F-4D97-AF65-F5344CB8AC3E}">
+        <p14:creationId xmlns:p14="http://schemas.microsoft.com/office/powerpoint/2010/main" val="701762417"/>
+      </p:ext>
+    </p:extLst>
+  </p:cSld>
+  <p:clrMapOvr>
+    <a:masterClrMapping/>
+  </p:clrMapOvr>
+</p:notes>
+</file>
+
+<file path=ppt/notesSlides/notesSlide31.xml><?xml version="1.0" encoding="utf-8"?>
+<p:notes xmlns:a="http://schemas.openxmlformats.org/drawingml/2006/main" xmlns:r="http://schemas.openxmlformats.org/officeDocument/2006/relationships" xmlns:p="http://schemas.openxmlformats.org/presentationml/2006/main">
+  <p:cSld>
+    <p:spTree>
+      <p:nvGrpSpPr>
+        <p:cNvPr id="1" name=""/>
+        <p:cNvGrpSpPr/>
+        <p:nvPr/>
+      </p:nvGrpSpPr>
+      <p:grpSpPr>
+        <a:xfrm>
+          <a:off x="0" y="0"/>
+          <a:ext cx="0" cy="0"/>
+          <a:chOff x="0" y="0"/>
+          <a:chExt cx="0" cy="0"/>
+        </a:xfrm>
+      </p:grpSpPr>
+      <p:sp>
+        <p:nvSpPr>
+          <p:cNvPr id="2" name="Slide Image Placeholder 1"/>
+          <p:cNvSpPr>
+            <a:spLocks noGrp="1" noRot="1" noChangeAspect="1"/>
+          </p:cNvSpPr>
+          <p:nvPr>
+            <p:ph type="sldImg"/>
+          </p:nvPr>
+        </p:nvSpPr>
+        <p:spPr/>
+      </p:sp>
+      <p:sp>
+        <p:nvSpPr>
+          <p:cNvPr id="3" name="Notes Placeholder 2"/>
+          <p:cNvSpPr>
+            <a:spLocks noGrp="1"/>
+          </p:cNvSpPr>
+          <p:nvPr>
+            <p:ph type="body" idx="1"/>
+          </p:nvPr>
+        </p:nvSpPr>
+        <p:spPr/>
+        <p:txBody>
+          <a:bodyPr/>
+          <a:lstStyle/>
+          <a:p>
+            <a:r>
+              <a:rPr lang="el-GR" dirty="0"/>
+              <a:t>Όπως είχαμε αναφέρει κάνοντας «παρατήρηση» των επιτυχημένων παιχνιδιών και μηχανισμών μπορούμε να αποσυνθέσουμε και να προβούμε σε καινοτομίες ακολουθώντας δοκιμές μέσο χρήσης </a:t>
+            </a:r>
+            <a:r>
+              <a:rPr lang="en-US" dirty="0"/>
+              <a:t>product reverse engineering.</a:t>
+            </a:r>
+          </a:p>
+          <a:p>
+            <a:r>
+              <a:rPr lang="el-GR" dirty="0"/>
+              <a:t>Εύρεση </a:t>
+            </a:r>
+            <a:r>
+              <a:rPr lang="en-US" dirty="0"/>
+              <a:t>formulas = </a:t>
+            </a:r>
+            <a:r>
+              <a:rPr lang="el-GR" dirty="0"/>
+              <a:t>τροποποίηση</a:t>
+            </a:r>
+            <a:endParaRPr lang="en-US" dirty="0"/>
+          </a:p>
+        </p:txBody>
+      </p:sp>
+      <p:sp>
+        <p:nvSpPr>
+          <p:cNvPr id="4" name="Slide Number Placeholder 3"/>
+          <p:cNvSpPr>
+            <a:spLocks noGrp="1"/>
+          </p:cNvSpPr>
+          <p:nvPr>
+            <p:ph type="sldNum" sz="quarter" idx="5"/>
+          </p:nvPr>
+        </p:nvSpPr>
+        <p:spPr/>
+        <p:txBody>
+          <a:bodyPr/>
+          <a:lstStyle/>
+          <a:p>
+            <a:fld id="{93322314-975C-554B-8A12-FD962E3F8AC7}" type="slidenum">
+              <a:rPr lang="en-US" smtClean="0"/>
+              <a:pPr/>
+              <a:t>31</a:t>
+            </a:fld>
+            <a:endParaRPr lang="en-US" dirty="0"/>
+          </a:p>
+        </p:txBody>
+      </p:sp>
+    </p:spTree>
+    <p:extLst>
+      <p:ext uri="{BB962C8B-B14F-4D97-AF65-F5344CB8AC3E}">
+        <p14:creationId xmlns:p14="http://schemas.microsoft.com/office/powerpoint/2010/main" val="2031345537"/>
+      </p:ext>
+    </p:extLst>
+  </p:cSld>
+  <p:clrMapOvr>
+    <a:masterClrMapping/>
+  </p:clrMapOvr>
+</p:notes>
+</file>
+
+<file path=ppt/notesSlides/notesSlide32.xml><?xml version="1.0" encoding="utf-8"?>
+<p:notes xmlns:a="http://schemas.openxmlformats.org/drawingml/2006/main" xmlns:r="http://schemas.openxmlformats.org/officeDocument/2006/relationships" xmlns:p="http://schemas.openxmlformats.org/presentationml/2006/main">
+  <p:cSld>
+    <p:spTree>
+      <p:nvGrpSpPr>
+        <p:cNvPr id="1" name=""/>
+        <p:cNvGrpSpPr/>
+        <p:nvPr/>
+      </p:nvGrpSpPr>
+      <p:grpSpPr>
+        <a:xfrm>
+          <a:off x="0" y="0"/>
+          <a:ext cx="0" cy="0"/>
+          <a:chOff x="0" y="0"/>
+          <a:chExt cx="0" cy="0"/>
+        </a:xfrm>
+      </p:grpSpPr>
+      <p:sp>
+        <p:nvSpPr>
+          <p:cNvPr id="2" name="Slide Image Placeholder 1"/>
+          <p:cNvSpPr>
+            <a:spLocks noGrp="1" noRot="1" noChangeAspect="1"/>
+          </p:cNvSpPr>
+          <p:nvPr>
+            <p:ph type="sldImg"/>
+          </p:nvPr>
+        </p:nvSpPr>
+        <p:spPr/>
+      </p:sp>
+      <p:sp>
+        <p:nvSpPr>
+          <p:cNvPr id="3" name="Notes Placeholder 2"/>
+          <p:cNvSpPr>
+            <a:spLocks noGrp="1"/>
+          </p:cNvSpPr>
+          <p:nvPr>
+            <p:ph type="body" idx="1"/>
+          </p:nvPr>
+        </p:nvSpPr>
+        <p:spPr/>
+        <p:txBody>
+          <a:bodyPr/>
+          <a:lstStyle/>
+          <a:p>
+            <a:r>
+              <a:rPr lang="el-GR" dirty="0"/>
+              <a:t>«Στην εποχή της ψηφιακής τεχνολογίας, κάθε επιχείρηση είναι μια επιχείρηση λογισμικού.</a:t>
+            </a:r>
+          </a:p>
+          <a:p>
+            <a:r>
+              <a:rPr lang="el-GR" dirty="0"/>
+              <a:t>Η ευελιξία δεν είναι επιλογή ή κάτι μόνο για τεχνικές ομάδες, είναι </a:t>
+            </a:r>
+            <a:r>
+              <a:rPr lang="en-US" dirty="0"/>
+              <a:t>business imperative</a:t>
+            </a:r>
+            <a:r>
+              <a:rPr lang="el-GR" dirty="0"/>
+              <a:t>».</a:t>
+            </a:r>
+            <a:endParaRPr lang="en-US" dirty="0"/>
+          </a:p>
+          <a:p>
+            <a:endParaRPr lang="en-US" dirty="0"/>
+          </a:p>
+          <a:p>
+            <a:r>
+              <a:rPr lang="el-GR" dirty="0" err="1"/>
+              <a:t>Δηλαδη</a:t>
+            </a:r>
+            <a:r>
+              <a:rPr lang="el-GR" dirty="0"/>
+              <a:t> πρέπει να υπάρξει </a:t>
+            </a:r>
+            <a:r>
+              <a:rPr lang="en-US" dirty="0"/>
+              <a:t>agility </a:t>
+            </a:r>
+            <a:r>
+              <a:rPr lang="el-GR" dirty="0"/>
+              <a:t>και το να </a:t>
+            </a:r>
+            <a:r>
+              <a:rPr lang="el-GR" dirty="0" err="1"/>
+              <a:t>υπαρξει</a:t>
+            </a:r>
+            <a:r>
+              <a:rPr lang="el-GR" dirty="0"/>
+              <a:t> </a:t>
+            </a:r>
+            <a:r>
+              <a:rPr lang="el-GR" dirty="0" err="1"/>
+              <a:t>εννούμε</a:t>
+            </a:r>
+            <a:r>
+              <a:rPr lang="el-GR" dirty="0"/>
+              <a:t> </a:t>
+            </a:r>
+            <a:r>
+              <a:rPr lang="el-GR" dirty="0" err="1"/>
+              <a:t>ριζικα</a:t>
+            </a:r>
+            <a:r>
+              <a:rPr lang="el-GR" dirty="0"/>
+              <a:t> λειτουργική ώστε να προχωρήσει από </a:t>
+            </a:r>
+            <a:r>
+              <a:rPr lang="en-US" dirty="0"/>
+              <a:t>idea -&gt; reality to project vision.</a:t>
+            </a:r>
+          </a:p>
+          <a:p>
+            <a:endParaRPr lang="en-US" dirty="0"/>
+          </a:p>
+        </p:txBody>
+      </p:sp>
+      <p:sp>
+        <p:nvSpPr>
+          <p:cNvPr id="4" name="Slide Number Placeholder 3"/>
+          <p:cNvSpPr>
+            <a:spLocks noGrp="1"/>
+          </p:cNvSpPr>
+          <p:nvPr>
+            <p:ph type="sldNum" sz="quarter" idx="5"/>
+          </p:nvPr>
+        </p:nvSpPr>
+        <p:spPr/>
+        <p:txBody>
+          <a:bodyPr/>
+          <a:lstStyle/>
+          <a:p>
+            <a:fld id="{93322314-975C-554B-8A12-FD962E3F8AC7}" type="slidenum">
+              <a:rPr lang="en-US" smtClean="0"/>
+              <a:pPr/>
+              <a:t>32</a:t>
+            </a:fld>
+            <a:endParaRPr lang="en-US" dirty="0"/>
+          </a:p>
+        </p:txBody>
+      </p:sp>
+    </p:spTree>
+    <p:extLst>
+      <p:ext uri="{BB962C8B-B14F-4D97-AF65-F5344CB8AC3E}">
+        <p14:creationId xmlns:p14="http://schemas.microsoft.com/office/powerpoint/2010/main" val="2778896229"/>
+      </p:ext>
+    </p:extLst>
+  </p:cSld>
+  <p:clrMapOvr>
+    <a:masterClrMapping/>
+  </p:clrMapOvr>
+</p:notes>
+</file>
+
+<file path=ppt/notesSlides/notesSlide33.xml><?xml version="1.0" encoding="utf-8"?>
+<p:notes xmlns:a="http://schemas.openxmlformats.org/drawingml/2006/main" xmlns:r="http://schemas.openxmlformats.org/officeDocument/2006/relationships" xmlns:p="http://schemas.openxmlformats.org/presentationml/2006/main">
+  <p:cSld>
+    <p:spTree>
+      <p:nvGrpSpPr>
+        <p:cNvPr id="1" name=""/>
+        <p:cNvGrpSpPr/>
+        <p:nvPr/>
+      </p:nvGrpSpPr>
+      <p:grpSpPr>
+        <a:xfrm>
+          <a:off x="0" y="0"/>
+          <a:ext cx="0" cy="0"/>
+          <a:chOff x="0" y="0"/>
+          <a:chExt cx="0" cy="0"/>
+        </a:xfrm>
+      </p:grpSpPr>
+      <p:sp>
+        <p:nvSpPr>
+          <p:cNvPr id="2" name="Slide Image Placeholder 1"/>
+          <p:cNvSpPr>
+            <a:spLocks noGrp="1" noRot="1" noChangeAspect="1"/>
+          </p:cNvSpPr>
+          <p:nvPr>
+            <p:ph type="sldImg"/>
+          </p:nvPr>
+        </p:nvSpPr>
+        <p:spPr/>
+      </p:sp>
+      <p:sp>
+        <p:nvSpPr>
+          <p:cNvPr id="3" name="Notes Placeholder 2"/>
+          <p:cNvSpPr>
+            <a:spLocks noGrp="1"/>
+          </p:cNvSpPr>
+          <p:nvPr>
+            <p:ph type="body" idx="1"/>
+          </p:nvPr>
+        </p:nvSpPr>
+        <p:spPr/>
+        <p:txBody>
+          <a:bodyPr/>
+          <a:lstStyle/>
+          <a:p>
+            <a:r>
+              <a:rPr lang="el-GR" sz="1200" dirty="0"/>
+              <a:t>Σας ευχαριστώ για την προσοχή σας και καλωσορίζω οποιεσδήποτε ερωτήσεις έχετε.</a:t>
+            </a:r>
+            <a:endParaRPr lang="en-US" dirty="0"/>
+          </a:p>
+        </p:txBody>
+      </p:sp>
+      <p:sp>
+        <p:nvSpPr>
+          <p:cNvPr id="4" name="Slide Number Placeholder 3"/>
+          <p:cNvSpPr>
+            <a:spLocks noGrp="1"/>
+          </p:cNvSpPr>
+          <p:nvPr>
+            <p:ph type="sldNum" sz="quarter" idx="5"/>
+          </p:nvPr>
+        </p:nvSpPr>
+        <p:spPr/>
+        <p:txBody>
+          <a:bodyPr/>
+          <a:lstStyle/>
+          <a:p>
+            <a:fld id="{93322314-975C-554B-8A12-FD962E3F8AC7}" type="slidenum">
+              <a:rPr lang="en-US" smtClean="0"/>
+              <a:pPr/>
+              <a:t>33</a:t>
             </a:fld>
             <a:endParaRPr lang="en-US" dirty="0"/>
           </a:p>
@@ -22833,7 +23135,15 @@
             </a:r>
             <a:r>
               <a:rPr lang="el-GR" sz="1200" dirty="0"/>
-              <a:t>Επεξήγηση των πλεονεκτημάτων και των προκλήσεων της χρήσης αναδυόμενων τεχνολογιών όπως DAO, WEB3.0, </a:t>
+              <a:t>Επεξήγηση των πλεονεκτημάτων και των προκλήσεων της χρήσης αναδυόμενων τεχνολογιών όπως DAO</a:t>
+            </a:r>
+            <a:r>
+              <a:rPr lang="en-US" sz="1200" dirty="0"/>
+              <a:t>/Blockchain</a:t>
+            </a:r>
+            <a:r>
+              <a:rPr lang="el-GR" sz="1200" dirty="0"/>
+              <a:t>, WEB3.0, </a:t>
             </a:r>
             <a:r>
               <a:rPr lang="el-GR" sz="1200" dirty="0" err="1"/>
@@ -22879,6 +23189,19 @@
               <a:rPr lang="el-GR" sz="1200" dirty="0"/>
               <a:t>Αποτελεσματικές στρατηγικές για την υιοθέτηση αναδυόμενων τεχνολογιών στις παγκόσμιες επιχειρηματικές δραστηριότητες, συμπεριλαμβανομένης της χρήσης πλαισίων όπως το TOGAF</a:t>
             </a:r>
+            <a:r>
+              <a:rPr lang="en-US" sz="1200" dirty="0"/>
+              <a:t> &amp; </a:t>
+            </a:r>
+            <a:r>
+              <a:rPr lang="en-US" sz="1200" dirty="0" err="1"/>
+              <a:t>SAFe</a:t>
+            </a:r>
+            <a:r>
+              <a:rPr lang="en-US" sz="1200" dirty="0"/>
+              <a:t> + ITIL</a:t>
+            </a:r>
+            <a:endParaRPr lang="el-GR" sz="1200" dirty="0"/>
           </a:p>
           <a:p>
             <a:r>
@@ -22887,7 +23210,7 @@
             </a:r>
             <a:r>
               <a:rPr lang="el-GR" sz="1200" dirty="0"/>
-              <a:t>Συζήτηση για τις δυνατότητες των αναδυόμενων τεχνολογιών να μεταμορφώσουν τις παγκόσμιες επιχειρηματικές δραστηριότητες και να ενισχύσουν την οικονομική ανάπτυξη και ανάπτυξη</a:t>
+              <a:t>Συζήτηση για τις δυνατότητες των αναδυόμενων τεχνολογιών να μεταμορφώσουν τις παγκόσμιες επιχειρηματικές δραστηριότητες και να ενισχύσουν την οικονομική ανάπτυξη και εξέλιξη</a:t>
             </a:r>
           </a:p>
           <a:p>
@@ -22988,29 +23311,19 @@
           <a:lstStyle/>
           <a:p>
             <a:r>
-              <a:rPr lang="el-GR" sz="1200" dirty="0"/>
-              <a:t>Οι ερευνά καλύπτει ενότητες σχετικά με:</a:t>
-            </a:r>
-            <a:endParaRPr lang="en-US" sz="1200" dirty="0"/>
-          </a:p>
-          <a:p>
-            <a:r>
               <a:rPr lang="en-US" sz="1200" dirty="0"/>
               <a:t>1) </a:t>
             </a:r>
             <a:r>
               <a:rPr lang="el-GR" sz="1200" dirty="0"/>
-              <a:t>Εισαγωγή στο θέμα της τεχνολογίας στις παγκόσμιες επιχειρηματικές δραστηριότητες</a:t>
-            </a:r>
-          </a:p>
-          <a:p>
-            <a:r>
-              <a:rPr lang="en-US" sz="1200" dirty="0"/>
-              <a:t>2) </a:t>
-            </a:r>
+              <a:t>Βασικά οφέλη και προκλήσεις της χρήσης αναδυόμενων τεχνολογιών στις παγκόσμιες επιχειρηματικές δραστηριότητες:</a:t>
+            </a:r>
+            <a:endParaRPr lang="en-US" sz="1200" dirty="0"/>
+          </a:p>
+          <a:p>
             <a:r>
               <a:rPr lang="el-GR" sz="1200" dirty="0"/>
-              <a:t>Επεξήγηση των πλεονεκτημάτων και των προκλήσεων της χρήσης αναδυόμενων τεχνολογιών όπως DAO, WEB3.0, </a:t>
+              <a:t>Οι αναδυόμενες τεχνολογίες όπως οι Αποκεντρωμένοι Αυτόνομοι Οργανισμοί (DAO), WEB3.0, </a:t>
             </a:r>
             <a:r>
               <a:rPr lang="el-GR" sz="1200" dirty="0" err="1"/>
@@ -23034,51 +23347,48 @@
             </a:r>
             <a:r>
               <a:rPr lang="el-GR" sz="1200" dirty="0"/>
-              <a:t> και HRM αλγοριθμικά συστήματα</a:t>
-            </a:r>
-          </a:p>
-          <a:p>
+              <a:t> και Human </a:t>
+            </a:r>
+            <a:r>
+              <a:rPr lang="el-GR" sz="1200" dirty="0" err="1"/>
+              <a:t>Resource</a:t>
+            </a:r>
+            <a:r>
+              <a:rPr lang="el-GR" sz="1200" dirty="0"/>
+              <a:t> </a:t>
+            </a:r>
+            <a:r>
+              <a:rPr lang="el-GR" sz="1200" dirty="0" err="1"/>
+              <a:t>Management</a:t>
+            </a:r>
+            <a:r>
+              <a:rPr lang="el-GR" sz="1200" dirty="0"/>
+              <a:t> (HRM) αλγοριθμικά συστήματα προσφέρουν πολυάριθμα οφέλη για εταιρείες που δραστηριοποιούνται στην παγκόσμια οικονομία. Για παράδειγμα, οι DAO μπορούν να βελτιώσουν τη διαχείριση της εφοδιαστικής αλυσίδας παρέχοντας διαφάνεια και υπευθυνότητα στις συναλλαγές, ενώ τα αλγοριθμικά συστήματα HRM μπορούν να βελτιστοποιήσουν την απόδοση των εργαζομένων και να αυξήσουν την εργασιακή ικανοποίηση. Ωστόσο, υπάρχουν επίσης προκλήσεις που πρέπει να αντιμετωπιστούν, όπως η ασφάλεια, η </a:t>
+            </a:r>
+            <a:r>
+              <a:rPr lang="el-GR" sz="1200" dirty="0" err="1"/>
+              <a:t>διαλειτουργικότητα</a:t>
+            </a:r>
+            <a:r>
+              <a:rPr lang="el-GR" sz="1200" dirty="0"/>
+              <a:t> και οι ηθικές επιπτώσεις που σχετίζονται με την αλγοριθμική λήψη αποφάσεων.</a:t>
+            </a:r>
             <a:r>
               <a:rPr lang="en-US" sz="1200" dirty="0"/>
-              <a:t>3) </a:t>
+              <a:t> </a:t>
             </a:r>
             <a:r>
               <a:rPr lang="el-GR" sz="1200" dirty="0"/>
-              <a:t>Παραδείγματα για το πώς οι εταιρείες έχουν αξιοποιήσει με επιτυχία αυτές τις τεχνολογίες</a:t>
-            </a:r>
-          </a:p>
-          <a:p>
-            <a:r>
-              <a:rPr lang="en-US" sz="1200" dirty="0"/>
-              <a:t>4) </a:t>
+              <a:t>Για να δείξουμε αυτά τα οφέλη και τις προκλήσεις, θα δώσουμε μερικά παραδείγματα. Για παράδειγμα, εταιρείες που έχουν εφαρμόσει DAO έχουν αναφέρει αυξημένη αποτελεσματικότητα και εξοικονόμηση κόστους στη διαχείριση της αλυσίδας εφοδιασμού τους. Ωστόσο, η χρήση της τεχνολογίας </a:t>
+            </a:r>
+            <a:r>
+              <a:rPr lang="el-GR" sz="1200" dirty="0" err="1"/>
+              <a:t>blockchain</a:t>
             </a:r>
             <a:r>
               <a:rPr lang="el-GR" sz="1200" dirty="0"/>
-              <a:t>Αποτελεσματικές στρατηγικές για την υιοθέτηση αναδυόμενων τεχνολογιών στις παγκόσμιες επιχειρηματικές δραστηριότητες, συμπεριλαμβανομένης της χρήσης πλαισίων όπως το TOGAF</a:t>
-            </a:r>
-          </a:p>
-          <a:p>
-            <a:r>
-              <a:rPr lang="en-US" sz="1200" dirty="0"/>
-              <a:t>5) </a:t>
-            </a:r>
-            <a:r>
-              <a:rPr lang="el-GR" sz="1200" dirty="0"/>
-              <a:t>Συζήτηση για τις δυνατότητες των αναδυόμενων τεχνολογιών να μεταμορφώσουν τις παγκόσμιες επιχειρηματικές δραστηριότητες και να ενισχύσουν την οικονομική ανάπτυξη και ανάπτυξη</a:t>
-            </a:r>
-          </a:p>
-          <a:p>
-            <a:r>
-              <a:rPr lang="en-US" sz="1200" dirty="0"/>
-              <a:t>6) </a:t>
-            </a:r>
-            <a:r>
-              <a:rPr lang="el-GR" sz="1200" dirty="0"/>
-              <a:t>Συμπέρασμα που τονίζει τη σημασία της υιοθέτησης μιας στρατηγικής και υπεύθυνης προσέγγισης για την υιοθέτηση τεχνολογίας προκειμένου να συνειδητοποιηθούν τα οφέλη των αναδυόμενων τεχνολογιών.</a:t>
-            </a:r>
-            <a:endParaRPr lang="en-US" sz="1200" dirty="0"/>
-          </a:p>
-          <a:p>
+              <a:t> εγείρει ανησυχίες σχετικά με το απόρρητο των δεδομένων και τις απειλές στον κυβερνοχώρο. Ομοίως, η χρήση αλγοριθμικών συστημάτων HRM έχει αποδειχθεί ότι βελτιώνει την απόδοση και την ικανοποίηση των εργαζομένων, αλλά υπάρχουν ηθικές ανησυχίες σχετικά με την αλγοριθμική μεροληψία και τις διακρίσεις που πρέπει να αντιμετωπιστούν.</a:t>
+            </a:r>
             <a:endParaRPr lang="en-US" dirty="0"/>
           </a:p>
         </p:txBody>
@@ -23165,75 +23475,56 @@
           <a:lstStyle/>
           <a:p>
             <a:r>
-              <a:rPr lang="el-GR" dirty="0"/>
-              <a:t>Αυτό που συμβαίνει είναι ο διακομιστής ξεκινάει μια συνεδρία με ένα </a:t>
-            </a:r>
-            <a:r>
-              <a:rPr lang="en-US" dirty="0"/>
-              <a:t>subsystem </a:t>
-            </a:r>
-            <a:r>
-              <a:rPr lang="el-GR" dirty="0"/>
-              <a:t>όπως το </a:t>
-            </a:r>
-            <a:r>
-              <a:rPr lang="en-US" dirty="0"/>
-              <a:t>Steam </a:t>
-            </a:r>
-            <a:r>
-              <a:rPr lang="el-GR" dirty="0"/>
-              <a:t>και δημιουργεί ένα </a:t>
-            </a:r>
-            <a:r>
-              <a:rPr lang="en-US" dirty="0"/>
-              <a:t>entry </a:t>
-            </a:r>
-            <a:r>
-              <a:rPr lang="el-GR" dirty="0"/>
-              <a:t>ώστε να τον βρούνε οι υπόλοιποι παίχτες.</a:t>
-            </a:r>
-          </a:p>
-          <a:p>
-            <a:endParaRPr lang="el-GR" dirty="0"/>
-          </a:p>
-          <a:p>
-            <a:r>
-              <a:rPr lang="el-GR" dirty="0"/>
-              <a:t>Ένας πελάτης κατόπιν συνδέεται σε αυτόν.</a:t>
-            </a:r>
-          </a:p>
-          <a:p>
-            <a:endParaRPr lang="el-GR" dirty="0"/>
-          </a:p>
-          <a:p>
-            <a:r>
-              <a:rPr lang="el-GR" dirty="0"/>
-              <a:t>Για να επικοινωνήσουν απομακρυσμένα οι δύο κόμβοι πρέπει να πάρουν έναν πομπό</a:t>
-            </a:r>
-            <a:r>
-              <a:rPr lang="en-US" dirty="0"/>
-              <a:t> (transmitter)</a:t>
-            </a:r>
-            <a:r>
-              <a:rPr lang="el-GR" dirty="0"/>
-              <a:t> και να ενεργοποιήσουν την αποστολή σήματος.</a:t>
-            </a:r>
-          </a:p>
-          <a:p>
-            <a:endParaRPr lang="el-GR" dirty="0"/>
-          </a:p>
-          <a:p>
-            <a:r>
-              <a:rPr lang="el-GR" dirty="0"/>
-              <a:t>Παρατηρούμε πολλαπλά υποσυστήματα και όχι μόνο το</a:t>
-            </a:r>
-            <a:r>
-              <a:rPr lang="en-US" dirty="0"/>
-              <a:t> VoIP </a:t>
-            </a:r>
-            <a:r>
-              <a:rPr lang="el-GR" dirty="0"/>
-              <a:t>για να έρθουμε σε αυτήν την κατάσταση.</a:t>
+              <a:rPr lang="en-US" sz="1200" dirty="0"/>
+              <a:t>2) </a:t>
+            </a:r>
+            <a:r>
+              <a:rPr lang="el-GR" sz="1200" dirty="0"/>
+              <a:t>Αποτελεσματικές στρατηγικές για την αξιοποίηση των αναδυόμενων τεχνολογιών στις παγκόσμιες επιχειρηματικές δραστηριότητες:</a:t>
+            </a:r>
+          </a:p>
+          <a:p>
+            <a:r>
+              <a:rPr lang="el-GR" sz="1200" dirty="0"/>
+              <a:t>Για να αξιοποιήσουν αποτελεσματικά τις αναδυόμενες τεχνολογίες στις παγκόσμιες επιχειρηματικές δραστηριότητες, οι εταιρείες πρέπει να υιοθετήσουν μια στρατηγική και προσεκτική προσέγγιση για την υιοθέτηση τεχνολογίας. Πλαίσια όπως το  </a:t>
+            </a:r>
+            <a:r>
+              <a:rPr lang="en-US" sz="1200" dirty="0"/>
+              <a:t>Enterprise Architecture (</a:t>
+            </a:r>
+            <a:r>
+              <a:rPr lang="el-GR" sz="1200" dirty="0"/>
+              <a:t>π.χ., TOGAF) μπορούν να καθοδηγήσουν τη λήψη αποφάσεων και να βοηθήσουν στον μετριασμό των κινδύνων και των προκλήσεων που σχετίζονται με την εφαρμογή της τεχνολογίας. Υιοθετώντας μια στρατηγική και υπεύθυνη προσέγγιση για την υιοθέτηση τεχνολογίας, οι εταιρείες μπορούν να συνειδητοποιήσουν τα οφέλη των αναδυόμενων τεχνολογιών ελαχιστοποιώντας ταυτόχρονα τους κινδύνους και τις προκλήσεις.</a:t>
+            </a:r>
+          </a:p>
+          <a:p>
+            <a:r>
+              <a:rPr lang="el-GR" sz="1200" dirty="0"/>
+              <a:t>Για να επεξηγήσουμε αυτό το σημείο, θα δώσουμε μερικά παραδείγματα εταιρειών που έχουν υιοθετήσει και αξιοποιήσει με επιτυχία τις αναδυόμενες τεχνολογίες. Για παράδειγμα, η </a:t>
+            </a:r>
+            <a:r>
+              <a:rPr lang="el-GR" sz="1200" dirty="0" err="1"/>
+              <a:t>Walmart</a:t>
+            </a:r>
+            <a:r>
+              <a:rPr lang="el-GR" sz="1200" dirty="0"/>
+              <a:t> έχει εφαρμόσει ένα σύστημα διαχείρισης εφοδιαστικής αλυσίδας που βασίζεται σε </a:t>
+            </a:r>
+            <a:r>
+              <a:rPr lang="el-GR" sz="1200" dirty="0" err="1"/>
+              <a:t>blockchain</a:t>
+            </a:r>
+            <a:r>
+              <a:rPr lang="el-GR" sz="1200" dirty="0"/>
+              <a:t> που έχει βελτιώσει την αποτελεσματικότητα και τη διαφάνεια στις λειτουργίες της. Ομοίως, η Accenture έχει αναπτύξει ένα αλγοριθμικό σύστημα HRM που έχει βελτιώσει την απόδοση των εργαζομένων και την ικανοποίηση από την εργασία, ενώ αντιμετωπίζει ανησυχίες σχετικά με την αλγοριθμική μεροληψία και τις διακρίσεις.</a:t>
+            </a:r>
+            <a:r>
+              <a:rPr lang="en-US" sz="1200" dirty="0"/>
+              <a:t> </a:t>
+            </a:r>
+            <a:r>
+              <a:rPr lang="el-GR" sz="1200" dirty="0"/>
+              <a:t>Επίσης έχουν χρησιμοποιήσει αλγόριθμους μηχανικής μάθησης για να αναλύσουν τα δεδομένα των εργαζομένων και να εξατομικεύσουν συστάσεις για εκπαίδευση και εξέλιξη σταδιοδρομίας.</a:t>
             </a:r>
             <a:endParaRPr lang="en-US" dirty="0"/>
           </a:p>
@@ -23266,7 +23557,7 @@
     </p:spTree>
     <p:extLst>
       <p:ext uri="{BB962C8B-B14F-4D97-AF65-F5344CB8AC3E}">
-        <p14:creationId xmlns:p14="http://schemas.microsoft.com/office/powerpoint/2010/main" val="1761127773"/>
+        <p14:creationId xmlns:p14="http://schemas.microsoft.com/office/powerpoint/2010/main" val="1954666737"/>
       </p:ext>
     </p:extLst>
   </p:cSld>
@@ -23321,63 +23612,50 @@
           <a:lstStyle/>
           <a:p>
             <a:r>
-              <a:rPr lang="el-GR" dirty="0"/>
-              <a:t>Παρατηρούμε το αντίστοιχο </a:t>
-            </a:r>
-            <a:r>
-              <a:rPr lang="en-US" dirty="0"/>
-              <a:t>High Level Business process model </a:t>
-            </a:r>
-            <a:r>
-              <a:rPr lang="el-GR" dirty="0"/>
-              <a:t>του συστήματος</a:t>
-            </a:r>
-            <a:r>
-              <a:rPr lang="en-US" dirty="0"/>
+              <a:rPr lang="en-US" sz="1200" dirty="0"/>
+              <a:t>3) </a:t>
+            </a:r>
+            <a:r>
+              <a:rPr lang="el-GR" sz="1200" dirty="0"/>
+              <a:t>Οι δυνατότητες των αναδυόμενων τεχνολογιών να μεταμορφώσουν τις παγκόσμιες επιχειρηματικές δραστηριότητες:</a:t>
+            </a:r>
+          </a:p>
+          <a:p>
+            <a:r>
+              <a:rPr lang="el-GR" sz="1200" dirty="0"/>
+              <a:t>Οι αναδυόμενες τεχνολογίες όπως το DAO, το WEB3.0 και το </a:t>
+            </a:r>
+            <a:r>
+              <a:rPr lang="el-GR" sz="1200" dirty="0" err="1"/>
+              <a:t>blockchain</a:t>
+            </a:r>
+            <a:r>
+              <a:rPr lang="el-GR" sz="1200" dirty="0"/>
+              <a:t> έχουν τη δυνατότητα να μεταμορφώσουν τις παγκόσμιες επιχειρηματικές δραστηριότητες με πολλούς τρόπους. Βελτιώνοντας τη διαχείριση δεδομένων, τη λήψη αποφάσεων και τη συνεργασία, αυτές οι τεχνολογίες μπορούν να ενισχύσουν το παγκόσμιο εμπόριο και τη διεθνή συνεργασία, οδηγώντας σε αυξημένη οικονομική ανάπτυξη και</a:t>
+            </a:r>
+            <a:r>
+              <a:rPr lang="en-US" sz="1200" dirty="0"/>
               <a:t> </a:t>
             </a:r>
             <a:r>
-              <a:rPr lang="el-GR" dirty="0"/>
-              <a:t>επικοινωνίας των </a:t>
-            </a:r>
-            <a:r>
-              <a:rPr lang="en-US" dirty="0"/>
-              <a:t>subsystem.</a:t>
-            </a:r>
-          </a:p>
-          <a:p>
-            <a:r>
-              <a:rPr lang="el-GR" dirty="0"/>
-              <a:t>Τα </a:t>
-            </a:r>
-            <a:r>
-              <a:rPr lang="en-US" dirty="0"/>
-              <a:t>Processes </a:t>
-            </a:r>
-            <a:r>
-              <a:rPr lang="el-GR" dirty="0"/>
-              <a:t>εφαρμόζουν </a:t>
-            </a:r>
-            <a:r>
-              <a:rPr lang="en-US" dirty="0"/>
-              <a:t>client-server </a:t>
-            </a:r>
-            <a:r>
-              <a:rPr lang="el-GR" dirty="0"/>
-              <a:t>μοντέλο μέσο </a:t>
-            </a:r>
-            <a:r>
-              <a:rPr lang="en-US" dirty="0"/>
-              <a:t>Authority</a:t>
-            </a:r>
-            <a:r>
-              <a:rPr lang="el-GR" dirty="0"/>
-              <a:t> όλες οι επικοινωνίες και </a:t>
-            </a:r>
-            <a:r>
-              <a:rPr lang="en-US" dirty="0"/>
-              <a:t>Remote Call Procedures (RPC)</a:t>
-            </a:r>
+              <a:rPr lang="el-GR" sz="1200" dirty="0"/>
+              <a:t>εξέλιξη.</a:t>
+            </a:r>
+          </a:p>
+          <a:p>
+            <a:r>
+              <a:rPr lang="el-GR" sz="1200" dirty="0"/>
+              <a:t>Για να επεξηγήσουμε αυτό το σημείο, θα δώσουμε μερικά παραδείγματα για το πώς οι αναδυόμενες τεχνολογίες έχουν μεταμορφώσει τις παγκόσμιες επιχειρηματικές δραστηριότητες. Για παράδειγμα, εταιρείες που έχουν εφαρμόσει τεχνολογία </a:t>
+            </a:r>
+            <a:r>
+              <a:rPr lang="el-GR" sz="1200" dirty="0" err="1"/>
+              <a:t>blockchain</a:t>
+            </a:r>
+            <a:r>
+              <a:rPr lang="el-GR" sz="1200" dirty="0"/>
+              <a:t> έχουν αναφέρει αυξημένη αποτελεσματικότητα και διαφάνεια στη διαχείριση της εφοδιαστικής αλυσίδας, με αποτέλεσμα την εξοικονόμηση κόστους και τη βελτίωση της ικανοποίησης των πελατών. Ομοίως, η χρήση αλγοριθμικών συστημάτων HRM έχει αποδειχθεί ότι βελτιώνει την απόδοση και την ικανοποίηση των εργαζομένων, οδηγώντας σε μειωμένους ρυθμούς κύκλου εργασιών και αυξημένη παραγωγικότητα.</a:t>
+            </a:r>
+            <a:endParaRPr lang="en-US" dirty="0"/>
           </a:p>
         </p:txBody>
       </p:sp>
@@ -23408,7 +23686,7 @@
     </p:spTree>
     <p:extLst>
       <p:ext uri="{BB962C8B-B14F-4D97-AF65-F5344CB8AC3E}">
-        <p14:creationId xmlns:p14="http://schemas.microsoft.com/office/powerpoint/2010/main" val="3138642228"/>
+        <p14:creationId xmlns:p14="http://schemas.microsoft.com/office/powerpoint/2010/main" val="2667984823"/>
       </p:ext>
     </p:extLst>
   </p:cSld>
@@ -23463,8 +23741,15 @@
           <a:lstStyle/>
           <a:p>
             <a:r>
-              <a:rPr lang="el-GR" dirty="0"/>
-              <a:t>Διάφορα χαρακτηριστικά του συστήματος</a:t>
+              <a:rPr lang="en-US" sz="1200" dirty="0"/>
+              <a:t>Conclusion:</a:t>
+            </a:r>
+            <a:endParaRPr lang="el-GR" sz="1200" dirty="0"/>
+          </a:p>
+          <a:p>
+            <a:r>
+              <a:rPr lang="el-GR" sz="1200" dirty="0"/>
+              <a:t>Συμπερασματικά, η ερευνητική εργασία παρέχει πολύτιμες πληροφορίες για τις επιχειρήσεις σχετικά με το πώς να αξιοποιήσουν αποτελεσματικά τις αναδυόμενες τεχνολογίες για να βελτιώσουν τις παγκόσμιες δραστηριότητές τους, οδηγώντας σε βελτιωμένη απόδοση, παραγωγικότητα και κερδοφορία. Υιοθετώντας μια στρατηγική και υπεύθυνη προσέγγιση για την υιοθέτηση τεχνολογίας, οι εταιρείες μπορούν να συνειδητοποιήσουν τα οφέλη των αναδυόμενων τεχνολογιών ελαχιστοποιώντας ταυτόχρονα τους κινδύνους και τις προκλήσεις. Επιπλέον, διερευνώντας τις δυνατότητες των αναδυόμενων τεχνολογιών, μπορούμε να προωθήσουμε την καινοτομία και τη δημιουργικότητα στις παγκόσμιες επιχειρηματικές δραστηριότητες, ενώ παράλληλα ενισχύουμε το παγκόσμιο εμπόριο και τη διεθνή συνεργασία.</a:t>
             </a:r>
             <a:endParaRPr lang="en-US" dirty="0"/>
           </a:p>
@@ -23497,7 +23782,7 @@
     </p:spTree>
     <p:extLst>
       <p:ext uri="{BB962C8B-B14F-4D97-AF65-F5344CB8AC3E}">
-        <p14:creationId xmlns:p14="http://schemas.microsoft.com/office/powerpoint/2010/main" val="2584540128"/>
+        <p14:creationId xmlns:p14="http://schemas.microsoft.com/office/powerpoint/2010/main" val="3337363355"/>
       </p:ext>
     </p:extLst>
   </p:cSld>
@@ -23553,12 +23838,76 @@
           <a:p>
             <a:r>
               <a:rPr lang="el-GR" dirty="0"/>
-              <a:t>Εδώ θα βρείτε σχετικά βίντεο με το </a:t>
+              <a:t>Αυτό που συμβαίνει είναι ο διακομιστής ξεκινάει μια συνεδρία με ένα </a:t>
             </a:r>
             <a:r>
               <a:rPr lang="en-US" dirty="0"/>
-              <a:t>Project</a:t>
-            </a:r>
+              <a:t>subsystem </a:t>
+            </a:r>
+            <a:r>
+              <a:rPr lang="el-GR" dirty="0"/>
+              <a:t>όπως το </a:t>
+            </a:r>
+            <a:r>
+              <a:rPr lang="en-US" dirty="0"/>
+              <a:t>Steam </a:t>
+            </a:r>
+            <a:r>
+              <a:rPr lang="el-GR" dirty="0"/>
+              <a:t>και δημιουργεί ένα </a:t>
+            </a:r>
+            <a:r>
+              <a:rPr lang="en-US" dirty="0"/>
+              <a:t>entry </a:t>
+            </a:r>
+            <a:r>
+              <a:rPr lang="el-GR" dirty="0"/>
+              <a:t>ώστε να τον βρούνε οι υπόλοιποι παίχτες.</a:t>
+            </a:r>
+          </a:p>
+          <a:p>
+            <a:endParaRPr lang="el-GR" dirty="0"/>
+          </a:p>
+          <a:p>
+            <a:r>
+              <a:rPr lang="el-GR" dirty="0"/>
+              <a:t>Ένας πελάτης κατόπιν συνδέεται σε αυτόν.</a:t>
+            </a:r>
+          </a:p>
+          <a:p>
+            <a:endParaRPr lang="el-GR" dirty="0"/>
+          </a:p>
+          <a:p>
+            <a:r>
+              <a:rPr lang="el-GR" dirty="0"/>
+              <a:t>Για να επικοινωνήσουν απομακρυσμένα οι δύο κόμβοι πρέπει να πάρουν έναν πομπό</a:t>
+            </a:r>
+            <a:r>
+              <a:rPr lang="en-US" dirty="0"/>
+              <a:t> (transmitter)</a:t>
+            </a:r>
+            <a:r>
+              <a:rPr lang="el-GR" dirty="0"/>
+              <a:t> και να ενεργοποιήσουν την αποστολή σήματος.</a:t>
+            </a:r>
+          </a:p>
+          <a:p>
+            <a:endParaRPr lang="el-GR" dirty="0"/>
+          </a:p>
+          <a:p>
+            <a:r>
+              <a:rPr lang="el-GR" dirty="0"/>
+              <a:t>Παρατηρούμε πολλαπλά υποσυστήματα και όχι μόνο το</a:t>
+            </a:r>
+            <a:r>
+              <a:rPr lang="en-US" dirty="0"/>
+              <a:t> VoIP </a:t>
+            </a:r>
+            <a:r>
+              <a:rPr lang="el-GR" dirty="0"/>
+              <a:t>για να έρθουμε σε αυτήν την κατάσταση.</a:t>
+            </a:r>
+            <a:endParaRPr lang="en-US" dirty="0"/>
           </a:p>
         </p:txBody>
       </p:sp>
@@ -23589,7 +23938,7 @@
     </p:spTree>
     <p:extLst>
       <p:ext uri="{BB962C8B-B14F-4D97-AF65-F5344CB8AC3E}">
-        <p14:creationId xmlns:p14="http://schemas.microsoft.com/office/powerpoint/2010/main" val="1964823117"/>
+        <p14:creationId xmlns:p14="http://schemas.microsoft.com/office/powerpoint/2010/main" val="1761127773"/>
       </p:ext>
     </p:extLst>
   </p:cSld>
@@ -23793,7 +24142,7 @@
             <a:fld id="{623BE99D-5132-394D-8DE2-2FD77049DBCC}" type="datetimeFigureOut">
               <a:rPr lang="en-US" smtClean="0"/>
               <a:pPr/>
-              <a:t>3/8/2023</a:t>
+              <a:t>3/9/2023</a:t>
             </a:fld>
             <a:endParaRPr lang="en-US" dirty="0"/>
           </a:p>
@@ -23998,7 +24347,7 @@
             <a:fld id="{623BE99D-5132-394D-8DE2-2FD77049DBCC}" type="datetimeFigureOut">
               <a:rPr lang="en-US" smtClean="0"/>
               <a:pPr/>
-              <a:t>3/8/2023</a:t>
+              <a:t>3/9/2023</a:t>
             </a:fld>
             <a:endParaRPr lang="en-US" dirty="0"/>
           </a:p>
@@ -24203,7 +24552,7 @@
             <a:fld id="{623BE99D-5132-394D-8DE2-2FD77049DBCC}" type="datetimeFigureOut">
               <a:rPr lang="en-US" smtClean="0"/>
               <a:pPr/>
-              <a:t>3/8/2023</a:t>
+              <a:t>3/9/2023</a:t>
             </a:fld>
             <a:endParaRPr lang="en-US" dirty="0"/>
           </a:p>
@@ -24470,7 +24819,7 @@
             <a:fld id="{623BE99D-5132-394D-8DE2-2FD77049DBCC}" type="datetimeFigureOut">
               <a:rPr lang="en-US" smtClean="0"/>
               <a:pPr/>
-              <a:t>3/8/2023</a:t>
+              <a:t>3/9/2023</a:t>
             </a:fld>
             <a:endParaRPr lang="en-US" dirty="0"/>
           </a:p>
@@ -24680,7 +25029,7 @@
             <a:fld id="{623BE99D-5132-394D-8DE2-2FD77049DBCC}" type="datetimeFigureOut">
               <a:rPr lang="en-US" smtClean="0"/>
               <a:pPr/>
-              <a:t>3/8/2023</a:t>
+              <a:t>3/9/2023</a:t>
             </a:fld>
             <a:endParaRPr lang="en-US" dirty="0"/>
           </a:p>
@@ -24957,7 +25306,7 @@
             <a:fld id="{623BE99D-5132-394D-8DE2-2FD77049DBCC}" type="datetimeFigureOut">
               <a:rPr lang="en-US" smtClean="0"/>
               <a:pPr/>
-              <a:t>3/8/2023</a:t>
+              <a:t>3/9/2023</a:t>
             </a:fld>
             <a:endParaRPr lang="en-US" dirty="0"/>
           </a:p>
@@ -25282,7 +25631,7 @@
             <a:fld id="{623BE99D-5132-394D-8DE2-2FD77049DBCC}" type="datetimeFigureOut">
               <a:rPr lang="en-US" smtClean="0"/>
               <a:pPr/>
-              <a:t>3/8/2023</a:t>
+              <a:t>3/9/2023</a:t>
             </a:fld>
             <a:endParaRPr lang="en-US" dirty="0"/>
           </a:p>
@@ -25747,7 +26096,7 @@
             <a:fld id="{623BE99D-5132-394D-8DE2-2FD77049DBCC}" type="datetimeFigureOut">
               <a:rPr lang="en-US" smtClean="0"/>
               <a:pPr/>
-              <a:t>3/8/2023</a:t>
+              <a:t>3/9/2023</a:t>
             </a:fld>
             <a:endParaRPr lang="en-US" dirty="0"/>
           </a:p>
@@ -25898,7 +26247,7 @@
             <a:fld id="{623BE99D-5132-394D-8DE2-2FD77049DBCC}" type="datetimeFigureOut">
               <a:rPr lang="en-US" smtClean="0"/>
               <a:pPr/>
-              <a:t>3/8/2023</a:t>
+              <a:t>3/9/2023</a:t>
             </a:fld>
             <a:endParaRPr lang="en-US" dirty="0"/>
           </a:p>
@@ -26019,7 +26368,7 @@
             <a:fld id="{623BE99D-5132-394D-8DE2-2FD77049DBCC}" type="datetimeFigureOut">
               <a:rPr lang="en-US" smtClean="0"/>
               <a:pPr/>
-              <a:t>3/8/2023</a:t>
+              <a:t>3/9/2023</a:t>
             </a:fld>
             <a:endParaRPr lang="en-US" dirty="0"/>
           </a:p>
@@ -26329,7 +26678,7 @@
             <a:fld id="{623BE99D-5132-394D-8DE2-2FD77049DBCC}" type="datetimeFigureOut">
               <a:rPr lang="en-US" smtClean="0"/>
               <a:pPr/>
-              <a:t>3/8/2023</a:t>
+              <a:t>3/9/2023</a:t>
             </a:fld>
             <a:endParaRPr lang="en-US" dirty="0"/>
           </a:p>
@@ -26539,7 +26888,7 @@
             <a:fld id="{623BE99D-5132-394D-8DE2-2FD77049DBCC}" type="datetimeFigureOut">
               <a:rPr lang="en-US" smtClean="0"/>
               <a:pPr/>
-              <a:t>3/8/2023</a:t>
+              <a:t>3/9/2023</a:t>
             </a:fld>
             <a:endParaRPr lang="en-US" dirty="0"/>
           </a:p>
@@ -26821,7 +27170,7 @@
             <a:fld id="{623BE99D-5132-394D-8DE2-2FD77049DBCC}" type="datetimeFigureOut">
               <a:rPr lang="en-US" smtClean="0"/>
               <a:pPr/>
-              <a:t>3/8/2023</a:t>
+              <a:t>3/9/2023</a:t>
             </a:fld>
             <a:endParaRPr lang="en-US" dirty="0"/>
           </a:p>
@@ -27031,7 +27380,7 @@
             <a:fld id="{623BE99D-5132-394D-8DE2-2FD77049DBCC}" type="datetimeFigureOut">
               <a:rPr lang="en-US" smtClean="0"/>
               <a:pPr/>
-              <a:t>3/8/2023</a:t>
+              <a:t>3/9/2023</a:t>
             </a:fld>
             <a:endParaRPr lang="en-US" dirty="0"/>
           </a:p>
@@ -27241,7 +27590,7 @@
             <a:fld id="{623BE99D-5132-394D-8DE2-2FD77049DBCC}" type="datetimeFigureOut">
               <a:rPr lang="en-US" smtClean="0"/>
               <a:pPr/>
-              <a:t>3/8/2023</a:t>
+              <a:t>3/9/2023</a:t>
             </a:fld>
             <a:endParaRPr lang="en-US" dirty="0"/>
           </a:p>
@@ -27518,7 +27867,7 @@
             <a:fld id="{623BE99D-5132-394D-8DE2-2FD77049DBCC}" type="datetimeFigureOut">
               <a:rPr lang="en-US" smtClean="0"/>
               <a:pPr/>
-              <a:t>3/8/2023</a:t>
+              <a:t>3/9/2023</a:t>
             </a:fld>
             <a:endParaRPr lang="en-US" dirty="0"/>
           </a:p>
@@ -27838,7 +28187,7 @@
             <a:fld id="{623BE99D-5132-394D-8DE2-2FD77049DBCC}" type="datetimeFigureOut">
               <a:rPr lang="en-US" smtClean="0"/>
               <a:pPr/>
-              <a:t>3/8/2023</a:t>
+              <a:t>3/9/2023</a:t>
             </a:fld>
             <a:endParaRPr lang="en-US" dirty="0"/>
           </a:p>
@@ -28298,7 +28647,7 @@
             <a:fld id="{623BE99D-5132-394D-8DE2-2FD77049DBCC}" type="datetimeFigureOut">
               <a:rPr lang="en-US" smtClean="0"/>
               <a:pPr/>
-              <a:t>3/8/2023</a:t>
+              <a:t>3/9/2023</a:t>
             </a:fld>
             <a:endParaRPr lang="en-US" dirty="0"/>
           </a:p>
@@ -28444,7 +28793,7 @@
             <a:fld id="{623BE99D-5132-394D-8DE2-2FD77049DBCC}" type="datetimeFigureOut">
               <a:rPr lang="en-US" smtClean="0"/>
               <a:pPr/>
-              <a:t>3/8/2023</a:t>
+              <a:t>3/9/2023</a:t>
             </a:fld>
             <a:endParaRPr lang="en-US" dirty="0"/>
           </a:p>
@@ -28560,7 +28909,7 @@
             <a:fld id="{623BE99D-5132-394D-8DE2-2FD77049DBCC}" type="datetimeFigureOut">
               <a:rPr lang="en-US" smtClean="0"/>
               <a:pPr/>
-              <a:t>3/8/2023</a:t>
+              <a:t>3/9/2023</a:t>
             </a:fld>
             <a:endParaRPr lang="en-US" dirty="0"/>
           </a:p>
@@ -28865,7 +29214,7 @@
             <a:fld id="{623BE99D-5132-394D-8DE2-2FD77049DBCC}" type="datetimeFigureOut">
               <a:rPr lang="en-US" smtClean="0"/>
               <a:pPr/>
-              <a:t>3/8/2023</a:t>
+              <a:t>3/9/2023</a:t>
             </a:fld>
             <a:endParaRPr lang="en-US" dirty="0"/>
           </a:p>
@@ -29147,7 +29496,7 @@
             <a:fld id="{623BE99D-5132-394D-8DE2-2FD77049DBCC}" type="datetimeFigureOut">
               <a:rPr lang="en-US" smtClean="0"/>
               <a:pPr/>
-              <a:t>3/8/2023</a:t>
+              <a:t>3/9/2023</a:t>
             </a:fld>
             <a:endParaRPr lang="en-US" dirty="0"/>
           </a:p>
@@ -30613,6 +30962,660 @@
           <a:chExt cx="0" cy="0"/>
         </a:xfrm>
       </p:grpSpPr>
+      <p:pic>
+        <p:nvPicPr>
+          <p:cNvPr id="2" name="Picture 1">
+            <a:extLst>
+              <a:ext uri="{FF2B5EF4-FFF2-40B4-BE49-F238E27FC236}">
+                <a16:creationId xmlns:a16="http://schemas.microsoft.com/office/drawing/2014/main" id="{4AEA8F00-1837-496B-9BCD-CCC39E78B530}"/>
+              </a:ext>
+            </a:extLst>
+          </p:cNvPr>
+          <p:cNvPicPr>
+            <a:picLocks noChangeAspect="1"/>
+          </p:cNvPicPr>
+          <p:nvPr/>
+        </p:nvPicPr>
+        <p:blipFill>
+          <a:blip r:embed="rId3">
+            <a:extLst>
+              <a:ext uri="{28A0092B-C50C-407E-A947-70E740481C1C}">
+                <a14:useLocalDpi xmlns:a14="http://schemas.microsoft.com/office/drawing/2010/main" val="0"/>
+              </a:ext>
+            </a:extLst>
+          </a:blip>
+          <a:srcRect/>
+          <a:stretch>
+            <a:fillRect/>
+          </a:stretch>
+        </p:blipFill>
+        <p:spPr bwMode="auto">
+          <a:xfrm>
+            <a:off x="1184564" y="0"/>
+            <a:ext cx="5943600" cy="7163435"/>
+          </a:xfrm>
+          <a:prstGeom prst="rect">
+            <a:avLst/>
+          </a:prstGeom>
+          <a:noFill/>
+          <a:ln>
+            <a:noFill/>
+          </a:ln>
+        </p:spPr>
+      </p:pic>
+      <p:sp>
+        <p:nvSpPr>
+          <p:cNvPr id="3" name="TextBox 2">
+            <a:extLst>
+              <a:ext uri="{FF2B5EF4-FFF2-40B4-BE49-F238E27FC236}">
+                <a16:creationId xmlns:a16="http://schemas.microsoft.com/office/drawing/2014/main" id="{143EC7F4-CAF6-4509-B241-C7F0A3309E65}"/>
+              </a:ext>
+            </a:extLst>
+          </p:cNvPr>
+          <p:cNvSpPr txBox="1"/>
+          <p:nvPr/>
+        </p:nvSpPr>
+        <p:spPr>
+          <a:xfrm>
+            <a:off x="1507710" y="6350123"/>
+            <a:ext cx="2993127" cy="400110"/>
+          </a:xfrm>
+          <a:prstGeom prst="rect">
+            <a:avLst/>
+          </a:prstGeom>
+          <a:noFill/>
+        </p:spPr>
+        <p:txBody>
+          <a:bodyPr wrap="none" rtlCol="0">
+            <a:spAutoFit/>
+          </a:bodyPr>
+          <a:lstStyle/>
+          <a:p>
+            <a:r>
+              <a:rPr lang="en-US" sz="2000" dirty="0">
+                <a:latin typeface="Arial" panose="020B0604020202020204" pitchFamily="34" charset="0"/>
+                <a:cs typeface="Arial" panose="020B0604020202020204" pitchFamily="34" charset="0"/>
+              </a:rPr>
+              <a:t>Business Process model</a:t>
+            </a:r>
+          </a:p>
+        </p:txBody>
+      </p:sp>
+    </p:spTree>
+    <p:extLst>
+      <p:ext uri="{BB962C8B-B14F-4D97-AF65-F5344CB8AC3E}">
+        <p14:creationId xmlns:p14="http://schemas.microsoft.com/office/powerpoint/2010/main" val="3944297630"/>
+      </p:ext>
+    </p:extLst>
+  </p:cSld>
+  <p:clrMapOvr>
+    <a:masterClrMapping/>
+  </p:clrMapOvr>
+</p:sld>
+</file>
+
+<file path=ppt/slides/slide11.xml><?xml version="1.0" encoding="utf-8"?>
+<p:sld xmlns:a="http://schemas.openxmlformats.org/drawingml/2006/main" xmlns:r="http://schemas.openxmlformats.org/officeDocument/2006/relationships" xmlns:p="http://schemas.openxmlformats.org/presentationml/2006/main">
+  <p:cSld>
+    <p:spTree>
+      <p:nvGrpSpPr>
+        <p:cNvPr id="1" name=""/>
+        <p:cNvGrpSpPr/>
+        <p:nvPr/>
+      </p:nvGrpSpPr>
+      <p:grpSpPr>
+        <a:xfrm>
+          <a:off x="0" y="0"/>
+          <a:ext cx="0" cy="0"/>
+          <a:chOff x="0" y="0"/>
+          <a:chExt cx="0" cy="0"/>
+        </a:xfrm>
+      </p:grpSpPr>
+      <p:sp>
+        <p:nvSpPr>
+          <p:cNvPr id="2" name="TextBox 1">
+            <a:extLst>
+              <a:ext uri="{FF2B5EF4-FFF2-40B4-BE49-F238E27FC236}">
+                <a16:creationId xmlns:a16="http://schemas.microsoft.com/office/drawing/2014/main" id="{ECEA71D4-1FBA-473A-8337-B30297766B9A}"/>
+              </a:ext>
+            </a:extLst>
+          </p:cNvPr>
+          <p:cNvSpPr txBox="1"/>
+          <p:nvPr/>
+        </p:nvSpPr>
+        <p:spPr>
+          <a:xfrm>
+            <a:off x="978009" y="1087143"/>
+            <a:ext cx="7187982" cy="5632311"/>
+          </a:xfrm>
+          <a:prstGeom prst="rect">
+            <a:avLst/>
+          </a:prstGeom>
+          <a:noFill/>
+        </p:spPr>
+        <p:txBody>
+          <a:bodyPr wrap="square" rtlCol="0">
+            <a:spAutoFit/>
+          </a:bodyPr>
+          <a:lstStyle/>
+          <a:p>
+            <a:pPr marL="285750" indent="-285750">
+              <a:buFont typeface="Arial" panose="020B0604020202020204" pitchFamily="34" charset="0"/>
+              <a:buChar char="•"/>
+            </a:pPr>
+            <a:r>
+              <a:rPr lang="en-US" sz="2400" dirty="0">
+                <a:latin typeface="Arial" panose="020B0604020202020204" pitchFamily="34" charset="0"/>
+                <a:cs typeface="Arial" panose="020B0604020202020204" pitchFamily="34" charset="0"/>
+              </a:rPr>
+              <a:t>Survival horror genre experience T/FPP</a:t>
+            </a:r>
+          </a:p>
+          <a:p>
+            <a:pPr marL="285750" indent="-285750">
+              <a:buFont typeface="Arial" panose="020B0604020202020204" pitchFamily="34" charset="0"/>
+              <a:buChar char="•"/>
+            </a:pPr>
+            <a:r>
+              <a:rPr lang="en-US" sz="2400" dirty="0">
+                <a:latin typeface="Arial" panose="020B0604020202020204" pitchFamily="34" charset="0"/>
+                <a:cs typeface="Arial" panose="020B0604020202020204" pitchFamily="34" charset="0"/>
+              </a:rPr>
+              <a:t>Actor in-place Animations / Locomotion’s</a:t>
+            </a:r>
+          </a:p>
+          <a:p>
+            <a:pPr marL="285750" indent="-285750">
+              <a:buFont typeface="Arial" panose="020B0604020202020204" pitchFamily="34" charset="0"/>
+              <a:buChar char="•"/>
+            </a:pPr>
+            <a:r>
+              <a:rPr lang="en-US" sz="2400" dirty="0">
+                <a:latin typeface="Arial" panose="020B0604020202020204" pitchFamily="34" charset="0"/>
+                <a:cs typeface="Arial" panose="020B0604020202020204" pitchFamily="34" charset="0"/>
+              </a:rPr>
+              <a:t>Character Mannequin / Body appearance</a:t>
+            </a:r>
+          </a:p>
+          <a:p>
+            <a:pPr marL="285750" indent="-285750">
+              <a:buFont typeface="Arial" panose="020B0604020202020204" pitchFamily="34" charset="0"/>
+              <a:buChar char="•"/>
+            </a:pPr>
+            <a:r>
+              <a:rPr lang="en-US" sz="2400" dirty="0">
+                <a:latin typeface="Arial" panose="020B0604020202020204" pitchFamily="34" charset="0"/>
+                <a:cs typeface="Arial" panose="020B0604020202020204" pitchFamily="34" charset="0"/>
+              </a:rPr>
+              <a:t>Survival Gear for a ghost hunt</a:t>
+            </a:r>
+          </a:p>
+          <a:p>
+            <a:pPr marL="285750" indent="-285750">
+              <a:buFont typeface="Arial" panose="020B0604020202020204" pitchFamily="34" charset="0"/>
+              <a:buChar char="•"/>
+            </a:pPr>
+            <a:r>
+              <a:rPr lang="en-US" sz="2400" dirty="0">
+                <a:latin typeface="Arial" panose="020B0604020202020204" pitchFamily="34" charset="0"/>
+                <a:cs typeface="Arial" panose="020B0604020202020204" pitchFamily="34" charset="0"/>
+              </a:rPr>
+              <a:t>Diary – Quest/events System</a:t>
+            </a:r>
+          </a:p>
+          <a:p>
+            <a:pPr marL="285750" indent="-285750">
+              <a:buFont typeface="Arial" panose="020B0604020202020204" pitchFamily="34" charset="0"/>
+              <a:buChar char="•"/>
+            </a:pPr>
+            <a:r>
+              <a:rPr lang="en-US" sz="2400" dirty="0">
+                <a:latin typeface="Arial" panose="020B0604020202020204" pitchFamily="34" charset="0"/>
+                <a:cs typeface="Arial" panose="020B0604020202020204" pitchFamily="34" charset="0"/>
+              </a:rPr>
+              <a:t>Inventory</a:t>
+            </a:r>
+          </a:p>
+          <a:p>
+            <a:pPr marL="285750" indent="-285750">
+              <a:buFont typeface="Arial" panose="020B0604020202020204" pitchFamily="34" charset="0"/>
+              <a:buChar char="•"/>
+            </a:pPr>
+            <a:r>
+              <a:rPr lang="en-US" sz="2400" dirty="0">
+                <a:latin typeface="Arial" panose="020B0604020202020204" pitchFamily="34" charset="0"/>
+                <a:cs typeface="Arial" panose="020B0604020202020204" pitchFamily="34" charset="0"/>
+              </a:rPr>
+              <a:t>Save System</a:t>
+            </a:r>
+          </a:p>
+          <a:p>
+            <a:pPr marL="285750" indent="-285750">
+              <a:buFont typeface="Arial" panose="020B0604020202020204" pitchFamily="34" charset="0"/>
+              <a:buChar char="•"/>
+            </a:pPr>
+            <a:r>
+              <a:rPr lang="en-US" sz="2400" dirty="0">
+                <a:latin typeface="Arial" panose="020B0604020202020204" pitchFamily="34" charset="0"/>
+                <a:cs typeface="Arial" panose="020B0604020202020204" pitchFamily="34" charset="0"/>
+              </a:rPr>
+              <a:t>Inspection System</a:t>
+            </a:r>
+          </a:p>
+          <a:p>
+            <a:pPr marL="285750" indent="-285750">
+              <a:buFont typeface="Arial" panose="020B0604020202020204" pitchFamily="34" charset="0"/>
+              <a:buChar char="•"/>
+            </a:pPr>
+            <a:r>
+              <a:rPr lang="en-US" sz="2400" dirty="0">
+                <a:latin typeface="Arial" panose="020B0604020202020204" pitchFamily="34" charset="0"/>
+                <a:cs typeface="Arial" panose="020B0604020202020204" pitchFamily="34" charset="0"/>
+              </a:rPr>
+              <a:t>Footstep Sound System</a:t>
+            </a:r>
+          </a:p>
+          <a:p>
+            <a:pPr marL="285750" indent="-285750">
+              <a:buFont typeface="Arial" panose="020B0604020202020204" pitchFamily="34" charset="0"/>
+              <a:buChar char="•"/>
+            </a:pPr>
+            <a:r>
+              <a:rPr lang="en-US" sz="2400" dirty="0">
+                <a:latin typeface="Arial" panose="020B0604020202020204" pitchFamily="34" charset="0"/>
+                <a:cs typeface="Arial" panose="020B0604020202020204" pitchFamily="34" charset="0"/>
+              </a:rPr>
+              <a:t>NPC hunt mode</a:t>
+            </a:r>
+          </a:p>
+          <a:p>
+            <a:pPr marL="285750" indent="-285750">
+              <a:buFont typeface="Arial" panose="020B0604020202020204" pitchFamily="34" charset="0"/>
+              <a:buChar char="•"/>
+            </a:pPr>
+            <a:r>
+              <a:rPr lang="en-US" sz="2400" dirty="0">
+                <a:latin typeface="Arial" panose="020B0604020202020204" pitchFamily="34" charset="0"/>
+                <a:cs typeface="Arial" panose="020B0604020202020204" pitchFamily="34" charset="0"/>
+              </a:rPr>
+              <a:t>Network Replicated / Multiplayer Ready</a:t>
+            </a:r>
+            <a:endParaRPr lang="el-GR" sz="2400" dirty="0">
+              <a:latin typeface="Arial" panose="020B0604020202020204" pitchFamily="34" charset="0"/>
+              <a:cs typeface="Arial" panose="020B0604020202020204" pitchFamily="34" charset="0"/>
+            </a:endParaRPr>
+          </a:p>
+          <a:p>
+            <a:pPr marL="285750" indent="-285750">
+              <a:buFont typeface="Arial" panose="020B0604020202020204" pitchFamily="34" charset="0"/>
+              <a:buChar char="•"/>
+            </a:pPr>
+            <a:r>
+              <a:rPr lang="en-US" sz="2400" dirty="0">
+                <a:latin typeface="Arial" panose="020B0604020202020204" pitchFamily="34" charset="0"/>
+                <a:cs typeface="Arial" panose="020B0604020202020204" pitchFamily="34" charset="0"/>
+              </a:rPr>
+              <a:t>VoIP</a:t>
+            </a:r>
+          </a:p>
+          <a:p>
+            <a:pPr marL="285750" indent="-285750">
+              <a:buFont typeface="Arial" panose="020B0604020202020204" pitchFamily="34" charset="0"/>
+              <a:buChar char="•"/>
+            </a:pPr>
+            <a:r>
+              <a:rPr lang="en-US" sz="2400" dirty="0">
+                <a:latin typeface="Arial" panose="020B0604020202020204" pitchFamily="34" charset="0"/>
+                <a:cs typeface="Arial" panose="020B0604020202020204" pitchFamily="34" charset="0"/>
+              </a:rPr>
+              <a:t>3D Sounds and attenuations</a:t>
+            </a:r>
+          </a:p>
+          <a:p>
+            <a:pPr marL="285750" indent="-285750">
+              <a:buFont typeface="Arial" panose="020B0604020202020204" pitchFamily="34" charset="0"/>
+              <a:buChar char="•"/>
+            </a:pPr>
+            <a:r>
+              <a:rPr lang="en-US" sz="2400" dirty="0">
+                <a:latin typeface="Arial" panose="020B0604020202020204" pitchFamily="34" charset="0"/>
+                <a:cs typeface="Arial" panose="020B0604020202020204" pitchFamily="34" charset="0"/>
+              </a:rPr>
+              <a:t>Any many much more ..</a:t>
+            </a:r>
+          </a:p>
+          <a:p>
+            <a:pPr marL="285750" indent="-285750">
+              <a:buFont typeface="Arial" panose="020B0604020202020204" pitchFamily="34" charset="0"/>
+              <a:buChar char="•"/>
+            </a:pPr>
+            <a:endParaRPr lang="en-US" sz="2400" dirty="0">
+              <a:latin typeface="Arial" panose="020B0604020202020204" pitchFamily="34" charset="0"/>
+              <a:cs typeface="Arial" panose="020B0604020202020204" pitchFamily="34" charset="0"/>
+            </a:endParaRPr>
+          </a:p>
+        </p:txBody>
+      </p:sp>
+      <p:sp>
+        <p:nvSpPr>
+          <p:cNvPr id="3" name="Title 1">
+            <a:extLst>
+              <a:ext uri="{FF2B5EF4-FFF2-40B4-BE49-F238E27FC236}">
+                <a16:creationId xmlns:a16="http://schemas.microsoft.com/office/drawing/2014/main" id="{F91B5DA2-9F84-4357-986E-ECDEFC9DF9D7}"/>
+              </a:ext>
+            </a:extLst>
+          </p:cNvPr>
+          <p:cNvSpPr txBox="1">
+            <a:spLocks/>
+          </p:cNvSpPr>
+          <p:nvPr/>
+        </p:nvSpPr>
+        <p:spPr>
+          <a:xfrm>
+            <a:off x="-401782" y="320633"/>
+            <a:ext cx="8229600" cy="1143000"/>
+          </a:xfrm>
+          <a:prstGeom prst="rect">
+            <a:avLst/>
+          </a:prstGeom>
+        </p:spPr>
+        <p:txBody>
+          <a:bodyPr/>
+          <a:lstStyle>
+            <a:lvl1pPr algn="ctr" defTabSz="914400" rtl="0" eaLnBrk="1" latinLnBrk="0" hangingPunct="1">
+              <a:spcBef>
+                <a:spcPct val="0"/>
+              </a:spcBef>
+              <a:buNone/>
+              <a:defRPr sz="4400" kern="1200">
+                <a:solidFill>
+                  <a:schemeClr val="tx1"/>
+                </a:solidFill>
+                <a:latin typeface="+mj-lt"/>
+                <a:ea typeface="+mj-ea"/>
+                <a:cs typeface="+mj-cs"/>
+              </a:defRPr>
+            </a:lvl1pPr>
+          </a:lstStyle>
+          <a:p>
+            <a:r>
+              <a:rPr lang="el-GR" b="1" dirty="0">
+                <a:latin typeface="Arial" panose="020B0604020202020204" pitchFamily="34" charset="0"/>
+                <a:cs typeface="Arial" panose="020B0604020202020204" pitchFamily="34" charset="0"/>
+              </a:rPr>
+              <a:t>Χαρακτηρίστηκα</a:t>
+            </a:r>
+            <a:endParaRPr lang="en-US" dirty="0"/>
+          </a:p>
+        </p:txBody>
+      </p:sp>
+    </p:spTree>
+    <p:extLst>
+      <p:ext uri="{BB962C8B-B14F-4D97-AF65-F5344CB8AC3E}">
+        <p14:creationId xmlns:p14="http://schemas.microsoft.com/office/powerpoint/2010/main" val="1047825672"/>
+      </p:ext>
+    </p:extLst>
+  </p:cSld>
+  <p:clrMapOvr>
+    <a:masterClrMapping/>
+  </p:clrMapOvr>
+</p:sld>
+</file>
+
+<file path=ppt/slides/slide12.xml><?xml version="1.0" encoding="utf-8"?>
+<p:sld xmlns:a="http://schemas.openxmlformats.org/drawingml/2006/main" xmlns:r="http://schemas.openxmlformats.org/officeDocument/2006/relationships" xmlns:p="http://schemas.openxmlformats.org/presentationml/2006/main">
+  <p:cSld>
+    <p:spTree>
+      <p:nvGrpSpPr>
+        <p:cNvPr id="1" name=""/>
+        <p:cNvGrpSpPr/>
+        <p:nvPr/>
+      </p:nvGrpSpPr>
+      <p:grpSpPr>
+        <a:xfrm>
+          <a:off x="0" y="0"/>
+          <a:ext cx="0" cy="0"/>
+          <a:chOff x="0" y="0"/>
+          <a:chExt cx="0" cy="0"/>
+        </a:xfrm>
+      </p:grpSpPr>
+      <p:sp>
+        <p:nvSpPr>
+          <p:cNvPr id="2" name="Title 1">
+            <a:extLst>
+              <a:ext uri="{FF2B5EF4-FFF2-40B4-BE49-F238E27FC236}">
+                <a16:creationId xmlns:a16="http://schemas.microsoft.com/office/drawing/2014/main" id="{F6E617A2-0BB8-4322-B8BD-33F4D04A1DD2}"/>
+              </a:ext>
+            </a:extLst>
+          </p:cNvPr>
+          <p:cNvSpPr>
+            <a:spLocks noGrp="1"/>
+          </p:cNvSpPr>
+          <p:nvPr>
+            <p:ph type="title"/>
+          </p:nvPr>
+        </p:nvSpPr>
+        <p:spPr>
+          <a:xfrm>
+            <a:off x="457200" y="274637"/>
+            <a:ext cx="8229600" cy="1514405"/>
+          </a:xfrm>
+        </p:spPr>
+        <p:txBody>
+          <a:bodyPr/>
+          <a:lstStyle/>
+          <a:p>
+            <a:pPr algn="l"/>
+            <a:r>
+              <a:rPr lang="en-US" b="1" dirty="0">
+                <a:latin typeface="Arial" panose="020B0604020202020204" pitchFamily="34" charset="0"/>
+                <a:cs typeface="Arial" panose="020B0604020202020204" pitchFamily="34" charset="0"/>
+              </a:rPr>
+              <a:t>Gameplay mechanics – </a:t>
+            </a:r>
+            <a:br>
+              <a:rPr lang="en-US" b="1" dirty="0">
+                <a:latin typeface="Arial" panose="020B0604020202020204" pitchFamily="34" charset="0"/>
+                <a:cs typeface="Arial" panose="020B0604020202020204" pitchFamily="34" charset="0"/>
+              </a:rPr>
+            </a:br>
+            <a:r>
+              <a:rPr lang="en-US" b="1" dirty="0">
+                <a:latin typeface="Arial" panose="020B0604020202020204" pitchFamily="34" charset="0"/>
+                <a:cs typeface="Arial" panose="020B0604020202020204" pitchFamily="34" charset="0"/>
+              </a:rPr>
+              <a:t>technical Videos</a:t>
+            </a:r>
+          </a:p>
+        </p:txBody>
+      </p:sp>
+      <p:sp>
+        <p:nvSpPr>
+          <p:cNvPr id="5" name="TextBox 4">
+            <a:extLst>
+              <a:ext uri="{FF2B5EF4-FFF2-40B4-BE49-F238E27FC236}">
+                <a16:creationId xmlns:a16="http://schemas.microsoft.com/office/drawing/2014/main" id="{04869D41-4461-45E5-A14D-E3B4913FC575}"/>
+              </a:ext>
+            </a:extLst>
+          </p:cNvPr>
+          <p:cNvSpPr txBox="1"/>
+          <p:nvPr/>
+        </p:nvSpPr>
+        <p:spPr>
+          <a:xfrm>
+            <a:off x="0" y="1981907"/>
+            <a:ext cx="8844625" cy="3046988"/>
+          </a:xfrm>
+          <a:prstGeom prst="rect">
+            <a:avLst/>
+          </a:prstGeom>
+          <a:noFill/>
+        </p:spPr>
+        <p:txBody>
+          <a:bodyPr wrap="square" rtlCol="0">
+            <a:spAutoFit/>
+          </a:bodyPr>
+          <a:lstStyle/>
+          <a:p>
+            <a:pPr marL="342900" indent="-342900">
+              <a:buFont typeface="Arial" panose="020B0604020202020204" pitchFamily="34" charset="0"/>
+              <a:buChar char="•"/>
+            </a:pPr>
+            <a:r>
+              <a:rPr lang="en-US" sz="2400" b="0" i="0" dirty="0">
+                <a:solidFill>
+                  <a:srgbClr val="FFFFFF"/>
+                </a:solidFill>
+                <a:effectLst/>
+                <a:latin typeface="Arial" panose="020B0604020202020204" pitchFamily="34" charset="0"/>
+                <a:cs typeface="Arial" panose="020B0604020202020204" pitchFamily="34" charset="0"/>
+                <a:hlinkClick r:id="rId3"/>
+              </a:rPr>
+              <a:t>Unreal Engine VoIP Voice Chat System for Multiplayer #2 Technical Explanation Overview</a:t>
+            </a:r>
+            <a:endParaRPr lang="en-US" sz="2400" b="0" i="0" dirty="0">
+              <a:solidFill>
+                <a:srgbClr val="FFFFFF"/>
+              </a:solidFill>
+              <a:effectLst/>
+              <a:latin typeface="Arial" panose="020B0604020202020204" pitchFamily="34" charset="0"/>
+              <a:cs typeface="Arial" panose="020B0604020202020204" pitchFamily="34" charset="0"/>
+            </a:endParaRPr>
+          </a:p>
+          <a:p>
+            <a:pPr marL="342900" indent="-342900">
+              <a:buFont typeface="Arial" panose="020B0604020202020204" pitchFamily="34" charset="0"/>
+              <a:buChar char="•"/>
+            </a:pPr>
+            <a:endParaRPr lang="en-US" sz="2400" b="0" i="0" dirty="0">
+              <a:solidFill>
+                <a:srgbClr val="FFFFFF"/>
+              </a:solidFill>
+              <a:effectLst/>
+              <a:latin typeface="Arial" panose="020B0604020202020204" pitchFamily="34" charset="0"/>
+              <a:cs typeface="Arial" panose="020B0604020202020204" pitchFamily="34" charset="0"/>
+            </a:endParaRPr>
+          </a:p>
+          <a:p>
+            <a:pPr marL="342900" indent="-342900">
+              <a:buFont typeface="Arial" panose="020B0604020202020204" pitchFamily="34" charset="0"/>
+              <a:buChar char="•"/>
+            </a:pPr>
+            <a:r>
+              <a:rPr lang="en-US" sz="2400" b="0" i="0" dirty="0">
+                <a:solidFill>
+                  <a:srgbClr val="FFFFFF"/>
+                </a:solidFill>
+                <a:effectLst/>
+                <a:latin typeface="Arial" panose="020B0604020202020204" pitchFamily="34" charset="0"/>
+                <a:cs typeface="Arial" panose="020B0604020202020204" pitchFamily="34" charset="0"/>
+                <a:hlinkClick r:id="rId4"/>
+              </a:rPr>
+              <a:t>Unreal Engine VoIP Voice Chat System for Multiplayer #3 Blueprints: How it works?</a:t>
+            </a:r>
+            <a:endParaRPr lang="en-US" sz="2400" b="0" i="0" dirty="0">
+              <a:solidFill>
+                <a:srgbClr val="FFFFFF"/>
+              </a:solidFill>
+              <a:effectLst/>
+              <a:latin typeface="Arial" panose="020B0604020202020204" pitchFamily="34" charset="0"/>
+              <a:cs typeface="Arial" panose="020B0604020202020204" pitchFamily="34" charset="0"/>
+            </a:endParaRPr>
+          </a:p>
+          <a:p>
+            <a:pPr marL="342900" indent="-342900">
+              <a:buFont typeface="Arial" panose="020B0604020202020204" pitchFamily="34" charset="0"/>
+              <a:buChar char="•"/>
+            </a:pPr>
+            <a:endParaRPr lang="en-US" sz="2400" b="0" i="0" dirty="0">
+              <a:solidFill>
+                <a:srgbClr val="FFFFFF"/>
+              </a:solidFill>
+              <a:effectLst/>
+              <a:latin typeface="Arial" panose="020B0604020202020204" pitchFamily="34" charset="0"/>
+              <a:cs typeface="Arial" panose="020B0604020202020204" pitchFamily="34" charset="0"/>
+            </a:endParaRPr>
+          </a:p>
+          <a:p>
+            <a:pPr marL="342900" indent="-342900">
+              <a:buFont typeface="Arial" panose="020B0604020202020204" pitchFamily="34" charset="0"/>
+              <a:buChar char="•"/>
+            </a:pPr>
+            <a:r>
+              <a:rPr lang="en-US" sz="2400" b="0" i="0" dirty="0">
+                <a:solidFill>
+                  <a:srgbClr val="FFFFFF"/>
+                </a:solidFill>
+                <a:effectLst/>
+                <a:latin typeface="Arial" panose="020B0604020202020204" pitchFamily="34" charset="0"/>
+                <a:cs typeface="Arial" panose="020B0604020202020204" pitchFamily="34" charset="0"/>
+                <a:hlinkClick r:id="rId5"/>
+              </a:rPr>
+              <a:t>Gameplay Mechanics Technical Overview (alpha stage)</a:t>
+            </a:r>
+            <a:endParaRPr lang="en-US" sz="2400" b="0" i="0" dirty="0">
+              <a:solidFill>
+                <a:srgbClr val="FFFFFF"/>
+              </a:solidFill>
+              <a:effectLst/>
+              <a:latin typeface="Arial" panose="020B0604020202020204" pitchFamily="34" charset="0"/>
+              <a:cs typeface="Arial" panose="020B0604020202020204" pitchFamily="34" charset="0"/>
+            </a:endParaRPr>
+          </a:p>
+          <a:p>
+            <a:pPr marL="342900" indent="-342900">
+              <a:buFont typeface="Arial" panose="020B0604020202020204" pitchFamily="34" charset="0"/>
+              <a:buChar char="•"/>
+            </a:pPr>
+            <a:r>
+              <a:rPr lang="en-US" sz="2400" b="0" i="0" dirty="0">
+                <a:solidFill>
+                  <a:srgbClr val="FFFFFF"/>
+                </a:solidFill>
+                <a:effectLst/>
+                <a:latin typeface="Arial" panose="020B0604020202020204" pitchFamily="34" charset="0"/>
+                <a:cs typeface="Arial" panose="020B0604020202020204" pitchFamily="34" charset="0"/>
+                <a:hlinkClick r:id="rId6"/>
+              </a:rPr>
+              <a:t>Unreal Engine 5 (UE5) Horror Industrial Footage</a:t>
+            </a:r>
+            <a:endParaRPr lang="en-US" sz="2400" dirty="0">
+              <a:latin typeface="Arial" panose="020B0604020202020204" pitchFamily="34" charset="0"/>
+              <a:cs typeface="Arial" panose="020B0604020202020204" pitchFamily="34" charset="0"/>
+            </a:endParaRPr>
+          </a:p>
+        </p:txBody>
+      </p:sp>
+    </p:spTree>
+    <p:extLst>
+      <p:ext uri="{BB962C8B-B14F-4D97-AF65-F5344CB8AC3E}">
+        <p14:creationId xmlns:p14="http://schemas.microsoft.com/office/powerpoint/2010/main" val="977754611"/>
+      </p:ext>
+    </p:extLst>
+  </p:cSld>
+  <p:clrMapOvr>
+    <a:masterClrMapping/>
+  </p:clrMapOvr>
+</p:sld>
+</file>
+
+<file path=ppt/slides/slide13.xml><?xml version="1.0" encoding="utf-8"?>
+<p:sld xmlns:a="http://schemas.openxmlformats.org/drawingml/2006/main" xmlns:r="http://schemas.openxmlformats.org/officeDocument/2006/relationships" xmlns:p="http://schemas.openxmlformats.org/presentationml/2006/main">
+  <p:cSld>
+    <p:spTree>
+      <p:nvGrpSpPr>
+        <p:cNvPr id="1" name=""/>
+        <p:cNvGrpSpPr/>
+        <p:nvPr/>
+      </p:nvGrpSpPr>
+      <p:grpSpPr>
+        <a:xfrm>
+          <a:off x="0" y="0"/>
+          <a:ext cx="0" cy="0"/>
+          <a:chOff x="0" y="0"/>
+          <a:chExt cx="0" cy="0"/>
+        </a:xfrm>
+      </p:grpSpPr>
       <p:sp>
         <p:nvSpPr>
           <p:cNvPr id="2" name="Title 1">
@@ -30965,7 +31968,7 @@
 </p:sld>
 </file>
 
-<file path=ppt/slides/slide11.xml><?xml version="1.0" encoding="utf-8"?>
+<file path=ppt/slides/slide14.xml><?xml version="1.0" encoding="utf-8"?>
 <p:sld xmlns:a="http://schemas.openxmlformats.org/drawingml/2006/main" xmlns:r="http://schemas.openxmlformats.org/officeDocument/2006/relationships" xmlns:p="http://schemas.openxmlformats.org/presentationml/2006/main">
   <p:cSld>
     <p:spTree>
@@ -31202,7 +32205,7 @@
 </p:sld>
 </file>
 
-<file path=ppt/slides/slide12.xml><?xml version="1.0" encoding="utf-8"?>
+<file path=ppt/slides/slide15.xml><?xml version="1.0" encoding="utf-8"?>
 <p:sld xmlns:a="http://schemas.openxmlformats.org/drawingml/2006/main" xmlns:r="http://schemas.openxmlformats.org/officeDocument/2006/relationships" xmlns:p="http://schemas.openxmlformats.org/presentationml/2006/main">
   <p:cSld>
     <p:spTree>
@@ -31879,7 +32882,7 @@
 </p:sld>
 </file>
 
-<file path=ppt/slides/slide13.xml><?xml version="1.0" encoding="utf-8"?>
+<file path=ppt/slides/slide16.xml><?xml version="1.0" encoding="utf-8"?>
 <p:sld xmlns:a="http://schemas.openxmlformats.org/drawingml/2006/main" xmlns:r="http://schemas.openxmlformats.org/officeDocument/2006/relationships" xmlns:p="http://schemas.openxmlformats.org/presentationml/2006/main">
   <p:cSld>
     <p:spTree>
@@ -32166,7 +33169,7 @@
 </p:sld>
 </file>
 
-<file path=ppt/slides/slide14.xml><?xml version="1.0" encoding="utf-8"?>
+<file path=ppt/slides/slide17.xml><?xml version="1.0" encoding="utf-8"?>
 <p:sld xmlns:a="http://schemas.openxmlformats.org/drawingml/2006/main" xmlns:r="http://schemas.openxmlformats.org/officeDocument/2006/relationships" xmlns:p="http://schemas.openxmlformats.org/presentationml/2006/main">
   <p:cSld>
     <p:spTree>
@@ -33113,7 +34116,7 @@
 </p:sld>
 </file>
 
-<file path=ppt/slides/slide15.xml><?xml version="1.0" encoding="utf-8"?>
+<file path=ppt/slides/slide18.xml><?xml version="1.0" encoding="utf-8"?>
 <p:sld xmlns:a="http://schemas.openxmlformats.org/drawingml/2006/main" xmlns:r="http://schemas.openxmlformats.org/officeDocument/2006/relationships" xmlns:p="http://schemas.openxmlformats.org/presentationml/2006/main">
   <p:cSld>
     <p:spTree>
@@ -34060,7 +35063,7 @@
 </p:sld>
 </file>
 
-<file path=ppt/slides/slide16.xml><?xml version="1.0" encoding="utf-8"?>
+<file path=ppt/slides/slide19.xml><?xml version="1.0" encoding="utf-8"?>
 <p:sld xmlns:a="http://schemas.openxmlformats.org/drawingml/2006/main" xmlns:r="http://schemas.openxmlformats.org/officeDocument/2006/relationships" xmlns:p="http://schemas.openxmlformats.org/presentationml/2006/main">
   <p:cSld>
     <p:spTree>
@@ -34420,7 +35423,189 @@
 </p:sld>
 </file>
 
-<file path=ppt/slides/slide17.xml><?xml version="1.0" encoding="utf-8"?>
+<file path=ppt/slides/slide2.xml><?xml version="1.0" encoding="utf-8"?>
+<p:sld xmlns:a="http://schemas.openxmlformats.org/drawingml/2006/main" xmlns:r="http://schemas.openxmlformats.org/officeDocument/2006/relationships" xmlns:p="http://schemas.openxmlformats.org/presentationml/2006/main">
+  <p:cSld>
+    <p:spTree>
+      <p:nvGrpSpPr>
+        <p:cNvPr id="1" name=""/>
+        <p:cNvGrpSpPr/>
+        <p:nvPr/>
+      </p:nvGrpSpPr>
+      <p:grpSpPr>
+        <a:xfrm>
+          <a:off x="0" y="0"/>
+          <a:ext cx="0" cy="0"/>
+          <a:chOff x="0" y="0"/>
+          <a:chExt cx="0" cy="0"/>
+        </a:xfrm>
+      </p:grpSpPr>
+      <p:sp>
+        <p:nvSpPr>
+          <p:cNvPr id="2" name="Title 1">
+            <a:extLst>
+              <a:ext uri="{FF2B5EF4-FFF2-40B4-BE49-F238E27FC236}">
+                <a16:creationId xmlns:a16="http://schemas.microsoft.com/office/drawing/2014/main" id="{097E51FA-115A-4C6B-A05D-3A8EC2DF1D8F}"/>
+              </a:ext>
+            </a:extLst>
+          </p:cNvPr>
+          <p:cNvSpPr>
+            <a:spLocks noGrp="1"/>
+          </p:cNvSpPr>
+          <p:nvPr>
+            <p:ph type="title"/>
+          </p:nvPr>
+        </p:nvSpPr>
+        <p:spPr/>
+        <p:txBody>
+          <a:bodyPr/>
+          <a:lstStyle/>
+          <a:p>
+            <a:pPr algn="l"/>
+            <a:r>
+              <a:rPr lang="el-GR" sz="4400" b="1" dirty="0">
+                <a:latin typeface="Arial" panose="020B0604020202020204" pitchFamily="34" charset="0"/>
+                <a:cs typeface="Arial" panose="020B0604020202020204" pitchFamily="34" charset="0"/>
+              </a:rPr>
+              <a:t>Σχετικά με εμένα:</a:t>
+            </a:r>
+            <a:br>
+              <a:rPr lang="en-US" sz="4400" b="1" dirty="0">
+                <a:latin typeface="Arial" panose="020B0604020202020204" pitchFamily="34" charset="0"/>
+                <a:cs typeface="Arial" panose="020B0604020202020204" pitchFamily="34" charset="0"/>
+              </a:rPr>
+            </a:br>
+            <a:endParaRPr lang="en-US" dirty="0"/>
+          </a:p>
+        </p:txBody>
+      </p:sp>
+      <p:sp>
+        <p:nvSpPr>
+          <p:cNvPr id="4" name="TextBox 3">
+            <a:extLst>
+              <a:ext uri="{FF2B5EF4-FFF2-40B4-BE49-F238E27FC236}">
+                <a16:creationId xmlns:a16="http://schemas.microsoft.com/office/drawing/2014/main" id="{E5C26AE8-FCA4-42D6-96C7-AC583D28A14B}"/>
+              </a:ext>
+            </a:extLst>
+          </p:cNvPr>
+          <p:cNvSpPr txBox="1"/>
+          <p:nvPr/>
+        </p:nvSpPr>
+        <p:spPr>
+          <a:xfrm>
+            <a:off x="279400" y="1305914"/>
+            <a:ext cx="8585200" cy="2308324"/>
+          </a:xfrm>
+          <a:prstGeom prst="rect">
+            <a:avLst/>
+          </a:prstGeom>
+          <a:noFill/>
+        </p:spPr>
+        <p:txBody>
+          <a:bodyPr wrap="square" rtlCol="0">
+            <a:spAutoFit/>
+          </a:bodyPr>
+          <a:lstStyle/>
+          <a:p>
+            <a:pPr marL="342900" indent="-342900">
+              <a:buFont typeface="Arial" panose="020B0604020202020204" pitchFamily="34" charset="0"/>
+              <a:buChar char="•"/>
+            </a:pPr>
+            <a:r>
+              <a:rPr lang="el-GR" sz="2400" dirty="0">
+                <a:latin typeface="Arial" panose="020B0604020202020204" pitchFamily="34" charset="0"/>
+                <a:cs typeface="Arial" panose="020B0604020202020204" pitchFamily="34" charset="0"/>
+              </a:rPr>
+              <a:t>Απόφοιτος </a:t>
+            </a:r>
+            <a:r>
+              <a:rPr lang="en-US" sz="2400" dirty="0">
+                <a:latin typeface="Arial" panose="020B0604020202020204" pitchFamily="34" charset="0"/>
+                <a:cs typeface="Arial" panose="020B0604020202020204" pitchFamily="34" charset="0"/>
+              </a:rPr>
+              <a:t>BSc Computer Science </a:t>
+            </a:r>
+            <a:r>
+              <a:rPr lang="el-GR" sz="2400" dirty="0">
+                <a:latin typeface="Arial" panose="020B0604020202020204" pitchFamily="34" charset="0"/>
+                <a:cs typeface="Arial" panose="020B0604020202020204" pitchFamily="34" charset="0"/>
+              </a:rPr>
+              <a:t>στο Μητροπολιτικό κολλέγιο</a:t>
+            </a:r>
+            <a:endParaRPr lang="en-US" sz="2400" dirty="0">
+              <a:latin typeface="Arial" panose="020B0604020202020204" pitchFamily="34" charset="0"/>
+              <a:cs typeface="Arial" panose="020B0604020202020204" pitchFamily="34" charset="0"/>
+            </a:endParaRPr>
+          </a:p>
+          <a:p>
+            <a:pPr marL="342900" indent="-342900">
+              <a:buFont typeface="Arial" panose="020B0604020202020204" pitchFamily="34" charset="0"/>
+              <a:buChar char="•"/>
+            </a:pPr>
+            <a:endParaRPr lang="en-US" sz="2400" dirty="0">
+              <a:latin typeface="Arial" panose="020B0604020202020204" pitchFamily="34" charset="0"/>
+              <a:cs typeface="Arial" panose="020B0604020202020204" pitchFamily="34" charset="0"/>
+            </a:endParaRPr>
+          </a:p>
+          <a:p>
+            <a:pPr marL="342900" indent="-342900">
+              <a:buFont typeface="Arial" panose="020B0604020202020204" pitchFamily="34" charset="0"/>
+              <a:buChar char="•"/>
+            </a:pPr>
+            <a:r>
+              <a:rPr lang="en-US" sz="2400" dirty="0">
+                <a:latin typeface="Arial" panose="020B0604020202020204" pitchFamily="34" charset="0"/>
+                <a:cs typeface="Arial" panose="020B0604020202020204" pitchFamily="34" charset="0"/>
+              </a:rPr>
+              <a:t>Video Game Developer</a:t>
+            </a:r>
+          </a:p>
+          <a:p>
+            <a:pPr marL="342900" indent="-342900">
+              <a:buFont typeface="Arial" panose="020B0604020202020204" pitchFamily="34" charset="0"/>
+              <a:buChar char="•"/>
+            </a:pPr>
+            <a:endParaRPr lang="el-GR" sz="2400" dirty="0">
+              <a:latin typeface="Arial" panose="020B0604020202020204" pitchFamily="34" charset="0"/>
+              <a:cs typeface="Arial" panose="020B0604020202020204" pitchFamily="34" charset="0"/>
+            </a:endParaRPr>
+          </a:p>
+          <a:p>
+            <a:pPr marL="342900" indent="-342900">
+              <a:buFont typeface="Arial" panose="020B0604020202020204" pitchFamily="34" charset="0"/>
+              <a:buChar char="•"/>
+            </a:pPr>
+            <a:r>
+              <a:rPr lang="el-GR" sz="2400" dirty="0">
+                <a:latin typeface="Arial" panose="020B0604020202020204" pitchFamily="34" charset="0"/>
+                <a:cs typeface="Arial" panose="020B0604020202020204" pitchFamily="34" charset="0"/>
+              </a:rPr>
+              <a:t>Φοιτητής </a:t>
+            </a:r>
+            <a:r>
+              <a:rPr lang="en-US" sz="2400" dirty="0">
+                <a:latin typeface="Arial" panose="020B0604020202020204" pitchFamily="34" charset="0"/>
+                <a:cs typeface="Arial" panose="020B0604020202020204" pitchFamily="34" charset="0"/>
+              </a:rPr>
+              <a:t>MBA International Business</a:t>
+            </a:r>
+          </a:p>
+        </p:txBody>
+      </p:sp>
+    </p:spTree>
+    <p:extLst>
+      <p:ext uri="{BB962C8B-B14F-4D97-AF65-F5344CB8AC3E}">
+        <p14:creationId xmlns:p14="http://schemas.microsoft.com/office/powerpoint/2010/main" val="1217886583"/>
+      </p:ext>
+    </p:extLst>
+  </p:cSld>
+  <p:clrMapOvr>
+    <a:masterClrMapping/>
+  </p:clrMapOvr>
+</p:sld>
+</file>
+
+<file path=ppt/slides/slide20.xml><?xml version="1.0" encoding="utf-8"?>
 <p:sld xmlns:a="http://schemas.openxmlformats.org/drawingml/2006/main" xmlns:r="http://schemas.openxmlformats.org/officeDocument/2006/relationships" xmlns:p="http://schemas.openxmlformats.org/presentationml/2006/main">
   <p:cSld>
     <p:spTree>
@@ -34565,7 +35750,7 @@
 </p:sld>
 </file>
 
-<file path=ppt/slides/slide18.xml><?xml version="1.0" encoding="utf-8"?>
+<file path=ppt/slides/slide21.xml><?xml version="1.0" encoding="utf-8"?>
 <p:sld xmlns:a="http://schemas.openxmlformats.org/drawingml/2006/main" xmlns:r="http://schemas.openxmlformats.org/officeDocument/2006/relationships" xmlns:p="http://schemas.openxmlformats.org/presentationml/2006/main">
   <p:cSld>
     <p:spTree>
@@ -34728,7 +35913,7 @@
 </p:sld>
 </file>
 
-<file path=ppt/slides/slide19.xml><?xml version="1.0" encoding="utf-8"?>
+<file path=ppt/slides/slide22.xml><?xml version="1.0" encoding="utf-8"?>
 <p:sld xmlns:a="http://schemas.openxmlformats.org/drawingml/2006/main" xmlns:r="http://schemas.openxmlformats.org/officeDocument/2006/relationships" xmlns:p="http://schemas.openxmlformats.org/presentationml/2006/main">
   <p:cSld>
     <p:spTree>
@@ -35007,196 +36192,7 @@
 </p:sld>
 </file>
 
-<file path=ppt/slides/slide2.xml><?xml version="1.0" encoding="utf-8"?>
-<p:sld xmlns:a="http://schemas.openxmlformats.org/drawingml/2006/main" xmlns:r="http://schemas.openxmlformats.org/officeDocument/2006/relationships" xmlns:p="http://schemas.openxmlformats.org/presentationml/2006/main">
-  <p:cSld>
-    <p:spTree>
-      <p:nvGrpSpPr>
-        <p:cNvPr id="1" name=""/>
-        <p:cNvGrpSpPr/>
-        <p:nvPr/>
-      </p:nvGrpSpPr>
-      <p:grpSpPr>
-        <a:xfrm>
-          <a:off x="0" y="0"/>
-          <a:ext cx="0" cy="0"/>
-          <a:chOff x="0" y="0"/>
-          <a:chExt cx="0" cy="0"/>
-        </a:xfrm>
-      </p:grpSpPr>
-      <p:sp>
-        <p:nvSpPr>
-          <p:cNvPr id="2" name="Title 1">
-            <a:extLst>
-              <a:ext uri="{FF2B5EF4-FFF2-40B4-BE49-F238E27FC236}">
-                <a16:creationId xmlns:a16="http://schemas.microsoft.com/office/drawing/2014/main" id="{097E51FA-115A-4C6B-A05D-3A8EC2DF1D8F}"/>
-              </a:ext>
-            </a:extLst>
-          </p:cNvPr>
-          <p:cNvSpPr>
-            <a:spLocks noGrp="1"/>
-          </p:cNvSpPr>
-          <p:nvPr>
-            <p:ph type="title"/>
-          </p:nvPr>
-        </p:nvSpPr>
-        <p:spPr/>
-        <p:txBody>
-          <a:bodyPr/>
-          <a:lstStyle/>
-          <a:p>
-            <a:pPr algn="l"/>
-            <a:r>
-              <a:rPr lang="el-GR" sz="4400" b="1" dirty="0">
-                <a:latin typeface="Arial" panose="020B0604020202020204" pitchFamily="34" charset="0"/>
-                <a:cs typeface="Arial" panose="020B0604020202020204" pitchFamily="34" charset="0"/>
-              </a:rPr>
-              <a:t>Σχετικά με εμένα:</a:t>
-            </a:r>
-            <a:br>
-              <a:rPr lang="en-US" sz="4400" b="1" dirty="0">
-                <a:latin typeface="Arial" panose="020B0604020202020204" pitchFamily="34" charset="0"/>
-                <a:cs typeface="Arial" panose="020B0604020202020204" pitchFamily="34" charset="0"/>
-              </a:rPr>
-            </a:br>
-            <a:endParaRPr lang="en-US" dirty="0"/>
-          </a:p>
-        </p:txBody>
-      </p:sp>
-      <p:sp>
-        <p:nvSpPr>
-          <p:cNvPr id="4" name="TextBox 3">
-            <a:extLst>
-              <a:ext uri="{FF2B5EF4-FFF2-40B4-BE49-F238E27FC236}">
-                <a16:creationId xmlns:a16="http://schemas.microsoft.com/office/drawing/2014/main" id="{E5C26AE8-FCA4-42D6-96C7-AC583D28A14B}"/>
-              </a:ext>
-            </a:extLst>
-          </p:cNvPr>
-          <p:cNvSpPr txBox="1"/>
-          <p:nvPr/>
-        </p:nvSpPr>
-        <p:spPr>
-          <a:xfrm>
-            <a:off x="279400" y="1305914"/>
-            <a:ext cx="8585200" cy="2308324"/>
-          </a:xfrm>
-          <a:prstGeom prst="rect">
-            <a:avLst/>
-          </a:prstGeom>
-          <a:noFill/>
-        </p:spPr>
-        <p:txBody>
-          <a:bodyPr wrap="square" rtlCol="0">
-            <a:spAutoFit/>
-          </a:bodyPr>
-          <a:lstStyle/>
-          <a:p>
-            <a:pPr marL="342900" indent="-342900">
-              <a:buFont typeface="Arial" panose="020B0604020202020204" pitchFamily="34" charset="0"/>
-              <a:buChar char="•"/>
-            </a:pPr>
-            <a:r>
-              <a:rPr lang="el-GR" sz="2400" dirty="0">
-                <a:latin typeface="Arial" panose="020B0604020202020204" pitchFamily="34" charset="0"/>
-                <a:cs typeface="Arial" panose="020B0604020202020204" pitchFamily="34" charset="0"/>
-              </a:rPr>
-              <a:t>Απόφοιτος </a:t>
-            </a:r>
-            <a:r>
-              <a:rPr lang="en-US" sz="2400" dirty="0">
-                <a:latin typeface="Arial" panose="020B0604020202020204" pitchFamily="34" charset="0"/>
-                <a:cs typeface="Arial" panose="020B0604020202020204" pitchFamily="34" charset="0"/>
-              </a:rPr>
-              <a:t>BSc Computer Science </a:t>
-            </a:r>
-            <a:r>
-              <a:rPr lang="el-GR" sz="2400" dirty="0">
-                <a:latin typeface="Arial" panose="020B0604020202020204" pitchFamily="34" charset="0"/>
-                <a:cs typeface="Arial" panose="020B0604020202020204" pitchFamily="34" charset="0"/>
-              </a:rPr>
-              <a:t>στο Μητροπολιτικό κολλέγιο</a:t>
-            </a:r>
-            <a:endParaRPr lang="en-US" sz="2400" dirty="0">
-              <a:latin typeface="Arial" panose="020B0604020202020204" pitchFamily="34" charset="0"/>
-              <a:cs typeface="Arial" panose="020B0604020202020204" pitchFamily="34" charset="0"/>
-            </a:endParaRPr>
-          </a:p>
-          <a:p>
-            <a:pPr marL="342900" indent="-342900">
-              <a:buFont typeface="Arial" panose="020B0604020202020204" pitchFamily="34" charset="0"/>
-              <a:buChar char="•"/>
-            </a:pPr>
-            <a:endParaRPr lang="en-US" sz="2400" dirty="0">
-              <a:latin typeface="Arial" panose="020B0604020202020204" pitchFamily="34" charset="0"/>
-              <a:cs typeface="Arial" panose="020B0604020202020204" pitchFamily="34" charset="0"/>
-            </a:endParaRPr>
-          </a:p>
-          <a:p>
-            <a:pPr marL="342900" indent="-342900">
-              <a:buFont typeface="Arial" panose="020B0604020202020204" pitchFamily="34" charset="0"/>
-              <a:buChar char="•"/>
-            </a:pPr>
-            <a:r>
-              <a:rPr lang="el-GR" sz="2400" dirty="0">
-                <a:latin typeface="Arial" panose="020B0604020202020204" pitchFamily="34" charset="0"/>
-                <a:cs typeface="Arial" panose="020B0604020202020204" pitchFamily="34" charset="0"/>
-              </a:rPr>
-              <a:t>Εργάζομαι σαν </a:t>
-            </a:r>
-            <a:r>
-              <a:rPr lang="en-US" sz="2400" dirty="0">
-                <a:latin typeface="Arial" panose="020B0604020202020204" pitchFamily="34" charset="0"/>
-                <a:cs typeface="Arial" panose="020B0604020202020204" pitchFamily="34" charset="0"/>
-              </a:rPr>
-              <a:t>Video Game Developer</a:t>
-            </a:r>
-          </a:p>
-          <a:p>
-            <a:pPr marL="342900" indent="-342900">
-              <a:buFont typeface="Arial" panose="020B0604020202020204" pitchFamily="34" charset="0"/>
-              <a:buChar char="•"/>
-            </a:pPr>
-            <a:endParaRPr lang="el-GR" sz="2400" dirty="0">
-              <a:latin typeface="Arial" panose="020B0604020202020204" pitchFamily="34" charset="0"/>
-              <a:cs typeface="Arial" panose="020B0604020202020204" pitchFamily="34" charset="0"/>
-            </a:endParaRPr>
-          </a:p>
-          <a:p>
-            <a:pPr marL="342900" indent="-342900">
-              <a:buFont typeface="Arial" panose="020B0604020202020204" pitchFamily="34" charset="0"/>
-              <a:buChar char="•"/>
-            </a:pPr>
-            <a:r>
-              <a:rPr lang="el-GR" sz="2400" dirty="0">
-                <a:latin typeface="Arial" panose="020B0604020202020204" pitchFamily="34" charset="0"/>
-                <a:cs typeface="Arial" panose="020B0604020202020204" pitchFamily="34" charset="0"/>
-              </a:rPr>
-              <a:t>Φοιτητής </a:t>
-            </a:r>
-            <a:r>
-              <a:rPr lang="en-US" sz="2400" dirty="0">
-                <a:latin typeface="Arial" panose="020B0604020202020204" pitchFamily="34" charset="0"/>
-                <a:cs typeface="Arial" panose="020B0604020202020204" pitchFamily="34" charset="0"/>
-              </a:rPr>
-              <a:t>MBA International Business</a:t>
-            </a:r>
-          </a:p>
-        </p:txBody>
-      </p:sp>
-    </p:spTree>
-    <p:extLst>
-      <p:ext uri="{BB962C8B-B14F-4D97-AF65-F5344CB8AC3E}">
-        <p14:creationId xmlns:p14="http://schemas.microsoft.com/office/powerpoint/2010/main" val="1217886583"/>
-      </p:ext>
-    </p:extLst>
-  </p:cSld>
-  <p:clrMapOvr>
-    <a:masterClrMapping/>
-  </p:clrMapOvr>
-</p:sld>
-</file>
-
-<file path=ppt/slides/slide20.xml><?xml version="1.0" encoding="utf-8"?>
+<file path=ppt/slides/slide23.xml><?xml version="1.0" encoding="utf-8"?>
 <p:sld xmlns:a="http://schemas.openxmlformats.org/drawingml/2006/main" xmlns:r="http://schemas.openxmlformats.org/officeDocument/2006/relationships" xmlns:p="http://schemas.openxmlformats.org/presentationml/2006/main">
   <p:cSld>
     <p:spTree>
@@ -37504,7 +38500,7 @@
 </p:sld>
 </file>
 
-<file path=ppt/slides/slide21.xml><?xml version="1.0" encoding="utf-8"?>
+<file path=ppt/slides/slide24.xml><?xml version="1.0" encoding="utf-8"?>
 <p:sld xmlns:a="http://schemas.openxmlformats.org/drawingml/2006/main" xmlns:r="http://schemas.openxmlformats.org/officeDocument/2006/relationships" xmlns:p="http://schemas.openxmlformats.org/presentationml/2006/main">
   <p:cSld>
     <p:spTree>
@@ -37596,7 +38592,7 @@
 </p:sld>
 </file>
 
-<file path=ppt/slides/slide22.xml><?xml version="1.0" encoding="utf-8"?>
+<file path=ppt/slides/slide25.xml><?xml version="1.0" encoding="utf-8"?>
 <p:sld xmlns:a="http://schemas.openxmlformats.org/drawingml/2006/main" xmlns:r="http://schemas.openxmlformats.org/officeDocument/2006/relationships" xmlns:p="http://schemas.openxmlformats.org/presentationml/2006/main">
   <p:cSld>
     <p:spTree>
@@ -38998,7 +39994,7 @@
 </p:sld>
 </file>
 
-<file path=ppt/slides/slide23.xml><?xml version="1.0" encoding="utf-8"?>
+<file path=ppt/slides/slide26.xml><?xml version="1.0" encoding="utf-8"?>
 <p:sld xmlns:a="http://schemas.openxmlformats.org/drawingml/2006/main" xmlns:r="http://schemas.openxmlformats.org/officeDocument/2006/relationships" xmlns:p="http://schemas.openxmlformats.org/presentationml/2006/main">
   <p:cSld>
     <p:spTree>
@@ -39234,7 +40230,7 @@
 </p:sld>
 </file>
 
-<file path=ppt/slides/slide24.xml><?xml version="1.0" encoding="utf-8"?>
+<file path=ppt/slides/slide27.xml><?xml version="1.0" encoding="utf-8"?>
 <p:sld xmlns:a="http://schemas.openxmlformats.org/drawingml/2006/main" xmlns:r="http://schemas.openxmlformats.org/officeDocument/2006/relationships" xmlns:p="http://schemas.openxmlformats.org/presentationml/2006/main">
   <p:cSld>
     <p:spTree>
@@ -40191,7 +41187,7 @@
 </p:sld>
 </file>
 
-<file path=ppt/slides/slide25.xml><?xml version="1.0" encoding="utf-8"?>
+<file path=ppt/slides/slide28.xml><?xml version="1.0" encoding="utf-8"?>
 <p:sld xmlns:a="http://schemas.openxmlformats.org/drawingml/2006/main" xmlns:r="http://schemas.openxmlformats.org/officeDocument/2006/relationships" xmlns:p="http://schemas.openxmlformats.org/presentationml/2006/main">
   <p:cSld>
     <p:spTree>
@@ -40955,7 +41951,7 @@
 </p:sld>
 </file>
 
-<file path=ppt/slides/slide26.xml><?xml version="1.0" encoding="utf-8"?>
+<file path=ppt/slides/slide29.xml><?xml version="1.0" encoding="utf-8"?>
 <p:sld xmlns:a="http://schemas.openxmlformats.org/drawingml/2006/main" xmlns:r="http://schemas.openxmlformats.org/officeDocument/2006/relationships" xmlns:p="http://schemas.openxmlformats.org/presentationml/2006/main">
   <p:cSld>
     <p:spTree>
@@ -41796,7 +42792,216 @@
 </p:sld>
 </file>
 
-<file path=ppt/slides/slide27.xml><?xml version="1.0" encoding="utf-8"?>
+<file path=ppt/slides/slide3.xml><?xml version="1.0" encoding="utf-8"?>
+<p:sld xmlns:a="http://schemas.openxmlformats.org/drawingml/2006/main" xmlns:r="http://schemas.openxmlformats.org/officeDocument/2006/relationships" xmlns:p="http://schemas.openxmlformats.org/presentationml/2006/main">
+  <p:cSld>
+    <p:spTree>
+      <p:nvGrpSpPr>
+        <p:cNvPr id="1" name=""/>
+        <p:cNvGrpSpPr/>
+        <p:nvPr/>
+      </p:nvGrpSpPr>
+      <p:grpSpPr>
+        <a:xfrm>
+          <a:off x="0" y="0"/>
+          <a:ext cx="0" cy="0"/>
+          <a:chOff x="0" y="0"/>
+          <a:chExt cx="0" cy="0"/>
+        </a:xfrm>
+      </p:grpSpPr>
+      <p:sp>
+        <p:nvSpPr>
+          <p:cNvPr id="2" name="Title 1">
+            <a:extLst>
+              <a:ext uri="{FF2B5EF4-FFF2-40B4-BE49-F238E27FC236}">
+                <a16:creationId xmlns:a16="http://schemas.microsoft.com/office/drawing/2014/main" id="{D342396B-938A-4C1B-AD28-0DF94337EC48}"/>
+              </a:ext>
+            </a:extLst>
+          </p:cNvPr>
+          <p:cNvSpPr>
+            <a:spLocks noGrp="1"/>
+          </p:cNvSpPr>
+          <p:nvPr>
+            <p:ph type="title"/>
+          </p:nvPr>
+        </p:nvSpPr>
+        <p:spPr/>
+        <p:txBody>
+          <a:bodyPr/>
+          <a:lstStyle/>
+          <a:p>
+            <a:r>
+              <a:rPr lang="el-GR" sz="4400" b="1" dirty="0">
+                <a:latin typeface="Arial" panose="020B0604020202020204" pitchFamily="34" charset="0"/>
+                <a:cs typeface="Arial" panose="020B0604020202020204" pitchFamily="34" charset="0"/>
+              </a:rPr>
+              <a:t>ΕΥΧΑΡΙΣΤΙΕΣ</a:t>
+            </a:r>
+            <a:endParaRPr lang="en-US" dirty="0"/>
+          </a:p>
+        </p:txBody>
+      </p:sp>
+      <p:sp>
+        <p:nvSpPr>
+          <p:cNvPr id="3" name="TextBox 2">
+            <a:extLst>
+              <a:ext uri="{FF2B5EF4-FFF2-40B4-BE49-F238E27FC236}">
+                <a16:creationId xmlns:a16="http://schemas.microsoft.com/office/drawing/2014/main" id="{A3F75271-3A63-47C3-B8C4-9AB9E2F6C368}"/>
+              </a:ext>
+            </a:extLst>
+          </p:cNvPr>
+          <p:cNvSpPr txBox="1"/>
+          <p:nvPr/>
+        </p:nvSpPr>
+        <p:spPr>
+          <a:xfrm>
+            <a:off x="0" y="1024917"/>
+            <a:ext cx="8229600" cy="5027017"/>
+          </a:xfrm>
+          <a:prstGeom prst="rect">
+            <a:avLst/>
+          </a:prstGeom>
+          <a:noFill/>
+        </p:spPr>
+        <p:txBody>
+          <a:bodyPr wrap="square">
+            <a:spAutoFit/>
+          </a:bodyPr>
+          <a:lstStyle/>
+          <a:p>
+            <a:pPr marL="0" marR="0" algn="just">
+              <a:lnSpc>
+                <a:spcPct val="150000"/>
+              </a:lnSpc>
+              <a:spcBef>
+                <a:spcPts val="0"/>
+              </a:spcBef>
+              <a:spcAft>
+                <a:spcPts val="800"/>
+              </a:spcAft>
+            </a:pPr>
+            <a:r>
+              <a:rPr lang="el-GR" sz="1800" dirty="0">
+                <a:effectLst/>
+                <a:latin typeface="Arial" panose="020B0604020202020204" pitchFamily="34" charset="0"/>
+                <a:ea typeface="Calibri" panose="020F0502020204030204" pitchFamily="34" charset="0"/>
+                <a:cs typeface="Arial" panose="020B0604020202020204" pitchFamily="34" charset="0"/>
+              </a:rPr>
+              <a:t>Θα ήθελα να ευχαριστήσω θερμά όλους όσους συνέβαλαν με τον τρόπο τους στην επιτυχή εκπόνηση της διπλωματικής μου εργασίας, και ιδιαιτέρως την υπεύθυνη καθηγήτρια για την διπλωματική μου εργασία Κ. </a:t>
+            </a:r>
+            <a:r>
+              <a:rPr lang="el-GR" sz="1800" dirty="0" err="1">
+                <a:effectLst/>
+                <a:latin typeface="Arial" panose="020B0604020202020204" pitchFamily="34" charset="0"/>
+                <a:ea typeface="Calibri" panose="020F0502020204030204" pitchFamily="34" charset="0"/>
+                <a:cs typeface="Arial" panose="020B0604020202020204" pitchFamily="34" charset="0"/>
+              </a:rPr>
+              <a:t>Ρέπτση</a:t>
+            </a:r>
+            <a:r>
+              <a:rPr lang="el-GR" sz="1800" dirty="0">
+                <a:effectLst/>
+                <a:latin typeface="Arial" panose="020B0604020202020204" pitchFamily="34" charset="0"/>
+                <a:ea typeface="Calibri" panose="020F0502020204030204" pitchFamily="34" charset="0"/>
+                <a:cs typeface="Arial" panose="020B0604020202020204" pitchFamily="34" charset="0"/>
+              </a:rPr>
+              <a:t> Μαρία ήταν πάντοτε πρόθυμη και διαθέσιμη να μου λύσει οποιαδήποτε απορία, ενώ παράλληλα με καθοδήγησε με τις πολύτιμες συμβουλές του στην σωστή συγγραφή της εργασίας αλλά και άλλους καθηγητές/υπεύθυνους του προγράμματος της σχολής μου με παροχή σεμιναρίων/</a:t>
+            </a:r>
+            <a:r>
+              <a:rPr lang="en-US" sz="1800" dirty="0">
+                <a:effectLst/>
+                <a:latin typeface="Arial" panose="020B0604020202020204" pitchFamily="34" charset="0"/>
+                <a:ea typeface="Calibri" panose="020F0502020204030204" pitchFamily="34" charset="0"/>
+                <a:cs typeface="Arial" panose="020B0604020202020204" pitchFamily="34" charset="0"/>
+              </a:rPr>
+              <a:t>workshops</a:t>
+            </a:r>
+            <a:r>
+              <a:rPr lang="el-GR" sz="1800" dirty="0">
+                <a:effectLst/>
+                <a:latin typeface="Arial" panose="020B0604020202020204" pitchFamily="34" charset="0"/>
+                <a:ea typeface="Calibri" panose="020F0502020204030204" pitchFamily="34" charset="0"/>
+                <a:cs typeface="Arial" panose="020B0604020202020204" pitchFamily="34" charset="0"/>
+              </a:rPr>
+              <a:t> ενημερώσεων δεξιοτήτων και νέας γνώσεις αλλά και υποστήριξη διαδικτυακών </a:t>
+            </a:r>
+            <a:r>
+              <a:rPr lang="el-GR" sz="1800" dirty="0" err="1">
+                <a:effectLst/>
+                <a:latin typeface="Arial" panose="020B0604020202020204" pitchFamily="34" charset="0"/>
+                <a:ea typeface="Calibri" panose="020F0502020204030204" pitchFamily="34" charset="0"/>
+                <a:cs typeface="Arial" panose="020B0604020202020204" pitchFamily="34" charset="0"/>
+              </a:rPr>
+              <a:t>πλατφόρμων</a:t>
+            </a:r>
+            <a:r>
+              <a:rPr lang="el-GR" sz="1800" dirty="0">
+                <a:effectLst/>
+                <a:latin typeface="Arial" panose="020B0604020202020204" pitchFamily="34" charset="0"/>
+                <a:ea typeface="Calibri" panose="020F0502020204030204" pitchFamily="34" charset="0"/>
+                <a:cs typeface="Arial" panose="020B0604020202020204" pitchFamily="34" charset="0"/>
+              </a:rPr>
+              <a:t> του κολλεγίου και πληθώρα υλικού της βιβλιοθήκη του </a:t>
+            </a:r>
+            <a:r>
+              <a:rPr lang="en-US" sz="1800" dirty="0">
+                <a:effectLst/>
+                <a:latin typeface="Arial" panose="020B0604020202020204" pitchFamily="34" charset="0"/>
+                <a:ea typeface="Calibri" panose="020F0502020204030204" pitchFamily="34" charset="0"/>
+                <a:cs typeface="Arial" panose="020B0604020202020204" pitchFamily="34" charset="0"/>
+              </a:rPr>
+              <a:t>AMC</a:t>
+            </a:r>
+            <a:r>
+              <a:rPr lang="el-GR" sz="1800" dirty="0">
+                <a:effectLst/>
+                <a:latin typeface="Arial" panose="020B0604020202020204" pitchFamily="34" charset="0"/>
+                <a:ea typeface="Calibri" panose="020F0502020204030204" pitchFamily="34" charset="0"/>
+                <a:cs typeface="Arial" panose="020B0604020202020204" pitchFamily="34" charset="0"/>
+              </a:rPr>
+              <a:t> Μητροπολιτικού για την διεκπεραίωση της εργασίας αυτής. Επιπλέον, θα ήθελα να πω και ένα μεγάλο ευχαριστώ στην οικογένεια μου και τα ζωάκια μου (</a:t>
+            </a:r>
+            <a:r>
+              <a:rPr lang="en-US" sz="1800" i="1" dirty="0">
+                <a:effectLst/>
+                <a:latin typeface="Arial" panose="020B0604020202020204" pitchFamily="34" charset="0"/>
+                <a:ea typeface="Calibri" panose="020F0502020204030204" pitchFamily="34" charset="0"/>
+                <a:cs typeface="Arial" panose="020B0604020202020204" pitchFamily="34" charset="0"/>
+              </a:rPr>
+              <a:t>dogs</a:t>
+            </a:r>
+            <a:r>
+              <a:rPr lang="el-GR" sz="1800" dirty="0">
+                <a:effectLst/>
+                <a:latin typeface="Arial" panose="020B0604020202020204" pitchFamily="34" charset="0"/>
+                <a:ea typeface="Calibri" panose="020F0502020204030204" pitchFamily="34" charset="0"/>
+                <a:cs typeface="Arial" panose="020B0604020202020204" pitchFamily="34" charset="0"/>
+              </a:rPr>
+              <a:t>), οι οποίοι με στήριξαν και με ενθάρρυναν καθ’ όλη τη διάρκεια.</a:t>
+            </a:r>
+            <a:endParaRPr lang="en-US" sz="1800" dirty="0">
+              <a:effectLst/>
+              <a:latin typeface="Arial" panose="020B0604020202020204" pitchFamily="34" charset="0"/>
+              <a:ea typeface="Calibri" panose="020F0502020204030204" pitchFamily="34" charset="0"/>
+              <a:cs typeface="Times New Roman" panose="02020603050405020304" pitchFamily="18" charset="0"/>
+            </a:endParaRPr>
+          </a:p>
+        </p:txBody>
+      </p:sp>
+    </p:spTree>
+    <p:extLst>
+      <p:ext uri="{BB962C8B-B14F-4D97-AF65-F5344CB8AC3E}">
+        <p14:creationId xmlns:p14="http://schemas.microsoft.com/office/powerpoint/2010/main" val="3509470717"/>
+      </p:ext>
+    </p:extLst>
+  </p:cSld>
+  <p:clrMapOvr>
+    <a:masterClrMapping/>
+  </p:clrMapOvr>
+</p:sld>
+</file>
+
+<file path=ppt/slides/slide30.xml><?xml version="1.0" encoding="utf-8"?>
 <p:sld xmlns:a="http://schemas.openxmlformats.org/drawingml/2006/main" xmlns:r="http://schemas.openxmlformats.org/officeDocument/2006/relationships" xmlns:p="http://schemas.openxmlformats.org/presentationml/2006/main">
   <p:cSld>
     <p:spTree>
@@ -42219,7 +43424,7 @@
 </p:sld>
 </file>
 
-<file path=ppt/slides/slide28.xml><?xml version="1.0" encoding="utf-8"?>
+<file path=ppt/slides/slide31.xml><?xml version="1.0" encoding="utf-8"?>
 <p:sld xmlns:a="http://schemas.openxmlformats.org/drawingml/2006/main" xmlns:r="http://schemas.openxmlformats.org/officeDocument/2006/relationships" xmlns:p="http://schemas.openxmlformats.org/presentationml/2006/main">
   <p:cSld>
     <p:spTree>
@@ -42369,7 +43574,7 @@
 </p:sld>
 </file>
 
-<file path=ppt/slides/slide29.xml><?xml version="1.0" encoding="utf-8"?>
+<file path=ppt/slides/slide32.xml><?xml version="1.0" encoding="utf-8"?>
 <p:sld xmlns:a="http://schemas.openxmlformats.org/drawingml/2006/main" xmlns:r="http://schemas.openxmlformats.org/officeDocument/2006/relationships" xmlns:p="http://schemas.openxmlformats.org/presentationml/2006/main">
   <p:cSld>
     <p:spTree>
@@ -45392,216 +46597,7 @@
 </p:sld>
 </file>
 
-<file path=ppt/slides/slide3.xml><?xml version="1.0" encoding="utf-8"?>
-<p:sld xmlns:a="http://schemas.openxmlformats.org/drawingml/2006/main" xmlns:r="http://schemas.openxmlformats.org/officeDocument/2006/relationships" xmlns:p="http://schemas.openxmlformats.org/presentationml/2006/main">
-  <p:cSld>
-    <p:spTree>
-      <p:nvGrpSpPr>
-        <p:cNvPr id="1" name=""/>
-        <p:cNvGrpSpPr/>
-        <p:nvPr/>
-      </p:nvGrpSpPr>
-      <p:grpSpPr>
-        <a:xfrm>
-          <a:off x="0" y="0"/>
-          <a:ext cx="0" cy="0"/>
-          <a:chOff x="0" y="0"/>
-          <a:chExt cx="0" cy="0"/>
-        </a:xfrm>
-      </p:grpSpPr>
-      <p:sp>
-        <p:nvSpPr>
-          <p:cNvPr id="2" name="Title 1">
-            <a:extLst>
-              <a:ext uri="{FF2B5EF4-FFF2-40B4-BE49-F238E27FC236}">
-                <a16:creationId xmlns:a16="http://schemas.microsoft.com/office/drawing/2014/main" id="{D342396B-938A-4C1B-AD28-0DF94337EC48}"/>
-              </a:ext>
-            </a:extLst>
-          </p:cNvPr>
-          <p:cNvSpPr>
-            <a:spLocks noGrp="1"/>
-          </p:cNvSpPr>
-          <p:nvPr>
-            <p:ph type="title"/>
-          </p:nvPr>
-        </p:nvSpPr>
-        <p:spPr/>
-        <p:txBody>
-          <a:bodyPr/>
-          <a:lstStyle/>
-          <a:p>
-            <a:r>
-              <a:rPr lang="el-GR" sz="4400" b="1" dirty="0">
-                <a:latin typeface="Arial" panose="020B0604020202020204" pitchFamily="34" charset="0"/>
-                <a:cs typeface="Arial" panose="020B0604020202020204" pitchFamily="34" charset="0"/>
-              </a:rPr>
-              <a:t>ΕΥΧΑΡΙΣΤΙΕΣ</a:t>
-            </a:r>
-            <a:endParaRPr lang="en-US" dirty="0"/>
-          </a:p>
-        </p:txBody>
-      </p:sp>
-      <p:sp>
-        <p:nvSpPr>
-          <p:cNvPr id="3" name="TextBox 2">
-            <a:extLst>
-              <a:ext uri="{FF2B5EF4-FFF2-40B4-BE49-F238E27FC236}">
-                <a16:creationId xmlns:a16="http://schemas.microsoft.com/office/drawing/2014/main" id="{A3F75271-3A63-47C3-B8C4-9AB9E2F6C368}"/>
-              </a:ext>
-            </a:extLst>
-          </p:cNvPr>
-          <p:cNvSpPr txBox="1"/>
-          <p:nvPr/>
-        </p:nvSpPr>
-        <p:spPr>
-          <a:xfrm>
-            <a:off x="0" y="1024917"/>
-            <a:ext cx="8229600" cy="5027017"/>
-          </a:xfrm>
-          <a:prstGeom prst="rect">
-            <a:avLst/>
-          </a:prstGeom>
-          <a:noFill/>
-        </p:spPr>
-        <p:txBody>
-          <a:bodyPr wrap="square">
-            <a:spAutoFit/>
-          </a:bodyPr>
-          <a:lstStyle/>
-          <a:p>
-            <a:pPr marL="0" marR="0" algn="just">
-              <a:lnSpc>
-                <a:spcPct val="150000"/>
-              </a:lnSpc>
-              <a:spcBef>
-                <a:spcPts val="0"/>
-              </a:spcBef>
-              <a:spcAft>
-                <a:spcPts val="800"/>
-              </a:spcAft>
-            </a:pPr>
-            <a:r>
-              <a:rPr lang="el-GR" sz="1800" dirty="0">
-                <a:effectLst/>
-                <a:latin typeface="Arial" panose="020B0604020202020204" pitchFamily="34" charset="0"/>
-                <a:ea typeface="Calibri" panose="020F0502020204030204" pitchFamily="34" charset="0"/>
-                <a:cs typeface="Arial" panose="020B0604020202020204" pitchFamily="34" charset="0"/>
-              </a:rPr>
-              <a:t>Θα ήθελα να ευχαριστήσω θερμά όλους όσους συνέβαλαν με τον τρόπο τους στην επιτυχή εκπόνηση της διπλωματικής μου εργασίας, και ιδιαιτέρως την υπεύθυνη καθηγήτρια για την διπλωματική μου εργασία Κ. </a:t>
-            </a:r>
-            <a:r>
-              <a:rPr lang="el-GR" sz="1800" dirty="0" err="1">
-                <a:effectLst/>
-                <a:latin typeface="Arial" panose="020B0604020202020204" pitchFamily="34" charset="0"/>
-                <a:ea typeface="Calibri" panose="020F0502020204030204" pitchFamily="34" charset="0"/>
-                <a:cs typeface="Arial" panose="020B0604020202020204" pitchFamily="34" charset="0"/>
-              </a:rPr>
-              <a:t>Ρέπτση</a:t>
-            </a:r>
-            <a:r>
-              <a:rPr lang="el-GR" sz="1800" dirty="0">
-                <a:effectLst/>
-                <a:latin typeface="Arial" panose="020B0604020202020204" pitchFamily="34" charset="0"/>
-                <a:ea typeface="Calibri" panose="020F0502020204030204" pitchFamily="34" charset="0"/>
-                <a:cs typeface="Arial" panose="020B0604020202020204" pitchFamily="34" charset="0"/>
-              </a:rPr>
-              <a:t> Μαρία ήταν πάντοτε πρόθυμη και διαθέσιμη να μου λύσει οποιαδήποτε απορία, ενώ παράλληλα με καθοδήγησε με τις πολύτιμες συμβουλές του στην σωστή συγγραφή της εργασίας αλλά και άλλους καθηγητές/υπεύθυνους του προγράμματος της σχολής μου με παροχή σεμιναρίων/</a:t>
-            </a:r>
-            <a:r>
-              <a:rPr lang="en-US" sz="1800" dirty="0">
-                <a:effectLst/>
-                <a:latin typeface="Arial" panose="020B0604020202020204" pitchFamily="34" charset="0"/>
-                <a:ea typeface="Calibri" panose="020F0502020204030204" pitchFamily="34" charset="0"/>
-                <a:cs typeface="Arial" panose="020B0604020202020204" pitchFamily="34" charset="0"/>
-              </a:rPr>
-              <a:t>workshops</a:t>
-            </a:r>
-            <a:r>
-              <a:rPr lang="el-GR" sz="1800" dirty="0">
-                <a:effectLst/>
-                <a:latin typeface="Arial" panose="020B0604020202020204" pitchFamily="34" charset="0"/>
-                <a:ea typeface="Calibri" panose="020F0502020204030204" pitchFamily="34" charset="0"/>
-                <a:cs typeface="Arial" panose="020B0604020202020204" pitchFamily="34" charset="0"/>
-              </a:rPr>
-              <a:t> ενημερώσεων δεξιοτήτων και νέας γνώσεις αλλά και υποστήριξη διαδικτυακών </a:t>
-            </a:r>
-            <a:r>
-              <a:rPr lang="el-GR" sz="1800" dirty="0" err="1">
-                <a:effectLst/>
-                <a:latin typeface="Arial" panose="020B0604020202020204" pitchFamily="34" charset="0"/>
-                <a:ea typeface="Calibri" panose="020F0502020204030204" pitchFamily="34" charset="0"/>
-                <a:cs typeface="Arial" panose="020B0604020202020204" pitchFamily="34" charset="0"/>
-              </a:rPr>
-              <a:t>πλατφόρμων</a:t>
-            </a:r>
-            <a:r>
-              <a:rPr lang="el-GR" sz="1800" dirty="0">
-                <a:effectLst/>
-                <a:latin typeface="Arial" panose="020B0604020202020204" pitchFamily="34" charset="0"/>
-                <a:ea typeface="Calibri" panose="020F0502020204030204" pitchFamily="34" charset="0"/>
-                <a:cs typeface="Arial" panose="020B0604020202020204" pitchFamily="34" charset="0"/>
-              </a:rPr>
-              <a:t> του κολλεγίου και πληθώρα υλικού της βιβλιοθήκη του </a:t>
-            </a:r>
-            <a:r>
-              <a:rPr lang="en-US" sz="1800" dirty="0">
-                <a:effectLst/>
-                <a:latin typeface="Arial" panose="020B0604020202020204" pitchFamily="34" charset="0"/>
-                <a:ea typeface="Calibri" panose="020F0502020204030204" pitchFamily="34" charset="0"/>
-                <a:cs typeface="Arial" panose="020B0604020202020204" pitchFamily="34" charset="0"/>
-              </a:rPr>
-              <a:t>AMC</a:t>
-            </a:r>
-            <a:r>
-              <a:rPr lang="el-GR" sz="1800" dirty="0">
-                <a:effectLst/>
-                <a:latin typeface="Arial" panose="020B0604020202020204" pitchFamily="34" charset="0"/>
-                <a:ea typeface="Calibri" panose="020F0502020204030204" pitchFamily="34" charset="0"/>
-                <a:cs typeface="Arial" panose="020B0604020202020204" pitchFamily="34" charset="0"/>
-              </a:rPr>
-              <a:t> Μητροπολιτικού για την διεκπεραίωση της εργασίας αυτής. Επιπλέον, θα ήθελα να πω και ένα μεγάλο ευχαριστώ στην οικογένεια μου και τα ζωάκια μου (</a:t>
-            </a:r>
-            <a:r>
-              <a:rPr lang="en-US" sz="1800" i="1" dirty="0">
-                <a:effectLst/>
-                <a:latin typeface="Arial" panose="020B0604020202020204" pitchFamily="34" charset="0"/>
-                <a:ea typeface="Calibri" panose="020F0502020204030204" pitchFamily="34" charset="0"/>
-                <a:cs typeface="Arial" panose="020B0604020202020204" pitchFamily="34" charset="0"/>
-              </a:rPr>
-              <a:t>dogs</a:t>
-            </a:r>
-            <a:r>
-              <a:rPr lang="el-GR" sz="1800" dirty="0">
-                <a:effectLst/>
-                <a:latin typeface="Arial" panose="020B0604020202020204" pitchFamily="34" charset="0"/>
-                <a:ea typeface="Calibri" panose="020F0502020204030204" pitchFamily="34" charset="0"/>
-                <a:cs typeface="Arial" panose="020B0604020202020204" pitchFamily="34" charset="0"/>
-              </a:rPr>
-              <a:t>), οι οποίοι με στήριξαν και με ενθάρρυναν καθ’ όλη τη διάρκεια.</a:t>
-            </a:r>
-            <a:endParaRPr lang="en-US" sz="1800" dirty="0">
-              <a:effectLst/>
-              <a:latin typeface="Arial" panose="020B0604020202020204" pitchFamily="34" charset="0"/>
-              <a:ea typeface="Calibri" panose="020F0502020204030204" pitchFamily="34" charset="0"/>
-              <a:cs typeface="Times New Roman" panose="02020603050405020304" pitchFamily="18" charset="0"/>
-            </a:endParaRPr>
-          </a:p>
-        </p:txBody>
-      </p:sp>
-    </p:spTree>
-    <p:extLst>
-      <p:ext uri="{BB962C8B-B14F-4D97-AF65-F5344CB8AC3E}">
-        <p14:creationId xmlns:p14="http://schemas.microsoft.com/office/powerpoint/2010/main" val="3509470717"/>
-      </p:ext>
-    </p:extLst>
-  </p:cSld>
-  <p:clrMapOvr>
-    <a:masterClrMapping/>
-  </p:clrMapOvr>
-</p:sld>
-</file>
-
-<file path=ppt/slides/slide30.xml><?xml version="1.0" encoding="utf-8"?>
+<file path=ppt/slides/slide33.xml><?xml version="1.0" encoding="utf-8"?>
 <p:sld xmlns:a="http://schemas.openxmlformats.org/drawingml/2006/main" xmlns:r="http://schemas.openxmlformats.org/officeDocument/2006/relationships" xmlns:p="http://schemas.openxmlformats.org/presentationml/2006/main">
   <p:cSld>
     <p:spTree>
@@ -45667,7 +46663,7 @@
 </p:sld>
 </file>
 
-<file path=ppt/slides/slide31.xml><?xml version="1.0" encoding="utf-8"?>
+<file path=ppt/slides/slide34.xml><?xml version="1.0" encoding="utf-8"?>
 <p:sld xmlns:a="http://schemas.openxmlformats.org/drawingml/2006/main" xmlns:r="http://schemas.openxmlformats.org/officeDocument/2006/relationships" xmlns:p="http://schemas.openxmlformats.org/presentationml/2006/main">
   <p:cSld>
     <p:spTree>
@@ -46065,7 +47061,7 @@
         </p:nvSpPr>
         <p:spPr>
           <a:xfrm>
-            <a:off x="364602" y="1588625"/>
+            <a:off x="364602" y="1380281"/>
             <a:ext cx="8229600" cy="4525963"/>
           </a:xfrm>
         </p:spPr>
@@ -46074,6 +47070,9 @@
           <a:lstStyle/>
           <a:p>
             <a:pPr marL="457200" indent="-457200">
+              <a:spcBef>
+                <a:spcPts val="1400"/>
+              </a:spcBef>
               <a:buFont typeface="+mj-lt"/>
               <a:buAutoNum type="arabicPeriod"/>
             </a:pPr>
@@ -46084,6 +47083,9 @@
           </a:p>
           <a:p>
             <a:pPr marL="457200" indent="-457200">
+              <a:spcBef>
+                <a:spcPts val="1400"/>
+              </a:spcBef>
               <a:buFont typeface="+mj-lt"/>
               <a:buAutoNum type="arabicPeriod"/>
             </a:pPr>
@@ -46094,6 +47096,9 @@
           </a:p>
           <a:p>
             <a:pPr marL="457200" indent="-457200">
+              <a:spcBef>
+                <a:spcPts val="1400"/>
+              </a:spcBef>
               <a:buFont typeface="+mj-lt"/>
               <a:buAutoNum type="arabicPeriod"/>
             </a:pPr>
@@ -46104,6 +47109,9 @@
           </a:p>
           <a:p>
             <a:pPr marL="457200" indent="-457200">
+              <a:spcBef>
+                <a:spcPts val="1400"/>
+              </a:spcBef>
               <a:buFont typeface="+mj-lt"/>
               <a:buAutoNum type="arabicPeriod"/>
             </a:pPr>
@@ -46122,16 +47130,26 @@
           </a:p>
           <a:p>
             <a:pPr marL="457200" indent="-457200">
+              <a:spcBef>
+                <a:spcPts val="1400"/>
+              </a:spcBef>
               <a:buFont typeface="+mj-lt"/>
               <a:buAutoNum type="arabicPeriod"/>
             </a:pPr>
             <a:r>
               <a:rPr lang="el-GR" sz="2200" dirty="0"/>
-              <a:t>Στρατηγικές για την αξιοποίηση των αναδυόμενων τεχνολογιών: TOGAF</a:t>
+              <a:t>Στρατηγικές για την αξιοποίηση των αναδυόμενων τεχνολογιών: </a:t>
+            </a:r>
+            <a:r>
+              <a:rPr lang="en-US" sz="2200" dirty="0"/>
+              <a:t>Enterprise Architectures</a:t>
             </a:r>
           </a:p>
           <a:p>
             <a:pPr marL="457200" indent="-457200">
+              <a:spcBef>
+                <a:spcPts val="1400"/>
+              </a:spcBef>
               <a:buFont typeface="+mj-lt"/>
               <a:buAutoNum type="arabicPeriod"/>
             </a:pPr>
@@ -46142,6 +47160,9 @@
           </a:p>
           <a:p>
             <a:pPr marL="457200" indent="-457200">
+              <a:spcBef>
+                <a:spcPts val="1400"/>
+              </a:spcBef>
               <a:buFont typeface="+mj-lt"/>
               <a:buAutoNum type="arabicPeriod"/>
             </a:pPr>
@@ -46185,10 +47206,45 @@
       </p:grpSpPr>
       <p:sp>
         <p:nvSpPr>
-          <p:cNvPr id="5" name="Content Placeholder 4">
+          <p:cNvPr id="3" name="TextBox 2">
             <a:extLst>
               <a:ext uri="{FF2B5EF4-FFF2-40B4-BE49-F238E27FC236}">
-                <a16:creationId xmlns:a16="http://schemas.microsoft.com/office/drawing/2014/main" id="{19B0708D-0846-7151-22F5-D4D038C53B2A}"/>
+                <a16:creationId xmlns:a16="http://schemas.microsoft.com/office/drawing/2014/main" id="{D15741E5-C777-6456-36F8-B560F1454D74}"/>
+              </a:ext>
+            </a:extLst>
+          </p:cNvPr>
+          <p:cNvSpPr txBox="1"/>
+          <p:nvPr/>
+        </p:nvSpPr>
+        <p:spPr>
+          <a:xfrm>
+            <a:off x="1860630" y="726975"/>
+            <a:ext cx="4577786" cy="646331"/>
+          </a:xfrm>
+          <a:prstGeom prst="rect">
+            <a:avLst/>
+          </a:prstGeom>
+          <a:noFill/>
+        </p:spPr>
+        <p:txBody>
+          <a:bodyPr wrap="square">
+            <a:spAutoFit/>
+          </a:bodyPr>
+          <a:lstStyle/>
+          <a:p>
+            <a:r>
+              <a:rPr lang="el-GR" sz="1800" dirty="0"/>
+              <a:t>Η τεχνολογία στις παγκόσμιες επιχειρηματικές δραστηριότητες</a:t>
+            </a:r>
+          </a:p>
+        </p:txBody>
+      </p:sp>
+      <p:sp>
+        <p:nvSpPr>
+          <p:cNvPr id="2" name="Content Placeholder 4">
+            <a:extLst>
+              <a:ext uri="{FF2B5EF4-FFF2-40B4-BE49-F238E27FC236}">
+                <a16:creationId xmlns:a16="http://schemas.microsoft.com/office/drawing/2014/main" id="{29D1C372-E76D-8CF2-8FB0-E8B4D78A03A9}"/>
               </a:ext>
             </a:extLst>
           </p:cNvPr>
@@ -46201,8 +47257,8 @@
         </p:nvSpPr>
         <p:spPr>
           <a:xfrm>
-            <a:off x="364602" y="1588625"/>
-            <a:ext cx="8229600" cy="4525963"/>
+            <a:off x="365125" y="1589088"/>
+            <a:ext cx="8229600" cy="4525962"/>
           </a:xfrm>
         </p:spPr>
         <p:txBody>
@@ -46210,13 +47266,140 @@
           <a:lstStyle/>
           <a:p>
             <a:pPr marL="457200" indent="-457200">
+              <a:spcBef>
+                <a:spcPts val="1400"/>
+              </a:spcBef>
               <a:buFont typeface="+mj-lt"/>
               <a:buAutoNum type="arabicPeriod"/>
             </a:pPr>
+            <a:r>
+              <a:rPr lang="el-GR" sz="2200" dirty="0"/>
+              <a:t>Η τεχνολογία στις παγκόσμιες επιχειρηματικές δραστηριότητες</a:t>
+            </a:r>
+          </a:p>
+          <a:p>
+            <a:pPr marL="457200" indent="-457200">
+              <a:spcBef>
+                <a:spcPts val="1400"/>
+              </a:spcBef>
+              <a:buFont typeface="+mj-lt"/>
+              <a:buAutoNum type="arabicPeriod"/>
+            </a:pPr>
+            <a:r>
+              <a:rPr lang="el-GR" sz="2200" dirty="0"/>
+              <a:t>Οφέλη των αναδυόμενων τεχνολογιών: αποτελεσματικότητα, εξοικονόμηση, διαφάνεια</a:t>
+            </a:r>
+          </a:p>
+          <a:p>
+            <a:pPr marL="457200" indent="-457200">
+              <a:spcBef>
+                <a:spcPts val="1400"/>
+              </a:spcBef>
+              <a:buFont typeface="+mj-lt"/>
+              <a:buAutoNum type="arabicPeriod"/>
+            </a:pPr>
+            <a:r>
+              <a:rPr lang="el-GR" sz="2200" dirty="0"/>
+              <a:t>Προκλήσεις των αναδυόμενων τεχνολογιών: ασφάλεια, ηθική</a:t>
+            </a:r>
+          </a:p>
+          <a:p>
+            <a:pPr marL="457200" indent="-457200">
+              <a:spcBef>
+                <a:spcPts val="1400"/>
+              </a:spcBef>
+              <a:buFont typeface="+mj-lt"/>
+              <a:buAutoNum type="arabicPeriod"/>
+            </a:pPr>
+            <a:r>
+              <a:rPr lang="el-GR" sz="2200" dirty="0"/>
+              <a:t>Παραδείγματα: </a:t>
+            </a:r>
+            <a:r>
+              <a:rPr lang="el-GR" sz="2200" dirty="0" err="1"/>
+              <a:t>Walmart</a:t>
+            </a:r>
+            <a:r>
+              <a:rPr lang="el-GR" sz="2200" dirty="0"/>
+              <a:t>, Accenture</a:t>
+            </a:r>
+          </a:p>
+          <a:p>
+            <a:pPr marL="457200" indent="-457200">
+              <a:spcBef>
+                <a:spcPts val="1400"/>
+              </a:spcBef>
+              <a:buFont typeface="+mj-lt"/>
+              <a:buAutoNum type="arabicPeriod"/>
+            </a:pPr>
+            <a:r>
+              <a:rPr lang="el-GR" sz="2200" dirty="0"/>
+              <a:t>Στρατηγικές για την αξιοποίηση των αναδυόμενων τεχνολογιών: </a:t>
+            </a:r>
+            <a:r>
+              <a:rPr lang="en-US" sz="2200" dirty="0"/>
+              <a:t>Enterprise Architectures</a:t>
+            </a:r>
+          </a:p>
+          <a:p>
+            <a:pPr marL="457200" indent="-457200">
+              <a:spcBef>
+                <a:spcPts val="1400"/>
+              </a:spcBef>
+              <a:buFont typeface="+mj-lt"/>
+              <a:buAutoNum type="arabicPeriod"/>
+            </a:pPr>
+            <a:r>
+              <a:rPr lang="el-GR" sz="2200" dirty="0"/>
+              <a:t>Δυνατότητα μεταμόρφωσης και ανάπτυξης</a:t>
+            </a:r>
+          </a:p>
+          <a:p>
+            <a:pPr marL="457200" indent="-457200">
+              <a:spcBef>
+                <a:spcPts val="1400"/>
+              </a:spcBef>
+              <a:buFont typeface="+mj-lt"/>
+              <a:buAutoNum type="arabicPeriod"/>
+            </a:pPr>
+            <a:r>
+              <a:rPr lang="el-GR" sz="2200" dirty="0"/>
+              <a:t>Σημασία στρατηγικής και υπεύθυνης προσέγγισης.</a:t>
+            </a:r>
             <a:endParaRPr lang="en-US" sz="2200" dirty="0"/>
           </a:p>
         </p:txBody>
       </p:sp>
+    </p:spTree>
+    <p:extLst>
+      <p:ext uri="{BB962C8B-B14F-4D97-AF65-F5344CB8AC3E}">
+        <p14:creationId xmlns:p14="http://schemas.microsoft.com/office/powerpoint/2010/main" val="3487133216"/>
+      </p:ext>
+    </p:extLst>
+  </p:cSld>
+  <p:clrMapOvr>
+    <a:masterClrMapping/>
+  </p:clrMapOvr>
+</p:sld>
+</file>
+
+<file path=ppt/slides/slide6.xml><?xml version="1.0" encoding="utf-8"?>
+<p:sld xmlns:a="http://schemas.openxmlformats.org/drawingml/2006/main" xmlns:r="http://schemas.openxmlformats.org/officeDocument/2006/relationships" xmlns:p="http://schemas.openxmlformats.org/presentationml/2006/main">
+  <p:cSld>
+    <p:spTree>
+      <p:nvGrpSpPr>
+        <p:cNvPr id="1" name=""/>
+        <p:cNvGrpSpPr/>
+        <p:nvPr/>
+      </p:nvGrpSpPr>
+      <p:grpSpPr>
+        <a:xfrm>
+          <a:off x="0" y="0"/>
+          <a:ext cx="0" cy="0"/>
+          <a:chOff x="0" y="0"/>
+          <a:chExt cx="0" cy="0"/>
+        </a:xfrm>
+      </p:grpSpPr>
       <p:sp>
         <p:nvSpPr>
           <p:cNvPr id="3" name="TextBox 2">
@@ -46252,10 +47435,141 @@
           </a:p>
         </p:txBody>
       </p:sp>
+      <p:sp>
+        <p:nvSpPr>
+          <p:cNvPr id="2" name="Content Placeholder 4">
+            <a:extLst>
+              <a:ext uri="{FF2B5EF4-FFF2-40B4-BE49-F238E27FC236}">
+                <a16:creationId xmlns:a16="http://schemas.microsoft.com/office/drawing/2014/main" id="{AEDCCD92-4C90-F488-E81C-9A8D0AB7B42C}"/>
+              </a:ext>
+            </a:extLst>
+          </p:cNvPr>
+          <p:cNvSpPr>
+            <a:spLocks noGrp="1"/>
+          </p:cNvSpPr>
+          <p:nvPr>
+            <p:ph idx="1"/>
+          </p:nvPr>
+        </p:nvSpPr>
+        <p:spPr>
+          <a:xfrm>
+            <a:off x="365125" y="1589088"/>
+            <a:ext cx="8229600" cy="4525962"/>
+          </a:xfrm>
+        </p:spPr>
+        <p:txBody>
+          <a:bodyPr/>
+          <a:lstStyle/>
+          <a:p>
+            <a:pPr marL="457200" indent="-457200">
+              <a:spcBef>
+                <a:spcPts val="1400"/>
+              </a:spcBef>
+              <a:buFont typeface="+mj-lt"/>
+              <a:buAutoNum type="arabicPeriod"/>
+            </a:pPr>
+            <a:r>
+              <a:rPr lang="el-GR" sz="2200" dirty="0"/>
+              <a:t>Η τεχνολογία στις παγκόσμιες επιχειρηματικές δραστηριότητες</a:t>
+            </a:r>
+          </a:p>
+          <a:p>
+            <a:pPr marL="457200" indent="-457200">
+              <a:spcBef>
+                <a:spcPts val="1400"/>
+              </a:spcBef>
+              <a:buFont typeface="+mj-lt"/>
+              <a:buAutoNum type="arabicPeriod"/>
+            </a:pPr>
+            <a:r>
+              <a:rPr lang="el-GR" sz="2200" dirty="0"/>
+              <a:t>Οφέλη των αναδυόμενων τεχνολογιών: αποτελεσματικότητα, εξοικονόμηση, διαφάνεια</a:t>
+            </a:r>
+          </a:p>
+          <a:p>
+            <a:pPr marL="457200" indent="-457200">
+              <a:spcBef>
+                <a:spcPts val="1400"/>
+              </a:spcBef>
+              <a:buFont typeface="+mj-lt"/>
+              <a:buAutoNum type="arabicPeriod"/>
+            </a:pPr>
+            <a:r>
+              <a:rPr lang="el-GR" sz="2200" dirty="0"/>
+              <a:t>Προκλήσεις των αναδυόμενων τεχνολογιών: ασφάλεια, ηθική</a:t>
+            </a:r>
+          </a:p>
+          <a:p>
+            <a:pPr marL="457200" indent="-457200">
+              <a:spcBef>
+                <a:spcPts val="1400"/>
+              </a:spcBef>
+              <a:buFont typeface="+mj-lt"/>
+              <a:buAutoNum type="arabicPeriod"/>
+            </a:pPr>
+            <a:r>
+              <a:rPr lang="el-GR" sz="2200" dirty="0"/>
+              <a:t>Παραδείγματα: </a:t>
+            </a:r>
+            <a:r>
+              <a:rPr lang="el-GR" sz="2200" dirty="0" err="1"/>
+              <a:t>Walmart</a:t>
+            </a:r>
+            <a:r>
+              <a:rPr lang="el-GR" sz="2200" dirty="0"/>
+              <a:t>, Accenture</a:t>
+            </a:r>
+          </a:p>
+          <a:p>
+            <a:pPr marL="457200" indent="-457200">
+              <a:spcBef>
+                <a:spcPts val="1400"/>
+              </a:spcBef>
+              <a:buFont typeface="+mj-lt"/>
+              <a:buAutoNum type="arabicPeriod"/>
+            </a:pPr>
+            <a:r>
+              <a:rPr lang="el-GR" sz="2200" dirty="0"/>
+              <a:t>Στρατηγικές για την αξιοποίηση των αναδυόμενων τεχνολογιών: </a:t>
+            </a:r>
+            <a:r>
+              <a:rPr lang="en-US" sz="2200" dirty="0"/>
+              <a:t>Enterprise Architectures</a:t>
+            </a:r>
+          </a:p>
+          <a:p>
+            <a:pPr marL="457200" indent="-457200">
+              <a:spcBef>
+                <a:spcPts val="1400"/>
+              </a:spcBef>
+              <a:buFont typeface="+mj-lt"/>
+              <a:buAutoNum type="arabicPeriod"/>
+            </a:pPr>
+            <a:r>
+              <a:rPr lang="el-GR" sz="2200" dirty="0"/>
+              <a:t>Δυνατότητα μεταμόρφωσης και ανάπτυξης</a:t>
+            </a:r>
+          </a:p>
+          <a:p>
+            <a:pPr marL="457200" indent="-457200">
+              <a:spcBef>
+                <a:spcPts val="1400"/>
+              </a:spcBef>
+              <a:buFont typeface="+mj-lt"/>
+              <a:buAutoNum type="arabicPeriod"/>
+            </a:pPr>
+            <a:r>
+              <a:rPr lang="el-GR" sz="2200" dirty="0"/>
+              <a:t>Σημασία στρατηγικής και υπεύθυνης προσέγγισης.</a:t>
+            </a:r>
+            <a:endParaRPr lang="en-US" sz="2200" dirty="0"/>
+          </a:p>
+        </p:txBody>
+      </p:sp>
     </p:spTree>
     <p:extLst>
       <p:ext uri="{BB962C8B-B14F-4D97-AF65-F5344CB8AC3E}">
-        <p14:creationId xmlns:p14="http://schemas.microsoft.com/office/powerpoint/2010/main" val="3487133216"/>
+        <p14:creationId xmlns:p14="http://schemas.microsoft.com/office/powerpoint/2010/main" val="3520329503"/>
       </p:ext>
     </p:extLst>
   </p:cSld>
@@ -46265,7 +47579,399 @@
 </p:sld>
 </file>
 
-<file path=ppt/slides/slide6.xml><?xml version="1.0" encoding="utf-8"?>
+<file path=ppt/slides/slide7.xml><?xml version="1.0" encoding="utf-8"?>
+<p:sld xmlns:a="http://schemas.openxmlformats.org/drawingml/2006/main" xmlns:r="http://schemas.openxmlformats.org/officeDocument/2006/relationships" xmlns:p="http://schemas.openxmlformats.org/presentationml/2006/main">
+  <p:cSld>
+    <p:spTree>
+      <p:nvGrpSpPr>
+        <p:cNvPr id="1" name=""/>
+        <p:cNvGrpSpPr/>
+        <p:nvPr/>
+      </p:nvGrpSpPr>
+      <p:grpSpPr>
+        <a:xfrm>
+          <a:off x="0" y="0"/>
+          <a:ext cx="0" cy="0"/>
+          <a:chOff x="0" y="0"/>
+          <a:chExt cx="0" cy="0"/>
+        </a:xfrm>
+      </p:grpSpPr>
+      <p:sp>
+        <p:nvSpPr>
+          <p:cNvPr id="3" name="TextBox 2">
+            <a:extLst>
+              <a:ext uri="{FF2B5EF4-FFF2-40B4-BE49-F238E27FC236}">
+                <a16:creationId xmlns:a16="http://schemas.microsoft.com/office/drawing/2014/main" id="{D15741E5-C777-6456-36F8-B560F1454D74}"/>
+              </a:ext>
+            </a:extLst>
+          </p:cNvPr>
+          <p:cNvSpPr txBox="1"/>
+          <p:nvPr/>
+        </p:nvSpPr>
+        <p:spPr>
+          <a:xfrm>
+            <a:off x="1860630" y="726975"/>
+            <a:ext cx="4577786" cy="646331"/>
+          </a:xfrm>
+          <a:prstGeom prst="rect">
+            <a:avLst/>
+          </a:prstGeom>
+          <a:noFill/>
+        </p:spPr>
+        <p:txBody>
+          <a:bodyPr wrap="square">
+            <a:spAutoFit/>
+          </a:bodyPr>
+          <a:lstStyle/>
+          <a:p>
+            <a:r>
+              <a:rPr lang="el-GR" sz="1800" dirty="0"/>
+              <a:t>Η τεχνολογία στις παγκόσμιες επιχειρηματικές δραστηριότητες</a:t>
+            </a:r>
+          </a:p>
+        </p:txBody>
+      </p:sp>
+      <p:sp>
+        <p:nvSpPr>
+          <p:cNvPr id="2" name="Content Placeholder 4">
+            <a:extLst>
+              <a:ext uri="{FF2B5EF4-FFF2-40B4-BE49-F238E27FC236}">
+                <a16:creationId xmlns:a16="http://schemas.microsoft.com/office/drawing/2014/main" id="{CA963E5B-479A-A060-880B-767754E703D4}"/>
+              </a:ext>
+            </a:extLst>
+          </p:cNvPr>
+          <p:cNvSpPr>
+            <a:spLocks noGrp="1"/>
+          </p:cNvSpPr>
+          <p:nvPr>
+            <p:ph idx="1"/>
+          </p:nvPr>
+        </p:nvSpPr>
+        <p:spPr>
+          <a:xfrm>
+            <a:off x="365125" y="1589088"/>
+            <a:ext cx="8229600" cy="4525962"/>
+          </a:xfrm>
+        </p:spPr>
+        <p:txBody>
+          <a:bodyPr/>
+          <a:lstStyle/>
+          <a:p>
+            <a:pPr marL="457200" indent="-457200">
+              <a:spcBef>
+                <a:spcPts val="1400"/>
+              </a:spcBef>
+              <a:buFont typeface="+mj-lt"/>
+              <a:buAutoNum type="arabicPeriod"/>
+            </a:pPr>
+            <a:r>
+              <a:rPr lang="el-GR" sz="2200" dirty="0"/>
+              <a:t>Η τεχνολογία στις παγκόσμιες επιχειρηματικές δραστηριότητες</a:t>
+            </a:r>
+          </a:p>
+          <a:p>
+            <a:pPr marL="457200" indent="-457200">
+              <a:spcBef>
+                <a:spcPts val="1400"/>
+              </a:spcBef>
+              <a:buFont typeface="+mj-lt"/>
+              <a:buAutoNum type="arabicPeriod"/>
+            </a:pPr>
+            <a:r>
+              <a:rPr lang="el-GR" sz="2200" dirty="0"/>
+              <a:t>Οφέλη των αναδυόμενων τεχνολογιών: αποτελεσματικότητα, εξοικονόμηση, διαφάνεια</a:t>
+            </a:r>
+          </a:p>
+          <a:p>
+            <a:pPr marL="457200" indent="-457200">
+              <a:spcBef>
+                <a:spcPts val="1400"/>
+              </a:spcBef>
+              <a:buFont typeface="+mj-lt"/>
+              <a:buAutoNum type="arabicPeriod"/>
+            </a:pPr>
+            <a:r>
+              <a:rPr lang="el-GR" sz="2200" dirty="0"/>
+              <a:t>Προκλήσεις των αναδυόμενων τεχνολογιών: ασφάλεια, ηθική</a:t>
+            </a:r>
+          </a:p>
+          <a:p>
+            <a:pPr marL="457200" indent="-457200">
+              <a:spcBef>
+                <a:spcPts val="1400"/>
+              </a:spcBef>
+              <a:buFont typeface="+mj-lt"/>
+              <a:buAutoNum type="arabicPeriod"/>
+            </a:pPr>
+            <a:r>
+              <a:rPr lang="el-GR" sz="2200" dirty="0"/>
+              <a:t>Παραδείγματα: </a:t>
+            </a:r>
+            <a:r>
+              <a:rPr lang="el-GR" sz="2200" dirty="0" err="1"/>
+              <a:t>Walmart</a:t>
+            </a:r>
+            <a:r>
+              <a:rPr lang="el-GR" sz="2200" dirty="0"/>
+              <a:t>, Accenture</a:t>
+            </a:r>
+          </a:p>
+          <a:p>
+            <a:pPr marL="457200" indent="-457200">
+              <a:spcBef>
+                <a:spcPts val="1400"/>
+              </a:spcBef>
+              <a:buFont typeface="+mj-lt"/>
+              <a:buAutoNum type="arabicPeriod"/>
+            </a:pPr>
+            <a:r>
+              <a:rPr lang="el-GR" sz="2200" dirty="0"/>
+              <a:t>Στρατηγικές για την αξιοποίηση των αναδυόμενων τεχνολογιών: </a:t>
+            </a:r>
+            <a:r>
+              <a:rPr lang="en-US" sz="2200" dirty="0"/>
+              <a:t>Enterprise Architectures</a:t>
+            </a:r>
+          </a:p>
+          <a:p>
+            <a:pPr marL="457200" indent="-457200">
+              <a:spcBef>
+                <a:spcPts val="1400"/>
+              </a:spcBef>
+              <a:buFont typeface="+mj-lt"/>
+              <a:buAutoNum type="arabicPeriod"/>
+            </a:pPr>
+            <a:r>
+              <a:rPr lang="el-GR" sz="2200" dirty="0"/>
+              <a:t>Δυνατότητα μεταμόρφωσης και ανάπτυξης</a:t>
+            </a:r>
+          </a:p>
+          <a:p>
+            <a:pPr marL="457200" indent="-457200">
+              <a:spcBef>
+                <a:spcPts val="1400"/>
+              </a:spcBef>
+              <a:buFont typeface="+mj-lt"/>
+              <a:buAutoNum type="arabicPeriod"/>
+            </a:pPr>
+            <a:r>
+              <a:rPr lang="el-GR" sz="2200" dirty="0"/>
+              <a:t>Σημασία στρατηγικής και υπεύθυνης προσέγγισης.</a:t>
+            </a:r>
+            <a:endParaRPr lang="en-US" sz="2200" dirty="0"/>
+          </a:p>
+        </p:txBody>
+      </p:sp>
+    </p:spTree>
+    <p:extLst>
+      <p:ext uri="{BB962C8B-B14F-4D97-AF65-F5344CB8AC3E}">
+        <p14:creationId xmlns:p14="http://schemas.microsoft.com/office/powerpoint/2010/main" val="41946471"/>
+      </p:ext>
+    </p:extLst>
+  </p:cSld>
+  <p:clrMapOvr>
+    <a:masterClrMapping/>
+  </p:clrMapOvr>
+</p:sld>
+</file>
+
+<file path=ppt/slides/slide8.xml><?xml version="1.0" encoding="utf-8"?>
+<p:sld xmlns:a="http://schemas.openxmlformats.org/drawingml/2006/main" xmlns:r="http://schemas.openxmlformats.org/officeDocument/2006/relationships" xmlns:p="http://schemas.openxmlformats.org/presentationml/2006/main">
+  <p:cSld>
+    <p:spTree>
+      <p:nvGrpSpPr>
+        <p:cNvPr id="1" name=""/>
+        <p:cNvGrpSpPr/>
+        <p:nvPr/>
+      </p:nvGrpSpPr>
+      <p:grpSpPr>
+        <a:xfrm>
+          <a:off x="0" y="0"/>
+          <a:ext cx="0" cy="0"/>
+          <a:chOff x="0" y="0"/>
+          <a:chExt cx="0" cy="0"/>
+        </a:xfrm>
+      </p:grpSpPr>
+      <p:sp>
+        <p:nvSpPr>
+          <p:cNvPr id="3" name="TextBox 2">
+            <a:extLst>
+              <a:ext uri="{FF2B5EF4-FFF2-40B4-BE49-F238E27FC236}">
+                <a16:creationId xmlns:a16="http://schemas.microsoft.com/office/drawing/2014/main" id="{D15741E5-C777-6456-36F8-B560F1454D74}"/>
+              </a:ext>
+            </a:extLst>
+          </p:cNvPr>
+          <p:cNvSpPr txBox="1"/>
+          <p:nvPr/>
+        </p:nvSpPr>
+        <p:spPr>
+          <a:xfrm>
+            <a:off x="1860630" y="726975"/>
+            <a:ext cx="4577786" cy="646331"/>
+          </a:xfrm>
+          <a:prstGeom prst="rect">
+            <a:avLst/>
+          </a:prstGeom>
+          <a:noFill/>
+        </p:spPr>
+        <p:txBody>
+          <a:bodyPr wrap="square">
+            <a:spAutoFit/>
+          </a:bodyPr>
+          <a:lstStyle/>
+          <a:p>
+            <a:r>
+              <a:rPr lang="el-GR" sz="1800" dirty="0"/>
+              <a:t>Η τεχνολογία στις παγκόσμιες επιχειρηματικές δραστηριότητες</a:t>
+            </a:r>
+          </a:p>
+        </p:txBody>
+      </p:sp>
+      <p:sp>
+        <p:nvSpPr>
+          <p:cNvPr id="2" name="Content Placeholder 4">
+            <a:extLst>
+              <a:ext uri="{FF2B5EF4-FFF2-40B4-BE49-F238E27FC236}">
+                <a16:creationId xmlns:a16="http://schemas.microsoft.com/office/drawing/2014/main" id="{EB44CC6A-4850-D699-F002-657B446C4539}"/>
+              </a:ext>
+            </a:extLst>
+          </p:cNvPr>
+          <p:cNvSpPr>
+            <a:spLocks noGrp="1"/>
+          </p:cNvSpPr>
+          <p:nvPr>
+            <p:ph idx="1"/>
+          </p:nvPr>
+        </p:nvSpPr>
+        <p:spPr>
+          <a:xfrm>
+            <a:off x="365125" y="1589088"/>
+            <a:ext cx="8229600" cy="4525962"/>
+          </a:xfrm>
+        </p:spPr>
+        <p:txBody>
+          <a:bodyPr/>
+          <a:lstStyle/>
+          <a:p>
+            <a:pPr marL="457200" indent="-457200">
+              <a:spcBef>
+                <a:spcPts val="1400"/>
+              </a:spcBef>
+              <a:buFont typeface="+mj-lt"/>
+              <a:buAutoNum type="arabicPeriod"/>
+            </a:pPr>
+            <a:r>
+              <a:rPr lang="el-GR" sz="2200" dirty="0"/>
+              <a:t>Η τεχνολογία στις παγκόσμιες επιχειρηματικές δραστηριότητες</a:t>
+            </a:r>
+          </a:p>
+          <a:p>
+            <a:pPr marL="457200" indent="-457200">
+              <a:spcBef>
+                <a:spcPts val="1400"/>
+              </a:spcBef>
+              <a:buFont typeface="+mj-lt"/>
+              <a:buAutoNum type="arabicPeriod"/>
+            </a:pPr>
+            <a:r>
+              <a:rPr lang="el-GR" sz="2200" dirty="0"/>
+              <a:t>Οφέλη των αναδυόμενων τεχνολογιών: αποτελεσματικότητα, εξοικονόμηση, διαφάνεια</a:t>
+            </a:r>
+          </a:p>
+          <a:p>
+            <a:pPr marL="457200" indent="-457200">
+              <a:spcBef>
+                <a:spcPts val="1400"/>
+              </a:spcBef>
+              <a:buFont typeface="+mj-lt"/>
+              <a:buAutoNum type="arabicPeriod"/>
+            </a:pPr>
+            <a:r>
+              <a:rPr lang="el-GR" sz="2200" dirty="0"/>
+              <a:t>Προκλήσεις των αναδυόμενων τεχνολογιών: ασφάλεια, ηθική</a:t>
+            </a:r>
+          </a:p>
+          <a:p>
+            <a:pPr marL="457200" indent="-457200">
+              <a:spcBef>
+                <a:spcPts val="1400"/>
+              </a:spcBef>
+              <a:buFont typeface="+mj-lt"/>
+              <a:buAutoNum type="arabicPeriod"/>
+            </a:pPr>
+            <a:r>
+              <a:rPr lang="el-GR" sz="2200" dirty="0"/>
+              <a:t>Παραδείγματα: </a:t>
+            </a:r>
+            <a:r>
+              <a:rPr lang="el-GR" sz="2200" dirty="0" err="1"/>
+              <a:t>Walmart</a:t>
+            </a:r>
+            <a:r>
+              <a:rPr lang="el-GR" sz="2200" dirty="0"/>
+              <a:t>, Accenture</a:t>
+            </a:r>
+          </a:p>
+          <a:p>
+            <a:pPr marL="457200" indent="-457200">
+              <a:spcBef>
+                <a:spcPts val="1400"/>
+              </a:spcBef>
+              <a:buFont typeface="+mj-lt"/>
+              <a:buAutoNum type="arabicPeriod"/>
+            </a:pPr>
+            <a:r>
+              <a:rPr lang="el-GR" sz="2200" dirty="0"/>
+              <a:t>Στρατηγικές για την αξιοποίηση των αναδυόμενων τεχνολογιών: </a:t>
+            </a:r>
+            <a:r>
+              <a:rPr lang="en-US" sz="2200" dirty="0"/>
+              <a:t>Enterprise Architectures</a:t>
+            </a:r>
+          </a:p>
+          <a:p>
+            <a:pPr marL="457200" indent="-457200">
+              <a:spcBef>
+                <a:spcPts val="1400"/>
+              </a:spcBef>
+              <a:buFont typeface="+mj-lt"/>
+              <a:buAutoNum type="arabicPeriod"/>
+            </a:pPr>
+            <a:r>
+              <a:rPr lang="el-GR" sz="2200" dirty="0"/>
+              <a:t>Δυνατότητα μεταμόρφωσης και ανάπτυξης</a:t>
+            </a:r>
+          </a:p>
+          <a:p>
+            <a:pPr marL="457200" indent="-457200">
+              <a:spcBef>
+                <a:spcPts val="1400"/>
+              </a:spcBef>
+              <a:buFont typeface="+mj-lt"/>
+              <a:buAutoNum type="arabicPeriod"/>
+            </a:pPr>
+            <a:r>
+              <a:rPr lang="el-GR" sz="2200" dirty="0"/>
+              <a:t>Σημασία στρατηγικής και υπεύθυνης προσέγγισης.</a:t>
+            </a:r>
+            <a:endParaRPr lang="en-US" sz="2200" dirty="0"/>
+          </a:p>
+        </p:txBody>
+      </p:sp>
+    </p:spTree>
+    <p:extLst>
+      <p:ext uri="{BB962C8B-B14F-4D97-AF65-F5344CB8AC3E}">
+        <p14:creationId xmlns:p14="http://schemas.microsoft.com/office/powerpoint/2010/main" val="2293704623"/>
+      </p:ext>
+    </p:extLst>
+  </p:cSld>
+  <p:clrMapOvr>
+    <a:masterClrMapping/>
+  </p:clrMapOvr>
+</p:sld>
+</file>
+
+<file path=ppt/slides/slide9.xml><?xml version="1.0" encoding="utf-8"?>
 <p:sld xmlns:a="http://schemas.openxmlformats.org/drawingml/2006/main" xmlns:r="http://schemas.openxmlformats.org/officeDocument/2006/relationships" xmlns:p="http://schemas.openxmlformats.org/presentationml/2006/main">
   <p:cSld>
     <p:spTree>
@@ -46327,660 +48033,6 @@
     <p:extLst>
       <p:ext uri="{BB962C8B-B14F-4D97-AF65-F5344CB8AC3E}">
         <p14:creationId xmlns:p14="http://schemas.microsoft.com/office/powerpoint/2010/main" val="902902692"/>
-      </p:ext>
-    </p:extLst>
-  </p:cSld>
-  <p:clrMapOvr>
-    <a:masterClrMapping/>
-  </p:clrMapOvr>
-</p:sld>
-</file>
-
-<file path=ppt/slides/slide7.xml><?xml version="1.0" encoding="utf-8"?>
-<p:sld xmlns:a="http://schemas.openxmlformats.org/drawingml/2006/main" xmlns:r="http://schemas.openxmlformats.org/officeDocument/2006/relationships" xmlns:p="http://schemas.openxmlformats.org/presentationml/2006/main">
-  <p:cSld>
-    <p:spTree>
-      <p:nvGrpSpPr>
-        <p:cNvPr id="1" name=""/>
-        <p:cNvGrpSpPr/>
-        <p:nvPr/>
-      </p:nvGrpSpPr>
-      <p:grpSpPr>
-        <a:xfrm>
-          <a:off x="0" y="0"/>
-          <a:ext cx="0" cy="0"/>
-          <a:chOff x="0" y="0"/>
-          <a:chExt cx="0" cy="0"/>
-        </a:xfrm>
-      </p:grpSpPr>
-      <p:pic>
-        <p:nvPicPr>
-          <p:cNvPr id="2" name="Picture 1">
-            <a:extLst>
-              <a:ext uri="{FF2B5EF4-FFF2-40B4-BE49-F238E27FC236}">
-                <a16:creationId xmlns:a16="http://schemas.microsoft.com/office/drawing/2014/main" id="{4AEA8F00-1837-496B-9BCD-CCC39E78B530}"/>
-              </a:ext>
-            </a:extLst>
-          </p:cNvPr>
-          <p:cNvPicPr>
-            <a:picLocks noChangeAspect="1"/>
-          </p:cNvPicPr>
-          <p:nvPr/>
-        </p:nvPicPr>
-        <p:blipFill>
-          <a:blip r:embed="rId3">
-            <a:extLst>
-              <a:ext uri="{28A0092B-C50C-407E-A947-70E740481C1C}">
-                <a14:useLocalDpi xmlns:a14="http://schemas.microsoft.com/office/drawing/2010/main" val="0"/>
-              </a:ext>
-            </a:extLst>
-          </a:blip>
-          <a:srcRect/>
-          <a:stretch>
-            <a:fillRect/>
-          </a:stretch>
-        </p:blipFill>
-        <p:spPr bwMode="auto">
-          <a:xfrm>
-            <a:off x="1184564" y="0"/>
-            <a:ext cx="5943600" cy="7163435"/>
-          </a:xfrm>
-          <a:prstGeom prst="rect">
-            <a:avLst/>
-          </a:prstGeom>
-          <a:noFill/>
-          <a:ln>
-            <a:noFill/>
-          </a:ln>
-        </p:spPr>
-      </p:pic>
-      <p:sp>
-        <p:nvSpPr>
-          <p:cNvPr id="3" name="TextBox 2">
-            <a:extLst>
-              <a:ext uri="{FF2B5EF4-FFF2-40B4-BE49-F238E27FC236}">
-                <a16:creationId xmlns:a16="http://schemas.microsoft.com/office/drawing/2014/main" id="{143EC7F4-CAF6-4509-B241-C7F0A3309E65}"/>
-              </a:ext>
-            </a:extLst>
-          </p:cNvPr>
-          <p:cNvSpPr txBox="1"/>
-          <p:nvPr/>
-        </p:nvSpPr>
-        <p:spPr>
-          <a:xfrm>
-            <a:off x="1507710" y="6350123"/>
-            <a:ext cx="2993127" cy="400110"/>
-          </a:xfrm>
-          <a:prstGeom prst="rect">
-            <a:avLst/>
-          </a:prstGeom>
-          <a:noFill/>
-        </p:spPr>
-        <p:txBody>
-          <a:bodyPr wrap="none" rtlCol="0">
-            <a:spAutoFit/>
-          </a:bodyPr>
-          <a:lstStyle/>
-          <a:p>
-            <a:r>
-              <a:rPr lang="en-US" sz="2000" dirty="0">
-                <a:latin typeface="Arial" panose="020B0604020202020204" pitchFamily="34" charset="0"/>
-                <a:cs typeface="Arial" panose="020B0604020202020204" pitchFamily="34" charset="0"/>
-              </a:rPr>
-              <a:t>Business Process model</a:t>
-            </a:r>
-          </a:p>
-        </p:txBody>
-      </p:sp>
-    </p:spTree>
-    <p:extLst>
-      <p:ext uri="{BB962C8B-B14F-4D97-AF65-F5344CB8AC3E}">
-        <p14:creationId xmlns:p14="http://schemas.microsoft.com/office/powerpoint/2010/main" val="3944297630"/>
-      </p:ext>
-    </p:extLst>
-  </p:cSld>
-  <p:clrMapOvr>
-    <a:masterClrMapping/>
-  </p:clrMapOvr>
-</p:sld>
-</file>
-
-<file path=ppt/slides/slide8.xml><?xml version="1.0" encoding="utf-8"?>
-<p:sld xmlns:a="http://schemas.openxmlformats.org/drawingml/2006/main" xmlns:r="http://schemas.openxmlformats.org/officeDocument/2006/relationships" xmlns:p="http://schemas.openxmlformats.org/presentationml/2006/main">
-  <p:cSld>
-    <p:spTree>
-      <p:nvGrpSpPr>
-        <p:cNvPr id="1" name=""/>
-        <p:cNvGrpSpPr/>
-        <p:nvPr/>
-      </p:nvGrpSpPr>
-      <p:grpSpPr>
-        <a:xfrm>
-          <a:off x="0" y="0"/>
-          <a:ext cx="0" cy="0"/>
-          <a:chOff x="0" y="0"/>
-          <a:chExt cx="0" cy="0"/>
-        </a:xfrm>
-      </p:grpSpPr>
-      <p:sp>
-        <p:nvSpPr>
-          <p:cNvPr id="2" name="TextBox 1">
-            <a:extLst>
-              <a:ext uri="{FF2B5EF4-FFF2-40B4-BE49-F238E27FC236}">
-                <a16:creationId xmlns:a16="http://schemas.microsoft.com/office/drawing/2014/main" id="{ECEA71D4-1FBA-473A-8337-B30297766B9A}"/>
-              </a:ext>
-            </a:extLst>
-          </p:cNvPr>
-          <p:cNvSpPr txBox="1"/>
-          <p:nvPr/>
-        </p:nvSpPr>
-        <p:spPr>
-          <a:xfrm>
-            <a:off x="978009" y="1087143"/>
-            <a:ext cx="7187982" cy="5632311"/>
-          </a:xfrm>
-          <a:prstGeom prst="rect">
-            <a:avLst/>
-          </a:prstGeom>
-          <a:noFill/>
-        </p:spPr>
-        <p:txBody>
-          <a:bodyPr wrap="square" rtlCol="0">
-            <a:spAutoFit/>
-          </a:bodyPr>
-          <a:lstStyle/>
-          <a:p>
-            <a:pPr marL="285750" indent="-285750">
-              <a:buFont typeface="Arial" panose="020B0604020202020204" pitchFamily="34" charset="0"/>
-              <a:buChar char="•"/>
-            </a:pPr>
-            <a:r>
-              <a:rPr lang="en-US" sz="2400" dirty="0">
-                <a:latin typeface="Arial" panose="020B0604020202020204" pitchFamily="34" charset="0"/>
-                <a:cs typeface="Arial" panose="020B0604020202020204" pitchFamily="34" charset="0"/>
-              </a:rPr>
-              <a:t>Survival horror genre experience T/FPP</a:t>
-            </a:r>
-          </a:p>
-          <a:p>
-            <a:pPr marL="285750" indent="-285750">
-              <a:buFont typeface="Arial" panose="020B0604020202020204" pitchFamily="34" charset="0"/>
-              <a:buChar char="•"/>
-            </a:pPr>
-            <a:r>
-              <a:rPr lang="en-US" sz="2400" dirty="0">
-                <a:latin typeface="Arial" panose="020B0604020202020204" pitchFamily="34" charset="0"/>
-                <a:cs typeface="Arial" panose="020B0604020202020204" pitchFamily="34" charset="0"/>
-              </a:rPr>
-              <a:t>Actor in-place Animations / Locomotion’s</a:t>
-            </a:r>
-          </a:p>
-          <a:p>
-            <a:pPr marL="285750" indent="-285750">
-              <a:buFont typeface="Arial" panose="020B0604020202020204" pitchFamily="34" charset="0"/>
-              <a:buChar char="•"/>
-            </a:pPr>
-            <a:r>
-              <a:rPr lang="en-US" sz="2400" dirty="0">
-                <a:latin typeface="Arial" panose="020B0604020202020204" pitchFamily="34" charset="0"/>
-                <a:cs typeface="Arial" panose="020B0604020202020204" pitchFamily="34" charset="0"/>
-              </a:rPr>
-              <a:t>Character Mannequin / Body appearance</a:t>
-            </a:r>
-          </a:p>
-          <a:p>
-            <a:pPr marL="285750" indent="-285750">
-              <a:buFont typeface="Arial" panose="020B0604020202020204" pitchFamily="34" charset="0"/>
-              <a:buChar char="•"/>
-            </a:pPr>
-            <a:r>
-              <a:rPr lang="en-US" sz="2400" dirty="0">
-                <a:latin typeface="Arial" panose="020B0604020202020204" pitchFamily="34" charset="0"/>
-                <a:cs typeface="Arial" panose="020B0604020202020204" pitchFamily="34" charset="0"/>
-              </a:rPr>
-              <a:t>Survival Gear for a ghost hunt</a:t>
-            </a:r>
-          </a:p>
-          <a:p>
-            <a:pPr marL="285750" indent="-285750">
-              <a:buFont typeface="Arial" panose="020B0604020202020204" pitchFamily="34" charset="0"/>
-              <a:buChar char="•"/>
-            </a:pPr>
-            <a:r>
-              <a:rPr lang="en-US" sz="2400" dirty="0">
-                <a:latin typeface="Arial" panose="020B0604020202020204" pitchFamily="34" charset="0"/>
-                <a:cs typeface="Arial" panose="020B0604020202020204" pitchFamily="34" charset="0"/>
-              </a:rPr>
-              <a:t>Diary – Quest/events System</a:t>
-            </a:r>
-          </a:p>
-          <a:p>
-            <a:pPr marL="285750" indent="-285750">
-              <a:buFont typeface="Arial" panose="020B0604020202020204" pitchFamily="34" charset="0"/>
-              <a:buChar char="•"/>
-            </a:pPr>
-            <a:r>
-              <a:rPr lang="en-US" sz="2400" dirty="0">
-                <a:latin typeface="Arial" panose="020B0604020202020204" pitchFamily="34" charset="0"/>
-                <a:cs typeface="Arial" panose="020B0604020202020204" pitchFamily="34" charset="0"/>
-              </a:rPr>
-              <a:t>Inventory</a:t>
-            </a:r>
-          </a:p>
-          <a:p>
-            <a:pPr marL="285750" indent="-285750">
-              <a:buFont typeface="Arial" panose="020B0604020202020204" pitchFamily="34" charset="0"/>
-              <a:buChar char="•"/>
-            </a:pPr>
-            <a:r>
-              <a:rPr lang="en-US" sz="2400" dirty="0">
-                <a:latin typeface="Arial" panose="020B0604020202020204" pitchFamily="34" charset="0"/>
-                <a:cs typeface="Arial" panose="020B0604020202020204" pitchFamily="34" charset="0"/>
-              </a:rPr>
-              <a:t>Save System</a:t>
-            </a:r>
-          </a:p>
-          <a:p>
-            <a:pPr marL="285750" indent="-285750">
-              <a:buFont typeface="Arial" panose="020B0604020202020204" pitchFamily="34" charset="0"/>
-              <a:buChar char="•"/>
-            </a:pPr>
-            <a:r>
-              <a:rPr lang="en-US" sz="2400" dirty="0">
-                <a:latin typeface="Arial" panose="020B0604020202020204" pitchFamily="34" charset="0"/>
-                <a:cs typeface="Arial" panose="020B0604020202020204" pitchFamily="34" charset="0"/>
-              </a:rPr>
-              <a:t>Inspection System</a:t>
-            </a:r>
-          </a:p>
-          <a:p>
-            <a:pPr marL="285750" indent="-285750">
-              <a:buFont typeface="Arial" panose="020B0604020202020204" pitchFamily="34" charset="0"/>
-              <a:buChar char="•"/>
-            </a:pPr>
-            <a:r>
-              <a:rPr lang="en-US" sz="2400" dirty="0">
-                <a:latin typeface="Arial" panose="020B0604020202020204" pitchFamily="34" charset="0"/>
-                <a:cs typeface="Arial" panose="020B0604020202020204" pitchFamily="34" charset="0"/>
-              </a:rPr>
-              <a:t>Footstep Sound System</a:t>
-            </a:r>
-          </a:p>
-          <a:p>
-            <a:pPr marL="285750" indent="-285750">
-              <a:buFont typeface="Arial" panose="020B0604020202020204" pitchFamily="34" charset="0"/>
-              <a:buChar char="•"/>
-            </a:pPr>
-            <a:r>
-              <a:rPr lang="en-US" sz="2400" dirty="0">
-                <a:latin typeface="Arial" panose="020B0604020202020204" pitchFamily="34" charset="0"/>
-                <a:cs typeface="Arial" panose="020B0604020202020204" pitchFamily="34" charset="0"/>
-              </a:rPr>
-              <a:t>NPC hunt mode</a:t>
-            </a:r>
-          </a:p>
-          <a:p>
-            <a:pPr marL="285750" indent="-285750">
-              <a:buFont typeface="Arial" panose="020B0604020202020204" pitchFamily="34" charset="0"/>
-              <a:buChar char="•"/>
-            </a:pPr>
-            <a:r>
-              <a:rPr lang="en-US" sz="2400" dirty="0">
-                <a:latin typeface="Arial" panose="020B0604020202020204" pitchFamily="34" charset="0"/>
-                <a:cs typeface="Arial" panose="020B0604020202020204" pitchFamily="34" charset="0"/>
-              </a:rPr>
-              <a:t>Network Replicated / Multiplayer Ready</a:t>
-            </a:r>
-            <a:endParaRPr lang="el-GR" sz="2400" dirty="0">
-              <a:latin typeface="Arial" panose="020B0604020202020204" pitchFamily="34" charset="0"/>
-              <a:cs typeface="Arial" panose="020B0604020202020204" pitchFamily="34" charset="0"/>
-            </a:endParaRPr>
-          </a:p>
-          <a:p>
-            <a:pPr marL="285750" indent="-285750">
-              <a:buFont typeface="Arial" panose="020B0604020202020204" pitchFamily="34" charset="0"/>
-              <a:buChar char="•"/>
-            </a:pPr>
-            <a:r>
-              <a:rPr lang="en-US" sz="2400" dirty="0">
-                <a:latin typeface="Arial" panose="020B0604020202020204" pitchFamily="34" charset="0"/>
-                <a:cs typeface="Arial" panose="020B0604020202020204" pitchFamily="34" charset="0"/>
-              </a:rPr>
-              <a:t>VoIP</a:t>
-            </a:r>
-          </a:p>
-          <a:p>
-            <a:pPr marL="285750" indent="-285750">
-              <a:buFont typeface="Arial" panose="020B0604020202020204" pitchFamily="34" charset="0"/>
-              <a:buChar char="•"/>
-            </a:pPr>
-            <a:r>
-              <a:rPr lang="en-US" sz="2400" dirty="0">
-                <a:latin typeface="Arial" panose="020B0604020202020204" pitchFamily="34" charset="0"/>
-                <a:cs typeface="Arial" panose="020B0604020202020204" pitchFamily="34" charset="0"/>
-              </a:rPr>
-              <a:t>3D Sounds and attenuations</a:t>
-            </a:r>
-          </a:p>
-          <a:p>
-            <a:pPr marL="285750" indent="-285750">
-              <a:buFont typeface="Arial" panose="020B0604020202020204" pitchFamily="34" charset="0"/>
-              <a:buChar char="•"/>
-            </a:pPr>
-            <a:r>
-              <a:rPr lang="en-US" sz="2400" dirty="0">
-                <a:latin typeface="Arial" panose="020B0604020202020204" pitchFamily="34" charset="0"/>
-                <a:cs typeface="Arial" panose="020B0604020202020204" pitchFamily="34" charset="0"/>
-              </a:rPr>
-              <a:t>Any many much more ..</a:t>
-            </a:r>
-          </a:p>
-          <a:p>
-            <a:pPr marL="285750" indent="-285750">
-              <a:buFont typeface="Arial" panose="020B0604020202020204" pitchFamily="34" charset="0"/>
-              <a:buChar char="•"/>
-            </a:pPr>
-            <a:endParaRPr lang="en-US" sz="2400" dirty="0">
-              <a:latin typeface="Arial" panose="020B0604020202020204" pitchFamily="34" charset="0"/>
-              <a:cs typeface="Arial" panose="020B0604020202020204" pitchFamily="34" charset="0"/>
-            </a:endParaRPr>
-          </a:p>
-        </p:txBody>
-      </p:sp>
-      <p:sp>
-        <p:nvSpPr>
-          <p:cNvPr id="3" name="Title 1">
-            <a:extLst>
-              <a:ext uri="{FF2B5EF4-FFF2-40B4-BE49-F238E27FC236}">
-                <a16:creationId xmlns:a16="http://schemas.microsoft.com/office/drawing/2014/main" id="{F91B5DA2-9F84-4357-986E-ECDEFC9DF9D7}"/>
-              </a:ext>
-            </a:extLst>
-          </p:cNvPr>
-          <p:cNvSpPr txBox="1">
-            <a:spLocks/>
-          </p:cNvSpPr>
-          <p:nvPr/>
-        </p:nvSpPr>
-        <p:spPr>
-          <a:xfrm>
-            <a:off x="-401782" y="320633"/>
-            <a:ext cx="8229600" cy="1143000"/>
-          </a:xfrm>
-          <a:prstGeom prst="rect">
-            <a:avLst/>
-          </a:prstGeom>
-        </p:spPr>
-        <p:txBody>
-          <a:bodyPr/>
-          <a:lstStyle>
-            <a:lvl1pPr algn="ctr" defTabSz="914400" rtl="0" eaLnBrk="1" latinLnBrk="0" hangingPunct="1">
-              <a:spcBef>
-                <a:spcPct val="0"/>
-              </a:spcBef>
-              <a:buNone/>
-              <a:defRPr sz="4400" kern="1200">
-                <a:solidFill>
-                  <a:schemeClr val="tx1"/>
-                </a:solidFill>
-                <a:latin typeface="+mj-lt"/>
-                <a:ea typeface="+mj-ea"/>
-                <a:cs typeface="+mj-cs"/>
-              </a:defRPr>
-            </a:lvl1pPr>
-          </a:lstStyle>
-          <a:p>
-            <a:r>
-              <a:rPr lang="el-GR" b="1" dirty="0">
-                <a:latin typeface="Arial" panose="020B0604020202020204" pitchFamily="34" charset="0"/>
-                <a:cs typeface="Arial" panose="020B0604020202020204" pitchFamily="34" charset="0"/>
-              </a:rPr>
-              <a:t>Χαρακτηρίστηκα</a:t>
-            </a:r>
-            <a:endParaRPr lang="en-US" dirty="0"/>
-          </a:p>
-        </p:txBody>
-      </p:sp>
-    </p:spTree>
-    <p:extLst>
-      <p:ext uri="{BB962C8B-B14F-4D97-AF65-F5344CB8AC3E}">
-        <p14:creationId xmlns:p14="http://schemas.microsoft.com/office/powerpoint/2010/main" val="1047825672"/>
-      </p:ext>
-    </p:extLst>
-  </p:cSld>
-  <p:clrMapOvr>
-    <a:masterClrMapping/>
-  </p:clrMapOvr>
-</p:sld>
-</file>
-
-<file path=ppt/slides/slide9.xml><?xml version="1.0" encoding="utf-8"?>
-<p:sld xmlns:a="http://schemas.openxmlformats.org/drawingml/2006/main" xmlns:r="http://schemas.openxmlformats.org/officeDocument/2006/relationships" xmlns:p="http://schemas.openxmlformats.org/presentationml/2006/main">
-  <p:cSld>
-    <p:spTree>
-      <p:nvGrpSpPr>
-        <p:cNvPr id="1" name=""/>
-        <p:cNvGrpSpPr/>
-        <p:nvPr/>
-      </p:nvGrpSpPr>
-      <p:grpSpPr>
-        <a:xfrm>
-          <a:off x="0" y="0"/>
-          <a:ext cx="0" cy="0"/>
-          <a:chOff x="0" y="0"/>
-          <a:chExt cx="0" cy="0"/>
-        </a:xfrm>
-      </p:grpSpPr>
-      <p:sp>
-        <p:nvSpPr>
-          <p:cNvPr id="2" name="Title 1">
-            <a:extLst>
-              <a:ext uri="{FF2B5EF4-FFF2-40B4-BE49-F238E27FC236}">
-                <a16:creationId xmlns:a16="http://schemas.microsoft.com/office/drawing/2014/main" id="{F6E617A2-0BB8-4322-B8BD-33F4D04A1DD2}"/>
-              </a:ext>
-            </a:extLst>
-          </p:cNvPr>
-          <p:cNvSpPr>
-            <a:spLocks noGrp="1"/>
-          </p:cNvSpPr>
-          <p:nvPr>
-            <p:ph type="title"/>
-          </p:nvPr>
-        </p:nvSpPr>
-        <p:spPr>
-          <a:xfrm>
-            <a:off x="457200" y="274637"/>
-            <a:ext cx="8229600" cy="1514405"/>
-          </a:xfrm>
-        </p:spPr>
-        <p:txBody>
-          <a:bodyPr/>
-          <a:lstStyle/>
-          <a:p>
-            <a:pPr algn="l"/>
-            <a:r>
-              <a:rPr lang="en-US" b="1" dirty="0">
-                <a:latin typeface="Arial" panose="020B0604020202020204" pitchFamily="34" charset="0"/>
-                <a:cs typeface="Arial" panose="020B0604020202020204" pitchFamily="34" charset="0"/>
-              </a:rPr>
-              <a:t>Gameplay mechanics – </a:t>
-            </a:r>
-            <a:br>
-              <a:rPr lang="en-US" b="1" dirty="0">
-                <a:latin typeface="Arial" panose="020B0604020202020204" pitchFamily="34" charset="0"/>
-                <a:cs typeface="Arial" panose="020B0604020202020204" pitchFamily="34" charset="0"/>
-              </a:rPr>
-            </a:br>
-            <a:r>
-              <a:rPr lang="en-US" b="1" dirty="0">
-                <a:latin typeface="Arial" panose="020B0604020202020204" pitchFamily="34" charset="0"/>
-                <a:cs typeface="Arial" panose="020B0604020202020204" pitchFamily="34" charset="0"/>
-              </a:rPr>
-              <a:t>technical Videos</a:t>
-            </a:r>
-          </a:p>
-        </p:txBody>
-      </p:sp>
-      <p:sp>
-        <p:nvSpPr>
-          <p:cNvPr id="5" name="TextBox 4">
-            <a:extLst>
-              <a:ext uri="{FF2B5EF4-FFF2-40B4-BE49-F238E27FC236}">
-                <a16:creationId xmlns:a16="http://schemas.microsoft.com/office/drawing/2014/main" id="{04869D41-4461-45E5-A14D-E3B4913FC575}"/>
-              </a:ext>
-            </a:extLst>
-          </p:cNvPr>
-          <p:cNvSpPr txBox="1"/>
-          <p:nvPr/>
-        </p:nvSpPr>
-        <p:spPr>
-          <a:xfrm>
-            <a:off x="0" y="1981907"/>
-            <a:ext cx="8844625" cy="3046988"/>
-          </a:xfrm>
-          <a:prstGeom prst="rect">
-            <a:avLst/>
-          </a:prstGeom>
-          <a:noFill/>
-        </p:spPr>
-        <p:txBody>
-          <a:bodyPr wrap="square" rtlCol="0">
-            <a:spAutoFit/>
-          </a:bodyPr>
-          <a:lstStyle/>
-          <a:p>
-            <a:pPr marL="342900" indent="-342900">
-              <a:buFont typeface="Arial" panose="020B0604020202020204" pitchFamily="34" charset="0"/>
-              <a:buChar char="•"/>
-            </a:pPr>
-            <a:r>
-              <a:rPr lang="en-US" sz="2400" b="0" i="0" dirty="0">
-                <a:solidFill>
-                  <a:srgbClr val="FFFFFF"/>
-                </a:solidFill>
-                <a:effectLst/>
-                <a:latin typeface="Arial" panose="020B0604020202020204" pitchFamily="34" charset="0"/>
-                <a:cs typeface="Arial" panose="020B0604020202020204" pitchFamily="34" charset="0"/>
-                <a:hlinkClick r:id="rId3"/>
-              </a:rPr>
-              <a:t>Unreal Engine VoIP Voice Chat System for Multiplayer #2 Technical Explanation Overview</a:t>
-            </a:r>
-            <a:endParaRPr lang="en-US" sz="2400" b="0" i="0" dirty="0">
-              <a:solidFill>
-                <a:srgbClr val="FFFFFF"/>
-              </a:solidFill>
-              <a:effectLst/>
-              <a:latin typeface="Arial" panose="020B0604020202020204" pitchFamily="34" charset="0"/>
-              <a:cs typeface="Arial" panose="020B0604020202020204" pitchFamily="34" charset="0"/>
-            </a:endParaRPr>
-          </a:p>
-          <a:p>
-            <a:pPr marL="342900" indent="-342900">
-              <a:buFont typeface="Arial" panose="020B0604020202020204" pitchFamily="34" charset="0"/>
-              <a:buChar char="•"/>
-            </a:pPr>
-            <a:endParaRPr lang="en-US" sz="2400" b="0" i="0" dirty="0">
-              <a:solidFill>
-                <a:srgbClr val="FFFFFF"/>
-              </a:solidFill>
-              <a:effectLst/>
-              <a:latin typeface="Arial" panose="020B0604020202020204" pitchFamily="34" charset="0"/>
-              <a:cs typeface="Arial" panose="020B0604020202020204" pitchFamily="34" charset="0"/>
-            </a:endParaRPr>
-          </a:p>
-          <a:p>
-            <a:pPr marL="342900" indent="-342900">
-              <a:buFont typeface="Arial" panose="020B0604020202020204" pitchFamily="34" charset="0"/>
-              <a:buChar char="•"/>
-            </a:pPr>
-            <a:r>
-              <a:rPr lang="en-US" sz="2400" b="0" i="0" dirty="0">
-                <a:solidFill>
-                  <a:srgbClr val="FFFFFF"/>
-                </a:solidFill>
-                <a:effectLst/>
-                <a:latin typeface="Arial" panose="020B0604020202020204" pitchFamily="34" charset="0"/>
-                <a:cs typeface="Arial" panose="020B0604020202020204" pitchFamily="34" charset="0"/>
-                <a:hlinkClick r:id="rId4"/>
-              </a:rPr>
-              <a:t>Unreal Engine VoIP Voice Chat System for Multiplayer #3 Blueprints: How it works?</a:t>
-            </a:r>
-            <a:endParaRPr lang="en-US" sz="2400" b="0" i="0" dirty="0">
-              <a:solidFill>
-                <a:srgbClr val="FFFFFF"/>
-              </a:solidFill>
-              <a:effectLst/>
-              <a:latin typeface="Arial" panose="020B0604020202020204" pitchFamily="34" charset="0"/>
-              <a:cs typeface="Arial" panose="020B0604020202020204" pitchFamily="34" charset="0"/>
-            </a:endParaRPr>
-          </a:p>
-          <a:p>
-            <a:pPr marL="342900" indent="-342900">
-              <a:buFont typeface="Arial" panose="020B0604020202020204" pitchFamily="34" charset="0"/>
-              <a:buChar char="•"/>
-            </a:pPr>
-            <a:endParaRPr lang="en-US" sz="2400" b="0" i="0" dirty="0">
-              <a:solidFill>
-                <a:srgbClr val="FFFFFF"/>
-              </a:solidFill>
-              <a:effectLst/>
-              <a:latin typeface="Arial" panose="020B0604020202020204" pitchFamily="34" charset="0"/>
-              <a:cs typeface="Arial" panose="020B0604020202020204" pitchFamily="34" charset="0"/>
-            </a:endParaRPr>
-          </a:p>
-          <a:p>
-            <a:pPr marL="342900" indent="-342900">
-              <a:buFont typeface="Arial" panose="020B0604020202020204" pitchFamily="34" charset="0"/>
-              <a:buChar char="•"/>
-            </a:pPr>
-            <a:r>
-              <a:rPr lang="en-US" sz="2400" b="0" i="0" dirty="0">
-                <a:solidFill>
-                  <a:srgbClr val="FFFFFF"/>
-                </a:solidFill>
-                <a:effectLst/>
-                <a:latin typeface="Arial" panose="020B0604020202020204" pitchFamily="34" charset="0"/>
-                <a:cs typeface="Arial" panose="020B0604020202020204" pitchFamily="34" charset="0"/>
-                <a:hlinkClick r:id="rId5"/>
-              </a:rPr>
-              <a:t>Gameplay Mechanics Technical Overview (alpha stage)</a:t>
-            </a:r>
-            <a:endParaRPr lang="en-US" sz="2400" b="0" i="0" dirty="0">
-              <a:solidFill>
-                <a:srgbClr val="FFFFFF"/>
-              </a:solidFill>
-              <a:effectLst/>
-              <a:latin typeface="Arial" panose="020B0604020202020204" pitchFamily="34" charset="0"/>
-              <a:cs typeface="Arial" panose="020B0604020202020204" pitchFamily="34" charset="0"/>
-            </a:endParaRPr>
-          </a:p>
-          <a:p>
-            <a:pPr marL="342900" indent="-342900">
-              <a:buFont typeface="Arial" panose="020B0604020202020204" pitchFamily="34" charset="0"/>
-              <a:buChar char="•"/>
-            </a:pPr>
-            <a:r>
-              <a:rPr lang="en-US" sz="2400" b="0" i="0" dirty="0">
-                <a:solidFill>
-                  <a:srgbClr val="FFFFFF"/>
-                </a:solidFill>
-                <a:effectLst/>
-                <a:latin typeface="Arial" panose="020B0604020202020204" pitchFamily="34" charset="0"/>
-                <a:cs typeface="Arial" panose="020B0604020202020204" pitchFamily="34" charset="0"/>
-                <a:hlinkClick r:id="rId6"/>
-              </a:rPr>
-              <a:t>Unreal Engine 5 (UE5) Horror Industrial Footage</a:t>
-            </a:r>
-            <a:endParaRPr lang="en-US" sz="2400" dirty="0">
-              <a:latin typeface="Arial" panose="020B0604020202020204" pitchFamily="34" charset="0"/>
-              <a:cs typeface="Arial" panose="020B0604020202020204" pitchFamily="34" charset="0"/>
-            </a:endParaRPr>
-          </a:p>
-        </p:txBody>
-      </p:sp>
-    </p:spTree>
-    <p:extLst>
-      <p:ext uri="{BB962C8B-B14F-4D97-AF65-F5344CB8AC3E}">
-        <p14:creationId xmlns:p14="http://schemas.microsoft.com/office/powerpoint/2010/main" val="977754611"/>
       </p:ext>
     </p:extLst>
   </p:cSld>

--- a/Spiritual Wellbeing IV Professional Development and Applied Research/Μητροπολιτικό Κολλέγιο_ΣΕΚΦ[Μιχαηλ Μαρκου] IT in Global Business.pptx
+++ b/Spiritual Wellbeing IV Professional Development and Applied Research/Μητροπολιτικό Κολλέγιο_ΣΕΚΦ[Μιχαηλ Μαρκου] IT in Global Business.pptx
@@ -24635,6 +24635,157 @@
               <a:rPr lang="el-GR" sz="1200" dirty="0"/>
               <a:t>Επίσης έχουν χρησιμοποιήσει αλγόριθμους μηχανικής μάθησης για να αναλύσουν τα δεδομένα των εργαζομένων και να εξατομικεύσουν συστάσεις για εκπαίδευση και εξέλιξη σταδιοδρομίας.</a:t>
             </a:r>
+          </a:p>
+          <a:p>
+            <a:endParaRPr lang="el-GR" sz="1200" dirty="0"/>
+          </a:p>
+          <a:p>
+            <a:r>
+              <a:rPr lang="el-GR" sz="1200" dirty="0"/>
+              <a:t>4!=5 </a:t>
+            </a:r>
+            <a:r>
+              <a:rPr lang="el-GR" sz="1200" dirty="0" err="1"/>
+              <a:t>επειδη</a:t>
+            </a:r>
+            <a:r>
+              <a:rPr lang="el-GR" sz="1200" dirty="0"/>
+              <a:t> </a:t>
+            </a:r>
+            <a:r>
+              <a:rPr lang="el-GR" sz="1200" dirty="0" err="1"/>
+              <a:t>διαφερουν</a:t>
+            </a:r>
+            <a:r>
+              <a:rPr lang="el-GR" sz="1200" dirty="0"/>
+              <a:t> και είναι ο </a:t>
+            </a:r>
+            <a:r>
+              <a:rPr lang="el-GR" sz="1200" dirty="0" err="1"/>
+              <a:t>λεγομενος</a:t>
+            </a:r>
+            <a:r>
+              <a:rPr lang="el-GR" sz="1200" dirty="0"/>
+              <a:t> </a:t>
+            </a:r>
+            <a:r>
+              <a:rPr lang="el-GR" sz="1200" dirty="0" err="1"/>
+              <a:t>κορεσμος</a:t>
+            </a:r>
+            <a:r>
+              <a:rPr lang="el-GR" sz="1200" dirty="0"/>
+              <a:t> που </a:t>
+            </a:r>
+            <a:r>
+              <a:rPr lang="el-GR" sz="1200" dirty="0" err="1"/>
+              <a:t>θετει</a:t>
+            </a:r>
+            <a:r>
+              <a:rPr lang="el-GR" sz="1200" dirty="0"/>
+              <a:t> σε </a:t>
+            </a:r>
+            <a:r>
+              <a:rPr lang="el-GR" sz="1200" dirty="0" err="1"/>
+              <a:t>μηχανισμους</a:t>
+            </a:r>
+            <a:r>
+              <a:rPr lang="el-GR" sz="1200" dirty="0"/>
+              <a:t> </a:t>
+            </a:r>
+            <a:r>
+              <a:rPr lang="el-GR" sz="1200" dirty="0" err="1"/>
+              <a:t>αμυνας</a:t>
+            </a:r>
+            <a:r>
+              <a:rPr lang="el-GR" sz="1200" dirty="0"/>
+              <a:t> την </a:t>
+            </a:r>
+            <a:r>
+              <a:rPr lang="el-GR" sz="1200" dirty="0" err="1"/>
+              <a:t>ψυχολογια</a:t>
+            </a:r>
+            <a:r>
+              <a:rPr lang="el-GR" sz="1200" dirty="0"/>
+              <a:t> </a:t>
+            </a:r>
+            <a:r>
+              <a:rPr lang="el-GR" sz="1200" dirty="0" err="1"/>
+              <a:t>καποιου</a:t>
+            </a:r>
+            <a:r>
+              <a:rPr lang="el-GR" sz="1200" dirty="0"/>
+              <a:t> και </a:t>
+            </a:r>
+            <a:r>
+              <a:rPr lang="el-GR" sz="1200" dirty="0" err="1"/>
+              <a:t>υπαρχη</a:t>
+            </a:r>
+            <a:r>
+              <a:rPr lang="el-GR" sz="1200" dirty="0"/>
+              <a:t> </a:t>
+            </a:r>
+            <a:r>
+              <a:rPr lang="el-GR" sz="1200" dirty="0" err="1"/>
+              <a:t>πτωση</a:t>
+            </a:r>
+            <a:r>
+              <a:rPr lang="el-GR" sz="1200" dirty="0"/>
+              <a:t> </a:t>
+            </a:r>
+            <a:r>
+              <a:rPr lang="el-GR" sz="1200" dirty="0" err="1"/>
+              <a:t>τοσο</a:t>
+            </a:r>
+            <a:r>
+              <a:rPr lang="el-GR" sz="1200" dirty="0"/>
+              <a:t> στον ιδιο </a:t>
+            </a:r>
+            <a:r>
+              <a:rPr lang="el-GR" sz="1200" dirty="0" err="1"/>
+              <a:t>οσο</a:t>
+            </a:r>
+            <a:r>
+              <a:rPr lang="el-GR" sz="1200" dirty="0"/>
+              <a:t> και στους </a:t>
+            </a:r>
+            <a:r>
+              <a:rPr lang="el-GR" sz="1200" dirty="0" err="1"/>
+              <a:t>γυρο</a:t>
+            </a:r>
+            <a:r>
+              <a:rPr lang="el-GR" sz="1200" dirty="0"/>
+              <a:t> του.</a:t>
+            </a:r>
+            <a:endParaRPr lang="en-US" sz="1200" dirty="0"/>
+          </a:p>
+          <a:p>
+            <a:endParaRPr lang="en-US" sz="1200" dirty="0"/>
+          </a:p>
+          <a:p>
+            <a:r>
+              <a:rPr lang="en-US" sz="1200" dirty="0"/>
+              <a:t>*</a:t>
+            </a:r>
+            <a:r>
+              <a:rPr lang="el-GR" sz="1200" dirty="0" err="1"/>
+              <a:t>εμμεσα</a:t>
+            </a:r>
+            <a:r>
+              <a:rPr lang="el-GR" sz="1200" dirty="0"/>
+              <a:t> == είναι </a:t>
+            </a:r>
+            <a:r>
+              <a:rPr lang="el-GR" sz="1200" dirty="0" err="1"/>
+              <a:t>αργα</a:t>
+            </a:r>
+            <a:r>
+              <a:rPr lang="el-GR" sz="1200" dirty="0"/>
+              <a:t> όταν το </a:t>
+            </a:r>
+            <a:r>
+              <a:rPr lang="el-GR" sz="1200" dirty="0" err="1"/>
+              <a:t>καταλαβεις</a:t>
+            </a:r>
             <a:endParaRPr lang="en-US" dirty="0"/>
           </a:p>
         </p:txBody>
@@ -48686,8 +48837,8 @@
         </p:nvSpPr>
         <p:spPr>
           <a:xfrm>
-            <a:off x="1860630" y="726975"/>
-            <a:ext cx="4577786" cy="646331"/>
+            <a:off x="589384" y="431500"/>
+            <a:ext cx="7593917" cy="1077218"/>
           </a:xfrm>
           <a:prstGeom prst="rect">
             <a:avLst/>
@@ -48701,7 +48852,7 @@
           <a:lstStyle/>
           <a:p>
             <a:r>
-              <a:rPr lang="el-GR" sz="1800" dirty="0"/>
+              <a:rPr lang="el-GR" sz="3200" b="1" dirty="0"/>
               <a:t>Η τεχνολογία στις παγκόσμιες επιχειρηματικές δραστηριότητες</a:t>
             </a:r>
           </a:p>
@@ -48725,116 +48876,83 @@
         </p:nvSpPr>
         <p:spPr>
           <a:xfrm>
-            <a:off x="365125" y="1589088"/>
-            <a:ext cx="8229600" cy="4525962"/>
+            <a:off x="365125" y="1877891"/>
+            <a:ext cx="8229600" cy="4013623"/>
           </a:xfrm>
         </p:spPr>
         <p:txBody>
           <a:bodyPr/>
           <a:lstStyle/>
           <a:p>
-            <a:pPr marL="457200" indent="-457200">
+            <a:pPr>
               <a:spcBef>
                 <a:spcPts val="1400"/>
               </a:spcBef>
-              <a:buFont typeface="+mj-lt"/>
-              <a:buAutoNum type="arabicPeriod"/>
             </a:pPr>
             <a:r>
-              <a:rPr lang="el-GR" sz="2200" dirty="0"/>
-              <a:t>Η τεχνολογία στις παγκόσμιες επιχειρηματικές δραστηριότητες</a:t>
-            </a:r>
-          </a:p>
-          <a:p>
-            <a:pPr marL="457200" indent="-457200">
+              <a:rPr lang="en-US" sz="2800" dirty="0"/>
+              <a:t>Enterprise Architecture (TOGAF)</a:t>
+            </a:r>
+          </a:p>
+          <a:p>
+            <a:pPr>
               <a:spcBef>
                 <a:spcPts val="1400"/>
               </a:spcBef>
-              <a:buFont typeface="+mj-lt"/>
-              <a:buAutoNum type="arabicPeriod"/>
             </a:pPr>
             <a:r>
-              <a:rPr lang="el-GR" sz="2200" dirty="0"/>
-              <a:t>Οφέλη των αναδυόμενων τεχνολογιών: αποτελεσματικότητα, εξοικονόμηση, διαφάνεια</a:t>
-            </a:r>
-          </a:p>
-          <a:p>
-            <a:pPr marL="457200" indent="-457200">
+              <a:rPr lang="en-US" sz="2800" dirty="0"/>
+              <a:t>Scalable Agile Environments across organization awareness (</a:t>
+            </a:r>
+            <a:r>
+              <a:rPr lang="en-US" sz="2800" dirty="0" err="1"/>
+              <a:t>SAFe</a:t>
+            </a:r>
+            <a:r>
+              <a:rPr lang="en-US" sz="2800" dirty="0"/>
+              <a:t>)</a:t>
+            </a:r>
+          </a:p>
+          <a:p>
+            <a:pPr>
               <a:spcBef>
                 <a:spcPts val="1400"/>
               </a:spcBef>
-              <a:buFont typeface="+mj-lt"/>
-              <a:buAutoNum type="arabicPeriod"/>
             </a:pPr>
             <a:r>
-              <a:rPr lang="el-GR" sz="2200" dirty="0"/>
-              <a:t>Προκλήσεις των αναδυόμενων τεχνολογιών: ασφάλεια, ηθική</a:t>
-            </a:r>
-          </a:p>
-          <a:p>
-            <a:pPr marL="457200" indent="-457200">
+              <a:rPr lang="en-US" sz="2800" dirty="0"/>
+              <a:t>Information Technology management services (ITIL)</a:t>
+            </a:r>
+          </a:p>
+          <a:p>
+            <a:pPr>
               <a:spcBef>
                 <a:spcPts val="1400"/>
               </a:spcBef>
-              <a:buFont typeface="+mj-lt"/>
-              <a:buAutoNum type="arabicPeriod"/>
             </a:pPr>
             <a:r>
-              <a:rPr lang="el-GR" sz="2200" dirty="0"/>
-              <a:t>Παραδείγματα: </a:t>
-            </a:r>
-            <a:r>
-              <a:rPr lang="el-GR" sz="2200" dirty="0" err="1"/>
-              <a:t>Walmart</a:t>
-            </a:r>
-            <a:r>
-              <a:rPr lang="el-GR" sz="2200" dirty="0"/>
-              <a:t>, Accenture</a:t>
-            </a:r>
-          </a:p>
-          <a:p>
-            <a:pPr marL="457200" indent="-457200">
+              <a:rPr lang="en-US" sz="2800" dirty="0"/>
+              <a:t>Decentralized Autonomous Organizations (DAO) &amp; Blockchain</a:t>
+            </a:r>
+          </a:p>
+          <a:p>
+            <a:pPr>
               <a:spcBef>
                 <a:spcPts val="1400"/>
               </a:spcBef>
-              <a:buFont typeface="+mj-lt"/>
-              <a:buAutoNum type="arabicPeriod"/>
             </a:pPr>
             <a:r>
-              <a:rPr lang="el-GR" sz="2200" dirty="0"/>
-              <a:t>Στρατηγικές για την αξιοποίηση των αναδυόμενων τεχνολογιών: </a:t>
-            </a:r>
-            <a:r>
-              <a:rPr lang="en-US" sz="2200" dirty="0"/>
-              <a:t>Enterprise Architectures</a:t>
-            </a:r>
-          </a:p>
-          <a:p>
-            <a:pPr marL="457200" indent="-457200">
+              <a:rPr lang="en-US" sz="2800" dirty="0"/>
+              <a:t>Human Resource Systems with Artificial Intelligence</a:t>
+            </a:r>
+          </a:p>
+          <a:p>
+            <a:pPr>
               <a:spcBef>
                 <a:spcPts val="1400"/>
               </a:spcBef>
-              <a:buFont typeface="+mj-lt"/>
-              <a:buAutoNum type="arabicPeriod"/>
             </a:pPr>
-            <a:r>
-              <a:rPr lang="el-GR" sz="2200" dirty="0"/>
-              <a:t>Δυνατότητα μεταμόρφωσης και ανάπτυξης</a:t>
-            </a:r>
-          </a:p>
-          <a:p>
-            <a:pPr marL="457200" indent="-457200">
-              <a:spcBef>
-                <a:spcPts val="1400"/>
-              </a:spcBef>
-              <a:buFont typeface="+mj-lt"/>
-              <a:buAutoNum type="arabicPeriod"/>
-            </a:pPr>
-            <a:r>
-              <a:rPr lang="el-GR" sz="2200" dirty="0"/>
-              <a:t>Σημασία στρατηγικής και υπεύθυνης προσέγγισης.</a:t>
-            </a:r>
-            <a:endParaRPr lang="en-US" sz="2200" dirty="0"/>
+            <a:endParaRPr lang="en-US" dirty="0"/>
           </a:p>
         </p:txBody>
       </p:sp>
@@ -48882,8 +49000,8 @@
         </p:nvSpPr>
         <p:spPr>
           <a:xfrm>
-            <a:off x="1860630" y="726975"/>
-            <a:ext cx="4577786" cy="646331"/>
+            <a:off x="0" y="369539"/>
+            <a:ext cx="7146845" cy="1077218"/>
           </a:xfrm>
           <a:prstGeom prst="rect">
             <a:avLst/>
@@ -48897,8 +49015,8 @@
           <a:lstStyle/>
           <a:p>
             <a:r>
-              <a:rPr lang="el-GR" sz="1800" dirty="0"/>
-              <a:t>Η τεχνολογία στις παγκόσμιες επιχειρηματικές δραστηριότητες</a:t>
+              <a:rPr lang="el-GR" sz="3200" b="1" dirty="0"/>
+              <a:t>Οφέλη &amp; Προκλήσεις των αναδυόμενων τεχνολογιών</a:t>
             </a:r>
           </a:p>
         </p:txBody>
@@ -48921,13 +49039,30 @@
         </p:nvSpPr>
         <p:spPr>
           <a:xfrm>
-            <a:off x="365125" y="1589088"/>
-            <a:ext cx="8229600" cy="4525962"/>
+            <a:off x="104695" y="1589087"/>
+            <a:ext cx="6093548" cy="4452897"/>
           </a:xfrm>
         </p:spPr>
         <p:txBody>
           <a:bodyPr/>
           <a:lstStyle/>
+          <a:p>
+            <a:pPr marL="0" indent="0">
+              <a:spcBef>
+                <a:spcPts val="1400"/>
+              </a:spcBef>
+              <a:buNone/>
+            </a:pPr>
+            <a:r>
+              <a:rPr lang="el-GR" sz="2200" dirty="0"/>
+              <a:t>Άμεσα</a:t>
+            </a:r>
+            <a:r>
+              <a:rPr lang="en-US" sz="2200" dirty="0"/>
+              <a:t> side-effects</a:t>
+            </a:r>
+            <a:endParaRPr lang="el-GR" sz="2200" dirty="0"/>
+          </a:p>
           <a:p>
             <a:pPr marL="457200" indent="-457200">
               <a:spcBef>
@@ -48938,7 +49073,7 @@
             </a:pPr>
             <a:r>
               <a:rPr lang="el-GR" sz="2200" dirty="0"/>
-              <a:t>Η τεχνολογία στις παγκόσμιες επιχειρηματικές δραστηριότητες</a:t>
+              <a:t>Λήψη επιχειρηματικών αποφάσεων</a:t>
             </a:r>
           </a:p>
           <a:p>
@@ -48951,7 +49086,7 @@
             </a:pPr>
             <a:r>
               <a:rPr lang="el-GR" sz="2200" dirty="0"/>
-              <a:t>Οφέλη των αναδυόμενων τεχνολογιών: αποτελεσματικότητα, εξοικονόμηση, διαφάνεια</a:t>
+              <a:t>Μετριασμός κινδύνων &amp; προκλήσεων</a:t>
             </a:r>
           </a:p>
           <a:p>
@@ -48964,7 +49099,7 @@
             </a:pPr>
             <a:r>
               <a:rPr lang="el-GR" sz="2200" dirty="0"/>
-              <a:t>Προκλήσεις των αναδυόμενων τεχνολογιών: ασφάλεια, ηθική</a:t>
+              <a:t>Διαφάνεια λειτουργικότητας</a:t>
             </a:r>
           </a:p>
           <a:p>
@@ -48977,16 +49112,9 @@
             </a:pPr>
             <a:r>
               <a:rPr lang="el-GR" sz="2200" dirty="0"/>
-              <a:t>Παραδείγματα: </a:t>
-            </a:r>
-            <a:r>
-              <a:rPr lang="el-GR" sz="2200" dirty="0" err="1"/>
-              <a:t>Walmart</a:t>
-            </a:r>
-            <a:r>
-              <a:rPr lang="el-GR" sz="2200" dirty="0"/>
-              <a:t>, Accenture</a:t>
-            </a:r>
+              <a:t>Ικανοποίηση εργαζομένων (4 != 5)</a:t>
+            </a:r>
+            <a:endParaRPr lang="en-US" sz="2200" dirty="0"/>
           </a:p>
           <a:p>
             <a:pPr marL="457200" indent="-457200">
@@ -48998,12 +49126,25 @@
             </a:pPr>
             <a:r>
               <a:rPr lang="el-GR" sz="2200" dirty="0"/>
-              <a:t>Στρατηγικές για την αξιοποίηση των αναδυόμενων τεχνολογιών: </a:t>
+              <a:t>Αύξηση παραγωγικότητας εργαζομένων</a:t>
+            </a:r>
+          </a:p>
+          <a:p>
+            <a:pPr marL="0" indent="0">
+              <a:spcBef>
+                <a:spcPts val="1400"/>
+              </a:spcBef>
+              <a:buNone/>
+            </a:pPr>
+            <a:r>
+              <a:rPr lang="el-GR" sz="2200" dirty="0"/>
+              <a:t>Έμμεσα</a:t>
             </a:r>
             <a:r>
               <a:rPr lang="en-US" sz="2200" dirty="0"/>
-              <a:t>Enterprise Architectures</a:t>
-            </a:r>
+              <a:t> side-effects</a:t>
+            </a:r>
+            <a:endParaRPr lang="el-GR" sz="2200" dirty="0"/>
           </a:p>
           <a:p>
             <a:pPr marL="457200" indent="-457200">
@@ -49014,8 +49155,16 @@
               <a:buAutoNum type="arabicPeriod"/>
             </a:pPr>
             <a:r>
+              <a:rPr lang="el-GR" sz="2200" dirty="0" err="1"/>
+              <a:t>Μεροληψια</a:t>
+            </a:r>
+            <a:r>
               <a:rPr lang="el-GR" sz="2200" dirty="0"/>
-              <a:t>Δυνατότητα μεταμόρφωσης και ανάπτυξης</a:t>
+              <a:t> αποφάσεων </a:t>
+            </a:r>
+            <a:r>
+              <a:rPr lang="en-US" sz="2200" dirty="0"/>
+              <a:t>(biased decisions)</a:t>
             </a:r>
           </a:p>
           <a:p>
@@ -49026,9 +49175,507 @@
               <a:buFont typeface="+mj-lt"/>
               <a:buAutoNum type="arabicPeriod"/>
             </a:pPr>
+            <a:endParaRPr lang="el-GR" sz="2200" dirty="0"/>
+          </a:p>
+          <a:p>
+            <a:pPr marL="0" indent="0">
+              <a:spcBef>
+                <a:spcPts val="1400"/>
+              </a:spcBef>
+              <a:buNone/>
+            </a:pPr>
+            <a:endParaRPr lang="el-GR" sz="2200" dirty="0"/>
+          </a:p>
+          <a:p>
+            <a:pPr marL="457200" indent="-457200">
+              <a:spcBef>
+                <a:spcPts val="1400"/>
+              </a:spcBef>
+              <a:buFont typeface="+mj-lt"/>
+              <a:buAutoNum type="arabicPeriod"/>
+            </a:pPr>
+            <a:endParaRPr lang="en-US" sz="2200" dirty="0"/>
+          </a:p>
+        </p:txBody>
+      </p:sp>
+      <p:cxnSp>
+        <p:nvCxnSpPr>
+          <p:cNvPr id="13" name="Connector: Elbow 12">
+            <a:extLst>
+              <a:ext uri="{FF2B5EF4-FFF2-40B4-BE49-F238E27FC236}">
+                <a16:creationId xmlns:a16="http://schemas.microsoft.com/office/drawing/2014/main" id="{36C448D0-077D-FFBA-3F5C-A592C14EBF1D}"/>
+              </a:ext>
+            </a:extLst>
+          </p:cNvPr>
+          <p:cNvCxnSpPr>
+            <a:cxnSpLocks/>
+          </p:cNvCxnSpPr>
+          <p:nvPr/>
+        </p:nvCxnSpPr>
+        <p:spPr>
+          <a:xfrm rot="10800000">
+            <a:off x="4572000" y="3815540"/>
+            <a:ext cx="775505" cy="594418"/>
+          </a:xfrm>
+          <a:prstGeom prst="bentConnector3">
+            <a:avLst>
+              <a:gd name="adj1" fmla="val -36567"/>
+            </a:avLst>
+          </a:prstGeom>
+          <a:ln>
+            <a:tailEnd type="triangle"/>
+          </a:ln>
+        </p:spPr>
+        <p:style>
+          <a:lnRef idx="1">
+            <a:schemeClr val="accent1"/>
+          </a:lnRef>
+          <a:fillRef idx="0">
+            <a:schemeClr val="accent1"/>
+          </a:fillRef>
+          <a:effectRef idx="0">
+            <a:schemeClr val="accent1"/>
+          </a:effectRef>
+          <a:fontRef idx="minor">
+            <a:schemeClr val="tx1"/>
+          </a:fontRef>
+        </p:style>
+      </p:cxnSp>
+      <p:sp>
+        <p:nvSpPr>
+          <p:cNvPr id="35" name="Content Placeholder 4">
+            <a:extLst>
+              <a:ext uri="{FF2B5EF4-FFF2-40B4-BE49-F238E27FC236}">
+                <a16:creationId xmlns:a16="http://schemas.microsoft.com/office/drawing/2014/main" id="{C6496EFF-8891-2E60-6A01-B443B792F704}"/>
+              </a:ext>
+            </a:extLst>
+          </p:cNvPr>
+          <p:cNvSpPr txBox="1">
+            <a:spLocks/>
+          </p:cNvSpPr>
+          <p:nvPr/>
+        </p:nvSpPr>
+        <p:spPr>
+          <a:xfrm>
+            <a:off x="5868887" y="2040504"/>
+            <a:ext cx="6093548" cy="1975912"/>
+          </a:xfrm>
+          <a:prstGeom prst="rect">
+            <a:avLst/>
+          </a:prstGeom>
+        </p:spPr>
+        <p:txBody>
+          <a:bodyPr/>
+          <a:lstStyle>
+            <a:lvl1pPr marL="342900" indent="-342900" algn="l" defTabSz="914400" rtl="0" eaLnBrk="1" latinLnBrk="0" hangingPunct="1">
+              <a:spcBef>
+                <a:spcPct val="20000"/>
+              </a:spcBef>
+              <a:buFont typeface="Arial" pitchFamily="34" charset="0"/>
+              <a:buChar char="•"/>
+              <a:defRPr sz="3200" kern="1200">
+                <a:solidFill>
+                  <a:schemeClr val="tx1"/>
+                </a:solidFill>
+                <a:latin typeface="+mn-lt"/>
+                <a:ea typeface="+mn-ea"/>
+                <a:cs typeface="+mn-cs"/>
+              </a:defRPr>
+            </a:lvl1pPr>
+            <a:lvl2pPr marL="742950" indent="-285750" algn="l" defTabSz="914400" rtl="0" eaLnBrk="1" latinLnBrk="0" hangingPunct="1">
+              <a:spcBef>
+                <a:spcPct val="20000"/>
+              </a:spcBef>
+              <a:buFont typeface="Arial" pitchFamily="34" charset="0"/>
+              <a:buChar char="–"/>
+              <a:defRPr sz="2800" kern="1200">
+                <a:solidFill>
+                  <a:schemeClr val="tx1"/>
+                </a:solidFill>
+                <a:latin typeface="+mn-lt"/>
+                <a:ea typeface="+mn-ea"/>
+                <a:cs typeface="+mn-cs"/>
+              </a:defRPr>
+            </a:lvl2pPr>
+            <a:lvl3pPr marL="1143000" indent="-228600" algn="l" defTabSz="914400" rtl="0" eaLnBrk="1" latinLnBrk="0" hangingPunct="1">
+              <a:spcBef>
+                <a:spcPct val="20000"/>
+              </a:spcBef>
+              <a:buFont typeface="Arial" pitchFamily="34" charset="0"/>
+              <a:buChar char="•"/>
+              <a:defRPr sz="2400" kern="1200">
+                <a:solidFill>
+                  <a:schemeClr val="tx1"/>
+                </a:solidFill>
+                <a:latin typeface="+mn-lt"/>
+                <a:ea typeface="+mn-ea"/>
+                <a:cs typeface="+mn-cs"/>
+              </a:defRPr>
+            </a:lvl3pPr>
+            <a:lvl4pPr marL="1600200" indent="-228600" algn="l" defTabSz="914400" rtl="0" eaLnBrk="1" latinLnBrk="0" hangingPunct="1">
+              <a:spcBef>
+                <a:spcPct val="20000"/>
+              </a:spcBef>
+              <a:buFont typeface="Arial" pitchFamily="34" charset="0"/>
+              <a:buChar char="–"/>
+              <a:defRPr sz="2000" kern="1200">
+                <a:solidFill>
+                  <a:schemeClr val="tx1"/>
+                </a:solidFill>
+                <a:latin typeface="+mn-lt"/>
+                <a:ea typeface="+mn-ea"/>
+                <a:cs typeface="+mn-cs"/>
+              </a:defRPr>
+            </a:lvl4pPr>
+            <a:lvl5pPr marL="2057400" indent="-228600" algn="l" defTabSz="914400" rtl="0" eaLnBrk="1" latinLnBrk="0" hangingPunct="1">
+              <a:spcBef>
+                <a:spcPct val="20000"/>
+              </a:spcBef>
+              <a:buFont typeface="Arial" pitchFamily="34" charset="0"/>
+              <a:buChar char="»"/>
+              <a:defRPr sz="2000" kern="1200">
+                <a:solidFill>
+                  <a:schemeClr val="tx1"/>
+                </a:solidFill>
+                <a:latin typeface="+mn-lt"/>
+                <a:ea typeface="+mn-ea"/>
+                <a:cs typeface="+mn-cs"/>
+              </a:defRPr>
+            </a:lvl5pPr>
+            <a:lvl6pPr marL="2514600" indent="-228600" algn="l" defTabSz="914400" rtl="0" eaLnBrk="1" latinLnBrk="0" hangingPunct="1">
+              <a:spcBef>
+                <a:spcPct val="20000"/>
+              </a:spcBef>
+              <a:buFont typeface="Arial" pitchFamily="34" charset="0"/>
+              <a:buChar char="•"/>
+              <a:defRPr sz="2000" kern="1200">
+                <a:solidFill>
+                  <a:schemeClr val="tx1"/>
+                </a:solidFill>
+                <a:latin typeface="+mn-lt"/>
+                <a:ea typeface="+mn-ea"/>
+                <a:cs typeface="+mn-cs"/>
+              </a:defRPr>
+            </a:lvl6pPr>
+            <a:lvl7pPr marL="2971800" indent="-228600" algn="l" defTabSz="914400" rtl="0" eaLnBrk="1" latinLnBrk="0" hangingPunct="1">
+              <a:spcBef>
+                <a:spcPct val="20000"/>
+              </a:spcBef>
+              <a:buFont typeface="Arial" pitchFamily="34" charset="0"/>
+              <a:buChar char="•"/>
+              <a:defRPr sz="2000" kern="1200">
+                <a:solidFill>
+                  <a:schemeClr val="tx1"/>
+                </a:solidFill>
+                <a:latin typeface="+mn-lt"/>
+                <a:ea typeface="+mn-ea"/>
+                <a:cs typeface="+mn-cs"/>
+              </a:defRPr>
+            </a:lvl7pPr>
+            <a:lvl8pPr marL="3429000" indent="-228600" algn="l" defTabSz="914400" rtl="0" eaLnBrk="1" latinLnBrk="0" hangingPunct="1">
+              <a:spcBef>
+                <a:spcPct val="20000"/>
+              </a:spcBef>
+              <a:buFont typeface="Arial" pitchFamily="34" charset="0"/>
+              <a:buChar char="•"/>
+              <a:defRPr sz="2000" kern="1200">
+                <a:solidFill>
+                  <a:schemeClr val="tx1"/>
+                </a:solidFill>
+                <a:latin typeface="+mn-lt"/>
+                <a:ea typeface="+mn-ea"/>
+                <a:cs typeface="+mn-cs"/>
+              </a:defRPr>
+            </a:lvl8pPr>
+            <a:lvl9pPr marL="3886200" indent="-228600" algn="l" defTabSz="914400" rtl="0" eaLnBrk="1" latinLnBrk="0" hangingPunct="1">
+              <a:spcBef>
+                <a:spcPct val="20000"/>
+              </a:spcBef>
+              <a:buFont typeface="Arial" pitchFamily="34" charset="0"/>
+              <a:buChar char="•"/>
+              <a:defRPr sz="2000" kern="1200">
+                <a:solidFill>
+                  <a:schemeClr val="tx1"/>
+                </a:solidFill>
+                <a:latin typeface="+mn-lt"/>
+                <a:ea typeface="+mn-ea"/>
+                <a:cs typeface="+mn-cs"/>
+              </a:defRPr>
+            </a:lvl9pPr>
+          </a:lstStyle>
+          <a:p>
+            <a:pPr marL="457200" indent="-457200">
+              <a:spcBef>
+                <a:spcPts val="1400"/>
+              </a:spcBef>
+              <a:buFont typeface="+mj-lt"/>
+              <a:buAutoNum type="arabicPeriod" startAt="5"/>
+            </a:pPr>
             <a:r>
               <a:rPr lang="el-GR" sz="2200" dirty="0"/>
-              <a:t>Σημασία στρατηγικής και υπεύθυνης προσέγγισης.</a:t>
+              <a:t>Κόστος</a:t>
+            </a:r>
+          </a:p>
+          <a:p>
+            <a:pPr marL="457200" indent="-457200">
+              <a:spcBef>
+                <a:spcPts val="1400"/>
+              </a:spcBef>
+              <a:buFont typeface="+mj-lt"/>
+              <a:buAutoNum type="arabicPeriod" startAt="5"/>
+            </a:pPr>
+            <a:r>
+              <a:rPr lang="el-GR" sz="2200" dirty="0"/>
+              <a:t>Ασφάλεια</a:t>
+            </a:r>
+          </a:p>
+          <a:p>
+            <a:pPr marL="457200" indent="-457200">
+              <a:spcBef>
+                <a:spcPts val="1400"/>
+              </a:spcBef>
+              <a:buFont typeface="+mj-lt"/>
+              <a:buAutoNum type="arabicPeriod" startAt="5"/>
+            </a:pPr>
+            <a:r>
+              <a:rPr lang="el-GR" sz="2200" dirty="0"/>
+              <a:t>Ηθική</a:t>
+            </a:r>
+          </a:p>
+          <a:p>
+            <a:pPr marL="457200" indent="-457200">
+              <a:spcBef>
+                <a:spcPts val="1400"/>
+              </a:spcBef>
+              <a:buFont typeface="+mj-lt"/>
+              <a:buAutoNum type="arabicPeriod" startAt="5"/>
+            </a:pPr>
+            <a:r>
+              <a:rPr lang="el-GR" sz="2200" dirty="0"/>
+              <a:t>Κενό δεξιοτήτων</a:t>
+            </a:r>
+          </a:p>
+          <a:p>
+            <a:pPr marL="457200" indent="-457200">
+              <a:spcBef>
+                <a:spcPts val="1400"/>
+              </a:spcBef>
+              <a:buFont typeface="+mj-lt"/>
+              <a:buAutoNum type="arabicPeriod" startAt="5"/>
+            </a:pPr>
+            <a:endParaRPr lang="en-US" sz="2200" dirty="0"/>
+          </a:p>
+        </p:txBody>
+      </p:sp>
+      <p:cxnSp>
+        <p:nvCxnSpPr>
+          <p:cNvPr id="37" name="Straight Connector 36">
+            <a:extLst>
+              <a:ext uri="{FF2B5EF4-FFF2-40B4-BE49-F238E27FC236}">
+                <a16:creationId xmlns:a16="http://schemas.microsoft.com/office/drawing/2014/main" id="{711EBD2E-75FD-31E4-AA2D-22C369029003}"/>
+              </a:ext>
+            </a:extLst>
+          </p:cNvPr>
+          <p:cNvCxnSpPr/>
+          <p:nvPr/>
+        </p:nvCxnSpPr>
+        <p:spPr>
+          <a:xfrm>
+            <a:off x="5764192" y="1446757"/>
+            <a:ext cx="0" cy="4595227"/>
+          </a:xfrm>
+          <a:prstGeom prst="line">
+            <a:avLst/>
+          </a:prstGeom>
+        </p:spPr>
+        <p:style>
+          <a:lnRef idx="1">
+            <a:schemeClr val="accent1"/>
+          </a:lnRef>
+          <a:fillRef idx="0">
+            <a:schemeClr val="accent1"/>
+          </a:fillRef>
+          <a:effectRef idx="0">
+            <a:schemeClr val="accent1"/>
+          </a:effectRef>
+          <a:fontRef idx="minor">
+            <a:schemeClr val="tx1"/>
+          </a:fontRef>
+        </p:style>
+      </p:cxnSp>
+      <p:sp>
+        <p:nvSpPr>
+          <p:cNvPr id="38" name="Content Placeholder 4">
+            <a:extLst>
+              <a:ext uri="{FF2B5EF4-FFF2-40B4-BE49-F238E27FC236}">
+                <a16:creationId xmlns:a16="http://schemas.microsoft.com/office/drawing/2014/main" id="{BE49921E-D281-A370-568B-B9C112F64A41}"/>
+              </a:ext>
+            </a:extLst>
+          </p:cNvPr>
+          <p:cNvSpPr txBox="1">
+            <a:spLocks/>
+          </p:cNvSpPr>
+          <p:nvPr/>
+        </p:nvSpPr>
+        <p:spPr>
+          <a:xfrm>
+            <a:off x="5764192" y="5196358"/>
+            <a:ext cx="3831221" cy="1975912"/>
+          </a:xfrm>
+          <a:prstGeom prst="rect">
+            <a:avLst/>
+          </a:prstGeom>
+        </p:spPr>
+        <p:txBody>
+          <a:bodyPr/>
+          <a:lstStyle>
+            <a:lvl1pPr marL="342900" indent="-342900" algn="l" defTabSz="914400" rtl="0" eaLnBrk="1" latinLnBrk="0" hangingPunct="1">
+              <a:spcBef>
+                <a:spcPct val="20000"/>
+              </a:spcBef>
+              <a:buFont typeface="Arial" pitchFamily="34" charset="0"/>
+              <a:buChar char="•"/>
+              <a:defRPr sz="3200" kern="1200">
+                <a:solidFill>
+                  <a:schemeClr val="tx1"/>
+                </a:solidFill>
+                <a:latin typeface="+mn-lt"/>
+                <a:ea typeface="+mn-ea"/>
+                <a:cs typeface="+mn-cs"/>
+              </a:defRPr>
+            </a:lvl1pPr>
+            <a:lvl2pPr marL="742950" indent="-285750" algn="l" defTabSz="914400" rtl="0" eaLnBrk="1" latinLnBrk="0" hangingPunct="1">
+              <a:spcBef>
+                <a:spcPct val="20000"/>
+              </a:spcBef>
+              <a:buFont typeface="Arial" pitchFamily="34" charset="0"/>
+              <a:buChar char="–"/>
+              <a:defRPr sz="2800" kern="1200">
+                <a:solidFill>
+                  <a:schemeClr val="tx1"/>
+                </a:solidFill>
+                <a:latin typeface="+mn-lt"/>
+                <a:ea typeface="+mn-ea"/>
+                <a:cs typeface="+mn-cs"/>
+              </a:defRPr>
+            </a:lvl2pPr>
+            <a:lvl3pPr marL="1143000" indent="-228600" algn="l" defTabSz="914400" rtl="0" eaLnBrk="1" latinLnBrk="0" hangingPunct="1">
+              <a:spcBef>
+                <a:spcPct val="20000"/>
+              </a:spcBef>
+              <a:buFont typeface="Arial" pitchFamily="34" charset="0"/>
+              <a:buChar char="•"/>
+              <a:defRPr sz="2400" kern="1200">
+                <a:solidFill>
+                  <a:schemeClr val="tx1"/>
+                </a:solidFill>
+                <a:latin typeface="+mn-lt"/>
+                <a:ea typeface="+mn-ea"/>
+                <a:cs typeface="+mn-cs"/>
+              </a:defRPr>
+            </a:lvl3pPr>
+            <a:lvl4pPr marL="1600200" indent="-228600" algn="l" defTabSz="914400" rtl="0" eaLnBrk="1" latinLnBrk="0" hangingPunct="1">
+              <a:spcBef>
+                <a:spcPct val="20000"/>
+              </a:spcBef>
+              <a:buFont typeface="Arial" pitchFamily="34" charset="0"/>
+              <a:buChar char="–"/>
+              <a:defRPr sz="2000" kern="1200">
+                <a:solidFill>
+                  <a:schemeClr val="tx1"/>
+                </a:solidFill>
+                <a:latin typeface="+mn-lt"/>
+                <a:ea typeface="+mn-ea"/>
+                <a:cs typeface="+mn-cs"/>
+              </a:defRPr>
+            </a:lvl4pPr>
+            <a:lvl5pPr marL="2057400" indent="-228600" algn="l" defTabSz="914400" rtl="0" eaLnBrk="1" latinLnBrk="0" hangingPunct="1">
+              <a:spcBef>
+                <a:spcPct val="20000"/>
+              </a:spcBef>
+              <a:buFont typeface="Arial" pitchFamily="34" charset="0"/>
+              <a:buChar char="»"/>
+              <a:defRPr sz="2000" kern="1200">
+                <a:solidFill>
+                  <a:schemeClr val="tx1"/>
+                </a:solidFill>
+                <a:latin typeface="+mn-lt"/>
+                <a:ea typeface="+mn-ea"/>
+                <a:cs typeface="+mn-cs"/>
+              </a:defRPr>
+            </a:lvl5pPr>
+            <a:lvl6pPr marL="2514600" indent="-228600" algn="l" defTabSz="914400" rtl="0" eaLnBrk="1" latinLnBrk="0" hangingPunct="1">
+              <a:spcBef>
+                <a:spcPct val="20000"/>
+              </a:spcBef>
+              <a:buFont typeface="Arial" pitchFamily="34" charset="0"/>
+              <a:buChar char="•"/>
+              <a:defRPr sz="2000" kern="1200">
+                <a:solidFill>
+                  <a:schemeClr val="tx1"/>
+                </a:solidFill>
+                <a:latin typeface="+mn-lt"/>
+                <a:ea typeface="+mn-ea"/>
+                <a:cs typeface="+mn-cs"/>
+              </a:defRPr>
+            </a:lvl6pPr>
+            <a:lvl7pPr marL="2971800" indent="-228600" algn="l" defTabSz="914400" rtl="0" eaLnBrk="1" latinLnBrk="0" hangingPunct="1">
+              <a:spcBef>
+                <a:spcPct val="20000"/>
+              </a:spcBef>
+              <a:buFont typeface="Arial" pitchFamily="34" charset="0"/>
+              <a:buChar char="•"/>
+              <a:defRPr sz="2000" kern="1200">
+                <a:solidFill>
+                  <a:schemeClr val="tx1"/>
+                </a:solidFill>
+                <a:latin typeface="+mn-lt"/>
+                <a:ea typeface="+mn-ea"/>
+                <a:cs typeface="+mn-cs"/>
+              </a:defRPr>
+            </a:lvl7pPr>
+            <a:lvl8pPr marL="3429000" indent="-228600" algn="l" defTabSz="914400" rtl="0" eaLnBrk="1" latinLnBrk="0" hangingPunct="1">
+              <a:spcBef>
+                <a:spcPct val="20000"/>
+              </a:spcBef>
+              <a:buFont typeface="Arial" pitchFamily="34" charset="0"/>
+              <a:buChar char="•"/>
+              <a:defRPr sz="2000" kern="1200">
+                <a:solidFill>
+                  <a:schemeClr val="tx1"/>
+                </a:solidFill>
+                <a:latin typeface="+mn-lt"/>
+                <a:ea typeface="+mn-ea"/>
+                <a:cs typeface="+mn-cs"/>
+              </a:defRPr>
+            </a:lvl8pPr>
+            <a:lvl9pPr marL="3886200" indent="-228600" algn="l" defTabSz="914400" rtl="0" eaLnBrk="1" latinLnBrk="0" hangingPunct="1">
+              <a:spcBef>
+                <a:spcPct val="20000"/>
+              </a:spcBef>
+              <a:buFont typeface="Arial" pitchFamily="34" charset="0"/>
+              <a:buChar char="•"/>
+              <a:defRPr sz="2000" kern="1200">
+                <a:solidFill>
+                  <a:schemeClr val="tx1"/>
+                </a:solidFill>
+                <a:latin typeface="+mn-lt"/>
+                <a:ea typeface="+mn-ea"/>
+                <a:cs typeface="+mn-cs"/>
+              </a:defRPr>
+            </a:lvl9pPr>
+          </a:lstStyle>
+          <a:p>
+            <a:pPr marL="457200" indent="-457200">
+              <a:spcBef>
+                <a:spcPts val="1400"/>
+              </a:spcBef>
+              <a:buFont typeface="+mj-lt"/>
+              <a:buAutoNum type="arabicPeriod" startAt="2"/>
+            </a:pPr>
+            <a:r>
+              <a:rPr lang="el-GR" sz="2200" dirty="0" err="1"/>
+              <a:t>Διαλειτουργικοτητα</a:t>
             </a:r>
             <a:endParaRPr lang="en-US" sz="2200" dirty="0"/>
           </a:p>
@@ -49078,8 +49725,8 @@
         </p:nvSpPr>
         <p:spPr>
           <a:xfrm>
-            <a:off x="1860630" y="726975"/>
-            <a:ext cx="4577786" cy="646331"/>
+            <a:off x="494818" y="426033"/>
+            <a:ext cx="6172200" cy="1077218"/>
           </a:xfrm>
           <a:prstGeom prst="rect">
             <a:avLst/>
@@ -49092,9 +49739,14 @@
           </a:bodyPr>
           <a:lstStyle/>
           <a:p>
-            <a:r>
-              <a:rPr lang="el-GR" sz="1800" dirty="0"/>
-              <a:t>Η τεχνολογία στις παγκόσμιες επιχειρηματικές δραστηριότητες</a:t>
+            <a:pPr>
+              <a:spcBef>
+                <a:spcPts val="1400"/>
+              </a:spcBef>
+            </a:pPr>
+            <a:r>
+              <a:rPr lang="el-GR" sz="3200" dirty="0"/>
+              <a:t>Δυνατότητα μεταμόρφωσης και ανάπτυξης</a:t>
             </a:r>
           </a:p>
         </p:txBody>

--- a/Spiritual Wellbeing IV Professional Development and Applied Research/Μητροπολιτικό Κολλέγιο_ΣΕΚΦ[Μιχαηλ Μαρκου] IT in Global Business.pptx
+++ b/Spiritual Wellbeing IV Professional Development and Applied Research/Μητροπολιτικό Κολλέγιο_ΣΕΚΦ[Μιχαηλ Μαρκου] IT in Global Business.pptx
@@ -22,10 +22,10 @@
     <p:sldId id="438" r:id="rId10"/>
     <p:sldId id="439" r:id="rId11"/>
     <p:sldId id="440" r:id="rId12"/>
-    <p:sldId id="441" r:id="rId13"/>
-    <p:sldId id="434" r:id="rId14"/>
-    <p:sldId id="435" r:id="rId15"/>
-    <p:sldId id="426" r:id="rId16"/>
+    <p:sldId id="434" r:id="rId13"/>
+    <p:sldId id="435" r:id="rId14"/>
+    <p:sldId id="426" r:id="rId15"/>
+    <p:sldId id="441" r:id="rId16"/>
     <p:sldId id="411" r:id="rId17"/>
     <p:sldId id="432" r:id="rId18"/>
     <p:sldId id="436" r:id="rId19"/>
@@ -18472,125 +18472,75 @@
           <a:lstStyle/>
           <a:p>
             <a:r>
-              <a:rPr lang="el-GR" sz="1200" dirty="0" err="1"/>
-              <a:t>Συγκεκριμενα</a:t>
-            </a:r>
-            <a:r>
-              <a:rPr lang="el-GR" sz="1200" dirty="0"/>
-              <a:t> η </a:t>
-            </a:r>
-            <a:r>
-              <a:rPr lang="el-GR" sz="1200" dirty="0" err="1"/>
-              <a:t>τεχνολογια</a:t>
-            </a:r>
-            <a:r>
-              <a:rPr lang="el-GR" sz="1200" dirty="0"/>
-              <a:t> εχει </a:t>
-            </a:r>
-            <a:r>
-              <a:rPr lang="el-GR" sz="1200" dirty="0" err="1"/>
-              <a:t>τετοια</a:t>
-            </a:r>
-            <a:r>
-              <a:rPr lang="el-GR" sz="1200" dirty="0"/>
+              <a:rPr lang="el-GR" dirty="0"/>
+              <a:t>«Στην εποχή της ψηφιακής τεχνολογίας, κάθε επιχείρηση είναι μια επιχείρηση λογισμικού.</a:t>
+            </a:r>
+          </a:p>
+          <a:p>
+            <a:r>
+              <a:rPr lang="el-GR" dirty="0"/>
+              <a:t>Η ευελιξία δεν είναι επιλογή ή κάτι μόνο για τεχνικές ομάδες, είναι </a:t>
+            </a:r>
+            <a:r>
+              <a:rPr lang="en-US" dirty="0"/>
+              <a:t>business imperative</a:t>
+            </a:r>
+            <a:r>
+              <a:rPr lang="el-GR" dirty="0"/>
+              <a:t>».</a:t>
+            </a:r>
+            <a:endParaRPr lang="en-US" dirty="0"/>
+          </a:p>
+          <a:p>
+            <a:endParaRPr lang="en-US" dirty="0"/>
+          </a:p>
+          <a:p>
+            <a:r>
+              <a:rPr lang="el-GR" dirty="0" err="1"/>
+              <a:t>Δηλαδη</a:t>
+            </a:r>
+            <a:r>
+              <a:rPr lang="el-GR" dirty="0"/>
+              <a:t> πρέπει να υπάρξει </a:t>
+            </a:r>
+            <a:r>
+              <a:rPr lang="en-US" dirty="0"/>
+              <a:t>agility </a:t>
+            </a:r>
+            <a:r>
+              <a:rPr lang="el-GR" dirty="0"/>
+              <a:t>και το να </a:t>
+            </a:r>
+            <a:r>
+              <a:rPr lang="el-GR" dirty="0" err="1"/>
+              <a:t>υπαρξει</a:t>
+            </a:r>
+            <a:r>
+              <a:rPr lang="el-GR" dirty="0"/>
               <a:t> </a:t>
             </a:r>
             <a:r>
-              <a:rPr lang="el-GR" sz="1200" dirty="0" err="1"/>
-              <a:t>επιροη</a:t>
-            </a:r>
-            <a:r>
-              <a:rPr lang="el-GR" sz="1200" dirty="0"/>
-              <a:t> που </a:t>
-            </a:r>
-            <a:r>
-              <a:rPr lang="el-GR" sz="1200" dirty="0" err="1"/>
-              <a:t>ολοι</a:t>
-            </a:r>
-            <a:r>
-              <a:rPr lang="el-GR" sz="1200" dirty="0"/>
-              <a:t> αυτή η </a:t>
-            </a:r>
-            <a:r>
-              <a:rPr lang="el-GR" sz="1200" dirty="0" err="1"/>
-              <a:t>παρουσιαση</a:t>
-            </a:r>
-            <a:r>
-              <a:rPr lang="el-GR" sz="1200" dirty="0"/>
+              <a:rPr lang="el-GR" dirty="0" err="1"/>
+              <a:t>εννούμε</a:t>
+            </a:r>
+            <a:r>
+              <a:rPr lang="el-GR" dirty="0"/>
               <a:t> </a:t>
             </a:r>
             <a:r>
-              <a:rPr lang="el-GR" sz="1200" dirty="0" err="1"/>
-              <a:t>φτιαχτηκε</a:t>
-            </a:r>
-            <a:r>
-              <a:rPr lang="el-GR" sz="1200" dirty="0"/>
-              <a:t> από το </a:t>
-            </a:r>
-            <a:r>
-              <a:rPr lang="en-US" sz="1200" dirty="0"/>
-              <a:t>ChatGPT</a:t>
-            </a:r>
-            <a:r>
-              <a:rPr lang="el-GR" sz="1200" dirty="0"/>
-              <a:t> </a:t>
-            </a:r>
-            <a:r>
-              <a:rPr lang="el-GR" sz="1200" dirty="0" err="1"/>
-              <a:t>εγω</a:t>
-            </a:r>
-            <a:r>
-              <a:rPr lang="el-GR" sz="1200" dirty="0"/>
-              <a:t> </a:t>
-            </a:r>
-            <a:r>
-              <a:rPr lang="el-GR" sz="1200" dirty="0" err="1"/>
-              <a:t>μονο</a:t>
-            </a:r>
-            <a:r>
-              <a:rPr lang="el-GR" sz="1200" dirty="0"/>
-              <a:t> </a:t>
-            </a:r>
-            <a:r>
-              <a:rPr lang="el-GR" sz="1200" dirty="0" err="1"/>
-              <a:t>επιβλεπα</a:t>
-            </a:r>
-            <a:r>
-              <a:rPr lang="el-GR" sz="1200" dirty="0"/>
-              <a:t> και </a:t>
-            </a:r>
-            <a:r>
-              <a:rPr lang="el-GR" sz="1200" dirty="0" err="1"/>
-              <a:t>καθοδηγουσα</a:t>
-            </a:r>
-            <a:r>
-              <a:rPr lang="el-GR" sz="1200" dirty="0"/>
-              <a:t> την </a:t>
-            </a:r>
-            <a:r>
-              <a:rPr lang="el-GR" sz="1200" dirty="0" err="1"/>
-              <a:t>συζητηση</a:t>
-            </a:r>
-            <a:r>
-              <a:rPr lang="el-GR" sz="1200" dirty="0"/>
-              <a:t>. </a:t>
-            </a:r>
-            <a:r>
-              <a:rPr lang="el-GR" sz="1200" dirty="0" err="1"/>
-              <a:t>Απιστευτο</a:t>
-            </a:r>
-            <a:r>
-              <a:rPr lang="el-GR" sz="1200" dirty="0"/>
-              <a:t> </a:t>
-            </a:r>
-            <a:r>
-              <a:rPr lang="el-GR" sz="1200" dirty="0" err="1"/>
-              <a:t>σωστα</a:t>
-            </a:r>
-            <a:r>
-              <a:rPr lang="el-GR" sz="1200" dirty="0"/>
-              <a:t>?</a:t>
-            </a:r>
+              <a:rPr lang="el-GR" dirty="0" err="1"/>
+              <a:t>ριζικα</a:t>
+            </a:r>
+            <a:r>
+              <a:rPr lang="el-GR" dirty="0"/>
+              <a:t> λειτουργική ώστε να προχωρήσει από </a:t>
+            </a:r>
+            <a:r>
+              <a:rPr lang="en-US" dirty="0"/>
+              <a:t>idea -&gt; reality to project vision.</a:t>
+            </a:r>
+          </a:p>
+          <a:p>
             <a:endParaRPr lang="en-US" dirty="0"/>
           </a:p>
         </p:txBody>
@@ -18622,7 +18572,7 @@
     </p:spTree>
     <p:extLst>
       <p:ext uri="{BB962C8B-B14F-4D97-AF65-F5344CB8AC3E}">
-        <p14:creationId xmlns:p14="http://schemas.microsoft.com/office/powerpoint/2010/main" val="4066023288"/>
+        <p14:creationId xmlns:p14="http://schemas.microsoft.com/office/powerpoint/2010/main" val="2778896229"/>
       </p:ext>
     </p:extLst>
   </p:cSld>
@@ -18677,75 +18627,9 @@
           <a:lstStyle/>
           <a:p>
             <a:r>
-              <a:rPr lang="el-GR" dirty="0"/>
-              <a:t>«Στην εποχή της ψηφιακής τεχνολογίας, κάθε επιχείρηση είναι μια επιχείρηση λογισμικού.</a:t>
-            </a:r>
-          </a:p>
-          <a:p>
-            <a:r>
-              <a:rPr lang="el-GR" dirty="0"/>
-              <a:t>Η ευελιξία δεν είναι επιλογή ή κάτι μόνο για τεχνικές ομάδες, είναι </a:t>
-            </a:r>
-            <a:r>
-              <a:rPr lang="en-US" dirty="0"/>
-              <a:t>business imperative</a:t>
-            </a:r>
-            <a:r>
-              <a:rPr lang="el-GR" dirty="0"/>
-              <a:t>».</a:t>
-            </a:r>
-            <a:endParaRPr lang="en-US" dirty="0"/>
-          </a:p>
-          <a:p>
-            <a:endParaRPr lang="en-US" dirty="0"/>
-          </a:p>
-          <a:p>
-            <a:r>
-              <a:rPr lang="el-GR" dirty="0" err="1"/>
-              <a:t>Δηλαδη</a:t>
-            </a:r>
-            <a:r>
-              <a:rPr lang="el-GR" dirty="0"/>
-              <a:t> πρέπει να υπάρξει </a:t>
-            </a:r>
-            <a:r>
-              <a:rPr lang="en-US" dirty="0"/>
-              <a:t>agility </a:t>
-            </a:r>
-            <a:r>
-              <a:rPr lang="el-GR" dirty="0"/>
-              <a:t>και το να </a:t>
-            </a:r>
-            <a:r>
-              <a:rPr lang="el-GR" dirty="0" err="1"/>
-              <a:t>υπαρξει</a:t>
-            </a:r>
-            <a:r>
-              <a:rPr lang="el-GR" dirty="0"/>
-              <a:t> </a:t>
-            </a:r>
-            <a:r>
-              <a:rPr lang="el-GR" dirty="0" err="1"/>
-              <a:t>εννούμε</a:t>
-            </a:r>
-            <a:r>
-              <a:rPr lang="el-GR" dirty="0"/>
-              <a:t> </a:t>
-            </a:r>
-            <a:r>
-              <a:rPr lang="el-GR" dirty="0" err="1"/>
-              <a:t>ριζικα</a:t>
-            </a:r>
-            <a:r>
-              <a:rPr lang="el-GR" dirty="0"/>
-              <a:t> λειτουργική ώστε να προχωρήσει από </a:t>
-            </a:r>
-            <a:r>
-              <a:rPr lang="en-US" dirty="0"/>
-              <a:t>idea -&gt; reality to project vision.</a:t>
-            </a:r>
-          </a:p>
-          <a:p>
+              <a:rPr lang="el-GR" sz="1200" dirty="0"/>
+              <a:t>Σας ευχαριστώ για την προσοχή σας και καλωσορίζω οποιεσδήποτε ερωτήσεις έχετε.</a:t>
+            </a:r>
             <a:endParaRPr lang="en-US" dirty="0"/>
           </a:p>
         </p:txBody>
@@ -18777,7 +18661,7 @@
     </p:spTree>
     <p:extLst>
       <p:ext uri="{BB962C8B-B14F-4D97-AF65-F5344CB8AC3E}">
-        <p14:creationId xmlns:p14="http://schemas.microsoft.com/office/powerpoint/2010/main" val="2778896229"/>
+        <p14:creationId xmlns:p14="http://schemas.microsoft.com/office/powerpoint/2010/main" val="507736403"/>
       </p:ext>
     </p:extLst>
   </p:cSld>
@@ -18832,8 +18716,124 @@
           <a:lstStyle/>
           <a:p>
             <a:r>
+              <a:rPr lang="el-GR" sz="1200" dirty="0" err="1"/>
+              <a:t>Συγκεκριμενα</a:t>
+            </a:r>
+            <a:r>
               <a:rPr lang="el-GR" sz="1200" dirty="0"/>
-              <a:t>Σας ευχαριστώ για την προσοχή σας και καλωσορίζω οποιεσδήποτε ερωτήσεις έχετε.</a:t>
+              <a:t> η </a:t>
+            </a:r>
+            <a:r>
+              <a:rPr lang="el-GR" sz="1200" dirty="0" err="1"/>
+              <a:t>τεχνολογια</a:t>
+            </a:r>
+            <a:r>
+              <a:rPr lang="el-GR" sz="1200" dirty="0"/>
+              <a:t> εχει </a:t>
+            </a:r>
+            <a:r>
+              <a:rPr lang="el-GR" sz="1200" dirty="0" err="1"/>
+              <a:t>τετοια</a:t>
+            </a:r>
+            <a:r>
+              <a:rPr lang="el-GR" sz="1200" dirty="0"/>
+              <a:t> </a:t>
+            </a:r>
+            <a:r>
+              <a:rPr lang="el-GR" sz="1200" dirty="0" err="1"/>
+              <a:t>επιροη</a:t>
+            </a:r>
+            <a:r>
+              <a:rPr lang="el-GR" sz="1200" dirty="0"/>
+              <a:t> που </a:t>
+            </a:r>
+            <a:r>
+              <a:rPr lang="el-GR" sz="1200" dirty="0" err="1"/>
+              <a:t>ολοι</a:t>
+            </a:r>
+            <a:r>
+              <a:rPr lang="el-GR" sz="1200" dirty="0"/>
+              <a:t> αυτή η </a:t>
+            </a:r>
+            <a:r>
+              <a:rPr lang="el-GR" sz="1200" dirty="0" err="1"/>
+              <a:t>παρουσιαση</a:t>
+            </a:r>
+            <a:r>
+              <a:rPr lang="el-GR" sz="1200" dirty="0"/>
+              <a:t> </a:t>
+            </a:r>
+            <a:r>
+              <a:rPr lang="el-GR" sz="1200" dirty="0" err="1"/>
+              <a:t>φτιαχτηκε</a:t>
+            </a:r>
+            <a:r>
+              <a:rPr lang="el-GR" sz="1200" dirty="0"/>
+              <a:t> από το </a:t>
+            </a:r>
+            <a:r>
+              <a:rPr lang="en-US" sz="1200" dirty="0"/>
+              <a:t>ChatGPT</a:t>
+            </a:r>
+            <a:r>
+              <a:rPr lang="el-GR" sz="1200" dirty="0"/>
+              <a:t> </a:t>
+            </a:r>
+            <a:r>
+              <a:rPr lang="el-GR" sz="1200" dirty="0" err="1"/>
+              <a:t>εγω</a:t>
+            </a:r>
+            <a:r>
+              <a:rPr lang="el-GR" sz="1200" dirty="0"/>
+              <a:t> </a:t>
+            </a:r>
+            <a:r>
+              <a:rPr lang="el-GR" sz="1200" dirty="0" err="1"/>
+              <a:t>μονο</a:t>
+            </a:r>
+            <a:r>
+              <a:rPr lang="el-GR" sz="1200" dirty="0"/>
+              <a:t> </a:t>
+            </a:r>
+            <a:r>
+              <a:rPr lang="el-GR" sz="1200" dirty="0" err="1"/>
+              <a:t>επιβλεπα</a:t>
+            </a:r>
+            <a:r>
+              <a:rPr lang="el-GR" sz="1200" dirty="0"/>
+              <a:t> και </a:t>
+            </a:r>
+            <a:r>
+              <a:rPr lang="el-GR" sz="1200" dirty="0" err="1"/>
+              <a:t>καθοδηγουσα</a:t>
+            </a:r>
+            <a:r>
+              <a:rPr lang="el-GR" sz="1200" dirty="0"/>
+              <a:t> την </a:t>
+            </a:r>
+            <a:r>
+              <a:rPr lang="el-GR" sz="1200" dirty="0" err="1"/>
+              <a:t>συζητηση</a:t>
+            </a:r>
+            <a:r>
+              <a:rPr lang="el-GR" sz="1200" dirty="0"/>
+              <a:t>. </a:t>
+            </a:r>
+            <a:r>
+              <a:rPr lang="el-GR" sz="1200" dirty="0" err="1"/>
+              <a:t>Απιστευτο</a:t>
+            </a:r>
+            <a:r>
+              <a:rPr lang="el-GR" sz="1200" dirty="0"/>
+              <a:t> </a:t>
+            </a:r>
+            <a:r>
+              <a:rPr lang="el-GR" sz="1200" dirty="0" err="1"/>
+              <a:t>σωστα</a:t>
+            </a:r>
+            <a:r>
+              <a:rPr lang="el-GR" sz="1200" dirty="0"/>
+              <a:t>?</a:t>
             </a:r>
             <a:endParaRPr lang="en-US" dirty="0"/>
           </a:p>
@@ -18857,7 +18857,7 @@
             <a:fld id="{93322314-975C-554B-8A12-FD962E3F8AC7}" type="slidenum">
               <a:rPr lang="en-US" smtClean="0"/>
               <a:pPr/>
-              <a:t>13</a:t>
+              <a:t>14</a:t>
             </a:fld>
             <a:endParaRPr lang="en-US" dirty="0"/>
           </a:p>
@@ -18866,7 +18866,7 @@
     </p:spTree>
     <p:extLst>
       <p:ext uri="{BB962C8B-B14F-4D97-AF65-F5344CB8AC3E}">
-        <p14:creationId xmlns:p14="http://schemas.microsoft.com/office/powerpoint/2010/main" val="507736403"/>
+        <p14:creationId xmlns:p14="http://schemas.microsoft.com/office/powerpoint/2010/main" val="4066023288"/>
       </p:ext>
     </p:extLst>
   </p:cSld>
@@ -31980,12 +31980,59 @@
           <a:chExt cx="0" cy="0"/>
         </a:xfrm>
       </p:grpSpPr>
+      <p:pic>
+        <p:nvPicPr>
+          <p:cNvPr id="3080" name="Picture 8">
+            <a:extLst>
+              <a:ext uri="{FF2B5EF4-FFF2-40B4-BE49-F238E27FC236}">
+                <a16:creationId xmlns:a16="http://schemas.microsoft.com/office/drawing/2014/main" id="{52B170DC-5469-97C9-8B0A-2CEA6210853D}"/>
+              </a:ext>
+            </a:extLst>
+          </p:cNvPr>
+          <p:cNvPicPr>
+            <a:picLocks noChangeAspect="1" noChangeArrowheads="1"/>
+          </p:cNvPicPr>
+          <p:nvPr/>
+        </p:nvPicPr>
+        <p:blipFill>
+          <a:blip r:embed="rId3">
+            <a:extLst>
+              <a:ext uri="{28A0092B-C50C-407E-A947-70E740481C1C}">
+                <a14:useLocalDpi xmlns:a14="http://schemas.microsoft.com/office/drawing/2010/main" val="0"/>
+              </a:ext>
+            </a:extLst>
+          </a:blip>
+          <a:srcRect/>
+          <a:stretch>
+            <a:fillRect/>
+          </a:stretch>
+        </p:blipFill>
+        <p:spPr bwMode="auto">
+          <a:xfrm>
+            <a:off x="2092123" y="1294775"/>
+            <a:ext cx="4563320" cy="4563320"/>
+          </a:xfrm>
+          <a:prstGeom prst="rect">
+            <a:avLst/>
+          </a:prstGeom>
+          <a:noFill/>
+          <a:extLst>
+            <a:ext uri="{909E8E84-426E-40DD-AFC4-6F175D3DCCD1}">
+              <a14:hiddenFill xmlns:a14="http://schemas.microsoft.com/office/drawing/2010/main">
+                <a:solidFill>
+                  <a:srgbClr val="FFFFFF"/>
+                </a:solidFill>
+              </a14:hiddenFill>
+            </a:ext>
+          </a:extLst>
+        </p:spPr>
+      </p:pic>
       <p:sp>
         <p:nvSpPr>
-          <p:cNvPr id="3" name="TextBox 2">
+          <p:cNvPr id="12" name="TextBox 11">
             <a:extLst>
               <a:ext uri="{FF2B5EF4-FFF2-40B4-BE49-F238E27FC236}">
-                <a16:creationId xmlns:a16="http://schemas.microsoft.com/office/drawing/2014/main" id="{D15741E5-C777-6456-36F8-B560F1454D74}"/>
+                <a16:creationId xmlns:a16="http://schemas.microsoft.com/office/drawing/2014/main" id="{C9AD6255-826F-7519-210A-74E262CD2AB4}"/>
               </a:ext>
             </a:extLst>
           </p:cNvPr>
@@ -31994,8 +32041,114 @@
         </p:nvSpPr>
         <p:spPr>
           <a:xfrm>
-            <a:off x="1860630" y="726975"/>
-            <a:ext cx="4577786" cy="646331"/>
+            <a:off x="2326510" y="2560772"/>
+            <a:ext cx="2164467" cy="1015663"/>
+          </a:xfrm>
+          <a:prstGeom prst="rect">
+            <a:avLst/>
+          </a:prstGeom>
+          <a:noFill/>
+        </p:spPr>
+        <p:txBody>
+          <a:bodyPr wrap="square" rtlCol="0">
+            <a:spAutoFit/>
+          </a:bodyPr>
+          <a:lstStyle/>
+          <a:p>
+            <a:r>
+              <a:rPr lang="en-US" sz="2000" b="1" dirty="0"/>
+              <a:t>Business</a:t>
+            </a:r>
+          </a:p>
+          <a:p>
+            <a:r>
+              <a:rPr lang="en-US" sz="2000" dirty="0"/>
+              <a:t>Drives empowers</a:t>
+            </a:r>
+          </a:p>
+          <a:p>
+            <a:r>
+              <a:rPr lang="en-US" sz="2000" dirty="0"/>
+              <a:t>and invests in IT</a:t>
+            </a:r>
+          </a:p>
+        </p:txBody>
+      </p:sp>
+      <p:sp>
+        <p:nvSpPr>
+          <p:cNvPr id="13" name="TextBox 12">
+            <a:extLst>
+              <a:ext uri="{FF2B5EF4-FFF2-40B4-BE49-F238E27FC236}">
+                <a16:creationId xmlns:a16="http://schemas.microsoft.com/office/drawing/2014/main" id="{2EB10735-F645-FAE8-A8CA-CE38FD1E937C}"/>
+              </a:ext>
+            </a:extLst>
+          </p:cNvPr>
+          <p:cNvSpPr txBox="1"/>
+          <p:nvPr/>
+        </p:nvSpPr>
+        <p:spPr>
+          <a:xfrm>
+            <a:off x="4572000" y="3423140"/>
+            <a:ext cx="2164467" cy="1631216"/>
+          </a:xfrm>
+          <a:prstGeom prst="rect">
+            <a:avLst/>
+          </a:prstGeom>
+          <a:noFill/>
+        </p:spPr>
+        <p:txBody>
+          <a:bodyPr wrap="square" rtlCol="0">
+            <a:spAutoFit/>
+          </a:bodyPr>
+          <a:lstStyle/>
+          <a:p>
+            <a:r>
+              <a:rPr lang="en-US" sz="2000" b="1" dirty="0">
+                <a:solidFill>
+                  <a:schemeClr val="bg1"/>
+                </a:solidFill>
+              </a:rPr>
+              <a:t>IT</a:t>
+            </a:r>
+          </a:p>
+          <a:p>
+            <a:r>
+              <a:rPr lang="en-US" sz="2000" dirty="0">
+                <a:solidFill>
+                  <a:schemeClr val="bg1"/>
+                </a:solidFill>
+              </a:rPr>
+              <a:t>Enables Business, innovation, </a:t>
+            </a:r>
+          </a:p>
+          <a:p>
+            <a:r>
+              <a:rPr lang="en-US" sz="2000" dirty="0">
+                <a:solidFill>
+                  <a:schemeClr val="bg1"/>
+                </a:solidFill>
+              </a:rPr>
+              <a:t>growth and efficiency</a:t>
+            </a:r>
+          </a:p>
+        </p:txBody>
+      </p:sp>
+      <p:sp>
+        <p:nvSpPr>
+          <p:cNvPr id="14" name="TextBox 13">
+            <a:extLst>
+              <a:ext uri="{FF2B5EF4-FFF2-40B4-BE49-F238E27FC236}">
+                <a16:creationId xmlns:a16="http://schemas.microsoft.com/office/drawing/2014/main" id="{D02DC351-9AEA-9AE4-BB87-D75B9472EF7D}"/>
+              </a:ext>
+            </a:extLst>
+          </p:cNvPr>
+          <p:cNvSpPr txBox="1"/>
+          <p:nvPr/>
+        </p:nvSpPr>
+        <p:spPr>
+          <a:xfrm>
+            <a:off x="1287683" y="415130"/>
+            <a:ext cx="6172200" cy="584775"/>
           </a:xfrm>
           <a:prstGeom prst="rect">
             <a:avLst/>
@@ -32008,141 +32161,16 @@
           </a:bodyPr>
           <a:lstStyle/>
           <a:p>
-            <a:r>
-              <a:rPr lang="el-GR" sz="1800" dirty="0"/>
-              <a:t>Η τεχνολογία στις παγκόσμιες επιχειρηματικές δραστηριότητες</a:t>
-            </a:r>
-          </a:p>
-        </p:txBody>
-      </p:sp>
-      <p:sp>
-        <p:nvSpPr>
-          <p:cNvPr id="2" name="Content Placeholder 4">
-            <a:extLst>
-              <a:ext uri="{FF2B5EF4-FFF2-40B4-BE49-F238E27FC236}">
-                <a16:creationId xmlns:a16="http://schemas.microsoft.com/office/drawing/2014/main" id="{EB44CC6A-4850-D699-F002-657B446C4539}"/>
-              </a:ext>
-            </a:extLst>
-          </p:cNvPr>
-          <p:cNvSpPr>
-            <a:spLocks noGrp="1"/>
-          </p:cNvSpPr>
-          <p:nvPr>
-            <p:ph idx="1"/>
-          </p:nvPr>
-        </p:nvSpPr>
-        <p:spPr>
-          <a:xfrm>
-            <a:off x="365125" y="1589088"/>
-            <a:ext cx="8229600" cy="4525962"/>
-          </a:xfrm>
-        </p:spPr>
-        <p:txBody>
-          <a:bodyPr/>
-          <a:lstStyle/>
-          <a:p>
-            <a:pPr marL="457200" indent="-457200">
+            <a:pPr algn="ctr">
               <a:spcBef>
                 <a:spcPts val="1400"/>
               </a:spcBef>
-              <a:buFont typeface="+mj-lt"/>
-              <a:buAutoNum type="arabicPeriod"/>
             </a:pPr>
             <a:r>
-              <a:rPr lang="el-GR" sz="2200" dirty="0"/>
-              <a:t>Η τεχνολογία στις παγκόσμιες επιχειρηματικές δραστηριότητες</a:t>
-            </a:r>
-          </a:p>
-          <a:p>
-            <a:pPr marL="457200" indent="-457200">
-              <a:spcBef>
-                <a:spcPts val="1400"/>
-              </a:spcBef>
-              <a:buFont typeface="+mj-lt"/>
-              <a:buAutoNum type="arabicPeriod"/>
-            </a:pPr>
-            <a:r>
-              <a:rPr lang="el-GR" sz="2200" dirty="0"/>
-              <a:t>Οφέλη των αναδυόμενων τεχνολογιών: αποτελεσματικότητα, εξοικονόμηση, διαφάνεια</a:t>
-            </a:r>
-          </a:p>
-          <a:p>
-            <a:pPr marL="457200" indent="-457200">
-              <a:spcBef>
-                <a:spcPts val="1400"/>
-              </a:spcBef>
-              <a:buFont typeface="+mj-lt"/>
-              <a:buAutoNum type="arabicPeriod"/>
-            </a:pPr>
-            <a:r>
-              <a:rPr lang="el-GR" sz="2200" dirty="0"/>
-              <a:t>Προκλήσεις των αναδυόμενων τεχνολογιών: ασφάλεια, ηθική</a:t>
-            </a:r>
-          </a:p>
-          <a:p>
-            <a:pPr marL="457200" indent="-457200">
-              <a:spcBef>
-                <a:spcPts val="1400"/>
-              </a:spcBef>
-              <a:buFont typeface="+mj-lt"/>
-              <a:buAutoNum type="arabicPeriod"/>
-            </a:pPr>
-            <a:r>
-              <a:rPr lang="el-GR" sz="2200" dirty="0"/>
-              <a:t>Παραδείγματα: </a:t>
-            </a:r>
-            <a:r>
-              <a:rPr lang="el-GR" sz="2200" dirty="0" err="1"/>
-              <a:t>Walmart</a:t>
-            </a:r>
-            <a:r>
-              <a:rPr lang="el-GR" sz="2200" dirty="0"/>
-              <a:t>, Accenture</a:t>
-            </a:r>
-          </a:p>
-          <a:p>
-            <a:pPr marL="457200" indent="-457200">
-              <a:spcBef>
-                <a:spcPts val="1400"/>
-              </a:spcBef>
-              <a:buFont typeface="+mj-lt"/>
-              <a:buAutoNum type="arabicPeriod"/>
-            </a:pPr>
-            <a:r>
-              <a:rPr lang="el-GR" sz="2200" dirty="0"/>
-              <a:t>Στρατηγικές για την αξιοποίηση των αναδυόμενων τεχνολογιών: </a:t>
-            </a:r>
-            <a:r>
-              <a:rPr lang="en-US" sz="2200" dirty="0"/>
-              <a:t>Enterprise Architectures</a:t>
-            </a:r>
-          </a:p>
-          <a:p>
-            <a:pPr marL="457200" indent="-457200">
-              <a:spcBef>
-                <a:spcPts val="1400"/>
-              </a:spcBef>
-              <a:buFont typeface="+mj-lt"/>
-              <a:buAutoNum type="arabicPeriod"/>
-            </a:pPr>
-            <a:r>
-              <a:rPr lang="el-GR" sz="2200" dirty="0"/>
-              <a:t>Δυνατότητα μεταμόρφωσης και ανάπτυξης</a:t>
-            </a:r>
-          </a:p>
-          <a:p>
-            <a:pPr marL="457200" indent="-457200">
-              <a:spcBef>
-                <a:spcPts val="1400"/>
-              </a:spcBef>
-              <a:buFont typeface="+mj-lt"/>
-              <a:buAutoNum type="arabicPeriod"/>
-            </a:pPr>
-            <a:r>
-              <a:rPr lang="el-GR" sz="2200" dirty="0"/>
-              <a:t>Σημασία στρατηγικής και υπεύθυνης προσέγγισης.</a:t>
-            </a:r>
-            <a:endParaRPr lang="en-US" sz="2200" dirty="0"/>
+              <a:rPr lang="en-US" sz="3200" dirty="0"/>
+              <a:t>IT + Business</a:t>
+            </a:r>
+            <a:endParaRPr lang="el-GR" sz="3200" dirty="0"/>
           </a:p>
         </p:txBody>
       </p:sp>
@@ -32160,104 +32188,6 @@
 </file>
 
 <file path=ppt/slides/slide11.xml><?xml version="1.0" encoding="utf-8"?>
-<p:sld xmlns:a="http://schemas.openxmlformats.org/drawingml/2006/main" xmlns:r="http://schemas.openxmlformats.org/officeDocument/2006/relationships" xmlns:p="http://schemas.openxmlformats.org/presentationml/2006/main">
-  <p:cSld>
-    <p:spTree>
-      <p:nvGrpSpPr>
-        <p:cNvPr id="1" name=""/>
-        <p:cNvGrpSpPr/>
-        <p:nvPr/>
-      </p:nvGrpSpPr>
-      <p:grpSpPr>
-        <a:xfrm>
-          <a:off x="0" y="0"/>
-          <a:ext cx="0" cy="0"/>
-          <a:chOff x="0" y="0"/>
-          <a:chExt cx="0" cy="0"/>
-        </a:xfrm>
-      </p:grpSpPr>
-      <p:sp>
-        <p:nvSpPr>
-          <p:cNvPr id="3" name="TextBox 2">
-            <a:extLst>
-              <a:ext uri="{FF2B5EF4-FFF2-40B4-BE49-F238E27FC236}">
-                <a16:creationId xmlns:a16="http://schemas.microsoft.com/office/drawing/2014/main" id="{D15741E5-C777-6456-36F8-B560F1454D74}"/>
-              </a:ext>
-            </a:extLst>
-          </p:cNvPr>
-          <p:cNvSpPr txBox="1"/>
-          <p:nvPr/>
-        </p:nvSpPr>
-        <p:spPr>
-          <a:xfrm>
-            <a:off x="2283107" y="2821993"/>
-            <a:ext cx="4577786" cy="369332"/>
-          </a:xfrm>
-          <a:prstGeom prst="rect">
-            <a:avLst/>
-          </a:prstGeom>
-          <a:noFill/>
-        </p:spPr>
-        <p:txBody>
-          <a:bodyPr wrap="square">
-            <a:spAutoFit/>
-          </a:bodyPr>
-          <a:lstStyle/>
-          <a:p>
-            <a:r>
-              <a:rPr lang="en-US" dirty="0"/>
-              <a:t>IT + Business </a:t>
-            </a:r>
-            <a:r>
-              <a:rPr lang="el-GR" dirty="0"/>
-              <a:t>(</a:t>
-            </a:r>
-            <a:r>
-              <a:rPr lang="el-GR" dirty="0" err="1"/>
-              <a:t>βαλε</a:t>
-            </a:r>
-            <a:r>
-              <a:rPr lang="el-GR" dirty="0"/>
-              <a:t> </a:t>
-            </a:r>
-            <a:r>
-              <a:rPr lang="el-GR" dirty="0" err="1"/>
-              <a:t>καποιο</a:t>
-            </a:r>
-            <a:r>
-              <a:rPr lang="el-GR" dirty="0"/>
-              <a:t> </a:t>
-            </a:r>
-            <a:r>
-              <a:rPr lang="en-US" dirty="0"/>
-              <a:t>cool </a:t>
-            </a:r>
-            <a:r>
-              <a:rPr lang="el-GR" dirty="0" err="1"/>
-              <a:t>διαγραμμα</a:t>
-            </a:r>
-            <a:r>
-              <a:rPr lang="el-GR" dirty="0"/>
-              <a:t>)</a:t>
-            </a:r>
-            <a:endParaRPr lang="el-GR" sz="1800" dirty="0"/>
-          </a:p>
-        </p:txBody>
-      </p:sp>
-    </p:spTree>
-    <p:extLst>
-      <p:ext uri="{BB962C8B-B14F-4D97-AF65-F5344CB8AC3E}">
-        <p14:creationId xmlns:p14="http://schemas.microsoft.com/office/powerpoint/2010/main" val="2265262537"/>
-      </p:ext>
-    </p:extLst>
-  </p:cSld>
-  <p:clrMapOvr>
-    <a:masterClrMapping/>
-  </p:clrMapOvr>
-</p:sld>
-</file>
-
-<file path=ppt/slides/slide12.xml><?xml version="1.0" encoding="utf-8"?>
 <p:sld xmlns:a="http://schemas.openxmlformats.org/drawingml/2006/main" xmlns:r="http://schemas.openxmlformats.org/officeDocument/2006/relationships" xmlns:p="http://schemas.openxmlformats.org/presentationml/2006/main">
   <p:cSld>
     <p:spTree>
@@ -35280,7 +35210,7 @@
 </p:sld>
 </file>
 
-<file path=ppt/slides/slide13.xml><?xml version="1.0" encoding="utf-8"?>
+<file path=ppt/slides/slide12.xml><?xml version="1.0" encoding="utf-8"?>
 <p:sld xmlns:a="http://schemas.openxmlformats.org/drawingml/2006/main" xmlns:r="http://schemas.openxmlformats.org/officeDocument/2006/relationships" xmlns:p="http://schemas.openxmlformats.org/presentationml/2006/main">
   <p:cSld>
     <p:spTree>
@@ -35346,7 +35276,7 @@
 </p:sld>
 </file>
 
-<file path=ppt/slides/slide14.xml><?xml version="1.0" encoding="utf-8"?>
+<file path=ppt/slides/slide13.xml><?xml version="1.0" encoding="utf-8"?>
 <p:sld xmlns:a="http://schemas.openxmlformats.org/drawingml/2006/main" xmlns:r="http://schemas.openxmlformats.org/officeDocument/2006/relationships" xmlns:p="http://schemas.openxmlformats.org/presentationml/2006/main">
   <p:cSld>
     <p:spTree>
@@ -35700,6 +35630,104 @@
     <p:extLst>
       <p:ext uri="{BB962C8B-B14F-4D97-AF65-F5344CB8AC3E}">
         <p14:creationId xmlns:p14="http://schemas.microsoft.com/office/powerpoint/2010/main" val="4128740720"/>
+      </p:ext>
+    </p:extLst>
+  </p:cSld>
+  <p:clrMapOvr>
+    <a:masterClrMapping/>
+  </p:clrMapOvr>
+</p:sld>
+</file>
+
+<file path=ppt/slides/slide14.xml><?xml version="1.0" encoding="utf-8"?>
+<p:sld xmlns:a="http://schemas.openxmlformats.org/drawingml/2006/main" xmlns:r="http://schemas.openxmlformats.org/officeDocument/2006/relationships" xmlns:p="http://schemas.openxmlformats.org/presentationml/2006/main">
+  <p:cSld>
+    <p:spTree>
+      <p:nvGrpSpPr>
+        <p:cNvPr id="1" name=""/>
+        <p:cNvGrpSpPr/>
+        <p:nvPr/>
+      </p:nvGrpSpPr>
+      <p:grpSpPr>
+        <a:xfrm>
+          <a:off x="0" y="0"/>
+          <a:ext cx="0" cy="0"/>
+          <a:chOff x="0" y="0"/>
+          <a:chExt cx="0" cy="0"/>
+        </a:xfrm>
+      </p:grpSpPr>
+      <p:sp>
+        <p:nvSpPr>
+          <p:cNvPr id="3" name="TextBox 2">
+            <a:extLst>
+              <a:ext uri="{FF2B5EF4-FFF2-40B4-BE49-F238E27FC236}">
+                <a16:creationId xmlns:a16="http://schemas.microsoft.com/office/drawing/2014/main" id="{D15741E5-C777-6456-36F8-B560F1454D74}"/>
+              </a:ext>
+            </a:extLst>
+          </p:cNvPr>
+          <p:cNvSpPr txBox="1"/>
+          <p:nvPr/>
+        </p:nvSpPr>
+        <p:spPr>
+          <a:xfrm>
+            <a:off x="2283107" y="2821993"/>
+            <a:ext cx="4577786" cy="369332"/>
+          </a:xfrm>
+          <a:prstGeom prst="rect">
+            <a:avLst/>
+          </a:prstGeom>
+          <a:noFill/>
+        </p:spPr>
+        <p:txBody>
+          <a:bodyPr wrap="square">
+            <a:spAutoFit/>
+          </a:bodyPr>
+          <a:lstStyle/>
+          <a:p>
+            <a:r>
+              <a:rPr lang="en-US" dirty="0"/>
+              <a:t>IT + Business </a:t>
+            </a:r>
+            <a:r>
+              <a:rPr lang="el-GR" dirty="0"/>
+              <a:t>(</a:t>
+            </a:r>
+            <a:r>
+              <a:rPr lang="el-GR" dirty="0" err="1"/>
+              <a:t>βαλε</a:t>
+            </a:r>
+            <a:r>
+              <a:rPr lang="el-GR" dirty="0"/>
+              <a:t> </a:t>
+            </a:r>
+            <a:r>
+              <a:rPr lang="el-GR" dirty="0" err="1"/>
+              <a:t>καποιο</a:t>
+            </a:r>
+            <a:r>
+              <a:rPr lang="el-GR" dirty="0"/>
+              <a:t> </a:t>
+            </a:r>
+            <a:r>
+              <a:rPr lang="en-US" dirty="0"/>
+              <a:t>cool </a:t>
+            </a:r>
+            <a:r>
+              <a:rPr lang="el-GR" dirty="0" err="1"/>
+              <a:t>διαγραμμα</a:t>
+            </a:r>
+            <a:r>
+              <a:rPr lang="el-GR" dirty="0"/>
+              <a:t>)</a:t>
+            </a:r>
+            <a:endParaRPr lang="el-GR" sz="1800" dirty="0"/>
+          </a:p>
+        </p:txBody>
+      </p:sp>
+    </p:spTree>
+    <p:extLst>
+      <p:ext uri="{BB962C8B-B14F-4D97-AF65-F5344CB8AC3E}">
+        <p14:creationId xmlns:p14="http://schemas.microsoft.com/office/powerpoint/2010/main" val="2265262537"/>
       </p:ext>
     </p:extLst>
   </p:cSld>
@@ -49155,12 +49183,8 @@
               <a:buAutoNum type="arabicPeriod"/>
             </a:pPr>
             <a:r>
-              <a:rPr lang="el-GR" sz="2200" dirty="0" err="1"/>
-              <a:t>Μεροληψια</a:t>
-            </a:r>
-            <a:r>
               <a:rPr lang="el-GR" sz="2200" dirty="0"/>
-              <a:t> αποφάσεων </a:t>
+              <a:t>Μεροληψία αποφάσεων </a:t>
             </a:r>
             <a:r>
               <a:rPr lang="en-US" sz="2200" dirty="0"/>
@@ -49175,6 +49199,10 @@
               <a:buFont typeface="+mj-lt"/>
               <a:buAutoNum type="arabicPeriod"/>
             </a:pPr>
+            <a:r>
+              <a:rPr lang="el-GR" sz="2200" dirty="0" err="1"/>
+              <a:t>Διαλειτουργικοτητα</a:t>
+            </a:r>
             <a:endParaRPr lang="el-GR" sz="2200" dirty="0"/>
           </a:p>
           <a:p>
@@ -49426,19 +49454,6 @@
             </a:pPr>
             <a:r>
               <a:rPr lang="el-GR" sz="2200" dirty="0"/>
-              <a:t>Ασφάλεια</a:t>
-            </a:r>
-          </a:p>
-          <a:p>
-            <a:pPr marL="457200" indent="-457200">
-              <a:spcBef>
-                <a:spcPts val="1400"/>
-              </a:spcBef>
-              <a:buFont typeface="+mj-lt"/>
-              <a:buAutoNum type="arabicPeriod" startAt="5"/>
-            </a:pPr>
-            <a:r>
-              <a:rPr lang="el-GR" sz="2200" dirty="0"/>
               <a:t>Ηθική</a:t>
             </a:r>
           </a:p>
@@ -49671,12 +49686,21 @@
                 <a:spcPts val="1400"/>
               </a:spcBef>
               <a:buFont typeface="+mj-lt"/>
-              <a:buAutoNum type="arabicPeriod" startAt="2"/>
+              <a:buAutoNum type="arabicPeriod" startAt="3"/>
             </a:pPr>
             <a:r>
-              <a:rPr lang="el-GR" sz="2200" dirty="0" err="1"/>
-              <a:t>Διαλειτουργικοτητα</a:t>
-            </a:r>
+              <a:rPr lang="el-GR" sz="2200" dirty="0"/>
+              <a:t>Ασφάλεια</a:t>
+            </a:r>
+          </a:p>
+          <a:p>
+            <a:pPr marL="457200" indent="-457200">
+              <a:spcBef>
+                <a:spcPts val="1400"/>
+              </a:spcBef>
+              <a:buFont typeface="+mj-lt"/>
+              <a:buAutoNum type="arabicPeriod" startAt="3"/>
+            </a:pPr>
             <a:endParaRPr lang="en-US" sz="2200" dirty="0"/>
           </a:p>
         </p:txBody>
@@ -49786,7 +49810,15 @@
             </a:pPr>
             <a:r>
               <a:rPr lang="el-GR" sz="2200" dirty="0"/>
-              <a:t>Η τεχνολογία στις παγκόσμιες επιχειρηματικές δραστηριότητες</a:t>
+              <a:t>Οι αναδυόμενες τεχνολογίες όπως το DAO, το WEB3.0 και το </a:t>
+            </a:r>
+            <a:r>
+              <a:rPr lang="el-GR" sz="2200" dirty="0" err="1"/>
+              <a:t>blockchain</a:t>
+            </a:r>
+            <a:r>
+              <a:rPr lang="el-GR" sz="2200" dirty="0"/>
+              <a:t> μπορούν να μεταμορφώσουν τις παγκόσμιες επιχειρηματικές δραστηριότητες.</a:t>
             </a:r>
           </a:p>
           <a:p>
@@ -49799,7 +49831,15 @@
             </a:pPr>
             <a:r>
               <a:rPr lang="el-GR" sz="2200" dirty="0"/>
-              <a:t>Οφέλη των αναδυόμενων τεχνολογιών: αποτελεσματικότητα, εξοικονόμηση, διαφάνεια</a:t>
+              <a:t>Η εφαρμογή </a:t>
+            </a:r>
+            <a:r>
+              <a:rPr lang="el-GR" sz="2200" dirty="0" err="1"/>
+              <a:t>blockchain</a:t>
+            </a:r>
+            <a:r>
+              <a:rPr lang="el-GR" sz="2200" dirty="0"/>
+              <a:t> στη διαχείριση της εφοδιαστικής αλυσίδας μπορεί να αυξήσει την αποτελεσματικότητα, τη διαφάνεια, την εξοικονόμηση κόστους και την ικανοποίηση των πελατών.</a:t>
             </a:r>
           </a:p>
           <a:p>
@@ -49812,71 +49852,7 @@
             </a:pPr>
             <a:r>
               <a:rPr lang="el-GR" sz="2200" dirty="0"/>
-              <a:t>Προκλήσεις των αναδυόμενων τεχνολογιών: ασφάλεια, ηθική</a:t>
-            </a:r>
-          </a:p>
-          <a:p>
-            <a:pPr marL="457200" indent="-457200">
-              <a:spcBef>
-                <a:spcPts val="1400"/>
-              </a:spcBef>
-              <a:buFont typeface="+mj-lt"/>
-              <a:buAutoNum type="arabicPeriod"/>
-            </a:pPr>
-            <a:r>
-              <a:rPr lang="el-GR" sz="2200" dirty="0"/>
-              <a:t>Παραδείγματα: </a:t>
-            </a:r>
-            <a:r>
-              <a:rPr lang="el-GR" sz="2200" dirty="0" err="1"/>
-              <a:t>Walmart</a:t>
-            </a:r>
-            <a:r>
-              <a:rPr lang="el-GR" sz="2200" dirty="0"/>
-              <a:t>, Accenture</a:t>
-            </a:r>
-          </a:p>
-          <a:p>
-            <a:pPr marL="457200" indent="-457200">
-              <a:spcBef>
-                <a:spcPts val="1400"/>
-              </a:spcBef>
-              <a:buFont typeface="+mj-lt"/>
-              <a:buAutoNum type="arabicPeriod"/>
-            </a:pPr>
-            <a:r>
-              <a:rPr lang="el-GR" sz="2200" dirty="0"/>
-              <a:t>Στρατηγικές για την αξιοποίηση των αναδυόμενων τεχνολογιών: </a:t>
-            </a:r>
-            <a:r>
-              <a:rPr lang="en-US" sz="2200" dirty="0"/>
-              <a:t>Enterprise Architectures</a:t>
-            </a:r>
-          </a:p>
-          <a:p>
-            <a:pPr marL="457200" indent="-457200">
-              <a:spcBef>
-                <a:spcPts val="1400"/>
-              </a:spcBef>
-              <a:buFont typeface="+mj-lt"/>
-              <a:buAutoNum type="arabicPeriod"/>
-            </a:pPr>
-            <a:r>
-              <a:rPr lang="el-GR" sz="2200" dirty="0"/>
-              <a:t>Δυνατότητα μεταμόρφωσης και ανάπτυξης</a:t>
-            </a:r>
-          </a:p>
-          <a:p>
-            <a:pPr marL="457200" indent="-457200">
-              <a:spcBef>
-                <a:spcPts val="1400"/>
-              </a:spcBef>
-              <a:buFont typeface="+mj-lt"/>
-              <a:buAutoNum type="arabicPeriod"/>
-            </a:pPr>
-            <a:r>
-              <a:rPr lang="el-GR" sz="2200" dirty="0"/>
-              <a:t>Σημασία στρατηγικής και υπεύθυνης προσέγγισης.</a:t>
+              <a:t>Η χρήση αλγοριθμικών συστημάτων HRM μπορεί να βελτιώσει την απόδοση και την ικανοποίηση των εργαζομένων, μειώνοντας τα ποσοστά κύκλου εργασιών και αυξάνοντας την παραγωγικότητα.</a:t>
             </a:r>
             <a:endParaRPr lang="en-US" sz="2200" dirty="0"/>
           </a:p>

--- a/Spiritual Wellbeing IV Professional Development and Applied Research/Μητροπολιτικό Κολλέγιο_ΣΕΚΦ[Μιχαηλ Μαρκου] IT in Global Business.pptx
+++ b/Spiritual Wellbeing IV Professional Development and Applied Research/Μητροπολιτικό Κολλέγιο_ΣΕΚΦ[Μιχαηλ Μαρκου] IT in Global Business.pptx
@@ -1072,15 +1072,7 @@
             </a:r>
             <a:r>
               <a:rPr lang="en-US" dirty="0"/>
-              <a:t>idea -&gt; reality to project</a:t>
-            </a:r>
-            <a:r>
-              <a:rPr lang="en-US"/>
-              <a:t>/business vision</a:t>
-            </a:r>
-            <a:r>
-              <a:rPr lang="en-US" dirty="0"/>
-              <a:t>.</a:t>
+              <a:t>idea -&gt; reality to project/business vision.</a:t>
             </a:r>
           </a:p>
           <a:p>
@@ -1616,8 +1608,20 @@
           </a:p>
           <a:p>
             <a:r>
+              <a:rPr lang="el-GR" u="sng" dirty="0"/>
+              <a:t>Το Industry 2.0, γνωστό και ως Δεύτερη Βιομηχανική Επανάσταση</a:t>
+            </a:r>
+            <a:r>
               <a:rPr lang="el-GR" dirty="0"/>
-              <a:t>Το Industry 2.0, γνωστό και ως Δεύτερη Βιομηχανική Επανάσταση, ξεκίνησε στα τέλη του 19ου αιώνα και χαρακτηρίστηκε από την ευρεία υιοθέτηση τεχνικών μαζικής παραγωγής και τη χρήση ηλεκτρικής ενέργειας για την τροφοδοσία μηχανημάτων. Αυτή η εποχή είδε την ανάπτυξη των γραμμών συναρμολόγησης και την άνοδο μεγάλης κλίμακας μεταποιητικών βιομηχανιών όπως η αυτοκινητοβιομηχανία και ο χάλυβας.</a:t>
+              <a:t>, ξεκίνησε στα τέλη του 19ου αιώνα και χαρακτηρίστηκε από την ευρεία υιοθέτηση τεχνικών μαζικής παραγωγής και τη </a:t>
+            </a:r>
+            <a:r>
+              <a:rPr lang="el-GR" u="sng" dirty="0"/>
+              <a:t>χρήση ηλεκτρικής ενέργειας για την τροφοδοσία μηχανημάτων</a:t>
+            </a:r>
+            <a:r>
+              <a:rPr lang="el-GR" dirty="0"/>
+              <a:t>. Αυτή η εποχή είδε την ανάπτυξη των γραμμών συναρμολόγησης και την άνοδο μεγάλης κλίμακας μεταποιητικών βιομηχανιών όπως η αυτοκινητοβιομηχανία και ο χάλυβας.</a:t>
             </a:r>
           </a:p>
           <a:p>
@@ -1625,8 +1629,20 @@
           </a:p>
           <a:p>
             <a:r>
+              <a:rPr lang="el-GR" u="sng" dirty="0"/>
+              <a:t>Το Industry 3.0, γνωστό και ως Τρίτη Βιομηχανική Επανάσταση</a:t>
+            </a:r>
+            <a:r>
               <a:rPr lang="el-GR" dirty="0"/>
-              <a:t>Το Industry 3.0, γνωστό και ως Τρίτη Βιομηχανική Επανάσταση, ξεκίνησε στα τέλη του 20ου αιώνα και χαρακτηρίστηκε από την άνοδο των ψηφιακών τεχνολογιών και του αυτοματισμού. Αυτή η εποχή είδε την ανάπτυξη των συστημάτων υπολογιστών, της ρομποτικής και του Διαδικτύου, τα οποία οδήγησαν στην αυτοματοποίηση πολλών βιομηχανικών διαδικασιών και στην άνοδο νέων βιομηχανιών όπως η τεχνολογία της πληροφορίας και οι τηλεπικοινωνίες.</a:t>
+              <a:t>, ξεκίνησε στα τέλη του 20ου αιώνα και </a:t>
+            </a:r>
+            <a:r>
+              <a:rPr lang="el-GR" u="sng" dirty="0"/>
+              <a:t>χαρακτηρίστηκε από την άνοδο των ψηφιακών τεχνολογιών και του αυτοματισμού</a:t>
+            </a:r>
+            <a:r>
+              <a:rPr lang="el-GR" dirty="0"/>
+              <a:t>. Αυτή η εποχή είδε την ανάπτυξη των συστημάτων υπολογιστών, της ρομποτικής και του Διαδικτύου, τα οποία οδήγησαν στην αυτοματοποίηση πολλών βιομηχανικών διαδικασιών και στην άνοδο νέων βιομηχανιών όπως η τεχνολογία της πληροφορίας και οι τηλεπικοινωνίες.</a:t>
             </a:r>
           </a:p>
           <a:p>
@@ -13239,7 +13255,7 @@
         <p:spPr>
           <a:xfrm>
             <a:off x="0" y="1005116"/>
-            <a:ext cx="8906933" cy="5668218"/>
+            <a:ext cx="8906933" cy="4724883"/>
           </a:xfrm>
           <a:prstGeom prst="rect">
             <a:avLst/>
@@ -13264,56 +13280,22 @@
               </a:spcAft>
             </a:pPr>
             <a:r>
+              <a:rPr lang="en-US" sz="1600" dirty="0" err="1">
+                <a:effectLst/>
+                <a:latin typeface="Arial" panose="020B0604020202020204" pitchFamily="34" charset="0"/>
+                <a:ea typeface="Calibri" panose="020F0502020204030204" pitchFamily="34" charset="0"/>
+                <a:cs typeface="Times New Roman" panose="02020603050405020304" pitchFamily="18" charset="0"/>
+              </a:rPr>
+              <a:t>Yiannas</a:t>
+            </a:r>
+            <a:r>
               <a:rPr lang="en-US" sz="1600" dirty="0">
                 <a:effectLst/>
                 <a:latin typeface="Arial" panose="020B0604020202020204" pitchFamily="34" charset="0"/>
                 <a:ea typeface="Calibri" panose="020F0502020204030204" pitchFamily="34" charset="0"/>
                 <a:cs typeface="Times New Roman" panose="02020603050405020304" pitchFamily="18" charset="0"/>
               </a:rPr>
-              <a:t>docs.unrealengine.com, n.d. Multiplayer Programming Quick Start. [Online] </a:t>
-            </a:r>
-            <a:br>
-              <a:rPr lang="en-US" sz="1600" dirty="0">
-                <a:effectLst/>
-                <a:latin typeface="Arial" panose="020B0604020202020204" pitchFamily="34" charset="0"/>
-                <a:ea typeface="Calibri" panose="020F0502020204030204" pitchFamily="34" charset="0"/>
-                <a:cs typeface="Times New Roman" panose="02020603050405020304" pitchFamily="18" charset="0"/>
-              </a:rPr>
-            </a:br>
-            <a:r>
-              <a:rPr lang="en-US" sz="1600" dirty="0">
-                <a:effectLst/>
-                <a:latin typeface="Arial" panose="020B0604020202020204" pitchFamily="34" charset="0"/>
-                <a:ea typeface="Calibri" panose="020F0502020204030204" pitchFamily="34" charset="0"/>
-                <a:cs typeface="Times New Roman" panose="02020603050405020304" pitchFamily="18" charset="0"/>
-              </a:rPr>
-              <a:t>Available at: </a:t>
-            </a:r>
-            <a:r>
-              <a:rPr lang="en-US" sz="1600" u="sng" dirty="0">
-                <a:effectLst/>
-                <a:latin typeface="Arial" panose="020B0604020202020204" pitchFamily="34" charset="0"/>
-                <a:ea typeface="Calibri" panose="020F0502020204030204" pitchFamily="34" charset="0"/>
-                <a:cs typeface="Times New Roman" panose="02020603050405020304" pitchFamily="18" charset="0"/>
-              </a:rPr>
-              <a:t>https://docs.unrealengine.com/4.27/en-US/InteractiveExperiences/Networking/QuickStart/</a:t>
-            </a:r>
-            <a:br>
-              <a:rPr lang="en-US" sz="1600" dirty="0">
-                <a:effectLst/>
-                <a:latin typeface="Arial" panose="020B0604020202020204" pitchFamily="34" charset="0"/>
-                <a:ea typeface="Calibri" panose="020F0502020204030204" pitchFamily="34" charset="0"/>
-                <a:cs typeface="Times New Roman" panose="02020603050405020304" pitchFamily="18" charset="0"/>
-              </a:rPr>
-            </a:br>
-            <a:r>
-              <a:rPr lang="en-US" sz="1600" dirty="0">
-                <a:effectLst/>
-                <a:latin typeface="Arial" panose="020B0604020202020204" pitchFamily="34" charset="0"/>
-                <a:ea typeface="Calibri" panose="020F0502020204030204" pitchFamily="34" charset="0"/>
-                <a:cs typeface="Times New Roman" panose="02020603050405020304" pitchFamily="18" charset="0"/>
-              </a:rPr>
-              <a:t>[Accessed 01 April 2022].</a:t>
+              <a:t>, F., 2018. A New Era of Food Transparency Powered by Blockchain. Innovations: Technology, Governance, Globalization. MIT Press Direct, 12(1-2), pp. 46-56.</a:t>
             </a:r>
           </a:p>
           <a:p>
@@ -13328,182 +13310,12 @@
                 <a:spcPts val="800"/>
               </a:spcAft>
             </a:pPr>
-            <a:r>
-              <a:rPr lang="en-US" sz="1600" dirty="0">
-                <a:effectLst/>
-                <a:latin typeface="Arial" panose="020B0604020202020204" pitchFamily="34" charset="0"/>
-                <a:ea typeface="Calibri" panose="020F0502020204030204" pitchFamily="34" charset="0"/>
-                <a:cs typeface="Times New Roman" panose="02020603050405020304" pitchFamily="18" charset="0"/>
-              </a:rPr>
-              <a:t>docs.unrealengine.com, n.d. Nanite Virtualized Geometry. [Online] </a:t>
-            </a:r>
-            <a:br>
-              <a:rPr lang="en-US" sz="1600" dirty="0">
-                <a:effectLst/>
-                <a:latin typeface="Arial" panose="020B0604020202020204" pitchFamily="34" charset="0"/>
-                <a:ea typeface="Calibri" panose="020F0502020204030204" pitchFamily="34" charset="0"/>
-                <a:cs typeface="Times New Roman" panose="02020603050405020304" pitchFamily="18" charset="0"/>
-              </a:rPr>
-            </a:br>
-            <a:r>
-              <a:rPr lang="en-US" sz="1600" dirty="0">
-                <a:effectLst/>
-                <a:latin typeface="Arial" panose="020B0604020202020204" pitchFamily="34" charset="0"/>
-                <a:ea typeface="Calibri" panose="020F0502020204030204" pitchFamily="34" charset="0"/>
-                <a:cs typeface="Times New Roman" panose="02020603050405020304" pitchFamily="18" charset="0"/>
-              </a:rPr>
-              <a:t>Available at: </a:t>
-            </a:r>
-            <a:r>
-              <a:rPr lang="en-US" sz="1600" u="sng" dirty="0">
-                <a:effectLst/>
-                <a:latin typeface="Arial" panose="020B0604020202020204" pitchFamily="34" charset="0"/>
-                <a:ea typeface="Calibri" panose="020F0502020204030204" pitchFamily="34" charset="0"/>
-                <a:cs typeface="Times New Roman" panose="02020603050405020304" pitchFamily="18" charset="0"/>
-              </a:rPr>
-              <a:t>https://docs.unrealengine.com/5.0/en-US/RenderingFeatures/Nanite/</a:t>
-            </a:r>
-            <a:br>
-              <a:rPr lang="en-US" sz="1600" dirty="0">
-                <a:effectLst/>
-                <a:latin typeface="Arial" panose="020B0604020202020204" pitchFamily="34" charset="0"/>
-                <a:ea typeface="Calibri" panose="020F0502020204030204" pitchFamily="34" charset="0"/>
-                <a:cs typeface="Times New Roman" panose="02020603050405020304" pitchFamily="18" charset="0"/>
-              </a:rPr>
-            </a:br>
-            <a:r>
-              <a:rPr lang="en-US" sz="1600" dirty="0">
-                <a:effectLst/>
-                <a:latin typeface="Arial" panose="020B0604020202020204" pitchFamily="34" charset="0"/>
-                <a:ea typeface="Calibri" panose="020F0502020204030204" pitchFamily="34" charset="0"/>
-                <a:cs typeface="Times New Roman" panose="02020603050405020304" pitchFamily="18" charset="0"/>
-              </a:rPr>
-              <a:t>[Accessed 01 April 2022].</a:t>
-            </a:r>
-          </a:p>
-          <a:p>
-            <a:pPr marL="457200" indent="-457200">
-              <a:lnSpc>
-                <a:spcPct val="150000"/>
-              </a:lnSpc>
-              <a:spcAft>
-                <a:spcPts val="800"/>
-              </a:spcAft>
-            </a:pPr>
-            <a:r>
-              <a:rPr lang="en-US" sz="1600" dirty="0">
-                <a:effectLst/>
-                <a:latin typeface="Arial" panose="020B0604020202020204" pitchFamily="34" charset="0"/>
-                <a:ea typeface="Calibri" panose="020F0502020204030204" pitchFamily="34" charset="0"/>
-                <a:cs typeface="Times New Roman" panose="02020603050405020304" pitchFamily="18" charset="0"/>
-              </a:rPr>
-              <a:t>Wikipedia, C., 2019. Blockchain. [Online] </a:t>
-            </a:r>
-            <a:br>
-              <a:rPr lang="en-US" sz="1600" dirty="0">
-                <a:effectLst/>
-                <a:latin typeface="Arial" panose="020B0604020202020204" pitchFamily="34" charset="0"/>
-                <a:ea typeface="Calibri" panose="020F0502020204030204" pitchFamily="34" charset="0"/>
-                <a:cs typeface="Times New Roman" panose="02020603050405020304" pitchFamily="18" charset="0"/>
-              </a:rPr>
-            </a:br>
-            <a:r>
-              <a:rPr lang="en-US" sz="1600" dirty="0">
-                <a:effectLst/>
-                <a:latin typeface="Arial" panose="020B0604020202020204" pitchFamily="34" charset="0"/>
-                <a:ea typeface="Calibri" panose="020F0502020204030204" pitchFamily="34" charset="0"/>
-                <a:cs typeface="Times New Roman" panose="02020603050405020304" pitchFamily="18" charset="0"/>
-              </a:rPr>
-              <a:t>Available at: </a:t>
-            </a:r>
-            <a:r>
-              <a:rPr lang="en-US" sz="1600" u="sng" dirty="0">
-                <a:effectLst/>
-                <a:latin typeface="Arial" panose="020B0604020202020204" pitchFamily="34" charset="0"/>
-                <a:ea typeface="Calibri" panose="020F0502020204030204" pitchFamily="34" charset="0"/>
-                <a:cs typeface="Times New Roman" panose="02020603050405020304" pitchFamily="18" charset="0"/>
-              </a:rPr>
-              <a:t>https://en.wikipedia.org/wiki/Blockchain</a:t>
-            </a:r>
-            <a:br>
-              <a:rPr lang="en-US" sz="1600" dirty="0">
-                <a:effectLst/>
-                <a:latin typeface="Arial" panose="020B0604020202020204" pitchFamily="34" charset="0"/>
-                <a:ea typeface="Calibri" panose="020F0502020204030204" pitchFamily="34" charset="0"/>
-                <a:cs typeface="Times New Roman" panose="02020603050405020304" pitchFamily="18" charset="0"/>
-              </a:rPr>
-            </a:br>
-            <a:r>
-              <a:rPr lang="en-US" sz="1600" dirty="0">
-                <a:effectLst/>
-                <a:latin typeface="Arial" panose="020B0604020202020204" pitchFamily="34" charset="0"/>
-                <a:ea typeface="Calibri" panose="020F0502020204030204" pitchFamily="34" charset="0"/>
-                <a:cs typeface="Times New Roman" panose="02020603050405020304" pitchFamily="18" charset="0"/>
-              </a:rPr>
-              <a:t>[Accessed 01 April 2022].</a:t>
-            </a:r>
-          </a:p>
-          <a:p>
-            <a:pPr marL="457200" indent="-457200">
-              <a:lnSpc>
-                <a:spcPct val="150000"/>
-              </a:lnSpc>
-              <a:spcAft>
-                <a:spcPts val="800"/>
-              </a:spcAft>
-            </a:pPr>
-            <a:r>
-              <a:rPr lang="en-US" sz="1600" dirty="0">
-                <a:effectLst/>
-                <a:latin typeface="Arial" panose="020B0604020202020204" pitchFamily="34" charset="0"/>
-                <a:ea typeface="Calibri" panose="020F0502020204030204" pitchFamily="34" charset="0"/>
-                <a:cs typeface="Times New Roman" panose="02020603050405020304" pitchFamily="18" charset="0"/>
-              </a:rPr>
-              <a:t>Wikipedia, C., 2019. Computer graphics. [Online] </a:t>
-            </a:r>
-            <a:br>
-              <a:rPr lang="en-US" sz="1600" dirty="0">
-                <a:effectLst/>
-                <a:latin typeface="Arial" panose="020B0604020202020204" pitchFamily="34" charset="0"/>
-                <a:ea typeface="Calibri" panose="020F0502020204030204" pitchFamily="34" charset="0"/>
-                <a:cs typeface="Times New Roman" panose="02020603050405020304" pitchFamily="18" charset="0"/>
-              </a:rPr>
-            </a:br>
-            <a:r>
-              <a:rPr lang="en-US" sz="1600" dirty="0">
-                <a:effectLst/>
-                <a:latin typeface="Arial" panose="020B0604020202020204" pitchFamily="34" charset="0"/>
-                <a:ea typeface="Calibri" panose="020F0502020204030204" pitchFamily="34" charset="0"/>
-                <a:cs typeface="Times New Roman" panose="02020603050405020304" pitchFamily="18" charset="0"/>
-              </a:rPr>
-              <a:t>Available at: </a:t>
-            </a:r>
-            <a:r>
-              <a:rPr lang="en-US" sz="1600" u="sng" dirty="0">
-                <a:effectLst/>
-                <a:latin typeface="Arial" panose="020B0604020202020204" pitchFamily="34" charset="0"/>
-                <a:ea typeface="Calibri" panose="020F0502020204030204" pitchFamily="34" charset="0"/>
-                <a:cs typeface="Times New Roman" panose="02020603050405020304" pitchFamily="18" charset="0"/>
-              </a:rPr>
-              <a:t>https://en.wikipedia.org/wiki/Computer_graphics</a:t>
-            </a:r>
-            <a:br>
-              <a:rPr lang="en-US" sz="1600" dirty="0">
-                <a:effectLst/>
-                <a:latin typeface="Arial" panose="020B0604020202020204" pitchFamily="34" charset="0"/>
-                <a:ea typeface="Calibri" panose="020F0502020204030204" pitchFamily="34" charset="0"/>
-                <a:cs typeface="Times New Roman" panose="02020603050405020304" pitchFamily="18" charset="0"/>
-              </a:rPr>
-            </a:br>
-            <a:r>
-              <a:rPr lang="en-US" sz="1600" dirty="0">
-                <a:effectLst/>
-                <a:latin typeface="Arial" panose="020B0604020202020204" pitchFamily="34" charset="0"/>
-                <a:ea typeface="Calibri" panose="020F0502020204030204" pitchFamily="34" charset="0"/>
-                <a:cs typeface="Times New Roman" panose="02020603050405020304" pitchFamily="18" charset="0"/>
-              </a:rPr>
-              <a:t>[Accessed 01 April 2022].</a:t>
-            </a:r>
+            <a:endParaRPr lang="en-US" sz="1600" dirty="0">
+              <a:effectLst/>
+              <a:latin typeface="Arial" panose="020B0604020202020204" pitchFamily="34" charset="0"/>
+              <a:ea typeface="Calibri" panose="020F0502020204030204" pitchFamily="34" charset="0"/>
+              <a:cs typeface="Times New Roman" panose="02020603050405020304" pitchFamily="18" charset="0"/>
+            </a:endParaRPr>
           </a:p>
           <a:p>
             <a:pPr marL="457200" marR="0" indent="-457200" algn="l">
@@ -13517,6 +13329,169 @@
                 <a:spcPts val="800"/>
               </a:spcAft>
             </a:pPr>
+            <a:r>
+              <a:rPr lang="en-US" sz="1600" dirty="0">
+                <a:effectLst/>
+                <a:latin typeface="Arial" panose="020B0604020202020204" pitchFamily="34" charset="0"/>
+                <a:ea typeface="Calibri" panose="020F0502020204030204" pitchFamily="34" charset="0"/>
+                <a:cs typeface="Times New Roman" panose="02020603050405020304" pitchFamily="18" charset="0"/>
+              </a:rPr>
+              <a:t>J, V., </a:t>
+            </a:r>
+            <a:r>
+              <a:rPr lang="en-US" sz="1600" dirty="0" err="1">
+                <a:effectLst/>
+                <a:latin typeface="Arial" panose="020B0604020202020204" pitchFamily="34" charset="0"/>
+                <a:ea typeface="Calibri" panose="020F0502020204030204" pitchFamily="34" charset="0"/>
+                <a:cs typeface="Times New Roman" panose="02020603050405020304" pitchFamily="18" charset="0"/>
+              </a:rPr>
+              <a:t>Morkunas</a:t>
+            </a:r>
+            <a:r>
+              <a:rPr lang="en-US" sz="1600" dirty="0">
+                <a:effectLst/>
+                <a:latin typeface="Arial" panose="020B0604020202020204" pitchFamily="34" charset="0"/>
+                <a:ea typeface="Calibri" panose="020F0502020204030204" pitchFamily="34" charset="0"/>
+                <a:cs typeface="Times New Roman" panose="02020603050405020304" pitchFamily="18" charset="0"/>
+              </a:rPr>
+              <a:t>, Jeannette, P. &amp; Boon, E., 2019. How blockchain technologies impact your business model. Business Horizons, pp. 295-306.</a:t>
+            </a:r>
+          </a:p>
+          <a:p>
+            <a:pPr marL="457200" marR="0" indent="-457200" algn="l">
+              <a:lnSpc>
+                <a:spcPct val="150000"/>
+              </a:lnSpc>
+              <a:spcBef>
+                <a:spcPts val="0"/>
+              </a:spcBef>
+              <a:spcAft>
+                <a:spcPts val="800"/>
+              </a:spcAft>
+            </a:pPr>
+            <a:endParaRPr lang="en-US" sz="1600" dirty="0">
+              <a:effectLst/>
+              <a:latin typeface="Arial" panose="020B0604020202020204" pitchFamily="34" charset="0"/>
+              <a:ea typeface="Calibri" panose="020F0502020204030204" pitchFamily="34" charset="0"/>
+              <a:cs typeface="Times New Roman" panose="02020603050405020304" pitchFamily="18" charset="0"/>
+            </a:endParaRPr>
+          </a:p>
+          <a:p>
+            <a:pPr marL="457200" marR="0" indent="-457200" algn="l">
+              <a:lnSpc>
+                <a:spcPct val="150000"/>
+              </a:lnSpc>
+              <a:spcBef>
+                <a:spcPts val="0"/>
+              </a:spcBef>
+              <a:spcAft>
+                <a:spcPts val="800"/>
+              </a:spcAft>
+            </a:pPr>
+            <a:r>
+              <a:rPr lang="en-US" sz="1600" dirty="0">
+                <a:effectLst/>
+                <a:latin typeface="Arial" panose="020B0604020202020204" pitchFamily="34" charset="0"/>
+                <a:ea typeface="Calibri" panose="020F0502020204030204" pitchFamily="34" charset="0"/>
+                <a:cs typeface="Times New Roman" panose="02020603050405020304" pitchFamily="18" charset="0"/>
+              </a:rPr>
+              <a:t>W., H, J., P, D. &amp; </a:t>
+            </a:r>
+            <a:r>
+              <a:rPr lang="en-US" sz="1600" dirty="0" err="1">
+                <a:effectLst/>
+                <a:latin typeface="Arial" panose="020B0604020202020204" pitchFamily="34" charset="0"/>
+                <a:ea typeface="Calibri" panose="020F0502020204030204" pitchFamily="34" charset="0"/>
+                <a:cs typeface="Times New Roman" panose="02020603050405020304" pitchFamily="18" charset="0"/>
+              </a:rPr>
+              <a:t>Bianzino</a:t>
+            </a:r>
+            <a:r>
+              <a:rPr lang="en-US" sz="1600" dirty="0">
+                <a:effectLst/>
+                <a:latin typeface="Arial" panose="020B0604020202020204" pitchFamily="34" charset="0"/>
+                <a:ea typeface="Calibri" panose="020F0502020204030204" pitchFamily="34" charset="0"/>
+                <a:cs typeface="Times New Roman" panose="02020603050405020304" pitchFamily="18" charset="0"/>
+              </a:rPr>
+              <a:t>, N., 2017. The jobs that artificial intelligence will create. MIT Sloan Management Review.</a:t>
+            </a:r>
+          </a:p>
+          <a:p>
+            <a:pPr marL="457200" marR="0" indent="-457200" algn="l">
+              <a:lnSpc>
+                <a:spcPct val="150000"/>
+              </a:lnSpc>
+              <a:spcBef>
+                <a:spcPts val="0"/>
+              </a:spcBef>
+              <a:spcAft>
+                <a:spcPts val="800"/>
+              </a:spcAft>
+            </a:pPr>
+            <a:endParaRPr lang="en-US" sz="1600" dirty="0">
+              <a:effectLst/>
+              <a:latin typeface="Arial" panose="020B0604020202020204" pitchFamily="34" charset="0"/>
+              <a:ea typeface="Calibri" panose="020F0502020204030204" pitchFamily="34" charset="0"/>
+              <a:cs typeface="Times New Roman" panose="02020603050405020304" pitchFamily="18" charset="0"/>
+            </a:endParaRPr>
+          </a:p>
+          <a:p>
+            <a:pPr marL="457200" marR="0" indent="-457200" algn="l">
+              <a:lnSpc>
+                <a:spcPct val="150000"/>
+              </a:lnSpc>
+              <a:spcBef>
+                <a:spcPts val="0"/>
+              </a:spcBef>
+              <a:spcAft>
+                <a:spcPts val="800"/>
+              </a:spcAft>
+            </a:pPr>
+            <a:r>
+              <a:rPr lang="en-US" sz="1600" dirty="0">
+                <a:effectLst/>
+                <a:latin typeface="Arial" panose="020B0604020202020204" pitchFamily="34" charset="0"/>
+                <a:ea typeface="Calibri" panose="020F0502020204030204" pitchFamily="34" charset="0"/>
+                <a:cs typeface="Times New Roman" panose="02020603050405020304" pitchFamily="18" charset="0"/>
+              </a:rPr>
+              <a:t>S, H. &amp; </a:t>
+            </a:r>
+            <a:r>
+              <a:rPr lang="en-US" sz="1600" dirty="0" err="1">
+                <a:effectLst/>
+                <a:latin typeface="Arial" panose="020B0604020202020204" pitchFamily="34" charset="0"/>
+                <a:ea typeface="Calibri" panose="020F0502020204030204" pitchFamily="34" charset="0"/>
+                <a:cs typeface="Times New Roman" panose="02020603050405020304" pitchFamily="18" charset="0"/>
+              </a:rPr>
+              <a:t>Filippi</a:t>
+            </a:r>
+            <a:r>
+              <a:rPr lang="en-US" sz="1600" dirty="0">
+                <a:effectLst/>
+                <a:latin typeface="Arial" panose="020B0604020202020204" pitchFamily="34" charset="0"/>
+                <a:ea typeface="Calibri" panose="020F0502020204030204" pitchFamily="34" charset="0"/>
+                <a:cs typeface="Times New Roman" panose="02020603050405020304" pitchFamily="18" charset="0"/>
+              </a:rPr>
+              <a:t>, D., 2021. Hassan, S. and De </a:t>
+            </a:r>
+            <a:r>
+              <a:rPr lang="en-US" sz="1600" dirty="0" err="1">
+                <a:effectLst/>
+                <a:latin typeface="Arial" panose="020B0604020202020204" pitchFamily="34" charset="0"/>
+                <a:ea typeface="Calibri" panose="020F0502020204030204" pitchFamily="34" charset="0"/>
+                <a:cs typeface="Times New Roman" panose="02020603050405020304" pitchFamily="18" charset="0"/>
+              </a:rPr>
+              <a:t>Filippi</a:t>
+            </a:r>
+            <a:r>
+              <a:rPr lang="en-US" sz="1600" dirty="0">
+                <a:effectLst/>
+                <a:latin typeface="Arial" panose="020B0604020202020204" pitchFamily="34" charset="0"/>
+                <a:ea typeface="Calibri" panose="020F0502020204030204" pitchFamily="34" charset="0"/>
+                <a:cs typeface="Times New Roman" panose="02020603050405020304" pitchFamily="18" charset="0"/>
+              </a:rPr>
+              <a:t>, P., 2021. Decentralized autonomous organization. Internet Policy Review, 10(2), pp. 1-10.</a:t>
+            </a:r>
             <a:endParaRPr lang="en-US" sz="1800" dirty="0">
               <a:effectLst/>
               <a:latin typeface="Arial" panose="020B0604020202020204" pitchFamily="34" charset="0"/>

--- a/Spiritual Wellbeing IV Professional Development and Applied Research/Μητροπολιτικό Κολλέγιο_ΣΕΚΦ[Μιχαηλ Μαρκου] IT in Global Business.pptx
+++ b/Spiritual Wellbeing IV Professional Development and Applied Research/Μητροπολιτικό Κολλέγιο_ΣΕΚΦ[Μιχαηλ Μαρκου] IT in Global Business.pptx
@@ -6,25 +6,31 @@
     <p:sldMasterId id="2147483672" r:id="rId2"/>
   </p:sldMasterIdLst>
   <p:notesMasterIdLst>
-    <p:notesMasterId r:id="rId16"/>
+    <p:notesMasterId r:id="rId22"/>
   </p:notesMasterIdLst>
   <p:handoutMasterIdLst>
-    <p:handoutMasterId r:id="rId17"/>
+    <p:handoutMasterId r:id="rId23"/>
   </p:handoutMasterIdLst>
   <p:sldIdLst>
     <p:sldId id="302" r:id="rId3"/>
     <p:sldId id="407" r:id="rId4"/>
     <p:sldId id="408" r:id="rId5"/>
     <p:sldId id="410" r:id="rId6"/>
-    <p:sldId id="443" r:id="rId7"/>
-    <p:sldId id="442" r:id="rId8"/>
-    <p:sldId id="437" r:id="rId9"/>
-    <p:sldId id="438" r:id="rId10"/>
-    <p:sldId id="439" r:id="rId11"/>
-    <p:sldId id="440" r:id="rId12"/>
-    <p:sldId id="434" r:id="rId13"/>
-    <p:sldId id="435" r:id="rId14"/>
-    <p:sldId id="426" r:id="rId15"/>
+    <p:sldId id="449" r:id="rId7"/>
+    <p:sldId id="443" r:id="rId8"/>
+    <p:sldId id="448" r:id="rId9"/>
+    <p:sldId id="442" r:id="rId10"/>
+    <p:sldId id="437" r:id="rId11"/>
+    <p:sldId id="438" r:id="rId12"/>
+    <p:sldId id="444" r:id="rId13"/>
+    <p:sldId id="447" r:id="rId14"/>
+    <p:sldId id="445" r:id="rId15"/>
+    <p:sldId id="446" r:id="rId16"/>
+    <p:sldId id="439" r:id="rId17"/>
+    <p:sldId id="440" r:id="rId18"/>
+    <p:sldId id="434" r:id="rId19"/>
+    <p:sldId id="435" r:id="rId20"/>
+    <p:sldId id="426" r:id="rId21"/>
   </p:sldIdLst>
   <p:sldSz cx="9144000" cy="6858000" type="screen4x3"/>
   <p:notesSz cx="6864350" cy="9996488"/>
@@ -225,7 +231,7 @@
             <a:fld id="{8196BD0F-C7DE-4148-B4AF-E3709382BF27}" type="datetimeFigureOut">
               <a:rPr lang="en-US" smtClean="0"/>
               <a:pPr/>
-              <a:t>3/10/2023</a:t>
+              <a:t>3/13/2023</a:t>
             </a:fld>
             <a:endParaRPr lang="en-US" dirty="0"/>
           </a:p>
@@ -392,7 +398,7 @@
             <a:fld id="{FEE8B350-5958-0E41-A6C5-C2C83FBF1FAC}" type="datetimeFigureOut">
               <a:rPr lang="en-US" smtClean="0"/>
               <a:pPr/>
-              <a:t>3/9/2023</a:t>
+              <a:t>3/13/2023</a:t>
             </a:fld>
             <a:endParaRPr lang="en-US" dirty="0"/>
           </a:p>
@@ -912,14 +918,232 @@
           <a:p>
             <a:r>
               <a:rPr lang="en-US" sz="1200" dirty="0"/>
-              <a:t>Conclusion:</a:t>
-            </a:r>
+              <a:t>2) </a:t>
+            </a:r>
+            <a:r>
+              <a:rPr lang="el-GR" sz="1200" dirty="0"/>
+              <a:t>Αποτελεσματικές στρατηγικές για την αξιοποίηση των αναδυόμενων τεχνολογιών στις παγκόσμιες επιχειρηματικές δραστηριότητες:</a:t>
+            </a:r>
+          </a:p>
+          <a:p>
+            <a:r>
+              <a:rPr lang="el-GR" sz="1200" dirty="0"/>
+              <a:t>Για να αξιοποιήσουν αποτελεσματικά τις αναδυόμενες τεχνολογίες στις παγκόσμιες επιχειρηματικές δραστηριότητες, οι εταιρείες πρέπει να υιοθετήσουν μια στρατηγική και προσεκτική προσέγγιση για την υιοθέτηση τεχνολογίας. Πλαίσια όπως το  </a:t>
+            </a:r>
+            <a:r>
+              <a:rPr lang="en-US" sz="1200" dirty="0"/>
+              <a:t>Enterprise Architecture (</a:t>
+            </a:r>
+            <a:r>
+              <a:rPr lang="el-GR" sz="1200" dirty="0"/>
+              <a:t>π.χ., TOGAF) μπορούν να καθοδηγήσουν τη λήψη αποφάσεων και να βοηθήσουν στον μετριασμό των κινδύνων και των προκλήσεων που σχετίζονται με την εφαρμογή της τεχνολογίας. Υιοθετώντας μια στρατηγική και υπεύθυνη προσέγγιση για την υιοθέτηση τεχνολογίας, οι εταιρείες μπορούν να συνειδητοποιήσουν τα οφέλη των αναδυόμενων τεχνολογιών ελαχιστοποιώντας ταυτόχρονα τους κινδύνους και τις προκλήσεις.</a:t>
+            </a:r>
+          </a:p>
+          <a:p>
+            <a:r>
+              <a:rPr lang="el-GR" sz="1200" dirty="0"/>
+              <a:t>Για να επεξηγήσουμε αυτό το σημείο, θα δώσουμε μερικά παραδείγματα εταιρειών που έχουν υιοθετήσει και αξιοποιήσει με επιτυχία τις αναδυόμενες τεχνολογίες. </a:t>
+            </a:r>
+            <a:endParaRPr lang="en-US" sz="1200" dirty="0"/>
+          </a:p>
+          <a:p>
+            <a:endParaRPr lang="en-US" sz="1200" dirty="0"/>
+          </a:p>
+          <a:p>
+            <a:r>
+              <a:rPr lang="el-GR" sz="1200" dirty="0"/>
+              <a:t>Για παράδειγμα, η </a:t>
+            </a:r>
+            <a:r>
+              <a:rPr lang="el-GR" sz="1200" dirty="0" err="1"/>
+              <a:t>Walmart</a:t>
+            </a:r>
+            <a:r>
+              <a:rPr lang="el-GR" sz="1200" dirty="0"/>
+              <a:t> έχει εφαρμόσει ένα σύστημα διαχείρισης εφοδιαστικής αλυσίδας που βασίζεται σε </a:t>
+            </a:r>
+            <a:r>
+              <a:rPr lang="el-GR" sz="1200" dirty="0" err="1"/>
+              <a:t>blockchain</a:t>
+            </a:r>
+            <a:r>
+              <a:rPr lang="el-GR" sz="1200" dirty="0"/>
+              <a:t> που έχει βελτιώσει την αποτελεσματικότητα και τη διαφάνεια στις λειτουργίες της</a:t>
+            </a:r>
+            <a:r>
+              <a:rPr lang="en-US" sz="1200" dirty="0"/>
+              <a:t> </a:t>
+            </a:r>
+            <a:r>
+              <a:rPr lang="el-GR" sz="1200" dirty="0"/>
+              <a:t>με αποτέλεσμα την εξοικονόμηση κόστους και τη βελτίωση της ικανοποίησης των πελατών. Ομοίως, η Accenture έχει αναπτύξει ένα αλγοριθμικό σύστημα HRM που έχει βελτιώσει την απόδοση των εργαζομένων και την ικανοποίηση από την εργασία</a:t>
+            </a:r>
+            <a:r>
+              <a:rPr lang="en-US" sz="1200" dirty="0"/>
+              <a:t> </a:t>
+            </a:r>
+            <a:r>
+              <a:rPr lang="el-GR" sz="1200" dirty="0"/>
+              <a:t>, οδηγώντας σε μειωμένους ρυθμούς κύκλου εργασιών και αυξημένη παραγωγικότητα, ενώ αντιμετωπίζει τις ανησυχίες σχετικά με την αλγοριθμική μεροληψία και τις διακρίσεις.</a:t>
+            </a:r>
+            <a:r>
+              <a:rPr lang="en-US" sz="1200" dirty="0"/>
+              <a:t> </a:t>
+            </a:r>
+            <a:r>
+              <a:rPr lang="el-GR" sz="1200" dirty="0"/>
+              <a:t>Επίσης έχουν χρησιμοποιήσει αλγόριθμους μηχανικής μάθησης για να αναλύσουν τα δεδομένα των εργαζομένων και να εξατομικεύσουν συστάσεις για εκπαίδευση και εξέλιξη σταδιοδρομίας.</a:t>
+            </a:r>
+          </a:p>
+          <a:p>
             <a:endParaRPr lang="el-GR" sz="1200" dirty="0"/>
           </a:p>
           <a:p>
             <a:r>
               <a:rPr lang="el-GR" sz="1200" dirty="0"/>
-              <a:t>Συμπερασματικά, η ερευνητική εργασία παρέχει πολύτιμες πληροφορίες για τις επιχειρήσεις σχετικά με το πώς να αξιοποιήσουν αποτελεσματικά τις αναδυόμενες τεχνολογίες για να βελτιώσουν τις παγκόσμιες δραστηριότητές τους, οδηγώντας σε βελτιωμένη απόδοση, παραγωγικότητα και κερδοφορία. Υιοθετώντας μια στρατηγική και υπεύθυνη προσέγγιση για την υιοθέτηση τεχνολογίας, οι εταιρείες μπορούν να συνειδητοποιήσουν τα οφέλη των αναδυόμενων τεχνολογιών ελαχιστοποιώντας ταυτόχρονα τους κινδύνους και τις προκλήσεις. Επιπλέον, διερευνώντας τις δυνατότητες των αναδυόμενων τεχνολογιών, μπορούμε να προωθήσουμε την καινοτομία και τη δημιουργικότητα στις παγκόσμιες επιχειρηματικές δραστηριότητες, ενώ παράλληλα ενισχύουμε το παγκόσμιο εμπόριο και τη διεθνή συνεργασία.</a:t>
+              <a:t>4!=5 </a:t>
+            </a:r>
+            <a:r>
+              <a:rPr lang="el-GR" sz="1200" dirty="0" err="1"/>
+              <a:t>επειδη</a:t>
+            </a:r>
+            <a:r>
+              <a:rPr lang="el-GR" sz="1200" dirty="0"/>
+              <a:t> </a:t>
+            </a:r>
+            <a:r>
+              <a:rPr lang="el-GR" sz="1200" dirty="0" err="1"/>
+              <a:t>διαφερουν</a:t>
+            </a:r>
+            <a:r>
+              <a:rPr lang="el-GR" sz="1200" dirty="0"/>
+              <a:t> και είναι ο </a:t>
+            </a:r>
+            <a:r>
+              <a:rPr lang="el-GR" sz="1200" dirty="0" err="1"/>
+              <a:t>λεγομενος</a:t>
+            </a:r>
+            <a:r>
+              <a:rPr lang="el-GR" sz="1200" dirty="0"/>
+              <a:t> </a:t>
+            </a:r>
+            <a:r>
+              <a:rPr lang="el-GR" sz="1200" dirty="0" err="1"/>
+              <a:t>κορεσμος</a:t>
+            </a:r>
+            <a:r>
+              <a:rPr lang="el-GR" sz="1200" dirty="0"/>
+              <a:t> που </a:t>
+            </a:r>
+            <a:r>
+              <a:rPr lang="el-GR" sz="1200" dirty="0" err="1"/>
+              <a:t>θετει</a:t>
+            </a:r>
+            <a:r>
+              <a:rPr lang="el-GR" sz="1200" dirty="0"/>
+              <a:t> σε </a:t>
+            </a:r>
+            <a:r>
+              <a:rPr lang="el-GR" sz="1200" dirty="0" err="1"/>
+              <a:t>μηχανισμους</a:t>
+            </a:r>
+            <a:r>
+              <a:rPr lang="el-GR" sz="1200" dirty="0"/>
+              <a:t> </a:t>
+            </a:r>
+            <a:r>
+              <a:rPr lang="el-GR" sz="1200" dirty="0" err="1"/>
+              <a:t>αμυνας</a:t>
+            </a:r>
+            <a:r>
+              <a:rPr lang="el-GR" sz="1200" dirty="0"/>
+              <a:t> την </a:t>
+            </a:r>
+            <a:r>
+              <a:rPr lang="el-GR" sz="1200" dirty="0" err="1"/>
+              <a:t>ψυχολογια</a:t>
+            </a:r>
+            <a:r>
+              <a:rPr lang="el-GR" sz="1200" dirty="0"/>
+              <a:t> </a:t>
+            </a:r>
+            <a:r>
+              <a:rPr lang="el-GR" sz="1200" dirty="0" err="1"/>
+              <a:t>καποιου</a:t>
+            </a:r>
+            <a:r>
+              <a:rPr lang="el-GR" sz="1200" dirty="0"/>
+              <a:t> και </a:t>
+            </a:r>
+            <a:r>
+              <a:rPr lang="el-GR" sz="1200" dirty="0" err="1"/>
+              <a:t>υπαρχη</a:t>
+            </a:r>
+            <a:r>
+              <a:rPr lang="el-GR" sz="1200" dirty="0"/>
+              <a:t> </a:t>
+            </a:r>
+            <a:r>
+              <a:rPr lang="el-GR" sz="1200" dirty="0" err="1"/>
+              <a:t>πτωση</a:t>
+            </a:r>
+            <a:r>
+              <a:rPr lang="el-GR" sz="1200" dirty="0"/>
+              <a:t> </a:t>
+            </a:r>
+            <a:r>
+              <a:rPr lang="el-GR" sz="1200" dirty="0" err="1"/>
+              <a:t>τοσο</a:t>
+            </a:r>
+            <a:r>
+              <a:rPr lang="el-GR" sz="1200" dirty="0"/>
+              <a:t> στον ιδιο </a:t>
+            </a:r>
+            <a:r>
+              <a:rPr lang="el-GR" sz="1200" dirty="0" err="1"/>
+              <a:t>οσο</a:t>
+            </a:r>
+            <a:r>
+              <a:rPr lang="el-GR" sz="1200" dirty="0"/>
+              <a:t> και στους </a:t>
+            </a:r>
+            <a:r>
+              <a:rPr lang="el-GR" sz="1200" dirty="0" err="1"/>
+              <a:t>γυρο</a:t>
+            </a:r>
+            <a:r>
+              <a:rPr lang="el-GR" sz="1200" dirty="0"/>
+              <a:t> του.</a:t>
+            </a:r>
+            <a:endParaRPr lang="en-US" sz="1200" dirty="0"/>
+          </a:p>
+          <a:p>
+            <a:endParaRPr lang="en-US" sz="1200" dirty="0"/>
+          </a:p>
+          <a:p>
+            <a:r>
+              <a:rPr lang="en-US" sz="1200" dirty="0"/>
+              <a:t>*</a:t>
+            </a:r>
+            <a:r>
+              <a:rPr lang="el-GR" sz="1200" dirty="0" err="1"/>
+              <a:t>εμμεσα</a:t>
+            </a:r>
+            <a:r>
+              <a:rPr lang="el-GR" sz="1200" dirty="0"/>
+              <a:t> == είναι </a:t>
+            </a:r>
+            <a:r>
+              <a:rPr lang="el-GR" sz="1200" dirty="0" err="1"/>
+              <a:t>αργα</a:t>
+            </a:r>
+            <a:r>
+              <a:rPr lang="el-GR" sz="1200" dirty="0"/>
+              <a:t> όταν το </a:t>
+            </a:r>
+            <a:r>
+              <a:rPr lang="el-GR" sz="1200" dirty="0" err="1"/>
+              <a:t>καταλαβεις</a:t>
             </a:r>
             <a:endParaRPr lang="en-US" dirty="0"/>
           </a:p>
@@ -952,7 +1176,7 @@
     </p:spTree>
     <p:extLst>
       <p:ext uri="{BB962C8B-B14F-4D97-AF65-F5344CB8AC3E}">
-        <p14:creationId xmlns:p14="http://schemas.microsoft.com/office/powerpoint/2010/main" val="3337363355"/>
+        <p14:creationId xmlns:p14="http://schemas.microsoft.com/office/powerpoint/2010/main" val="1954666737"/>
       </p:ext>
     </p:extLst>
   </p:cSld>
@@ -1007,75 +1231,233 @@
           <a:lstStyle/>
           <a:p>
             <a:r>
-              <a:rPr lang="el-GR" dirty="0"/>
-              <a:t>«Στην εποχή της ψηφιακής τεχνολογίας, κάθε επιχείρηση είναι μια επιχείρηση λογισμικού.</a:t>
-            </a:r>
-          </a:p>
-          <a:p>
-            <a:r>
-              <a:rPr lang="el-GR" dirty="0"/>
-              <a:t>Η ευελιξία δεν είναι επιλογή ή κάτι μόνο για τεχνικές ομάδες, είναι </a:t>
-            </a:r>
-            <a:r>
-              <a:rPr lang="en-US" dirty="0"/>
-              <a:t>business imperative</a:t>
-            </a:r>
-            <a:r>
-              <a:rPr lang="el-GR" dirty="0"/>
-              <a:t>».</a:t>
-            </a:r>
-            <a:endParaRPr lang="en-US" dirty="0"/>
-          </a:p>
-          <a:p>
-            <a:endParaRPr lang="en-US" dirty="0"/>
-          </a:p>
-          <a:p>
-            <a:r>
-              <a:rPr lang="el-GR" dirty="0" err="1"/>
-              <a:t>Δηλαδη</a:t>
-            </a:r>
-            <a:r>
-              <a:rPr lang="el-GR" dirty="0"/>
-              <a:t> πρέπει να υπάρξει </a:t>
-            </a:r>
-            <a:r>
-              <a:rPr lang="en-US" dirty="0"/>
-              <a:t>agility </a:t>
-            </a:r>
-            <a:r>
-              <a:rPr lang="el-GR" dirty="0"/>
-              <a:t>και το να </a:t>
-            </a:r>
-            <a:r>
-              <a:rPr lang="el-GR" dirty="0" err="1"/>
-              <a:t>υπαρξει</a:t>
-            </a:r>
-            <a:r>
-              <a:rPr lang="el-GR" dirty="0"/>
+              <a:rPr lang="el-GR" sz="1200" dirty="0"/>
+              <a:t>Το Web3.0 το </a:t>
+            </a:r>
+            <a:r>
+              <a:rPr lang="el-GR" sz="1200" dirty="0" err="1"/>
+              <a:t>blockchain</a:t>
+            </a:r>
+            <a:r>
+              <a:rPr lang="el-GR" sz="1200" dirty="0"/>
               <a:t> </a:t>
             </a:r>
             <a:r>
-              <a:rPr lang="el-GR" dirty="0" err="1"/>
-              <a:t>εννούμε</a:t>
-            </a:r>
-            <a:r>
-              <a:rPr lang="el-GR" dirty="0"/>
+              <a:rPr lang="en-US" sz="1200" dirty="0"/>
+              <a:t>&amp; DAO </a:t>
+            </a:r>
+            <a:r>
+              <a:rPr lang="el-GR" sz="1200" dirty="0"/>
+              <a:t>είναι σχετικές, αλλά ξεχωριστές έννοιες. Εδώ είναι οι κύριες διαφορές:</a:t>
+            </a:r>
+          </a:p>
+          <a:p>
+            <a:endParaRPr lang="el-GR" sz="1200" dirty="0"/>
+          </a:p>
+          <a:p>
+            <a:r>
+              <a:rPr lang="el-GR" sz="1200" dirty="0"/>
+              <a:t>Το Web3.0 αναφέρεται στην τρίτη γενιά του Διαδικτύου, η οποία χαρακτηρίζεται από έναν πιο αποκεντρωμένο και ανοιχτό ιστό που δίνει τη δυνατότητα στους χρήστες να έχουν περισσότερο έλεγχο στα δεδομένα τους και στις διαδικτυακές αλληλεπιδράσεις τους. Αυτό περιλαμβάνει τεχνολογίες όπως δικτύωση </a:t>
+            </a:r>
+            <a:r>
+              <a:rPr lang="el-GR" sz="1200" dirty="0" err="1"/>
+              <a:t>peer-to-peer</a:t>
+            </a:r>
+            <a:r>
+              <a:rPr lang="el-GR" sz="1200" dirty="0"/>
+              <a:t>, αποκεντρωμένη αποθήκευση και αποκεντρωμένες εφαρμογές.</a:t>
+            </a:r>
+          </a:p>
+          <a:p>
+            <a:endParaRPr lang="el-GR" sz="1200" dirty="0"/>
+          </a:p>
+          <a:p>
+            <a:r>
+              <a:rPr lang="el-GR" sz="1200" dirty="0"/>
+              <a:t>Το </a:t>
+            </a:r>
+            <a:r>
+              <a:rPr lang="el-GR" sz="1200" dirty="0" err="1"/>
+              <a:t>Blockchain</a:t>
+            </a:r>
+            <a:r>
+              <a:rPr lang="el-GR" sz="1200" dirty="0"/>
+              <a:t>, από την άλλη πλευρά, είναι μια συγκεκριμένη τεχνολογία που χρησιμοποιείται για τη δημιουργία αποκεντρωμένων, αμετάβλητων και ασφαλών ψηφιακών λογιστικών βιβλίων. Επιτρέπει την καταγραφή και την επαλήθευση των συναλλαγών χωρίς την ανάγκη κεντρικής αρχής, καθιστώντας το ιδανικό για τη δημιουργία διαφανών και αξιόπιστων συστημάτων.</a:t>
+            </a:r>
+          </a:p>
+          <a:p>
+            <a:endParaRPr lang="el-GR" sz="1200" dirty="0"/>
+          </a:p>
+          <a:p>
+            <a:r>
+              <a:rPr lang="el-GR" sz="1200" dirty="0"/>
+              <a:t>Το Web3.0 μπορεί να κάνει χρήση της τεχνολογίας </a:t>
+            </a:r>
+            <a:r>
+              <a:rPr lang="el-GR" sz="1200" dirty="0" err="1"/>
+              <a:t>blockchain</a:t>
+            </a:r>
+            <a:r>
+              <a:rPr lang="el-GR" sz="1200" dirty="0"/>
+              <a:t>, αλλά δεν περιορίζεται σε αυτήν. Το Web3.0 περιλαμβάνει ένα ευρύτερο φάσμα τεχνολογιών και πρωτοκόλλων πέρα από το </a:t>
+            </a:r>
+            <a:r>
+              <a:rPr lang="el-GR" sz="1200" dirty="0" err="1"/>
+              <a:t>blockchain</a:t>
+            </a:r>
+            <a:r>
+              <a:rPr lang="el-GR" sz="1200" dirty="0"/>
+              <a:t>, όπως δικτύωση </a:t>
+            </a:r>
+            <a:r>
+              <a:rPr lang="el-GR" sz="1200" dirty="0" err="1"/>
+              <a:t>peer-to-peer</a:t>
+            </a:r>
+            <a:r>
+              <a:rPr lang="el-GR" sz="1200" dirty="0"/>
+              <a:t>, αποκεντρωμένη αποθήκευση και άλλες αποκεντρωμένες εφαρμογές.</a:t>
+            </a:r>
+          </a:p>
+          <a:p>
+            <a:endParaRPr lang="el-GR" sz="1200" dirty="0"/>
+          </a:p>
+          <a:p>
+            <a:r>
+              <a:rPr lang="el-GR" sz="1200" dirty="0"/>
+              <a:t>Συνοπτικά, το </a:t>
+            </a:r>
+            <a:r>
+              <a:rPr lang="el-GR" sz="1200" dirty="0" err="1"/>
+              <a:t>blockchain</a:t>
+            </a:r>
+            <a:r>
+              <a:rPr lang="el-GR" sz="1200" dirty="0"/>
+              <a:t> είναι μια συγκεκριμένη τεχνολογία που χρησιμοποιείται για τη δημιουργία αποκεντρωμένων και ασφαλών ψηφιακών λογιστικών βιβλίων, ενώ το Web3.0 είναι μια ευρύτερη έννοια που αναφέρεται στην τρίτη γενιά του διαδικτύου, που χαρακτηρίζεται από έναν πιο αποκεντρωμένο και ανοιχτό ιστό που δίνει τη δυνατότητα στους χρήστες να έχουν περισσότερο έλεγχο. τα δεδομένα και τις διαδικτυακές τους αλληλεπιδράσεις.</a:t>
+            </a:r>
+            <a:endParaRPr lang="en-US" sz="1200" dirty="0"/>
+          </a:p>
+          <a:p>
+            <a:endParaRPr lang="en-US" sz="1200" dirty="0"/>
+          </a:p>
+          <a:p>
+            <a:r>
+              <a:rPr lang="el-GR" sz="1200" dirty="0"/>
+              <a:t>Το Web3.0 επιτρέπει </a:t>
+            </a:r>
+            <a:endParaRPr lang="en-US" sz="1200" dirty="0"/>
+          </a:p>
+          <a:p>
+            <a:r>
+              <a:rPr lang="en-US" sz="1200" dirty="0"/>
+              <a:t>1) </a:t>
+            </a:r>
+            <a:r>
+              <a:rPr lang="el-GR" sz="1200" dirty="0"/>
+              <a:t>δημιουργία αποκεντρωμένων εφαρμογών (</a:t>
+            </a:r>
+            <a:r>
+              <a:rPr lang="el-GR" sz="1200" dirty="0" err="1"/>
+              <a:t>dApps</a:t>
+            </a:r>
+            <a:r>
+              <a:rPr lang="el-GR" sz="1200" dirty="0"/>
+              <a:t>) που εκτελούνται σε δίκτυο </a:t>
+            </a:r>
+            <a:r>
+              <a:rPr lang="el-GR" sz="1200" dirty="0" err="1"/>
+              <a:t>blockchain</a:t>
+            </a:r>
+            <a:r>
+              <a:rPr lang="el-GR" sz="1200" dirty="0"/>
+              <a:t>, επιτρέποντας αυξημένη διαφάνεια, ασφάλεια και εμπιστοσύνη.</a:t>
+            </a:r>
+          </a:p>
+          <a:p>
+            <a:r>
+              <a:rPr lang="en-US" sz="1200" dirty="0"/>
+              <a:t>2) </a:t>
+            </a:r>
+            <a:r>
+              <a:rPr lang="el-GR" sz="1200" dirty="0"/>
+              <a:t>οι επιχειρήσεις μπορούν να αξιοποιήσουν έξυπνα συμβόλαια για να αυτοματοποιήσουν και να </a:t>
+            </a:r>
+            <a:r>
+              <a:rPr lang="el-GR" sz="1200" dirty="0" err="1"/>
+              <a:t>εξορθολογίσουν</a:t>
+            </a:r>
+            <a:r>
+              <a:rPr lang="el-GR" sz="1200" dirty="0"/>
+              <a:t> πολύπλοκες διαδικασίες, μειώνοντας το κόστος και αυξάνοντας την αποτελεσματικότητα το </a:t>
+            </a:r>
+            <a:r>
+              <a:rPr lang="el-GR" sz="1200" dirty="0" err="1"/>
+              <a:t>οποιο</a:t>
+            </a:r>
+            <a:r>
+              <a:rPr lang="el-GR" sz="1200" dirty="0"/>
               <a:t> </a:t>
             </a:r>
             <a:r>
-              <a:rPr lang="el-GR" dirty="0" err="1"/>
-              <a:t>ριζικα</a:t>
-            </a:r>
-            <a:r>
-              <a:rPr lang="el-GR" dirty="0"/>
-              <a:t> λειτουργική ώστε να προχωρήσει από </a:t>
-            </a:r>
-            <a:r>
-              <a:rPr lang="en-US" dirty="0"/>
-              <a:t>idea -&gt; reality to project/business vision.</a:t>
-            </a:r>
-          </a:p>
-          <a:p>
+              <a:rPr lang="el-GR" sz="1200" dirty="0" err="1"/>
+              <a:t>συνδυαζει</a:t>
+            </a:r>
+            <a:r>
+              <a:rPr lang="el-GR" sz="1200" dirty="0"/>
+              <a:t> </a:t>
+            </a:r>
+            <a:r>
+              <a:rPr lang="en-US" sz="1200" dirty="0"/>
+              <a:t>blockchain</a:t>
+            </a:r>
+            <a:endParaRPr lang="el-GR" sz="1200" dirty="0"/>
+          </a:p>
+          <a:p>
+            <a:r>
+              <a:rPr lang="en-US" sz="1200" dirty="0"/>
+              <a:t>3) </a:t>
+            </a:r>
+            <a:r>
+              <a:rPr lang="el-GR" sz="1200" dirty="0"/>
+              <a:t>διευκολύνει την ασφαλή και αποτελεσματική κοινή χρήση δεδομένων μεταξύ διαφορετικών μερών, επιτρέποντας τη συνεργασία και τη λήψη αποφάσεων βάσει δεδομένων.</a:t>
+            </a:r>
+          </a:p>
+          <a:p>
+            <a:r>
+              <a:rPr lang="en-US" sz="1200" dirty="0"/>
+              <a:t>4) </a:t>
+            </a:r>
+            <a:r>
+              <a:rPr lang="el-GR" sz="1200" dirty="0"/>
+              <a:t>Μέσω της χρήσης αποκεντρωμένων λύσεων ταυτότητας, το Web3.0 μπορεί να βοηθήσει τις επιχειρήσεις να βελτιώσουν τον έλεγχο ταυτότητας και τη διαχείριση ταυτότητας, μειώνοντας τον κίνδυνο απάτης και παραβιάσεων δεδομένων.</a:t>
+            </a:r>
+          </a:p>
+          <a:p>
+            <a:r>
+              <a:rPr lang="en-US" sz="1200" dirty="0"/>
+              <a:t>5) </a:t>
+            </a:r>
+            <a:r>
+              <a:rPr lang="el-GR" sz="1200" dirty="0"/>
+              <a:t>μπορεί να επιτρέψει </a:t>
+            </a:r>
+            <a:r>
+              <a:rPr lang="el-GR" sz="1200" dirty="0" err="1"/>
+              <a:t>μικροπληρωμές</a:t>
+            </a:r>
+            <a:r>
+              <a:rPr lang="el-GR" sz="1200" dirty="0"/>
+              <a:t> και τη δημιουργία νέων επιχειρηματικών μοντέλων, όπως υπηρεσίες πληρωμής ανά χρήση και συνδρομών, χωρίς την ανάγκη διαμεσολαβητών.</a:t>
+            </a:r>
+          </a:p>
+          <a:p>
+            <a:r>
+              <a:rPr lang="en-US" sz="1200" dirty="0"/>
+              <a:t>6) </a:t>
+            </a:r>
+            <a:r>
+              <a:rPr lang="el-GR" sz="1200" dirty="0"/>
+              <a:t>έχει επίσης τη δυνατότητα να επιτρέψει νέες μορφές ψηφιακής ιδιοκτησίας και ανταλλαγής αξίας, δημιουργώντας νέες ροές εσόδων και επιχειρηματικές ευκαιρίες για τις εταιρείες.</a:t>
+            </a:r>
             <a:endParaRPr lang="en-US" dirty="0"/>
           </a:p>
         </p:txBody>
@@ -1107,7 +1489,7 @@
     </p:spTree>
     <p:extLst>
       <p:ext uri="{BB962C8B-B14F-4D97-AF65-F5344CB8AC3E}">
-        <p14:creationId xmlns:p14="http://schemas.microsoft.com/office/powerpoint/2010/main" val="2778896229"/>
+        <p14:creationId xmlns:p14="http://schemas.microsoft.com/office/powerpoint/2010/main" val="1928645385"/>
       </p:ext>
     </p:extLst>
   </p:cSld>
@@ -1163,7 +1545,39 @@
           <a:p>
             <a:r>
               <a:rPr lang="el-GR" sz="1200" dirty="0"/>
-              <a:t>Σας ευχαριστώ για την προσοχή σας και καλωσορίζω οποιεσδήποτε ερωτήσεις έχετε.</a:t>
+              <a:t>Το TOGAF, ή The </a:t>
+            </a:r>
+            <a:r>
+              <a:rPr lang="el-GR" sz="1200" dirty="0" err="1"/>
+              <a:t>Open</a:t>
+            </a:r>
+            <a:r>
+              <a:rPr lang="el-GR" sz="1200" dirty="0"/>
+              <a:t> </a:t>
+            </a:r>
+            <a:r>
+              <a:rPr lang="el-GR" sz="1200" dirty="0" err="1"/>
+              <a:t>Group</a:t>
+            </a:r>
+            <a:r>
+              <a:rPr lang="el-GR" sz="1200" dirty="0"/>
+              <a:t> </a:t>
+            </a:r>
+            <a:r>
+              <a:rPr lang="el-GR" sz="1200" dirty="0" err="1"/>
+              <a:t>Architecture</a:t>
+            </a:r>
+            <a:r>
+              <a:rPr lang="el-GR" sz="1200" dirty="0"/>
+              <a:t> </a:t>
+            </a:r>
+            <a:r>
+              <a:rPr lang="el-GR" sz="1200" dirty="0" err="1"/>
+              <a:t>Framework</a:t>
+            </a:r>
+            <a:r>
+              <a:rPr lang="el-GR" sz="1200" dirty="0"/>
+              <a:t>, είναι ένα ευρέως χρησιμοποιούμενο πλαίσιο για την εταιρική αρχιτεκτονική. Παρέχει μια κοινή γλώσσα, μεθοδολογία και εργαλεία για το σχεδιασμό και τη διαχείριση της εταιρικής αρχιτεκτονικής. Το TOGAF βοηθά τους οργανισμούς να ευθυγραμμίσουν τους επιχειρηματικούς τους στόχους και τη στρατηγική πληροφορικής και παρέχει μια δομή για τον σχεδιασμό, το σχεδιασμό, την εφαρμογή και τη διαχείριση τεχνολογικών λύσεων. Χρησιμοποιώντας το TOGAF, οι οργανισμοί μπορούν να επιτύχουν πιο αποτελεσματική και αποτελεσματική χρήση των πόρων πληροφορικής, καλύτερη συνεργασία μεταξύ των τμημάτων και αυξημένη ευελιξία για να ανταποκριθούν στις μεταβαλλόμενες επιχειρηματικές ανάγκες.</a:t>
             </a:r>
             <a:endParaRPr lang="en-US" dirty="0"/>
           </a:p>
@@ -1188,6 +1602,728 @@
               <a:rPr lang="en-US" smtClean="0"/>
               <a:pPr/>
               <a:t>12</a:t>
+            </a:fld>
+            <a:endParaRPr lang="en-US" dirty="0"/>
+          </a:p>
+        </p:txBody>
+      </p:sp>
+    </p:spTree>
+    <p:extLst>
+      <p:ext uri="{BB962C8B-B14F-4D97-AF65-F5344CB8AC3E}">
+        <p14:creationId xmlns:p14="http://schemas.microsoft.com/office/powerpoint/2010/main" val="3153182847"/>
+      </p:ext>
+    </p:extLst>
+  </p:cSld>
+  <p:clrMapOvr>
+    <a:masterClrMapping/>
+  </p:clrMapOvr>
+</p:notes>
+</file>
+
+<file path=ppt/notesSlides/notesSlide13.xml><?xml version="1.0" encoding="utf-8"?>
+<p:notes xmlns:a="http://schemas.openxmlformats.org/drawingml/2006/main" xmlns:r="http://schemas.openxmlformats.org/officeDocument/2006/relationships" xmlns:p="http://schemas.openxmlformats.org/presentationml/2006/main">
+  <p:cSld>
+    <p:spTree>
+      <p:nvGrpSpPr>
+        <p:cNvPr id="1" name=""/>
+        <p:cNvGrpSpPr/>
+        <p:nvPr/>
+      </p:nvGrpSpPr>
+      <p:grpSpPr>
+        <a:xfrm>
+          <a:off x="0" y="0"/>
+          <a:ext cx="0" cy="0"/>
+          <a:chOff x="0" y="0"/>
+          <a:chExt cx="0" cy="0"/>
+        </a:xfrm>
+      </p:grpSpPr>
+      <p:sp>
+        <p:nvSpPr>
+          <p:cNvPr id="2" name="Slide Image Placeholder 1"/>
+          <p:cNvSpPr>
+            <a:spLocks noGrp="1" noRot="1" noChangeAspect="1"/>
+          </p:cNvSpPr>
+          <p:nvPr>
+            <p:ph type="sldImg"/>
+          </p:nvPr>
+        </p:nvSpPr>
+        <p:spPr/>
+      </p:sp>
+      <p:sp>
+        <p:nvSpPr>
+          <p:cNvPr id="3" name="Notes Placeholder 2"/>
+          <p:cNvSpPr>
+            <a:spLocks noGrp="1"/>
+          </p:cNvSpPr>
+          <p:nvPr>
+            <p:ph type="body" idx="1"/>
+          </p:nvPr>
+        </p:nvSpPr>
+        <p:spPr/>
+        <p:txBody>
+          <a:bodyPr/>
+          <a:lstStyle/>
+          <a:p>
+            <a:r>
+              <a:rPr lang="el-GR" sz="1200" dirty="0"/>
+              <a:t>Το ITIL, ή η Βιβλιοθήκη Υποδομής Πληροφορικής, είναι ένα πλαίσιο που παρέχει βέλτιστες πρακτικές για τη διαχείριση υπηρεσιών πληροφορικής. Το ITIL στοχεύει στη βελτίωση της ποιότητας των υπηρεσιών πληροφορικής ευθυγραμμίζοντάς τες με τις ανάγκες της επιχείρησης και διασφαλίζοντας ότι παρέχονται αποτελεσματικά και αποτελεσματικά. Αποτελείται από ένα σύνολο διαδικασιών και διαδικασιών που καλύπτουν ολόκληρο τον κύκλο ζωής της υπηρεσίας, από τη στρατηγική μέχρι το σχεδιασμό, τη μετάβαση, τη λειτουργία και τη συνεχή βελτίωση. Ακολουθώντας τις πρακτικές ITIL, οι οργανισμοί μπορούν να βελτιστοποιήσουν τις υπηρεσίες πληροφορικής τους, να μειώσουν το κόστος και να αυξήσουν την ικανοποίηση των πελατών.</a:t>
+            </a:r>
+            <a:endParaRPr lang="en-US" dirty="0"/>
+          </a:p>
+        </p:txBody>
+      </p:sp>
+      <p:sp>
+        <p:nvSpPr>
+          <p:cNvPr id="4" name="Slide Number Placeholder 3"/>
+          <p:cNvSpPr>
+            <a:spLocks noGrp="1"/>
+          </p:cNvSpPr>
+          <p:nvPr>
+            <p:ph type="sldNum" sz="quarter" idx="5"/>
+          </p:nvPr>
+        </p:nvSpPr>
+        <p:spPr/>
+        <p:txBody>
+          <a:bodyPr/>
+          <a:lstStyle/>
+          <a:p>
+            <a:fld id="{93322314-975C-554B-8A12-FD962E3F8AC7}" type="slidenum">
+              <a:rPr lang="en-US" smtClean="0"/>
+              <a:pPr/>
+              <a:t>13</a:t>
+            </a:fld>
+            <a:endParaRPr lang="en-US" dirty="0"/>
+          </a:p>
+        </p:txBody>
+      </p:sp>
+    </p:spTree>
+    <p:extLst>
+      <p:ext uri="{BB962C8B-B14F-4D97-AF65-F5344CB8AC3E}">
+        <p14:creationId xmlns:p14="http://schemas.microsoft.com/office/powerpoint/2010/main" val="3368896515"/>
+      </p:ext>
+    </p:extLst>
+  </p:cSld>
+  <p:clrMapOvr>
+    <a:masterClrMapping/>
+  </p:clrMapOvr>
+</p:notes>
+</file>
+
+<file path=ppt/notesSlides/notesSlide14.xml><?xml version="1.0" encoding="utf-8"?>
+<p:notes xmlns:a="http://schemas.openxmlformats.org/drawingml/2006/main" xmlns:r="http://schemas.openxmlformats.org/officeDocument/2006/relationships" xmlns:p="http://schemas.openxmlformats.org/presentationml/2006/main">
+  <p:cSld>
+    <p:spTree>
+      <p:nvGrpSpPr>
+        <p:cNvPr id="1" name=""/>
+        <p:cNvGrpSpPr/>
+        <p:nvPr/>
+      </p:nvGrpSpPr>
+      <p:grpSpPr>
+        <a:xfrm>
+          <a:off x="0" y="0"/>
+          <a:ext cx="0" cy="0"/>
+          <a:chOff x="0" y="0"/>
+          <a:chExt cx="0" cy="0"/>
+        </a:xfrm>
+      </p:grpSpPr>
+      <p:sp>
+        <p:nvSpPr>
+          <p:cNvPr id="2" name="Slide Image Placeholder 1"/>
+          <p:cNvSpPr>
+            <a:spLocks noGrp="1" noRot="1" noChangeAspect="1"/>
+          </p:cNvSpPr>
+          <p:nvPr>
+            <p:ph type="sldImg"/>
+          </p:nvPr>
+        </p:nvSpPr>
+        <p:spPr/>
+      </p:sp>
+      <p:sp>
+        <p:nvSpPr>
+          <p:cNvPr id="3" name="Notes Placeholder 2"/>
+          <p:cNvSpPr>
+            <a:spLocks noGrp="1"/>
+          </p:cNvSpPr>
+          <p:nvPr>
+            <p:ph type="body" idx="1"/>
+          </p:nvPr>
+        </p:nvSpPr>
+        <p:spPr/>
+        <p:txBody>
+          <a:bodyPr/>
+          <a:lstStyle/>
+          <a:p>
+            <a:r>
+              <a:rPr lang="el-GR" sz="1200" dirty="0"/>
+              <a:t>Το </a:t>
+            </a:r>
+            <a:r>
+              <a:rPr lang="el-GR" sz="1200" dirty="0" err="1"/>
+              <a:t>SAFe</a:t>
+            </a:r>
+            <a:r>
+              <a:rPr lang="el-GR" sz="1200" dirty="0"/>
+              <a:t> (</a:t>
+            </a:r>
+            <a:r>
+              <a:rPr lang="el-GR" sz="1200" dirty="0" err="1"/>
+              <a:t>Scaled</a:t>
+            </a:r>
+            <a:r>
+              <a:rPr lang="el-GR" sz="1200" dirty="0"/>
+              <a:t> </a:t>
+            </a:r>
+            <a:r>
+              <a:rPr lang="el-GR" sz="1200" dirty="0" err="1"/>
+              <a:t>Agile</a:t>
+            </a:r>
+            <a:r>
+              <a:rPr lang="el-GR" sz="1200" dirty="0"/>
+              <a:t> </a:t>
+            </a:r>
+            <a:r>
+              <a:rPr lang="el-GR" sz="1200" dirty="0" err="1"/>
+              <a:t>Framework</a:t>
+            </a:r>
+            <a:r>
+              <a:rPr lang="el-GR" sz="1200" dirty="0"/>
+              <a:t>) είναι μια προσέγγιση στην ανάπτυξη λογισμικού που επιτρέπει στους οργανισμούς να υιοθετούν ευέλικτες πρακτικές σε κλίμακα. Παρέχει ένα πλαίσιο για τη διαχείριση και τον συντονισμό μεγάλων, πολύπλοκων έργων λογισμικού, αναλύοντάς τα σε μικρότερα, πιο </a:t>
+            </a:r>
+            <a:r>
+              <a:rPr lang="el-GR" sz="1200" dirty="0" err="1"/>
+              <a:t>διαχειρίσιμα</a:t>
+            </a:r>
+            <a:r>
+              <a:rPr lang="el-GR" sz="1200" dirty="0"/>
+              <a:t> στοιχεία.</a:t>
+            </a:r>
+          </a:p>
+          <a:p>
+            <a:endParaRPr lang="el-GR" sz="1200" dirty="0"/>
+          </a:p>
+          <a:p>
+            <a:r>
+              <a:rPr lang="el-GR" sz="1200" dirty="0"/>
+              <a:t>Το </a:t>
+            </a:r>
+            <a:r>
+              <a:rPr lang="el-GR" sz="1200" dirty="0" err="1"/>
+              <a:t>SAFe</a:t>
+            </a:r>
+            <a:r>
+              <a:rPr lang="el-GR" sz="1200" dirty="0"/>
+              <a:t> μπορεί να συνδυαστεί με το ITIL και το TOGAF για να δημιουργήσει μια πιο ολιστική προσέγγιση στην αρχιτεκτονική της επιχείρησης και στην ανάπτυξη λογισμικού. Ενώ το ITIL εστιάζει στη διαχείριση υπηρεσιών και το TOGAF εστιάζει στην εταιρική αρχιτεκτονική, το </a:t>
+            </a:r>
+            <a:r>
+              <a:rPr lang="el-GR" sz="1200" dirty="0" err="1"/>
+              <a:t>SAFe</a:t>
+            </a:r>
+            <a:r>
+              <a:rPr lang="el-GR" sz="1200" dirty="0"/>
+              <a:t> παρέχει μια μεθοδολογία για την ευέλικτη ανάπτυξη λογισμικού που μπορεί να χρησιμοποιηθεί σε αυτά τα πλαίσια. Συνδυάζοντας αυτές τις προσεγγίσεις, οι οργανισμοί μπορούν να βελτιώσουν τις διαδικασίες ανάπτυξης λογισμικού τους, διασφαλίζοντας παράλληλα την ευθυγράμμιση με τους συνολικούς επιχειρηματικούς στόχους και τη στρατηγική ΤΠ.</a:t>
+            </a:r>
+            <a:endParaRPr lang="en-US" dirty="0"/>
+          </a:p>
+        </p:txBody>
+      </p:sp>
+      <p:sp>
+        <p:nvSpPr>
+          <p:cNvPr id="4" name="Slide Number Placeholder 3"/>
+          <p:cNvSpPr>
+            <a:spLocks noGrp="1"/>
+          </p:cNvSpPr>
+          <p:nvPr>
+            <p:ph type="sldNum" sz="quarter" idx="5"/>
+          </p:nvPr>
+        </p:nvSpPr>
+        <p:spPr/>
+        <p:txBody>
+          <a:bodyPr/>
+          <a:lstStyle/>
+          <a:p>
+            <a:fld id="{93322314-975C-554B-8A12-FD962E3F8AC7}" type="slidenum">
+              <a:rPr lang="en-US" smtClean="0"/>
+              <a:pPr/>
+              <a:t>14</a:t>
+            </a:fld>
+            <a:endParaRPr lang="en-US" dirty="0"/>
+          </a:p>
+        </p:txBody>
+      </p:sp>
+    </p:spTree>
+    <p:extLst>
+      <p:ext uri="{BB962C8B-B14F-4D97-AF65-F5344CB8AC3E}">
+        <p14:creationId xmlns:p14="http://schemas.microsoft.com/office/powerpoint/2010/main" val="3969933843"/>
+      </p:ext>
+    </p:extLst>
+  </p:cSld>
+  <p:clrMapOvr>
+    <a:masterClrMapping/>
+  </p:clrMapOvr>
+</p:notes>
+</file>
+
+<file path=ppt/notesSlides/notesSlide15.xml><?xml version="1.0" encoding="utf-8"?>
+<p:notes xmlns:a="http://schemas.openxmlformats.org/drawingml/2006/main" xmlns:r="http://schemas.openxmlformats.org/officeDocument/2006/relationships" xmlns:p="http://schemas.openxmlformats.org/presentationml/2006/main">
+  <p:cSld>
+    <p:spTree>
+      <p:nvGrpSpPr>
+        <p:cNvPr id="1" name=""/>
+        <p:cNvGrpSpPr/>
+        <p:nvPr/>
+      </p:nvGrpSpPr>
+      <p:grpSpPr>
+        <a:xfrm>
+          <a:off x="0" y="0"/>
+          <a:ext cx="0" cy="0"/>
+          <a:chOff x="0" y="0"/>
+          <a:chExt cx="0" cy="0"/>
+        </a:xfrm>
+      </p:grpSpPr>
+      <p:sp>
+        <p:nvSpPr>
+          <p:cNvPr id="2" name="Slide Image Placeholder 1"/>
+          <p:cNvSpPr>
+            <a:spLocks noGrp="1" noRot="1" noChangeAspect="1"/>
+          </p:cNvSpPr>
+          <p:nvPr>
+            <p:ph type="sldImg"/>
+          </p:nvPr>
+        </p:nvSpPr>
+        <p:spPr/>
+      </p:sp>
+      <p:sp>
+        <p:nvSpPr>
+          <p:cNvPr id="3" name="Notes Placeholder 2"/>
+          <p:cNvSpPr>
+            <a:spLocks noGrp="1"/>
+          </p:cNvSpPr>
+          <p:nvPr>
+            <p:ph type="body" idx="1"/>
+          </p:nvPr>
+        </p:nvSpPr>
+        <p:spPr/>
+        <p:txBody>
+          <a:bodyPr/>
+          <a:lstStyle/>
+          <a:p>
+            <a:r>
+              <a:rPr lang="en-US" sz="1200" dirty="0"/>
+              <a:t>3) </a:t>
+            </a:r>
+            <a:r>
+              <a:rPr lang="el-GR" sz="1200" dirty="0"/>
+              <a:t>Οι δυνατότητες των αναδυόμενων τεχνολογιών να μεταμορφώσουν τις παγκόσμιες επιχειρηματικές δραστηριότητες:</a:t>
+            </a:r>
+          </a:p>
+          <a:p>
+            <a:r>
+              <a:rPr lang="el-GR" sz="1200" dirty="0"/>
+              <a:t>Οι αναδυόμενες τεχνολογίες όπως το DAO, το WEB3.0 και το </a:t>
+            </a:r>
+            <a:r>
+              <a:rPr lang="el-GR" sz="1200" dirty="0" err="1"/>
+              <a:t>blockchain</a:t>
+            </a:r>
+            <a:r>
+              <a:rPr lang="el-GR" sz="1200" dirty="0"/>
+              <a:t> έχουν τη δυνατότητα να μεταμορφώσουν τις παγκόσμιες επιχειρηματικές δραστηριότητες με πολλούς τρόπους. Βελτιώνοντας τη διαχείριση δεδομένων, τη λήψη αποφάσεων και τη συνεργασία, αυτές οι τεχνολογίες μπορούν να ενισχύσουν το παγκόσμιο εμπόριο και τη διεθνή συνεργασία, οδηγώντας σε αυξημένη οικονομική ανάπτυξη και</a:t>
+            </a:r>
+            <a:r>
+              <a:rPr lang="en-US" sz="1200" dirty="0"/>
+              <a:t> </a:t>
+            </a:r>
+            <a:r>
+              <a:rPr lang="el-GR" sz="1200" dirty="0"/>
+              <a:t>εξέλιξη.</a:t>
+            </a:r>
+          </a:p>
+          <a:p>
+            <a:r>
+              <a:rPr lang="el-GR" sz="1200" dirty="0"/>
+              <a:t>Για να επεξηγήσουμε αυτό το σημείο, θα δώσουμε μερικά παραδείγματα για το πώς οι αναδυόμενες τεχνολογίες έχουν μεταμορφώσει τις παγκόσμιες επιχειρηματικές δραστηριότητες. </a:t>
+            </a:r>
+            <a:endParaRPr lang="en-US" sz="1200" dirty="0"/>
+          </a:p>
+          <a:p>
+            <a:endParaRPr lang="en-US" sz="1200" dirty="0"/>
+          </a:p>
+          <a:p>
+            <a:r>
+              <a:rPr lang="el-GR" sz="1200" dirty="0"/>
+              <a:t>Για παράδειγμα, εταιρείες που έχουν εφαρμόσει τεχνολογία </a:t>
+            </a:r>
+            <a:r>
+              <a:rPr lang="el-GR" sz="1200" dirty="0" err="1"/>
+              <a:t>blockchain</a:t>
+            </a:r>
+            <a:r>
+              <a:rPr lang="el-GR" sz="1200" dirty="0"/>
+              <a:t> έχουν αναφέρει αυξημένη αποτελεσματικότητα και διαφάνεια στη διαχείριση της εφοδιαστικής αλυσίδας, με αποτέλεσμα την εξοικονόμηση κόστους και τη βελτίωση της ικανοποίησης των πελατών. Ομοίως, η χρήση αλγοριθμικών συστημάτων HRM έχει αποδειχθεί ότι βελτιώνει την απόδοση και την ικανοποίηση των εργαζομένων, οδηγώντας σε μειωμένους ρυθμούς κύκλου εργασιών και αυξημένη παραγωγικότητα.</a:t>
+            </a:r>
+            <a:endParaRPr lang="en-US" dirty="0"/>
+          </a:p>
+        </p:txBody>
+      </p:sp>
+      <p:sp>
+        <p:nvSpPr>
+          <p:cNvPr id="4" name="Slide Number Placeholder 3"/>
+          <p:cNvSpPr>
+            <a:spLocks noGrp="1"/>
+          </p:cNvSpPr>
+          <p:nvPr>
+            <p:ph type="sldNum" sz="quarter" idx="5"/>
+          </p:nvPr>
+        </p:nvSpPr>
+        <p:spPr/>
+        <p:txBody>
+          <a:bodyPr/>
+          <a:lstStyle/>
+          <a:p>
+            <a:fld id="{93322314-975C-554B-8A12-FD962E3F8AC7}" type="slidenum">
+              <a:rPr lang="en-US" smtClean="0"/>
+              <a:pPr/>
+              <a:t>15</a:t>
+            </a:fld>
+            <a:endParaRPr lang="en-US" dirty="0"/>
+          </a:p>
+        </p:txBody>
+      </p:sp>
+    </p:spTree>
+    <p:extLst>
+      <p:ext uri="{BB962C8B-B14F-4D97-AF65-F5344CB8AC3E}">
+        <p14:creationId xmlns:p14="http://schemas.microsoft.com/office/powerpoint/2010/main" val="2667984823"/>
+      </p:ext>
+    </p:extLst>
+  </p:cSld>
+  <p:clrMapOvr>
+    <a:masterClrMapping/>
+  </p:clrMapOvr>
+</p:notes>
+</file>
+
+<file path=ppt/notesSlides/notesSlide16.xml><?xml version="1.0" encoding="utf-8"?>
+<p:notes xmlns:a="http://schemas.openxmlformats.org/drawingml/2006/main" xmlns:r="http://schemas.openxmlformats.org/officeDocument/2006/relationships" xmlns:p="http://schemas.openxmlformats.org/presentationml/2006/main">
+  <p:cSld>
+    <p:spTree>
+      <p:nvGrpSpPr>
+        <p:cNvPr id="1" name=""/>
+        <p:cNvGrpSpPr/>
+        <p:nvPr/>
+      </p:nvGrpSpPr>
+      <p:grpSpPr>
+        <a:xfrm>
+          <a:off x="0" y="0"/>
+          <a:ext cx="0" cy="0"/>
+          <a:chOff x="0" y="0"/>
+          <a:chExt cx="0" cy="0"/>
+        </a:xfrm>
+      </p:grpSpPr>
+      <p:sp>
+        <p:nvSpPr>
+          <p:cNvPr id="2" name="Slide Image Placeholder 1"/>
+          <p:cNvSpPr>
+            <a:spLocks noGrp="1" noRot="1" noChangeAspect="1"/>
+          </p:cNvSpPr>
+          <p:nvPr>
+            <p:ph type="sldImg"/>
+          </p:nvPr>
+        </p:nvSpPr>
+        <p:spPr/>
+      </p:sp>
+      <p:sp>
+        <p:nvSpPr>
+          <p:cNvPr id="3" name="Notes Placeholder 2"/>
+          <p:cNvSpPr>
+            <a:spLocks noGrp="1"/>
+          </p:cNvSpPr>
+          <p:nvPr>
+            <p:ph type="body" idx="1"/>
+          </p:nvPr>
+        </p:nvSpPr>
+        <p:spPr/>
+        <p:txBody>
+          <a:bodyPr/>
+          <a:lstStyle/>
+          <a:p>
+            <a:r>
+              <a:rPr lang="en-US" sz="1200" dirty="0"/>
+              <a:t>Conclusion:</a:t>
+            </a:r>
+            <a:endParaRPr lang="el-GR" sz="1200" dirty="0"/>
+          </a:p>
+          <a:p>
+            <a:r>
+              <a:rPr lang="el-GR" sz="1200" dirty="0"/>
+              <a:t>Συμπερασματικά, η ερευνητική εργασία παρέχει πολύτιμες πληροφορίες για τις επιχειρήσεις σχετικά με το πώς να αξιοποιήσουν αποτελεσματικά τις αναδυόμενες τεχνολογίες για να βελτιώσουν τις παγκόσμιες δραστηριότητές τους, οδηγώντας σε βελτιωμένη απόδοση, παραγωγικότητα και κερδοφορία. Υιοθετώντας μια στρατηγική και υπεύθυνη προσέγγιση για την υιοθέτηση τεχνολογίας, οι εταιρείες μπορούν να συνειδητοποιήσουν τα οφέλη των αναδυόμενων τεχνολογιών ελαχιστοποιώντας ταυτόχρονα τους κινδύνους και τις προκλήσεις. Επιπλέον, διερευνώντας τις δυνατότητες των αναδυόμενων τεχνολογιών, μπορούμε να προωθήσουμε την καινοτομία και τη δημιουργικότητα στις παγκόσμιες επιχειρηματικές δραστηριότητες, ενώ παράλληλα ενισχύουμε το παγκόσμιο εμπόριο και τη διεθνή συνεργασία.</a:t>
+            </a:r>
+            <a:endParaRPr lang="en-US" dirty="0"/>
+          </a:p>
+        </p:txBody>
+      </p:sp>
+      <p:sp>
+        <p:nvSpPr>
+          <p:cNvPr id="4" name="Slide Number Placeholder 3"/>
+          <p:cNvSpPr>
+            <a:spLocks noGrp="1"/>
+          </p:cNvSpPr>
+          <p:nvPr>
+            <p:ph type="sldNum" sz="quarter" idx="5"/>
+          </p:nvPr>
+        </p:nvSpPr>
+        <p:spPr/>
+        <p:txBody>
+          <a:bodyPr/>
+          <a:lstStyle/>
+          <a:p>
+            <a:fld id="{93322314-975C-554B-8A12-FD962E3F8AC7}" type="slidenum">
+              <a:rPr lang="en-US" smtClean="0"/>
+              <a:pPr/>
+              <a:t>16</a:t>
+            </a:fld>
+            <a:endParaRPr lang="en-US" dirty="0"/>
+          </a:p>
+        </p:txBody>
+      </p:sp>
+    </p:spTree>
+    <p:extLst>
+      <p:ext uri="{BB962C8B-B14F-4D97-AF65-F5344CB8AC3E}">
+        <p14:creationId xmlns:p14="http://schemas.microsoft.com/office/powerpoint/2010/main" val="3337363355"/>
+      </p:ext>
+    </p:extLst>
+  </p:cSld>
+  <p:clrMapOvr>
+    <a:masterClrMapping/>
+  </p:clrMapOvr>
+</p:notes>
+</file>
+
+<file path=ppt/notesSlides/notesSlide17.xml><?xml version="1.0" encoding="utf-8"?>
+<p:notes xmlns:a="http://schemas.openxmlformats.org/drawingml/2006/main" xmlns:r="http://schemas.openxmlformats.org/officeDocument/2006/relationships" xmlns:p="http://schemas.openxmlformats.org/presentationml/2006/main">
+  <p:cSld>
+    <p:spTree>
+      <p:nvGrpSpPr>
+        <p:cNvPr id="1" name=""/>
+        <p:cNvGrpSpPr/>
+        <p:nvPr/>
+      </p:nvGrpSpPr>
+      <p:grpSpPr>
+        <a:xfrm>
+          <a:off x="0" y="0"/>
+          <a:ext cx="0" cy="0"/>
+          <a:chOff x="0" y="0"/>
+          <a:chExt cx="0" cy="0"/>
+        </a:xfrm>
+      </p:grpSpPr>
+      <p:sp>
+        <p:nvSpPr>
+          <p:cNvPr id="2" name="Slide Image Placeholder 1"/>
+          <p:cNvSpPr>
+            <a:spLocks noGrp="1" noRot="1" noChangeAspect="1"/>
+          </p:cNvSpPr>
+          <p:nvPr>
+            <p:ph type="sldImg"/>
+          </p:nvPr>
+        </p:nvSpPr>
+        <p:spPr/>
+      </p:sp>
+      <p:sp>
+        <p:nvSpPr>
+          <p:cNvPr id="3" name="Notes Placeholder 2"/>
+          <p:cNvSpPr>
+            <a:spLocks noGrp="1"/>
+          </p:cNvSpPr>
+          <p:nvPr>
+            <p:ph type="body" idx="1"/>
+          </p:nvPr>
+        </p:nvSpPr>
+        <p:spPr/>
+        <p:txBody>
+          <a:bodyPr/>
+          <a:lstStyle/>
+          <a:p>
+            <a:r>
+              <a:rPr lang="el-GR" dirty="0"/>
+              <a:t>«Στην εποχή της ψηφιακής τεχνολογίας, κάθε επιχείρηση είναι μια επιχείρηση λογισμικού.</a:t>
+            </a:r>
+          </a:p>
+          <a:p>
+            <a:r>
+              <a:rPr lang="el-GR" dirty="0"/>
+              <a:t>Η ευελιξία δεν είναι επιλογή ή κάτι μόνο για τεχνικές ομάδες, είναι </a:t>
+            </a:r>
+            <a:r>
+              <a:rPr lang="en-US" dirty="0"/>
+              <a:t>business imperative</a:t>
+            </a:r>
+            <a:r>
+              <a:rPr lang="el-GR" dirty="0"/>
+              <a:t>».</a:t>
+            </a:r>
+            <a:endParaRPr lang="en-US" dirty="0"/>
+          </a:p>
+          <a:p>
+            <a:endParaRPr lang="en-US" dirty="0"/>
+          </a:p>
+          <a:p>
+            <a:r>
+              <a:rPr lang="el-GR" dirty="0" err="1"/>
+              <a:t>Δηλαδη</a:t>
+            </a:r>
+            <a:r>
+              <a:rPr lang="el-GR" dirty="0"/>
+              <a:t> πρέπει να υπάρξει </a:t>
+            </a:r>
+            <a:r>
+              <a:rPr lang="en-US" dirty="0"/>
+              <a:t>agility </a:t>
+            </a:r>
+            <a:r>
+              <a:rPr lang="el-GR" dirty="0"/>
+              <a:t>και το να </a:t>
+            </a:r>
+            <a:r>
+              <a:rPr lang="el-GR" dirty="0" err="1"/>
+              <a:t>υπαρξει</a:t>
+            </a:r>
+            <a:r>
+              <a:rPr lang="el-GR" dirty="0"/>
+              <a:t> </a:t>
+            </a:r>
+            <a:r>
+              <a:rPr lang="el-GR" dirty="0" err="1"/>
+              <a:t>εννούμε</a:t>
+            </a:r>
+            <a:r>
+              <a:rPr lang="el-GR" dirty="0"/>
+              <a:t> </a:t>
+            </a:r>
+            <a:r>
+              <a:rPr lang="el-GR" dirty="0" err="1"/>
+              <a:t>ριζικα</a:t>
+            </a:r>
+            <a:r>
+              <a:rPr lang="el-GR" dirty="0"/>
+              <a:t> λειτουργική ώστε να προχωρήσει από </a:t>
+            </a:r>
+            <a:r>
+              <a:rPr lang="en-US" dirty="0"/>
+              <a:t>idea -&gt; reality to project/business vision.</a:t>
+            </a:r>
+          </a:p>
+          <a:p>
+            <a:endParaRPr lang="en-US" dirty="0"/>
+          </a:p>
+        </p:txBody>
+      </p:sp>
+      <p:sp>
+        <p:nvSpPr>
+          <p:cNvPr id="4" name="Slide Number Placeholder 3"/>
+          <p:cNvSpPr>
+            <a:spLocks noGrp="1"/>
+          </p:cNvSpPr>
+          <p:nvPr>
+            <p:ph type="sldNum" sz="quarter" idx="5"/>
+          </p:nvPr>
+        </p:nvSpPr>
+        <p:spPr/>
+        <p:txBody>
+          <a:bodyPr/>
+          <a:lstStyle/>
+          <a:p>
+            <a:fld id="{93322314-975C-554B-8A12-FD962E3F8AC7}" type="slidenum">
+              <a:rPr lang="en-US" smtClean="0"/>
+              <a:pPr/>
+              <a:t>17</a:t>
+            </a:fld>
+            <a:endParaRPr lang="en-US" dirty="0"/>
+          </a:p>
+        </p:txBody>
+      </p:sp>
+    </p:spTree>
+    <p:extLst>
+      <p:ext uri="{BB962C8B-B14F-4D97-AF65-F5344CB8AC3E}">
+        <p14:creationId xmlns:p14="http://schemas.microsoft.com/office/powerpoint/2010/main" val="2778896229"/>
+      </p:ext>
+    </p:extLst>
+  </p:cSld>
+  <p:clrMapOvr>
+    <a:masterClrMapping/>
+  </p:clrMapOvr>
+</p:notes>
+</file>
+
+<file path=ppt/notesSlides/notesSlide18.xml><?xml version="1.0" encoding="utf-8"?>
+<p:notes xmlns:a="http://schemas.openxmlformats.org/drawingml/2006/main" xmlns:r="http://schemas.openxmlformats.org/officeDocument/2006/relationships" xmlns:p="http://schemas.openxmlformats.org/presentationml/2006/main">
+  <p:cSld>
+    <p:spTree>
+      <p:nvGrpSpPr>
+        <p:cNvPr id="1" name=""/>
+        <p:cNvGrpSpPr/>
+        <p:nvPr/>
+      </p:nvGrpSpPr>
+      <p:grpSpPr>
+        <a:xfrm>
+          <a:off x="0" y="0"/>
+          <a:ext cx="0" cy="0"/>
+          <a:chOff x="0" y="0"/>
+          <a:chExt cx="0" cy="0"/>
+        </a:xfrm>
+      </p:grpSpPr>
+      <p:sp>
+        <p:nvSpPr>
+          <p:cNvPr id="2" name="Slide Image Placeholder 1"/>
+          <p:cNvSpPr>
+            <a:spLocks noGrp="1" noRot="1" noChangeAspect="1"/>
+          </p:cNvSpPr>
+          <p:nvPr>
+            <p:ph type="sldImg"/>
+          </p:nvPr>
+        </p:nvSpPr>
+        <p:spPr/>
+      </p:sp>
+      <p:sp>
+        <p:nvSpPr>
+          <p:cNvPr id="3" name="Notes Placeholder 2"/>
+          <p:cNvSpPr>
+            <a:spLocks noGrp="1"/>
+          </p:cNvSpPr>
+          <p:nvPr>
+            <p:ph type="body" idx="1"/>
+          </p:nvPr>
+        </p:nvSpPr>
+        <p:spPr/>
+        <p:txBody>
+          <a:bodyPr/>
+          <a:lstStyle/>
+          <a:p>
+            <a:r>
+              <a:rPr lang="el-GR" sz="1200" dirty="0"/>
+              <a:t>Σας ευχαριστώ για την προσοχή σας και καλωσορίζω οποιεσδήποτε ερωτήσεις έχετε.</a:t>
+            </a:r>
+            <a:endParaRPr lang="en-US" dirty="0"/>
+          </a:p>
+        </p:txBody>
+      </p:sp>
+      <p:sp>
+        <p:nvSpPr>
+          <p:cNvPr id="4" name="Slide Number Placeholder 3"/>
+          <p:cNvSpPr>
+            <a:spLocks noGrp="1"/>
+          </p:cNvSpPr>
+          <p:nvPr>
+            <p:ph type="sldNum" sz="quarter" idx="5"/>
+          </p:nvPr>
+        </p:nvSpPr>
+        <p:spPr/>
+        <p:txBody>
+          <a:bodyPr/>
+          <a:lstStyle/>
+          <a:p>
+            <a:fld id="{93322314-975C-554B-8A12-FD962E3F8AC7}" type="slidenum">
+              <a:rPr lang="en-US" smtClean="0"/>
+              <a:pPr/>
+              <a:t>18</a:t>
             </a:fld>
             <a:endParaRPr lang="en-US" dirty="0"/>
           </a:p>
@@ -1805,232 +2941,296 @@
           <a:lstStyle/>
           <a:p>
             <a:r>
-              <a:rPr lang="el-GR" sz="1200" dirty="0" err="1"/>
-              <a:t>Ολοι</a:t>
-            </a:r>
-            <a:r>
-              <a:rPr lang="el-GR" sz="1200" dirty="0"/>
-              <a:t> </a:t>
-            </a:r>
-            <a:r>
-              <a:rPr lang="el-GR" sz="1200" dirty="0" err="1"/>
-              <a:t>αλλα</a:t>
-            </a:r>
-            <a:r>
-              <a:rPr lang="el-GR" sz="1200" dirty="0"/>
-              <a:t> </a:t>
-            </a:r>
-            <a:r>
-              <a:rPr lang="el-GR" sz="1200" dirty="0" err="1"/>
-              <a:t>ειδικα</a:t>
-            </a:r>
-            <a:r>
-              <a:rPr lang="el-GR" sz="1200" dirty="0"/>
-              <a:t> </a:t>
-            </a:r>
-            <a:r>
-              <a:rPr lang="el-GR" sz="1200" dirty="0" err="1"/>
-              <a:t>οσοι</a:t>
-            </a:r>
-            <a:r>
-              <a:rPr lang="el-GR" sz="1200" dirty="0"/>
-              <a:t> </a:t>
-            </a:r>
-            <a:r>
-              <a:rPr lang="el-GR" sz="1200" dirty="0" err="1"/>
-              <a:t>δουλευουμε</a:t>
-            </a:r>
-            <a:r>
-              <a:rPr lang="el-GR" sz="1200" dirty="0"/>
-              <a:t> σε επιχειρήσεις </a:t>
-            </a:r>
-            <a:r>
-              <a:rPr lang="el-GR" sz="1200" dirty="0" err="1"/>
-              <a:t>γνωριζουμε</a:t>
-            </a:r>
-            <a:r>
-              <a:rPr lang="el-GR" sz="1200" dirty="0"/>
-              <a:t> τα οφέλη της τεχνολογίας </a:t>
-            </a:r>
-            <a:r>
-              <a:rPr lang="el-GR" sz="1200" dirty="0" err="1"/>
-              <a:t>ιδιως</a:t>
-            </a:r>
-            <a:r>
-              <a:rPr lang="el-GR" sz="1200" dirty="0"/>
-              <a:t> τα </a:t>
-            </a:r>
-            <a:r>
-              <a:rPr lang="el-GR" sz="1200" dirty="0" err="1"/>
-              <a:t>τελευταια</a:t>
-            </a:r>
-            <a:r>
-              <a:rPr lang="el-GR" sz="1200" dirty="0"/>
-              <a:t> 2 </a:t>
-            </a:r>
-            <a:r>
-              <a:rPr lang="el-GR" sz="1200" dirty="0" err="1"/>
-              <a:t>χρονια</a:t>
-            </a:r>
-            <a:r>
-              <a:rPr lang="el-GR" sz="1200" dirty="0"/>
-              <a:t> </a:t>
-            </a:r>
-            <a:r>
-              <a:rPr lang="el-GR" sz="1200" dirty="0" err="1"/>
-              <a:t>μετα</a:t>
-            </a:r>
-            <a:r>
-              <a:rPr lang="el-GR" sz="1200" dirty="0"/>
-              <a:t> την πανδημία. </a:t>
-            </a:r>
-            <a:r>
-              <a:rPr lang="el-GR" sz="1200" dirty="0" err="1"/>
-              <a:t>Εκθετικη</a:t>
-            </a:r>
-            <a:r>
-              <a:rPr lang="el-GR" sz="1200" dirty="0"/>
-              <a:t> </a:t>
-            </a:r>
-            <a:r>
-              <a:rPr lang="el-GR" sz="1200" dirty="0" err="1"/>
-              <a:t>αυξιση</a:t>
-            </a:r>
-            <a:r>
-              <a:rPr lang="en-US" sz="1200" dirty="0"/>
-              <a:t> </a:t>
-            </a:r>
-            <a:r>
-              <a:rPr lang="el-GR" sz="1200" dirty="0" err="1"/>
-              <a:t>παραγωγικοτητας</a:t>
-            </a:r>
-            <a:r>
-              <a:rPr lang="el-GR" sz="1200" dirty="0"/>
-              <a:t> και </a:t>
-            </a:r>
-            <a:r>
-              <a:rPr lang="en-US" sz="1200" dirty="0"/>
-              <a:t>collaboration</a:t>
-            </a:r>
-            <a:r>
-              <a:rPr lang="el-GR" sz="1200" dirty="0"/>
-              <a:t>. </a:t>
-            </a:r>
-            <a:r>
-              <a:rPr lang="el-GR" sz="1200" dirty="0" err="1"/>
-              <a:t>Παραδειγματα</a:t>
-            </a:r>
-            <a:r>
-              <a:rPr lang="el-GR" sz="1200" dirty="0"/>
-              <a:t> </a:t>
-            </a:r>
-            <a:r>
-              <a:rPr lang="en-US" sz="1200" dirty="0" err="1"/>
-              <a:t>OpenAI</a:t>
-            </a:r>
-            <a:r>
-              <a:rPr lang="en-US" sz="1200" dirty="0"/>
-              <a:t> Art Generator </a:t>
-            </a:r>
-            <a:r>
-              <a:rPr lang="el-GR" sz="1200" dirty="0"/>
-              <a:t>ή το </a:t>
-            </a:r>
-            <a:r>
-              <a:rPr lang="el-GR" sz="1200" dirty="0" err="1"/>
-              <a:t>γνωστο</a:t>
-            </a:r>
-            <a:r>
-              <a:rPr lang="el-GR" sz="1200" dirty="0"/>
-              <a:t> </a:t>
-            </a:r>
-            <a:r>
-              <a:rPr lang="en-US" sz="1200" dirty="0"/>
-              <a:t>ChatGPT.</a:t>
-            </a:r>
-            <a:r>
-              <a:rPr lang="el-GR" sz="1200" dirty="0"/>
-              <a:t> Που ο </a:t>
-            </a:r>
-            <a:r>
-              <a:rPr lang="el-GR" sz="1200" dirty="0" err="1"/>
-              <a:t>κυριος</a:t>
-            </a:r>
-            <a:r>
-              <a:rPr lang="el-GR" sz="1200" dirty="0"/>
-              <a:t> </a:t>
-            </a:r>
-            <a:r>
-              <a:rPr lang="el-GR" sz="1200" dirty="0" err="1"/>
-              <a:t>στοχος</a:t>
-            </a:r>
-            <a:r>
-              <a:rPr lang="el-GR" sz="1200" dirty="0"/>
-              <a:t> τους είναι η </a:t>
-            </a:r>
-            <a:r>
-              <a:rPr lang="el-GR" sz="1200" dirty="0" err="1"/>
-              <a:t>ενισχυση</a:t>
-            </a:r>
-            <a:r>
-              <a:rPr lang="el-GR" sz="1200" dirty="0"/>
-              <a:t> του </a:t>
-            </a:r>
-            <a:r>
-              <a:rPr lang="el-GR" sz="1200" dirty="0" err="1"/>
-              <a:t>εργαζομενου</a:t>
-            </a:r>
-            <a:r>
-              <a:rPr lang="el-GR" sz="1200" dirty="0"/>
-              <a:t> σαν </a:t>
-            </a:r>
-            <a:r>
-              <a:rPr lang="en-US" sz="1200" dirty="0"/>
-              <a:t>assistant </a:t>
-            </a:r>
-            <a:r>
-              <a:rPr lang="el-GR" sz="1200" dirty="0"/>
-              <a:t>για </a:t>
-            </a:r>
-            <a:r>
-              <a:rPr lang="el-GR" sz="1200" dirty="0" err="1"/>
-              <a:t>μεγαλυτερη</a:t>
-            </a:r>
-            <a:r>
-              <a:rPr lang="el-GR" sz="1200" dirty="0"/>
-              <a:t> </a:t>
-            </a:r>
-            <a:r>
-              <a:rPr lang="el-GR" sz="1200" dirty="0" err="1"/>
-              <a:t>παραγωγικοτητα</a:t>
-            </a:r>
-            <a:r>
-              <a:rPr lang="el-GR" sz="1200" dirty="0"/>
-              <a:t> και </a:t>
-            </a:r>
-            <a:r>
-              <a:rPr lang="el-GR" sz="1200" dirty="0" err="1"/>
-              <a:t>μειωση</a:t>
-            </a:r>
-            <a:r>
-              <a:rPr lang="el-GR" sz="1200" dirty="0"/>
-              <a:t> σφαλμάτων. (και όχι σαν </a:t>
-            </a:r>
-            <a:r>
-              <a:rPr lang="en-US" sz="1200" dirty="0"/>
-              <a:t>replacement tool </a:t>
-            </a:r>
-            <a:r>
-              <a:rPr lang="el-GR" sz="1200" dirty="0"/>
-              <a:t>που πολύ </a:t>
-            </a:r>
-            <a:r>
-              <a:rPr lang="el-GR" sz="1200" dirty="0" err="1"/>
-              <a:t>φοβουνται</a:t>
-            </a:r>
-            <a:r>
-              <a:rPr lang="el-GR" sz="1200" dirty="0"/>
-              <a:t>)</a:t>
+              <a:rPr lang="en-US" b="0" i="0" dirty="0">
+                <a:effectLst/>
+                <a:latin typeface="-apple-system"/>
+              </a:rPr>
+              <a:t>The Current State of Industry 4.0!</a:t>
+            </a:r>
+            <a:br>
+              <a:rPr lang="en-US" dirty="0"/>
+            </a:br>
+            <a:br>
+              <a:rPr lang="en-US" dirty="0"/>
+            </a:br>
+            <a:r>
+              <a:rPr lang="en-US" b="0" i="0" dirty="0">
+                <a:effectLst/>
+                <a:latin typeface="-apple-system"/>
+              </a:rPr>
+              <a:t>I. Industry 4.0</a:t>
+            </a:r>
+            <a:br>
+              <a:rPr lang="en-US" dirty="0"/>
+            </a:br>
+            <a:br>
+              <a:rPr lang="en-US" dirty="0"/>
+            </a:br>
+            <a:r>
+              <a:rPr lang="en-US" b="0" i="0" dirty="0">
+                <a:effectLst/>
+                <a:latin typeface="-apple-system"/>
+              </a:rPr>
+              <a:t>The term "Industry 4.0" was coined more than ten years ago at the Hannover Fair to describe the revolutionary efficiency gains that could be achieved by digitalizing manufacturing operations</a:t>
+            </a:r>
+            <a:br>
+              <a:rPr lang="en-US" dirty="0"/>
+            </a:br>
+            <a:br>
+              <a:rPr lang="en-US" dirty="0"/>
+            </a:br>
+            <a:r>
+              <a:rPr lang="en-US" b="0" i="0" dirty="0">
+                <a:effectLst/>
+                <a:latin typeface="-apple-system"/>
+              </a:rPr>
+              <a:t>II. The Automotive Industry</a:t>
+            </a:r>
+            <a:br>
+              <a:rPr lang="en-US" dirty="0"/>
+            </a:br>
+            <a:br>
+              <a:rPr lang="en-US" dirty="0"/>
+            </a:br>
+            <a:r>
+              <a:rPr lang="en-US" b="0" i="0" dirty="0">
+                <a:effectLst/>
+                <a:latin typeface="-apple-system"/>
+              </a:rPr>
+              <a:t>Since then, it has become clear that various technological and organization challenges make the digitalization of manufacturing more complex than initially expected. Despite these challenges, some industries have made significant advances over the past decade – the automotive industry being one of them</a:t>
+            </a:r>
+            <a:br>
+              <a:rPr lang="en-US" dirty="0"/>
+            </a:br>
+            <a:br>
+              <a:rPr lang="en-US" dirty="0"/>
+            </a:br>
+            <a:r>
+              <a:rPr lang="en-US" b="0" i="0" dirty="0">
+                <a:effectLst/>
+                <a:latin typeface="-apple-system"/>
+              </a:rPr>
+              <a:t>III. High Value Use-Cases</a:t>
+            </a:r>
+            <a:br>
+              <a:rPr lang="en-US" dirty="0"/>
+            </a:br>
+            <a:br>
+              <a:rPr lang="en-US" dirty="0"/>
+            </a:br>
+            <a:r>
+              <a:rPr lang="en-US" b="0" i="0" dirty="0">
+                <a:effectLst/>
+                <a:latin typeface="-apple-system"/>
+              </a:rPr>
+              <a:t>1. Condition monitoring and predictive maintenance</a:t>
+            </a:r>
+            <a:br>
+              <a:rPr lang="en-US" dirty="0"/>
+            </a:br>
+            <a:r>
+              <a:rPr lang="en-US" b="0" i="0" dirty="0">
+                <a:effectLst/>
+                <a:latin typeface="-apple-system"/>
+              </a:rPr>
+              <a:t>2. Automated vision-based inspection</a:t>
+            </a:r>
+            <a:br>
+              <a:rPr lang="en-US" dirty="0"/>
+            </a:br>
+            <a:r>
+              <a:rPr lang="en-US" b="0" i="0" dirty="0">
+                <a:effectLst/>
+                <a:latin typeface="-apple-system"/>
+              </a:rPr>
+              <a:t>3. Automated process data-based inspection</a:t>
+            </a:r>
+            <a:br>
+              <a:rPr lang="en-US" dirty="0"/>
+            </a:br>
+            <a:r>
+              <a:rPr lang="en-US" b="0" i="0" dirty="0">
+                <a:effectLst/>
+                <a:latin typeface="-apple-system"/>
+              </a:rPr>
+              <a:t>4. Real-time machine parameter optimization</a:t>
+            </a:r>
+            <a:br>
+              <a:rPr lang="en-US" dirty="0"/>
+            </a:br>
+            <a:r>
+              <a:rPr lang="en-US" b="0" i="0" dirty="0">
+                <a:effectLst/>
+                <a:latin typeface="-apple-system"/>
+              </a:rPr>
+              <a:t>5. Autonomous material handling in intralogistics</a:t>
+            </a:r>
+            <a:br>
+              <a:rPr lang="en-US" dirty="0"/>
+            </a:br>
+            <a:r>
+              <a:rPr lang="en-US" b="0" i="0" dirty="0">
+                <a:effectLst/>
+                <a:latin typeface="-apple-system"/>
+              </a:rPr>
+              <a:t>6. Tracking of transports along the supply chain</a:t>
+            </a:r>
+            <a:br>
+              <a:rPr lang="en-US" dirty="0"/>
+            </a:br>
+            <a:br>
+              <a:rPr lang="en-US" dirty="0"/>
+            </a:br>
+            <a:r>
+              <a:rPr lang="en-US" b="0" i="0" dirty="0">
+                <a:effectLst/>
+                <a:latin typeface="-apple-system"/>
+              </a:rPr>
+              <a:t>IV . Key Learnings</a:t>
+            </a:r>
+            <a:br>
+              <a:rPr lang="en-US" dirty="0"/>
+            </a:br>
+            <a:br>
+              <a:rPr lang="en-US" dirty="0"/>
+            </a:br>
+            <a:r>
+              <a:rPr lang="en-US" b="0" i="0" dirty="0">
+                <a:effectLst/>
+                <a:latin typeface="-apple-system"/>
+              </a:rPr>
+              <a:t>1. Clear Prioritization of Use Cases</a:t>
+            </a:r>
+            <a:br>
+              <a:rPr lang="en-US" dirty="0"/>
+            </a:br>
+            <a:br>
+              <a:rPr lang="en-US" dirty="0"/>
+            </a:br>
+            <a:r>
+              <a:rPr lang="en-US" b="0" i="0" dirty="0">
+                <a:effectLst/>
+                <a:latin typeface="-apple-system"/>
+              </a:rPr>
+              <a:t>While experimentation is good to build up initial experience, clearly prioritizing use cases and resources is necessary to achieve real impact. Prioritizing use cases requires a quantification of the value they add and, in a further step, a business case for the given digital manufacturing use case</a:t>
+            </a:r>
+            <a:br>
+              <a:rPr lang="en-US" dirty="0"/>
+            </a:br>
+            <a:br>
+              <a:rPr lang="en-US" dirty="0"/>
+            </a:br>
+            <a:r>
+              <a:rPr lang="en-US" b="0" i="0" dirty="0">
+                <a:effectLst/>
+                <a:latin typeface="-apple-system"/>
+              </a:rPr>
+              <a:t>2. Hub and Spoke Organization</a:t>
+            </a:r>
+            <a:br>
+              <a:rPr lang="en-US" dirty="0"/>
+            </a:br>
+            <a:br>
+              <a:rPr lang="en-US" dirty="0"/>
+            </a:br>
+            <a:r>
+              <a:rPr lang="en-US" b="0" i="0" dirty="0">
+                <a:effectLst/>
+                <a:latin typeface="-apple-system"/>
+              </a:rPr>
+              <a:t>To drive the identification, prioritization and implementation of use cases quickly and without redundancies, a centralized (hub-and-spoke) approach is necessary. A central unit cannot merely be attached to IT or production: It needs to combine both sets of capabilities</a:t>
+            </a:r>
+            <a:br>
+              <a:rPr lang="en-US" dirty="0"/>
+            </a:br>
+            <a:br>
+              <a:rPr lang="en-US" dirty="0"/>
+            </a:br>
+            <a:r>
+              <a:rPr lang="en-US" b="0" i="0" dirty="0">
+                <a:effectLst/>
+                <a:latin typeface="-apple-system"/>
+              </a:rPr>
+              <a:t>3. Talent and Training</a:t>
+            </a:r>
+            <a:br>
+              <a:rPr lang="en-US" dirty="0"/>
+            </a:br>
+            <a:br>
+              <a:rPr lang="en-US" dirty="0"/>
+            </a:br>
+            <a:r>
+              <a:rPr lang="en-US" b="0" i="0" dirty="0">
+                <a:effectLst/>
+                <a:latin typeface="-apple-system"/>
+              </a:rPr>
+              <a:t>Overall equipment effectiveness and uptime at highly automated plants will depend to a large extent on predictive maintenance, rapid error resolution and the proper handling of equipment. This will require companies to retrain operators to work with and alongside automated equipment</a:t>
+            </a:r>
+            <a:br>
+              <a:rPr lang="en-US" dirty="0"/>
+            </a:br>
+            <a:br>
+              <a:rPr lang="en-US" dirty="0"/>
+            </a:br>
+            <a:r>
+              <a:rPr lang="en-US" b="0" i="0" dirty="0">
+                <a:effectLst/>
+                <a:latin typeface="-apple-system"/>
+              </a:rPr>
+              <a:t>4. IOT/OT Target Landscape and Roadmap</a:t>
+            </a:r>
+            <a:br>
+              <a:rPr lang="en-US" dirty="0"/>
+            </a:br>
+            <a:br>
+              <a:rPr lang="en-US" dirty="0"/>
+            </a:br>
+            <a:r>
+              <a:rPr lang="en-US" b="0" i="0" dirty="0">
+                <a:effectLst/>
+                <a:latin typeface="-apple-system"/>
+              </a:rPr>
+              <a:t>The IT/OT target landscape helps to avoid the redundant buildup of IT infrastructure and interfaces for different use cases, and ensures that the use case implementation roadmap is aligned with the investment in new systems. In addition to standardization of the company's internal IT/OT landscape, the need to integrate customers, suppliers and equipment providers must also be addressed in the future in order to exploit the full potential of "Industry 4.0"</a:t>
+            </a:r>
+            <a:br>
+              <a:rPr lang="en-US" dirty="0"/>
+            </a:br>
+            <a:br>
+              <a:rPr lang="en-US" dirty="0"/>
+            </a:br>
+            <a:r>
+              <a:rPr lang="en-US" b="0" i="0" dirty="0">
+                <a:effectLst/>
+                <a:latin typeface="-apple-system"/>
+              </a:rPr>
+              <a:t>V. Outlook</a:t>
+            </a:r>
+            <a:br>
+              <a:rPr lang="en-US" dirty="0"/>
+            </a:br>
+            <a:br>
+              <a:rPr lang="en-US" dirty="0"/>
+            </a:br>
+            <a:r>
+              <a:rPr lang="en-US" b="0" i="0" dirty="0">
+                <a:effectLst/>
+                <a:latin typeface="-apple-system"/>
+              </a:rPr>
+              <a:t>By applying these "lessons learned" automotive and non-automotive players can accelerate their </a:t>
+            </a:r>
+            <a:r>
+              <a:rPr lang="en-US" b="0" i="0" dirty="0" err="1">
+                <a:effectLst/>
+                <a:latin typeface="-apple-system"/>
+              </a:rPr>
+              <a:t>journies</a:t>
+            </a:r>
+            <a:r>
+              <a:rPr lang="en-US" b="0" i="0" dirty="0">
+                <a:effectLst/>
+                <a:latin typeface="-apple-system"/>
+              </a:rPr>
+              <a:t> to "Industry 4.0"</a:t>
             </a:r>
             <a:endParaRPr lang="en-US" dirty="0"/>
           </a:p>
@@ -2063,7 +3263,7 @@
     </p:spTree>
     <p:extLst>
       <p:ext uri="{BB962C8B-B14F-4D97-AF65-F5344CB8AC3E}">
-        <p14:creationId xmlns:p14="http://schemas.microsoft.com/office/powerpoint/2010/main" val="3131778640"/>
+        <p14:creationId xmlns:p14="http://schemas.microsoft.com/office/powerpoint/2010/main" val="771377593"/>
       </p:ext>
     </p:extLst>
   </p:cSld>
@@ -2118,41 +3318,8 @@
           <a:lstStyle/>
           <a:p>
             <a:r>
-              <a:rPr lang="el-GR" sz="1200" dirty="0"/>
-              <a:t>Συνεπώς η ερευνά καλύπτει ενότητες σχετικά με:</a:t>
-            </a:r>
-            <a:endParaRPr lang="en-US" sz="1200" dirty="0"/>
-          </a:p>
-          <a:p>
-            <a:r>
-              <a:rPr lang="en-US" sz="1200" dirty="0"/>
-              <a:t>1) </a:t>
-            </a:r>
-            <a:r>
-              <a:rPr lang="el-GR" sz="1200" dirty="0"/>
-              <a:t>Εισαγωγή στο θέμα της τεχνολογίας στις παγκόσμιες επιχειρηματικές δραστηριότητες</a:t>
-            </a:r>
-          </a:p>
-          <a:p>
-            <a:r>
-              <a:rPr lang="en-US" sz="1200" dirty="0"/>
-              <a:t>2) </a:t>
-            </a:r>
-            <a:r>
-              <a:rPr lang="el-GR" sz="1200" dirty="0"/>
-              <a:t>Επεξήγηση των πλεονεκτημάτων και των προκλήσεων της χρήσης αναδυόμενων τεχνολογιών όπως DAO</a:t>
-            </a:r>
-            <a:r>
-              <a:rPr lang="en-US" sz="1200" dirty="0"/>
-              <a:t>/Blockchain</a:t>
-            </a:r>
-            <a:r>
-              <a:rPr lang="el-GR" sz="1200" dirty="0"/>
-              <a:t>, WEB3.0, </a:t>
-            </a:r>
-            <a:r>
               <a:rPr lang="el-GR" sz="1200" dirty="0" err="1"/>
-              <a:t>Enterprise</a:t>
+              <a:t>Ολοι</a:t>
             </a:r>
             <a:r>
               <a:rPr lang="el-GR" sz="1200" dirty="0"/>
@@ -2160,76 +3327,224 @@
             </a:r>
             <a:r>
               <a:rPr lang="el-GR" sz="1200" dirty="0" err="1"/>
-              <a:t>Architectures</a:t>
+              <a:t>αλλα</a:t>
             </a:r>
             <a:r>
               <a:rPr lang="el-GR" sz="1200" dirty="0"/>
-              <a:t> IT </a:t>
+              <a:t> </a:t>
             </a:r>
             <a:r>
               <a:rPr lang="el-GR" sz="1200" dirty="0" err="1"/>
-              <a:t>Driven</a:t>
+              <a:t>ειδικα</a:t>
             </a:r>
             <a:r>
               <a:rPr lang="el-GR" sz="1200" dirty="0"/>
-              <a:t> και HRM αλγοριθμικά συστήματα</a:t>
-            </a:r>
-          </a:p>
-          <a:p>
+              <a:t> </a:t>
+            </a:r>
+            <a:r>
+              <a:rPr lang="el-GR" sz="1200" dirty="0" err="1"/>
+              <a:t>οσοι</a:t>
+            </a:r>
+            <a:r>
+              <a:rPr lang="el-GR" sz="1200" dirty="0"/>
+              <a:t> </a:t>
+            </a:r>
+            <a:r>
+              <a:rPr lang="el-GR" sz="1200" dirty="0" err="1"/>
+              <a:t>δουλευουμε</a:t>
+            </a:r>
+            <a:r>
+              <a:rPr lang="el-GR" sz="1200" dirty="0"/>
+              <a:t> σε επιχειρήσεις </a:t>
+            </a:r>
+            <a:r>
+              <a:rPr lang="el-GR" sz="1200" dirty="0" err="1"/>
+              <a:t>γνωριζουμε</a:t>
+            </a:r>
+            <a:r>
+              <a:rPr lang="el-GR" sz="1200" dirty="0"/>
+              <a:t> τα οφέλη της τεχνολογίας </a:t>
+            </a:r>
+            <a:r>
+              <a:rPr lang="el-GR" sz="1200" dirty="0" err="1"/>
+              <a:t>ιδιως</a:t>
+            </a:r>
+            <a:r>
+              <a:rPr lang="el-GR" sz="1200" dirty="0"/>
+              <a:t> τα </a:t>
+            </a:r>
+            <a:r>
+              <a:rPr lang="el-GR" sz="1200" dirty="0" err="1"/>
+              <a:t>τελευταια</a:t>
+            </a:r>
+            <a:r>
+              <a:rPr lang="el-GR" sz="1200" dirty="0"/>
+              <a:t> 2 </a:t>
+            </a:r>
+            <a:r>
+              <a:rPr lang="el-GR" sz="1200" dirty="0" err="1"/>
+              <a:t>χρονια</a:t>
+            </a:r>
+            <a:r>
+              <a:rPr lang="el-GR" sz="1200" dirty="0"/>
+              <a:t> </a:t>
+            </a:r>
+            <a:r>
+              <a:rPr lang="el-GR" sz="1200" dirty="0" err="1"/>
+              <a:t>μετα</a:t>
+            </a:r>
+            <a:r>
+              <a:rPr lang="el-GR" sz="1200" dirty="0"/>
+              <a:t> την πανδημία. </a:t>
+            </a:r>
+            <a:r>
+              <a:rPr lang="el-GR" sz="1200" dirty="0" err="1"/>
+              <a:t>Εκθετικη</a:t>
+            </a:r>
+            <a:r>
+              <a:rPr lang="el-GR" sz="1200" dirty="0"/>
+              <a:t> </a:t>
+            </a:r>
+            <a:r>
+              <a:rPr lang="el-GR" sz="1200" dirty="0" err="1"/>
+              <a:t>αυξιση</a:t>
+            </a:r>
             <a:r>
               <a:rPr lang="en-US" sz="1200" dirty="0"/>
-              <a:t>3) </a:t>
+              <a:t> </a:t>
+            </a:r>
+            <a:r>
+              <a:rPr lang="el-GR" sz="1200" dirty="0" err="1"/>
+              <a:t>παραγωγικοτητας</a:t>
             </a:r>
             <a:r>
               <a:rPr lang="el-GR" sz="1200" dirty="0"/>
-              <a:t>Παραδείγματα για το πώς οι εταιρείες έχουν αξιοποιήσει με επιτυχία αυτές τις τεχνολογίες</a:t>
-            </a:r>
-          </a:p>
-          <a:p>
+              <a:t> και </a:t>
+            </a:r>
             <a:r>
               <a:rPr lang="en-US" sz="1200" dirty="0"/>
-              <a:t>4) </a:t>
+              <a:t>collaboration</a:t>
             </a:r>
             <a:r>
               <a:rPr lang="el-GR" sz="1200" dirty="0"/>
-              <a:t>Αποτελεσματικές στρατηγικές για την υιοθέτηση αναδυόμενων τεχνολογιών στις παγκόσμιες επιχειρηματικές δραστηριότητες, συμπεριλαμβανομένης της χρήσης πλαισίων όπως το TOGAF</a:t>
+              <a:t>. </a:t>
+            </a:r>
+            <a:r>
+              <a:rPr lang="el-GR" sz="1200" dirty="0" err="1"/>
+              <a:t>Παραδειγματα</a:t>
+            </a:r>
+            <a:r>
+              <a:rPr lang="el-GR" sz="1200" dirty="0"/>
+              <a:t> </a:t>
+            </a:r>
+            <a:r>
+              <a:rPr lang="en-US" sz="1200" dirty="0" err="1"/>
+              <a:t>OpenAI</a:t>
             </a:r>
             <a:r>
               <a:rPr lang="en-US" sz="1200" dirty="0"/>
-              <a:t> &amp; </a:t>
-            </a:r>
-            <a:r>
-              <a:rPr lang="en-US" sz="1200" dirty="0" err="1"/>
-              <a:t>SAFe</a:t>
+              <a:t> Art Generator </a:t>
+            </a:r>
+            <a:r>
+              <a:rPr lang="el-GR" sz="1200" dirty="0"/>
+              <a:t>ή το </a:t>
+            </a:r>
+            <a:r>
+              <a:rPr lang="el-GR" sz="1200" dirty="0" err="1"/>
+              <a:t>γνωστο</a:t>
+            </a:r>
+            <a:r>
+              <a:rPr lang="el-GR" sz="1200" dirty="0"/>
+              <a:t> </a:t>
             </a:r>
             <a:r>
               <a:rPr lang="en-US" sz="1200" dirty="0"/>
-              <a:t> + ITIL</a:t>
-            </a:r>
-            <a:endParaRPr lang="el-GR" sz="1200" dirty="0"/>
-          </a:p>
-          <a:p>
+              <a:t>ChatGPT.</a:t>
+            </a:r>
+            <a:r>
+              <a:rPr lang="el-GR" sz="1200" dirty="0"/>
+              <a:t> Που ο </a:t>
+            </a:r>
+            <a:r>
+              <a:rPr lang="el-GR" sz="1200" dirty="0" err="1"/>
+              <a:t>κυριος</a:t>
+            </a:r>
+            <a:r>
+              <a:rPr lang="el-GR" sz="1200" dirty="0"/>
+              <a:t> </a:t>
+            </a:r>
+            <a:r>
+              <a:rPr lang="el-GR" sz="1200" dirty="0" err="1"/>
+              <a:t>στοχος</a:t>
+            </a:r>
+            <a:r>
+              <a:rPr lang="el-GR" sz="1200" dirty="0"/>
+              <a:t> τους είναι η </a:t>
+            </a:r>
+            <a:r>
+              <a:rPr lang="el-GR" sz="1200" dirty="0" err="1"/>
+              <a:t>ενισχυση</a:t>
+            </a:r>
+            <a:r>
+              <a:rPr lang="el-GR" sz="1200" dirty="0"/>
+              <a:t> του </a:t>
+            </a:r>
+            <a:r>
+              <a:rPr lang="el-GR" sz="1200" dirty="0" err="1"/>
+              <a:t>εργαζομενου</a:t>
+            </a:r>
+            <a:r>
+              <a:rPr lang="el-GR" sz="1200" dirty="0"/>
+              <a:t> σαν </a:t>
+            </a:r>
             <a:r>
               <a:rPr lang="en-US" sz="1200" dirty="0"/>
-              <a:t>5) </a:t>
+              <a:t>assistant </a:t>
             </a:r>
             <a:r>
               <a:rPr lang="el-GR" sz="1200" dirty="0"/>
-              <a:t>Συζήτηση για τις δυνατότητες των αναδυόμενων τεχνολογιών να μεταμορφώσουν τις παγκόσμιες επιχειρηματικές δραστηριότητες και να ενισχύσουν την οικονομική ανάπτυξη και εξέλιξη</a:t>
-            </a:r>
-          </a:p>
-          <a:p>
+              <a:t>για </a:t>
+            </a:r>
+            <a:r>
+              <a:rPr lang="el-GR" sz="1200" dirty="0" err="1"/>
+              <a:t>μεγαλυτερη</a:t>
+            </a:r>
+            <a:r>
+              <a:rPr lang="el-GR" sz="1200" dirty="0"/>
+              <a:t> </a:t>
+            </a:r>
+            <a:r>
+              <a:rPr lang="el-GR" sz="1200" dirty="0" err="1"/>
+              <a:t>παραγωγικοτητα</a:t>
+            </a:r>
+            <a:r>
+              <a:rPr lang="el-GR" sz="1200" dirty="0"/>
+              <a:t> και </a:t>
+            </a:r>
+            <a:r>
+              <a:rPr lang="el-GR" sz="1200" dirty="0" err="1"/>
+              <a:t>μειωση</a:t>
+            </a:r>
+            <a:r>
+              <a:rPr lang="el-GR" sz="1200" dirty="0"/>
+              <a:t> σφαλμάτων. (και όχι σαν </a:t>
+            </a:r>
             <a:r>
               <a:rPr lang="en-US" sz="1200" dirty="0"/>
-              <a:t>6) </a:t>
+              <a:t>replacement tool </a:t>
             </a:r>
             <a:r>
               <a:rPr lang="el-GR" sz="1200" dirty="0"/>
-              <a:t>Συμπέρασμα που τονίζει τη σημασία της υιοθέτησης μιας στρατηγικής και υπεύθυνης προσέγγισης για την υιοθέτηση τεχνολογίας προκειμένου να συνειδητοποιηθούν τα οφέλη των αναδυόμενων τεχνολογιών.</a:t>
-            </a:r>
-            <a:endParaRPr lang="en-US" sz="1200" dirty="0"/>
-          </a:p>
-          <a:p>
+              <a:t>που πολύ </a:t>
+            </a:r>
+            <a:r>
+              <a:rPr lang="el-GR" sz="1200" dirty="0" err="1"/>
+              <a:t>φοβουνται</a:t>
+            </a:r>
+            <a:r>
+              <a:rPr lang="el-GR" sz="1200" dirty="0"/>
+              <a:t>)</a:t>
+            </a:r>
             <a:endParaRPr lang="en-US" dirty="0"/>
           </a:p>
         </p:txBody>
@@ -2261,7 +3576,7 @@
     </p:spTree>
     <p:extLst>
       <p:ext uri="{BB962C8B-B14F-4D97-AF65-F5344CB8AC3E}">
-        <p14:creationId xmlns:p14="http://schemas.microsoft.com/office/powerpoint/2010/main" val="2348101833"/>
+        <p14:creationId xmlns:p14="http://schemas.microsoft.com/office/powerpoint/2010/main" val="3131778640"/>
       </p:ext>
     </p:extLst>
   </p:cSld>
@@ -2316,93 +3631,32 @@
           <a:lstStyle/>
           <a:p>
             <a:r>
+              <a:rPr lang="el-GR" sz="1200" dirty="0"/>
+              <a:t>Όλες οι επιχειρήσεις έχουν ωφεληθεί επίσης από το </a:t>
+            </a:r>
+            <a:r>
               <a:rPr lang="en-US" sz="1200" dirty="0"/>
-              <a:t>1) </a:t>
+              <a:t>cloud services </a:t>
             </a:r>
             <a:r>
               <a:rPr lang="el-GR" sz="1200" dirty="0"/>
-              <a:t>Βασικά οφέλη και προκλήσεις της χρήσης αναδυόμενων τεχνολογιών στις παγκόσμιες επιχειρηματικές δραστηριότητες:</a:t>
-            </a:r>
-            <a:endParaRPr lang="en-US" sz="1200" dirty="0"/>
-          </a:p>
-          <a:p>
+              <a:t>Που μπορείς πλέον χωρίς να έχεις </a:t>
+            </a:r>
+            <a:r>
+              <a:rPr lang="en-US" sz="1200" dirty="0"/>
+              <a:t>in-premise</a:t>
+            </a:r>
             <a:r>
               <a:rPr lang="el-GR" sz="1200" dirty="0"/>
-              <a:t>Οι αναδυόμενες τεχνολογίες όπως οι Αποκεντρωμένοι Αυτόνομοι Οργανισμοί (DAO), WEB3.0, </a:t>
-            </a:r>
-            <a:r>
-              <a:rPr lang="el-GR" sz="1200" dirty="0" err="1"/>
-              <a:t>Enterprise</a:t>
+              <a:t> ειδικό εξοπλισμό </a:t>
+            </a:r>
+            <a:r>
+              <a:rPr lang="en-US" sz="1200" dirty="0"/>
+              <a:t>software/hardware</a:t>
             </a:r>
             <a:r>
               <a:rPr lang="el-GR" sz="1200" dirty="0"/>
-              <a:t> </a:t>
-            </a:r>
-            <a:r>
-              <a:rPr lang="el-GR" sz="1200" dirty="0" err="1"/>
-              <a:t>Architectures</a:t>
-            </a:r>
-            <a:r>
-              <a:rPr lang="el-GR" sz="1200" dirty="0"/>
-              <a:t> IT </a:t>
-            </a:r>
-            <a:r>
-              <a:rPr lang="el-GR" sz="1200" dirty="0" err="1"/>
-              <a:t>Driven</a:t>
-            </a:r>
-            <a:r>
-              <a:rPr lang="el-GR" sz="1200" dirty="0"/>
-              <a:t> και Human </a:t>
-            </a:r>
-            <a:r>
-              <a:rPr lang="el-GR" sz="1200" dirty="0" err="1"/>
-              <a:t>Resource</a:t>
-            </a:r>
-            <a:r>
-              <a:rPr lang="el-GR" sz="1200" dirty="0"/>
-              <a:t> </a:t>
-            </a:r>
-            <a:r>
-              <a:rPr lang="el-GR" sz="1200" dirty="0" err="1"/>
-              <a:t>Management</a:t>
-            </a:r>
-            <a:r>
-              <a:rPr lang="el-GR" sz="1200" dirty="0"/>
-              <a:t> (HRM) αλγοριθμικά συστήματα προσφέρουν πολυάριθμα οφέλη για εταιρείες που δραστηριοποιούνται στην παγκόσμια οικονομία. Για παράδειγμα, οι DAO μπορούν να βελτιώσουν τη διαχείριση της εφοδιαστικής αλυσίδας παρέχοντας διαφάνεια και υπευθυνότητα στις συναλλαγές, ενώ τα αλγοριθμικά συστήματα HRM μπορούν να βελτιστοποιήσουν την απόδοση των εργαζομένων και να αυξήσουν την εργασιακή ικανοποίηση. Ωστόσο, υπάρχουν επίσης προκλήσεις που πρέπει να αντιμετωπιστούν, όπως η ασφάλεια, η </a:t>
-            </a:r>
-            <a:r>
-              <a:rPr lang="el-GR" sz="1200" dirty="0" err="1"/>
-              <a:t>διαλειτουργικότητα</a:t>
-            </a:r>
-            <a:r>
-              <a:rPr lang="el-GR" sz="1200" dirty="0"/>
-              <a:t> και οι ηθικές επιπτώσεις που σχετίζονται με την αλγοριθμική λήψη αποφάσεων.</a:t>
-            </a:r>
-            <a:r>
-              <a:rPr lang="en-US" sz="1200" dirty="0"/>
-              <a:t> </a:t>
-            </a:r>
-            <a:r>
-              <a:rPr lang="el-GR" sz="1200" dirty="0"/>
-              <a:t>Για να δείξουμε αυτά τα οφέλη και τις προκλήσεις, θα δώσουμε μερικά παραδείγματα. </a:t>
-            </a:r>
-            <a:endParaRPr lang="en-US" sz="1200" dirty="0"/>
-          </a:p>
-          <a:p>
-            <a:endParaRPr lang="en-US" sz="1200" dirty="0"/>
-          </a:p>
-          <a:p>
-            <a:r>
-              <a:rPr lang="el-GR" sz="1200" dirty="0"/>
-              <a:t>Για παράδειγμα, εταιρείες που έχουν εφαρμόσει DAO έχουν αναφέρει αυξημένη αποτελεσματικότητα και εξοικονόμηση κόστους στη διαχείριση της αλυσίδας εφοδιασμού τους. Ωστόσο, η χρήση της τεχνολογίας </a:t>
-            </a:r>
-            <a:r>
-              <a:rPr lang="el-GR" sz="1200" dirty="0" err="1"/>
-              <a:t>blockchain</a:t>
-            </a:r>
-            <a:r>
-              <a:rPr lang="el-GR" sz="1200" dirty="0"/>
-              <a:t> εγείρει ανησυχίες σχετικά με το απόρρητο των δεδομένων και τις απειλές στον κυβερνοχώρο. Ομοίως, η χρήση αλγοριθμικών συστημάτων HRM έχει αποδειχθεί ότι βελτιώνει την απόδοση και την ικανοποίηση των εργαζομένων, αλλά υπάρχουν ηθικές ανησυχίες σχετικά με την αλγοριθμική μεροληψία και τις διακρίσεις που πρέπει να αντιμετωπιστούν.</a:t>
+              <a:t> στην επιχείρηση η προσωπικό με μεγάλη τεχνογνωσία να λειτουργήσεις αυτές τις υπηρεσίες.</a:t>
             </a:r>
             <a:endParaRPr lang="en-US" dirty="0"/>
           </a:p>
@@ -2435,7 +3689,7 @@
     </p:spTree>
     <p:extLst>
       <p:ext uri="{BB962C8B-B14F-4D97-AF65-F5344CB8AC3E}">
-        <p14:creationId xmlns:p14="http://schemas.microsoft.com/office/powerpoint/2010/main" val="3050804985"/>
+        <p14:creationId xmlns:p14="http://schemas.microsoft.com/office/powerpoint/2010/main" val="1893503368"/>
       </p:ext>
     </p:extLst>
   </p:cSld>
@@ -2490,79 +3744,41 @@
           <a:lstStyle/>
           <a:p>
             <a:r>
+              <a:rPr lang="el-GR" sz="1200" dirty="0"/>
+              <a:t>Συνεπώς η ερευνά καλύπτει ενότητες σχετικά με:</a:t>
+            </a:r>
+            <a:endParaRPr lang="en-US" sz="1200" dirty="0"/>
+          </a:p>
+          <a:p>
+            <a:r>
+              <a:rPr lang="en-US" sz="1200" dirty="0"/>
+              <a:t>1) </a:t>
+            </a:r>
+            <a:r>
+              <a:rPr lang="el-GR" sz="1200" dirty="0"/>
+              <a:t>Εισαγωγή στο θέμα της τεχνολογίας στις παγκόσμιες επιχειρηματικές δραστηριότητες</a:t>
+            </a:r>
+          </a:p>
+          <a:p>
+            <a:r>
               <a:rPr lang="en-US" sz="1200" dirty="0"/>
               <a:t>2) </a:t>
             </a:r>
             <a:r>
               <a:rPr lang="el-GR" sz="1200" dirty="0"/>
-              <a:t>Αποτελεσματικές στρατηγικές για την αξιοποίηση των αναδυόμενων τεχνολογιών στις παγκόσμιες επιχειρηματικές δραστηριότητες:</a:t>
-            </a:r>
-          </a:p>
-          <a:p>
+              <a:t>Επεξήγηση των πλεονεκτημάτων και των προκλήσεων της χρήσης αναδυόμενων τεχνολογιών όπως DAO</a:t>
+            </a:r>
+            <a:r>
+              <a:rPr lang="en-US" sz="1200" dirty="0"/>
+              <a:t>/Blockchain</a:t>
+            </a:r>
             <a:r>
               <a:rPr lang="el-GR" sz="1200" dirty="0"/>
-              <a:t>Για να αξιοποιήσουν αποτελεσματικά τις αναδυόμενες τεχνολογίες στις παγκόσμιες επιχειρηματικές δραστηριότητες, οι εταιρείες πρέπει να υιοθετήσουν μια στρατηγική και προσεκτική προσέγγιση για την υιοθέτηση τεχνολογίας. Πλαίσια όπως το  </a:t>
-            </a:r>
-            <a:r>
-              <a:rPr lang="en-US" sz="1200" dirty="0"/>
-              <a:t>Enterprise Architecture (</a:t>
-            </a:r>
-            <a:r>
-              <a:rPr lang="el-GR" sz="1200" dirty="0"/>
-              <a:t>π.χ., TOGAF) μπορούν να καθοδηγήσουν τη λήψη αποφάσεων και να βοηθήσουν στον μετριασμό των κινδύνων και των προκλήσεων που σχετίζονται με την εφαρμογή της τεχνολογίας. Υιοθετώντας μια στρατηγική και υπεύθυνη προσέγγιση για την υιοθέτηση τεχνολογίας, οι εταιρείες μπορούν να συνειδητοποιήσουν τα οφέλη των αναδυόμενων τεχνολογιών ελαχιστοποιώντας ταυτόχρονα τους κινδύνους και τις προκλήσεις.</a:t>
-            </a:r>
-          </a:p>
-          <a:p>
-            <a:r>
-              <a:rPr lang="el-GR" sz="1200" dirty="0"/>
-              <a:t>Για να επεξηγήσουμε αυτό το σημείο, θα δώσουμε μερικά παραδείγματα εταιρειών που έχουν υιοθετήσει και αξιοποιήσει με επιτυχία τις αναδυόμενες τεχνολογίες. </a:t>
-            </a:r>
-            <a:endParaRPr lang="en-US" sz="1200" dirty="0"/>
-          </a:p>
-          <a:p>
-            <a:endParaRPr lang="en-US" sz="1200" dirty="0"/>
-          </a:p>
-          <a:p>
-            <a:r>
-              <a:rPr lang="el-GR" sz="1200" dirty="0"/>
-              <a:t>Για παράδειγμα, η </a:t>
+              <a:t>, WEB3.0, </a:t>
             </a:r>
             <a:r>
               <a:rPr lang="el-GR" sz="1200" dirty="0" err="1"/>
-              <a:t>Walmart</a:t>
-            </a:r>
-            <a:r>
-              <a:rPr lang="el-GR" sz="1200" dirty="0"/>
-              <a:t> έχει εφαρμόσει ένα σύστημα διαχείρισης εφοδιαστικής αλυσίδας που βασίζεται σε </a:t>
-            </a:r>
-            <a:r>
-              <a:rPr lang="el-GR" sz="1200" dirty="0" err="1"/>
-              <a:t>blockchain</a:t>
-            </a:r>
-            <a:r>
-              <a:rPr lang="el-GR" sz="1200" dirty="0"/>
-              <a:t> που έχει βελτιώσει την αποτελεσματικότητα και τη διαφάνεια στις λειτουργίες της. Ομοίως, η Accenture έχει αναπτύξει ένα αλγοριθμικό σύστημα HRM που έχει βελτιώσει την απόδοση των εργαζομένων και την ικανοποίηση από την εργασία, ενώ αντιμετωπίζει ανησυχίες σχετικά με την αλγοριθμική μεροληψία και τις διακρίσεις.</a:t>
-            </a:r>
-            <a:r>
-              <a:rPr lang="en-US" sz="1200" dirty="0"/>
-              <a:t> </a:t>
-            </a:r>
-            <a:r>
-              <a:rPr lang="el-GR" sz="1200" dirty="0"/>
-              <a:t>Επίσης έχουν χρησιμοποιήσει αλγόριθμους μηχανικής μάθησης για να αναλύσουν τα δεδομένα των εργαζομένων και να εξατομικεύσουν συστάσεις για εκπαίδευση και εξέλιξη σταδιοδρομίας.</a:t>
-            </a:r>
-          </a:p>
-          <a:p>
-            <a:endParaRPr lang="el-GR" sz="1200" dirty="0"/>
-          </a:p>
-          <a:p>
-            <a:r>
-              <a:rPr lang="el-GR" sz="1200" dirty="0"/>
-              <a:t>4!=5 </a:t>
-            </a:r>
-            <a:r>
-              <a:rPr lang="el-GR" sz="1200" dirty="0" err="1"/>
-              <a:t>επειδη</a:t>
+              <a:t>Enterprise</a:t>
             </a:r>
             <a:r>
               <a:rPr lang="el-GR" sz="1200" dirty="0"/>
@@ -2570,138 +3786,76 @@
             </a:r>
             <a:r>
               <a:rPr lang="el-GR" sz="1200" dirty="0" err="1"/>
-              <a:t>διαφερουν</a:t>
+              <a:t>Architectures</a:t>
             </a:r>
             <a:r>
               <a:rPr lang="el-GR" sz="1200" dirty="0"/>
-              <a:t> και είναι ο </a:t>
+              <a:t> IT </a:t>
             </a:r>
             <a:r>
               <a:rPr lang="el-GR" sz="1200" dirty="0" err="1"/>
-              <a:t>λεγομενος</a:t>
+              <a:t>Driven</a:t>
             </a:r>
             <a:r>
               <a:rPr lang="el-GR" sz="1200" dirty="0"/>
-              <a:t> </a:t>
-            </a:r>
-            <a:r>
-              <a:rPr lang="el-GR" sz="1200" dirty="0" err="1"/>
-              <a:t>κορεσμος</a:t>
+              <a:t> και HRM αλγοριθμικά συστήματα</a:t>
+            </a:r>
+          </a:p>
+          <a:p>
+            <a:r>
+              <a:rPr lang="en-US" sz="1200" dirty="0"/>
+              <a:t>3) </a:t>
             </a:r>
             <a:r>
               <a:rPr lang="el-GR" sz="1200" dirty="0"/>
-              <a:t> που </a:t>
-            </a:r>
-            <a:r>
-              <a:rPr lang="el-GR" sz="1200" dirty="0" err="1"/>
-              <a:t>θετει</a:t>
+              <a:t>Παραδείγματα για το πώς οι εταιρείες έχουν αξιοποιήσει με επιτυχία αυτές τις τεχνολογίες</a:t>
+            </a:r>
+          </a:p>
+          <a:p>
+            <a:r>
+              <a:rPr lang="en-US" sz="1200" dirty="0"/>
+              <a:t>4) </a:t>
             </a:r>
             <a:r>
               <a:rPr lang="el-GR" sz="1200" dirty="0"/>
-              <a:t> σε </a:t>
-            </a:r>
-            <a:r>
-              <a:rPr lang="el-GR" sz="1200" dirty="0" err="1"/>
-              <a:t>μηχανισμους</a:t>
+              <a:t>Αποτελεσματικές στρατηγικές για την υιοθέτηση αναδυόμενων τεχνολογιών στις παγκόσμιες επιχειρηματικές δραστηριότητες, συμπεριλαμβανομένης της χρήσης πλαισίων όπως το TOGAF</a:t>
+            </a:r>
+            <a:r>
+              <a:rPr lang="en-US" sz="1200" dirty="0"/>
+              <a:t> &amp; </a:t>
+            </a:r>
+            <a:r>
+              <a:rPr lang="en-US" sz="1200" dirty="0" err="1"/>
+              <a:t>SAFe</a:t>
+            </a:r>
+            <a:r>
+              <a:rPr lang="en-US" sz="1200" dirty="0"/>
+              <a:t> + ITIL</a:t>
+            </a:r>
+            <a:endParaRPr lang="el-GR" sz="1200" dirty="0"/>
+          </a:p>
+          <a:p>
+            <a:r>
+              <a:rPr lang="en-US" sz="1200" dirty="0"/>
+              <a:t>5) </a:t>
             </a:r>
             <a:r>
               <a:rPr lang="el-GR" sz="1200" dirty="0"/>
-              <a:t> </a:t>
-            </a:r>
-            <a:r>
-              <a:rPr lang="el-GR" sz="1200" dirty="0" err="1"/>
-              <a:t>αμυνας</a:t>
+              <a:t>Συζήτηση για τις δυνατότητες των αναδυόμενων τεχνολογιών να μεταμορφώσουν τις παγκόσμιες επιχειρηματικές δραστηριότητες και να ενισχύσουν την οικονομική ανάπτυξη και εξέλιξη</a:t>
+            </a:r>
+          </a:p>
+          <a:p>
+            <a:r>
+              <a:rPr lang="en-US" sz="1200" dirty="0"/>
+              <a:t>6) </a:t>
             </a:r>
             <a:r>
               <a:rPr lang="el-GR" sz="1200" dirty="0"/>
-              <a:t> την </a:t>
-            </a:r>
-            <a:r>
-              <a:rPr lang="el-GR" sz="1200" dirty="0" err="1"/>
-              <a:t>ψυχολογια</a:t>
-            </a:r>
-            <a:r>
-              <a:rPr lang="el-GR" sz="1200" dirty="0"/>
-              <a:t> </a:t>
-            </a:r>
-            <a:r>
-              <a:rPr lang="el-GR" sz="1200" dirty="0" err="1"/>
-              <a:t>καποιου</a:t>
-            </a:r>
-            <a:r>
-              <a:rPr lang="el-GR" sz="1200" dirty="0"/>
-              <a:t> και </a:t>
-            </a:r>
-            <a:r>
-              <a:rPr lang="el-GR" sz="1200" dirty="0" err="1"/>
-              <a:t>υπαρχη</a:t>
-            </a:r>
-            <a:r>
-              <a:rPr lang="el-GR" sz="1200" dirty="0"/>
-              <a:t> </a:t>
-            </a:r>
-            <a:r>
-              <a:rPr lang="el-GR" sz="1200" dirty="0" err="1"/>
-              <a:t>πτωση</a:t>
-            </a:r>
-            <a:r>
-              <a:rPr lang="el-GR" sz="1200" dirty="0"/>
-              <a:t> </a:t>
-            </a:r>
-            <a:r>
-              <a:rPr lang="el-GR" sz="1200" dirty="0" err="1"/>
-              <a:t>τοσο</a:t>
-            </a:r>
-            <a:r>
-              <a:rPr lang="el-GR" sz="1200" dirty="0"/>
-              <a:t> στον ιδιο </a:t>
-            </a:r>
-            <a:r>
-              <a:rPr lang="el-GR" sz="1200" dirty="0" err="1"/>
-              <a:t>οσο</a:t>
-            </a:r>
-            <a:r>
-              <a:rPr lang="el-GR" sz="1200" dirty="0"/>
-              <a:t> και στους </a:t>
-            </a:r>
-            <a:r>
-              <a:rPr lang="el-GR" sz="1200" dirty="0" err="1"/>
-              <a:t>γυρο</a:t>
-            </a:r>
-            <a:r>
-              <a:rPr lang="el-GR" sz="1200" dirty="0"/>
-              <a:t> του.</a:t>
+              <a:t>Συμπέρασμα που τονίζει τη σημασία της υιοθέτησης μιας στρατηγικής και υπεύθυνης προσέγγισης για την υιοθέτηση τεχνολογίας προκειμένου να συνειδητοποιηθούν τα οφέλη των αναδυόμενων τεχνολογιών.</a:t>
             </a:r>
             <a:endParaRPr lang="en-US" sz="1200" dirty="0"/>
           </a:p>
           <a:p>
-            <a:endParaRPr lang="en-US" sz="1200" dirty="0"/>
-          </a:p>
-          <a:p>
-            <a:r>
-              <a:rPr lang="en-US" sz="1200" dirty="0"/>
-              <a:t>*</a:t>
-            </a:r>
-            <a:r>
-              <a:rPr lang="el-GR" sz="1200" dirty="0" err="1"/>
-              <a:t>εμμεσα</a:t>
-            </a:r>
-            <a:r>
-              <a:rPr lang="el-GR" sz="1200" dirty="0"/>
-              <a:t> == είναι </a:t>
-            </a:r>
-            <a:r>
-              <a:rPr lang="el-GR" sz="1200" dirty="0" err="1"/>
-              <a:t>αργα</a:t>
-            </a:r>
-            <a:r>
-              <a:rPr lang="el-GR" sz="1200" dirty="0"/>
-              <a:t> όταν το </a:t>
-            </a:r>
-            <a:r>
-              <a:rPr lang="el-GR" sz="1200" dirty="0" err="1"/>
-              <a:t>καταλαβεις</a:t>
-            </a:r>
             <a:endParaRPr lang="en-US" dirty="0"/>
           </a:p>
         </p:txBody>
@@ -2733,7 +3887,7 @@
     </p:spTree>
     <p:extLst>
       <p:ext uri="{BB962C8B-B14F-4D97-AF65-F5344CB8AC3E}">
-        <p14:creationId xmlns:p14="http://schemas.microsoft.com/office/powerpoint/2010/main" val="1954666737"/>
+        <p14:creationId xmlns:p14="http://schemas.microsoft.com/office/powerpoint/2010/main" val="2348101833"/>
       </p:ext>
     </p:extLst>
   </p:cSld>
@@ -2789,17 +3943,84 @@
           <a:p>
             <a:r>
               <a:rPr lang="en-US" sz="1200" dirty="0"/>
-              <a:t>3) </a:t>
+              <a:t>1) </a:t>
             </a:r>
             <a:r>
               <a:rPr lang="el-GR" sz="1200" dirty="0"/>
-              <a:t>Οι δυνατότητες των αναδυόμενων τεχνολογιών να μεταμορφώσουν τις παγκόσμιες επιχειρηματικές δραστηριότητες:</a:t>
-            </a:r>
+              <a:t>Βασικά οφέλη και προκλήσεις της χρήσης αναδυόμενων τεχνολογιών στις παγκόσμιες επιχειρηματικές δραστηριότητες:</a:t>
+            </a:r>
+            <a:endParaRPr lang="en-US" sz="1200" dirty="0"/>
           </a:p>
           <a:p>
             <a:r>
               <a:rPr lang="el-GR" sz="1200" dirty="0"/>
-              <a:t>Οι αναδυόμενες τεχνολογίες όπως το DAO, το WEB3.0 και το </a:t>
+              <a:t>Οι αναδυόμενες τεχνολογίες όπως οι Αποκεντρωμένοι Αυτόνομοι Οργανισμοί (DAO), WEB3.0, </a:t>
+            </a:r>
+            <a:r>
+              <a:rPr lang="el-GR" sz="1200" dirty="0" err="1"/>
+              <a:t>Enterprise</a:t>
+            </a:r>
+            <a:r>
+              <a:rPr lang="el-GR" sz="1200" dirty="0"/>
+              <a:t> </a:t>
+            </a:r>
+            <a:r>
+              <a:rPr lang="el-GR" sz="1200" dirty="0" err="1"/>
+              <a:t>Architectures</a:t>
+            </a:r>
+            <a:r>
+              <a:rPr lang="el-GR" sz="1200" dirty="0"/>
+              <a:t> IT </a:t>
+            </a:r>
+            <a:r>
+              <a:rPr lang="el-GR" sz="1200" dirty="0" err="1"/>
+              <a:t>Driven</a:t>
+            </a:r>
+            <a:r>
+              <a:rPr lang="el-GR" sz="1200" dirty="0"/>
+              <a:t> και Human </a:t>
+            </a:r>
+            <a:r>
+              <a:rPr lang="el-GR" sz="1200" dirty="0" err="1"/>
+              <a:t>Resource</a:t>
+            </a:r>
+            <a:r>
+              <a:rPr lang="el-GR" sz="1200" dirty="0"/>
+              <a:t> </a:t>
+            </a:r>
+            <a:r>
+              <a:rPr lang="el-GR" sz="1200" dirty="0" err="1"/>
+              <a:t>Management</a:t>
+            </a:r>
+            <a:r>
+              <a:rPr lang="el-GR" sz="1200" dirty="0"/>
+              <a:t> (HRM) αλγοριθμικά συστήματα προσφέρουν πολυάριθμα οφέλη για εταιρείες που δραστηριοποιούνται στην παγκόσμια οικονομία. Για παράδειγμα, οι DAO μπορούν να βελτιώσουν τη διαχείριση της εφοδιαστικής αλυσίδας παρέχοντας διαφάνεια και υπευθυνότητα στις συναλλαγές, ενώ τα αλγοριθμικά συστήματα HRM μπορούν να βελτιστοποιήσουν την απόδοση των εργαζομένων και να αυξήσουν την εργασιακή ικανοποίηση. Ωστόσο, υπάρχουν επίσης προκλήσεις που πρέπει να αντιμετωπιστούν, όπως η ασφάλεια, η </a:t>
+            </a:r>
+            <a:r>
+              <a:rPr lang="el-GR" sz="1200" dirty="0" err="1"/>
+              <a:t>διαλειτουργικότητα</a:t>
+            </a:r>
+            <a:r>
+              <a:rPr lang="el-GR" sz="1200" dirty="0"/>
+              <a:t> και οι ηθικές επιπτώσεις που σχετίζονται με την αλγοριθμική λήψη αποφάσεων.</a:t>
+            </a:r>
+            <a:r>
+              <a:rPr lang="en-US" sz="1200" dirty="0"/>
+              <a:t> </a:t>
+            </a:r>
+            <a:r>
+              <a:rPr lang="el-GR" sz="1200" dirty="0"/>
+              <a:t>Για να δείξουμε αυτά τα οφέλη και τις προκλήσεις, θα δώσουμε μερικά παραδείγματα. </a:t>
+            </a:r>
+            <a:endParaRPr lang="en-US" sz="1200" dirty="0"/>
+          </a:p>
+          <a:p>
+            <a:endParaRPr lang="en-US" sz="1200" dirty="0"/>
+          </a:p>
+          <a:p>
+            <a:r>
+              <a:rPr lang="el-GR" sz="1200" dirty="0"/>
+              <a:t>Για παράδειγμα, εταιρείες που έχουν εφαρμόσει DAO έχουν αναφέρει αυξημένη αποτελεσματικότητα και εξοικονόμηση κόστους στη διαχείριση της αλυσίδας εφοδιασμού τους. Ωστόσο, η χρήση της τεχνολογίας </a:t>
             </a:r>
             <a:r>
               <a:rPr lang="el-GR" sz="1200" dirty="0" err="1"/>
@@ -2807,39 +4028,7 @@
             </a:r>
             <a:r>
               <a:rPr lang="el-GR" sz="1200" dirty="0"/>
-              <a:t> έχουν τη δυνατότητα να μεταμορφώσουν τις παγκόσμιες επιχειρηματικές δραστηριότητες με πολλούς τρόπους. Βελτιώνοντας τη διαχείριση δεδομένων, τη λήψη αποφάσεων και τη συνεργασία, αυτές οι τεχνολογίες μπορούν να ενισχύσουν το παγκόσμιο εμπόριο και τη διεθνή συνεργασία, οδηγώντας σε αυξημένη οικονομική ανάπτυξη και</a:t>
-            </a:r>
-            <a:r>
-              <a:rPr lang="en-US" sz="1200" dirty="0"/>
-              <a:t> </a:t>
-            </a:r>
-            <a:r>
-              <a:rPr lang="el-GR" sz="1200" dirty="0"/>
-              <a:t>εξέλιξη.</a:t>
-            </a:r>
-          </a:p>
-          <a:p>
-            <a:r>
-              <a:rPr lang="el-GR" sz="1200" dirty="0"/>
-              <a:t>Για να επεξηγήσουμε αυτό το σημείο, θα δώσουμε μερικά παραδείγματα για το πώς οι αναδυόμενες τεχνολογίες έχουν μεταμορφώσει τις παγκόσμιες επιχειρηματικές δραστηριότητες. </a:t>
-            </a:r>
-            <a:endParaRPr lang="en-US" sz="1200" dirty="0"/>
-          </a:p>
-          <a:p>
-            <a:endParaRPr lang="en-US" sz="1200" dirty="0"/>
-          </a:p>
-          <a:p>
-            <a:r>
-              <a:rPr lang="el-GR" sz="1200" dirty="0"/>
-              <a:t>Για παράδειγμα, εταιρείες που έχουν εφαρμόσει τεχνολογία </a:t>
-            </a:r>
-            <a:r>
-              <a:rPr lang="el-GR" sz="1200" dirty="0" err="1"/>
-              <a:t>blockchain</a:t>
-            </a:r>
-            <a:r>
-              <a:rPr lang="el-GR" sz="1200" dirty="0"/>
-              <a:t> έχουν αναφέρει αυξημένη αποτελεσματικότητα και διαφάνεια στη διαχείριση της εφοδιαστικής αλυσίδας, με αποτέλεσμα την εξοικονόμηση κόστους και τη βελτίωση της ικανοποίησης των πελατών. Ομοίως, η χρήση αλγοριθμικών συστημάτων HRM έχει αποδειχθεί ότι βελτιώνει την απόδοση και την ικανοποίηση των εργαζομένων, οδηγώντας σε μειωμένους ρυθμούς κύκλου εργασιών και αυξημένη παραγωγικότητα.</a:t>
+              <a:t> εγείρει ανησυχίες σχετικά με το απόρρητο των δεδομένων και τις απειλές στον κυβερνοχώρο. Ομοίως, η χρήση αλγοριθμικών συστημάτων HRM έχει αποδειχθεί ότι βελτιώνει την απόδοση και την ικανοποίηση των εργαζομένων, αλλά υπάρχουν ηθικές ανησυχίες σχετικά με την αλγοριθμική μεροληψία και τις διακρίσεις που πρέπει να αντιμετωπιστούν.</a:t>
             </a:r>
             <a:endParaRPr lang="en-US" dirty="0"/>
           </a:p>
@@ -2872,7 +4061,7 @@
     </p:spTree>
     <p:extLst>
       <p:ext uri="{BB962C8B-B14F-4D97-AF65-F5344CB8AC3E}">
-        <p14:creationId xmlns:p14="http://schemas.microsoft.com/office/powerpoint/2010/main" val="2667984823"/>
+        <p14:creationId xmlns:p14="http://schemas.microsoft.com/office/powerpoint/2010/main" val="3050804985"/>
       </p:ext>
     </p:extLst>
   </p:cSld>
@@ -3076,7 +4265,7 @@
             <a:fld id="{623BE99D-5132-394D-8DE2-2FD77049DBCC}" type="datetimeFigureOut">
               <a:rPr lang="en-US" smtClean="0"/>
               <a:pPr/>
-              <a:t>3/9/2023</a:t>
+              <a:t>3/13/2023</a:t>
             </a:fld>
             <a:endParaRPr lang="en-US" dirty="0"/>
           </a:p>
@@ -3281,7 +4470,7 @@
             <a:fld id="{623BE99D-5132-394D-8DE2-2FD77049DBCC}" type="datetimeFigureOut">
               <a:rPr lang="en-US" smtClean="0"/>
               <a:pPr/>
-              <a:t>3/9/2023</a:t>
+              <a:t>3/13/2023</a:t>
             </a:fld>
             <a:endParaRPr lang="en-US" dirty="0"/>
           </a:p>
@@ -3486,7 +4675,7 @@
             <a:fld id="{623BE99D-5132-394D-8DE2-2FD77049DBCC}" type="datetimeFigureOut">
               <a:rPr lang="en-US" smtClean="0"/>
               <a:pPr/>
-              <a:t>3/9/2023</a:t>
+              <a:t>3/13/2023</a:t>
             </a:fld>
             <a:endParaRPr lang="en-US" dirty="0"/>
           </a:p>
@@ -3753,7 +4942,7 @@
             <a:fld id="{623BE99D-5132-394D-8DE2-2FD77049DBCC}" type="datetimeFigureOut">
               <a:rPr lang="en-US" smtClean="0"/>
               <a:pPr/>
-              <a:t>3/9/2023</a:t>
+              <a:t>3/13/2023</a:t>
             </a:fld>
             <a:endParaRPr lang="en-US" dirty="0"/>
           </a:p>
@@ -3963,7 +5152,7 @@
             <a:fld id="{623BE99D-5132-394D-8DE2-2FD77049DBCC}" type="datetimeFigureOut">
               <a:rPr lang="en-US" smtClean="0"/>
               <a:pPr/>
-              <a:t>3/9/2023</a:t>
+              <a:t>3/13/2023</a:t>
             </a:fld>
             <a:endParaRPr lang="en-US" dirty="0"/>
           </a:p>
@@ -4240,7 +5429,7 @@
             <a:fld id="{623BE99D-5132-394D-8DE2-2FD77049DBCC}" type="datetimeFigureOut">
               <a:rPr lang="en-US" smtClean="0"/>
               <a:pPr/>
-              <a:t>3/9/2023</a:t>
+              <a:t>3/13/2023</a:t>
             </a:fld>
             <a:endParaRPr lang="en-US" dirty="0"/>
           </a:p>
@@ -4565,7 +5754,7 @@
             <a:fld id="{623BE99D-5132-394D-8DE2-2FD77049DBCC}" type="datetimeFigureOut">
               <a:rPr lang="en-US" smtClean="0"/>
               <a:pPr/>
-              <a:t>3/9/2023</a:t>
+              <a:t>3/13/2023</a:t>
             </a:fld>
             <a:endParaRPr lang="en-US" dirty="0"/>
           </a:p>
@@ -5030,7 +6219,7 @@
             <a:fld id="{623BE99D-5132-394D-8DE2-2FD77049DBCC}" type="datetimeFigureOut">
               <a:rPr lang="en-US" smtClean="0"/>
               <a:pPr/>
-              <a:t>3/9/2023</a:t>
+              <a:t>3/13/2023</a:t>
             </a:fld>
             <a:endParaRPr lang="en-US" dirty="0"/>
           </a:p>
@@ -5181,7 +6370,7 @@
             <a:fld id="{623BE99D-5132-394D-8DE2-2FD77049DBCC}" type="datetimeFigureOut">
               <a:rPr lang="en-US" smtClean="0"/>
               <a:pPr/>
-              <a:t>3/9/2023</a:t>
+              <a:t>3/13/2023</a:t>
             </a:fld>
             <a:endParaRPr lang="en-US" dirty="0"/>
           </a:p>
@@ -5302,7 +6491,7 @@
             <a:fld id="{623BE99D-5132-394D-8DE2-2FD77049DBCC}" type="datetimeFigureOut">
               <a:rPr lang="en-US" smtClean="0"/>
               <a:pPr/>
-              <a:t>3/9/2023</a:t>
+              <a:t>3/13/2023</a:t>
             </a:fld>
             <a:endParaRPr lang="en-US" dirty="0"/>
           </a:p>
@@ -5612,7 +6801,7 @@
             <a:fld id="{623BE99D-5132-394D-8DE2-2FD77049DBCC}" type="datetimeFigureOut">
               <a:rPr lang="en-US" smtClean="0"/>
               <a:pPr/>
-              <a:t>3/9/2023</a:t>
+              <a:t>3/13/2023</a:t>
             </a:fld>
             <a:endParaRPr lang="en-US" dirty="0"/>
           </a:p>
@@ -5822,7 +7011,7 @@
             <a:fld id="{623BE99D-5132-394D-8DE2-2FD77049DBCC}" type="datetimeFigureOut">
               <a:rPr lang="en-US" smtClean="0"/>
               <a:pPr/>
-              <a:t>3/9/2023</a:t>
+              <a:t>3/13/2023</a:t>
             </a:fld>
             <a:endParaRPr lang="en-US" dirty="0"/>
           </a:p>
@@ -6104,7 +7293,7 @@
             <a:fld id="{623BE99D-5132-394D-8DE2-2FD77049DBCC}" type="datetimeFigureOut">
               <a:rPr lang="en-US" smtClean="0"/>
               <a:pPr/>
-              <a:t>3/9/2023</a:t>
+              <a:t>3/13/2023</a:t>
             </a:fld>
             <a:endParaRPr lang="en-US" dirty="0"/>
           </a:p>
@@ -6314,7 +7503,7 @@
             <a:fld id="{623BE99D-5132-394D-8DE2-2FD77049DBCC}" type="datetimeFigureOut">
               <a:rPr lang="en-US" smtClean="0"/>
               <a:pPr/>
-              <a:t>3/9/2023</a:t>
+              <a:t>3/13/2023</a:t>
             </a:fld>
             <a:endParaRPr lang="en-US" dirty="0"/>
           </a:p>
@@ -6524,7 +7713,7 @@
             <a:fld id="{623BE99D-5132-394D-8DE2-2FD77049DBCC}" type="datetimeFigureOut">
               <a:rPr lang="en-US" smtClean="0"/>
               <a:pPr/>
-              <a:t>3/9/2023</a:t>
+              <a:t>3/13/2023</a:t>
             </a:fld>
             <a:endParaRPr lang="en-US" dirty="0"/>
           </a:p>
@@ -6801,7 +7990,7 @@
             <a:fld id="{623BE99D-5132-394D-8DE2-2FD77049DBCC}" type="datetimeFigureOut">
               <a:rPr lang="en-US" smtClean="0"/>
               <a:pPr/>
-              <a:t>3/9/2023</a:t>
+              <a:t>3/13/2023</a:t>
             </a:fld>
             <a:endParaRPr lang="en-US" dirty="0"/>
           </a:p>
@@ -7121,7 +8310,7 @@
             <a:fld id="{623BE99D-5132-394D-8DE2-2FD77049DBCC}" type="datetimeFigureOut">
               <a:rPr lang="en-US" smtClean="0"/>
               <a:pPr/>
-              <a:t>3/9/2023</a:t>
+              <a:t>3/13/2023</a:t>
             </a:fld>
             <a:endParaRPr lang="en-US" dirty="0"/>
           </a:p>
@@ -7581,7 +8770,7 @@
             <a:fld id="{623BE99D-5132-394D-8DE2-2FD77049DBCC}" type="datetimeFigureOut">
               <a:rPr lang="en-US" smtClean="0"/>
               <a:pPr/>
-              <a:t>3/9/2023</a:t>
+              <a:t>3/13/2023</a:t>
             </a:fld>
             <a:endParaRPr lang="en-US" dirty="0"/>
           </a:p>
@@ -7727,7 +8916,7 @@
             <a:fld id="{623BE99D-5132-394D-8DE2-2FD77049DBCC}" type="datetimeFigureOut">
               <a:rPr lang="en-US" smtClean="0"/>
               <a:pPr/>
-              <a:t>3/9/2023</a:t>
+              <a:t>3/13/2023</a:t>
             </a:fld>
             <a:endParaRPr lang="en-US" dirty="0"/>
           </a:p>
@@ -7843,7 +9032,7 @@
             <a:fld id="{623BE99D-5132-394D-8DE2-2FD77049DBCC}" type="datetimeFigureOut">
               <a:rPr lang="en-US" smtClean="0"/>
               <a:pPr/>
-              <a:t>3/9/2023</a:t>
+              <a:t>3/13/2023</a:t>
             </a:fld>
             <a:endParaRPr lang="en-US" dirty="0"/>
           </a:p>
@@ -8148,7 +9337,7 @@
             <a:fld id="{623BE99D-5132-394D-8DE2-2FD77049DBCC}" type="datetimeFigureOut">
               <a:rPr lang="en-US" smtClean="0"/>
               <a:pPr/>
-              <a:t>3/9/2023</a:t>
+              <a:t>3/13/2023</a:t>
             </a:fld>
             <a:endParaRPr lang="en-US" dirty="0"/>
           </a:p>
@@ -8430,7 +9619,7 @@
             <a:fld id="{623BE99D-5132-394D-8DE2-2FD77049DBCC}" type="datetimeFigureOut">
               <a:rPr lang="en-US" smtClean="0"/>
               <a:pPr/>
-              <a:t>3/9/2023</a:t>
+              <a:t>3/13/2023</a:t>
             </a:fld>
             <a:endParaRPr lang="en-US" dirty="0"/>
           </a:p>
@@ -9896,6 +11085,1881 @@
           <a:chExt cx="0" cy="0"/>
         </a:xfrm>
       </p:grpSpPr>
+      <p:sp>
+        <p:nvSpPr>
+          <p:cNvPr id="3" name="TextBox 2">
+            <a:extLst>
+              <a:ext uri="{FF2B5EF4-FFF2-40B4-BE49-F238E27FC236}">
+                <a16:creationId xmlns:a16="http://schemas.microsoft.com/office/drawing/2014/main" id="{D15741E5-C777-6456-36F8-B560F1454D74}"/>
+              </a:ext>
+            </a:extLst>
+          </p:cNvPr>
+          <p:cNvSpPr txBox="1"/>
+          <p:nvPr/>
+        </p:nvSpPr>
+        <p:spPr>
+          <a:xfrm>
+            <a:off x="0" y="369539"/>
+            <a:ext cx="7146845" cy="1077218"/>
+          </a:xfrm>
+          <a:prstGeom prst="rect">
+            <a:avLst/>
+          </a:prstGeom>
+          <a:noFill/>
+        </p:spPr>
+        <p:txBody>
+          <a:bodyPr wrap="square">
+            <a:spAutoFit/>
+          </a:bodyPr>
+          <a:lstStyle/>
+          <a:p>
+            <a:r>
+              <a:rPr lang="el-GR" sz="3200" b="1" dirty="0"/>
+              <a:t>Οφέλη &amp; Προκλήσεις των αναδυόμενων τεχνολογιών</a:t>
+            </a:r>
+          </a:p>
+        </p:txBody>
+      </p:sp>
+      <p:sp>
+        <p:nvSpPr>
+          <p:cNvPr id="2" name="Content Placeholder 4">
+            <a:extLst>
+              <a:ext uri="{FF2B5EF4-FFF2-40B4-BE49-F238E27FC236}">
+                <a16:creationId xmlns:a16="http://schemas.microsoft.com/office/drawing/2014/main" id="{AEDCCD92-4C90-F488-E81C-9A8D0AB7B42C}"/>
+              </a:ext>
+            </a:extLst>
+          </p:cNvPr>
+          <p:cNvSpPr>
+            <a:spLocks noGrp="1"/>
+          </p:cNvSpPr>
+          <p:nvPr>
+            <p:ph idx="1"/>
+          </p:nvPr>
+        </p:nvSpPr>
+        <p:spPr>
+          <a:xfrm>
+            <a:off x="104695" y="1589087"/>
+            <a:ext cx="6093548" cy="4452897"/>
+          </a:xfrm>
+        </p:spPr>
+        <p:txBody>
+          <a:bodyPr/>
+          <a:lstStyle/>
+          <a:p>
+            <a:pPr marL="0" indent="0">
+              <a:spcBef>
+                <a:spcPts val="1400"/>
+              </a:spcBef>
+              <a:buNone/>
+            </a:pPr>
+            <a:r>
+              <a:rPr lang="el-GR" sz="2200" dirty="0"/>
+              <a:t>Άμεσα</a:t>
+            </a:r>
+            <a:r>
+              <a:rPr lang="en-US" sz="2200" dirty="0"/>
+              <a:t> side-effects</a:t>
+            </a:r>
+            <a:endParaRPr lang="el-GR" sz="2200" dirty="0"/>
+          </a:p>
+          <a:p>
+            <a:pPr marL="457200" indent="-457200">
+              <a:spcBef>
+                <a:spcPts val="1400"/>
+              </a:spcBef>
+              <a:buFont typeface="+mj-lt"/>
+              <a:buAutoNum type="arabicPeriod"/>
+            </a:pPr>
+            <a:r>
+              <a:rPr lang="el-GR" sz="2200" dirty="0"/>
+              <a:t>Λήψη επιχειρηματικών αποφάσεων</a:t>
+            </a:r>
+          </a:p>
+          <a:p>
+            <a:pPr marL="457200" indent="-457200">
+              <a:spcBef>
+                <a:spcPts val="1400"/>
+              </a:spcBef>
+              <a:buFont typeface="+mj-lt"/>
+              <a:buAutoNum type="arabicPeriod"/>
+            </a:pPr>
+            <a:r>
+              <a:rPr lang="el-GR" sz="2200" dirty="0"/>
+              <a:t>Μετριασμός κινδύνων &amp; προκλήσεων</a:t>
+            </a:r>
+          </a:p>
+          <a:p>
+            <a:pPr marL="457200" indent="-457200">
+              <a:spcBef>
+                <a:spcPts val="1400"/>
+              </a:spcBef>
+              <a:buFont typeface="+mj-lt"/>
+              <a:buAutoNum type="arabicPeriod"/>
+            </a:pPr>
+            <a:r>
+              <a:rPr lang="el-GR" sz="2200" dirty="0"/>
+              <a:t>Διαφάνεια λειτουργικότητας</a:t>
+            </a:r>
+          </a:p>
+          <a:p>
+            <a:pPr marL="457200" indent="-457200">
+              <a:spcBef>
+                <a:spcPts val="1400"/>
+              </a:spcBef>
+              <a:buFont typeface="+mj-lt"/>
+              <a:buAutoNum type="arabicPeriod"/>
+            </a:pPr>
+            <a:r>
+              <a:rPr lang="el-GR" sz="2200" dirty="0"/>
+              <a:t>Ικανοποίηση εργαζομένων (4 != 5)</a:t>
+            </a:r>
+            <a:endParaRPr lang="en-US" sz="2200" dirty="0"/>
+          </a:p>
+          <a:p>
+            <a:pPr marL="457200" indent="-457200">
+              <a:spcBef>
+                <a:spcPts val="1400"/>
+              </a:spcBef>
+              <a:buFont typeface="+mj-lt"/>
+              <a:buAutoNum type="arabicPeriod"/>
+            </a:pPr>
+            <a:r>
+              <a:rPr lang="el-GR" sz="2200" dirty="0"/>
+              <a:t>Αύξηση παραγωγικότητας εργαζομένων</a:t>
+            </a:r>
+          </a:p>
+          <a:p>
+            <a:pPr marL="0" indent="0">
+              <a:spcBef>
+                <a:spcPts val="1400"/>
+              </a:spcBef>
+              <a:buNone/>
+            </a:pPr>
+            <a:r>
+              <a:rPr lang="el-GR" sz="2200" dirty="0"/>
+              <a:t>Έμμεσα</a:t>
+            </a:r>
+            <a:r>
+              <a:rPr lang="en-US" sz="2200" dirty="0"/>
+              <a:t> side-effects</a:t>
+            </a:r>
+            <a:endParaRPr lang="el-GR" sz="2200" dirty="0"/>
+          </a:p>
+          <a:p>
+            <a:pPr marL="457200" indent="-457200">
+              <a:spcBef>
+                <a:spcPts val="1400"/>
+              </a:spcBef>
+              <a:buFont typeface="+mj-lt"/>
+              <a:buAutoNum type="arabicPeriod"/>
+            </a:pPr>
+            <a:r>
+              <a:rPr lang="el-GR" sz="2200" dirty="0"/>
+              <a:t>Μεροληψία αποφάσεων </a:t>
+            </a:r>
+            <a:r>
+              <a:rPr lang="en-US" sz="2200" dirty="0"/>
+              <a:t>(biased decisions)</a:t>
+            </a:r>
+          </a:p>
+          <a:p>
+            <a:pPr marL="457200" indent="-457200">
+              <a:spcBef>
+                <a:spcPts val="1400"/>
+              </a:spcBef>
+              <a:buFont typeface="+mj-lt"/>
+              <a:buAutoNum type="arabicPeriod"/>
+            </a:pPr>
+            <a:r>
+              <a:rPr lang="el-GR" sz="2200" dirty="0" err="1"/>
+              <a:t>Διαλειτουργικοτητα</a:t>
+            </a:r>
+            <a:endParaRPr lang="el-GR" sz="2200" dirty="0"/>
+          </a:p>
+          <a:p>
+            <a:pPr marL="0" indent="0">
+              <a:spcBef>
+                <a:spcPts val="1400"/>
+              </a:spcBef>
+              <a:buNone/>
+            </a:pPr>
+            <a:endParaRPr lang="el-GR" sz="2200" dirty="0"/>
+          </a:p>
+          <a:p>
+            <a:pPr marL="457200" indent="-457200">
+              <a:spcBef>
+                <a:spcPts val="1400"/>
+              </a:spcBef>
+              <a:buFont typeface="+mj-lt"/>
+              <a:buAutoNum type="arabicPeriod"/>
+            </a:pPr>
+            <a:endParaRPr lang="en-US" sz="2200" dirty="0"/>
+          </a:p>
+        </p:txBody>
+      </p:sp>
+      <p:cxnSp>
+        <p:nvCxnSpPr>
+          <p:cNvPr id="13" name="Connector: Elbow 12">
+            <a:extLst>
+              <a:ext uri="{FF2B5EF4-FFF2-40B4-BE49-F238E27FC236}">
+                <a16:creationId xmlns:a16="http://schemas.microsoft.com/office/drawing/2014/main" id="{36C448D0-077D-FFBA-3F5C-A592C14EBF1D}"/>
+              </a:ext>
+            </a:extLst>
+          </p:cNvPr>
+          <p:cNvCxnSpPr>
+            <a:cxnSpLocks/>
+          </p:cNvCxnSpPr>
+          <p:nvPr/>
+        </p:nvCxnSpPr>
+        <p:spPr>
+          <a:xfrm rot="10800000">
+            <a:off x="4572000" y="3815540"/>
+            <a:ext cx="775505" cy="594418"/>
+          </a:xfrm>
+          <a:prstGeom prst="bentConnector3">
+            <a:avLst>
+              <a:gd name="adj1" fmla="val -36567"/>
+            </a:avLst>
+          </a:prstGeom>
+          <a:ln>
+            <a:tailEnd type="triangle"/>
+          </a:ln>
+        </p:spPr>
+        <p:style>
+          <a:lnRef idx="1">
+            <a:schemeClr val="accent1"/>
+          </a:lnRef>
+          <a:fillRef idx="0">
+            <a:schemeClr val="accent1"/>
+          </a:fillRef>
+          <a:effectRef idx="0">
+            <a:schemeClr val="accent1"/>
+          </a:effectRef>
+          <a:fontRef idx="minor">
+            <a:schemeClr val="tx1"/>
+          </a:fontRef>
+        </p:style>
+      </p:cxnSp>
+      <p:sp>
+        <p:nvSpPr>
+          <p:cNvPr id="35" name="Content Placeholder 4">
+            <a:extLst>
+              <a:ext uri="{FF2B5EF4-FFF2-40B4-BE49-F238E27FC236}">
+                <a16:creationId xmlns:a16="http://schemas.microsoft.com/office/drawing/2014/main" id="{C6496EFF-8891-2E60-6A01-B443B792F704}"/>
+              </a:ext>
+            </a:extLst>
+          </p:cNvPr>
+          <p:cNvSpPr txBox="1">
+            <a:spLocks/>
+          </p:cNvSpPr>
+          <p:nvPr/>
+        </p:nvSpPr>
+        <p:spPr>
+          <a:xfrm>
+            <a:off x="5868887" y="2040504"/>
+            <a:ext cx="6093548" cy="1975912"/>
+          </a:xfrm>
+          <a:prstGeom prst="rect">
+            <a:avLst/>
+          </a:prstGeom>
+        </p:spPr>
+        <p:txBody>
+          <a:bodyPr/>
+          <a:lstStyle>
+            <a:lvl1pPr marL="342900" indent="-342900" algn="l" defTabSz="914400" rtl="0" eaLnBrk="1" latinLnBrk="0" hangingPunct="1">
+              <a:spcBef>
+                <a:spcPct val="20000"/>
+              </a:spcBef>
+              <a:buFont typeface="Arial" pitchFamily="34" charset="0"/>
+              <a:buChar char="•"/>
+              <a:defRPr sz="3200" kern="1200">
+                <a:solidFill>
+                  <a:schemeClr val="tx1"/>
+                </a:solidFill>
+                <a:latin typeface="+mn-lt"/>
+                <a:ea typeface="+mn-ea"/>
+                <a:cs typeface="+mn-cs"/>
+              </a:defRPr>
+            </a:lvl1pPr>
+            <a:lvl2pPr marL="742950" indent="-285750" algn="l" defTabSz="914400" rtl="0" eaLnBrk="1" latinLnBrk="0" hangingPunct="1">
+              <a:spcBef>
+                <a:spcPct val="20000"/>
+              </a:spcBef>
+              <a:buFont typeface="Arial" pitchFamily="34" charset="0"/>
+              <a:buChar char="–"/>
+              <a:defRPr sz="2800" kern="1200">
+                <a:solidFill>
+                  <a:schemeClr val="tx1"/>
+                </a:solidFill>
+                <a:latin typeface="+mn-lt"/>
+                <a:ea typeface="+mn-ea"/>
+                <a:cs typeface="+mn-cs"/>
+              </a:defRPr>
+            </a:lvl2pPr>
+            <a:lvl3pPr marL="1143000" indent="-228600" algn="l" defTabSz="914400" rtl="0" eaLnBrk="1" latinLnBrk="0" hangingPunct="1">
+              <a:spcBef>
+                <a:spcPct val="20000"/>
+              </a:spcBef>
+              <a:buFont typeface="Arial" pitchFamily="34" charset="0"/>
+              <a:buChar char="•"/>
+              <a:defRPr sz="2400" kern="1200">
+                <a:solidFill>
+                  <a:schemeClr val="tx1"/>
+                </a:solidFill>
+                <a:latin typeface="+mn-lt"/>
+                <a:ea typeface="+mn-ea"/>
+                <a:cs typeface="+mn-cs"/>
+              </a:defRPr>
+            </a:lvl3pPr>
+            <a:lvl4pPr marL="1600200" indent="-228600" algn="l" defTabSz="914400" rtl="0" eaLnBrk="1" latinLnBrk="0" hangingPunct="1">
+              <a:spcBef>
+                <a:spcPct val="20000"/>
+              </a:spcBef>
+              <a:buFont typeface="Arial" pitchFamily="34" charset="0"/>
+              <a:buChar char="–"/>
+              <a:defRPr sz="2000" kern="1200">
+                <a:solidFill>
+                  <a:schemeClr val="tx1"/>
+                </a:solidFill>
+                <a:latin typeface="+mn-lt"/>
+                <a:ea typeface="+mn-ea"/>
+                <a:cs typeface="+mn-cs"/>
+              </a:defRPr>
+            </a:lvl4pPr>
+            <a:lvl5pPr marL="2057400" indent="-228600" algn="l" defTabSz="914400" rtl="0" eaLnBrk="1" latinLnBrk="0" hangingPunct="1">
+              <a:spcBef>
+                <a:spcPct val="20000"/>
+              </a:spcBef>
+              <a:buFont typeface="Arial" pitchFamily="34" charset="0"/>
+              <a:buChar char="»"/>
+              <a:defRPr sz="2000" kern="1200">
+                <a:solidFill>
+                  <a:schemeClr val="tx1"/>
+                </a:solidFill>
+                <a:latin typeface="+mn-lt"/>
+                <a:ea typeface="+mn-ea"/>
+                <a:cs typeface="+mn-cs"/>
+              </a:defRPr>
+            </a:lvl5pPr>
+            <a:lvl6pPr marL="2514600" indent="-228600" algn="l" defTabSz="914400" rtl="0" eaLnBrk="1" latinLnBrk="0" hangingPunct="1">
+              <a:spcBef>
+                <a:spcPct val="20000"/>
+              </a:spcBef>
+              <a:buFont typeface="Arial" pitchFamily="34" charset="0"/>
+              <a:buChar char="•"/>
+              <a:defRPr sz="2000" kern="1200">
+                <a:solidFill>
+                  <a:schemeClr val="tx1"/>
+                </a:solidFill>
+                <a:latin typeface="+mn-lt"/>
+                <a:ea typeface="+mn-ea"/>
+                <a:cs typeface="+mn-cs"/>
+              </a:defRPr>
+            </a:lvl6pPr>
+            <a:lvl7pPr marL="2971800" indent="-228600" algn="l" defTabSz="914400" rtl="0" eaLnBrk="1" latinLnBrk="0" hangingPunct="1">
+              <a:spcBef>
+                <a:spcPct val="20000"/>
+              </a:spcBef>
+              <a:buFont typeface="Arial" pitchFamily="34" charset="0"/>
+              <a:buChar char="•"/>
+              <a:defRPr sz="2000" kern="1200">
+                <a:solidFill>
+                  <a:schemeClr val="tx1"/>
+                </a:solidFill>
+                <a:latin typeface="+mn-lt"/>
+                <a:ea typeface="+mn-ea"/>
+                <a:cs typeface="+mn-cs"/>
+              </a:defRPr>
+            </a:lvl7pPr>
+            <a:lvl8pPr marL="3429000" indent="-228600" algn="l" defTabSz="914400" rtl="0" eaLnBrk="1" latinLnBrk="0" hangingPunct="1">
+              <a:spcBef>
+                <a:spcPct val="20000"/>
+              </a:spcBef>
+              <a:buFont typeface="Arial" pitchFamily="34" charset="0"/>
+              <a:buChar char="•"/>
+              <a:defRPr sz="2000" kern="1200">
+                <a:solidFill>
+                  <a:schemeClr val="tx1"/>
+                </a:solidFill>
+                <a:latin typeface="+mn-lt"/>
+                <a:ea typeface="+mn-ea"/>
+                <a:cs typeface="+mn-cs"/>
+              </a:defRPr>
+            </a:lvl8pPr>
+            <a:lvl9pPr marL="3886200" indent="-228600" algn="l" defTabSz="914400" rtl="0" eaLnBrk="1" latinLnBrk="0" hangingPunct="1">
+              <a:spcBef>
+                <a:spcPct val="20000"/>
+              </a:spcBef>
+              <a:buFont typeface="Arial" pitchFamily="34" charset="0"/>
+              <a:buChar char="•"/>
+              <a:defRPr sz="2000" kern="1200">
+                <a:solidFill>
+                  <a:schemeClr val="tx1"/>
+                </a:solidFill>
+                <a:latin typeface="+mn-lt"/>
+                <a:ea typeface="+mn-ea"/>
+                <a:cs typeface="+mn-cs"/>
+              </a:defRPr>
+            </a:lvl9pPr>
+          </a:lstStyle>
+          <a:p>
+            <a:pPr marL="457200" indent="-457200">
+              <a:spcBef>
+                <a:spcPts val="1400"/>
+              </a:spcBef>
+              <a:buFont typeface="+mj-lt"/>
+              <a:buAutoNum type="arabicPeriod" startAt="5"/>
+            </a:pPr>
+            <a:r>
+              <a:rPr lang="el-GR" sz="2200" dirty="0"/>
+              <a:t>Κόστος</a:t>
+            </a:r>
+          </a:p>
+          <a:p>
+            <a:pPr marL="457200" indent="-457200">
+              <a:spcBef>
+                <a:spcPts val="1400"/>
+              </a:spcBef>
+              <a:buFont typeface="+mj-lt"/>
+              <a:buAutoNum type="arabicPeriod" startAt="5"/>
+            </a:pPr>
+            <a:r>
+              <a:rPr lang="el-GR" sz="2200" dirty="0"/>
+              <a:t>Ηθική</a:t>
+            </a:r>
+          </a:p>
+          <a:p>
+            <a:pPr marL="457200" indent="-457200">
+              <a:spcBef>
+                <a:spcPts val="1400"/>
+              </a:spcBef>
+              <a:buFont typeface="+mj-lt"/>
+              <a:buAutoNum type="arabicPeriod" startAt="5"/>
+            </a:pPr>
+            <a:r>
+              <a:rPr lang="el-GR" sz="2200" dirty="0"/>
+              <a:t>Κενό δεξιοτήτων</a:t>
+            </a:r>
+          </a:p>
+          <a:p>
+            <a:pPr marL="457200" indent="-457200">
+              <a:spcBef>
+                <a:spcPts val="1400"/>
+              </a:spcBef>
+              <a:buFont typeface="+mj-lt"/>
+              <a:buAutoNum type="arabicPeriod" startAt="5"/>
+            </a:pPr>
+            <a:endParaRPr lang="en-US" sz="2200" dirty="0"/>
+          </a:p>
+        </p:txBody>
+      </p:sp>
+      <p:cxnSp>
+        <p:nvCxnSpPr>
+          <p:cNvPr id="37" name="Straight Connector 36">
+            <a:extLst>
+              <a:ext uri="{FF2B5EF4-FFF2-40B4-BE49-F238E27FC236}">
+                <a16:creationId xmlns:a16="http://schemas.microsoft.com/office/drawing/2014/main" id="{711EBD2E-75FD-31E4-AA2D-22C369029003}"/>
+              </a:ext>
+            </a:extLst>
+          </p:cNvPr>
+          <p:cNvCxnSpPr/>
+          <p:nvPr/>
+        </p:nvCxnSpPr>
+        <p:spPr>
+          <a:xfrm>
+            <a:off x="5764192" y="1446757"/>
+            <a:ext cx="0" cy="4595227"/>
+          </a:xfrm>
+          <a:prstGeom prst="line">
+            <a:avLst/>
+          </a:prstGeom>
+        </p:spPr>
+        <p:style>
+          <a:lnRef idx="1">
+            <a:schemeClr val="accent1"/>
+          </a:lnRef>
+          <a:fillRef idx="0">
+            <a:schemeClr val="accent1"/>
+          </a:fillRef>
+          <a:effectRef idx="0">
+            <a:schemeClr val="accent1"/>
+          </a:effectRef>
+          <a:fontRef idx="minor">
+            <a:schemeClr val="tx1"/>
+          </a:fontRef>
+        </p:style>
+      </p:cxnSp>
+      <p:sp>
+        <p:nvSpPr>
+          <p:cNvPr id="38" name="Content Placeholder 4">
+            <a:extLst>
+              <a:ext uri="{FF2B5EF4-FFF2-40B4-BE49-F238E27FC236}">
+                <a16:creationId xmlns:a16="http://schemas.microsoft.com/office/drawing/2014/main" id="{BE49921E-D281-A370-568B-B9C112F64A41}"/>
+              </a:ext>
+            </a:extLst>
+          </p:cNvPr>
+          <p:cNvSpPr txBox="1">
+            <a:spLocks/>
+          </p:cNvSpPr>
+          <p:nvPr/>
+        </p:nvSpPr>
+        <p:spPr>
+          <a:xfrm>
+            <a:off x="5764192" y="5196358"/>
+            <a:ext cx="3831221" cy="1975912"/>
+          </a:xfrm>
+          <a:prstGeom prst="rect">
+            <a:avLst/>
+          </a:prstGeom>
+        </p:spPr>
+        <p:txBody>
+          <a:bodyPr/>
+          <a:lstStyle>
+            <a:lvl1pPr marL="342900" indent="-342900" algn="l" defTabSz="914400" rtl="0" eaLnBrk="1" latinLnBrk="0" hangingPunct="1">
+              <a:spcBef>
+                <a:spcPct val="20000"/>
+              </a:spcBef>
+              <a:buFont typeface="Arial" pitchFamily="34" charset="0"/>
+              <a:buChar char="•"/>
+              <a:defRPr sz="3200" kern="1200">
+                <a:solidFill>
+                  <a:schemeClr val="tx1"/>
+                </a:solidFill>
+                <a:latin typeface="+mn-lt"/>
+                <a:ea typeface="+mn-ea"/>
+                <a:cs typeface="+mn-cs"/>
+              </a:defRPr>
+            </a:lvl1pPr>
+            <a:lvl2pPr marL="742950" indent="-285750" algn="l" defTabSz="914400" rtl="0" eaLnBrk="1" latinLnBrk="0" hangingPunct="1">
+              <a:spcBef>
+                <a:spcPct val="20000"/>
+              </a:spcBef>
+              <a:buFont typeface="Arial" pitchFamily="34" charset="0"/>
+              <a:buChar char="–"/>
+              <a:defRPr sz="2800" kern="1200">
+                <a:solidFill>
+                  <a:schemeClr val="tx1"/>
+                </a:solidFill>
+                <a:latin typeface="+mn-lt"/>
+                <a:ea typeface="+mn-ea"/>
+                <a:cs typeface="+mn-cs"/>
+              </a:defRPr>
+            </a:lvl2pPr>
+            <a:lvl3pPr marL="1143000" indent="-228600" algn="l" defTabSz="914400" rtl="0" eaLnBrk="1" latinLnBrk="0" hangingPunct="1">
+              <a:spcBef>
+                <a:spcPct val="20000"/>
+              </a:spcBef>
+              <a:buFont typeface="Arial" pitchFamily="34" charset="0"/>
+              <a:buChar char="•"/>
+              <a:defRPr sz="2400" kern="1200">
+                <a:solidFill>
+                  <a:schemeClr val="tx1"/>
+                </a:solidFill>
+                <a:latin typeface="+mn-lt"/>
+                <a:ea typeface="+mn-ea"/>
+                <a:cs typeface="+mn-cs"/>
+              </a:defRPr>
+            </a:lvl3pPr>
+            <a:lvl4pPr marL="1600200" indent="-228600" algn="l" defTabSz="914400" rtl="0" eaLnBrk="1" latinLnBrk="0" hangingPunct="1">
+              <a:spcBef>
+                <a:spcPct val="20000"/>
+              </a:spcBef>
+              <a:buFont typeface="Arial" pitchFamily="34" charset="0"/>
+              <a:buChar char="–"/>
+              <a:defRPr sz="2000" kern="1200">
+                <a:solidFill>
+                  <a:schemeClr val="tx1"/>
+                </a:solidFill>
+                <a:latin typeface="+mn-lt"/>
+                <a:ea typeface="+mn-ea"/>
+                <a:cs typeface="+mn-cs"/>
+              </a:defRPr>
+            </a:lvl4pPr>
+            <a:lvl5pPr marL="2057400" indent="-228600" algn="l" defTabSz="914400" rtl="0" eaLnBrk="1" latinLnBrk="0" hangingPunct="1">
+              <a:spcBef>
+                <a:spcPct val="20000"/>
+              </a:spcBef>
+              <a:buFont typeface="Arial" pitchFamily="34" charset="0"/>
+              <a:buChar char="»"/>
+              <a:defRPr sz="2000" kern="1200">
+                <a:solidFill>
+                  <a:schemeClr val="tx1"/>
+                </a:solidFill>
+                <a:latin typeface="+mn-lt"/>
+                <a:ea typeface="+mn-ea"/>
+                <a:cs typeface="+mn-cs"/>
+              </a:defRPr>
+            </a:lvl5pPr>
+            <a:lvl6pPr marL="2514600" indent="-228600" algn="l" defTabSz="914400" rtl="0" eaLnBrk="1" latinLnBrk="0" hangingPunct="1">
+              <a:spcBef>
+                <a:spcPct val="20000"/>
+              </a:spcBef>
+              <a:buFont typeface="Arial" pitchFamily="34" charset="0"/>
+              <a:buChar char="•"/>
+              <a:defRPr sz="2000" kern="1200">
+                <a:solidFill>
+                  <a:schemeClr val="tx1"/>
+                </a:solidFill>
+                <a:latin typeface="+mn-lt"/>
+                <a:ea typeface="+mn-ea"/>
+                <a:cs typeface="+mn-cs"/>
+              </a:defRPr>
+            </a:lvl6pPr>
+            <a:lvl7pPr marL="2971800" indent="-228600" algn="l" defTabSz="914400" rtl="0" eaLnBrk="1" latinLnBrk="0" hangingPunct="1">
+              <a:spcBef>
+                <a:spcPct val="20000"/>
+              </a:spcBef>
+              <a:buFont typeface="Arial" pitchFamily="34" charset="0"/>
+              <a:buChar char="•"/>
+              <a:defRPr sz="2000" kern="1200">
+                <a:solidFill>
+                  <a:schemeClr val="tx1"/>
+                </a:solidFill>
+                <a:latin typeface="+mn-lt"/>
+                <a:ea typeface="+mn-ea"/>
+                <a:cs typeface="+mn-cs"/>
+              </a:defRPr>
+            </a:lvl7pPr>
+            <a:lvl8pPr marL="3429000" indent="-228600" algn="l" defTabSz="914400" rtl="0" eaLnBrk="1" latinLnBrk="0" hangingPunct="1">
+              <a:spcBef>
+                <a:spcPct val="20000"/>
+              </a:spcBef>
+              <a:buFont typeface="Arial" pitchFamily="34" charset="0"/>
+              <a:buChar char="•"/>
+              <a:defRPr sz="2000" kern="1200">
+                <a:solidFill>
+                  <a:schemeClr val="tx1"/>
+                </a:solidFill>
+                <a:latin typeface="+mn-lt"/>
+                <a:ea typeface="+mn-ea"/>
+                <a:cs typeface="+mn-cs"/>
+              </a:defRPr>
+            </a:lvl8pPr>
+            <a:lvl9pPr marL="3886200" indent="-228600" algn="l" defTabSz="914400" rtl="0" eaLnBrk="1" latinLnBrk="0" hangingPunct="1">
+              <a:spcBef>
+                <a:spcPct val="20000"/>
+              </a:spcBef>
+              <a:buFont typeface="Arial" pitchFamily="34" charset="0"/>
+              <a:buChar char="•"/>
+              <a:defRPr sz="2000" kern="1200">
+                <a:solidFill>
+                  <a:schemeClr val="tx1"/>
+                </a:solidFill>
+                <a:latin typeface="+mn-lt"/>
+                <a:ea typeface="+mn-ea"/>
+                <a:cs typeface="+mn-cs"/>
+              </a:defRPr>
+            </a:lvl9pPr>
+          </a:lstStyle>
+          <a:p>
+            <a:pPr marL="457200" indent="-457200">
+              <a:spcBef>
+                <a:spcPts val="1400"/>
+              </a:spcBef>
+              <a:buFont typeface="+mj-lt"/>
+              <a:buAutoNum type="arabicPeriod" startAt="3"/>
+            </a:pPr>
+            <a:r>
+              <a:rPr lang="el-GR" sz="2200" dirty="0"/>
+              <a:t>Ασφάλεια</a:t>
+            </a:r>
+          </a:p>
+          <a:p>
+            <a:pPr marL="457200" indent="-457200">
+              <a:spcBef>
+                <a:spcPts val="1400"/>
+              </a:spcBef>
+              <a:buFont typeface="+mj-lt"/>
+              <a:buAutoNum type="arabicPeriod" startAt="3"/>
+            </a:pPr>
+            <a:endParaRPr lang="en-US" sz="2200" dirty="0"/>
+          </a:p>
+        </p:txBody>
+      </p:sp>
+    </p:spTree>
+    <p:extLst>
+      <p:ext uri="{BB962C8B-B14F-4D97-AF65-F5344CB8AC3E}">
+        <p14:creationId xmlns:p14="http://schemas.microsoft.com/office/powerpoint/2010/main" val="3520329503"/>
+      </p:ext>
+    </p:extLst>
+  </p:cSld>
+  <p:clrMapOvr>
+    <a:masterClrMapping/>
+  </p:clrMapOvr>
+</p:sld>
+</file>
+
+<file path=ppt/slides/slide11.xml><?xml version="1.0" encoding="utf-8"?>
+<p:sld xmlns:a="http://schemas.openxmlformats.org/drawingml/2006/main" xmlns:r="http://schemas.openxmlformats.org/officeDocument/2006/relationships" xmlns:p="http://schemas.openxmlformats.org/presentationml/2006/main">
+  <p:cSld>
+    <p:spTree>
+      <p:nvGrpSpPr>
+        <p:cNvPr id="1" name=""/>
+        <p:cNvGrpSpPr/>
+        <p:nvPr/>
+      </p:nvGrpSpPr>
+      <p:grpSpPr>
+        <a:xfrm>
+          <a:off x="0" y="0"/>
+          <a:ext cx="0" cy="0"/>
+          <a:chOff x="0" y="0"/>
+          <a:chExt cx="0" cy="0"/>
+        </a:xfrm>
+      </p:grpSpPr>
+      <p:sp>
+        <p:nvSpPr>
+          <p:cNvPr id="3" name="TextBox 2">
+            <a:extLst>
+              <a:ext uri="{FF2B5EF4-FFF2-40B4-BE49-F238E27FC236}">
+                <a16:creationId xmlns:a16="http://schemas.microsoft.com/office/drawing/2014/main" id="{D15741E5-C777-6456-36F8-B560F1454D74}"/>
+              </a:ext>
+            </a:extLst>
+          </p:cNvPr>
+          <p:cNvSpPr txBox="1"/>
+          <p:nvPr/>
+        </p:nvSpPr>
+        <p:spPr>
+          <a:xfrm>
+            <a:off x="1701476" y="354815"/>
+            <a:ext cx="5150735" cy="584775"/>
+          </a:xfrm>
+          <a:prstGeom prst="rect">
+            <a:avLst/>
+          </a:prstGeom>
+          <a:noFill/>
+        </p:spPr>
+        <p:txBody>
+          <a:bodyPr wrap="square">
+            <a:spAutoFit/>
+          </a:bodyPr>
+          <a:lstStyle/>
+          <a:p>
+            <a:r>
+              <a:rPr lang="en-US" sz="3200" b="1" dirty="0"/>
+              <a:t>WEB3.0 , DAO &amp; Blockchain</a:t>
+            </a:r>
+            <a:endParaRPr lang="el-GR" sz="3200" b="1" dirty="0"/>
+          </a:p>
+        </p:txBody>
+      </p:sp>
+      <p:sp>
+        <p:nvSpPr>
+          <p:cNvPr id="2" name="Content Placeholder 4">
+            <a:extLst>
+              <a:ext uri="{FF2B5EF4-FFF2-40B4-BE49-F238E27FC236}">
+                <a16:creationId xmlns:a16="http://schemas.microsoft.com/office/drawing/2014/main" id="{AEDCCD92-4C90-F488-E81C-9A8D0AB7B42C}"/>
+              </a:ext>
+            </a:extLst>
+          </p:cNvPr>
+          <p:cNvSpPr>
+            <a:spLocks noGrp="1"/>
+          </p:cNvSpPr>
+          <p:nvPr>
+            <p:ph idx="1"/>
+          </p:nvPr>
+        </p:nvSpPr>
+        <p:spPr>
+          <a:xfrm>
+            <a:off x="104695" y="1589087"/>
+            <a:ext cx="4145140" cy="3642670"/>
+          </a:xfrm>
+        </p:spPr>
+        <p:txBody>
+          <a:bodyPr/>
+          <a:lstStyle/>
+          <a:p>
+            <a:pPr marL="0" indent="0">
+              <a:spcBef>
+                <a:spcPts val="1400"/>
+              </a:spcBef>
+              <a:buNone/>
+            </a:pPr>
+            <a:r>
+              <a:rPr lang="en-US" sz="2800" dirty="0"/>
+              <a:t>WEB3.0 &amp; Blockchain</a:t>
+            </a:r>
+          </a:p>
+          <a:p>
+            <a:r>
+              <a:rPr lang="en-US" sz="2400" dirty="0"/>
+              <a:t>Decentralization</a:t>
+            </a:r>
+          </a:p>
+          <a:p>
+            <a:r>
+              <a:rPr lang="en-US" sz="2400" dirty="0"/>
+              <a:t>Trustless Transactions</a:t>
+            </a:r>
+          </a:p>
+          <a:p>
+            <a:r>
+              <a:rPr lang="en-US" sz="2400" dirty="0"/>
+              <a:t>Smart Contracts</a:t>
+            </a:r>
+          </a:p>
+          <a:p>
+            <a:r>
+              <a:rPr lang="en-US" sz="2400" dirty="0"/>
+              <a:t>Immutable Records</a:t>
+            </a:r>
+          </a:p>
+          <a:p>
+            <a:r>
+              <a:rPr lang="en-US" sz="2400" dirty="0"/>
+              <a:t>Web3 Interoperability</a:t>
+            </a:r>
+          </a:p>
+        </p:txBody>
+      </p:sp>
+      <p:cxnSp>
+        <p:nvCxnSpPr>
+          <p:cNvPr id="4" name="Straight Connector 3">
+            <a:extLst>
+              <a:ext uri="{FF2B5EF4-FFF2-40B4-BE49-F238E27FC236}">
+                <a16:creationId xmlns:a16="http://schemas.microsoft.com/office/drawing/2014/main" id="{DB675A69-EC07-A519-9202-F035C670CFF5}"/>
+              </a:ext>
+            </a:extLst>
+          </p:cNvPr>
+          <p:cNvCxnSpPr/>
+          <p:nvPr/>
+        </p:nvCxnSpPr>
+        <p:spPr>
+          <a:xfrm>
+            <a:off x="4249838" y="1446757"/>
+            <a:ext cx="0" cy="4595227"/>
+          </a:xfrm>
+          <a:prstGeom prst="line">
+            <a:avLst/>
+          </a:prstGeom>
+        </p:spPr>
+        <p:style>
+          <a:lnRef idx="1">
+            <a:schemeClr val="accent1"/>
+          </a:lnRef>
+          <a:fillRef idx="0">
+            <a:schemeClr val="accent1"/>
+          </a:fillRef>
+          <a:effectRef idx="0">
+            <a:schemeClr val="accent1"/>
+          </a:effectRef>
+          <a:fontRef idx="minor">
+            <a:schemeClr val="tx1"/>
+          </a:fontRef>
+        </p:style>
+      </p:cxnSp>
+      <p:sp>
+        <p:nvSpPr>
+          <p:cNvPr id="5" name="Content Placeholder 4">
+            <a:extLst>
+              <a:ext uri="{FF2B5EF4-FFF2-40B4-BE49-F238E27FC236}">
+                <a16:creationId xmlns:a16="http://schemas.microsoft.com/office/drawing/2014/main" id="{915847B0-37F2-11FF-77A7-2E4C183C65F0}"/>
+              </a:ext>
+            </a:extLst>
+          </p:cNvPr>
+          <p:cNvSpPr txBox="1">
+            <a:spLocks/>
+          </p:cNvSpPr>
+          <p:nvPr/>
+        </p:nvSpPr>
+        <p:spPr>
+          <a:xfrm>
+            <a:off x="4340509" y="1569292"/>
+            <a:ext cx="4606720" cy="4047785"/>
+          </a:xfrm>
+          <a:prstGeom prst="rect">
+            <a:avLst/>
+          </a:prstGeom>
+        </p:spPr>
+        <p:txBody>
+          <a:bodyPr/>
+          <a:lstStyle>
+            <a:lvl1pPr marL="342900" indent="-342900" algn="l" defTabSz="914400" rtl="0" eaLnBrk="1" latinLnBrk="0" hangingPunct="1">
+              <a:spcBef>
+                <a:spcPct val="20000"/>
+              </a:spcBef>
+              <a:buFont typeface="Arial" pitchFamily="34" charset="0"/>
+              <a:buChar char="•"/>
+              <a:defRPr sz="3200" kern="1200">
+                <a:solidFill>
+                  <a:schemeClr val="tx1"/>
+                </a:solidFill>
+                <a:latin typeface="+mn-lt"/>
+                <a:ea typeface="+mn-ea"/>
+                <a:cs typeface="+mn-cs"/>
+              </a:defRPr>
+            </a:lvl1pPr>
+            <a:lvl2pPr marL="742950" indent="-285750" algn="l" defTabSz="914400" rtl="0" eaLnBrk="1" latinLnBrk="0" hangingPunct="1">
+              <a:spcBef>
+                <a:spcPct val="20000"/>
+              </a:spcBef>
+              <a:buFont typeface="Arial" pitchFamily="34" charset="0"/>
+              <a:buChar char="–"/>
+              <a:defRPr sz="2800" kern="1200">
+                <a:solidFill>
+                  <a:schemeClr val="tx1"/>
+                </a:solidFill>
+                <a:latin typeface="+mn-lt"/>
+                <a:ea typeface="+mn-ea"/>
+                <a:cs typeface="+mn-cs"/>
+              </a:defRPr>
+            </a:lvl2pPr>
+            <a:lvl3pPr marL="1143000" indent="-228600" algn="l" defTabSz="914400" rtl="0" eaLnBrk="1" latinLnBrk="0" hangingPunct="1">
+              <a:spcBef>
+                <a:spcPct val="20000"/>
+              </a:spcBef>
+              <a:buFont typeface="Arial" pitchFamily="34" charset="0"/>
+              <a:buChar char="•"/>
+              <a:defRPr sz="2400" kern="1200">
+                <a:solidFill>
+                  <a:schemeClr val="tx1"/>
+                </a:solidFill>
+                <a:latin typeface="+mn-lt"/>
+                <a:ea typeface="+mn-ea"/>
+                <a:cs typeface="+mn-cs"/>
+              </a:defRPr>
+            </a:lvl3pPr>
+            <a:lvl4pPr marL="1600200" indent="-228600" algn="l" defTabSz="914400" rtl="0" eaLnBrk="1" latinLnBrk="0" hangingPunct="1">
+              <a:spcBef>
+                <a:spcPct val="20000"/>
+              </a:spcBef>
+              <a:buFont typeface="Arial" pitchFamily="34" charset="0"/>
+              <a:buChar char="–"/>
+              <a:defRPr sz="2000" kern="1200">
+                <a:solidFill>
+                  <a:schemeClr val="tx1"/>
+                </a:solidFill>
+                <a:latin typeface="+mn-lt"/>
+                <a:ea typeface="+mn-ea"/>
+                <a:cs typeface="+mn-cs"/>
+              </a:defRPr>
+            </a:lvl4pPr>
+            <a:lvl5pPr marL="2057400" indent="-228600" algn="l" defTabSz="914400" rtl="0" eaLnBrk="1" latinLnBrk="0" hangingPunct="1">
+              <a:spcBef>
+                <a:spcPct val="20000"/>
+              </a:spcBef>
+              <a:buFont typeface="Arial" pitchFamily="34" charset="0"/>
+              <a:buChar char="»"/>
+              <a:defRPr sz="2000" kern="1200">
+                <a:solidFill>
+                  <a:schemeClr val="tx1"/>
+                </a:solidFill>
+                <a:latin typeface="+mn-lt"/>
+                <a:ea typeface="+mn-ea"/>
+                <a:cs typeface="+mn-cs"/>
+              </a:defRPr>
+            </a:lvl5pPr>
+            <a:lvl6pPr marL="2514600" indent="-228600" algn="l" defTabSz="914400" rtl="0" eaLnBrk="1" latinLnBrk="0" hangingPunct="1">
+              <a:spcBef>
+                <a:spcPct val="20000"/>
+              </a:spcBef>
+              <a:buFont typeface="Arial" pitchFamily="34" charset="0"/>
+              <a:buChar char="•"/>
+              <a:defRPr sz="2000" kern="1200">
+                <a:solidFill>
+                  <a:schemeClr val="tx1"/>
+                </a:solidFill>
+                <a:latin typeface="+mn-lt"/>
+                <a:ea typeface="+mn-ea"/>
+                <a:cs typeface="+mn-cs"/>
+              </a:defRPr>
+            </a:lvl6pPr>
+            <a:lvl7pPr marL="2971800" indent="-228600" algn="l" defTabSz="914400" rtl="0" eaLnBrk="1" latinLnBrk="0" hangingPunct="1">
+              <a:spcBef>
+                <a:spcPct val="20000"/>
+              </a:spcBef>
+              <a:buFont typeface="Arial" pitchFamily="34" charset="0"/>
+              <a:buChar char="•"/>
+              <a:defRPr sz="2000" kern="1200">
+                <a:solidFill>
+                  <a:schemeClr val="tx1"/>
+                </a:solidFill>
+                <a:latin typeface="+mn-lt"/>
+                <a:ea typeface="+mn-ea"/>
+                <a:cs typeface="+mn-cs"/>
+              </a:defRPr>
+            </a:lvl7pPr>
+            <a:lvl8pPr marL="3429000" indent="-228600" algn="l" defTabSz="914400" rtl="0" eaLnBrk="1" latinLnBrk="0" hangingPunct="1">
+              <a:spcBef>
+                <a:spcPct val="20000"/>
+              </a:spcBef>
+              <a:buFont typeface="Arial" pitchFamily="34" charset="0"/>
+              <a:buChar char="•"/>
+              <a:defRPr sz="2000" kern="1200">
+                <a:solidFill>
+                  <a:schemeClr val="tx1"/>
+                </a:solidFill>
+                <a:latin typeface="+mn-lt"/>
+                <a:ea typeface="+mn-ea"/>
+                <a:cs typeface="+mn-cs"/>
+              </a:defRPr>
+            </a:lvl8pPr>
+            <a:lvl9pPr marL="3886200" indent="-228600" algn="l" defTabSz="914400" rtl="0" eaLnBrk="1" latinLnBrk="0" hangingPunct="1">
+              <a:spcBef>
+                <a:spcPct val="20000"/>
+              </a:spcBef>
+              <a:buFont typeface="Arial" pitchFamily="34" charset="0"/>
+              <a:buChar char="•"/>
+              <a:defRPr sz="2000" kern="1200">
+                <a:solidFill>
+                  <a:schemeClr val="tx1"/>
+                </a:solidFill>
+                <a:latin typeface="+mn-lt"/>
+                <a:ea typeface="+mn-ea"/>
+                <a:cs typeface="+mn-cs"/>
+              </a:defRPr>
+            </a:lvl9pPr>
+          </a:lstStyle>
+          <a:p>
+            <a:pPr marL="0" indent="0">
+              <a:spcBef>
+                <a:spcPts val="1400"/>
+              </a:spcBef>
+              <a:buNone/>
+            </a:pPr>
+            <a:r>
+              <a:rPr lang="en-US" sz="2800" dirty="0"/>
+              <a:t>DAO </a:t>
+            </a:r>
+          </a:p>
+          <a:p>
+            <a:pPr>
+              <a:spcBef>
+                <a:spcPts val="1400"/>
+              </a:spcBef>
+            </a:pPr>
+            <a:r>
+              <a:rPr lang="en-US" sz="2400" dirty="0"/>
+              <a:t>Decentralized decision-making</a:t>
+            </a:r>
+          </a:p>
+          <a:p>
+            <a:r>
+              <a:rPr lang="en-US" sz="2400" dirty="0"/>
+              <a:t>Transparent governance model</a:t>
+            </a:r>
+          </a:p>
+          <a:p>
+            <a:r>
+              <a:rPr lang="en-US" sz="2400" dirty="0"/>
+              <a:t>Community-driven initiatives</a:t>
+            </a:r>
+          </a:p>
+          <a:p>
+            <a:r>
+              <a:rPr lang="en-US" sz="2400" dirty="0"/>
+              <a:t>Trustless collaboration</a:t>
+            </a:r>
+          </a:p>
+          <a:p>
+            <a:r>
+              <a:rPr lang="en-US" sz="2400" dirty="0"/>
+              <a:t>Middle Management Decisions</a:t>
+            </a:r>
+          </a:p>
+          <a:p>
+            <a:pPr marL="0" indent="0">
+              <a:spcBef>
+                <a:spcPts val="1400"/>
+              </a:spcBef>
+              <a:buFont typeface="Arial" pitchFamily="34" charset="0"/>
+              <a:buNone/>
+            </a:pPr>
+            <a:endParaRPr lang="en-US" sz="2200" dirty="0"/>
+          </a:p>
+        </p:txBody>
+      </p:sp>
+    </p:spTree>
+    <p:extLst>
+      <p:ext uri="{BB962C8B-B14F-4D97-AF65-F5344CB8AC3E}">
+        <p14:creationId xmlns:p14="http://schemas.microsoft.com/office/powerpoint/2010/main" val="52445891"/>
+      </p:ext>
+    </p:extLst>
+  </p:cSld>
+  <p:clrMapOvr>
+    <a:masterClrMapping/>
+  </p:clrMapOvr>
+</p:sld>
+</file>
+
+<file path=ppt/slides/slide12.xml><?xml version="1.0" encoding="utf-8"?>
+<p:sld xmlns:a="http://schemas.openxmlformats.org/drawingml/2006/main" xmlns:r="http://schemas.openxmlformats.org/officeDocument/2006/relationships" xmlns:p="http://schemas.openxmlformats.org/presentationml/2006/main">
+  <p:cSld>
+    <p:spTree>
+      <p:nvGrpSpPr>
+        <p:cNvPr id="1" name=""/>
+        <p:cNvGrpSpPr/>
+        <p:nvPr/>
+      </p:nvGrpSpPr>
+      <p:grpSpPr>
+        <a:xfrm>
+          <a:off x="0" y="0"/>
+          <a:ext cx="0" cy="0"/>
+          <a:chOff x="0" y="0"/>
+          <a:chExt cx="0" cy="0"/>
+        </a:xfrm>
+      </p:grpSpPr>
+      <p:sp>
+        <p:nvSpPr>
+          <p:cNvPr id="3" name="TextBox 2">
+            <a:extLst>
+              <a:ext uri="{FF2B5EF4-FFF2-40B4-BE49-F238E27FC236}">
+                <a16:creationId xmlns:a16="http://schemas.microsoft.com/office/drawing/2014/main" id="{D15741E5-C777-6456-36F8-B560F1454D74}"/>
+              </a:ext>
+            </a:extLst>
+          </p:cNvPr>
+          <p:cNvSpPr txBox="1"/>
+          <p:nvPr/>
+        </p:nvSpPr>
+        <p:spPr>
+          <a:xfrm>
+            <a:off x="3599728" y="369539"/>
+            <a:ext cx="1747777" cy="584775"/>
+          </a:xfrm>
+          <a:prstGeom prst="rect">
+            <a:avLst/>
+          </a:prstGeom>
+          <a:noFill/>
+        </p:spPr>
+        <p:txBody>
+          <a:bodyPr wrap="square">
+            <a:spAutoFit/>
+          </a:bodyPr>
+          <a:lstStyle/>
+          <a:p>
+            <a:r>
+              <a:rPr lang="en-US" sz="3200" b="1" dirty="0"/>
+              <a:t>TOGAF</a:t>
+            </a:r>
+            <a:endParaRPr lang="el-GR" sz="3200" b="1" dirty="0"/>
+          </a:p>
+        </p:txBody>
+      </p:sp>
+      <p:sp>
+        <p:nvSpPr>
+          <p:cNvPr id="2" name="Content Placeholder 4">
+            <a:extLst>
+              <a:ext uri="{FF2B5EF4-FFF2-40B4-BE49-F238E27FC236}">
+                <a16:creationId xmlns:a16="http://schemas.microsoft.com/office/drawing/2014/main" id="{AEDCCD92-4C90-F488-E81C-9A8D0AB7B42C}"/>
+              </a:ext>
+            </a:extLst>
+          </p:cNvPr>
+          <p:cNvSpPr>
+            <a:spLocks noGrp="1"/>
+          </p:cNvSpPr>
+          <p:nvPr>
+            <p:ph idx="1"/>
+          </p:nvPr>
+        </p:nvSpPr>
+        <p:spPr>
+          <a:xfrm>
+            <a:off x="104694" y="1276571"/>
+            <a:ext cx="8090181" cy="5031632"/>
+          </a:xfrm>
+        </p:spPr>
+        <p:txBody>
+          <a:bodyPr/>
+          <a:lstStyle/>
+          <a:p>
+            <a:pPr>
+              <a:spcBef>
+                <a:spcPts val="1400"/>
+              </a:spcBef>
+            </a:pPr>
+            <a:r>
+              <a:rPr lang="en-US" sz="2200" dirty="0"/>
+              <a:t>Enterprise architecture framework</a:t>
+            </a:r>
+          </a:p>
+          <a:p>
+            <a:pPr>
+              <a:spcBef>
+                <a:spcPts val="1400"/>
+              </a:spcBef>
+            </a:pPr>
+            <a:r>
+              <a:rPr lang="en-US" sz="2200" dirty="0"/>
+              <a:t>Defines architecture development process</a:t>
+            </a:r>
+          </a:p>
+          <a:p>
+            <a:pPr>
+              <a:spcBef>
+                <a:spcPts val="1400"/>
+              </a:spcBef>
+            </a:pPr>
+            <a:r>
+              <a:rPr lang="en-US" sz="2200" dirty="0"/>
+              <a:t>Consists of four domains</a:t>
+            </a:r>
+          </a:p>
+          <a:p>
+            <a:pPr>
+              <a:spcBef>
+                <a:spcPts val="1400"/>
+              </a:spcBef>
+            </a:pPr>
+            <a:r>
+              <a:rPr lang="en-US" sz="2200" dirty="0"/>
+              <a:t>Business, data, application, technology</a:t>
+            </a:r>
+          </a:p>
+          <a:p>
+            <a:pPr>
+              <a:spcBef>
+                <a:spcPts val="1400"/>
+              </a:spcBef>
+            </a:pPr>
+            <a:r>
+              <a:rPr lang="en-US" sz="2200" dirty="0"/>
+              <a:t>Supports business objectives</a:t>
+            </a:r>
+          </a:p>
+          <a:p>
+            <a:pPr>
+              <a:spcBef>
+                <a:spcPts val="1400"/>
+              </a:spcBef>
+            </a:pPr>
+            <a:r>
+              <a:rPr lang="en-US" sz="2200" dirty="0"/>
+              <a:t>Improves IT effectiveness</a:t>
+            </a:r>
+          </a:p>
+          <a:p>
+            <a:pPr>
+              <a:spcBef>
+                <a:spcPts val="1400"/>
+              </a:spcBef>
+            </a:pPr>
+            <a:r>
+              <a:rPr lang="en-US" sz="2200" dirty="0"/>
+              <a:t>Enhances interoperability and flexibility</a:t>
+            </a:r>
+          </a:p>
+          <a:p>
+            <a:pPr>
+              <a:spcBef>
+                <a:spcPts val="1400"/>
+              </a:spcBef>
+            </a:pPr>
+            <a:r>
+              <a:rPr lang="en-US" sz="2200" dirty="0"/>
+              <a:t>Enables better decision-making</a:t>
+            </a:r>
+          </a:p>
+          <a:p>
+            <a:pPr>
+              <a:spcBef>
+                <a:spcPts val="1400"/>
+              </a:spcBef>
+            </a:pPr>
+            <a:r>
+              <a:rPr lang="en-US" sz="2200" dirty="0"/>
+              <a:t>Supports governance and compliance</a:t>
+            </a:r>
+          </a:p>
+          <a:p>
+            <a:pPr>
+              <a:spcBef>
+                <a:spcPts val="1400"/>
+              </a:spcBef>
+            </a:pPr>
+            <a:r>
+              <a:rPr lang="en-US" sz="2200" dirty="0"/>
+              <a:t>Adaptable to organization's needs</a:t>
+            </a:r>
+          </a:p>
+        </p:txBody>
+      </p:sp>
+    </p:spTree>
+    <p:extLst>
+      <p:ext uri="{BB962C8B-B14F-4D97-AF65-F5344CB8AC3E}">
+        <p14:creationId xmlns:p14="http://schemas.microsoft.com/office/powerpoint/2010/main" val="245166726"/>
+      </p:ext>
+    </p:extLst>
+  </p:cSld>
+  <p:clrMapOvr>
+    <a:masterClrMapping/>
+  </p:clrMapOvr>
+</p:sld>
+</file>
+
+<file path=ppt/slides/slide13.xml><?xml version="1.0" encoding="utf-8"?>
+<p:sld xmlns:a="http://schemas.openxmlformats.org/drawingml/2006/main" xmlns:r="http://schemas.openxmlformats.org/officeDocument/2006/relationships" xmlns:p="http://schemas.openxmlformats.org/presentationml/2006/main">
+  <p:cSld>
+    <p:spTree>
+      <p:nvGrpSpPr>
+        <p:cNvPr id="1" name=""/>
+        <p:cNvGrpSpPr/>
+        <p:nvPr/>
+      </p:nvGrpSpPr>
+      <p:grpSpPr>
+        <a:xfrm>
+          <a:off x="0" y="0"/>
+          <a:ext cx="0" cy="0"/>
+          <a:chOff x="0" y="0"/>
+          <a:chExt cx="0" cy="0"/>
+        </a:xfrm>
+      </p:grpSpPr>
+      <p:sp>
+        <p:nvSpPr>
+          <p:cNvPr id="3" name="TextBox 2">
+            <a:extLst>
+              <a:ext uri="{FF2B5EF4-FFF2-40B4-BE49-F238E27FC236}">
+                <a16:creationId xmlns:a16="http://schemas.microsoft.com/office/drawing/2014/main" id="{D15741E5-C777-6456-36F8-B560F1454D74}"/>
+              </a:ext>
+            </a:extLst>
+          </p:cNvPr>
+          <p:cNvSpPr txBox="1"/>
+          <p:nvPr/>
+        </p:nvSpPr>
+        <p:spPr>
+          <a:xfrm>
+            <a:off x="3906456" y="369539"/>
+            <a:ext cx="1053296" cy="584775"/>
+          </a:xfrm>
+          <a:prstGeom prst="rect">
+            <a:avLst/>
+          </a:prstGeom>
+          <a:noFill/>
+        </p:spPr>
+        <p:txBody>
+          <a:bodyPr wrap="square">
+            <a:spAutoFit/>
+          </a:bodyPr>
+          <a:lstStyle/>
+          <a:p>
+            <a:r>
+              <a:rPr lang="en-US" sz="3200" b="1" dirty="0"/>
+              <a:t>ITIL</a:t>
+            </a:r>
+            <a:endParaRPr lang="el-GR" sz="3200" b="1" dirty="0"/>
+          </a:p>
+        </p:txBody>
+      </p:sp>
+      <p:sp>
+        <p:nvSpPr>
+          <p:cNvPr id="2" name="Content Placeholder 4">
+            <a:extLst>
+              <a:ext uri="{FF2B5EF4-FFF2-40B4-BE49-F238E27FC236}">
+                <a16:creationId xmlns:a16="http://schemas.microsoft.com/office/drawing/2014/main" id="{AEDCCD92-4C90-F488-E81C-9A8D0AB7B42C}"/>
+              </a:ext>
+            </a:extLst>
+          </p:cNvPr>
+          <p:cNvSpPr>
+            <a:spLocks noGrp="1"/>
+          </p:cNvSpPr>
+          <p:nvPr>
+            <p:ph idx="1"/>
+          </p:nvPr>
+        </p:nvSpPr>
+        <p:spPr>
+          <a:xfrm>
+            <a:off x="104695" y="1202551"/>
+            <a:ext cx="8541594" cy="4452897"/>
+          </a:xfrm>
+        </p:spPr>
+        <p:txBody>
+          <a:bodyPr/>
+          <a:lstStyle/>
+          <a:p>
+            <a:pPr>
+              <a:spcBef>
+                <a:spcPts val="1400"/>
+              </a:spcBef>
+            </a:pPr>
+            <a:r>
+              <a:rPr lang="en-US" sz="2200" dirty="0"/>
+              <a:t>IT service management framework</a:t>
+            </a:r>
+          </a:p>
+          <a:p>
+            <a:pPr>
+              <a:spcBef>
+                <a:spcPts val="1400"/>
+              </a:spcBef>
+            </a:pPr>
+            <a:r>
+              <a:rPr lang="en-US" sz="2200" dirty="0"/>
+              <a:t>Best practices for ITSM</a:t>
+            </a:r>
+          </a:p>
+          <a:p>
+            <a:pPr>
+              <a:spcBef>
+                <a:spcPts val="1400"/>
+              </a:spcBef>
+            </a:pPr>
+            <a:r>
+              <a:rPr lang="en-US" sz="2200" dirty="0"/>
+              <a:t>Aligns IT with business needs</a:t>
+            </a:r>
+          </a:p>
+          <a:p>
+            <a:pPr>
+              <a:spcBef>
+                <a:spcPts val="1400"/>
+              </a:spcBef>
+            </a:pPr>
+            <a:r>
+              <a:rPr lang="en-US" sz="2200" dirty="0"/>
+              <a:t>Improves service quality</a:t>
+            </a:r>
+          </a:p>
+          <a:p>
+            <a:pPr>
+              <a:spcBef>
+                <a:spcPts val="1400"/>
+              </a:spcBef>
+            </a:pPr>
+            <a:r>
+              <a:rPr lang="en-US" sz="2200" dirty="0"/>
+              <a:t>Reduces IT costs</a:t>
+            </a:r>
+          </a:p>
+          <a:p>
+            <a:pPr>
+              <a:spcBef>
+                <a:spcPts val="1400"/>
+              </a:spcBef>
+            </a:pPr>
+            <a:r>
+              <a:rPr lang="en-US" sz="2200" dirty="0"/>
+              <a:t>Enhances customer satisfaction</a:t>
+            </a:r>
+          </a:p>
+          <a:p>
+            <a:pPr>
+              <a:spcBef>
+                <a:spcPts val="1400"/>
+              </a:spcBef>
+            </a:pPr>
+            <a:r>
+              <a:rPr lang="en-US" sz="2200" dirty="0"/>
+              <a:t>Focuses on continual improvement</a:t>
+            </a:r>
+          </a:p>
+          <a:p>
+            <a:pPr>
+              <a:spcBef>
+                <a:spcPts val="1400"/>
+              </a:spcBef>
+            </a:pPr>
+            <a:r>
+              <a:rPr lang="en-US" sz="2200" dirty="0"/>
+              <a:t>Provides a common language</a:t>
+            </a:r>
+          </a:p>
+          <a:p>
+            <a:pPr>
+              <a:spcBef>
+                <a:spcPts val="1400"/>
+              </a:spcBef>
+            </a:pPr>
+            <a:r>
+              <a:rPr lang="en-US" sz="2200" dirty="0"/>
+              <a:t>Defines roles and responsibilities</a:t>
+            </a:r>
+          </a:p>
+          <a:p>
+            <a:pPr>
+              <a:spcBef>
+                <a:spcPts val="1400"/>
+              </a:spcBef>
+            </a:pPr>
+            <a:r>
+              <a:rPr lang="en-US" sz="2200" dirty="0"/>
+              <a:t>Enables efficient IT operations</a:t>
+            </a:r>
+          </a:p>
+        </p:txBody>
+      </p:sp>
+    </p:spTree>
+    <p:extLst>
+      <p:ext uri="{BB962C8B-B14F-4D97-AF65-F5344CB8AC3E}">
+        <p14:creationId xmlns:p14="http://schemas.microsoft.com/office/powerpoint/2010/main" val="1743719545"/>
+      </p:ext>
+    </p:extLst>
+  </p:cSld>
+  <p:clrMapOvr>
+    <a:masterClrMapping/>
+  </p:clrMapOvr>
+</p:sld>
+</file>
+
+<file path=ppt/slides/slide14.xml><?xml version="1.0" encoding="utf-8"?>
+<p:sld xmlns:a="http://schemas.openxmlformats.org/drawingml/2006/main" xmlns:r="http://schemas.openxmlformats.org/officeDocument/2006/relationships" xmlns:p="http://schemas.openxmlformats.org/presentationml/2006/main">
+  <p:cSld>
+    <p:spTree>
+      <p:nvGrpSpPr>
+        <p:cNvPr id="1" name=""/>
+        <p:cNvGrpSpPr/>
+        <p:nvPr/>
+      </p:nvGrpSpPr>
+      <p:grpSpPr>
+        <a:xfrm>
+          <a:off x="0" y="0"/>
+          <a:ext cx="0" cy="0"/>
+          <a:chOff x="0" y="0"/>
+          <a:chExt cx="0" cy="0"/>
+        </a:xfrm>
+      </p:grpSpPr>
+      <p:sp>
+        <p:nvSpPr>
+          <p:cNvPr id="3" name="TextBox 2">
+            <a:extLst>
+              <a:ext uri="{FF2B5EF4-FFF2-40B4-BE49-F238E27FC236}">
+                <a16:creationId xmlns:a16="http://schemas.microsoft.com/office/drawing/2014/main" id="{D15741E5-C777-6456-36F8-B560F1454D74}"/>
+              </a:ext>
+            </a:extLst>
+          </p:cNvPr>
+          <p:cNvSpPr txBox="1"/>
+          <p:nvPr/>
+        </p:nvSpPr>
+        <p:spPr>
+          <a:xfrm>
+            <a:off x="3750197" y="369539"/>
+            <a:ext cx="1099595" cy="584775"/>
+          </a:xfrm>
+          <a:prstGeom prst="rect">
+            <a:avLst/>
+          </a:prstGeom>
+          <a:noFill/>
+        </p:spPr>
+        <p:txBody>
+          <a:bodyPr wrap="square">
+            <a:spAutoFit/>
+          </a:bodyPr>
+          <a:lstStyle/>
+          <a:p>
+            <a:r>
+              <a:rPr lang="en-US" sz="3200" b="1" dirty="0" err="1"/>
+              <a:t>SAFe</a:t>
+            </a:r>
+            <a:endParaRPr lang="el-GR" sz="3200" b="1" dirty="0"/>
+          </a:p>
+        </p:txBody>
+      </p:sp>
+      <p:sp>
+        <p:nvSpPr>
+          <p:cNvPr id="2" name="Content Placeholder 4">
+            <a:extLst>
+              <a:ext uri="{FF2B5EF4-FFF2-40B4-BE49-F238E27FC236}">
+                <a16:creationId xmlns:a16="http://schemas.microsoft.com/office/drawing/2014/main" id="{AEDCCD92-4C90-F488-E81C-9A8D0AB7B42C}"/>
+              </a:ext>
+            </a:extLst>
+          </p:cNvPr>
+          <p:cNvSpPr>
+            <a:spLocks noGrp="1"/>
+          </p:cNvSpPr>
+          <p:nvPr>
+            <p:ph idx="1"/>
+          </p:nvPr>
+        </p:nvSpPr>
+        <p:spPr>
+          <a:xfrm>
+            <a:off x="104695" y="1102950"/>
+            <a:ext cx="8587892" cy="5089506"/>
+          </a:xfrm>
+        </p:spPr>
+        <p:txBody>
+          <a:bodyPr/>
+          <a:lstStyle/>
+          <a:p>
+            <a:pPr>
+              <a:spcBef>
+                <a:spcPts val="1400"/>
+              </a:spcBef>
+            </a:pPr>
+            <a:r>
+              <a:rPr lang="en-US" sz="2200" dirty="0"/>
+              <a:t>Framework for Agile development</a:t>
+            </a:r>
+          </a:p>
+          <a:p>
+            <a:pPr>
+              <a:spcBef>
+                <a:spcPts val="1400"/>
+              </a:spcBef>
+            </a:pPr>
+            <a:r>
+              <a:rPr lang="en-US" sz="2200" dirty="0"/>
+              <a:t>Supports large-scale enterprises</a:t>
+            </a:r>
+          </a:p>
+          <a:p>
+            <a:pPr>
+              <a:spcBef>
+                <a:spcPts val="1400"/>
+              </a:spcBef>
+            </a:pPr>
+            <a:r>
+              <a:rPr lang="en-US" sz="2200" dirty="0"/>
+              <a:t>Builds on Agile principles</a:t>
+            </a:r>
+          </a:p>
+          <a:p>
+            <a:pPr>
+              <a:spcBef>
+                <a:spcPts val="1400"/>
+              </a:spcBef>
+            </a:pPr>
+            <a:r>
+              <a:rPr lang="en-US" sz="2200" dirty="0"/>
+              <a:t>Enables collaboration and alignment</a:t>
+            </a:r>
+          </a:p>
+          <a:p>
+            <a:pPr>
+              <a:spcBef>
+                <a:spcPts val="1400"/>
+              </a:spcBef>
+            </a:pPr>
+            <a:r>
+              <a:rPr lang="en-US" sz="2200" dirty="0"/>
+              <a:t>Provides continuous delivery and integration</a:t>
+            </a:r>
+          </a:p>
+          <a:p>
+            <a:pPr>
+              <a:spcBef>
+                <a:spcPts val="1400"/>
+              </a:spcBef>
+            </a:pPr>
+            <a:r>
+              <a:rPr lang="en-US" sz="2200" dirty="0"/>
+              <a:t>Emphasizes lean thinking</a:t>
+            </a:r>
+          </a:p>
+          <a:p>
+            <a:pPr>
+              <a:spcBef>
+                <a:spcPts val="1400"/>
+              </a:spcBef>
+            </a:pPr>
+            <a:r>
+              <a:rPr lang="en-US" sz="2200" dirty="0"/>
+              <a:t>Improves productivity and quality</a:t>
+            </a:r>
+          </a:p>
+          <a:p>
+            <a:pPr>
+              <a:spcBef>
+                <a:spcPts val="1400"/>
+              </a:spcBef>
+            </a:pPr>
+            <a:r>
+              <a:rPr lang="en-US" sz="2200" dirty="0"/>
+              <a:t>Enhances customer satisfaction</a:t>
+            </a:r>
+          </a:p>
+          <a:p>
+            <a:pPr>
+              <a:spcBef>
+                <a:spcPts val="1400"/>
+              </a:spcBef>
+            </a:pPr>
+            <a:r>
+              <a:rPr lang="en-US" sz="2200" dirty="0"/>
+              <a:t>Promotes transparency and visibility</a:t>
+            </a:r>
+          </a:p>
+          <a:p>
+            <a:pPr>
+              <a:spcBef>
+                <a:spcPts val="1400"/>
+              </a:spcBef>
+            </a:pPr>
+            <a:r>
+              <a:rPr lang="en-US" sz="2200" dirty="0"/>
+              <a:t>Supports multiple teams and projects</a:t>
+            </a:r>
+          </a:p>
+        </p:txBody>
+      </p:sp>
+    </p:spTree>
+    <p:extLst>
+      <p:ext uri="{BB962C8B-B14F-4D97-AF65-F5344CB8AC3E}">
+        <p14:creationId xmlns:p14="http://schemas.microsoft.com/office/powerpoint/2010/main" val="733891954"/>
+      </p:ext>
+    </p:extLst>
+  </p:cSld>
+  <p:clrMapOvr>
+    <a:masterClrMapping/>
+  </p:clrMapOvr>
+</p:sld>
+</file>
+
+<file path=ppt/slides/slide15.xml><?xml version="1.0" encoding="utf-8"?>
+<p:sld xmlns:a="http://schemas.openxmlformats.org/drawingml/2006/main" xmlns:r="http://schemas.openxmlformats.org/officeDocument/2006/relationships" xmlns:p="http://schemas.openxmlformats.org/presentationml/2006/main" show="0">
+  <p:cSld>
+    <p:spTree>
+      <p:nvGrpSpPr>
+        <p:cNvPr id="1" name=""/>
+        <p:cNvGrpSpPr/>
+        <p:nvPr/>
+      </p:nvGrpSpPr>
+      <p:grpSpPr>
+        <a:xfrm>
+          <a:off x="0" y="0"/>
+          <a:ext cx="0" cy="0"/>
+          <a:chOff x="0" y="0"/>
+          <a:chExt cx="0" cy="0"/>
+        </a:xfrm>
+      </p:grpSpPr>
+      <p:sp>
+        <p:nvSpPr>
+          <p:cNvPr id="3" name="TextBox 2">
+            <a:extLst>
+              <a:ext uri="{FF2B5EF4-FFF2-40B4-BE49-F238E27FC236}">
+                <a16:creationId xmlns:a16="http://schemas.microsoft.com/office/drawing/2014/main" id="{D15741E5-C777-6456-36F8-B560F1454D74}"/>
+              </a:ext>
+            </a:extLst>
+          </p:cNvPr>
+          <p:cNvSpPr txBox="1"/>
+          <p:nvPr/>
+        </p:nvSpPr>
+        <p:spPr>
+          <a:xfrm>
+            <a:off x="494818" y="426033"/>
+            <a:ext cx="6172200" cy="1077218"/>
+          </a:xfrm>
+          <a:prstGeom prst="rect">
+            <a:avLst/>
+          </a:prstGeom>
+          <a:noFill/>
+        </p:spPr>
+        <p:txBody>
+          <a:bodyPr wrap="square">
+            <a:spAutoFit/>
+          </a:bodyPr>
+          <a:lstStyle/>
+          <a:p>
+            <a:pPr>
+              <a:spcBef>
+                <a:spcPts val="1400"/>
+              </a:spcBef>
+            </a:pPr>
+            <a:r>
+              <a:rPr lang="el-GR" sz="3200" b="1" dirty="0"/>
+              <a:t>Δυνατότητα μεταμόρφωσης και ανάπτυξης</a:t>
+            </a:r>
+          </a:p>
+        </p:txBody>
+      </p:sp>
+      <p:sp>
+        <p:nvSpPr>
+          <p:cNvPr id="2" name="Content Placeholder 4">
+            <a:extLst>
+              <a:ext uri="{FF2B5EF4-FFF2-40B4-BE49-F238E27FC236}">
+                <a16:creationId xmlns:a16="http://schemas.microsoft.com/office/drawing/2014/main" id="{CA963E5B-479A-A060-880B-767754E703D4}"/>
+              </a:ext>
+            </a:extLst>
+          </p:cNvPr>
+          <p:cNvSpPr>
+            <a:spLocks noGrp="1"/>
+          </p:cNvSpPr>
+          <p:nvPr>
+            <p:ph idx="1"/>
+          </p:nvPr>
+        </p:nvSpPr>
+        <p:spPr>
+          <a:xfrm>
+            <a:off x="365125" y="1589088"/>
+            <a:ext cx="8229600" cy="4525962"/>
+          </a:xfrm>
+        </p:spPr>
+        <p:txBody>
+          <a:bodyPr/>
+          <a:lstStyle/>
+          <a:p>
+            <a:pPr marL="457200" indent="-457200">
+              <a:spcBef>
+                <a:spcPts val="1400"/>
+              </a:spcBef>
+              <a:buFont typeface="+mj-lt"/>
+              <a:buAutoNum type="arabicPeriod"/>
+            </a:pPr>
+            <a:r>
+              <a:rPr lang="el-GR" sz="2200" dirty="0"/>
+              <a:t>Οι αναδυόμενες τεχνολογίες όπως το DAO, το WEB3.0 και το </a:t>
+            </a:r>
+            <a:r>
+              <a:rPr lang="el-GR" sz="2200" dirty="0" err="1"/>
+              <a:t>blockchain</a:t>
+            </a:r>
+            <a:r>
+              <a:rPr lang="el-GR" sz="2200" dirty="0"/>
+              <a:t> μπορούν να μεταμορφώσουν τις παγκόσμιες επιχειρηματικές δραστηριότητες.</a:t>
+            </a:r>
+          </a:p>
+          <a:p>
+            <a:pPr marL="457200" indent="-457200">
+              <a:spcBef>
+                <a:spcPts val="1400"/>
+              </a:spcBef>
+              <a:buFont typeface="+mj-lt"/>
+              <a:buAutoNum type="arabicPeriod"/>
+            </a:pPr>
+            <a:r>
+              <a:rPr lang="el-GR" sz="2200" dirty="0"/>
+              <a:t>Η εφαρμογή </a:t>
+            </a:r>
+            <a:r>
+              <a:rPr lang="el-GR" sz="2200" dirty="0" err="1"/>
+              <a:t>blockchain</a:t>
+            </a:r>
+            <a:r>
+              <a:rPr lang="el-GR" sz="2200" dirty="0"/>
+              <a:t> στη διαχείριση της εφοδιαστικής αλυσίδας μπορεί να αυξήσει την αποτελεσματικότητα, τη διαφάνεια, την εξοικονόμηση κόστους και την ικανοποίηση των πελατών.</a:t>
+            </a:r>
+          </a:p>
+          <a:p>
+            <a:pPr marL="457200" indent="-457200">
+              <a:spcBef>
+                <a:spcPts val="1400"/>
+              </a:spcBef>
+              <a:buFont typeface="+mj-lt"/>
+              <a:buAutoNum type="arabicPeriod"/>
+            </a:pPr>
+            <a:r>
+              <a:rPr lang="el-GR" sz="2200" dirty="0"/>
+              <a:t>Η χρήση αλγοριθμικών συστημάτων HRM μπορεί να βελτιώσει την απόδοση και την ικανοποίηση των εργαζομένων, μειώνοντας τα ποσοστά κύκλου εργασιών και αυξάνοντας την παραγωγικότητα.</a:t>
+            </a:r>
+            <a:endParaRPr lang="en-US" sz="2200" dirty="0"/>
+          </a:p>
+        </p:txBody>
+      </p:sp>
+    </p:spTree>
+    <p:extLst>
+      <p:ext uri="{BB962C8B-B14F-4D97-AF65-F5344CB8AC3E}">
+        <p14:creationId xmlns:p14="http://schemas.microsoft.com/office/powerpoint/2010/main" val="41946471"/>
+      </p:ext>
+    </p:extLst>
+  </p:cSld>
+  <p:clrMapOvr>
+    <a:masterClrMapping/>
+  </p:clrMapOvr>
+</p:sld>
+</file>
+
+<file path=ppt/slides/slide16.xml><?xml version="1.0" encoding="utf-8"?>
+<p:sld xmlns:a="http://schemas.openxmlformats.org/drawingml/2006/main" xmlns:r="http://schemas.openxmlformats.org/officeDocument/2006/relationships" xmlns:p="http://schemas.openxmlformats.org/presentationml/2006/main">
+  <p:cSld>
+    <p:spTree>
+      <p:nvGrpSpPr>
+        <p:cNvPr id="1" name=""/>
+        <p:cNvGrpSpPr/>
+        <p:nvPr/>
+      </p:nvGrpSpPr>
+      <p:grpSpPr>
+        <a:xfrm>
+          <a:off x="0" y="0"/>
+          <a:ext cx="0" cy="0"/>
+          <a:chOff x="0" y="0"/>
+          <a:chExt cx="0" cy="0"/>
+        </a:xfrm>
+      </p:grpSpPr>
       <p:pic>
         <p:nvPicPr>
           <p:cNvPr id="3080" name="Picture 8">
@@ -10103,7 +13167,7 @@
 </p:sld>
 </file>
 
-<file path=ppt/slides/slide11.xml><?xml version="1.0" encoding="utf-8"?>
+<file path=ppt/slides/slide17.xml><?xml version="1.0" encoding="utf-8"?>
 <p:sld xmlns:a="http://schemas.openxmlformats.org/drawingml/2006/main" xmlns:r="http://schemas.openxmlformats.org/officeDocument/2006/relationships" xmlns:p="http://schemas.openxmlformats.org/presentationml/2006/main">
   <p:cSld>
     <p:spTree>
@@ -13126,7 +16190,7 @@
 </p:sld>
 </file>
 
-<file path=ppt/slides/slide12.xml><?xml version="1.0" encoding="utf-8"?>
+<file path=ppt/slides/slide18.xml><?xml version="1.0" encoding="utf-8"?>
 <p:sld xmlns:a="http://schemas.openxmlformats.org/drawingml/2006/main" xmlns:r="http://schemas.openxmlformats.org/officeDocument/2006/relationships" xmlns:p="http://schemas.openxmlformats.org/presentationml/2006/main">
   <p:cSld>
     <p:spTree>
@@ -13192,7 +16256,7 @@
 </p:sld>
 </file>
 
-<file path=ppt/slides/slide13.xml><?xml version="1.0" encoding="utf-8"?>
+<file path=ppt/slides/slide19.xml><?xml version="1.0" encoding="utf-8"?>
 <p:sld xmlns:a="http://schemas.openxmlformats.org/drawingml/2006/main" xmlns:r="http://schemas.openxmlformats.org/officeDocument/2006/relationships" xmlns:p="http://schemas.openxmlformats.org/presentationml/2006/main">
   <p:cSld>
     <p:spTree>
@@ -14016,6 +17080,83 @@
 </file>
 
 <file path=ppt/slides/slide5.xml><?xml version="1.0" encoding="utf-8"?>
+<p:sld xmlns:a="http://schemas.openxmlformats.org/drawingml/2006/main" xmlns:r="http://schemas.openxmlformats.org/officeDocument/2006/relationships" xmlns:p="http://schemas.openxmlformats.org/presentationml/2006/main" show="0">
+  <p:cSld>
+    <p:spTree>
+      <p:nvGrpSpPr>
+        <p:cNvPr id="1" name=""/>
+        <p:cNvGrpSpPr/>
+        <p:nvPr/>
+      </p:nvGrpSpPr>
+      <p:grpSpPr>
+        <a:xfrm>
+          <a:off x="0" y="0"/>
+          <a:ext cx="0" cy="0"/>
+          <a:chOff x="0" y="0"/>
+          <a:chExt cx="0" cy="0"/>
+        </a:xfrm>
+      </p:grpSpPr>
+      <p:pic>
+        <p:nvPicPr>
+          <p:cNvPr id="2050" name="Picture 2" descr="graphical user interface">
+            <a:extLst>
+              <a:ext uri="{FF2B5EF4-FFF2-40B4-BE49-F238E27FC236}">
+                <a16:creationId xmlns:a16="http://schemas.microsoft.com/office/drawing/2014/main" id="{855E38A1-D8A4-6F1B-6DD1-C32F24221B4B}"/>
+              </a:ext>
+            </a:extLst>
+          </p:cNvPr>
+          <p:cNvPicPr>
+            <a:picLocks noChangeAspect="1" noChangeArrowheads="1"/>
+          </p:cNvPicPr>
+          <p:nvPr/>
+        </p:nvPicPr>
+        <p:blipFill>
+          <a:blip r:embed="rId3">
+            <a:extLst>
+              <a:ext uri="{28A0092B-C50C-407E-A947-70E740481C1C}">
+                <a14:useLocalDpi xmlns:a14="http://schemas.microsoft.com/office/drawing/2010/main" val="0"/>
+              </a:ext>
+            </a:extLst>
+          </a:blip>
+          <a:srcRect/>
+          <a:stretch>
+            <a:fillRect/>
+          </a:stretch>
+        </p:blipFill>
+        <p:spPr bwMode="auto">
+          <a:xfrm>
+            <a:off x="2103186" y="-57874"/>
+            <a:ext cx="4644321" cy="6973747"/>
+          </a:xfrm>
+          <a:prstGeom prst="rect">
+            <a:avLst/>
+          </a:prstGeom>
+          <a:noFill/>
+          <a:extLst>
+            <a:ext uri="{909E8E84-426E-40DD-AFC4-6F175D3DCCD1}">
+              <a14:hiddenFill xmlns:a14="http://schemas.microsoft.com/office/drawing/2010/main">
+                <a:solidFill>
+                  <a:srgbClr val="FFFFFF"/>
+                </a:solidFill>
+              </a14:hiddenFill>
+            </a:ext>
+          </a:extLst>
+        </p:spPr>
+      </p:pic>
+    </p:spTree>
+    <p:extLst>
+      <p:ext uri="{BB962C8B-B14F-4D97-AF65-F5344CB8AC3E}">
+        <p14:creationId xmlns:p14="http://schemas.microsoft.com/office/powerpoint/2010/main" val="714784268"/>
+      </p:ext>
+    </p:extLst>
+  </p:cSld>
+  <p:clrMapOvr>
+    <a:masterClrMapping/>
+  </p:clrMapOvr>
+</p:sld>
+</file>
+
+<file path=ppt/slides/slide6.xml><?xml version="1.0" encoding="utf-8"?>
 <p:sld xmlns:a="http://schemas.openxmlformats.org/drawingml/2006/main" xmlns:r="http://schemas.openxmlformats.org/officeDocument/2006/relationships" xmlns:p="http://schemas.openxmlformats.org/presentationml/2006/main">
   <p:cSld>
     <p:spTree>
@@ -14141,202 +17282,6 @@
 </p:sld>
 </file>
 
-<file path=ppt/slides/slide6.xml><?xml version="1.0" encoding="utf-8"?>
-<p:sld xmlns:a="http://schemas.openxmlformats.org/drawingml/2006/main" xmlns:r="http://schemas.openxmlformats.org/officeDocument/2006/relationships" xmlns:p="http://schemas.openxmlformats.org/presentationml/2006/main">
-  <p:cSld>
-    <p:spTree>
-      <p:nvGrpSpPr>
-        <p:cNvPr id="1" name=""/>
-        <p:cNvGrpSpPr/>
-        <p:nvPr/>
-      </p:nvGrpSpPr>
-      <p:grpSpPr>
-        <a:xfrm>
-          <a:off x="0" y="0"/>
-          <a:ext cx="0" cy="0"/>
-          <a:chOff x="0" y="0"/>
-          <a:chExt cx="0" cy="0"/>
-        </a:xfrm>
-      </p:grpSpPr>
-      <p:sp>
-        <p:nvSpPr>
-          <p:cNvPr id="5" name="Content Placeholder 4">
-            <a:extLst>
-              <a:ext uri="{FF2B5EF4-FFF2-40B4-BE49-F238E27FC236}">
-                <a16:creationId xmlns:a16="http://schemas.microsoft.com/office/drawing/2014/main" id="{19B0708D-0846-7151-22F5-D4D038C53B2A}"/>
-              </a:ext>
-            </a:extLst>
-          </p:cNvPr>
-          <p:cNvSpPr>
-            <a:spLocks noGrp="1"/>
-          </p:cNvSpPr>
-          <p:nvPr>
-            <p:ph idx="1"/>
-          </p:nvPr>
-        </p:nvSpPr>
-        <p:spPr>
-          <a:xfrm>
-            <a:off x="364602" y="1380281"/>
-            <a:ext cx="8229600" cy="4525963"/>
-          </a:xfrm>
-        </p:spPr>
-        <p:txBody>
-          <a:bodyPr/>
-          <a:lstStyle/>
-          <a:p>
-            <a:pPr marL="457200" indent="-457200">
-              <a:spcBef>
-                <a:spcPts val="1400"/>
-              </a:spcBef>
-              <a:buFont typeface="+mj-lt"/>
-              <a:buAutoNum type="arabicPeriod"/>
-            </a:pPr>
-            <a:r>
-              <a:rPr lang="el-GR" sz="2200" dirty="0"/>
-              <a:t>Η τεχνολογία στις παγκόσμιες επιχειρηματικές δραστηριότητες</a:t>
-            </a:r>
-          </a:p>
-          <a:p>
-            <a:pPr marL="457200" indent="-457200">
-              <a:spcBef>
-                <a:spcPts val="1400"/>
-              </a:spcBef>
-              <a:buFont typeface="+mj-lt"/>
-              <a:buAutoNum type="arabicPeriod"/>
-            </a:pPr>
-            <a:r>
-              <a:rPr lang="el-GR" sz="2200" dirty="0"/>
-              <a:t>Οφέλη των αναδυόμενων τεχνολογιών: αποτελεσματικότητα, εξοικονόμηση, διαφάνεια</a:t>
-            </a:r>
-          </a:p>
-          <a:p>
-            <a:pPr marL="457200" indent="-457200">
-              <a:spcBef>
-                <a:spcPts val="1400"/>
-              </a:spcBef>
-              <a:buFont typeface="+mj-lt"/>
-              <a:buAutoNum type="arabicPeriod"/>
-            </a:pPr>
-            <a:r>
-              <a:rPr lang="el-GR" sz="2200" dirty="0"/>
-              <a:t>Προκλήσεις των αναδυόμενων τεχνολογιών: ασφάλεια, ηθική</a:t>
-            </a:r>
-          </a:p>
-          <a:p>
-            <a:pPr marL="457200" indent="-457200">
-              <a:spcBef>
-                <a:spcPts val="1400"/>
-              </a:spcBef>
-              <a:buFont typeface="+mj-lt"/>
-              <a:buAutoNum type="arabicPeriod"/>
-            </a:pPr>
-            <a:r>
-              <a:rPr lang="el-GR" sz="2200" dirty="0"/>
-              <a:t>Παραδείγματα: </a:t>
-            </a:r>
-            <a:r>
-              <a:rPr lang="el-GR" sz="2200" dirty="0" err="1"/>
-              <a:t>Walmart</a:t>
-            </a:r>
-            <a:r>
-              <a:rPr lang="el-GR" sz="2200" dirty="0"/>
-              <a:t>, Accenture</a:t>
-            </a:r>
-          </a:p>
-          <a:p>
-            <a:pPr marL="457200" indent="-457200">
-              <a:spcBef>
-                <a:spcPts val="1400"/>
-              </a:spcBef>
-              <a:buFont typeface="+mj-lt"/>
-              <a:buAutoNum type="arabicPeriod"/>
-            </a:pPr>
-            <a:r>
-              <a:rPr lang="el-GR" sz="2200" dirty="0"/>
-              <a:t>Στρατηγικές για την αξιοποίηση των αναδυόμενων τεχνολογιών: </a:t>
-            </a:r>
-            <a:r>
-              <a:rPr lang="en-US" sz="2200" dirty="0"/>
-              <a:t>Enterprise Architectures</a:t>
-            </a:r>
-          </a:p>
-          <a:p>
-            <a:pPr marL="457200" indent="-457200">
-              <a:spcBef>
-                <a:spcPts val="1400"/>
-              </a:spcBef>
-              <a:buFont typeface="+mj-lt"/>
-              <a:buAutoNum type="arabicPeriod"/>
-            </a:pPr>
-            <a:r>
-              <a:rPr lang="el-GR" sz="2200" dirty="0"/>
-              <a:t>Δυνατότητα μεταμόρφωσης και ανάπτυξης</a:t>
-            </a:r>
-          </a:p>
-          <a:p>
-            <a:pPr marL="457200" indent="-457200">
-              <a:spcBef>
-                <a:spcPts val="1400"/>
-              </a:spcBef>
-              <a:buFont typeface="+mj-lt"/>
-              <a:buAutoNum type="arabicPeriod"/>
-            </a:pPr>
-            <a:r>
-              <a:rPr lang="el-GR" sz="2200" dirty="0"/>
-              <a:t>Σημασία στρατηγικής και υπεύθυνης προσέγγισης.</a:t>
-            </a:r>
-            <a:endParaRPr lang="en-US" sz="2200" dirty="0"/>
-          </a:p>
-        </p:txBody>
-      </p:sp>
-      <p:sp>
-        <p:nvSpPr>
-          <p:cNvPr id="2" name="TextBox 1">
-            <a:extLst>
-              <a:ext uri="{FF2B5EF4-FFF2-40B4-BE49-F238E27FC236}">
-                <a16:creationId xmlns:a16="http://schemas.microsoft.com/office/drawing/2014/main" id="{52BA0A59-5D1D-0917-B4CE-BDE83DE7B045}"/>
-              </a:ext>
-            </a:extLst>
-          </p:cNvPr>
-          <p:cNvSpPr txBox="1"/>
-          <p:nvPr/>
-        </p:nvSpPr>
-        <p:spPr>
-          <a:xfrm>
-            <a:off x="1874174" y="431500"/>
-            <a:ext cx="4329857" cy="584775"/>
-          </a:xfrm>
-          <a:prstGeom prst="rect">
-            <a:avLst/>
-          </a:prstGeom>
-          <a:noFill/>
-        </p:spPr>
-        <p:txBody>
-          <a:bodyPr wrap="square">
-            <a:spAutoFit/>
-          </a:bodyPr>
-          <a:lstStyle/>
-          <a:p>
-            <a:r>
-              <a:rPr lang="el-GR" sz="3200" b="1" dirty="0"/>
-              <a:t>Βιβλιογραφική έρευνα</a:t>
-            </a:r>
-          </a:p>
-        </p:txBody>
-      </p:sp>
-    </p:spTree>
-    <p:extLst>
-      <p:ext uri="{BB962C8B-B14F-4D97-AF65-F5344CB8AC3E}">
-        <p14:creationId xmlns:p14="http://schemas.microsoft.com/office/powerpoint/2010/main" val="2555135612"/>
-      </p:ext>
-    </p:extLst>
-  </p:cSld>
-  <p:clrMapOvr>
-    <a:masterClrMapping/>
-  </p:clrMapOvr>
-</p:sld>
-</file>
-
 <file path=ppt/slides/slide7.xml><?xml version="1.0" encoding="utf-8"?>
 <p:sld xmlns:a="http://schemas.openxmlformats.org/drawingml/2006/main" xmlns:r="http://schemas.openxmlformats.org/officeDocument/2006/relationships" xmlns:p="http://schemas.openxmlformats.org/presentationml/2006/main">
   <p:cSld>
@@ -14354,143 +17299,57 @@
           <a:chExt cx="0" cy="0"/>
         </a:xfrm>
       </p:grpSpPr>
-      <p:sp>
-        <p:nvSpPr>
-          <p:cNvPr id="3" name="TextBox 2">
+      <p:pic>
+        <p:nvPicPr>
+          <p:cNvPr id="1026" name="Picture 2" descr="What is XaaS? Anything as a Service Definition, Examples and Providers |  RingCentral UK Blog">
             <a:extLst>
               <a:ext uri="{FF2B5EF4-FFF2-40B4-BE49-F238E27FC236}">
-                <a16:creationId xmlns:a16="http://schemas.microsoft.com/office/drawing/2014/main" id="{D15741E5-C777-6456-36F8-B560F1454D74}"/>
+                <a16:creationId xmlns:a16="http://schemas.microsoft.com/office/drawing/2014/main" id="{75D05A95-514C-01BF-51DF-ACBF0CB66E36}"/>
               </a:ext>
             </a:extLst>
           </p:cNvPr>
-          <p:cNvSpPr txBox="1"/>
+          <p:cNvPicPr>
+            <a:picLocks noChangeAspect="1" noChangeArrowheads="1"/>
+          </p:cNvPicPr>
           <p:nvPr/>
-        </p:nvSpPr>
-        <p:spPr>
+        </p:nvPicPr>
+        <p:blipFill>
+          <a:blip r:embed="rId3">
+            <a:extLst>
+              <a:ext uri="{28A0092B-C50C-407E-A947-70E740481C1C}">
+                <a14:useLocalDpi xmlns:a14="http://schemas.microsoft.com/office/drawing/2010/main" val="0"/>
+              </a:ext>
+            </a:extLst>
+          </a:blip>
+          <a:srcRect/>
+          <a:stretch>
+            <a:fillRect/>
+          </a:stretch>
+        </p:blipFill>
+        <p:spPr bwMode="auto">
           <a:xfrm>
-            <a:off x="589384" y="431500"/>
-            <a:ext cx="7593917" cy="1077218"/>
+            <a:off x="380035" y="1171695"/>
+            <a:ext cx="6553199" cy="4783835"/>
           </a:xfrm>
           <a:prstGeom prst="rect">
             <a:avLst/>
           </a:prstGeom>
           <a:noFill/>
+          <a:extLst>
+            <a:ext uri="{909E8E84-426E-40DD-AFC4-6F175D3DCCD1}">
+              <a14:hiddenFill xmlns:a14="http://schemas.microsoft.com/office/drawing/2010/main">
+                <a:solidFill>
+                  <a:srgbClr val="FFFFFF"/>
+                </a:solidFill>
+              </a14:hiddenFill>
+            </a:ext>
+          </a:extLst>
         </p:spPr>
-        <p:txBody>
-          <a:bodyPr wrap="square">
-            <a:spAutoFit/>
-          </a:bodyPr>
-          <a:lstStyle/>
-          <a:p>
-            <a:r>
-              <a:rPr lang="el-GR" sz="3200" b="1" dirty="0"/>
-              <a:t>Η τεχνολογία στις παγκόσμιες επιχειρηματικές δραστηριότητες</a:t>
-            </a:r>
-          </a:p>
-        </p:txBody>
-      </p:sp>
-      <p:sp>
-        <p:nvSpPr>
-          <p:cNvPr id="2" name="Content Placeholder 4">
-            <a:extLst>
-              <a:ext uri="{FF2B5EF4-FFF2-40B4-BE49-F238E27FC236}">
-                <a16:creationId xmlns:a16="http://schemas.microsoft.com/office/drawing/2014/main" id="{29D1C372-E76D-8CF2-8FB0-E8B4D78A03A9}"/>
-              </a:ext>
-            </a:extLst>
-          </p:cNvPr>
-          <p:cNvSpPr>
-            <a:spLocks noGrp="1"/>
-          </p:cNvSpPr>
-          <p:nvPr>
-            <p:ph idx="1"/>
-          </p:nvPr>
-        </p:nvSpPr>
-        <p:spPr>
-          <a:xfrm>
-            <a:off x="365125" y="1877891"/>
-            <a:ext cx="8229600" cy="4013623"/>
-          </a:xfrm>
-        </p:spPr>
-        <p:txBody>
-          <a:bodyPr/>
-          <a:lstStyle/>
-          <a:p>
-            <a:pPr>
-              <a:spcBef>
-                <a:spcPts val="1400"/>
-              </a:spcBef>
-            </a:pPr>
-            <a:r>
-              <a:rPr lang="en-US" sz="2800" dirty="0"/>
-              <a:t>Enterprise Architecture (TOGAF)</a:t>
-            </a:r>
-          </a:p>
-          <a:p>
-            <a:pPr>
-              <a:spcBef>
-                <a:spcPts val="1400"/>
-              </a:spcBef>
-            </a:pPr>
-            <a:r>
-              <a:rPr lang="en-US" sz="2800" dirty="0"/>
-              <a:t>Scalable Agile Environments across organization awareness (</a:t>
-            </a:r>
-            <a:r>
-              <a:rPr lang="en-US" sz="2800" dirty="0" err="1"/>
-              <a:t>SAFe</a:t>
-            </a:r>
-            <a:r>
-              <a:rPr lang="en-US" sz="2800" dirty="0"/>
-              <a:t>)</a:t>
-            </a:r>
-          </a:p>
-          <a:p>
-            <a:pPr>
-              <a:spcBef>
-                <a:spcPts val="1400"/>
-              </a:spcBef>
-            </a:pPr>
-            <a:r>
-              <a:rPr lang="en-US" sz="2800" dirty="0"/>
-              <a:t>Information Technology management services (ITIL)</a:t>
-            </a:r>
-          </a:p>
-          <a:p>
-            <a:pPr>
-              <a:spcBef>
-                <a:spcPts val="1400"/>
-              </a:spcBef>
-            </a:pPr>
-            <a:r>
-              <a:rPr lang="en-US" sz="2800" dirty="0"/>
-              <a:t>Decentralized Autonomous Organizations (DAO) &amp; Blockchain</a:t>
-            </a:r>
-          </a:p>
-          <a:p>
-            <a:pPr>
-              <a:spcBef>
-                <a:spcPts val="1400"/>
-              </a:spcBef>
-            </a:pPr>
-            <a:r>
-              <a:rPr lang="en-US" sz="2800" dirty="0"/>
-              <a:t>Human Resource Systems with Artificial Intelligence</a:t>
-            </a:r>
-          </a:p>
-          <a:p>
-            <a:pPr>
-              <a:spcBef>
-                <a:spcPts val="1400"/>
-              </a:spcBef>
-            </a:pPr>
-            <a:endParaRPr lang="en-US" dirty="0"/>
-          </a:p>
-        </p:txBody>
-      </p:sp>
+      </p:pic>
     </p:spTree>
     <p:extLst>
       <p:ext uri="{BB962C8B-B14F-4D97-AF65-F5344CB8AC3E}">
-        <p14:creationId xmlns:p14="http://schemas.microsoft.com/office/powerpoint/2010/main" val="3487133216"/>
+        <p14:creationId xmlns:p14="http://schemas.microsoft.com/office/powerpoint/2010/main" val="1362376563"/>
       </p:ext>
     </p:extLst>
   </p:cSld>
@@ -14519,81 +17378,29 @@
       </p:grpSpPr>
       <p:sp>
         <p:nvSpPr>
-          <p:cNvPr id="3" name="TextBox 2">
+          <p:cNvPr id="5" name="Content Placeholder 4">
             <a:extLst>
               <a:ext uri="{FF2B5EF4-FFF2-40B4-BE49-F238E27FC236}">
-                <a16:creationId xmlns:a16="http://schemas.microsoft.com/office/drawing/2014/main" id="{D15741E5-C777-6456-36F8-B560F1454D74}"/>
+                <a16:creationId xmlns:a16="http://schemas.microsoft.com/office/drawing/2014/main" id="{19B0708D-0846-7151-22F5-D4D038C53B2A}"/>
               </a:ext>
             </a:extLst>
           </p:cNvPr>
-          <p:cNvSpPr txBox="1"/>
-          <p:nvPr/>
+          <p:cNvSpPr>
+            <a:spLocks noGrp="1"/>
+          </p:cNvSpPr>
+          <p:nvPr>
+            <p:ph idx="1"/>
+          </p:nvPr>
         </p:nvSpPr>
         <p:spPr>
           <a:xfrm>
-            <a:off x="0" y="369539"/>
-            <a:ext cx="7146845" cy="1077218"/>
-          </a:xfrm>
-          <a:prstGeom prst="rect">
-            <a:avLst/>
-          </a:prstGeom>
-          <a:noFill/>
-        </p:spPr>
-        <p:txBody>
-          <a:bodyPr wrap="square">
-            <a:spAutoFit/>
-          </a:bodyPr>
-          <a:lstStyle/>
-          <a:p>
-            <a:r>
-              <a:rPr lang="el-GR" sz="3200" b="1" dirty="0"/>
-              <a:t>Οφέλη &amp; Προκλήσεις των αναδυόμενων τεχνολογιών</a:t>
-            </a:r>
-          </a:p>
-        </p:txBody>
-      </p:sp>
-      <p:sp>
-        <p:nvSpPr>
-          <p:cNvPr id="2" name="Content Placeholder 4">
-            <a:extLst>
-              <a:ext uri="{FF2B5EF4-FFF2-40B4-BE49-F238E27FC236}">
-                <a16:creationId xmlns:a16="http://schemas.microsoft.com/office/drawing/2014/main" id="{AEDCCD92-4C90-F488-E81C-9A8D0AB7B42C}"/>
-              </a:ext>
-            </a:extLst>
-          </p:cNvPr>
-          <p:cNvSpPr>
-            <a:spLocks noGrp="1"/>
-          </p:cNvSpPr>
-          <p:nvPr>
-            <p:ph idx="1"/>
-          </p:nvPr>
-        </p:nvSpPr>
-        <p:spPr>
-          <a:xfrm>
-            <a:off x="104695" y="1589087"/>
-            <a:ext cx="6093548" cy="4452897"/>
+            <a:off x="364602" y="1380281"/>
+            <a:ext cx="8229600" cy="4525963"/>
           </a:xfrm>
         </p:spPr>
         <p:txBody>
           <a:bodyPr/>
           <a:lstStyle/>
-          <a:p>
-            <a:pPr marL="0" indent="0">
-              <a:spcBef>
-                <a:spcPts val="1400"/>
-              </a:spcBef>
-              <a:buNone/>
-            </a:pPr>
-            <a:r>
-              <a:rPr lang="el-GR" sz="2200" dirty="0"/>
-              <a:t>Άμεσα</a:t>
-            </a:r>
-            <a:r>
-              <a:rPr lang="en-US" sz="2200" dirty="0"/>
-              <a:t> side-effects</a:t>
-            </a:r>
-            <a:endParaRPr lang="el-GR" sz="2200" dirty="0"/>
-          </a:p>
           <a:p>
             <a:pPr marL="457200" indent="-457200">
               <a:spcBef>
@@ -14604,7 +17411,7 @@
             </a:pPr>
             <a:r>
               <a:rPr lang="el-GR" sz="2200" dirty="0"/>
-              <a:t>Λήψη επιχειρηματικών αποφάσεων</a:t>
+              <a:t>Η τεχνολογία στις παγκόσμιες επιχειρηματικές δραστηριότητες</a:t>
             </a:r>
           </a:p>
           <a:p>
@@ -14617,7 +17424,7 @@
             </a:pPr>
             <a:r>
               <a:rPr lang="el-GR" sz="2200" dirty="0"/>
-              <a:t>Μετριασμός κινδύνων &amp; προκλήσεων</a:t>
+              <a:t>Οφέλη των αναδυόμενων τεχνολογιών: αποτελεσματικότητα, εξοικονόμηση, διαφάνεια</a:t>
             </a:r>
           </a:p>
           <a:p>
@@ -14630,7 +17437,7 @@
             </a:pPr>
             <a:r>
               <a:rPr lang="el-GR" sz="2200" dirty="0"/>
-              <a:t>Διαφάνεια λειτουργικότητας</a:t>
+              <a:t>Προκλήσεις των αναδυόμενων τεχνολογιών: ασφάλεια, ηθική</a:t>
             </a:r>
           </a:p>
           <a:p>
@@ -14643,9 +17450,16 @@
             </a:pPr>
             <a:r>
               <a:rPr lang="el-GR" sz="2200" dirty="0"/>
-              <a:t>Ικανοποίηση εργαζομένων (4 != 5)</a:t>
-            </a:r>
-            <a:endParaRPr lang="en-US" sz="2200" dirty="0"/>
+              <a:t>Παραδείγματα: </a:t>
+            </a:r>
+            <a:r>
+              <a:rPr lang="el-GR" sz="2200" dirty="0" err="1"/>
+              <a:t>Walmart</a:t>
+            </a:r>
+            <a:r>
+              <a:rPr lang="el-GR" sz="2200" dirty="0"/>
+              <a:t>, Accenture</a:t>
+            </a:r>
           </a:p>
           <a:p>
             <a:pPr marL="457200" indent="-457200">
@@ -14657,25 +17471,12 @@
             </a:pPr>
             <a:r>
               <a:rPr lang="el-GR" sz="2200" dirty="0"/>
-              <a:t>Αύξηση παραγωγικότητας εργαζομένων</a:t>
-            </a:r>
-          </a:p>
-          <a:p>
-            <a:pPr marL="0" indent="0">
-              <a:spcBef>
-                <a:spcPts val="1400"/>
-              </a:spcBef>
-              <a:buNone/>
-            </a:pPr>
-            <a:r>
-              <a:rPr lang="el-GR" sz="2200" dirty="0"/>
-              <a:t>Έμμεσα</a:t>
+              <a:t>Στρατηγικές για την αξιοποίηση των αναδυόμενων τεχνολογιών: </a:t>
             </a:r>
             <a:r>
               <a:rPr lang="en-US" sz="2200" dirty="0"/>
-              <a:t> side-effects</a:t>
-            </a:r>
-            <a:endParaRPr lang="el-GR" sz="2200" dirty="0"/>
+              <a:t>Enterprise Architectures</a:t>
+            </a:r>
           </a:p>
           <a:p>
             <a:pPr marL="457200" indent="-457200">
@@ -14687,11 +17488,7 @@
             </a:pPr>
             <a:r>
               <a:rPr lang="el-GR" sz="2200" dirty="0"/>
-              <a:t>Μεροληψία αποφάσεων </a:t>
-            </a:r>
-            <a:r>
-              <a:rPr lang="en-US" sz="2200" dirty="0"/>
-              <a:t>(biased decisions)</a:t>
+              <a:t>Δυνατότητα μεταμόρφωσης και ανάπτυξης</a:t>
             </a:r>
           </a:p>
           <a:p>
@@ -14703,515 +17500,52 @@
               <a:buAutoNum type="arabicPeriod"/>
             </a:pPr>
             <a:r>
-              <a:rPr lang="el-GR" sz="2200" dirty="0" err="1"/>
-              <a:t>Διαλειτουργικοτητα</a:t>
-            </a:r>
-            <a:endParaRPr lang="el-GR" sz="2200" dirty="0"/>
-          </a:p>
-          <a:p>
-            <a:pPr marL="0" indent="0">
-              <a:spcBef>
-                <a:spcPts val="1400"/>
-              </a:spcBef>
-              <a:buNone/>
-            </a:pPr>
-            <a:endParaRPr lang="el-GR" sz="2200" dirty="0"/>
-          </a:p>
-          <a:p>
-            <a:pPr marL="457200" indent="-457200">
-              <a:spcBef>
-                <a:spcPts val="1400"/>
-              </a:spcBef>
-              <a:buFont typeface="+mj-lt"/>
-              <a:buAutoNum type="arabicPeriod"/>
-            </a:pPr>
+              <a:rPr lang="el-GR" sz="2200" dirty="0"/>
+              <a:t>Σημασία στρατηγικής και υπεύθυνης προσέγγισης.</a:t>
+            </a:r>
             <a:endParaRPr lang="en-US" sz="2200" dirty="0"/>
           </a:p>
         </p:txBody>
       </p:sp>
-      <p:cxnSp>
-        <p:nvCxnSpPr>
-          <p:cNvPr id="13" name="Connector: Elbow 12">
+      <p:sp>
+        <p:nvSpPr>
+          <p:cNvPr id="2" name="TextBox 1">
             <a:extLst>
               <a:ext uri="{FF2B5EF4-FFF2-40B4-BE49-F238E27FC236}">
-                <a16:creationId xmlns:a16="http://schemas.microsoft.com/office/drawing/2014/main" id="{36C448D0-077D-FFBA-3F5C-A592C14EBF1D}"/>
+                <a16:creationId xmlns:a16="http://schemas.microsoft.com/office/drawing/2014/main" id="{52BA0A59-5D1D-0917-B4CE-BDE83DE7B045}"/>
               </a:ext>
             </a:extLst>
           </p:cNvPr>
-          <p:cNvCxnSpPr>
-            <a:cxnSpLocks/>
-          </p:cNvCxnSpPr>
-          <p:nvPr/>
-        </p:nvCxnSpPr>
-        <p:spPr>
-          <a:xfrm rot="10800000">
-            <a:off x="4572000" y="3815540"/>
-            <a:ext cx="775505" cy="594418"/>
-          </a:xfrm>
-          <a:prstGeom prst="bentConnector3">
-            <a:avLst>
-              <a:gd name="adj1" fmla="val -36567"/>
-            </a:avLst>
-          </a:prstGeom>
-          <a:ln>
-            <a:tailEnd type="triangle"/>
-          </a:ln>
-        </p:spPr>
-        <p:style>
-          <a:lnRef idx="1">
-            <a:schemeClr val="accent1"/>
-          </a:lnRef>
-          <a:fillRef idx="0">
-            <a:schemeClr val="accent1"/>
-          </a:fillRef>
-          <a:effectRef idx="0">
-            <a:schemeClr val="accent1"/>
-          </a:effectRef>
-          <a:fontRef idx="minor">
-            <a:schemeClr val="tx1"/>
-          </a:fontRef>
-        </p:style>
-      </p:cxnSp>
-      <p:sp>
-        <p:nvSpPr>
-          <p:cNvPr id="35" name="Content Placeholder 4">
-            <a:extLst>
-              <a:ext uri="{FF2B5EF4-FFF2-40B4-BE49-F238E27FC236}">
-                <a16:creationId xmlns:a16="http://schemas.microsoft.com/office/drawing/2014/main" id="{C6496EFF-8891-2E60-6A01-B443B792F704}"/>
-              </a:ext>
-            </a:extLst>
-          </p:cNvPr>
-          <p:cNvSpPr txBox="1">
-            <a:spLocks/>
-          </p:cNvSpPr>
+          <p:cNvSpPr txBox="1"/>
           <p:nvPr/>
         </p:nvSpPr>
         <p:spPr>
           <a:xfrm>
-            <a:off x="5868887" y="2040504"/>
-            <a:ext cx="6093548" cy="1975912"/>
+            <a:off x="1874174" y="431500"/>
+            <a:ext cx="4329857" cy="584775"/>
           </a:xfrm>
           <a:prstGeom prst="rect">
             <a:avLst/>
           </a:prstGeom>
+          <a:noFill/>
         </p:spPr>
         <p:txBody>
-          <a:bodyPr/>
-          <a:lstStyle>
-            <a:lvl1pPr marL="342900" indent="-342900" algn="l" defTabSz="914400" rtl="0" eaLnBrk="1" latinLnBrk="0" hangingPunct="1">
-              <a:spcBef>
-                <a:spcPct val="20000"/>
-              </a:spcBef>
-              <a:buFont typeface="Arial" pitchFamily="34" charset="0"/>
-              <a:buChar char="•"/>
-              <a:defRPr sz="3200" kern="1200">
-                <a:solidFill>
-                  <a:schemeClr val="tx1"/>
-                </a:solidFill>
-                <a:latin typeface="+mn-lt"/>
-                <a:ea typeface="+mn-ea"/>
-                <a:cs typeface="+mn-cs"/>
-              </a:defRPr>
-            </a:lvl1pPr>
-            <a:lvl2pPr marL="742950" indent="-285750" algn="l" defTabSz="914400" rtl="0" eaLnBrk="1" latinLnBrk="0" hangingPunct="1">
-              <a:spcBef>
-                <a:spcPct val="20000"/>
-              </a:spcBef>
-              <a:buFont typeface="Arial" pitchFamily="34" charset="0"/>
-              <a:buChar char="–"/>
-              <a:defRPr sz="2800" kern="1200">
-                <a:solidFill>
-                  <a:schemeClr val="tx1"/>
-                </a:solidFill>
-                <a:latin typeface="+mn-lt"/>
-                <a:ea typeface="+mn-ea"/>
-                <a:cs typeface="+mn-cs"/>
-              </a:defRPr>
-            </a:lvl2pPr>
-            <a:lvl3pPr marL="1143000" indent="-228600" algn="l" defTabSz="914400" rtl="0" eaLnBrk="1" latinLnBrk="0" hangingPunct="1">
-              <a:spcBef>
-                <a:spcPct val="20000"/>
-              </a:spcBef>
-              <a:buFont typeface="Arial" pitchFamily="34" charset="0"/>
-              <a:buChar char="•"/>
-              <a:defRPr sz="2400" kern="1200">
-                <a:solidFill>
-                  <a:schemeClr val="tx1"/>
-                </a:solidFill>
-                <a:latin typeface="+mn-lt"/>
-                <a:ea typeface="+mn-ea"/>
-                <a:cs typeface="+mn-cs"/>
-              </a:defRPr>
-            </a:lvl3pPr>
-            <a:lvl4pPr marL="1600200" indent="-228600" algn="l" defTabSz="914400" rtl="0" eaLnBrk="1" latinLnBrk="0" hangingPunct="1">
-              <a:spcBef>
-                <a:spcPct val="20000"/>
-              </a:spcBef>
-              <a:buFont typeface="Arial" pitchFamily="34" charset="0"/>
-              <a:buChar char="–"/>
-              <a:defRPr sz="2000" kern="1200">
-                <a:solidFill>
-                  <a:schemeClr val="tx1"/>
-                </a:solidFill>
-                <a:latin typeface="+mn-lt"/>
-                <a:ea typeface="+mn-ea"/>
-                <a:cs typeface="+mn-cs"/>
-              </a:defRPr>
-            </a:lvl4pPr>
-            <a:lvl5pPr marL="2057400" indent="-228600" algn="l" defTabSz="914400" rtl="0" eaLnBrk="1" latinLnBrk="0" hangingPunct="1">
-              <a:spcBef>
-                <a:spcPct val="20000"/>
-              </a:spcBef>
-              <a:buFont typeface="Arial" pitchFamily="34" charset="0"/>
-              <a:buChar char="»"/>
-              <a:defRPr sz="2000" kern="1200">
-                <a:solidFill>
-                  <a:schemeClr val="tx1"/>
-                </a:solidFill>
-                <a:latin typeface="+mn-lt"/>
-                <a:ea typeface="+mn-ea"/>
-                <a:cs typeface="+mn-cs"/>
-              </a:defRPr>
-            </a:lvl5pPr>
-            <a:lvl6pPr marL="2514600" indent="-228600" algn="l" defTabSz="914400" rtl="0" eaLnBrk="1" latinLnBrk="0" hangingPunct="1">
-              <a:spcBef>
-                <a:spcPct val="20000"/>
-              </a:spcBef>
-              <a:buFont typeface="Arial" pitchFamily="34" charset="0"/>
-              <a:buChar char="•"/>
-              <a:defRPr sz="2000" kern="1200">
-                <a:solidFill>
-                  <a:schemeClr val="tx1"/>
-                </a:solidFill>
-                <a:latin typeface="+mn-lt"/>
-                <a:ea typeface="+mn-ea"/>
-                <a:cs typeface="+mn-cs"/>
-              </a:defRPr>
-            </a:lvl6pPr>
-            <a:lvl7pPr marL="2971800" indent="-228600" algn="l" defTabSz="914400" rtl="0" eaLnBrk="1" latinLnBrk="0" hangingPunct="1">
-              <a:spcBef>
-                <a:spcPct val="20000"/>
-              </a:spcBef>
-              <a:buFont typeface="Arial" pitchFamily="34" charset="0"/>
-              <a:buChar char="•"/>
-              <a:defRPr sz="2000" kern="1200">
-                <a:solidFill>
-                  <a:schemeClr val="tx1"/>
-                </a:solidFill>
-                <a:latin typeface="+mn-lt"/>
-                <a:ea typeface="+mn-ea"/>
-                <a:cs typeface="+mn-cs"/>
-              </a:defRPr>
-            </a:lvl7pPr>
-            <a:lvl8pPr marL="3429000" indent="-228600" algn="l" defTabSz="914400" rtl="0" eaLnBrk="1" latinLnBrk="0" hangingPunct="1">
-              <a:spcBef>
-                <a:spcPct val="20000"/>
-              </a:spcBef>
-              <a:buFont typeface="Arial" pitchFamily="34" charset="0"/>
-              <a:buChar char="•"/>
-              <a:defRPr sz="2000" kern="1200">
-                <a:solidFill>
-                  <a:schemeClr val="tx1"/>
-                </a:solidFill>
-                <a:latin typeface="+mn-lt"/>
-                <a:ea typeface="+mn-ea"/>
-                <a:cs typeface="+mn-cs"/>
-              </a:defRPr>
-            </a:lvl8pPr>
-            <a:lvl9pPr marL="3886200" indent="-228600" algn="l" defTabSz="914400" rtl="0" eaLnBrk="1" latinLnBrk="0" hangingPunct="1">
-              <a:spcBef>
-                <a:spcPct val="20000"/>
-              </a:spcBef>
-              <a:buFont typeface="Arial" pitchFamily="34" charset="0"/>
-              <a:buChar char="•"/>
-              <a:defRPr sz="2000" kern="1200">
-                <a:solidFill>
-                  <a:schemeClr val="tx1"/>
-                </a:solidFill>
-                <a:latin typeface="+mn-lt"/>
-                <a:ea typeface="+mn-ea"/>
-                <a:cs typeface="+mn-cs"/>
-              </a:defRPr>
-            </a:lvl9pPr>
-          </a:lstStyle>
-          <a:p>
-            <a:pPr marL="457200" indent="-457200">
-              <a:spcBef>
-                <a:spcPts val="1400"/>
-              </a:spcBef>
-              <a:buFont typeface="+mj-lt"/>
-              <a:buAutoNum type="arabicPeriod" startAt="5"/>
-            </a:pPr>
-            <a:r>
-              <a:rPr lang="el-GR" sz="2200" dirty="0"/>
-              <a:t>Κόστος</a:t>
-            </a:r>
-          </a:p>
-          <a:p>
-            <a:pPr marL="457200" indent="-457200">
-              <a:spcBef>
-                <a:spcPts val="1400"/>
-              </a:spcBef>
-              <a:buFont typeface="+mj-lt"/>
-              <a:buAutoNum type="arabicPeriod" startAt="5"/>
-            </a:pPr>
-            <a:r>
-              <a:rPr lang="el-GR" sz="2200" dirty="0"/>
-              <a:t>Ηθική</a:t>
-            </a:r>
-          </a:p>
-          <a:p>
-            <a:pPr marL="457200" indent="-457200">
-              <a:spcBef>
-                <a:spcPts val="1400"/>
-              </a:spcBef>
-              <a:buFont typeface="+mj-lt"/>
-              <a:buAutoNum type="arabicPeriod" startAt="5"/>
-            </a:pPr>
-            <a:r>
-              <a:rPr lang="el-GR" sz="2200" dirty="0"/>
-              <a:t>Κενό δεξιοτήτων</a:t>
-            </a:r>
-          </a:p>
-          <a:p>
-            <a:pPr marL="457200" indent="-457200">
-              <a:spcBef>
-                <a:spcPts val="1400"/>
-              </a:spcBef>
-              <a:buFont typeface="+mj-lt"/>
-              <a:buAutoNum type="arabicPeriod" startAt="5"/>
-            </a:pPr>
-            <a:endParaRPr lang="en-US" sz="2200" dirty="0"/>
-          </a:p>
-        </p:txBody>
-      </p:sp>
-      <p:cxnSp>
-        <p:nvCxnSpPr>
-          <p:cNvPr id="37" name="Straight Connector 36">
-            <a:extLst>
-              <a:ext uri="{FF2B5EF4-FFF2-40B4-BE49-F238E27FC236}">
-                <a16:creationId xmlns:a16="http://schemas.microsoft.com/office/drawing/2014/main" id="{711EBD2E-75FD-31E4-AA2D-22C369029003}"/>
-              </a:ext>
-            </a:extLst>
-          </p:cNvPr>
-          <p:cNvCxnSpPr/>
-          <p:nvPr/>
-        </p:nvCxnSpPr>
-        <p:spPr>
-          <a:xfrm>
-            <a:off x="5764192" y="1446757"/>
-            <a:ext cx="0" cy="4595227"/>
-          </a:xfrm>
-          <a:prstGeom prst="line">
-            <a:avLst/>
-          </a:prstGeom>
-        </p:spPr>
-        <p:style>
-          <a:lnRef idx="1">
-            <a:schemeClr val="accent1"/>
-          </a:lnRef>
-          <a:fillRef idx="0">
-            <a:schemeClr val="accent1"/>
-          </a:fillRef>
-          <a:effectRef idx="0">
-            <a:schemeClr val="accent1"/>
-          </a:effectRef>
-          <a:fontRef idx="minor">
-            <a:schemeClr val="tx1"/>
-          </a:fontRef>
-        </p:style>
-      </p:cxnSp>
-      <p:sp>
-        <p:nvSpPr>
-          <p:cNvPr id="38" name="Content Placeholder 4">
-            <a:extLst>
-              <a:ext uri="{FF2B5EF4-FFF2-40B4-BE49-F238E27FC236}">
-                <a16:creationId xmlns:a16="http://schemas.microsoft.com/office/drawing/2014/main" id="{BE49921E-D281-A370-568B-B9C112F64A41}"/>
-              </a:ext>
-            </a:extLst>
-          </p:cNvPr>
-          <p:cNvSpPr txBox="1">
-            <a:spLocks/>
-          </p:cNvSpPr>
-          <p:nvPr/>
-        </p:nvSpPr>
-        <p:spPr>
-          <a:xfrm>
-            <a:off x="5764192" y="5196358"/>
-            <a:ext cx="3831221" cy="1975912"/>
-          </a:xfrm>
-          <a:prstGeom prst="rect">
-            <a:avLst/>
-          </a:prstGeom>
-        </p:spPr>
-        <p:txBody>
-          <a:bodyPr/>
-          <a:lstStyle>
-            <a:lvl1pPr marL="342900" indent="-342900" algn="l" defTabSz="914400" rtl="0" eaLnBrk="1" latinLnBrk="0" hangingPunct="1">
-              <a:spcBef>
-                <a:spcPct val="20000"/>
-              </a:spcBef>
-              <a:buFont typeface="Arial" pitchFamily="34" charset="0"/>
-              <a:buChar char="•"/>
-              <a:defRPr sz="3200" kern="1200">
-                <a:solidFill>
-                  <a:schemeClr val="tx1"/>
-                </a:solidFill>
-                <a:latin typeface="+mn-lt"/>
-                <a:ea typeface="+mn-ea"/>
-                <a:cs typeface="+mn-cs"/>
-              </a:defRPr>
-            </a:lvl1pPr>
-            <a:lvl2pPr marL="742950" indent="-285750" algn="l" defTabSz="914400" rtl="0" eaLnBrk="1" latinLnBrk="0" hangingPunct="1">
-              <a:spcBef>
-                <a:spcPct val="20000"/>
-              </a:spcBef>
-              <a:buFont typeface="Arial" pitchFamily="34" charset="0"/>
-              <a:buChar char="–"/>
-              <a:defRPr sz="2800" kern="1200">
-                <a:solidFill>
-                  <a:schemeClr val="tx1"/>
-                </a:solidFill>
-                <a:latin typeface="+mn-lt"/>
-                <a:ea typeface="+mn-ea"/>
-                <a:cs typeface="+mn-cs"/>
-              </a:defRPr>
-            </a:lvl2pPr>
-            <a:lvl3pPr marL="1143000" indent="-228600" algn="l" defTabSz="914400" rtl="0" eaLnBrk="1" latinLnBrk="0" hangingPunct="1">
-              <a:spcBef>
-                <a:spcPct val="20000"/>
-              </a:spcBef>
-              <a:buFont typeface="Arial" pitchFamily="34" charset="0"/>
-              <a:buChar char="•"/>
-              <a:defRPr sz="2400" kern="1200">
-                <a:solidFill>
-                  <a:schemeClr val="tx1"/>
-                </a:solidFill>
-                <a:latin typeface="+mn-lt"/>
-                <a:ea typeface="+mn-ea"/>
-                <a:cs typeface="+mn-cs"/>
-              </a:defRPr>
-            </a:lvl3pPr>
-            <a:lvl4pPr marL="1600200" indent="-228600" algn="l" defTabSz="914400" rtl="0" eaLnBrk="1" latinLnBrk="0" hangingPunct="1">
-              <a:spcBef>
-                <a:spcPct val="20000"/>
-              </a:spcBef>
-              <a:buFont typeface="Arial" pitchFamily="34" charset="0"/>
-              <a:buChar char="–"/>
-              <a:defRPr sz="2000" kern="1200">
-                <a:solidFill>
-                  <a:schemeClr val="tx1"/>
-                </a:solidFill>
-                <a:latin typeface="+mn-lt"/>
-                <a:ea typeface="+mn-ea"/>
-                <a:cs typeface="+mn-cs"/>
-              </a:defRPr>
-            </a:lvl4pPr>
-            <a:lvl5pPr marL="2057400" indent="-228600" algn="l" defTabSz="914400" rtl="0" eaLnBrk="1" latinLnBrk="0" hangingPunct="1">
-              <a:spcBef>
-                <a:spcPct val="20000"/>
-              </a:spcBef>
-              <a:buFont typeface="Arial" pitchFamily="34" charset="0"/>
-              <a:buChar char="»"/>
-              <a:defRPr sz="2000" kern="1200">
-                <a:solidFill>
-                  <a:schemeClr val="tx1"/>
-                </a:solidFill>
-                <a:latin typeface="+mn-lt"/>
-                <a:ea typeface="+mn-ea"/>
-                <a:cs typeface="+mn-cs"/>
-              </a:defRPr>
-            </a:lvl5pPr>
-            <a:lvl6pPr marL="2514600" indent="-228600" algn="l" defTabSz="914400" rtl="0" eaLnBrk="1" latinLnBrk="0" hangingPunct="1">
-              <a:spcBef>
-                <a:spcPct val="20000"/>
-              </a:spcBef>
-              <a:buFont typeface="Arial" pitchFamily="34" charset="0"/>
-              <a:buChar char="•"/>
-              <a:defRPr sz="2000" kern="1200">
-                <a:solidFill>
-                  <a:schemeClr val="tx1"/>
-                </a:solidFill>
-                <a:latin typeface="+mn-lt"/>
-                <a:ea typeface="+mn-ea"/>
-                <a:cs typeface="+mn-cs"/>
-              </a:defRPr>
-            </a:lvl6pPr>
-            <a:lvl7pPr marL="2971800" indent="-228600" algn="l" defTabSz="914400" rtl="0" eaLnBrk="1" latinLnBrk="0" hangingPunct="1">
-              <a:spcBef>
-                <a:spcPct val="20000"/>
-              </a:spcBef>
-              <a:buFont typeface="Arial" pitchFamily="34" charset="0"/>
-              <a:buChar char="•"/>
-              <a:defRPr sz="2000" kern="1200">
-                <a:solidFill>
-                  <a:schemeClr val="tx1"/>
-                </a:solidFill>
-                <a:latin typeface="+mn-lt"/>
-                <a:ea typeface="+mn-ea"/>
-                <a:cs typeface="+mn-cs"/>
-              </a:defRPr>
-            </a:lvl7pPr>
-            <a:lvl8pPr marL="3429000" indent="-228600" algn="l" defTabSz="914400" rtl="0" eaLnBrk="1" latinLnBrk="0" hangingPunct="1">
-              <a:spcBef>
-                <a:spcPct val="20000"/>
-              </a:spcBef>
-              <a:buFont typeface="Arial" pitchFamily="34" charset="0"/>
-              <a:buChar char="•"/>
-              <a:defRPr sz="2000" kern="1200">
-                <a:solidFill>
-                  <a:schemeClr val="tx1"/>
-                </a:solidFill>
-                <a:latin typeface="+mn-lt"/>
-                <a:ea typeface="+mn-ea"/>
-                <a:cs typeface="+mn-cs"/>
-              </a:defRPr>
-            </a:lvl8pPr>
-            <a:lvl9pPr marL="3886200" indent="-228600" algn="l" defTabSz="914400" rtl="0" eaLnBrk="1" latinLnBrk="0" hangingPunct="1">
-              <a:spcBef>
-                <a:spcPct val="20000"/>
-              </a:spcBef>
-              <a:buFont typeface="Arial" pitchFamily="34" charset="0"/>
-              <a:buChar char="•"/>
-              <a:defRPr sz="2000" kern="1200">
-                <a:solidFill>
-                  <a:schemeClr val="tx1"/>
-                </a:solidFill>
-                <a:latin typeface="+mn-lt"/>
-                <a:ea typeface="+mn-ea"/>
-                <a:cs typeface="+mn-cs"/>
-              </a:defRPr>
-            </a:lvl9pPr>
-          </a:lstStyle>
-          <a:p>
-            <a:pPr marL="457200" indent="-457200">
-              <a:spcBef>
-                <a:spcPts val="1400"/>
-              </a:spcBef>
-              <a:buFont typeface="+mj-lt"/>
-              <a:buAutoNum type="arabicPeriod" startAt="3"/>
-            </a:pPr>
-            <a:r>
-              <a:rPr lang="el-GR" sz="2200" dirty="0"/>
-              <a:t>Ασφάλεια</a:t>
-            </a:r>
-          </a:p>
-          <a:p>
-            <a:pPr marL="457200" indent="-457200">
-              <a:spcBef>
-                <a:spcPts val="1400"/>
-              </a:spcBef>
-              <a:buFont typeface="+mj-lt"/>
-              <a:buAutoNum type="arabicPeriod" startAt="3"/>
-            </a:pPr>
-            <a:endParaRPr lang="en-US" sz="2200" dirty="0"/>
+          <a:bodyPr wrap="square">
+            <a:spAutoFit/>
+          </a:bodyPr>
+          <a:lstStyle/>
+          <a:p>
+            <a:r>
+              <a:rPr lang="el-GR" sz="3200" b="1" dirty="0"/>
+              <a:t>Βιβλιογραφική έρευνα</a:t>
+            </a:r>
           </a:p>
         </p:txBody>
       </p:sp>
     </p:spTree>
     <p:extLst>
       <p:ext uri="{BB962C8B-B14F-4D97-AF65-F5344CB8AC3E}">
-        <p14:creationId xmlns:p14="http://schemas.microsoft.com/office/powerpoint/2010/main" val="3520329503"/>
+        <p14:creationId xmlns:p14="http://schemas.microsoft.com/office/powerpoint/2010/main" val="2555135612"/>
       </p:ext>
     </p:extLst>
   </p:cSld>
@@ -15252,8 +17586,8 @@
         </p:nvSpPr>
         <p:spPr>
           <a:xfrm>
-            <a:off x="494818" y="426033"/>
-            <a:ext cx="6172200" cy="1077218"/>
+            <a:off x="589384" y="431500"/>
+            <a:ext cx="7593917" cy="1077218"/>
           </a:xfrm>
           <a:prstGeom prst="rect">
             <a:avLst/>
@@ -15266,105 +17600,115 @@
           </a:bodyPr>
           <a:lstStyle/>
           <a:p>
+            <a:r>
+              <a:rPr lang="el-GR" sz="3200" b="1" dirty="0"/>
+              <a:t>Η τεχνολογία στις παγκόσμιες επιχειρηματικές δραστηριότητες</a:t>
+            </a:r>
+          </a:p>
+        </p:txBody>
+      </p:sp>
+      <p:sp>
+        <p:nvSpPr>
+          <p:cNvPr id="2" name="Content Placeholder 4">
+            <a:extLst>
+              <a:ext uri="{FF2B5EF4-FFF2-40B4-BE49-F238E27FC236}">
+                <a16:creationId xmlns:a16="http://schemas.microsoft.com/office/drawing/2014/main" id="{29D1C372-E76D-8CF2-8FB0-E8B4D78A03A9}"/>
+              </a:ext>
+            </a:extLst>
+          </p:cNvPr>
+          <p:cNvSpPr>
+            <a:spLocks noGrp="1"/>
+          </p:cNvSpPr>
+          <p:nvPr>
+            <p:ph idx="1"/>
+          </p:nvPr>
+        </p:nvSpPr>
+        <p:spPr>
+          <a:xfrm>
+            <a:off x="365125" y="1877891"/>
+            <a:ext cx="8229600" cy="4013623"/>
+          </a:xfrm>
+        </p:spPr>
+        <p:txBody>
+          <a:bodyPr/>
+          <a:lstStyle/>
+          <a:p>
             <a:pPr>
               <a:spcBef>
                 <a:spcPts val="1400"/>
               </a:spcBef>
             </a:pPr>
             <a:r>
-              <a:rPr lang="el-GR" sz="3200" b="1" dirty="0"/>
-              <a:t>Δυνατότητα μεταμόρφωσης και ανάπτυξης</a:t>
-            </a:r>
-          </a:p>
-        </p:txBody>
-      </p:sp>
-      <p:sp>
-        <p:nvSpPr>
-          <p:cNvPr id="2" name="Content Placeholder 4">
-            <a:extLst>
-              <a:ext uri="{FF2B5EF4-FFF2-40B4-BE49-F238E27FC236}">
-                <a16:creationId xmlns:a16="http://schemas.microsoft.com/office/drawing/2014/main" id="{CA963E5B-479A-A060-880B-767754E703D4}"/>
-              </a:ext>
-            </a:extLst>
-          </p:cNvPr>
-          <p:cNvSpPr>
-            <a:spLocks noGrp="1"/>
-          </p:cNvSpPr>
-          <p:nvPr>
-            <p:ph idx="1"/>
-          </p:nvPr>
-        </p:nvSpPr>
-        <p:spPr>
-          <a:xfrm>
-            <a:off x="365125" y="1589088"/>
-            <a:ext cx="8229600" cy="4525962"/>
-          </a:xfrm>
-        </p:spPr>
-        <p:txBody>
-          <a:bodyPr/>
-          <a:lstStyle/>
-          <a:p>
-            <a:pPr marL="457200" indent="-457200">
+              <a:rPr lang="en-US" sz="2800" dirty="0"/>
+              <a:t>Enterprise Architecture (TOGAF)</a:t>
+            </a:r>
+          </a:p>
+          <a:p>
+            <a:pPr>
               <a:spcBef>
                 <a:spcPts val="1400"/>
               </a:spcBef>
-              <a:buFont typeface="+mj-lt"/>
-              <a:buAutoNum type="arabicPeriod"/>
             </a:pPr>
             <a:r>
-              <a:rPr lang="el-GR" sz="2200" dirty="0"/>
-              <a:t>Οι αναδυόμενες τεχνολογίες όπως το DAO, το WEB3.0 και το </a:t>
-            </a:r>
-            <a:r>
-              <a:rPr lang="el-GR" sz="2200" dirty="0" err="1"/>
-              <a:t>blockchain</a:t>
-            </a:r>
-            <a:r>
-              <a:rPr lang="el-GR" sz="2200" dirty="0"/>
-              <a:t> μπορούν να μεταμορφώσουν τις παγκόσμιες επιχειρηματικές δραστηριότητες.</a:t>
-            </a:r>
-          </a:p>
-          <a:p>
-            <a:pPr marL="457200" indent="-457200">
+              <a:rPr lang="en-US" sz="2800" dirty="0"/>
+              <a:t>Scalable Agile Environments across organization awareness (</a:t>
+            </a:r>
+            <a:r>
+              <a:rPr lang="en-US" sz="2800" dirty="0" err="1"/>
+              <a:t>SAFe</a:t>
+            </a:r>
+            <a:r>
+              <a:rPr lang="en-US" sz="2800" dirty="0"/>
+              <a:t>)</a:t>
+            </a:r>
+          </a:p>
+          <a:p>
+            <a:pPr>
               <a:spcBef>
                 <a:spcPts val="1400"/>
               </a:spcBef>
-              <a:buFont typeface="+mj-lt"/>
-              <a:buAutoNum type="arabicPeriod"/>
             </a:pPr>
             <a:r>
-              <a:rPr lang="el-GR" sz="2200" dirty="0"/>
-              <a:t>Η εφαρμογή </a:t>
-            </a:r>
-            <a:r>
-              <a:rPr lang="el-GR" sz="2200" dirty="0" err="1"/>
-              <a:t>blockchain</a:t>
-            </a:r>
-            <a:r>
-              <a:rPr lang="el-GR" sz="2200" dirty="0"/>
-              <a:t> στη διαχείριση της εφοδιαστικής αλυσίδας μπορεί να αυξήσει την αποτελεσματικότητα, τη διαφάνεια, την εξοικονόμηση κόστους και την ικανοποίηση των πελατών.</a:t>
-            </a:r>
-          </a:p>
-          <a:p>
-            <a:pPr marL="457200" indent="-457200">
+              <a:rPr lang="en-US" sz="2800" dirty="0"/>
+              <a:t>Information Technology management services (ITIL)</a:t>
+            </a:r>
+          </a:p>
+          <a:p>
+            <a:pPr>
               <a:spcBef>
                 <a:spcPts val="1400"/>
               </a:spcBef>
-              <a:buFont typeface="+mj-lt"/>
-              <a:buAutoNum type="arabicPeriod"/>
             </a:pPr>
             <a:r>
-              <a:rPr lang="el-GR" sz="2200" dirty="0"/>
-              <a:t>Η χρήση αλγοριθμικών συστημάτων HRM μπορεί να βελτιώσει την απόδοση και την ικανοποίηση των εργαζομένων, μειώνοντας τα ποσοστά κύκλου εργασιών και αυξάνοντας την παραγωγικότητα.</a:t>
-            </a:r>
-            <a:endParaRPr lang="en-US" sz="2200" dirty="0"/>
+              <a:rPr lang="en-US" sz="2800" dirty="0"/>
+              <a:t>Decentralized Autonomous Organizations (DAO) &amp; Blockchain</a:t>
+            </a:r>
+          </a:p>
+          <a:p>
+            <a:pPr>
+              <a:spcBef>
+                <a:spcPts val="1400"/>
+              </a:spcBef>
+            </a:pPr>
+            <a:r>
+              <a:rPr lang="en-US" sz="2800" dirty="0"/>
+              <a:t>Human Resource Systems with Artificial Intelligence</a:t>
+            </a:r>
+          </a:p>
+          <a:p>
+            <a:pPr>
+              <a:spcBef>
+                <a:spcPts val="1400"/>
+              </a:spcBef>
+            </a:pPr>
+            <a:endParaRPr lang="en-US" dirty="0"/>
           </a:p>
         </p:txBody>
       </p:sp>
     </p:spTree>
     <p:extLst>
       <p:ext uri="{BB962C8B-B14F-4D97-AF65-F5344CB8AC3E}">
-        <p14:creationId xmlns:p14="http://schemas.microsoft.com/office/powerpoint/2010/main" val="41946471"/>
+        <p14:creationId xmlns:p14="http://schemas.microsoft.com/office/powerpoint/2010/main" val="3487133216"/>
       </p:ext>
     </p:extLst>
   </p:cSld>

--- a/Spiritual Wellbeing IV Professional Development and Applied Research/Μητροπολιτικό Κολλέγιο_ΣΕΚΦ[Μιχαηλ Μαρκου] IT in Global Business.pptx
+++ b/Spiritual Wellbeing IV Professional Development and Applied Research/Μητροπολιτικό Κολλέγιο_ΣΕΚΦ[Μιχαηλ Μαρκου] IT in Global Business.pptx
@@ -6,31 +6,29 @@
     <p:sldMasterId id="2147483672" r:id="rId2"/>
   </p:sldMasterIdLst>
   <p:notesMasterIdLst>
-    <p:notesMasterId r:id="rId22"/>
+    <p:notesMasterId r:id="rId20"/>
   </p:notesMasterIdLst>
   <p:handoutMasterIdLst>
-    <p:handoutMasterId r:id="rId23"/>
+    <p:handoutMasterId r:id="rId21"/>
   </p:handoutMasterIdLst>
   <p:sldIdLst>
     <p:sldId id="302" r:id="rId3"/>
     <p:sldId id="407" r:id="rId4"/>
     <p:sldId id="408" r:id="rId5"/>
     <p:sldId id="410" r:id="rId6"/>
-    <p:sldId id="449" r:id="rId7"/>
-    <p:sldId id="443" r:id="rId8"/>
-    <p:sldId id="448" r:id="rId9"/>
-    <p:sldId id="442" r:id="rId10"/>
-    <p:sldId id="437" r:id="rId11"/>
-    <p:sldId id="438" r:id="rId12"/>
-    <p:sldId id="444" r:id="rId13"/>
-    <p:sldId id="447" r:id="rId14"/>
-    <p:sldId id="445" r:id="rId15"/>
-    <p:sldId id="446" r:id="rId16"/>
-    <p:sldId id="439" r:id="rId17"/>
-    <p:sldId id="440" r:id="rId18"/>
-    <p:sldId id="434" r:id="rId19"/>
-    <p:sldId id="435" r:id="rId20"/>
-    <p:sldId id="426" r:id="rId21"/>
+    <p:sldId id="443" r:id="rId7"/>
+    <p:sldId id="448" r:id="rId8"/>
+    <p:sldId id="442" r:id="rId9"/>
+    <p:sldId id="437" r:id="rId10"/>
+    <p:sldId id="438" r:id="rId11"/>
+    <p:sldId id="444" r:id="rId12"/>
+    <p:sldId id="447" r:id="rId13"/>
+    <p:sldId id="445" r:id="rId14"/>
+    <p:sldId id="446" r:id="rId15"/>
+    <p:sldId id="440" r:id="rId16"/>
+    <p:sldId id="434" r:id="rId17"/>
+    <p:sldId id="435" r:id="rId18"/>
+    <p:sldId id="426" r:id="rId19"/>
   </p:sldIdLst>
   <p:sldSz cx="9144000" cy="6858000" type="screen4x3"/>
   <p:notesSz cx="6864350" cy="9996488"/>
@@ -917,95 +915,167 @@
           <a:lstStyle/>
           <a:p>
             <a:r>
+              <a:rPr lang="el-GR" sz="1200" dirty="0"/>
+              <a:t>Το Web3.0 το </a:t>
+            </a:r>
+            <a:r>
+              <a:rPr lang="el-GR" sz="1200" dirty="0" err="1"/>
+              <a:t>blockchain</a:t>
+            </a:r>
+            <a:r>
+              <a:rPr lang="el-GR" sz="1200" dirty="0"/>
+              <a:t> </a:t>
+            </a:r>
+            <a:r>
+              <a:rPr lang="en-US" sz="1200" dirty="0"/>
+              <a:t>&amp; DAO </a:t>
+            </a:r>
+            <a:r>
+              <a:rPr lang="el-GR" sz="1200" dirty="0"/>
+              <a:t>είναι σχετικές, αλλά ξεχωριστές έννοιες. Εδώ είναι οι κύριες διαφορές:</a:t>
+            </a:r>
+          </a:p>
+          <a:p>
+            <a:endParaRPr lang="el-GR" sz="1200" dirty="0"/>
+          </a:p>
+          <a:p>
+            <a:r>
+              <a:rPr lang="el-GR" sz="1200" dirty="0"/>
+              <a:t>Το Web3.0 αναφέρεται στην τρίτη γενιά του Διαδικτύου, η οποία χαρακτηρίζεται από έναν πιο αποκεντρωμένο και ανοιχτό ιστό που δίνει τη δυνατότητα στους χρήστες να έχουν περισσότερο έλεγχο στα δεδομένα τους και στις διαδικτυακές αλληλεπιδράσεις τους. Αυτό περιλαμβάνει τεχνολογίες όπως δικτύωση </a:t>
+            </a:r>
+            <a:r>
+              <a:rPr lang="el-GR" sz="1200" dirty="0" err="1"/>
+              <a:t>peer-to-peer</a:t>
+            </a:r>
+            <a:r>
+              <a:rPr lang="el-GR" sz="1200" dirty="0"/>
+              <a:t>, αποκεντρωμένη αποθήκευση και αποκεντρωμένες εφαρμογές.</a:t>
+            </a:r>
+          </a:p>
+          <a:p>
+            <a:endParaRPr lang="el-GR" sz="1200" dirty="0"/>
+          </a:p>
+          <a:p>
+            <a:r>
+              <a:rPr lang="el-GR" sz="1200" dirty="0"/>
+              <a:t>Το </a:t>
+            </a:r>
+            <a:r>
+              <a:rPr lang="el-GR" sz="1200" dirty="0" err="1"/>
+              <a:t>Blockchain</a:t>
+            </a:r>
+            <a:r>
+              <a:rPr lang="el-GR" sz="1200" dirty="0"/>
+              <a:t>, από την άλλη πλευρά, είναι μια συγκεκριμένη τεχνολογία που χρησιμοποιείται για τη δημιουργία αποκεντρωμένων, αμετάβλητων και ασφαλών ψηφιακών λογιστικών βιβλίων. Επιτρέπει την καταγραφή και την επαλήθευση των συναλλαγών χωρίς την ανάγκη κεντρικής αρχής, καθιστώντας το ιδανικό για τη δημιουργία διαφανών και αξιόπιστων συστημάτων.</a:t>
+            </a:r>
+          </a:p>
+          <a:p>
+            <a:endParaRPr lang="el-GR" sz="1200" dirty="0"/>
+          </a:p>
+          <a:p>
+            <a:r>
+              <a:rPr lang="el-GR" sz="1200" dirty="0"/>
+              <a:t>Το Web3.0 μπορεί να κάνει χρήση της τεχνολογίας </a:t>
+            </a:r>
+            <a:r>
+              <a:rPr lang="el-GR" sz="1200" dirty="0" err="1"/>
+              <a:t>blockchain</a:t>
+            </a:r>
+            <a:r>
+              <a:rPr lang="el-GR" sz="1200" dirty="0"/>
+              <a:t>, αλλά δεν περιορίζεται σε αυτήν. Το Web3.0 περιλαμβάνει ένα ευρύτερο φάσμα τεχνολογιών και πρωτοκόλλων πέρα από το </a:t>
+            </a:r>
+            <a:r>
+              <a:rPr lang="el-GR" sz="1200" dirty="0" err="1"/>
+              <a:t>blockchain</a:t>
+            </a:r>
+            <a:r>
+              <a:rPr lang="el-GR" sz="1200" dirty="0"/>
+              <a:t>, όπως δικτύωση </a:t>
+            </a:r>
+            <a:r>
+              <a:rPr lang="el-GR" sz="1200" dirty="0" err="1"/>
+              <a:t>peer-to-peer</a:t>
+            </a:r>
+            <a:r>
+              <a:rPr lang="el-GR" sz="1200" dirty="0"/>
+              <a:t>, αποκεντρωμένη αποθήκευση και άλλες αποκεντρωμένες εφαρμογές.</a:t>
+            </a:r>
+          </a:p>
+          <a:p>
+            <a:endParaRPr lang="el-GR" sz="1200" dirty="0"/>
+          </a:p>
+          <a:p>
+            <a:r>
+              <a:rPr lang="el-GR" sz="1200" dirty="0"/>
+              <a:t>Συνοπτικά, το </a:t>
+            </a:r>
+            <a:r>
+              <a:rPr lang="el-GR" sz="1200" dirty="0" err="1"/>
+              <a:t>blockchain</a:t>
+            </a:r>
+            <a:r>
+              <a:rPr lang="el-GR" sz="1200" dirty="0"/>
+              <a:t> είναι μια συγκεκριμένη τεχνολογία που χρησιμοποιείται για τη δημιουργία αποκεντρωμένων και ασφαλών ψηφιακών λογιστικών βιβλίων, ενώ το Web3.0 είναι μια ευρύτερη έννοια που αναφέρεται στην τρίτη γενιά του διαδικτύου, που χαρακτηρίζεται από έναν πιο αποκεντρωμένο και ανοιχτό ιστό που δίνει τη δυνατότητα στους χρήστες να έχουν περισσότερο έλεγχο. τα δεδομένα και τις διαδικτυακές τους αλληλεπιδράσεις.</a:t>
+            </a:r>
+            <a:endParaRPr lang="en-US" sz="1200" dirty="0"/>
+          </a:p>
+          <a:p>
+            <a:endParaRPr lang="en-US" sz="1200" dirty="0"/>
+          </a:p>
+          <a:p>
+            <a:r>
+              <a:rPr lang="el-GR" sz="1200" dirty="0"/>
+              <a:t>Το Web3.0 επιτρέπει </a:t>
+            </a:r>
+            <a:endParaRPr lang="en-US" sz="1200" dirty="0"/>
+          </a:p>
+          <a:p>
+            <a:r>
+              <a:rPr lang="en-US" sz="1200" dirty="0"/>
+              <a:t>1) </a:t>
+            </a:r>
+            <a:r>
+              <a:rPr lang="el-GR" sz="1200" dirty="0"/>
+              <a:t>δημιουργία αποκεντρωμένων εφαρμογών (</a:t>
+            </a:r>
+            <a:r>
+              <a:rPr lang="el-GR" sz="1200" dirty="0" err="1"/>
+              <a:t>dApps</a:t>
+            </a:r>
+            <a:r>
+              <a:rPr lang="el-GR" sz="1200" dirty="0"/>
+              <a:t>) που εκτελούνται σε δίκτυο </a:t>
+            </a:r>
+            <a:r>
+              <a:rPr lang="el-GR" sz="1200" dirty="0" err="1"/>
+              <a:t>blockchain</a:t>
+            </a:r>
+            <a:r>
+              <a:rPr lang="el-GR" sz="1200" dirty="0"/>
+              <a:t>, επιτρέποντας αυξημένη διαφάνεια, ασφάλεια και εμπιστοσύνη.</a:t>
+            </a:r>
+          </a:p>
+          <a:p>
+            <a:r>
               <a:rPr lang="en-US" sz="1200" dirty="0"/>
               <a:t>2) </a:t>
             </a:r>
             <a:r>
               <a:rPr lang="el-GR" sz="1200" dirty="0"/>
-              <a:t>Αποτελεσματικές στρατηγικές για την αξιοποίηση των αναδυόμενων τεχνολογιών στις παγκόσμιες επιχειρηματικές δραστηριότητες:</a:t>
-            </a:r>
-          </a:p>
-          <a:p>
+              <a:t>οι επιχειρήσεις μπορούν να αξιοποιήσουν έξυπνα συμβόλαια για να αυτοματοποιήσουν και να </a:t>
+            </a:r>
+            <a:r>
+              <a:rPr lang="el-GR" sz="1200" dirty="0" err="1"/>
+              <a:t>εξορθολογίσουν</a:t>
+            </a:r>
             <a:r>
               <a:rPr lang="el-GR" sz="1200" dirty="0"/>
-              <a:t>Για να αξιοποιήσουν αποτελεσματικά τις αναδυόμενες τεχνολογίες στις παγκόσμιες επιχειρηματικές δραστηριότητες, οι εταιρείες πρέπει να υιοθετήσουν μια στρατηγική και προσεκτική προσέγγιση για την υιοθέτηση τεχνολογίας. Πλαίσια όπως το  </a:t>
-            </a:r>
-            <a:r>
-              <a:rPr lang="en-US" sz="1200" dirty="0"/>
-              <a:t>Enterprise Architecture (</a:t>
-            </a:r>
-            <a:r>
-              <a:rPr lang="el-GR" sz="1200" dirty="0"/>
-              <a:t>π.χ., TOGAF) μπορούν να καθοδηγήσουν τη λήψη αποφάσεων και να βοηθήσουν στον μετριασμό των κινδύνων και των προκλήσεων που σχετίζονται με την εφαρμογή της τεχνολογίας. Υιοθετώντας μια στρατηγική και υπεύθυνη προσέγγιση για την υιοθέτηση τεχνολογίας, οι εταιρείες μπορούν να συνειδητοποιήσουν τα οφέλη των αναδυόμενων τεχνολογιών ελαχιστοποιώντας ταυτόχρονα τους κινδύνους και τις προκλήσεις.</a:t>
-            </a:r>
-          </a:p>
-          <a:p>
-            <a:r>
-              <a:rPr lang="el-GR" sz="1200" dirty="0"/>
-              <a:t>Για να επεξηγήσουμε αυτό το σημείο, θα δώσουμε μερικά παραδείγματα εταιρειών που έχουν υιοθετήσει και αξιοποιήσει με επιτυχία τις αναδυόμενες τεχνολογίες. </a:t>
-            </a:r>
-            <a:endParaRPr lang="en-US" sz="1200" dirty="0"/>
-          </a:p>
-          <a:p>
-            <a:endParaRPr lang="en-US" sz="1200" dirty="0"/>
-          </a:p>
-          <a:p>
-            <a:r>
-              <a:rPr lang="el-GR" sz="1200" dirty="0"/>
-              <a:t>Για παράδειγμα, η </a:t>
+              <a:t> πολύπλοκες διαδικασίες, μειώνοντας το κόστος και αυξάνοντας την αποτελεσματικότητα το </a:t>
             </a:r>
             <a:r>
               <a:rPr lang="el-GR" sz="1200" dirty="0" err="1"/>
-              <a:t>Walmart</a:t>
-            </a:r>
-            <a:r>
-              <a:rPr lang="el-GR" sz="1200" dirty="0"/>
-              <a:t> έχει εφαρμόσει ένα σύστημα διαχείρισης εφοδιαστικής αλυσίδας που βασίζεται σε </a:t>
-            </a:r>
-            <a:r>
-              <a:rPr lang="el-GR" sz="1200" dirty="0" err="1"/>
-              <a:t>blockchain</a:t>
-            </a:r>
-            <a:r>
-              <a:rPr lang="el-GR" sz="1200" dirty="0"/>
-              <a:t> που έχει βελτιώσει την αποτελεσματικότητα και τη διαφάνεια στις λειτουργίες της</a:t>
-            </a:r>
-            <a:r>
-              <a:rPr lang="en-US" sz="1200" dirty="0"/>
-              <a:t> </a:t>
-            </a:r>
-            <a:r>
-              <a:rPr lang="el-GR" sz="1200" dirty="0"/>
-              <a:t>με αποτέλεσμα την εξοικονόμηση κόστους και τη βελτίωση της ικανοποίησης των πελατών. Ομοίως, η Accenture έχει αναπτύξει ένα αλγοριθμικό σύστημα HRM που έχει βελτιώσει την απόδοση των εργαζομένων και την ικανοποίηση από την εργασία</a:t>
-            </a:r>
-            <a:r>
-              <a:rPr lang="en-US" sz="1200" dirty="0"/>
-              <a:t> </a:t>
-            </a:r>
-            <a:r>
-              <a:rPr lang="el-GR" sz="1200" dirty="0"/>
-              <a:t>, οδηγώντας σε μειωμένους ρυθμούς κύκλου εργασιών και αυξημένη παραγωγικότητα, ενώ αντιμετωπίζει τις ανησυχίες σχετικά με την αλγοριθμική μεροληψία και τις διακρίσεις.</a:t>
-            </a:r>
-            <a:r>
-              <a:rPr lang="en-US" sz="1200" dirty="0"/>
-              <a:t> </a:t>
-            </a:r>
-            <a:r>
-              <a:rPr lang="el-GR" sz="1200" dirty="0"/>
-              <a:t>Επίσης έχουν χρησιμοποιήσει αλγόριθμους μηχανικής μάθησης για να αναλύσουν τα δεδομένα των εργαζομένων και να εξατομικεύσουν συστάσεις για εκπαίδευση και εξέλιξη σταδιοδρομίας.</a:t>
-            </a:r>
-          </a:p>
-          <a:p>
-            <a:endParaRPr lang="el-GR" sz="1200" dirty="0"/>
-          </a:p>
-          <a:p>
-            <a:r>
-              <a:rPr lang="el-GR" sz="1200" dirty="0"/>
-              <a:t>4!=5 </a:t>
-            </a:r>
-            <a:r>
-              <a:rPr lang="el-GR" sz="1200" dirty="0" err="1"/>
-              <a:t>επειδη</a:t>
+              <a:t>οποιο</a:t>
             </a:r>
             <a:r>
               <a:rPr lang="el-GR" sz="1200" dirty="0"/>
@@ -1013,137 +1083,64 @@
             </a:r>
             <a:r>
               <a:rPr lang="el-GR" sz="1200" dirty="0" err="1"/>
-              <a:t>διαφερουν</a:t>
-            </a:r>
-            <a:r>
-              <a:rPr lang="el-GR" sz="1200" dirty="0"/>
-              <a:t> και είναι ο </a:t>
-            </a:r>
-            <a:r>
-              <a:rPr lang="el-GR" sz="1200" dirty="0" err="1"/>
-              <a:t>λεγομενος</a:t>
+              <a:t>συνδυαζει</a:t>
             </a:r>
             <a:r>
               <a:rPr lang="el-GR" sz="1200" dirty="0"/>
               <a:t> </a:t>
             </a:r>
             <a:r>
+              <a:rPr lang="en-US" sz="1200" dirty="0"/>
+              <a:t>blockchain</a:t>
+            </a:r>
+            <a:endParaRPr lang="el-GR" sz="1200" dirty="0"/>
+          </a:p>
+          <a:p>
+            <a:r>
+              <a:rPr lang="en-US" sz="1200" dirty="0"/>
+              <a:t>3) </a:t>
+            </a:r>
+            <a:r>
+              <a:rPr lang="el-GR" sz="1200" dirty="0"/>
+              <a:t>διευκολύνει την ασφαλή και αποτελεσματική κοινή χρήση δεδομένων μεταξύ διαφορετικών μερών, επιτρέποντας τη συνεργασία και τη λήψη αποφάσεων βάσει δεδομένων.</a:t>
+            </a:r>
+          </a:p>
+          <a:p>
+            <a:r>
+              <a:rPr lang="en-US" sz="1200" dirty="0"/>
+              <a:t>4) </a:t>
+            </a:r>
+            <a:r>
+              <a:rPr lang="el-GR" sz="1200" dirty="0"/>
+              <a:t>Μέσω της χρήσης αποκεντρωμένων λύσεων ταυτότητας, το Web3.0 μπορεί να βοηθήσει τις επιχειρήσεις να βελτιώσουν τον έλεγχο ταυτότητας και τη διαχείριση ταυτότητας, μειώνοντας τον κίνδυνο απάτης και παραβιάσεων δεδομένων.</a:t>
+            </a:r>
+          </a:p>
+          <a:p>
+            <a:r>
+              <a:rPr lang="en-US" sz="1200" dirty="0"/>
+              <a:t>5) </a:t>
+            </a:r>
+            <a:r>
+              <a:rPr lang="el-GR" sz="1200" dirty="0"/>
+              <a:t>μπορεί να επιτρέψει </a:t>
+            </a:r>
+            <a:r>
               <a:rPr lang="el-GR" sz="1200" dirty="0" err="1"/>
-              <a:t>κορεσμος</a:t>
+              <a:t>μικροπληρωμές</a:t>
             </a:r>
             <a:r>
               <a:rPr lang="el-GR" sz="1200" dirty="0"/>
-              <a:t> που </a:t>
-            </a:r>
-            <a:r>
-              <a:rPr lang="el-GR" sz="1200" dirty="0" err="1"/>
-              <a:t>θετει</a:t>
+              <a:t> και τη δημιουργία νέων επιχειρηματικών μοντέλων, όπως υπηρεσίες πληρωμής ανά χρήση και συνδρομών, χωρίς την ανάγκη διαμεσολαβητών.</a:t>
+            </a:r>
+          </a:p>
+          <a:p>
+            <a:r>
+              <a:rPr lang="en-US" sz="1200" dirty="0"/>
+              <a:t>6) </a:t>
             </a:r>
             <a:r>
               <a:rPr lang="el-GR" sz="1200" dirty="0"/>
-              <a:t> σε </a:t>
-            </a:r>
-            <a:r>
-              <a:rPr lang="el-GR" sz="1200" dirty="0" err="1"/>
-              <a:t>μηχανισμους</a:t>
-            </a:r>
-            <a:r>
-              <a:rPr lang="el-GR" sz="1200" dirty="0"/>
-              <a:t> </a:t>
-            </a:r>
-            <a:r>
-              <a:rPr lang="el-GR" sz="1200" dirty="0" err="1"/>
-              <a:t>αμυνας</a:t>
-            </a:r>
-            <a:r>
-              <a:rPr lang="el-GR" sz="1200" dirty="0"/>
-              <a:t> την </a:t>
-            </a:r>
-            <a:r>
-              <a:rPr lang="el-GR" sz="1200" dirty="0" err="1"/>
-              <a:t>ψυχολογια</a:t>
-            </a:r>
-            <a:r>
-              <a:rPr lang="el-GR" sz="1200" dirty="0"/>
-              <a:t> </a:t>
-            </a:r>
-            <a:r>
-              <a:rPr lang="el-GR" sz="1200" dirty="0" err="1"/>
-              <a:t>καποιου</a:t>
-            </a:r>
-            <a:r>
-              <a:rPr lang="el-GR" sz="1200" dirty="0"/>
-              <a:t> και </a:t>
-            </a:r>
-            <a:r>
-              <a:rPr lang="el-GR" sz="1200" dirty="0" err="1"/>
-              <a:t>υπαρχη</a:t>
-            </a:r>
-            <a:r>
-              <a:rPr lang="el-GR" sz="1200" dirty="0"/>
-              <a:t> </a:t>
-            </a:r>
-            <a:r>
-              <a:rPr lang="el-GR" sz="1200" dirty="0" err="1"/>
-              <a:t>πτωση</a:t>
-            </a:r>
-            <a:r>
-              <a:rPr lang="el-GR" sz="1200" dirty="0"/>
-              <a:t> </a:t>
-            </a:r>
-            <a:r>
-              <a:rPr lang="el-GR" sz="1200" dirty="0" err="1"/>
-              <a:t>τοσο</a:t>
-            </a:r>
-            <a:r>
-              <a:rPr lang="el-GR" sz="1200" dirty="0"/>
-              <a:t> στον ιδιο </a:t>
-            </a:r>
-            <a:r>
-              <a:rPr lang="el-GR" sz="1200" dirty="0" err="1"/>
-              <a:t>οσο</a:t>
-            </a:r>
-            <a:r>
-              <a:rPr lang="el-GR" sz="1200" dirty="0"/>
-              <a:t> και στους </a:t>
-            </a:r>
-            <a:r>
-              <a:rPr lang="el-GR" sz="1200" dirty="0" err="1"/>
-              <a:t>γυρο</a:t>
-            </a:r>
-            <a:r>
-              <a:rPr lang="el-GR" sz="1200" dirty="0"/>
-              <a:t> του.</a:t>
-            </a:r>
-            <a:endParaRPr lang="en-US" sz="1200" dirty="0"/>
-          </a:p>
-          <a:p>
-            <a:endParaRPr lang="en-US" sz="1200" dirty="0"/>
-          </a:p>
-          <a:p>
-            <a:r>
-              <a:rPr lang="en-US" sz="1200" dirty="0"/>
-              <a:t>*</a:t>
-            </a:r>
-            <a:r>
-              <a:rPr lang="el-GR" sz="1200" dirty="0" err="1"/>
-              <a:t>εμμεσα</a:t>
-            </a:r>
-            <a:r>
-              <a:rPr lang="el-GR" sz="1200" dirty="0"/>
-              <a:t> == είναι </a:t>
-            </a:r>
-            <a:r>
-              <a:rPr lang="el-GR" sz="1200" dirty="0" err="1"/>
-              <a:t>αργα</a:t>
-            </a:r>
-            <a:r>
-              <a:rPr lang="el-GR" sz="1200" dirty="0"/>
-              <a:t> όταν το </a:t>
-            </a:r>
-            <a:r>
-              <a:rPr lang="el-GR" sz="1200" dirty="0" err="1"/>
-              <a:t>καταλαβεις</a:t>
+              <a:t>έχει επίσης τη δυνατότητα να επιτρέψει νέες μορφές ψηφιακής ιδιοκτησίας και ανταλλαγής αξίας, δημιουργώντας νέες ροές εσόδων και επιχειρηματικές ευκαιρίες για τις εταιρείες.</a:t>
             </a:r>
             <a:endParaRPr lang="en-US" dirty="0"/>
           </a:p>
@@ -1176,7 +1173,7 @@
     </p:spTree>
     <p:extLst>
       <p:ext uri="{BB962C8B-B14F-4D97-AF65-F5344CB8AC3E}">
-        <p14:creationId xmlns:p14="http://schemas.microsoft.com/office/powerpoint/2010/main" val="1954666737"/>
+        <p14:creationId xmlns:p14="http://schemas.microsoft.com/office/powerpoint/2010/main" val="1928645385"/>
       </p:ext>
     </p:extLst>
   </p:cSld>
@@ -1232,166 +1229,19 @@
           <a:p>
             <a:r>
               <a:rPr lang="el-GR" sz="1200" dirty="0"/>
-              <a:t>Το Web3.0 το </a:t>
+              <a:t>Το TOGAF, ή The </a:t>
             </a:r>
             <a:r>
               <a:rPr lang="el-GR" sz="1200" dirty="0" err="1"/>
-              <a:t>blockchain</a:t>
+              <a:t>Open</a:t>
             </a:r>
             <a:r>
               <a:rPr lang="el-GR" sz="1200" dirty="0"/>
               <a:t> </a:t>
             </a:r>
             <a:r>
-              <a:rPr lang="en-US" sz="1200" dirty="0"/>
-              <a:t>&amp; DAO </a:t>
-            </a:r>
-            <a:r>
-              <a:rPr lang="el-GR" sz="1200" dirty="0"/>
-              <a:t>είναι σχετικές, αλλά ξεχωριστές έννοιες. Εδώ είναι οι κύριες διαφορές:</a:t>
-            </a:r>
-          </a:p>
-          <a:p>
-            <a:endParaRPr lang="el-GR" sz="1200" dirty="0"/>
-          </a:p>
-          <a:p>
-            <a:r>
-              <a:rPr lang="el-GR" sz="1200" dirty="0"/>
-              <a:t>Το Web3.0 αναφέρεται στην τρίτη γενιά του Διαδικτύου, η οποία χαρακτηρίζεται από έναν πιο αποκεντρωμένο και ανοιχτό ιστό που δίνει τη δυνατότητα στους χρήστες να έχουν περισσότερο έλεγχο στα δεδομένα τους και στις διαδικτυακές αλληλεπιδράσεις τους. Αυτό περιλαμβάνει τεχνολογίες όπως δικτύωση </a:t>
-            </a:r>
-            <a:r>
               <a:rPr lang="el-GR" sz="1200" dirty="0" err="1"/>
-              <a:t>peer-to-peer</a:t>
-            </a:r>
-            <a:r>
-              <a:rPr lang="el-GR" sz="1200" dirty="0"/>
-              <a:t>, αποκεντρωμένη αποθήκευση και αποκεντρωμένες εφαρμογές.</a:t>
-            </a:r>
-          </a:p>
-          <a:p>
-            <a:endParaRPr lang="el-GR" sz="1200" dirty="0"/>
-          </a:p>
-          <a:p>
-            <a:r>
-              <a:rPr lang="el-GR" sz="1200" dirty="0"/>
-              <a:t>Το </a:t>
-            </a:r>
-            <a:r>
-              <a:rPr lang="el-GR" sz="1200" dirty="0" err="1"/>
-              <a:t>Blockchain</a:t>
-            </a:r>
-            <a:r>
-              <a:rPr lang="el-GR" sz="1200" dirty="0"/>
-              <a:t>, από την άλλη πλευρά, είναι μια συγκεκριμένη τεχνολογία που χρησιμοποιείται για τη δημιουργία αποκεντρωμένων, αμετάβλητων και ασφαλών ψηφιακών λογιστικών βιβλίων. Επιτρέπει την καταγραφή και την επαλήθευση των συναλλαγών χωρίς την ανάγκη κεντρικής αρχής, καθιστώντας το ιδανικό για τη δημιουργία διαφανών και αξιόπιστων συστημάτων.</a:t>
-            </a:r>
-          </a:p>
-          <a:p>
-            <a:endParaRPr lang="el-GR" sz="1200" dirty="0"/>
-          </a:p>
-          <a:p>
-            <a:r>
-              <a:rPr lang="el-GR" sz="1200" dirty="0"/>
-              <a:t>Το Web3.0 μπορεί να κάνει χρήση της τεχνολογίας </a:t>
-            </a:r>
-            <a:r>
-              <a:rPr lang="el-GR" sz="1200" dirty="0" err="1"/>
-              <a:t>blockchain</a:t>
-            </a:r>
-            <a:r>
-              <a:rPr lang="el-GR" sz="1200" dirty="0"/>
-              <a:t>, αλλά δεν περιορίζεται σε αυτήν. Το Web3.0 περιλαμβάνει ένα ευρύτερο φάσμα τεχνολογιών και πρωτοκόλλων πέρα από το </a:t>
-            </a:r>
-            <a:r>
-              <a:rPr lang="el-GR" sz="1200" dirty="0" err="1"/>
-              <a:t>blockchain</a:t>
-            </a:r>
-            <a:r>
-              <a:rPr lang="el-GR" sz="1200" dirty="0"/>
-              <a:t>, όπως δικτύωση </a:t>
-            </a:r>
-            <a:r>
-              <a:rPr lang="el-GR" sz="1200" dirty="0" err="1"/>
-              <a:t>peer-to-peer</a:t>
-            </a:r>
-            <a:r>
-              <a:rPr lang="el-GR" sz="1200" dirty="0"/>
-              <a:t>, αποκεντρωμένη αποθήκευση και άλλες αποκεντρωμένες εφαρμογές.</a:t>
-            </a:r>
-          </a:p>
-          <a:p>
-            <a:endParaRPr lang="el-GR" sz="1200" dirty="0"/>
-          </a:p>
-          <a:p>
-            <a:r>
-              <a:rPr lang="el-GR" sz="1200" dirty="0"/>
-              <a:t>Συνοπτικά, το </a:t>
-            </a:r>
-            <a:r>
-              <a:rPr lang="el-GR" sz="1200" dirty="0" err="1"/>
-              <a:t>blockchain</a:t>
-            </a:r>
-            <a:r>
-              <a:rPr lang="el-GR" sz="1200" dirty="0"/>
-              <a:t> είναι μια συγκεκριμένη τεχνολογία που χρησιμοποιείται για τη δημιουργία αποκεντρωμένων και ασφαλών ψηφιακών λογιστικών βιβλίων, ενώ το Web3.0 είναι μια ευρύτερη έννοια που αναφέρεται στην τρίτη γενιά του διαδικτύου, που χαρακτηρίζεται από έναν πιο αποκεντρωμένο και ανοιχτό ιστό που δίνει τη δυνατότητα στους χρήστες να έχουν περισσότερο έλεγχο. τα δεδομένα και τις διαδικτυακές τους αλληλεπιδράσεις.</a:t>
-            </a:r>
-            <a:endParaRPr lang="en-US" sz="1200" dirty="0"/>
-          </a:p>
-          <a:p>
-            <a:endParaRPr lang="en-US" sz="1200" dirty="0"/>
-          </a:p>
-          <a:p>
-            <a:r>
-              <a:rPr lang="el-GR" sz="1200" dirty="0"/>
-              <a:t>Το Web3.0 επιτρέπει </a:t>
-            </a:r>
-            <a:endParaRPr lang="en-US" sz="1200" dirty="0"/>
-          </a:p>
-          <a:p>
-            <a:r>
-              <a:rPr lang="en-US" sz="1200" dirty="0"/>
-              <a:t>1) </a:t>
-            </a:r>
-            <a:r>
-              <a:rPr lang="el-GR" sz="1200" dirty="0"/>
-              <a:t>δημιουργία αποκεντρωμένων εφαρμογών (</a:t>
-            </a:r>
-            <a:r>
-              <a:rPr lang="el-GR" sz="1200" dirty="0" err="1"/>
-              <a:t>dApps</a:t>
-            </a:r>
-            <a:r>
-              <a:rPr lang="el-GR" sz="1200" dirty="0"/>
-              <a:t>) που εκτελούνται σε δίκτυο </a:t>
-            </a:r>
-            <a:r>
-              <a:rPr lang="el-GR" sz="1200" dirty="0" err="1"/>
-              <a:t>blockchain</a:t>
-            </a:r>
-            <a:r>
-              <a:rPr lang="el-GR" sz="1200" dirty="0"/>
-              <a:t>, επιτρέποντας αυξημένη διαφάνεια, ασφάλεια και εμπιστοσύνη.</a:t>
-            </a:r>
-          </a:p>
-          <a:p>
-            <a:r>
-              <a:rPr lang="en-US" sz="1200" dirty="0"/>
-              <a:t>2) </a:t>
-            </a:r>
-            <a:r>
-              <a:rPr lang="el-GR" sz="1200" dirty="0"/>
-              <a:t>οι επιχειρήσεις μπορούν να αξιοποιήσουν έξυπνα συμβόλαια για να αυτοματοποιήσουν και να </a:t>
-            </a:r>
-            <a:r>
-              <a:rPr lang="el-GR" sz="1200" dirty="0" err="1"/>
-              <a:t>εξορθολογίσουν</a:t>
-            </a:r>
-            <a:r>
-              <a:rPr lang="el-GR" sz="1200" dirty="0"/>
-              <a:t> πολύπλοκες διαδικασίες, μειώνοντας το κόστος και αυξάνοντας την αποτελεσματικότητα το </a:t>
-            </a:r>
-            <a:r>
-              <a:rPr lang="el-GR" sz="1200" dirty="0" err="1"/>
-              <a:t>οποιο</a:t>
+              <a:t>Group</a:t>
             </a:r>
             <a:r>
               <a:rPr lang="el-GR" sz="1200" dirty="0"/>
@@ -1399,64 +1249,43 @@
             </a:r>
             <a:r>
               <a:rPr lang="el-GR" sz="1200" dirty="0" err="1"/>
-              <a:t>συνδυαζει</a:t>
+              <a:t>Architecture</a:t>
             </a:r>
             <a:r>
               <a:rPr lang="el-GR" sz="1200" dirty="0"/>
               <a:t> </a:t>
             </a:r>
             <a:r>
+              <a:rPr lang="el-GR" sz="1200" dirty="0" err="1"/>
+              <a:t>Framework</a:t>
+            </a:r>
+            <a:r>
+              <a:rPr lang="el-GR" sz="1200" dirty="0"/>
+              <a:t>, είναι ένα ευρέως χρησιμοποιούμενο πλαίσιο για την εταιρική αρχιτεκτονική. Παρέχει μια κοινή γλώσσα, μεθοδολογία και εργαλεία για το σχεδιασμό και τη διαχείριση της εταιρικής αρχιτεκτονικής. Το TOGAF βοηθά τους οργανισμούς να ευθυγραμμίσουν τους επιχειρηματικούς τους στόχους και τη στρατηγική πληροφορικής και παρέχει μια δομή για </a:t>
+            </a:r>
+            <a:r>
               <a:rPr lang="en-US" sz="1200" dirty="0"/>
-              <a:t>blockchain</a:t>
-            </a:r>
-            <a:endParaRPr lang="el-GR" sz="1200" dirty="0"/>
-          </a:p>
-          <a:p>
+              <a:t>planning</a:t>
+            </a:r>
+            <a:r>
+              <a:rPr lang="el-GR" sz="1200" dirty="0"/>
+              <a:t>, </a:t>
+            </a:r>
             <a:r>
               <a:rPr lang="en-US" sz="1200" dirty="0"/>
-              <a:t>3) </a:t>
+              <a:t>designing</a:t>
             </a:r>
             <a:r>
               <a:rPr lang="el-GR" sz="1200" dirty="0"/>
-              <a:t>διευκολύνει την ασφαλή και αποτελεσματική κοινή χρήση δεδομένων μεταξύ διαφορετικών μερών, επιτρέποντας τη συνεργασία και τη λήψη αποφάσεων βάσει δεδομένων.</a:t>
-            </a:r>
-          </a:p>
-          <a:p>
+              <a:t>, και </a:t>
+            </a:r>
             <a:r>
               <a:rPr lang="en-US" sz="1200" dirty="0"/>
-              <a:t>4) </a:t>
+              <a:t>implementation </a:t>
             </a:r>
             <a:r>
               <a:rPr lang="el-GR" sz="1200" dirty="0"/>
-              <a:t>Μέσω της χρήσης αποκεντρωμένων λύσεων ταυτότητας, το Web3.0 μπορεί να βοηθήσει τις επιχειρήσεις να βελτιώσουν τον έλεγχο ταυτότητας και τη διαχείριση ταυτότητας, μειώνοντας τον κίνδυνο απάτης και παραβιάσεων δεδομένων.</a:t>
-            </a:r>
-          </a:p>
-          <a:p>
-            <a:r>
-              <a:rPr lang="en-US" sz="1200" dirty="0"/>
-              <a:t>5) </a:t>
-            </a:r>
-            <a:r>
-              <a:rPr lang="el-GR" sz="1200" dirty="0"/>
-              <a:t>μπορεί να επιτρέψει </a:t>
-            </a:r>
-            <a:r>
-              <a:rPr lang="el-GR" sz="1200" dirty="0" err="1"/>
-              <a:t>μικροπληρωμές</a:t>
-            </a:r>
-            <a:r>
-              <a:rPr lang="el-GR" sz="1200" dirty="0"/>
-              <a:t> και τη δημιουργία νέων επιχειρηματικών μοντέλων, όπως υπηρεσίες πληρωμής ανά χρήση και συνδρομών, χωρίς την ανάγκη διαμεσολαβητών.</a:t>
-            </a:r>
-          </a:p>
-          <a:p>
-            <a:r>
-              <a:rPr lang="en-US" sz="1200" dirty="0"/>
-              <a:t>6) </a:t>
-            </a:r>
-            <a:r>
-              <a:rPr lang="el-GR" sz="1200" dirty="0"/>
-              <a:t>έχει επίσης τη δυνατότητα να επιτρέψει νέες μορφές ψηφιακής ιδιοκτησίας και ανταλλαγής αξίας, δημιουργώντας νέες ροές εσόδων και επιχειρηματικές ευκαιρίες για τις εταιρείες.</a:t>
+              <a:t>και τη διαχείριση τεχνολογικών λύσεων. Χρησιμοποιώντας το TOGAF, οι οργανισμοί μπορούν να επιτύχουν πιο αποτελεσματική και αποτελεσματική χρήση των πόρων πληροφορικής, καλύτερη συνεργασία μεταξύ των τμημάτων και αυξημένη ευελιξία για να ανταποκριθούν στις μεταβαλλόμενες επιχειρηματικές ανάγκες.</a:t>
             </a:r>
             <a:endParaRPr lang="en-US" dirty="0"/>
           </a:p>
@@ -1489,7 +1318,7 @@
     </p:spTree>
     <p:extLst>
       <p:ext uri="{BB962C8B-B14F-4D97-AF65-F5344CB8AC3E}">
-        <p14:creationId xmlns:p14="http://schemas.microsoft.com/office/powerpoint/2010/main" val="1928645385"/>
+        <p14:creationId xmlns:p14="http://schemas.microsoft.com/office/powerpoint/2010/main" val="3153182847"/>
       </p:ext>
     </p:extLst>
   </p:cSld>
@@ -1545,39 +1374,7 @@
           <a:p>
             <a:r>
               <a:rPr lang="el-GR" sz="1200" dirty="0"/>
-              <a:t>Το TOGAF, ή The </a:t>
-            </a:r>
-            <a:r>
-              <a:rPr lang="el-GR" sz="1200" dirty="0" err="1"/>
-              <a:t>Open</a:t>
-            </a:r>
-            <a:r>
-              <a:rPr lang="el-GR" sz="1200" dirty="0"/>
-              <a:t> </a:t>
-            </a:r>
-            <a:r>
-              <a:rPr lang="el-GR" sz="1200" dirty="0" err="1"/>
-              <a:t>Group</a:t>
-            </a:r>
-            <a:r>
-              <a:rPr lang="el-GR" sz="1200" dirty="0"/>
-              <a:t> </a:t>
-            </a:r>
-            <a:r>
-              <a:rPr lang="el-GR" sz="1200" dirty="0" err="1"/>
-              <a:t>Architecture</a:t>
-            </a:r>
-            <a:r>
-              <a:rPr lang="el-GR" sz="1200" dirty="0"/>
-              <a:t> </a:t>
-            </a:r>
-            <a:r>
-              <a:rPr lang="el-GR" sz="1200" dirty="0" err="1"/>
-              <a:t>Framework</a:t>
-            </a:r>
-            <a:r>
-              <a:rPr lang="el-GR" sz="1200" dirty="0"/>
-              <a:t>, είναι ένα ευρέως χρησιμοποιούμενο πλαίσιο για την εταιρική αρχιτεκτονική. Παρέχει μια κοινή γλώσσα, μεθοδολογία και εργαλεία για το σχεδιασμό και τη διαχείριση της εταιρικής αρχιτεκτονικής. Το TOGAF βοηθά τους οργανισμούς να ευθυγραμμίσουν τους επιχειρηματικούς τους στόχους και τη στρατηγική πληροφορικής και παρέχει μια δομή για τον σχεδιασμό, το σχεδιασμό, την εφαρμογή και τη διαχείριση τεχνολογικών λύσεων. Χρησιμοποιώντας το TOGAF, οι οργανισμοί μπορούν να επιτύχουν πιο αποτελεσματική και αποτελεσματική χρήση των πόρων πληροφορικής, καλύτερη συνεργασία μεταξύ των τμημάτων και αυξημένη ευελιξία για να ανταποκριθούν στις μεταβαλλόμενες επιχειρηματικές ανάγκες.</a:t>
+              <a:t>Το ITIL, ή η Βιβλιοθήκη Υποδομής Πληροφορικής, είναι ένα πλαίσιο που παρέχει βέλτιστες πρακτικές για τη διαχείριση υπηρεσιών πληροφορικής. Το ITIL στοχεύει στη βελτίωση της ποιότητας των υπηρεσιών πληροφορικής ευθυγραμμίζοντάς τες με τις ανάγκες της επιχείρησης και διασφαλίζοντας ότι παρέχονται αποδοτικά και αποτελεσματικά. Αποτελείται από ένα σύνολο λειτουργειών και διαδικασιών που καλύπτουν ολόκληρο τον κύκλο ζωής της υπηρεσίας, από τη στρατηγική μέχρι το σχεδιασμό, τη μετάβαση, τη λειτουργία και τη συνεχή βελτίωση. Ακολουθώντας τις πρακτικές ITIL, οι οργανισμοί μπορούν να βελτιστοποιήσουν τις υπηρεσίες πληροφορικής τους, να μειώσουν το κόστος και να αυξήσουν την ικανοποίηση των πελατών.</a:t>
             </a:r>
             <a:endParaRPr lang="en-US" dirty="0"/>
           </a:p>
@@ -1610,7 +1407,7 @@
     </p:spTree>
     <p:extLst>
       <p:ext uri="{BB962C8B-B14F-4D97-AF65-F5344CB8AC3E}">
-        <p14:creationId xmlns:p14="http://schemas.microsoft.com/office/powerpoint/2010/main" val="3153182847"/>
+        <p14:creationId xmlns:p14="http://schemas.microsoft.com/office/powerpoint/2010/main" val="3368896515"/>
       </p:ext>
     </p:extLst>
   </p:cSld>
@@ -1666,7 +1463,80 @@
           <a:p>
             <a:r>
               <a:rPr lang="el-GR" sz="1200" dirty="0"/>
-              <a:t>Το ITIL, ή η Βιβλιοθήκη Υποδομής Πληροφορικής, είναι ένα πλαίσιο που παρέχει βέλτιστες πρακτικές για τη διαχείριση υπηρεσιών πληροφορικής. Το ITIL στοχεύει στη βελτίωση της ποιότητας των υπηρεσιών πληροφορικής ευθυγραμμίζοντάς τες με τις ανάγκες της επιχείρησης και διασφαλίζοντας ότι παρέχονται αποτελεσματικά και αποτελεσματικά. Αποτελείται από ένα σύνολο διαδικασιών και διαδικασιών που καλύπτουν ολόκληρο τον κύκλο ζωής της υπηρεσίας, από τη στρατηγική μέχρι το σχεδιασμό, τη μετάβαση, τη λειτουργία και τη συνεχή βελτίωση. Ακολουθώντας τις πρακτικές ITIL, οι οργανισμοί μπορούν να βελτιστοποιήσουν τις υπηρεσίες πληροφορικής τους, να μειώσουν το κόστος και να αυξήσουν την ικανοποίηση των πελατών.</a:t>
+              <a:t>Το </a:t>
+            </a:r>
+            <a:r>
+              <a:rPr lang="el-GR" sz="1200" dirty="0" err="1"/>
+              <a:t>SAFe</a:t>
+            </a:r>
+            <a:r>
+              <a:rPr lang="el-GR" sz="1200" dirty="0"/>
+              <a:t> (</a:t>
+            </a:r>
+            <a:r>
+              <a:rPr lang="el-GR" sz="1200" dirty="0" err="1"/>
+              <a:t>Scaled</a:t>
+            </a:r>
+            <a:r>
+              <a:rPr lang="el-GR" sz="1200" dirty="0"/>
+              <a:t> </a:t>
+            </a:r>
+            <a:r>
+              <a:rPr lang="el-GR" sz="1200" dirty="0" err="1"/>
+              <a:t>Agile</a:t>
+            </a:r>
+            <a:r>
+              <a:rPr lang="el-GR" sz="1200" dirty="0"/>
+              <a:t> </a:t>
+            </a:r>
+            <a:r>
+              <a:rPr lang="el-GR" sz="1200" dirty="0" err="1"/>
+              <a:t>Framework</a:t>
+            </a:r>
+            <a:r>
+              <a:rPr lang="el-GR" sz="1200" dirty="0"/>
+              <a:t>) είναι μια προσέγγιση στην ανάπτυξη λογισμικού που επιτρέπει στους οργανισμούς να υιοθετούν ευέλικτες πρακτικές σε κλίμακα. Παρέχει ένα πλαίσιο για τη διαχείριση και τον συντονισμό μεγάλων, πολύπλοκων έργων λογισμικού, αναλύοντάς τα σε μικρότερα, πιο </a:t>
+            </a:r>
+            <a:r>
+              <a:rPr lang="el-GR" sz="1200" dirty="0" err="1"/>
+              <a:t>διαχειρίσιμα</a:t>
+            </a:r>
+            <a:r>
+              <a:rPr lang="el-GR" sz="1200" dirty="0"/>
+              <a:t> στοιχεία.</a:t>
+            </a:r>
+          </a:p>
+          <a:p>
+            <a:endParaRPr lang="el-GR" sz="1200" dirty="0"/>
+          </a:p>
+          <a:p>
+            <a:r>
+              <a:rPr lang="el-GR" sz="1200" dirty="0"/>
+              <a:t>Το </a:t>
+            </a:r>
+            <a:r>
+              <a:rPr lang="el-GR" sz="1200" dirty="0" err="1"/>
+              <a:t>SAFe</a:t>
+            </a:r>
+            <a:r>
+              <a:rPr lang="el-GR" sz="1200" dirty="0"/>
+              <a:t> μπορεί να συνδυαστεί με το ITIL και το TOGAF για να δημιουργήσει μια πιο ολιστική προσέγγιση στην αρχιτεκτονική της επιχείρησης και στην ανάπτυξη λογισμικού. Ενώ το ITIL εστιάζει στη διαχείριση υπηρεσιών και το TOGAF εστιάζει στην εταιρική αρχιτεκτονική, το </a:t>
+            </a:r>
+            <a:r>
+              <a:rPr lang="el-GR" sz="1200" dirty="0" err="1"/>
+              <a:t>SAFe</a:t>
+            </a:r>
+            <a:r>
+              <a:rPr lang="el-GR" sz="1200" dirty="0"/>
+              <a:t> παρέχει μια μεθοδολογία για την ευέλικτη ανάπτυξη λογισμικού που μπορεί να χρησιμοποιηθεί σε αυτά τα πλαίσια. Συνδυάζοντας αυτές τις προσεγγίσεις, οι οργανισμοί μπορούν να βελτιώσουν τις διαδικασίες ανάπτυξης λογισμικού τους, διασφαλίζοντας παράλληλα την ευθυγράμμιση με τους συνολικούς επιχειρηματικούς στόχους και τη στρατηγική </a:t>
+            </a:r>
+            <a:r>
+              <a:rPr lang="en-US" sz="1200" dirty="0"/>
+              <a:t>IT</a:t>
+            </a:r>
+            <a:r>
+              <a:rPr lang="el-GR" sz="1200" dirty="0"/>
+              <a:t>.</a:t>
             </a:r>
             <a:endParaRPr lang="en-US" dirty="0"/>
           </a:p>
@@ -1699,7 +1569,7 @@
     </p:spTree>
     <p:extLst>
       <p:ext uri="{BB962C8B-B14F-4D97-AF65-F5344CB8AC3E}">
-        <p14:creationId xmlns:p14="http://schemas.microsoft.com/office/powerpoint/2010/main" val="3368896515"/>
+        <p14:creationId xmlns:p14="http://schemas.microsoft.com/office/powerpoint/2010/main" val="3969933843"/>
       </p:ext>
     </p:extLst>
   </p:cSld>
@@ -1755,7 +1625,15 @@
           <a:p>
             <a:r>
               <a:rPr lang="el-GR" sz="1200" dirty="0"/>
-              <a:t>Το </a:t>
+              <a:t>Συμπερασματικά, η ενοποίηση της πληροφορικής και των επιχειρήσεων έχει καταστεί απαραίτητη προκειμένου οι σύγχρονοι οργανισμοί να παραμείνουν ανταγωνιστικοί στο σημερινό ψηφιακό τοπίο με γρήγορο ρυθμό. Αξιοποιώντας τη δύναμη των αναδυόμενων τεχνολογιών, όπως το </a:t>
+            </a:r>
+            <a:r>
+              <a:rPr lang="el-GR" sz="1200" dirty="0" err="1"/>
+              <a:t>blockchain</a:t>
+            </a:r>
+            <a:r>
+              <a:rPr lang="el-GR" sz="1200" dirty="0"/>
+              <a:t>, το web3.0 και τα DAO, οι εταιρείες μπορούν να μεταμορφώσουν τις δραστηριότητές τους και να ξεκλειδώσουν νέα επίπεδα αποτελεσματικότητας, διαφάνειας και συνεργασίας. Ωστόσο, η επιτυχής εφαρμογή απαιτεί μια στρατηγική προσέγγιση, ενσωματώνοντας πλαίσια όπως το ITIL, το TOGAF και το </a:t>
             </a:r>
             <a:r>
               <a:rPr lang="el-GR" sz="1200" dirty="0" err="1"/>
@@ -1763,64 +1641,7 @@
             </a:r>
             <a:r>
               <a:rPr lang="el-GR" sz="1200" dirty="0"/>
-              <a:t> (</a:t>
-            </a:r>
-            <a:r>
-              <a:rPr lang="el-GR" sz="1200" dirty="0" err="1"/>
-              <a:t>Scaled</a:t>
-            </a:r>
-            <a:r>
-              <a:rPr lang="el-GR" sz="1200" dirty="0"/>
-              <a:t> </a:t>
-            </a:r>
-            <a:r>
-              <a:rPr lang="el-GR" sz="1200" dirty="0" err="1"/>
-              <a:t>Agile</a:t>
-            </a:r>
-            <a:r>
-              <a:rPr lang="el-GR" sz="1200" dirty="0"/>
-              <a:t> </a:t>
-            </a:r>
-            <a:r>
-              <a:rPr lang="el-GR" sz="1200" dirty="0" err="1"/>
-              <a:t>Framework</a:t>
-            </a:r>
-            <a:r>
-              <a:rPr lang="el-GR" sz="1200" dirty="0"/>
-              <a:t>) είναι μια προσέγγιση στην ανάπτυξη λογισμικού που επιτρέπει στους οργανισμούς να υιοθετούν ευέλικτες πρακτικές σε κλίμακα. Παρέχει ένα πλαίσιο για τη διαχείριση και τον συντονισμό μεγάλων, πολύπλοκων έργων λογισμικού, αναλύοντάς τα σε μικρότερα, πιο </a:t>
-            </a:r>
-            <a:r>
-              <a:rPr lang="el-GR" sz="1200" dirty="0" err="1"/>
-              <a:t>διαχειρίσιμα</a:t>
-            </a:r>
-            <a:r>
-              <a:rPr lang="el-GR" sz="1200" dirty="0"/>
-              <a:t> στοιχεία.</a:t>
-            </a:r>
-          </a:p>
-          <a:p>
-            <a:endParaRPr lang="el-GR" sz="1200" dirty="0"/>
-          </a:p>
-          <a:p>
-            <a:r>
-              <a:rPr lang="el-GR" sz="1200" dirty="0"/>
-              <a:t>Το </a:t>
-            </a:r>
-            <a:r>
-              <a:rPr lang="el-GR" sz="1200" dirty="0" err="1"/>
-              <a:t>SAFe</a:t>
-            </a:r>
-            <a:r>
-              <a:rPr lang="el-GR" sz="1200" dirty="0"/>
-              <a:t> μπορεί να συνδυαστεί με το ITIL και το TOGAF για να δημιουργήσει μια πιο ολιστική προσέγγιση στην αρχιτεκτονική της επιχείρησης και στην ανάπτυξη λογισμικού. Ενώ το ITIL εστιάζει στη διαχείριση υπηρεσιών και το TOGAF εστιάζει στην εταιρική αρχιτεκτονική, το </a:t>
-            </a:r>
-            <a:r>
-              <a:rPr lang="el-GR" sz="1200" dirty="0" err="1"/>
-              <a:t>SAFe</a:t>
-            </a:r>
-            <a:r>
-              <a:rPr lang="el-GR" sz="1200" dirty="0"/>
-              <a:t> παρέχει μια μεθοδολογία για την ευέλικτη ανάπτυξη λογισμικού που μπορεί να χρησιμοποιηθεί σε αυτά τα πλαίσια. Συνδυάζοντας αυτές τις προσεγγίσεις, οι οργανισμοί μπορούν να βελτιώσουν τις διαδικασίες ανάπτυξης λογισμικού τους, διασφαλίζοντας παράλληλα την ευθυγράμμιση με τους συνολικούς επιχειρηματικούς στόχους και τη στρατηγική ΤΠ.</a:t>
+              <a:t>, για να διασφαλιστεί η ευθυγράμμιση μεταξύ των στόχων πληροφορικής και των επιχειρήσεων. Με τα σωστά εργαλεία και νοοτροπία, η πληροφορική και η επιχείρηση μπορούν να συνεργαστούν για να οδηγήσουν την καινοτομία και να επιτελέσουν μακροπρόθεσμη επιτυχία.</a:t>
             </a:r>
             <a:endParaRPr lang="en-US" dirty="0"/>
           </a:p>
@@ -1853,7 +1674,7 @@
     </p:spTree>
     <p:extLst>
       <p:ext uri="{BB962C8B-B14F-4D97-AF65-F5344CB8AC3E}">
-        <p14:creationId xmlns:p14="http://schemas.microsoft.com/office/powerpoint/2010/main" val="3969933843"/>
+        <p14:creationId xmlns:p14="http://schemas.microsoft.com/office/powerpoint/2010/main" val="3337363355"/>
       </p:ext>
     </p:extLst>
   </p:cSld>
@@ -1908,59 +1729,75 @@
           <a:lstStyle/>
           <a:p>
             <a:r>
-              <a:rPr lang="en-US" sz="1200" dirty="0"/>
-              <a:t>3) </a:t>
-            </a:r>
-            <a:r>
-              <a:rPr lang="el-GR" sz="1200" dirty="0"/>
-              <a:t>Οι δυνατότητες των αναδυόμενων τεχνολογιών να μεταμορφώσουν τις παγκόσμιες επιχειρηματικές δραστηριότητες:</a:t>
-            </a:r>
-          </a:p>
-          <a:p>
-            <a:r>
-              <a:rPr lang="el-GR" sz="1200" dirty="0"/>
-              <a:t>Οι αναδυόμενες τεχνολογίες όπως το DAO, το WEB3.0 και το </a:t>
-            </a:r>
-            <a:r>
-              <a:rPr lang="el-GR" sz="1200" dirty="0" err="1"/>
-              <a:t>blockchain</a:t>
-            </a:r>
-            <a:r>
-              <a:rPr lang="el-GR" sz="1200" dirty="0"/>
-              <a:t> έχουν τη δυνατότητα να μεταμορφώσουν τις παγκόσμιες επιχειρηματικές δραστηριότητες με πολλούς τρόπους. Βελτιώνοντας τη διαχείριση δεδομένων, τη λήψη αποφάσεων και τη συνεργασία, αυτές οι τεχνολογίες μπορούν να ενισχύσουν το παγκόσμιο εμπόριο και τη διεθνή συνεργασία, οδηγώντας σε αυξημένη οικονομική ανάπτυξη και</a:t>
-            </a:r>
-            <a:r>
-              <a:rPr lang="en-US" sz="1200" dirty="0"/>
+              <a:rPr lang="el-GR" dirty="0"/>
+              <a:t>«Στην εποχή της ψηφιακής τεχνολογίας, κάθε επιχείρηση είναι μια επιχείρηση λογισμικού.</a:t>
+            </a:r>
+          </a:p>
+          <a:p>
+            <a:r>
+              <a:rPr lang="el-GR" dirty="0"/>
+              <a:t>Η ευελιξία δεν είναι επιλογή ή κάτι μόνο για τεχνικές ομάδες, είναι </a:t>
+            </a:r>
+            <a:r>
+              <a:rPr lang="en-US" dirty="0"/>
+              <a:t>business imperative</a:t>
+            </a:r>
+            <a:r>
+              <a:rPr lang="el-GR" dirty="0"/>
+              <a:t>».</a:t>
+            </a:r>
+            <a:endParaRPr lang="en-US" dirty="0"/>
+          </a:p>
+          <a:p>
+            <a:endParaRPr lang="en-US" dirty="0"/>
+          </a:p>
+          <a:p>
+            <a:r>
+              <a:rPr lang="el-GR" dirty="0" err="1"/>
+              <a:t>Δηλαδη</a:t>
+            </a:r>
+            <a:r>
+              <a:rPr lang="el-GR" dirty="0"/>
+              <a:t> πρέπει να υπάρξει </a:t>
+            </a:r>
+            <a:r>
+              <a:rPr lang="en-US" dirty="0"/>
+              <a:t>agility </a:t>
+            </a:r>
+            <a:r>
+              <a:rPr lang="el-GR" dirty="0"/>
+              <a:t>και το να </a:t>
+            </a:r>
+            <a:r>
+              <a:rPr lang="el-GR" dirty="0" err="1"/>
+              <a:t>υπαρξει</a:t>
+            </a:r>
+            <a:r>
+              <a:rPr lang="el-GR" dirty="0"/>
               <a:t> </a:t>
             </a:r>
             <a:r>
-              <a:rPr lang="el-GR" sz="1200" dirty="0"/>
-              <a:t>εξέλιξη.</a:t>
-            </a:r>
-          </a:p>
-          <a:p>
-            <a:r>
-              <a:rPr lang="el-GR" sz="1200" dirty="0"/>
-              <a:t>Για να επεξηγήσουμε αυτό το σημείο, θα δώσουμε μερικά παραδείγματα για το πώς οι αναδυόμενες τεχνολογίες έχουν μεταμορφώσει τις παγκόσμιες επιχειρηματικές δραστηριότητες. </a:t>
-            </a:r>
-            <a:endParaRPr lang="en-US" sz="1200" dirty="0"/>
-          </a:p>
-          <a:p>
-            <a:endParaRPr lang="en-US" sz="1200" dirty="0"/>
-          </a:p>
-          <a:p>
-            <a:r>
-              <a:rPr lang="el-GR" sz="1200" dirty="0"/>
-              <a:t>Για παράδειγμα, εταιρείες που έχουν εφαρμόσει τεχνολογία </a:t>
-            </a:r>
-            <a:r>
-              <a:rPr lang="el-GR" sz="1200" dirty="0" err="1"/>
-              <a:t>blockchain</a:t>
-            </a:r>
-            <a:r>
-              <a:rPr lang="el-GR" sz="1200" dirty="0"/>
-              <a:t> έχουν αναφέρει αυξημένη αποτελεσματικότητα και διαφάνεια στη διαχείριση της εφοδιαστικής αλυσίδας, με αποτέλεσμα την εξοικονόμηση κόστους και τη βελτίωση της ικανοποίησης των πελατών. Ομοίως, η χρήση αλγοριθμικών συστημάτων HRM έχει αποδειχθεί ότι βελτιώνει την απόδοση και την ικανοποίηση των εργαζομένων, οδηγώντας σε μειωμένους ρυθμούς κύκλου εργασιών και αυξημένη παραγωγικότητα.</a:t>
-            </a:r>
+              <a:rPr lang="el-GR" dirty="0" err="1"/>
+              <a:t>εννούμε</a:t>
+            </a:r>
+            <a:r>
+              <a:rPr lang="el-GR" dirty="0"/>
+              <a:t> </a:t>
+            </a:r>
+            <a:r>
+              <a:rPr lang="el-GR" dirty="0" err="1"/>
+              <a:t>ριζικα</a:t>
+            </a:r>
+            <a:r>
+              <a:rPr lang="el-GR" dirty="0"/>
+              <a:t> λειτουργική ώστε να προχωρήσει από </a:t>
+            </a:r>
+            <a:r>
+              <a:rPr lang="en-US" dirty="0"/>
+              <a:t>idea -&gt; reality to project/business vision.</a:t>
+            </a:r>
+          </a:p>
+          <a:p>
             <a:endParaRPr lang="en-US" dirty="0"/>
           </a:p>
         </p:txBody>
@@ -1992,7 +1829,7 @@
     </p:spTree>
     <p:extLst>
       <p:ext uri="{BB962C8B-B14F-4D97-AF65-F5344CB8AC3E}">
-        <p14:creationId xmlns:p14="http://schemas.microsoft.com/office/powerpoint/2010/main" val="2667984823"/>
+        <p14:creationId xmlns:p14="http://schemas.microsoft.com/office/powerpoint/2010/main" val="2778896229"/>
       </p:ext>
     </p:extLst>
   </p:cSld>
@@ -2047,15 +1884,8 @@
           <a:lstStyle/>
           <a:p>
             <a:r>
-              <a:rPr lang="en-US" sz="1200" dirty="0"/>
-              <a:t>Conclusion:</a:t>
-            </a:r>
-            <a:endParaRPr lang="el-GR" sz="1200" dirty="0"/>
-          </a:p>
-          <a:p>
-            <a:r>
               <a:rPr lang="el-GR" sz="1200" dirty="0"/>
-              <a:t>Συμπερασματικά, η ερευνητική εργασία παρέχει πολύτιμες πληροφορίες για τις επιχειρήσεις σχετικά με το πώς να αξιοποιήσουν αποτελεσματικά τις αναδυόμενες τεχνολογίες για να βελτιώσουν τις παγκόσμιες δραστηριότητές τους, οδηγώντας σε βελτιωμένη απόδοση, παραγωγικότητα και κερδοφορία. Υιοθετώντας μια στρατηγική και υπεύθυνη προσέγγιση για την υιοθέτηση τεχνολογίας, οι εταιρείες μπορούν να συνειδητοποιήσουν τα οφέλη των αναδυόμενων τεχνολογιών ελαχιστοποιώντας ταυτόχρονα τους κινδύνους και τις προκλήσεις. Επιπλέον, διερευνώντας τις δυνατότητες των αναδυόμενων τεχνολογιών, μπορούμε να προωθήσουμε την καινοτομία και τη δημιουργικότητα στις παγκόσμιες επιχειρηματικές δραστηριότητες, ενώ παράλληλα ενισχύουμε το παγκόσμιο εμπόριο και τη διεθνή συνεργασία.</a:t>
+              <a:t>Σας ευχαριστώ για την προσοχή σας και καλωσορίζω οποιεσδήποτε ερωτήσεις έχετε.</a:t>
             </a:r>
             <a:endParaRPr lang="en-US" dirty="0"/>
           </a:p>
@@ -2080,250 +1910,6 @@
               <a:rPr lang="en-US" smtClean="0"/>
               <a:pPr/>
               <a:t>16</a:t>
-            </a:fld>
-            <a:endParaRPr lang="en-US" dirty="0"/>
-          </a:p>
-        </p:txBody>
-      </p:sp>
-    </p:spTree>
-    <p:extLst>
-      <p:ext uri="{BB962C8B-B14F-4D97-AF65-F5344CB8AC3E}">
-        <p14:creationId xmlns:p14="http://schemas.microsoft.com/office/powerpoint/2010/main" val="3337363355"/>
-      </p:ext>
-    </p:extLst>
-  </p:cSld>
-  <p:clrMapOvr>
-    <a:masterClrMapping/>
-  </p:clrMapOvr>
-</p:notes>
-</file>
-
-<file path=ppt/notesSlides/notesSlide17.xml><?xml version="1.0" encoding="utf-8"?>
-<p:notes xmlns:a="http://schemas.openxmlformats.org/drawingml/2006/main" xmlns:r="http://schemas.openxmlformats.org/officeDocument/2006/relationships" xmlns:p="http://schemas.openxmlformats.org/presentationml/2006/main">
-  <p:cSld>
-    <p:spTree>
-      <p:nvGrpSpPr>
-        <p:cNvPr id="1" name=""/>
-        <p:cNvGrpSpPr/>
-        <p:nvPr/>
-      </p:nvGrpSpPr>
-      <p:grpSpPr>
-        <a:xfrm>
-          <a:off x="0" y="0"/>
-          <a:ext cx="0" cy="0"/>
-          <a:chOff x="0" y="0"/>
-          <a:chExt cx="0" cy="0"/>
-        </a:xfrm>
-      </p:grpSpPr>
-      <p:sp>
-        <p:nvSpPr>
-          <p:cNvPr id="2" name="Slide Image Placeholder 1"/>
-          <p:cNvSpPr>
-            <a:spLocks noGrp="1" noRot="1" noChangeAspect="1"/>
-          </p:cNvSpPr>
-          <p:nvPr>
-            <p:ph type="sldImg"/>
-          </p:nvPr>
-        </p:nvSpPr>
-        <p:spPr/>
-      </p:sp>
-      <p:sp>
-        <p:nvSpPr>
-          <p:cNvPr id="3" name="Notes Placeholder 2"/>
-          <p:cNvSpPr>
-            <a:spLocks noGrp="1"/>
-          </p:cNvSpPr>
-          <p:nvPr>
-            <p:ph type="body" idx="1"/>
-          </p:nvPr>
-        </p:nvSpPr>
-        <p:spPr/>
-        <p:txBody>
-          <a:bodyPr/>
-          <a:lstStyle/>
-          <a:p>
-            <a:r>
-              <a:rPr lang="el-GR" dirty="0"/>
-              <a:t>«Στην εποχή της ψηφιακής τεχνολογίας, κάθε επιχείρηση είναι μια επιχείρηση λογισμικού.</a:t>
-            </a:r>
-          </a:p>
-          <a:p>
-            <a:r>
-              <a:rPr lang="el-GR" dirty="0"/>
-              <a:t>Η ευελιξία δεν είναι επιλογή ή κάτι μόνο για τεχνικές ομάδες, είναι </a:t>
-            </a:r>
-            <a:r>
-              <a:rPr lang="en-US" dirty="0"/>
-              <a:t>business imperative</a:t>
-            </a:r>
-            <a:r>
-              <a:rPr lang="el-GR" dirty="0"/>
-              <a:t>».</a:t>
-            </a:r>
-            <a:endParaRPr lang="en-US" dirty="0"/>
-          </a:p>
-          <a:p>
-            <a:endParaRPr lang="en-US" dirty="0"/>
-          </a:p>
-          <a:p>
-            <a:r>
-              <a:rPr lang="el-GR" dirty="0" err="1"/>
-              <a:t>Δηλαδη</a:t>
-            </a:r>
-            <a:r>
-              <a:rPr lang="el-GR" dirty="0"/>
-              <a:t> πρέπει να υπάρξει </a:t>
-            </a:r>
-            <a:r>
-              <a:rPr lang="en-US" dirty="0"/>
-              <a:t>agility </a:t>
-            </a:r>
-            <a:r>
-              <a:rPr lang="el-GR" dirty="0"/>
-              <a:t>και το να </a:t>
-            </a:r>
-            <a:r>
-              <a:rPr lang="el-GR" dirty="0" err="1"/>
-              <a:t>υπαρξει</a:t>
-            </a:r>
-            <a:r>
-              <a:rPr lang="el-GR" dirty="0"/>
-              <a:t> </a:t>
-            </a:r>
-            <a:r>
-              <a:rPr lang="el-GR" dirty="0" err="1"/>
-              <a:t>εννούμε</a:t>
-            </a:r>
-            <a:r>
-              <a:rPr lang="el-GR" dirty="0"/>
-              <a:t> </a:t>
-            </a:r>
-            <a:r>
-              <a:rPr lang="el-GR" dirty="0" err="1"/>
-              <a:t>ριζικα</a:t>
-            </a:r>
-            <a:r>
-              <a:rPr lang="el-GR" dirty="0"/>
-              <a:t> λειτουργική ώστε να προχωρήσει από </a:t>
-            </a:r>
-            <a:r>
-              <a:rPr lang="en-US" dirty="0"/>
-              <a:t>idea -&gt; reality to project/business vision.</a:t>
-            </a:r>
-          </a:p>
-          <a:p>
-            <a:endParaRPr lang="en-US" dirty="0"/>
-          </a:p>
-        </p:txBody>
-      </p:sp>
-      <p:sp>
-        <p:nvSpPr>
-          <p:cNvPr id="4" name="Slide Number Placeholder 3"/>
-          <p:cNvSpPr>
-            <a:spLocks noGrp="1"/>
-          </p:cNvSpPr>
-          <p:nvPr>
-            <p:ph type="sldNum" sz="quarter" idx="5"/>
-          </p:nvPr>
-        </p:nvSpPr>
-        <p:spPr/>
-        <p:txBody>
-          <a:bodyPr/>
-          <a:lstStyle/>
-          <a:p>
-            <a:fld id="{93322314-975C-554B-8A12-FD962E3F8AC7}" type="slidenum">
-              <a:rPr lang="en-US" smtClean="0"/>
-              <a:pPr/>
-              <a:t>17</a:t>
-            </a:fld>
-            <a:endParaRPr lang="en-US" dirty="0"/>
-          </a:p>
-        </p:txBody>
-      </p:sp>
-    </p:spTree>
-    <p:extLst>
-      <p:ext uri="{BB962C8B-B14F-4D97-AF65-F5344CB8AC3E}">
-        <p14:creationId xmlns:p14="http://schemas.microsoft.com/office/powerpoint/2010/main" val="2778896229"/>
-      </p:ext>
-    </p:extLst>
-  </p:cSld>
-  <p:clrMapOvr>
-    <a:masterClrMapping/>
-  </p:clrMapOvr>
-</p:notes>
-</file>
-
-<file path=ppt/notesSlides/notesSlide18.xml><?xml version="1.0" encoding="utf-8"?>
-<p:notes xmlns:a="http://schemas.openxmlformats.org/drawingml/2006/main" xmlns:r="http://schemas.openxmlformats.org/officeDocument/2006/relationships" xmlns:p="http://schemas.openxmlformats.org/presentationml/2006/main">
-  <p:cSld>
-    <p:spTree>
-      <p:nvGrpSpPr>
-        <p:cNvPr id="1" name=""/>
-        <p:cNvGrpSpPr/>
-        <p:nvPr/>
-      </p:nvGrpSpPr>
-      <p:grpSpPr>
-        <a:xfrm>
-          <a:off x="0" y="0"/>
-          <a:ext cx="0" cy="0"/>
-          <a:chOff x="0" y="0"/>
-          <a:chExt cx="0" cy="0"/>
-        </a:xfrm>
-      </p:grpSpPr>
-      <p:sp>
-        <p:nvSpPr>
-          <p:cNvPr id="2" name="Slide Image Placeholder 1"/>
-          <p:cNvSpPr>
-            <a:spLocks noGrp="1" noRot="1" noChangeAspect="1"/>
-          </p:cNvSpPr>
-          <p:nvPr>
-            <p:ph type="sldImg"/>
-          </p:nvPr>
-        </p:nvSpPr>
-        <p:spPr/>
-      </p:sp>
-      <p:sp>
-        <p:nvSpPr>
-          <p:cNvPr id="3" name="Notes Placeholder 2"/>
-          <p:cNvSpPr>
-            <a:spLocks noGrp="1"/>
-          </p:cNvSpPr>
-          <p:nvPr>
-            <p:ph type="body" idx="1"/>
-          </p:nvPr>
-        </p:nvSpPr>
-        <p:spPr/>
-        <p:txBody>
-          <a:bodyPr/>
-          <a:lstStyle/>
-          <a:p>
-            <a:r>
-              <a:rPr lang="el-GR" sz="1200" dirty="0"/>
-              <a:t>Σας ευχαριστώ για την προσοχή σας και καλωσορίζω οποιεσδήποτε ερωτήσεις έχετε.</a:t>
-            </a:r>
-            <a:endParaRPr lang="en-US" dirty="0"/>
-          </a:p>
-        </p:txBody>
-      </p:sp>
-      <p:sp>
-        <p:nvSpPr>
-          <p:cNvPr id="4" name="Slide Number Placeholder 3"/>
-          <p:cNvSpPr>
-            <a:spLocks noGrp="1"/>
-          </p:cNvSpPr>
-          <p:nvPr>
-            <p:ph type="sldNum" sz="quarter" idx="5"/>
-          </p:nvPr>
-        </p:nvSpPr>
-        <p:spPr/>
-        <p:txBody>
-          <a:bodyPr/>
-          <a:lstStyle/>
-          <a:p>
-            <a:fld id="{93322314-975C-554B-8A12-FD962E3F8AC7}" type="slidenum">
-              <a:rPr lang="en-US" smtClean="0"/>
-              <a:pPr/>
-              <a:t>18</a:t>
             </a:fld>
             <a:endParaRPr lang="en-US" dirty="0"/>
           </a:p>
@@ -2941,296 +2527,232 @@
           <a:lstStyle/>
           <a:p>
             <a:r>
-              <a:rPr lang="en-US" b="0" i="0" dirty="0">
-                <a:effectLst/>
-                <a:latin typeface="-apple-system"/>
-              </a:rPr>
-              <a:t>The Current State of Industry 4.0!</a:t>
-            </a:r>
-            <a:br>
-              <a:rPr lang="en-US" dirty="0"/>
-            </a:br>
-            <a:br>
-              <a:rPr lang="en-US" dirty="0"/>
-            </a:br>
-            <a:r>
-              <a:rPr lang="en-US" b="0" i="0" dirty="0">
-                <a:effectLst/>
-                <a:latin typeface="-apple-system"/>
-              </a:rPr>
-              <a:t>I. Industry 4.0</a:t>
-            </a:r>
-            <a:br>
-              <a:rPr lang="en-US" dirty="0"/>
-            </a:br>
-            <a:br>
-              <a:rPr lang="en-US" dirty="0"/>
-            </a:br>
-            <a:r>
-              <a:rPr lang="en-US" b="0" i="0" dirty="0">
-                <a:effectLst/>
-                <a:latin typeface="-apple-system"/>
-              </a:rPr>
-              <a:t>The term "Industry 4.0" was coined more than ten years ago at the Hannover Fair to describe the revolutionary efficiency gains that could be achieved by digitalizing manufacturing operations</a:t>
-            </a:r>
-            <a:br>
-              <a:rPr lang="en-US" dirty="0"/>
-            </a:br>
-            <a:br>
-              <a:rPr lang="en-US" dirty="0"/>
-            </a:br>
-            <a:r>
-              <a:rPr lang="en-US" b="0" i="0" dirty="0">
-                <a:effectLst/>
-                <a:latin typeface="-apple-system"/>
-              </a:rPr>
-              <a:t>II. The Automotive Industry</a:t>
-            </a:r>
-            <a:br>
-              <a:rPr lang="en-US" dirty="0"/>
-            </a:br>
-            <a:br>
-              <a:rPr lang="en-US" dirty="0"/>
-            </a:br>
-            <a:r>
-              <a:rPr lang="en-US" b="0" i="0" dirty="0">
-                <a:effectLst/>
-                <a:latin typeface="-apple-system"/>
-              </a:rPr>
-              <a:t>Since then, it has become clear that various technological and organization challenges make the digitalization of manufacturing more complex than initially expected. Despite these challenges, some industries have made significant advances over the past decade – the automotive industry being one of them</a:t>
-            </a:r>
-            <a:br>
-              <a:rPr lang="en-US" dirty="0"/>
-            </a:br>
-            <a:br>
-              <a:rPr lang="en-US" dirty="0"/>
-            </a:br>
-            <a:r>
-              <a:rPr lang="en-US" b="0" i="0" dirty="0">
-                <a:effectLst/>
-                <a:latin typeface="-apple-system"/>
-              </a:rPr>
-              <a:t>III. High Value Use-Cases</a:t>
-            </a:r>
-            <a:br>
-              <a:rPr lang="en-US" dirty="0"/>
-            </a:br>
-            <a:br>
-              <a:rPr lang="en-US" dirty="0"/>
-            </a:br>
-            <a:r>
-              <a:rPr lang="en-US" b="0" i="0" dirty="0">
-                <a:effectLst/>
-                <a:latin typeface="-apple-system"/>
-              </a:rPr>
-              <a:t>1. Condition monitoring and predictive maintenance</a:t>
-            </a:r>
-            <a:br>
-              <a:rPr lang="en-US" dirty="0"/>
-            </a:br>
-            <a:r>
-              <a:rPr lang="en-US" b="0" i="0" dirty="0">
-                <a:effectLst/>
-                <a:latin typeface="-apple-system"/>
-              </a:rPr>
-              <a:t>2. Automated vision-based inspection</a:t>
-            </a:r>
-            <a:br>
-              <a:rPr lang="en-US" dirty="0"/>
-            </a:br>
-            <a:r>
-              <a:rPr lang="en-US" b="0" i="0" dirty="0">
-                <a:effectLst/>
-                <a:latin typeface="-apple-system"/>
-              </a:rPr>
-              <a:t>3. Automated process data-based inspection</a:t>
-            </a:r>
-            <a:br>
-              <a:rPr lang="en-US" dirty="0"/>
-            </a:br>
-            <a:r>
-              <a:rPr lang="en-US" b="0" i="0" dirty="0">
-                <a:effectLst/>
-                <a:latin typeface="-apple-system"/>
-              </a:rPr>
-              <a:t>4. Real-time machine parameter optimization</a:t>
-            </a:r>
-            <a:br>
-              <a:rPr lang="en-US" dirty="0"/>
-            </a:br>
-            <a:r>
-              <a:rPr lang="en-US" b="0" i="0" dirty="0">
-                <a:effectLst/>
-                <a:latin typeface="-apple-system"/>
-              </a:rPr>
-              <a:t>5. Autonomous material handling in intralogistics</a:t>
-            </a:r>
-            <a:br>
-              <a:rPr lang="en-US" dirty="0"/>
-            </a:br>
-            <a:r>
-              <a:rPr lang="en-US" b="0" i="0" dirty="0">
-                <a:effectLst/>
-                <a:latin typeface="-apple-system"/>
-              </a:rPr>
-              <a:t>6. Tracking of transports along the supply chain</a:t>
-            </a:r>
-            <a:br>
-              <a:rPr lang="en-US" dirty="0"/>
-            </a:br>
-            <a:br>
-              <a:rPr lang="en-US" dirty="0"/>
-            </a:br>
-            <a:r>
-              <a:rPr lang="en-US" b="0" i="0" dirty="0">
-                <a:effectLst/>
-                <a:latin typeface="-apple-system"/>
-              </a:rPr>
-              <a:t>IV . Key Learnings</a:t>
-            </a:r>
-            <a:br>
-              <a:rPr lang="en-US" dirty="0"/>
-            </a:br>
-            <a:br>
-              <a:rPr lang="en-US" dirty="0"/>
-            </a:br>
-            <a:r>
-              <a:rPr lang="en-US" b="0" i="0" dirty="0">
-                <a:effectLst/>
-                <a:latin typeface="-apple-system"/>
-              </a:rPr>
-              <a:t>1. Clear Prioritization of Use Cases</a:t>
-            </a:r>
-            <a:br>
-              <a:rPr lang="en-US" dirty="0"/>
-            </a:br>
-            <a:br>
-              <a:rPr lang="en-US" dirty="0"/>
-            </a:br>
-            <a:r>
-              <a:rPr lang="en-US" b="0" i="0" dirty="0">
-                <a:effectLst/>
-                <a:latin typeface="-apple-system"/>
-              </a:rPr>
-              <a:t>While experimentation is good to build up initial experience, clearly prioritizing use cases and resources is necessary to achieve real impact. Prioritizing use cases requires a quantification of the value they add and, in a further step, a business case for the given digital manufacturing use case</a:t>
-            </a:r>
-            <a:br>
-              <a:rPr lang="en-US" dirty="0"/>
-            </a:br>
-            <a:br>
-              <a:rPr lang="en-US" dirty="0"/>
-            </a:br>
-            <a:r>
-              <a:rPr lang="en-US" b="0" i="0" dirty="0">
-                <a:effectLst/>
-                <a:latin typeface="-apple-system"/>
-              </a:rPr>
-              <a:t>2. Hub and Spoke Organization</a:t>
-            </a:r>
-            <a:br>
-              <a:rPr lang="en-US" dirty="0"/>
-            </a:br>
-            <a:br>
-              <a:rPr lang="en-US" dirty="0"/>
-            </a:br>
-            <a:r>
-              <a:rPr lang="en-US" b="0" i="0" dirty="0">
-                <a:effectLst/>
-                <a:latin typeface="-apple-system"/>
-              </a:rPr>
-              <a:t>To drive the identification, prioritization and implementation of use cases quickly and without redundancies, a centralized (hub-and-spoke) approach is necessary. A central unit cannot merely be attached to IT or production: It needs to combine both sets of capabilities</a:t>
-            </a:r>
-            <a:br>
-              <a:rPr lang="en-US" dirty="0"/>
-            </a:br>
-            <a:br>
-              <a:rPr lang="en-US" dirty="0"/>
-            </a:br>
-            <a:r>
-              <a:rPr lang="en-US" b="0" i="0" dirty="0">
-                <a:effectLst/>
-                <a:latin typeface="-apple-system"/>
-              </a:rPr>
-              <a:t>3. Talent and Training</a:t>
-            </a:r>
-            <a:br>
-              <a:rPr lang="en-US" dirty="0"/>
-            </a:br>
-            <a:br>
-              <a:rPr lang="en-US" dirty="0"/>
-            </a:br>
-            <a:r>
-              <a:rPr lang="en-US" b="0" i="0" dirty="0">
-                <a:effectLst/>
-                <a:latin typeface="-apple-system"/>
-              </a:rPr>
-              <a:t>Overall equipment effectiveness and uptime at highly automated plants will depend to a large extent on predictive maintenance, rapid error resolution and the proper handling of equipment. This will require companies to retrain operators to work with and alongside automated equipment</a:t>
-            </a:r>
-            <a:br>
-              <a:rPr lang="en-US" dirty="0"/>
-            </a:br>
-            <a:br>
-              <a:rPr lang="en-US" dirty="0"/>
-            </a:br>
-            <a:r>
-              <a:rPr lang="en-US" b="0" i="0" dirty="0">
-                <a:effectLst/>
-                <a:latin typeface="-apple-system"/>
-              </a:rPr>
-              <a:t>4. IOT/OT Target Landscape and Roadmap</a:t>
-            </a:r>
-            <a:br>
-              <a:rPr lang="en-US" dirty="0"/>
-            </a:br>
-            <a:br>
-              <a:rPr lang="en-US" dirty="0"/>
-            </a:br>
-            <a:r>
-              <a:rPr lang="en-US" b="0" i="0" dirty="0">
-                <a:effectLst/>
-                <a:latin typeface="-apple-system"/>
-              </a:rPr>
-              <a:t>The IT/OT target landscape helps to avoid the redundant buildup of IT infrastructure and interfaces for different use cases, and ensures that the use case implementation roadmap is aligned with the investment in new systems. In addition to standardization of the company's internal IT/OT landscape, the need to integrate customers, suppliers and equipment providers must also be addressed in the future in order to exploit the full potential of "Industry 4.0"</a:t>
-            </a:r>
-            <a:br>
-              <a:rPr lang="en-US" dirty="0"/>
-            </a:br>
-            <a:br>
-              <a:rPr lang="en-US" dirty="0"/>
-            </a:br>
-            <a:r>
-              <a:rPr lang="en-US" b="0" i="0" dirty="0">
-                <a:effectLst/>
-                <a:latin typeface="-apple-system"/>
-              </a:rPr>
-              <a:t>V. Outlook</a:t>
-            </a:r>
-            <a:br>
-              <a:rPr lang="en-US" dirty="0"/>
-            </a:br>
-            <a:br>
-              <a:rPr lang="en-US" dirty="0"/>
-            </a:br>
-            <a:r>
-              <a:rPr lang="en-US" b="0" i="0" dirty="0">
-                <a:effectLst/>
-                <a:latin typeface="-apple-system"/>
-              </a:rPr>
-              <a:t>By applying these "lessons learned" automotive and non-automotive players can accelerate their </a:t>
-            </a:r>
-            <a:r>
-              <a:rPr lang="en-US" b="0" i="0" dirty="0" err="1">
-                <a:effectLst/>
-                <a:latin typeface="-apple-system"/>
-              </a:rPr>
-              <a:t>journies</a:t>
-            </a:r>
-            <a:r>
-              <a:rPr lang="en-US" b="0" i="0" dirty="0">
-                <a:effectLst/>
-                <a:latin typeface="-apple-system"/>
-              </a:rPr>
-              <a:t> to "Industry 4.0"</a:t>
+              <a:rPr lang="el-GR" sz="1200" dirty="0" err="1"/>
+              <a:t>Ολοι</a:t>
+            </a:r>
+            <a:r>
+              <a:rPr lang="el-GR" sz="1200" dirty="0"/>
+              <a:t> </a:t>
+            </a:r>
+            <a:r>
+              <a:rPr lang="el-GR" sz="1200" dirty="0" err="1"/>
+              <a:t>αλλα</a:t>
+            </a:r>
+            <a:r>
+              <a:rPr lang="el-GR" sz="1200" dirty="0"/>
+              <a:t> </a:t>
+            </a:r>
+            <a:r>
+              <a:rPr lang="el-GR" sz="1200" dirty="0" err="1"/>
+              <a:t>ειδικα</a:t>
+            </a:r>
+            <a:r>
+              <a:rPr lang="el-GR" sz="1200" dirty="0"/>
+              <a:t> </a:t>
+            </a:r>
+            <a:r>
+              <a:rPr lang="el-GR" sz="1200" dirty="0" err="1"/>
+              <a:t>οσοι</a:t>
+            </a:r>
+            <a:r>
+              <a:rPr lang="el-GR" sz="1200" dirty="0"/>
+              <a:t> </a:t>
+            </a:r>
+            <a:r>
+              <a:rPr lang="el-GR" sz="1200" dirty="0" err="1"/>
+              <a:t>δουλευουμε</a:t>
+            </a:r>
+            <a:r>
+              <a:rPr lang="el-GR" sz="1200" dirty="0"/>
+              <a:t> σε επιχειρήσεις </a:t>
+            </a:r>
+            <a:r>
+              <a:rPr lang="el-GR" sz="1200" dirty="0" err="1"/>
+              <a:t>γνωριζουμε</a:t>
+            </a:r>
+            <a:r>
+              <a:rPr lang="el-GR" sz="1200" dirty="0"/>
+              <a:t> τα οφέλη της τεχνολογίας </a:t>
+            </a:r>
+            <a:r>
+              <a:rPr lang="el-GR" sz="1200" dirty="0" err="1"/>
+              <a:t>ιδιως</a:t>
+            </a:r>
+            <a:r>
+              <a:rPr lang="el-GR" sz="1200" dirty="0"/>
+              <a:t> τα </a:t>
+            </a:r>
+            <a:r>
+              <a:rPr lang="el-GR" sz="1200" dirty="0" err="1"/>
+              <a:t>τελευταια</a:t>
+            </a:r>
+            <a:r>
+              <a:rPr lang="el-GR" sz="1200" dirty="0"/>
+              <a:t> 2 </a:t>
+            </a:r>
+            <a:r>
+              <a:rPr lang="el-GR" sz="1200" dirty="0" err="1"/>
+              <a:t>χρονια</a:t>
+            </a:r>
+            <a:r>
+              <a:rPr lang="el-GR" sz="1200" dirty="0"/>
+              <a:t> </a:t>
+            </a:r>
+            <a:r>
+              <a:rPr lang="el-GR" sz="1200" dirty="0" err="1"/>
+              <a:t>μετα</a:t>
+            </a:r>
+            <a:r>
+              <a:rPr lang="el-GR" sz="1200" dirty="0"/>
+              <a:t> την πανδημία. </a:t>
+            </a:r>
+            <a:r>
+              <a:rPr lang="el-GR" sz="1200" dirty="0" err="1"/>
+              <a:t>Εκθετικη</a:t>
+            </a:r>
+            <a:r>
+              <a:rPr lang="el-GR" sz="1200" dirty="0"/>
+              <a:t> </a:t>
+            </a:r>
+            <a:r>
+              <a:rPr lang="el-GR" sz="1200" dirty="0" err="1"/>
+              <a:t>αυξιση</a:t>
+            </a:r>
+            <a:r>
+              <a:rPr lang="en-US" sz="1200" dirty="0"/>
+              <a:t> </a:t>
+            </a:r>
+            <a:r>
+              <a:rPr lang="el-GR" sz="1200" dirty="0" err="1"/>
+              <a:t>παραγωγικοτητας</a:t>
+            </a:r>
+            <a:r>
+              <a:rPr lang="el-GR" sz="1200" dirty="0"/>
+              <a:t> και </a:t>
+            </a:r>
+            <a:r>
+              <a:rPr lang="en-US" sz="1200" dirty="0"/>
+              <a:t>collaboration</a:t>
+            </a:r>
+            <a:r>
+              <a:rPr lang="el-GR" sz="1200" dirty="0"/>
+              <a:t>. </a:t>
+            </a:r>
+            <a:r>
+              <a:rPr lang="el-GR" sz="1200" dirty="0" err="1"/>
+              <a:t>Παραδειγματα</a:t>
+            </a:r>
+            <a:r>
+              <a:rPr lang="el-GR" sz="1200" dirty="0"/>
+              <a:t> </a:t>
+            </a:r>
+            <a:r>
+              <a:rPr lang="en-US" sz="1200" dirty="0" err="1"/>
+              <a:t>OpenAI</a:t>
+            </a:r>
+            <a:r>
+              <a:rPr lang="en-US" sz="1200" dirty="0"/>
+              <a:t> Art Generator </a:t>
+            </a:r>
+            <a:r>
+              <a:rPr lang="el-GR" sz="1200" dirty="0"/>
+              <a:t>ή το </a:t>
+            </a:r>
+            <a:r>
+              <a:rPr lang="el-GR" sz="1200" dirty="0" err="1"/>
+              <a:t>γνωστο</a:t>
+            </a:r>
+            <a:r>
+              <a:rPr lang="el-GR" sz="1200" dirty="0"/>
+              <a:t> </a:t>
+            </a:r>
+            <a:r>
+              <a:rPr lang="en-US" sz="1200" dirty="0"/>
+              <a:t>ChatGPT.</a:t>
+            </a:r>
+            <a:r>
+              <a:rPr lang="el-GR" sz="1200" dirty="0"/>
+              <a:t> Που ο </a:t>
+            </a:r>
+            <a:r>
+              <a:rPr lang="el-GR" sz="1200" dirty="0" err="1"/>
+              <a:t>κυριος</a:t>
+            </a:r>
+            <a:r>
+              <a:rPr lang="el-GR" sz="1200" dirty="0"/>
+              <a:t> </a:t>
+            </a:r>
+            <a:r>
+              <a:rPr lang="el-GR" sz="1200" dirty="0" err="1"/>
+              <a:t>στοχος</a:t>
+            </a:r>
+            <a:r>
+              <a:rPr lang="el-GR" sz="1200" dirty="0"/>
+              <a:t> τους είναι η </a:t>
+            </a:r>
+            <a:r>
+              <a:rPr lang="el-GR" sz="1200" dirty="0" err="1"/>
+              <a:t>ενισχυση</a:t>
+            </a:r>
+            <a:r>
+              <a:rPr lang="el-GR" sz="1200" dirty="0"/>
+              <a:t> του </a:t>
+            </a:r>
+            <a:r>
+              <a:rPr lang="el-GR" sz="1200" dirty="0" err="1"/>
+              <a:t>εργαζομενου</a:t>
+            </a:r>
+            <a:r>
+              <a:rPr lang="el-GR" sz="1200" dirty="0"/>
+              <a:t> σαν </a:t>
+            </a:r>
+            <a:r>
+              <a:rPr lang="en-US" sz="1200" dirty="0"/>
+              <a:t>assistant </a:t>
+            </a:r>
+            <a:r>
+              <a:rPr lang="el-GR" sz="1200" dirty="0"/>
+              <a:t>για </a:t>
+            </a:r>
+            <a:r>
+              <a:rPr lang="el-GR" sz="1200" dirty="0" err="1"/>
+              <a:t>μεγαλυτερη</a:t>
+            </a:r>
+            <a:r>
+              <a:rPr lang="el-GR" sz="1200" dirty="0"/>
+              <a:t> </a:t>
+            </a:r>
+            <a:r>
+              <a:rPr lang="el-GR" sz="1200" dirty="0" err="1"/>
+              <a:t>παραγωγικοτητα</a:t>
+            </a:r>
+            <a:r>
+              <a:rPr lang="el-GR" sz="1200" dirty="0"/>
+              <a:t> και </a:t>
+            </a:r>
+            <a:r>
+              <a:rPr lang="el-GR" sz="1200" dirty="0" err="1"/>
+              <a:t>μειωση</a:t>
+            </a:r>
+            <a:r>
+              <a:rPr lang="el-GR" sz="1200" dirty="0"/>
+              <a:t> σφαλμάτων. (και όχι σαν </a:t>
+            </a:r>
+            <a:r>
+              <a:rPr lang="en-US" sz="1200" dirty="0"/>
+              <a:t>replacement tool </a:t>
+            </a:r>
+            <a:r>
+              <a:rPr lang="el-GR" sz="1200" dirty="0"/>
+              <a:t>που πολύ </a:t>
+            </a:r>
+            <a:r>
+              <a:rPr lang="el-GR" sz="1200" dirty="0" err="1"/>
+              <a:t>φοβουνται</a:t>
+            </a:r>
+            <a:r>
+              <a:rPr lang="el-GR" sz="1200" dirty="0"/>
+              <a:t>)</a:t>
             </a:r>
             <a:endParaRPr lang="en-US" dirty="0"/>
           </a:p>
@@ -3263,7 +2785,7 @@
     </p:spTree>
     <p:extLst>
       <p:ext uri="{BB962C8B-B14F-4D97-AF65-F5344CB8AC3E}">
-        <p14:creationId xmlns:p14="http://schemas.microsoft.com/office/powerpoint/2010/main" val="771377593"/>
+        <p14:creationId xmlns:p14="http://schemas.microsoft.com/office/powerpoint/2010/main" val="3131778640"/>
       </p:ext>
     </p:extLst>
   </p:cSld>
@@ -3318,232 +2840,32 @@
           <a:lstStyle/>
           <a:p>
             <a:r>
-              <a:rPr lang="el-GR" sz="1200" dirty="0" err="1"/>
-              <a:t>Ολοι</a:t>
-            </a:r>
-            <a:r>
               <a:rPr lang="el-GR" sz="1200" dirty="0"/>
-              <a:t> </a:t>
-            </a:r>
-            <a:r>
-              <a:rPr lang="el-GR" sz="1200" dirty="0" err="1"/>
-              <a:t>αλλα</a:t>
+              <a:t>Όλες οι επιχειρήσεις έχουν ωφεληθεί επίσης από το </a:t>
+            </a:r>
+            <a:r>
+              <a:rPr lang="en-US" sz="1200" dirty="0"/>
+              <a:t>cloud services </a:t>
             </a:r>
             <a:r>
               <a:rPr lang="el-GR" sz="1200" dirty="0"/>
-              <a:t> </a:t>
-            </a:r>
-            <a:r>
-              <a:rPr lang="el-GR" sz="1200" dirty="0" err="1"/>
-              <a:t>ειδικα</a:t>
+              <a:t>Που μπορείς πλέον χωρίς να έχεις </a:t>
+            </a:r>
+            <a:r>
+              <a:rPr lang="en-US" sz="1200" dirty="0"/>
+              <a:t>in-premise</a:t>
             </a:r>
             <a:r>
               <a:rPr lang="el-GR" sz="1200" dirty="0"/>
-              <a:t> </a:t>
-            </a:r>
-            <a:r>
-              <a:rPr lang="el-GR" sz="1200" dirty="0" err="1"/>
-              <a:t>οσοι</a:t>
+              <a:t> ειδικό εξοπλισμό </a:t>
+            </a:r>
+            <a:r>
+              <a:rPr lang="en-US" sz="1200" dirty="0"/>
+              <a:t>software/hardware</a:t>
             </a:r>
             <a:r>
               <a:rPr lang="el-GR" sz="1200" dirty="0"/>
-              <a:t> </a:t>
-            </a:r>
-            <a:r>
-              <a:rPr lang="el-GR" sz="1200" dirty="0" err="1"/>
-              <a:t>δουλευουμε</a:t>
-            </a:r>
-            <a:r>
-              <a:rPr lang="el-GR" sz="1200" dirty="0"/>
-              <a:t> σε επιχειρήσεις </a:t>
-            </a:r>
-            <a:r>
-              <a:rPr lang="el-GR" sz="1200" dirty="0" err="1"/>
-              <a:t>γνωριζουμε</a:t>
-            </a:r>
-            <a:r>
-              <a:rPr lang="el-GR" sz="1200" dirty="0"/>
-              <a:t> τα οφέλη της τεχνολογίας </a:t>
-            </a:r>
-            <a:r>
-              <a:rPr lang="el-GR" sz="1200" dirty="0" err="1"/>
-              <a:t>ιδιως</a:t>
-            </a:r>
-            <a:r>
-              <a:rPr lang="el-GR" sz="1200" dirty="0"/>
-              <a:t> τα </a:t>
-            </a:r>
-            <a:r>
-              <a:rPr lang="el-GR" sz="1200" dirty="0" err="1"/>
-              <a:t>τελευταια</a:t>
-            </a:r>
-            <a:r>
-              <a:rPr lang="el-GR" sz="1200" dirty="0"/>
-              <a:t> 2 </a:t>
-            </a:r>
-            <a:r>
-              <a:rPr lang="el-GR" sz="1200" dirty="0" err="1"/>
-              <a:t>χρονια</a:t>
-            </a:r>
-            <a:r>
-              <a:rPr lang="el-GR" sz="1200" dirty="0"/>
-              <a:t> </a:t>
-            </a:r>
-            <a:r>
-              <a:rPr lang="el-GR" sz="1200" dirty="0" err="1"/>
-              <a:t>μετα</a:t>
-            </a:r>
-            <a:r>
-              <a:rPr lang="el-GR" sz="1200" dirty="0"/>
-              <a:t> την πανδημία. </a:t>
-            </a:r>
-            <a:r>
-              <a:rPr lang="el-GR" sz="1200" dirty="0" err="1"/>
-              <a:t>Εκθετικη</a:t>
-            </a:r>
-            <a:r>
-              <a:rPr lang="el-GR" sz="1200" dirty="0"/>
-              <a:t> </a:t>
-            </a:r>
-            <a:r>
-              <a:rPr lang="el-GR" sz="1200" dirty="0" err="1"/>
-              <a:t>αυξιση</a:t>
-            </a:r>
-            <a:r>
-              <a:rPr lang="en-US" sz="1200" dirty="0"/>
-              <a:t> </a:t>
-            </a:r>
-            <a:r>
-              <a:rPr lang="el-GR" sz="1200" dirty="0" err="1"/>
-              <a:t>παραγωγικοτητας</a:t>
-            </a:r>
-            <a:r>
-              <a:rPr lang="el-GR" sz="1200" dirty="0"/>
-              <a:t> και </a:t>
-            </a:r>
-            <a:r>
-              <a:rPr lang="en-US" sz="1200" dirty="0"/>
-              <a:t>collaboration</a:t>
-            </a:r>
-            <a:r>
-              <a:rPr lang="el-GR" sz="1200" dirty="0"/>
-              <a:t>. </a:t>
-            </a:r>
-            <a:r>
-              <a:rPr lang="el-GR" sz="1200" dirty="0" err="1"/>
-              <a:t>Παραδειγματα</a:t>
-            </a:r>
-            <a:r>
-              <a:rPr lang="el-GR" sz="1200" dirty="0"/>
-              <a:t> </a:t>
-            </a:r>
-            <a:r>
-              <a:rPr lang="en-US" sz="1200" dirty="0" err="1"/>
-              <a:t>OpenAI</a:t>
-            </a:r>
-            <a:r>
-              <a:rPr lang="en-US" sz="1200" dirty="0"/>
-              <a:t> Art Generator </a:t>
-            </a:r>
-            <a:r>
-              <a:rPr lang="el-GR" sz="1200" dirty="0"/>
-              <a:t>ή το </a:t>
-            </a:r>
-            <a:r>
-              <a:rPr lang="el-GR" sz="1200" dirty="0" err="1"/>
-              <a:t>γνωστο</a:t>
-            </a:r>
-            <a:r>
-              <a:rPr lang="el-GR" sz="1200" dirty="0"/>
-              <a:t> </a:t>
-            </a:r>
-            <a:r>
-              <a:rPr lang="en-US" sz="1200" dirty="0"/>
-              <a:t>ChatGPT.</a:t>
-            </a:r>
-            <a:r>
-              <a:rPr lang="el-GR" sz="1200" dirty="0"/>
-              <a:t> Που ο </a:t>
-            </a:r>
-            <a:r>
-              <a:rPr lang="el-GR" sz="1200" dirty="0" err="1"/>
-              <a:t>κυριος</a:t>
-            </a:r>
-            <a:r>
-              <a:rPr lang="el-GR" sz="1200" dirty="0"/>
-              <a:t> </a:t>
-            </a:r>
-            <a:r>
-              <a:rPr lang="el-GR" sz="1200" dirty="0" err="1"/>
-              <a:t>στοχος</a:t>
-            </a:r>
-            <a:r>
-              <a:rPr lang="el-GR" sz="1200" dirty="0"/>
-              <a:t> τους είναι η </a:t>
-            </a:r>
-            <a:r>
-              <a:rPr lang="el-GR" sz="1200" dirty="0" err="1"/>
-              <a:t>ενισχυση</a:t>
-            </a:r>
-            <a:r>
-              <a:rPr lang="el-GR" sz="1200" dirty="0"/>
-              <a:t> του </a:t>
-            </a:r>
-            <a:r>
-              <a:rPr lang="el-GR" sz="1200" dirty="0" err="1"/>
-              <a:t>εργαζομενου</a:t>
-            </a:r>
-            <a:r>
-              <a:rPr lang="el-GR" sz="1200" dirty="0"/>
-              <a:t> σαν </a:t>
-            </a:r>
-            <a:r>
-              <a:rPr lang="en-US" sz="1200" dirty="0"/>
-              <a:t>assistant </a:t>
-            </a:r>
-            <a:r>
-              <a:rPr lang="el-GR" sz="1200" dirty="0"/>
-              <a:t>για </a:t>
-            </a:r>
-            <a:r>
-              <a:rPr lang="el-GR" sz="1200" dirty="0" err="1"/>
-              <a:t>μεγαλυτερη</a:t>
-            </a:r>
-            <a:r>
-              <a:rPr lang="el-GR" sz="1200" dirty="0"/>
-              <a:t> </a:t>
-            </a:r>
-            <a:r>
-              <a:rPr lang="el-GR" sz="1200" dirty="0" err="1"/>
-              <a:t>παραγωγικοτητα</a:t>
-            </a:r>
-            <a:r>
-              <a:rPr lang="el-GR" sz="1200" dirty="0"/>
-              <a:t> και </a:t>
-            </a:r>
-            <a:r>
-              <a:rPr lang="el-GR" sz="1200" dirty="0" err="1"/>
-              <a:t>μειωση</a:t>
-            </a:r>
-            <a:r>
-              <a:rPr lang="el-GR" sz="1200" dirty="0"/>
-              <a:t> σφαλμάτων. (και όχι σαν </a:t>
-            </a:r>
-            <a:r>
-              <a:rPr lang="en-US" sz="1200" dirty="0"/>
-              <a:t>replacement tool </a:t>
-            </a:r>
-            <a:r>
-              <a:rPr lang="el-GR" sz="1200" dirty="0"/>
-              <a:t>που πολύ </a:t>
-            </a:r>
-            <a:r>
-              <a:rPr lang="el-GR" sz="1200" dirty="0" err="1"/>
-              <a:t>φοβουνται</a:t>
-            </a:r>
-            <a:r>
-              <a:rPr lang="el-GR" sz="1200" dirty="0"/>
-              <a:t>)</a:t>
+              <a:t> στην επιχείρηση η προσωπικό με μεγάλη τεχνογνωσία να λειτουργήσεις αυτές τις υπηρεσίες.</a:t>
             </a:r>
             <a:endParaRPr lang="en-US" dirty="0"/>
           </a:p>
@@ -3576,7 +2898,7 @@
     </p:spTree>
     <p:extLst>
       <p:ext uri="{BB962C8B-B14F-4D97-AF65-F5344CB8AC3E}">
-        <p14:creationId xmlns:p14="http://schemas.microsoft.com/office/powerpoint/2010/main" val="3131778640"/>
+        <p14:creationId xmlns:p14="http://schemas.microsoft.com/office/powerpoint/2010/main" val="1893503368"/>
       </p:ext>
     </p:extLst>
   </p:cSld>
@@ -3632,32 +2954,117 @@
           <a:p>
             <a:r>
               <a:rPr lang="el-GR" sz="1200" dirty="0"/>
-              <a:t>Όλες οι επιχειρήσεις έχουν ωφεληθεί επίσης από το </a:t>
-            </a:r>
+              <a:t>Συνεπώς η ερευνά καλύπτει ενότητες σχετικά με:</a:t>
+            </a:r>
+            <a:endParaRPr lang="en-US" sz="1200" dirty="0"/>
+          </a:p>
+          <a:p>
             <a:r>
               <a:rPr lang="en-US" sz="1200" dirty="0"/>
-              <a:t>cloud services </a:t>
+              <a:t>1) </a:t>
             </a:r>
             <a:r>
               <a:rPr lang="el-GR" sz="1200" dirty="0"/>
-              <a:t>Που μπορείς πλέον χωρίς να έχεις </a:t>
-            </a:r>
+              <a:t>Εισαγωγή στο θέμα της τεχνολογίας στις παγκόσμιες επιχειρηματικές δραστηριότητες</a:t>
+            </a:r>
+          </a:p>
+          <a:p>
             <a:r>
               <a:rPr lang="en-US" sz="1200" dirty="0"/>
-              <a:t>in-premise</a:t>
+              <a:t>2) </a:t>
             </a:r>
             <a:r>
               <a:rPr lang="el-GR" sz="1200" dirty="0"/>
-              <a:t> ειδικό εξοπλισμό </a:t>
+              <a:t>Επεξήγηση των πλεονεκτημάτων και των προκλήσεων της χρήσης αναδυόμενων τεχνολογιών όπως DAO</a:t>
             </a:r>
             <a:r>
               <a:rPr lang="en-US" sz="1200" dirty="0"/>
-              <a:t>software/hardware</a:t>
+              <a:t>/Blockchain</a:t>
             </a:r>
             <a:r>
               <a:rPr lang="el-GR" sz="1200" dirty="0"/>
-              <a:t> στην επιχείρηση η προσωπικό με μεγάλη τεχνογνωσία να λειτουργήσεις αυτές τις υπηρεσίες.</a:t>
-            </a:r>
+              <a:t>, WEB3.0, </a:t>
+            </a:r>
+            <a:r>
+              <a:rPr lang="el-GR" sz="1200" dirty="0" err="1"/>
+              <a:t>Enterprise</a:t>
+            </a:r>
+            <a:r>
+              <a:rPr lang="el-GR" sz="1200" dirty="0"/>
+              <a:t> </a:t>
+            </a:r>
+            <a:r>
+              <a:rPr lang="el-GR" sz="1200" dirty="0" err="1"/>
+              <a:t>Architectures</a:t>
+            </a:r>
+            <a:r>
+              <a:rPr lang="el-GR" sz="1200" dirty="0"/>
+              <a:t> IT </a:t>
+            </a:r>
+            <a:r>
+              <a:rPr lang="el-GR" sz="1200" dirty="0" err="1"/>
+              <a:t>Driven</a:t>
+            </a:r>
+            <a:r>
+              <a:rPr lang="el-GR" sz="1200" dirty="0"/>
+              <a:t> και HRM αλγοριθμικά συστήματα</a:t>
+            </a:r>
+          </a:p>
+          <a:p>
+            <a:r>
+              <a:rPr lang="en-US" sz="1200" dirty="0"/>
+              <a:t>3) </a:t>
+            </a:r>
+            <a:r>
+              <a:rPr lang="el-GR" sz="1200" dirty="0"/>
+              <a:t>Παραδείγματα για το πώς οι εταιρείες έχουν αξιοποιήσει με επιτυχία αυτές τις τεχνολογίες</a:t>
+            </a:r>
+          </a:p>
+          <a:p>
+            <a:r>
+              <a:rPr lang="en-US" sz="1200" dirty="0"/>
+              <a:t>4) </a:t>
+            </a:r>
+            <a:r>
+              <a:rPr lang="el-GR" sz="1200" dirty="0"/>
+              <a:t>Αποτελεσματικές στρατηγικές για την υιοθέτηση αναδυόμενων τεχνολογιών στις παγκόσμιες επιχειρηματικές δραστηριότητες, συμπεριλαμβανομένης της χρήσης πλαισίων όπως το TOGAF</a:t>
+            </a:r>
+            <a:r>
+              <a:rPr lang="en-US" sz="1200" dirty="0"/>
+              <a:t> &amp; </a:t>
+            </a:r>
+            <a:r>
+              <a:rPr lang="en-US" sz="1200" dirty="0" err="1"/>
+              <a:t>SAFe</a:t>
+            </a:r>
+            <a:r>
+              <a:rPr lang="en-US" sz="1200" dirty="0"/>
+              <a:t> + ITIL</a:t>
+            </a:r>
+            <a:endParaRPr lang="el-GR" sz="1200" dirty="0"/>
+          </a:p>
+          <a:p>
+            <a:r>
+              <a:rPr lang="en-US" sz="1200" dirty="0"/>
+              <a:t>5) </a:t>
+            </a:r>
+            <a:r>
+              <a:rPr lang="el-GR" sz="1200" dirty="0"/>
+              <a:t>Συζήτηση για τις δυνατότητες των αναδυόμενων τεχνολογιών να μεταμορφώσουν τις παγκόσμιες επιχειρηματικές δραστηριότητες και να ενισχύσουν την οικονομική ανάπτυξη και εξέλιξη</a:t>
+            </a:r>
+          </a:p>
+          <a:p>
+            <a:r>
+              <a:rPr lang="en-US" sz="1200" dirty="0"/>
+              <a:t>6) </a:t>
+            </a:r>
+            <a:r>
+              <a:rPr lang="el-GR" sz="1200" dirty="0"/>
+              <a:t>Συμπέρασμα που τονίζει τη σημασία της υιοθέτησης μιας στρατηγικής και υπεύθυνης προσέγγισης για την υιοθέτηση τεχνολογίας προκειμένου να συνειδητοποιηθούν τα οφέλη των αναδυόμενων τεχνολογιών.</a:t>
+            </a:r>
+            <a:endParaRPr lang="en-US" sz="1200" dirty="0"/>
+          </a:p>
+          <a:p>
             <a:endParaRPr lang="en-US" dirty="0"/>
           </a:p>
         </p:txBody>
@@ -3689,7 +3096,7 @@
     </p:spTree>
     <p:extLst>
       <p:ext uri="{BB962C8B-B14F-4D97-AF65-F5344CB8AC3E}">
-        <p14:creationId xmlns:p14="http://schemas.microsoft.com/office/powerpoint/2010/main" val="1893503368"/>
+        <p14:creationId xmlns:p14="http://schemas.microsoft.com/office/powerpoint/2010/main" val="2348101833"/>
       </p:ext>
     </p:extLst>
   </p:cSld>
@@ -3744,37 +3151,19 @@
           <a:lstStyle/>
           <a:p>
             <a:r>
-              <a:rPr lang="el-GR" sz="1200" dirty="0"/>
-              <a:t>Συνεπώς η ερευνά καλύπτει ενότητες σχετικά με:</a:t>
-            </a:r>
-            <a:endParaRPr lang="en-US" sz="1200" dirty="0"/>
-          </a:p>
-          <a:p>
-            <a:r>
               <a:rPr lang="en-US" sz="1200" dirty="0"/>
               <a:t>1) </a:t>
             </a:r>
             <a:r>
               <a:rPr lang="el-GR" sz="1200" dirty="0"/>
-              <a:t>Εισαγωγή στο θέμα της τεχνολογίας στις παγκόσμιες επιχειρηματικές δραστηριότητες</a:t>
-            </a:r>
-          </a:p>
-          <a:p>
-            <a:r>
-              <a:rPr lang="en-US" sz="1200" dirty="0"/>
-              <a:t>2) </a:t>
-            </a:r>
+              <a:t>Βασικά οφέλη και προκλήσεις της χρήσης αναδυόμενων τεχνολογιών στις παγκόσμιες επιχειρηματικές δραστηριότητες:</a:t>
+            </a:r>
+            <a:endParaRPr lang="en-US" sz="1200" dirty="0"/>
+          </a:p>
+          <a:p>
             <a:r>
               <a:rPr lang="el-GR" sz="1200" dirty="0"/>
-              <a:t>Επεξήγηση των πλεονεκτημάτων και των προκλήσεων της χρήσης αναδυόμενων τεχνολογιών όπως DAO</a:t>
-            </a:r>
-            <a:r>
-              <a:rPr lang="en-US" sz="1200" dirty="0"/>
-              <a:t>/Blockchain</a:t>
-            </a:r>
-            <a:r>
-              <a:rPr lang="el-GR" sz="1200" dirty="0"/>
-              <a:t>, WEB3.0, </a:t>
+              <a:t>Οι αναδυόμενες τεχνολογίες όπως οι Αποκεντρωμένοι Αυτόνομοι Οργανισμοί (DAO), WEB3.0, </a:t>
             </a:r>
             <a:r>
               <a:rPr lang="el-GR" sz="1200" dirty="0" err="1"/>
@@ -3798,64 +3187,58 @@
             </a:r>
             <a:r>
               <a:rPr lang="el-GR" sz="1200" dirty="0"/>
-              <a:t> και HRM αλγοριθμικά συστήματα</a:t>
-            </a:r>
-          </a:p>
-          <a:p>
+              <a:t> και Human </a:t>
+            </a:r>
+            <a:r>
+              <a:rPr lang="el-GR" sz="1200" dirty="0" err="1"/>
+              <a:t>Resource</a:t>
+            </a:r>
+            <a:r>
+              <a:rPr lang="el-GR" sz="1200" dirty="0"/>
+              <a:t> </a:t>
+            </a:r>
+            <a:r>
+              <a:rPr lang="el-GR" sz="1200" dirty="0" err="1"/>
+              <a:t>Management</a:t>
+            </a:r>
+            <a:r>
+              <a:rPr lang="el-GR" sz="1200" dirty="0"/>
+              <a:t> (HRM) αλγοριθμικά συστήματα προσφέρουν πολυάριθμα οφέλη για εταιρείες που δραστηριοποιούνται στην παγκόσμια οικονομία. Για παράδειγμα, οι DAO μπορούν να βελτιώσουν τη διαχείριση της εφοδιαστικής αλυσίδας παρέχοντας διαφάνεια και υπευθυνότητα στις συναλλαγές, ενώ τα αλγοριθμικά συστήματα HRM μπορούν να βελτιστοποιήσουν την απόδοση των εργαζομένων και να αυξήσουν την εργασιακή ικανοποίηση. Ωστόσο, υπάρχουν επίσης προκλήσεις που πρέπει να αντιμετωπιστούν, όπως η ασφάλεια, η </a:t>
+            </a:r>
+            <a:r>
+              <a:rPr lang="el-GR" sz="1200" dirty="0" err="1"/>
+              <a:t>διαλειτουργικότητα</a:t>
+            </a:r>
+            <a:r>
+              <a:rPr lang="el-GR" sz="1200" dirty="0"/>
+              <a:t> και οι ηθικές επιπτώσεις που σχετίζονται με την αλγοριθμική λήψη αποφάσεων.</a:t>
+            </a:r>
             <a:r>
               <a:rPr lang="en-US" sz="1200" dirty="0"/>
-              <a:t>3) </a:t>
+              <a:t> </a:t>
             </a:r>
             <a:r>
               <a:rPr lang="el-GR" sz="1200" dirty="0"/>
-              <a:t>Παραδείγματα για το πώς οι εταιρείες έχουν αξιοποιήσει με επιτυχία αυτές τις τεχνολογίες</a:t>
-            </a:r>
-          </a:p>
-          <a:p>
-            <a:r>
-              <a:rPr lang="en-US" sz="1200" dirty="0"/>
-              <a:t>4) </a:t>
-            </a:r>
+              <a:t>Για να δείξουμε αυτά τα οφέλη και τις προκλήσεις, θα δώσουμε μερικά παραδείγματα. </a:t>
+            </a:r>
+            <a:endParaRPr lang="en-US" sz="1200" dirty="0"/>
+          </a:p>
+          <a:p>
+            <a:endParaRPr lang="en-US" sz="1200" dirty="0"/>
+          </a:p>
+          <a:p>
             <a:r>
               <a:rPr lang="el-GR" sz="1200" dirty="0"/>
-              <a:t>Αποτελεσματικές στρατηγικές για την υιοθέτηση αναδυόμενων τεχνολογιών στις παγκόσμιες επιχειρηματικές δραστηριότητες, συμπεριλαμβανομένης της χρήσης πλαισίων όπως το TOGAF</a:t>
-            </a:r>
-            <a:r>
-              <a:rPr lang="en-US" sz="1200" dirty="0"/>
-              <a:t> &amp; </a:t>
-            </a:r>
-            <a:r>
-              <a:rPr lang="en-US" sz="1200" dirty="0" err="1"/>
-              <a:t>SAFe</a:t>
-            </a:r>
-            <a:r>
-              <a:rPr lang="en-US" sz="1200" dirty="0"/>
-              <a:t> + ITIL</a:t>
-            </a:r>
-            <a:endParaRPr lang="el-GR" sz="1200" dirty="0"/>
-          </a:p>
-          <a:p>
-            <a:r>
-              <a:rPr lang="en-US" sz="1200" dirty="0"/>
-              <a:t>5) </a:t>
+              <a:t>Για παράδειγμα, εταιρείες που έχουν εφαρμόσει DAO έχουν αναφέρει αυξημένη αποτελεσματικότητα και εξοικονόμηση κόστους στη διαχείριση της αλυσίδας εφοδιασμού τους. Ωστόσο, η χρήση της τεχνολογίας </a:t>
+            </a:r>
+            <a:r>
+              <a:rPr lang="el-GR" sz="1200" dirty="0" err="1"/>
+              <a:t>blockchain</a:t>
             </a:r>
             <a:r>
               <a:rPr lang="el-GR" sz="1200" dirty="0"/>
-              <a:t>Συζήτηση για τις δυνατότητες των αναδυόμενων τεχνολογιών να μεταμορφώσουν τις παγκόσμιες επιχειρηματικές δραστηριότητες και να ενισχύσουν την οικονομική ανάπτυξη και εξέλιξη</a:t>
-            </a:r>
-          </a:p>
-          <a:p>
-            <a:r>
-              <a:rPr lang="en-US" sz="1200" dirty="0"/>
-              <a:t>6) </a:t>
-            </a:r>
-            <a:r>
-              <a:rPr lang="el-GR" sz="1200" dirty="0"/>
-              <a:t>Συμπέρασμα που τονίζει τη σημασία της υιοθέτησης μιας στρατηγικής και υπεύθυνης προσέγγισης για την υιοθέτηση τεχνολογίας προκειμένου να συνειδητοποιηθούν τα οφέλη των αναδυόμενων τεχνολογιών.</a:t>
-            </a:r>
-            <a:endParaRPr lang="en-US" sz="1200" dirty="0"/>
-          </a:p>
-          <a:p>
+              <a:t> εγείρει ανησυχίες σχετικά με το απόρρητο των δεδομένων και τις απειλές στον κυβερνοχώρο. Ομοίως, η χρήση αλγοριθμικών συστημάτων HRM έχει αποδειχθεί ότι βελτιώνει την απόδοση και την ικανοποίηση των εργαζομένων, αλλά υπάρχουν ηθικές ανησυχίες σχετικά με την αλγοριθμική μεροληψία και τις διακρίσεις που πρέπει να αντιμετωπιστούν.</a:t>
+            </a:r>
             <a:endParaRPr lang="en-US" dirty="0"/>
           </a:p>
         </p:txBody>
@@ -3887,7 +3270,7 @@
     </p:spTree>
     <p:extLst>
       <p:ext uri="{BB962C8B-B14F-4D97-AF65-F5344CB8AC3E}">
-        <p14:creationId xmlns:p14="http://schemas.microsoft.com/office/powerpoint/2010/main" val="2348101833"/>
+        <p14:creationId xmlns:p14="http://schemas.microsoft.com/office/powerpoint/2010/main" val="3050804985"/>
       </p:ext>
     </p:extLst>
   </p:cSld>
@@ -3943,22 +3326,94 @@
           <a:p>
             <a:r>
               <a:rPr lang="en-US" sz="1200" dirty="0"/>
-              <a:t>1) </a:t>
+              <a:t>2) </a:t>
             </a:r>
             <a:r>
               <a:rPr lang="el-GR" sz="1200" dirty="0"/>
-              <a:t>Βασικά οφέλη και προκλήσεις της χρήσης αναδυόμενων τεχνολογιών στις παγκόσμιες επιχειρηματικές δραστηριότητες:</a:t>
+              <a:t>Αποτελεσματικές στρατηγικές για την αξιοποίηση των αναδυόμενων τεχνολογιών στις παγκόσμιες επιχειρηματικές δραστηριότητες:</a:t>
+            </a:r>
+          </a:p>
+          <a:p>
+            <a:r>
+              <a:rPr lang="el-GR" sz="1200" dirty="0"/>
+              <a:t>Για να αξιοποιήσουν αποτελεσματικά τις αναδυόμενες τεχνολογίες στις παγκόσμιες επιχειρηματικές δραστηριότητες, οι εταιρείες πρέπει να υιοθετήσουν μια στρατηγική και προσεκτική προσέγγιση για την υιοθέτηση τεχνολογίας. Πλαίσια όπως το  </a:t>
+            </a:r>
+            <a:r>
+              <a:rPr lang="en-US" sz="1200" dirty="0"/>
+              <a:t>Enterprise Architecture (</a:t>
+            </a:r>
+            <a:r>
+              <a:rPr lang="el-GR" sz="1200" dirty="0"/>
+              <a:t>π.χ., TOGAF) μπορούν να καθοδηγήσουν τη λήψη αποφάσεων και να βοηθήσουν στον μετριασμό των κινδύνων και των προκλήσεων που σχετίζονται με την εφαρμογή της τεχνολογίας. Υιοθετώντας μια στρατηγική και υπεύθυνη προσέγγιση για την υιοθέτηση τεχνολογίας, οι εταιρείες μπορούν να συνειδητοποιήσουν τα οφέλη των αναδυόμενων τεχνολογιών ελαχιστοποιώντας ταυτόχρονα τους κινδύνους και τις προκλήσεις.</a:t>
+            </a:r>
+          </a:p>
+          <a:p>
+            <a:r>
+              <a:rPr lang="el-GR" sz="1200" dirty="0"/>
+              <a:t>Για να επεξηγήσουμε αυτό το σημείο, θα δώσουμε μερικά παραδείγματα εταιρειών που έχουν υιοθετήσει και αξιοποιήσει με επιτυχία τις αναδυόμενες τεχνολογίες. </a:t>
             </a:r>
             <a:endParaRPr lang="en-US" sz="1200" dirty="0"/>
           </a:p>
           <a:p>
+            <a:endParaRPr lang="en-US" sz="1200" dirty="0"/>
+          </a:p>
+          <a:p>
             <a:r>
               <a:rPr lang="el-GR" sz="1200" dirty="0"/>
-              <a:t>Οι αναδυόμενες τεχνολογίες όπως οι Αποκεντρωμένοι Αυτόνομοι Οργανισμοί (DAO), WEB3.0, </a:t>
+              <a:t>Για παράδειγμα, η </a:t>
             </a:r>
             <a:r>
               <a:rPr lang="el-GR" sz="1200" dirty="0" err="1"/>
-              <a:t>Enterprise</a:t>
+              <a:t>Walmart</a:t>
+            </a:r>
+            <a:r>
+              <a:rPr lang="el-GR" sz="1200" dirty="0"/>
+              <a:t> έχει εφαρμόσει ένα σύστημα διαχείρισης εφοδιαστικής αλυσίδας που βασίζεται σε </a:t>
+            </a:r>
+            <a:r>
+              <a:rPr lang="el-GR" sz="1200" dirty="0" err="1"/>
+              <a:t>blockchain</a:t>
+            </a:r>
+            <a:r>
+              <a:rPr lang="el-GR" sz="1200" dirty="0"/>
+              <a:t> που έχει βελτιώσει την αποτελεσματικότητα και τη διαφάνεια στις λειτουργίες της</a:t>
+            </a:r>
+            <a:r>
+              <a:rPr lang="en-US" sz="1200" dirty="0"/>
+              <a:t> </a:t>
+            </a:r>
+            <a:r>
+              <a:rPr lang="el-GR" sz="1200" dirty="0"/>
+              <a:t>με αποτέλεσμα την εξοικονόμηση κόστους και τη βελτίωση της ικανοποίησης των πελατών. Ομοίως, η Accenture έχει αναπτύξει ένα αλγοριθμικό σύστημα HRM που έχει βελτιώσει την απόδοση των εργαζομένων και την ικανοποίηση από την εργασία</a:t>
+            </a:r>
+            <a:r>
+              <a:rPr lang="en-US" sz="1200" dirty="0"/>
+              <a:t> </a:t>
+            </a:r>
+            <a:r>
+              <a:rPr lang="el-GR" sz="1200" dirty="0"/>
+              <a:t>, οδηγώντας σε μειωμένους ρυθμούς κύκλου εργασιών και αυξημένη παραγωγικότητα, ενώ αντιμετωπίζει τις ανησυχίες σχετικά με την αλγοριθμική μεροληψία και τις διακρίσεις.</a:t>
+            </a:r>
+            <a:r>
+              <a:rPr lang="en-US" sz="1200" dirty="0"/>
+              <a:t> </a:t>
+            </a:r>
+            <a:r>
+              <a:rPr lang="el-GR" sz="1200" dirty="0"/>
+              <a:t>Επίσης έχουν χρησιμοποιήσει αλγόριθμους μηχανικής μάθησης για να αναλύσουν τα δεδομένα των εργαζομένων και να εξατομικεύσουν συστάσεις για εκπαίδευση και εξέλιξη σταδιοδρομίας.</a:t>
+            </a:r>
+          </a:p>
+          <a:p>
+            <a:endParaRPr lang="el-GR" sz="1200" dirty="0"/>
+          </a:p>
+          <a:p>
+            <a:r>
+              <a:rPr lang="el-GR" sz="1200" dirty="0"/>
+              <a:t>4!=5 </a:t>
+            </a:r>
+            <a:r>
+              <a:rPr lang="el-GR" sz="1200" dirty="0" err="1"/>
+              <a:t>επειδη</a:t>
             </a:r>
             <a:r>
               <a:rPr lang="el-GR" sz="1200" dirty="0"/>
@@ -3966,23 +3421,15 @@
             </a:r>
             <a:r>
               <a:rPr lang="el-GR" sz="1200" dirty="0" err="1"/>
-              <a:t>Architectures</a:t>
+              <a:t>διαφερουν</a:t>
             </a:r>
             <a:r>
               <a:rPr lang="el-GR" sz="1200" dirty="0"/>
-              <a:t> IT </a:t>
+              <a:t> και είναι ο </a:t>
             </a:r>
             <a:r>
               <a:rPr lang="el-GR" sz="1200" dirty="0" err="1"/>
-              <a:t>Driven</a:t>
-            </a:r>
-            <a:r>
-              <a:rPr lang="el-GR" sz="1200" dirty="0"/>
-              <a:t> και Human </a:t>
-            </a:r>
-            <a:r>
-              <a:rPr lang="el-GR" sz="1200" dirty="0" err="1"/>
-              <a:t>Resource</a:t>
+              <a:t>λεγομενος</a:t>
             </a:r>
             <a:r>
               <a:rPr lang="el-GR" sz="1200" dirty="0"/>
@@ -3990,45 +3437,121 @@
             </a:r>
             <a:r>
               <a:rPr lang="el-GR" sz="1200" dirty="0" err="1"/>
-              <a:t>Management</a:t>
+              <a:t>κορεσμος</a:t>
             </a:r>
             <a:r>
               <a:rPr lang="el-GR" sz="1200" dirty="0"/>
-              <a:t> (HRM) αλγοριθμικά συστήματα προσφέρουν πολυάριθμα οφέλη για εταιρείες που δραστηριοποιούνται στην παγκόσμια οικονομία. Για παράδειγμα, οι DAO μπορούν να βελτιώσουν τη διαχείριση της εφοδιαστικής αλυσίδας παρέχοντας διαφάνεια και υπευθυνότητα στις συναλλαγές, ενώ τα αλγοριθμικά συστήματα HRM μπορούν να βελτιστοποιήσουν την απόδοση των εργαζομένων και να αυξήσουν την εργασιακή ικανοποίηση. Ωστόσο, υπάρχουν επίσης προκλήσεις που πρέπει να αντιμετωπιστούν, όπως η ασφάλεια, η </a:t>
+              <a:t> που </a:t>
             </a:r>
             <a:r>
               <a:rPr lang="el-GR" sz="1200" dirty="0" err="1"/>
-              <a:t>διαλειτουργικότητα</a:t>
+              <a:t>θετει</a:t>
             </a:r>
             <a:r>
               <a:rPr lang="el-GR" sz="1200" dirty="0"/>
-              <a:t> και οι ηθικές επιπτώσεις που σχετίζονται με την αλγοριθμική λήψη αποφάσεων.</a:t>
-            </a:r>
+              <a:t> σε </a:t>
+            </a:r>
+            <a:r>
+              <a:rPr lang="el-GR" sz="1200" dirty="0" err="1"/>
+              <a:t>μηχανισμους</a:t>
+            </a:r>
+            <a:r>
+              <a:rPr lang="el-GR" sz="1200" dirty="0"/>
+              <a:t> </a:t>
+            </a:r>
+            <a:r>
+              <a:rPr lang="el-GR" sz="1200" dirty="0" err="1"/>
+              <a:t>αμυνας</a:t>
+            </a:r>
+            <a:r>
+              <a:rPr lang="el-GR" sz="1200" dirty="0"/>
+              <a:t> την </a:t>
+            </a:r>
+            <a:r>
+              <a:rPr lang="el-GR" sz="1200" dirty="0" err="1"/>
+              <a:t>ψυχολογια</a:t>
+            </a:r>
+            <a:r>
+              <a:rPr lang="el-GR" sz="1200" dirty="0"/>
+              <a:t> </a:t>
+            </a:r>
+            <a:r>
+              <a:rPr lang="el-GR" sz="1200" dirty="0" err="1"/>
+              <a:t>καποιου</a:t>
+            </a:r>
+            <a:r>
+              <a:rPr lang="el-GR" sz="1200" dirty="0"/>
+              <a:t> και </a:t>
+            </a:r>
+            <a:r>
+              <a:rPr lang="el-GR" sz="1200" dirty="0" err="1"/>
+              <a:t>υπαρχη</a:t>
+            </a:r>
+            <a:r>
+              <a:rPr lang="el-GR" sz="1200" dirty="0"/>
+              <a:t> </a:t>
+            </a:r>
+            <a:r>
+              <a:rPr lang="el-GR" sz="1200" dirty="0" err="1"/>
+              <a:t>πτωση</a:t>
+            </a:r>
+            <a:r>
+              <a:rPr lang="el-GR" sz="1200" dirty="0"/>
+              <a:t> </a:t>
+            </a:r>
+            <a:r>
+              <a:rPr lang="el-GR" sz="1200" dirty="0" err="1"/>
+              <a:t>τοσο</a:t>
+            </a:r>
+            <a:r>
+              <a:rPr lang="el-GR" sz="1200" dirty="0"/>
+              <a:t> στον ιδιο </a:t>
+            </a:r>
+            <a:r>
+              <a:rPr lang="el-GR" sz="1200" dirty="0" err="1"/>
+              <a:t>οσο</a:t>
+            </a:r>
+            <a:r>
+              <a:rPr lang="el-GR" sz="1200" dirty="0"/>
+              <a:t> και στους </a:t>
+            </a:r>
+            <a:r>
+              <a:rPr lang="el-GR" sz="1200" dirty="0" err="1"/>
+              <a:t>γυρο</a:t>
+            </a:r>
+            <a:r>
+              <a:rPr lang="el-GR" sz="1200" dirty="0"/>
+              <a:t> του.</a:t>
+            </a:r>
+            <a:endParaRPr lang="en-US" sz="1200" dirty="0"/>
+          </a:p>
+          <a:p>
+            <a:endParaRPr lang="en-US" sz="1200" dirty="0"/>
+          </a:p>
+          <a:p>
             <a:r>
               <a:rPr lang="en-US" sz="1200" dirty="0"/>
-              <a:t> </a:t>
+              <a:t>*</a:t>
+            </a:r>
+            <a:r>
+              <a:rPr lang="el-GR" sz="1200" dirty="0" err="1"/>
+              <a:t>εμμεσα</a:t>
             </a:r>
             <a:r>
               <a:rPr lang="el-GR" sz="1200" dirty="0"/>
-              <a:t>Για να δείξουμε αυτά τα οφέλη και τις προκλήσεις, θα δώσουμε μερικά παραδείγματα. </a:t>
-            </a:r>
-            <a:endParaRPr lang="en-US" sz="1200" dirty="0"/>
-          </a:p>
-          <a:p>
-            <a:endParaRPr lang="en-US" sz="1200" dirty="0"/>
-          </a:p>
-          <a:p>
+              <a:t> == είναι </a:t>
+            </a:r>
+            <a:r>
+              <a:rPr lang="el-GR" sz="1200" dirty="0" err="1"/>
+              <a:t>αργα</a:t>
+            </a:r>
             <a:r>
               <a:rPr lang="el-GR" sz="1200" dirty="0"/>
-              <a:t>Για παράδειγμα, εταιρείες που έχουν εφαρμόσει DAO έχουν αναφέρει αυξημένη αποτελεσματικότητα και εξοικονόμηση κόστους στη διαχείριση της αλυσίδας εφοδιασμού τους. Ωστόσο, η χρήση της τεχνολογίας </a:t>
+              <a:t> όταν το </a:t>
             </a:r>
             <a:r>
               <a:rPr lang="el-GR" sz="1200" dirty="0" err="1"/>
-              <a:t>blockchain</a:t>
-            </a:r>
-            <a:r>
-              <a:rPr lang="el-GR" sz="1200" dirty="0"/>
-              <a:t> εγείρει ανησυχίες σχετικά με το απόρρητο των δεδομένων και τις απειλές στον κυβερνοχώρο. Ομοίως, η χρήση αλγοριθμικών συστημάτων HRM έχει αποδειχθεί ότι βελτιώνει την απόδοση και την ικανοποίηση των εργαζομένων, αλλά υπάρχουν ηθικές ανησυχίες σχετικά με την αλγοριθμική μεροληψία και τις διακρίσεις που πρέπει να αντιμετωπιστούν.</a:t>
+              <a:t>καταλαβεις</a:t>
             </a:r>
             <a:endParaRPr lang="en-US" dirty="0"/>
           </a:p>
@@ -4061,7 +3584,7 @@
     </p:spTree>
     <p:extLst>
       <p:ext uri="{BB962C8B-B14F-4D97-AF65-F5344CB8AC3E}">
-        <p14:creationId xmlns:p14="http://schemas.microsoft.com/office/powerpoint/2010/main" val="3050804985"/>
+        <p14:creationId xmlns:p14="http://schemas.microsoft.com/office/powerpoint/2010/main" val="1954666737"/>
       </p:ext>
     </p:extLst>
   </p:cSld>
@@ -11099,8 +10622,8 @@
         </p:nvSpPr>
         <p:spPr>
           <a:xfrm>
-            <a:off x="0" y="369539"/>
-            <a:ext cx="7146845" cy="1077218"/>
+            <a:off x="1701476" y="354815"/>
+            <a:ext cx="5150735" cy="584775"/>
           </a:xfrm>
           <a:prstGeom prst="rect">
             <a:avLst/>
@@ -11114,9 +10637,10 @@
           <a:lstStyle/>
           <a:p>
             <a:r>
-              <a:rPr lang="el-GR" sz="3200" b="1" dirty="0"/>
-              <a:t>Οφέλη &amp; Προκλήσεις των αναδυόμενων τεχνολογιών</a:t>
-            </a:r>
+              <a:rPr lang="en-US" sz="3200" b="1" dirty="0"/>
+              <a:t>WEB3.0 , DAO &amp; Blockchain</a:t>
+            </a:r>
+            <a:endParaRPr lang="el-GR" sz="3200" b="1" dirty="0"/>
           </a:p>
         </p:txBody>
       </p:sp>
@@ -11139,7 +10663,7 @@
         <p:spPr>
           <a:xfrm>
             <a:off x="104695" y="1589087"/>
-            <a:ext cx="6093548" cy="4452897"/>
+            <a:ext cx="4145140" cy="3642670"/>
           </a:xfrm>
         </p:spPr>
         <p:txBody>
@@ -11153,177 +10677,62 @@
               <a:buNone/>
             </a:pPr>
             <a:r>
-              <a:rPr lang="el-GR" sz="2200" dirty="0"/>
-              <a:t>Άμεσα</a:t>
-            </a:r>
-            <a:r>
-              <a:rPr lang="en-US" sz="2200" dirty="0"/>
-              <a:t> side-effects</a:t>
-            </a:r>
-            <a:endParaRPr lang="el-GR" sz="2200" dirty="0"/>
-          </a:p>
-          <a:p>
-            <a:pPr marL="457200" indent="-457200">
-              <a:spcBef>
-                <a:spcPts val="1400"/>
-              </a:spcBef>
-              <a:buFont typeface="+mj-lt"/>
-              <a:buAutoNum type="arabicPeriod"/>
-            </a:pPr>
-            <a:r>
-              <a:rPr lang="el-GR" sz="2200" dirty="0"/>
-              <a:t>Λήψη επιχειρηματικών αποφάσεων</a:t>
-            </a:r>
-          </a:p>
-          <a:p>
-            <a:pPr marL="457200" indent="-457200">
-              <a:spcBef>
-                <a:spcPts val="1400"/>
-              </a:spcBef>
-              <a:buFont typeface="+mj-lt"/>
-              <a:buAutoNum type="arabicPeriod"/>
-            </a:pPr>
-            <a:r>
-              <a:rPr lang="el-GR" sz="2200" dirty="0"/>
-              <a:t>Μετριασμός κινδύνων &amp; προκλήσεων</a:t>
-            </a:r>
-          </a:p>
-          <a:p>
-            <a:pPr marL="457200" indent="-457200">
-              <a:spcBef>
-                <a:spcPts val="1400"/>
-              </a:spcBef>
-              <a:buFont typeface="+mj-lt"/>
-              <a:buAutoNum type="arabicPeriod"/>
-            </a:pPr>
-            <a:r>
-              <a:rPr lang="el-GR" sz="2200" dirty="0"/>
-              <a:t>Διαφάνεια λειτουργικότητας</a:t>
-            </a:r>
-          </a:p>
-          <a:p>
-            <a:pPr marL="457200" indent="-457200">
-              <a:spcBef>
-                <a:spcPts val="1400"/>
-              </a:spcBef>
-              <a:buFont typeface="+mj-lt"/>
-              <a:buAutoNum type="arabicPeriod"/>
-            </a:pPr>
-            <a:r>
-              <a:rPr lang="el-GR" sz="2200" dirty="0"/>
-              <a:t>Ικανοποίηση εργαζομένων (4 != 5)</a:t>
-            </a:r>
-            <a:endParaRPr lang="en-US" sz="2200" dirty="0"/>
-          </a:p>
-          <a:p>
-            <a:pPr marL="457200" indent="-457200">
-              <a:spcBef>
-                <a:spcPts val="1400"/>
-              </a:spcBef>
-              <a:buFont typeface="+mj-lt"/>
-              <a:buAutoNum type="arabicPeriod"/>
-            </a:pPr>
-            <a:r>
-              <a:rPr lang="el-GR" sz="2200" dirty="0"/>
-              <a:t>Αύξηση παραγωγικότητας εργαζομένων</a:t>
-            </a:r>
-          </a:p>
-          <a:p>
-            <a:pPr marL="0" indent="0">
-              <a:spcBef>
-                <a:spcPts val="1400"/>
-              </a:spcBef>
-              <a:buNone/>
-            </a:pPr>
-            <a:r>
-              <a:rPr lang="el-GR" sz="2200" dirty="0"/>
-              <a:t>Έμμεσα</a:t>
-            </a:r>
-            <a:r>
-              <a:rPr lang="en-US" sz="2200" dirty="0"/>
-              <a:t> side-effects</a:t>
-            </a:r>
-            <a:endParaRPr lang="el-GR" sz="2200" dirty="0"/>
-          </a:p>
-          <a:p>
-            <a:pPr marL="457200" indent="-457200">
-              <a:spcBef>
-                <a:spcPts val="1400"/>
-              </a:spcBef>
-              <a:buFont typeface="+mj-lt"/>
-              <a:buAutoNum type="arabicPeriod"/>
-            </a:pPr>
-            <a:r>
-              <a:rPr lang="el-GR" sz="2200" dirty="0"/>
-              <a:t>Μεροληψία αποφάσεων </a:t>
-            </a:r>
-            <a:r>
-              <a:rPr lang="en-US" sz="2200" dirty="0"/>
-              <a:t>(biased decisions)</a:t>
-            </a:r>
-          </a:p>
-          <a:p>
-            <a:pPr marL="457200" indent="-457200">
-              <a:spcBef>
-                <a:spcPts val="1400"/>
-              </a:spcBef>
-              <a:buFont typeface="+mj-lt"/>
-              <a:buAutoNum type="arabicPeriod"/>
-            </a:pPr>
-            <a:r>
-              <a:rPr lang="el-GR" sz="2200" dirty="0" err="1"/>
-              <a:t>Διαλειτουργικοτητα</a:t>
-            </a:r>
-            <a:endParaRPr lang="el-GR" sz="2200" dirty="0"/>
-          </a:p>
-          <a:p>
-            <a:pPr marL="0" indent="0">
-              <a:spcBef>
-                <a:spcPts val="1400"/>
-              </a:spcBef>
-              <a:buNone/>
-            </a:pPr>
-            <a:endParaRPr lang="el-GR" sz="2200" dirty="0"/>
-          </a:p>
-          <a:p>
-            <a:pPr marL="457200" indent="-457200">
-              <a:spcBef>
-                <a:spcPts val="1400"/>
-              </a:spcBef>
-              <a:buFont typeface="+mj-lt"/>
-              <a:buAutoNum type="arabicPeriod"/>
-            </a:pPr>
-            <a:endParaRPr lang="en-US" sz="2200" dirty="0"/>
+              <a:rPr lang="en-US" sz="2800" dirty="0"/>
+              <a:t>WEB3.0 &amp; Blockchain</a:t>
+            </a:r>
+          </a:p>
+          <a:p>
+            <a:r>
+              <a:rPr lang="en-US" sz="2400" dirty="0"/>
+              <a:t>Decentralization</a:t>
+            </a:r>
+          </a:p>
+          <a:p>
+            <a:r>
+              <a:rPr lang="en-US" sz="2400" dirty="0"/>
+              <a:t>Trustless Transactions</a:t>
+            </a:r>
+          </a:p>
+          <a:p>
+            <a:r>
+              <a:rPr lang="en-US" sz="2400" dirty="0"/>
+              <a:t>Smart Contracts</a:t>
+            </a:r>
+          </a:p>
+          <a:p>
+            <a:r>
+              <a:rPr lang="en-US" sz="2400" dirty="0"/>
+              <a:t>Immutable Records</a:t>
+            </a:r>
+          </a:p>
+          <a:p>
+            <a:r>
+              <a:rPr lang="en-US" sz="2400" dirty="0"/>
+              <a:t>Web3 Interoperability</a:t>
+            </a:r>
           </a:p>
         </p:txBody>
       </p:sp>
       <p:cxnSp>
         <p:nvCxnSpPr>
-          <p:cNvPr id="13" name="Connector: Elbow 12">
+          <p:cNvPr id="4" name="Straight Connector 3">
             <a:extLst>
               <a:ext uri="{FF2B5EF4-FFF2-40B4-BE49-F238E27FC236}">
-                <a16:creationId xmlns:a16="http://schemas.microsoft.com/office/drawing/2014/main" id="{36C448D0-077D-FFBA-3F5C-A592C14EBF1D}"/>
+                <a16:creationId xmlns:a16="http://schemas.microsoft.com/office/drawing/2014/main" id="{DB675A69-EC07-A519-9202-F035C670CFF5}"/>
               </a:ext>
             </a:extLst>
           </p:cNvPr>
-          <p:cNvCxnSpPr>
-            <a:cxnSpLocks/>
-          </p:cNvCxnSpPr>
+          <p:cNvCxnSpPr/>
           <p:nvPr/>
         </p:nvCxnSpPr>
         <p:spPr>
-          <a:xfrm rot="10800000">
-            <a:off x="4572000" y="3815540"/>
-            <a:ext cx="775505" cy="594418"/>
+          <a:xfrm>
+            <a:off x="4249838" y="1446757"/>
+            <a:ext cx="0" cy="4595227"/>
           </a:xfrm>
-          <a:prstGeom prst="bentConnector3">
-            <a:avLst>
-              <a:gd name="adj1" fmla="val -36567"/>
-            </a:avLst>
+          <a:prstGeom prst="line">
+            <a:avLst/>
           </a:prstGeom>
-          <a:ln>
-            <a:tailEnd type="triangle"/>
-          </a:ln>
         </p:spPr>
         <p:style>
           <a:lnRef idx="1">
@@ -11342,10 +10751,10 @@
       </p:cxnSp>
       <p:sp>
         <p:nvSpPr>
-          <p:cNvPr id="35" name="Content Placeholder 4">
+          <p:cNvPr id="5" name="Content Placeholder 4">
             <a:extLst>
               <a:ext uri="{FF2B5EF4-FFF2-40B4-BE49-F238E27FC236}">
-                <a16:creationId xmlns:a16="http://schemas.microsoft.com/office/drawing/2014/main" id="{C6496EFF-8891-2E60-6A01-B443B792F704}"/>
+                <a16:creationId xmlns:a16="http://schemas.microsoft.com/office/drawing/2014/main" id="{915847B0-37F2-11FF-77A7-2E4C183C65F0}"/>
               </a:ext>
             </a:extLst>
           </p:cNvPr>
@@ -11356,8 +10765,8 @@
         </p:nvSpPr>
         <p:spPr>
           <a:xfrm>
-            <a:off x="5868887" y="2040504"/>
-            <a:ext cx="6093548" cy="1975912"/>
+            <a:off x="4340509" y="1569292"/>
+            <a:ext cx="4606720" cy="4047785"/>
           </a:xfrm>
           <a:prstGeom prst="rect">
             <a:avLst/>
@@ -11503,274 +10912,59 @@
             </a:lvl9pPr>
           </a:lstStyle>
           <a:p>
-            <a:pPr marL="457200" indent="-457200">
+            <a:pPr marL="0" indent="0">
               <a:spcBef>
                 <a:spcPts val="1400"/>
               </a:spcBef>
-              <a:buFont typeface="+mj-lt"/>
-              <a:buAutoNum type="arabicPeriod" startAt="5"/>
+              <a:buNone/>
             </a:pPr>
             <a:r>
-              <a:rPr lang="el-GR" sz="2200" dirty="0"/>
-              <a:t>Κόστος</a:t>
-            </a:r>
-          </a:p>
-          <a:p>
-            <a:pPr marL="457200" indent="-457200">
+              <a:rPr lang="en-US" sz="2800" dirty="0"/>
+              <a:t>DAO </a:t>
+            </a:r>
+          </a:p>
+          <a:p>
+            <a:pPr>
               <a:spcBef>
                 <a:spcPts val="1400"/>
               </a:spcBef>
-              <a:buFont typeface="+mj-lt"/>
-              <a:buAutoNum type="arabicPeriod" startAt="5"/>
             </a:pPr>
             <a:r>
-              <a:rPr lang="el-GR" sz="2200" dirty="0"/>
-              <a:t>Ηθική</a:t>
-            </a:r>
-          </a:p>
-          <a:p>
-            <a:pPr marL="457200" indent="-457200">
+              <a:rPr lang="en-US" sz="2400" dirty="0"/>
+              <a:t>Decentralized decision-making</a:t>
+            </a:r>
+          </a:p>
+          <a:p>
+            <a:r>
+              <a:rPr lang="en-US" sz="2400" dirty="0"/>
+              <a:t>Transparent governance model</a:t>
+            </a:r>
+          </a:p>
+          <a:p>
+            <a:r>
+              <a:rPr lang="en-US" sz="2400" dirty="0"/>
+              <a:t>Community-driven initiatives</a:t>
+            </a:r>
+          </a:p>
+          <a:p>
+            <a:r>
+              <a:rPr lang="en-US" sz="2400" dirty="0"/>
+              <a:t>Trustless collaboration</a:t>
+            </a:r>
+          </a:p>
+          <a:p>
+            <a:r>
+              <a:rPr lang="en-US" sz="2400" dirty="0"/>
+              <a:t>Middle Management Decisions</a:t>
+            </a:r>
+          </a:p>
+          <a:p>
+            <a:pPr marL="0" indent="0">
               <a:spcBef>
                 <a:spcPts val="1400"/>
               </a:spcBef>
-              <a:buFont typeface="+mj-lt"/>
-              <a:buAutoNum type="arabicPeriod" startAt="5"/>
-            </a:pPr>
-            <a:r>
-              <a:rPr lang="el-GR" sz="2200" dirty="0"/>
-              <a:t>Κενό δεξιοτήτων</a:t>
-            </a:r>
-          </a:p>
-          <a:p>
-            <a:pPr marL="457200" indent="-457200">
-              <a:spcBef>
-                <a:spcPts val="1400"/>
-              </a:spcBef>
-              <a:buFont typeface="+mj-lt"/>
-              <a:buAutoNum type="arabicPeriod" startAt="5"/>
-            </a:pPr>
-            <a:endParaRPr lang="en-US" sz="2200" dirty="0"/>
-          </a:p>
-        </p:txBody>
-      </p:sp>
-      <p:cxnSp>
-        <p:nvCxnSpPr>
-          <p:cNvPr id="37" name="Straight Connector 36">
-            <a:extLst>
-              <a:ext uri="{FF2B5EF4-FFF2-40B4-BE49-F238E27FC236}">
-                <a16:creationId xmlns:a16="http://schemas.microsoft.com/office/drawing/2014/main" id="{711EBD2E-75FD-31E4-AA2D-22C369029003}"/>
-              </a:ext>
-            </a:extLst>
-          </p:cNvPr>
-          <p:cNvCxnSpPr/>
-          <p:nvPr/>
-        </p:nvCxnSpPr>
-        <p:spPr>
-          <a:xfrm>
-            <a:off x="5764192" y="1446757"/>
-            <a:ext cx="0" cy="4595227"/>
-          </a:xfrm>
-          <a:prstGeom prst="line">
-            <a:avLst/>
-          </a:prstGeom>
-        </p:spPr>
-        <p:style>
-          <a:lnRef idx="1">
-            <a:schemeClr val="accent1"/>
-          </a:lnRef>
-          <a:fillRef idx="0">
-            <a:schemeClr val="accent1"/>
-          </a:fillRef>
-          <a:effectRef idx="0">
-            <a:schemeClr val="accent1"/>
-          </a:effectRef>
-          <a:fontRef idx="minor">
-            <a:schemeClr val="tx1"/>
-          </a:fontRef>
-        </p:style>
-      </p:cxnSp>
-      <p:sp>
-        <p:nvSpPr>
-          <p:cNvPr id="38" name="Content Placeholder 4">
-            <a:extLst>
-              <a:ext uri="{FF2B5EF4-FFF2-40B4-BE49-F238E27FC236}">
-                <a16:creationId xmlns:a16="http://schemas.microsoft.com/office/drawing/2014/main" id="{BE49921E-D281-A370-568B-B9C112F64A41}"/>
-              </a:ext>
-            </a:extLst>
-          </p:cNvPr>
-          <p:cNvSpPr txBox="1">
-            <a:spLocks/>
-          </p:cNvSpPr>
-          <p:nvPr/>
-        </p:nvSpPr>
-        <p:spPr>
-          <a:xfrm>
-            <a:off x="5764192" y="5196358"/>
-            <a:ext cx="3831221" cy="1975912"/>
-          </a:xfrm>
-          <a:prstGeom prst="rect">
-            <a:avLst/>
-          </a:prstGeom>
-        </p:spPr>
-        <p:txBody>
-          <a:bodyPr/>
-          <a:lstStyle>
-            <a:lvl1pPr marL="342900" indent="-342900" algn="l" defTabSz="914400" rtl="0" eaLnBrk="1" latinLnBrk="0" hangingPunct="1">
-              <a:spcBef>
-                <a:spcPct val="20000"/>
-              </a:spcBef>
               <a:buFont typeface="Arial" pitchFamily="34" charset="0"/>
-              <a:buChar char="•"/>
-              <a:defRPr sz="3200" kern="1200">
-                <a:solidFill>
-                  <a:schemeClr val="tx1"/>
-                </a:solidFill>
-                <a:latin typeface="+mn-lt"/>
-                <a:ea typeface="+mn-ea"/>
-                <a:cs typeface="+mn-cs"/>
-              </a:defRPr>
-            </a:lvl1pPr>
-            <a:lvl2pPr marL="742950" indent="-285750" algn="l" defTabSz="914400" rtl="0" eaLnBrk="1" latinLnBrk="0" hangingPunct="1">
-              <a:spcBef>
-                <a:spcPct val="20000"/>
-              </a:spcBef>
-              <a:buFont typeface="Arial" pitchFamily="34" charset="0"/>
-              <a:buChar char="–"/>
-              <a:defRPr sz="2800" kern="1200">
-                <a:solidFill>
-                  <a:schemeClr val="tx1"/>
-                </a:solidFill>
-                <a:latin typeface="+mn-lt"/>
-                <a:ea typeface="+mn-ea"/>
-                <a:cs typeface="+mn-cs"/>
-              </a:defRPr>
-            </a:lvl2pPr>
-            <a:lvl3pPr marL="1143000" indent="-228600" algn="l" defTabSz="914400" rtl="0" eaLnBrk="1" latinLnBrk="0" hangingPunct="1">
-              <a:spcBef>
-                <a:spcPct val="20000"/>
-              </a:spcBef>
-              <a:buFont typeface="Arial" pitchFamily="34" charset="0"/>
-              <a:buChar char="•"/>
-              <a:defRPr sz="2400" kern="1200">
-                <a:solidFill>
-                  <a:schemeClr val="tx1"/>
-                </a:solidFill>
-                <a:latin typeface="+mn-lt"/>
-                <a:ea typeface="+mn-ea"/>
-                <a:cs typeface="+mn-cs"/>
-              </a:defRPr>
-            </a:lvl3pPr>
-            <a:lvl4pPr marL="1600200" indent="-228600" algn="l" defTabSz="914400" rtl="0" eaLnBrk="1" latinLnBrk="0" hangingPunct="1">
-              <a:spcBef>
-                <a:spcPct val="20000"/>
-              </a:spcBef>
-              <a:buFont typeface="Arial" pitchFamily="34" charset="0"/>
-              <a:buChar char="–"/>
-              <a:defRPr sz="2000" kern="1200">
-                <a:solidFill>
-                  <a:schemeClr val="tx1"/>
-                </a:solidFill>
-                <a:latin typeface="+mn-lt"/>
-                <a:ea typeface="+mn-ea"/>
-                <a:cs typeface="+mn-cs"/>
-              </a:defRPr>
-            </a:lvl4pPr>
-            <a:lvl5pPr marL="2057400" indent="-228600" algn="l" defTabSz="914400" rtl="0" eaLnBrk="1" latinLnBrk="0" hangingPunct="1">
-              <a:spcBef>
-                <a:spcPct val="20000"/>
-              </a:spcBef>
-              <a:buFont typeface="Arial" pitchFamily="34" charset="0"/>
-              <a:buChar char="»"/>
-              <a:defRPr sz="2000" kern="1200">
-                <a:solidFill>
-                  <a:schemeClr val="tx1"/>
-                </a:solidFill>
-                <a:latin typeface="+mn-lt"/>
-                <a:ea typeface="+mn-ea"/>
-                <a:cs typeface="+mn-cs"/>
-              </a:defRPr>
-            </a:lvl5pPr>
-            <a:lvl6pPr marL="2514600" indent="-228600" algn="l" defTabSz="914400" rtl="0" eaLnBrk="1" latinLnBrk="0" hangingPunct="1">
-              <a:spcBef>
-                <a:spcPct val="20000"/>
-              </a:spcBef>
-              <a:buFont typeface="Arial" pitchFamily="34" charset="0"/>
-              <a:buChar char="•"/>
-              <a:defRPr sz="2000" kern="1200">
-                <a:solidFill>
-                  <a:schemeClr val="tx1"/>
-                </a:solidFill>
-                <a:latin typeface="+mn-lt"/>
-                <a:ea typeface="+mn-ea"/>
-                <a:cs typeface="+mn-cs"/>
-              </a:defRPr>
-            </a:lvl6pPr>
-            <a:lvl7pPr marL="2971800" indent="-228600" algn="l" defTabSz="914400" rtl="0" eaLnBrk="1" latinLnBrk="0" hangingPunct="1">
-              <a:spcBef>
-                <a:spcPct val="20000"/>
-              </a:spcBef>
-              <a:buFont typeface="Arial" pitchFamily="34" charset="0"/>
-              <a:buChar char="•"/>
-              <a:defRPr sz="2000" kern="1200">
-                <a:solidFill>
-                  <a:schemeClr val="tx1"/>
-                </a:solidFill>
-                <a:latin typeface="+mn-lt"/>
-                <a:ea typeface="+mn-ea"/>
-                <a:cs typeface="+mn-cs"/>
-              </a:defRPr>
-            </a:lvl7pPr>
-            <a:lvl8pPr marL="3429000" indent="-228600" algn="l" defTabSz="914400" rtl="0" eaLnBrk="1" latinLnBrk="0" hangingPunct="1">
-              <a:spcBef>
-                <a:spcPct val="20000"/>
-              </a:spcBef>
-              <a:buFont typeface="Arial" pitchFamily="34" charset="0"/>
-              <a:buChar char="•"/>
-              <a:defRPr sz="2000" kern="1200">
-                <a:solidFill>
-                  <a:schemeClr val="tx1"/>
-                </a:solidFill>
-                <a:latin typeface="+mn-lt"/>
-                <a:ea typeface="+mn-ea"/>
-                <a:cs typeface="+mn-cs"/>
-              </a:defRPr>
-            </a:lvl8pPr>
-            <a:lvl9pPr marL="3886200" indent="-228600" algn="l" defTabSz="914400" rtl="0" eaLnBrk="1" latinLnBrk="0" hangingPunct="1">
-              <a:spcBef>
-                <a:spcPct val="20000"/>
-              </a:spcBef>
-              <a:buFont typeface="Arial" pitchFamily="34" charset="0"/>
-              <a:buChar char="•"/>
-              <a:defRPr sz="2000" kern="1200">
-                <a:solidFill>
-                  <a:schemeClr val="tx1"/>
-                </a:solidFill>
-                <a:latin typeface="+mn-lt"/>
-                <a:ea typeface="+mn-ea"/>
-                <a:cs typeface="+mn-cs"/>
-              </a:defRPr>
-            </a:lvl9pPr>
-          </a:lstStyle>
-          <a:p>
-            <a:pPr marL="457200" indent="-457200">
-              <a:spcBef>
-                <a:spcPts val="1400"/>
-              </a:spcBef>
-              <a:buFont typeface="+mj-lt"/>
-              <a:buAutoNum type="arabicPeriod" startAt="3"/>
-            </a:pPr>
-            <a:r>
-              <a:rPr lang="el-GR" sz="2200" dirty="0"/>
-              <a:t>Ασφάλεια</a:t>
-            </a:r>
-          </a:p>
-          <a:p>
-            <a:pPr marL="457200" indent="-457200">
-              <a:spcBef>
-                <a:spcPts val="1400"/>
-              </a:spcBef>
-              <a:buFont typeface="+mj-lt"/>
-              <a:buAutoNum type="arabicPeriod" startAt="3"/>
+              <a:buNone/>
             </a:pPr>
             <a:endParaRPr lang="en-US" sz="2200" dirty="0"/>
           </a:p>
@@ -11779,7 +10973,7 @@
     </p:spTree>
     <p:extLst>
       <p:ext uri="{BB962C8B-B14F-4D97-AF65-F5344CB8AC3E}">
-        <p14:creationId xmlns:p14="http://schemas.microsoft.com/office/powerpoint/2010/main" val="3520329503"/>
+        <p14:creationId xmlns:p14="http://schemas.microsoft.com/office/powerpoint/2010/main" val="52445891"/>
       </p:ext>
     </p:extLst>
   </p:cSld>
@@ -11820,8 +11014,8 @@
         </p:nvSpPr>
         <p:spPr>
           <a:xfrm>
-            <a:off x="1701476" y="354815"/>
-            <a:ext cx="5150735" cy="584775"/>
+            <a:off x="3599728" y="369539"/>
+            <a:ext cx="1747777" cy="584775"/>
           </a:xfrm>
           <a:prstGeom prst="rect">
             <a:avLst/>
@@ -11836,7 +11030,7 @@
           <a:p>
             <a:r>
               <a:rPr lang="en-US" sz="3200" b="1" dirty="0"/>
-              <a:t>WEB3.0 , DAO &amp; Blockchain</a:t>
+              <a:t>TOGAF</a:t>
             </a:r>
             <a:endParaRPr lang="el-GR" sz="3200" b="1" dirty="0"/>
           </a:p>
@@ -11860,267 +11054,13 @@
         </p:nvSpPr>
         <p:spPr>
           <a:xfrm>
-            <a:off x="104695" y="1589087"/>
-            <a:ext cx="4145140" cy="3642670"/>
+            <a:off x="104694" y="1276571"/>
+            <a:ext cx="8090181" cy="5031632"/>
           </a:xfrm>
         </p:spPr>
         <p:txBody>
           <a:bodyPr/>
           <a:lstStyle/>
-          <a:p>
-            <a:pPr marL="0" indent="0">
-              <a:spcBef>
-                <a:spcPts val="1400"/>
-              </a:spcBef>
-              <a:buNone/>
-            </a:pPr>
-            <a:r>
-              <a:rPr lang="en-US" sz="2800" dirty="0"/>
-              <a:t>WEB3.0 &amp; Blockchain</a:t>
-            </a:r>
-          </a:p>
-          <a:p>
-            <a:r>
-              <a:rPr lang="en-US" sz="2400" dirty="0"/>
-              <a:t>Decentralization</a:t>
-            </a:r>
-          </a:p>
-          <a:p>
-            <a:r>
-              <a:rPr lang="en-US" sz="2400" dirty="0"/>
-              <a:t>Trustless Transactions</a:t>
-            </a:r>
-          </a:p>
-          <a:p>
-            <a:r>
-              <a:rPr lang="en-US" sz="2400" dirty="0"/>
-              <a:t>Smart Contracts</a:t>
-            </a:r>
-          </a:p>
-          <a:p>
-            <a:r>
-              <a:rPr lang="en-US" sz="2400" dirty="0"/>
-              <a:t>Immutable Records</a:t>
-            </a:r>
-          </a:p>
-          <a:p>
-            <a:r>
-              <a:rPr lang="en-US" sz="2400" dirty="0"/>
-              <a:t>Web3 Interoperability</a:t>
-            </a:r>
-          </a:p>
-        </p:txBody>
-      </p:sp>
-      <p:cxnSp>
-        <p:nvCxnSpPr>
-          <p:cNvPr id="4" name="Straight Connector 3">
-            <a:extLst>
-              <a:ext uri="{FF2B5EF4-FFF2-40B4-BE49-F238E27FC236}">
-                <a16:creationId xmlns:a16="http://schemas.microsoft.com/office/drawing/2014/main" id="{DB675A69-EC07-A519-9202-F035C670CFF5}"/>
-              </a:ext>
-            </a:extLst>
-          </p:cNvPr>
-          <p:cNvCxnSpPr/>
-          <p:nvPr/>
-        </p:nvCxnSpPr>
-        <p:spPr>
-          <a:xfrm>
-            <a:off x="4249838" y="1446757"/>
-            <a:ext cx="0" cy="4595227"/>
-          </a:xfrm>
-          <a:prstGeom prst="line">
-            <a:avLst/>
-          </a:prstGeom>
-        </p:spPr>
-        <p:style>
-          <a:lnRef idx="1">
-            <a:schemeClr val="accent1"/>
-          </a:lnRef>
-          <a:fillRef idx="0">
-            <a:schemeClr val="accent1"/>
-          </a:fillRef>
-          <a:effectRef idx="0">
-            <a:schemeClr val="accent1"/>
-          </a:effectRef>
-          <a:fontRef idx="minor">
-            <a:schemeClr val="tx1"/>
-          </a:fontRef>
-        </p:style>
-      </p:cxnSp>
-      <p:sp>
-        <p:nvSpPr>
-          <p:cNvPr id="5" name="Content Placeholder 4">
-            <a:extLst>
-              <a:ext uri="{FF2B5EF4-FFF2-40B4-BE49-F238E27FC236}">
-                <a16:creationId xmlns:a16="http://schemas.microsoft.com/office/drawing/2014/main" id="{915847B0-37F2-11FF-77A7-2E4C183C65F0}"/>
-              </a:ext>
-            </a:extLst>
-          </p:cNvPr>
-          <p:cNvSpPr txBox="1">
-            <a:spLocks/>
-          </p:cNvSpPr>
-          <p:nvPr/>
-        </p:nvSpPr>
-        <p:spPr>
-          <a:xfrm>
-            <a:off x="4340509" y="1569292"/>
-            <a:ext cx="4606720" cy="4047785"/>
-          </a:xfrm>
-          <a:prstGeom prst="rect">
-            <a:avLst/>
-          </a:prstGeom>
-        </p:spPr>
-        <p:txBody>
-          <a:bodyPr/>
-          <a:lstStyle>
-            <a:lvl1pPr marL="342900" indent="-342900" algn="l" defTabSz="914400" rtl="0" eaLnBrk="1" latinLnBrk="0" hangingPunct="1">
-              <a:spcBef>
-                <a:spcPct val="20000"/>
-              </a:spcBef>
-              <a:buFont typeface="Arial" pitchFamily="34" charset="0"/>
-              <a:buChar char="•"/>
-              <a:defRPr sz="3200" kern="1200">
-                <a:solidFill>
-                  <a:schemeClr val="tx1"/>
-                </a:solidFill>
-                <a:latin typeface="+mn-lt"/>
-                <a:ea typeface="+mn-ea"/>
-                <a:cs typeface="+mn-cs"/>
-              </a:defRPr>
-            </a:lvl1pPr>
-            <a:lvl2pPr marL="742950" indent="-285750" algn="l" defTabSz="914400" rtl="0" eaLnBrk="1" latinLnBrk="0" hangingPunct="1">
-              <a:spcBef>
-                <a:spcPct val="20000"/>
-              </a:spcBef>
-              <a:buFont typeface="Arial" pitchFamily="34" charset="0"/>
-              <a:buChar char="–"/>
-              <a:defRPr sz="2800" kern="1200">
-                <a:solidFill>
-                  <a:schemeClr val="tx1"/>
-                </a:solidFill>
-                <a:latin typeface="+mn-lt"/>
-                <a:ea typeface="+mn-ea"/>
-                <a:cs typeface="+mn-cs"/>
-              </a:defRPr>
-            </a:lvl2pPr>
-            <a:lvl3pPr marL="1143000" indent="-228600" algn="l" defTabSz="914400" rtl="0" eaLnBrk="1" latinLnBrk="0" hangingPunct="1">
-              <a:spcBef>
-                <a:spcPct val="20000"/>
-              </a:spcBef>
-              <a:buFont typeface="Arial" pitchFamily="34" charset="0"/>
-              <a:buChar char="•"/>
-              <a:defRPr sz="2400" kern="1200">
-                <a:solidFill>
-                  <a:schemeClr val="tx1"/>
-                </a:solidFill>
-                <a:latin typeface="+mn-lt"/>
-                <a:ea typeface="+mn-ea"/>
-                <a:cs typeface="+mn-cs"/>
-              </a:defRPr>
-            </a:lvl3pPr>
-            <a:lvl4pPr marL="1600200" indent="-228600" algn="l" defTabSz="914400" rtl="0" eaLnBrk="1" latinLnBrk="0" hangingPunct="1">
-              <a:spcBef>
-                <a:spcPct val="20000"/>
-              </a:spcBef>
-              <a:buFont typeface="Arial" pitchFamily="34" charset="0"/>
-              <a:buChar char="–"/>
-              <a:defRPr sz="2000" kern="1200">
-                <a:solidFill>
-                  <a:schemeClr val="tx1"/>
-                </a:solidFill>
-                <a:latin typeface="+mn-lt"/>
-                <a:ea typeface="+mn-ea"/>
-                <a:cs typeface="+mn-cs"/>
-              </a:defRPr>
-            </a:lvl4pPr>
-            <a:lvl5pPr marL="2057400" indent="-228600" algn="l" defTabSz="914400" rtl="0" eaLnBrk="1" latinLnBrk="0" hangingPunct="1">
-              <a:spcBef>
-                <a:spcPct val="20000"/>
-              </a:spcBef>
-              <a:buFont typeface="Arial" pitchFamily="34" charset="0"/>
-              <a:buChar char="»"/>
-              <a:defRPr sz="2000" kern="1200">
-                <a:solidFill>
-                  <a:schemeClr val="tx1"/>
-                </a:solidFill>
-                <a:latin typeface="+mn-lt"/>
-                <a:ea typeface="+mn-ea"/>
-                <a:cs typeface="+mn-cs"/>
-              </a:defRPr>
-            </a:lvl5pPr>
-            <a:lvl6pPr marL="2514600" indent="-228600" algn="l" defTabSz="914400" rtl="0" eaLnBrk="1" latinLnBrk="0" hangingPunct="1">
-              <a:spcBef>
-                <a:spcPct val="20000"/>
-              </a:spcBef>
-              <a:buFont typeface="Arial" pitchFamily="34" charset="0"/>
-              <a:buChar char="•"/>
-              <a:defRPr sz="2000" kern="1200">
-                <a:solidFill>
-                  <a:schemeClr val="tx1"/>
-                </a:solidFill>
-                <a:latin typeface="+mn-lt"/>
-                <a:ea typeface="+mn-ea"/>
-                <a:cs typeface="+mn-cs"/>
-              </a:defRPr>
-            </a:lvl6pPr>
-            <a:lvl7pPr marL="2971800" indent="-228600" algn="l" defTabSz="914400" rtl="0" eaLnBrk="1" latinLnBrk="0" hangingPunct="1">
-              <a:spcBef>
-                <a:spcPct val="20000"/>
-              </a:spcBef>
-              <a:buFont typeface="Arial" pitchFamily="34" charset="0"/>
-              <a:buChar char="•"/>
-              <a:defRPr sz="2000" kern="1200">
-                <a:solidFill>
-                  <a:schemeClr val="tx1"/>
-                </a:solidFill>
-                <a:latin typeface="+mn-lt"/>
-                <a:ea typeface="+mn-ea"/>
-                <a:cs typeface="+mn-cs"/>
-              </a:defRPr>
-            </a:lvl7pPr>
-            <a:lvl8pPr marL="3429000" indent="-228600" algn="l" defTabSz="914400" rtl="0" eaLnBrk="1" latinLnBrk="0" hangingPunct="1">
-              <a:spcBef>
-                <a:spcPct val="20000"/>
-              </a:spcBef>
-              <a:buFont typeface="Arial" pitchFamily="34" charset="0"/>
-              <a:buChar char="•"/>
-              <a:defRPr sz="2000" kern="1200">
-                <a:solidFill>
-                  <a:schemeClr val="tx1"/>
-                </a:solidFill>
-                <a:latin typeface="+mn-lt"/>
-                <a:ea typeface="+mn-ea"/>
-                <a:cs typeface="+mn-cs"/>
-              </a:defRPr>
-            </a:lvl8pPr>
-            <a:lvl9pPr marL="3886200" indent="-228600" algn="l" defTabSz="914400" rtl="0" eaLnBrk="1" latinLnBrk="0" hangingPunct="1">
-              <a:spcBef>
-                <a:spcPct val="20000"/>
-              </a:spcBef>
-              <a:buFont typeface="Arial" pitchFamily="34" charset="0"/>
-              <a:buChar char="•"/>
-              <a:defRPr sz="2000" kern="1200">
-                <a:solidFill>
-                  <a:schemeClr val="tx1"/>
-                </a:solidFill>
-                <a:latin typeface="+mn-lt"/>
-                <a:ea typeface="+mn-ea"/>
-                <a:cs typeface="+mn-cs"/>
-              </a:defRPr>
-            </a:lvl9pPr>
-          </a:lstStyle>
-          <a:p>
-            <a:pPr marL="0" indent="0">
-              <a:spcBef>
-                <a:spcPts val="1400"/>
-              </a:spcBef>
-              <a:buNone/>
-            </a:pPr>
-            <a:r>
-              <a:rPr lang="en-US" sz="2800" dirty="0"/>
-              <a:t>DAO </a:t>
-            </a:r>
-          </a:p>
           <a:p>
             <a:pPr>
               <a:spcBef>
@@ -12128,50 +11068,234 @@
               </a:spcBef>
             </a:pPr>
             <a:r>
-              <a:rPr lang="en-US" sz="2400" dirty="0"/>
-              <a:t>Decentralized decision-making</a:t>
-            </a:r>
-          </a:p>
-          <a:p>
-            <a:r>
-              <a:rPr lang="en-US" sz="2400" dirty="0"/>
-              <a:t>Transparent governance model</a:t>
-            </a:r>
-          </a:p>
-          <a:p>
-            <a:r>
-              <a:rPr lang="en-US" sz="2400" dirty="0"/>
-              <a:t>Community-driven initiatives</a:t>
-            </a:r>
-          </a:p>
-          <a:p>
-            <a:r>
-              <a:rPr lang="en-US" sz="2400" dirty="0"/>
-              <a:t>Trustless collaboration</a:t>
-            </a:r>
-          </a:p>
-          <a:p>
-            <a:r>
-              <a:rPr lang="en-US" sz="2400" dirty="0"/>
-              <a:t>Middle Management Decisions</a:t>
-            </a:r>
-          </a:p>
-          <a:p>
-            <a:pPr marL="0" indent="0">
+              <a:rPr lang="en-US" sz="2200" dirty="0"/>
+              <a:t>Enterprise architecture framework</a:t>
+            </a:r>
+          </a:p>
+          <a:p>
+            <a:pPr>
               <a:spcBef>
                 <a:spcPts val="1400"/>
               </a:spcBef>
-              <a:buFont typeface="Arial" pitchFamily="34" charset="0"/>
-              <a:buNone/>
             </a:pPr>
-            <a:endParaRPr lang="en-US" sz="2200" dirty="0"/>
-          </a:p>
-        </p:txBody>
-      </p:sp>
+            <a:r>
+              <a:rPr lang="el-GR" sz="2200" dirty="0"/>
+              <a:t>Ορίζει</a:t>
+            </a:r>
+            <a:r>
+              <a:rPr lang="en-US" sz="2200" dirty="0"/>
+              <a:t> architecture development process</a:t>
+            </a:r>
+          </a:p>
+          <a:p>
+            <a:pPr>
+              <a:spcBef>
+                <a:spcPts val="1400"/>
+              </a:spcBef>
+            </a:pPr>
+            <a:r>
+              <a:rPr lang="el-GR" sz="2200" dirty="0"/>
+              <a:t>Αποτελείται από</a:t>
+            </a:r>
+            <a:r>
+              <a:rPr lang="en-US" sz="2200" dirty="0"/>
+              <a:t> </a:t>
+            </a:r>
+            <a:r>
+              <a:rPr lang="el-GR" sz="2200" dirty="0"/>
+              <a:t>4 </a:t>
+            </a:r>
+            <a:r>
+              <a:rPr lang="en-US" sz="2200" dirty="0"/>
+              <a:t>domains</a:t>
+            </a:r>
+          </a:p>
+          <a:p>
+            <a:pPr>
+              <a:spcBef>
+                <a:spcPts val="1400"/>
+              </a:spcBef>
+            </a:pPr>
+            <a:r>
+              <a:rPr lang="en-US" sz="2200" dirty="0"/>
+              <a:t>Business, data, application, technology</a:t>
+            </a:r>
+          </a:p>
+          <a:p>
+            <a:pPr>
+              <a:spcBef>
+                <a:spcPts val="1400"/>
+              </a:spcBef>
+            </a:pPr>
+            <a:r>
+              <a:rPr lang="el-GR" sz="2200" dirty="0"/>
+              <a:t>Υποστηρίζει</a:t>
+            </a:r>
+            <a:r>
+              <a:rPr lang="en-US" sz="2200" dirty="0"/>
+              <a:t> business objectives</a:t>
+            </a:r>
+          </a:p>
+          <a:p>
+            <a:pPr>
+              <a:spcBef>
+                <a:spcPts val="1400"/>
+              </a:spcBef>
+            </a:pPr>
+            <a:r>
+              <a:rPr lang="el-GR" sz="2200" dirty="0"/>
+              <a:t>Βελτιώνει</a:t>
+            </a:r>
+            <a:r>
+              <a:rPr lang="en-US" sz="2200" dirty="0"/>
+              <a:t> IT effectiveness</a:t>
+            </a:r>
+          </a:p>
+          <a:p>
+            <a:pPr>
+              <a:spcBef>
+                <a:spcPts val="1400"/>
+              </a:spcBef>
+            </a:pPr>
+            <a:r>
+              <a:rPr lang="el-GR" sz="2200" dirty="0"/>
+              <a:t>Ενισχύει</a:t>
+            </a:r>
+            <a:r>
+              <a:rPr lang="en-US" sz="2200" dirty="0"/>
+              <a:t> interoperability </a:t>
+            </a:r>
+            <a:r>
+              <a:rPr lang="el-GR" sz="2200" dirty="0"/>
+              <a:t>και</a:t>
+            </a:r>
+            <a:r>
+              <a:rPr lang="en-US" sz="2200" dirty="0"/>
+              <a:t> flexibility</a:t>
+            </a:r>
+          </a:p>
+          <a:p>
+            <a:pPr>
+              <a:spcBef>
+                <a:spcPts val="1400"/>
+              </a:spcBef>
+            </a:pPr>
+            <a:r>
+              <a:rPr lang="el-GR" sz="2200" dirty="0"/>
+              <a:t>Παρέχει</a:t>
+            </a:r>
+            <a:r>
+              <a:rPr lang="en-US" sz="2200" dirty="0"/>
+              <a:t> </a:t>
+            </a:r>
+            <a:r>
+              <a:rPr lang="el-GR" sz="2200" dirty="0"/>
+              <a:t>καλύτερο</a:t>
+            </a:r>
+            <a:r>
+              <a:rPr lang="en-US" sz="2200" dirty="0"/>
+              <a:t> decision-making</a:t>
+            </a:r>
+          </a:p>
+          <a:p>
+            <a:pPr>
+              <a:spcBef>
+                <a:spcPts val="1400"/>
+              </a:spcBef>
+            </a:pPr>
+            <a:r>
+              <a:rPr lang="el-GR" sz="2200" dirty="0"/>
+              <a:t>Υποστηρίζει</a:t>
+            </a:r>
+            <a:r>
+              <a:rPr lang="en-US" sz="2200" dirty="0"/>
+              <a:t> governance </a:t>
+            </a:r>
+            <a:r>
+              <a:rPr lang="el-GR" sz="2200" dirty="0"/>
+              <a:t>και</a:t>
+            </a:r>
+            <a:r>
+              <a:rPr lang="en-US" sz="2200" dirty="0"/>
+              <a:t> compliance</a:t>
+            </a:r>
+          </a:p>
+          <a:p>
+            <a:pPr>
+              <a:spcBef>
+                <a:spcPts val="1400"/>
+              </a:spcBef>
+            </a:pPr>
+            <a:r>
+              <a:rPr lang="el-GR" sz="2200" dirty="0"/>
+              <a:t>Προσαρμόζεται</a:t>
+            </a:r>
+            <a:r>
+              <a:rPr lang="en-US" sz="2200" dirty="0"/>
+              <a:t> </a:t>
+            </a:r>
+            <a:r>
+              <a:rPr lang="el-GR" sz="2200" dirty="0"/>
+              <a:t>στις ανάγκες του </a:t>
+            </a:r>
+            <a:r>
+              <a:rPr lang="en-US" sz="2200" dirty="0"/>
+              <a:t>organization</a:t>
+            </a:r>
+          </a:p>
+        </p:txBody>
+      </p:sp>
+      <p:pic>
+        <p:nvPicPr>
+          <p:cNvPr id="3074" name="Picture 2">
+            <a:extLst>
+              <a:ext uri="{FF2B5EF4-FFF2-40B4-BE49-F238E27FC236}">
+                <a16:creationId xmlns:a16="http://schemas.microsoft.com/office/drawing/2014/main" id="{25295398-1719-58D9-F412-E3AF35BA9E50}"/>
+              </a:ext>
+            </a:extLst>
+          </p:cNvPr>
+          <p:cNvPicPr>
+            <a:picLocks noChangeAspect="1" noChangeArrowheads="1"/>
+          </p:cNvPicPr>
+          <p:nvPr/>
+        </p:nvPicPr>
+        <p:blipFill>
+          <a:blip r:embed="rId3">
+            <a:extLst>
+              <a:ext uri="{28A0092B-C50C-407E-A947-70E740481C1C}">
+                <a14:useLocalDpi xmlns:a14="http://schemas.microsoft.com/office/drawing/2010/main" val="0"/>
+              </a:ext>
+            </a:extLst>
+          </a:blip>
+          <a:srcRect/>
+          <a:stretch>
+            <a:fillRect/>
+          </a:stretch>
+        </p:blipFill>
+        <p:spPr bwMode="auto">
+          <a:xfrm>
+            <a:off x="5150916" y="2285307"/>
+            <a:ext cx="3374567" cy="2287386"/>
+          </a:xfrm>
+          <a:prstGeom prst="rect">
+            <a:avLst/>
+          </a:prstGeom>
+          <a:noFill/>
+          <a:extLst>
+            <a:ext uri="{909E8E84-426E-40DD-AFC4-6F175D3DCCD1}">
+              <a14:hiddenFill xmlns:a14="http://schemas.microsoft.com/office/drawing/2010/main">
+                <a:solidFill>
+                  <a:srgbClr val="FFFFFF"/>
+                </a:solidFill>
+              </a14:hiddenFill>
+            </a:ext>
+          </a:extLst>
+        </p:spPr>
+      </p:pic>
     </p:spTree>
     <p:extLst>
       <p:ext uri="{BB962C8B-B14F-4D97-AF65-F5344CB8AC3E}">
-        <p14:creationId xmlns:p14="http://schemas.microsoft.com/office/powerpoint/2010/main" val="52445891"/>
+        <p14:creationId xmlns:p14="http://schemas.microsoft.com/office/powerpoint/2010/main" val="245166726"/>
       </p:ext>
     </p:extLst>
   </p:cSld>
@@ -12212,8 +11336,8 @@
         </p:nvSpPr>
         <p:spPr>
           <a:xfrm>
-            <a:off x="3599728" y="369539"/>
-            <a:ext cx="1747777" cy="584775"/>
+            <a:off x="3906456" y="369539"/>
+            <a:ext cx="1053296" cy="584775"/>
           </a:xfrm>
           <a:prstGeom prst="rect">
             <a:avLst/>
@@ -12228,7 +11352,7 @@
           <a:p>
             <a:r>
               <a:rPr lang="en-US" sz="3200" b="1" dirty="0"/>
-              <a:t>TOGAF</a:t>
+              <a:t>ITIL</a:t>
             </a:r>
             <a:endParaRPr lang="el-GR" sz="3200" b="1" dirty="0"/>
           </a:p>
@@ -12252,8 +11376,8 @@
         </p:nvSpPr>
         <p:spPr>
           <a:xfrm>
-            <a:off x="104694" y="1276571"/>
-            <a:ext cx="8090181" cy="5031632"/>
+            <a:off x="104695" y="1202551"/>
+            <a:ext cx="8541594" cy="4452897"/>
           </a:xfrm>
         </p:spPr>
         <p:txBody>
@@ -12267,7 +11391,7 @@
             </a:pPr>
             <a:r>
               <a:rPr lang="en-US" sz="2200" dirty="0"/>
-              <a:t>Enterprise architecture framework</a:t>
+              <a:t>IT service management framework</a:t>
             </a:r>
           </a:p>
           <a:p>
@@ -12278,7 +11402,7 @@
             </a:pPr>
             <a:r>
               <a:rPr lang="en-US" sz="2200" dirty="0"/>
-              <a:t>Defines architecture development process</a:t>
+              <a:t>Best practices for ITSM</a:t>
             </a:r>
           </a:p>
           <a:p>
@@ -12289,7 +11413,7 @@
             </a:pPr>
             <a:r>
               <a:rPr lang="en-US" sz="2200" dirty="0"/>
-              <a:t>Consists of four domains</a:t>
+              <a:t>Aligns IT with business needs</a:t>
             </a:r>
           </a:p>
           <a:p>
@@ -12300,7 +11424,7 @@
             </a:pPr>
             <a:r>
               <a:rPr lang="en-US" sz="2200" dirty="0"/>
-              <a:t>Business, data, application, technology</a:t>
+              <a:t>Improves service quality</a:t>
             </a:r>
           </a:p>
           <a:p>
@@ -12311,7 +11435,7 @@
             </a:pPr>
             <a:r>
               <a:rPr lang="en-US" sz="2200" dirty="0"/>
-              <a:t>Supports business objectives</a:t>
+              <a:t>Reduces IT costs</a:t>
             </a:r>
           </a:p>
           <a:p>
@@ -12322,7 +11446,7 @@
             </a:pPr>
             <a:r>
               <a:rPr lang="en-US" sz="2200" dirty="0"/>
-              <a:t>Improves IT effectiveness</a:t>
+              <a:t>Enhances customer satisfaction</a:t>
             </a:r>
           </a:p>
           <a:p>
@@ -12333,7 +11457,7 @@
             </a:pPr>
             <a:r>
               <a:rPr lang="en-US" sz="2200" dirty="0"/>
-              <a:t>Enhances interoperability and flexibility</a:t>
+              <a:t>Focuses on continual improvement</a:t>
             </a:r>
           </a:p>
           <a:p>
@@ -12344,7 +11468,7 @@
             </a:pPr>
             <a:r>
               <a:rPr lang="en-US" sz="2200" dirty="0"/>
-              <a:t>Enables better decision-making</a:t>
+              <a:t>Provides a common language</a:t>
             </a:r>
           </a:p>
           <a:p>
@@ -12355,7 +11479,7 @@
             </a:pPr>
             <a:r>
               <a:rPr lang="en-US" sz="2200" dirty="0"/>
-              <a:t>Supports governance and compliance</a:t>
+              <a:t>Defines roles and responsibilities</a:t>
             </a:r>
           </a:p>
           <a:p>
@@ -12366,15 +11490,62 @@
             </a:pPr>
             <a:r>
               <a:rPr lang="en-US" sz="2200" dirty="0"/>
-              <a:t>Adaptable to organization's needs</a:t>
-            </a:r>
-          </a:p>
-        </p:txBody>
-      </p:sp>
+              <a:t>Enables efficient IT operations</a:t>
+            </a:r>
+          </a:p>
+        </p:txBody>
+      </p:sp>
+      <p:pic>
+        <p:nvPicPr>
+          <p:cNvPr id="4098" name="Picture 2">
+            <a:extLst>
+              <a:ext uri="{FF2B5EF4-FFF2-40B4-BE49-F238E27FC236}">
+                <a16:creationId xmlns:a16="http://schemas.microsoft.com/office/drawing/2014/main" id="{13744715-0121-D4DA-624D-BB3C7FF0EF75}"/>
+              </a:ext>
+            </a:extLst>
+          </p:cNvPr>
+          <p:cNvPicPr>
+            <a:picLocks noChangeAspect="1" noChangeArrowheads="1"/>
+          </p:cNvPicPr>
+          <p:nvPr/>
+        </p:nvPicPr>
+        <p:blipFill>
+          <a:blip r:embed="rId3">
+            <a:extLst>
+              <a:ext uri="{28A0092B-C50C-407E-A947-70E740481C1C}">
+                <a14:useLocalDpi xmlns:a14="http://schemas.microsoft.com/office/drawing/2010/main" val="0"/>
+              </a:ext>
+            </a:extLst>
+          </a:blip>
+          <a:srcRect/>
+          <a:stretch>
+            <a:fillRect/>
+          </a:stretch>
+        </p:blipFill>
+        <p:spPr bwMode="auto">
+          <a:xfrm>
+            <a:off x="4572000" y="2058857"/>
+            <a:ext cx="3805236" cy="2686764"/>
+          </a:xfrm>
+          <a:prstGeom prst="rect">
+            <a:avLst/>
+          </a:prstGeom>
+          <a:noFill/>
+          <a:extLst>
+            <a:ext uri="{909E8E84-426E-40DD-AFC4-6F175D3DCCD1}">
+              <a14:hiddenFill xmlns:a14="http://schemas.microsoft.com/office/drawing/2010/main">
+                <a:solidFill>
+                  <a:srgbClr val="FFFFFF"/>
+                </a:solidFill>
+              </a14:hiddenFill>
+            </a:ext>
+          </a:extLst>
+        </p:spPr>
+      </p:pic>
     </p:spTree>
     <p:extLst>
       <p:ext uri="{BB962C8B-B14F-4D97-AF65-F5344CB8AC3E}">
-        <p14:creationId xmlns:p14="http://schemas.microsoft.com/office/powerpoint/2010/main" val="245166726"/>
+        <p14:creationId xmlns:p14="http://schemas.microsoft.com/office/powerpoint/2010/main" val="1743719545"/>
       </p:ext>
     </p:extLst>
   </p:cSld>
@@ -12415,8 +11586,8 @@
         </p:nvSpPr>
         <p:spPr>
           <a:xfrm>
-            <a:off x="3906456" y="369539"/>
-            <a:ext cx="1053296" cy="584775"/>
+            <a:off x="3750197" y="369539"/>
+            <a:ext cx="1099595" cy="584775"/>
           </a:xfrm>
           <a:prstGeom prst="rect">
             <a:avLst/>
@@ -12430,8 +11601,8 @@
           <a:lstStyle/>
           <a:p>
             <a:r>
-              <a:rPr lang="en-US" sz="3200" b="1" dirty="0"/>
-              <a:t>ITIL</a:t>
+              <a:rPr lang="en-US" sz="3200" b="1" dirty="0" err="1"/>
+              <a:t>SAFe</a:t>
             </a:r>
             <a:endParaRPr lang="el-GR" sz="3200" b="1" dirty="0"/>
           </a:p>
@@ -12455,8 +11626,8 @@
         </p:nvSpPr>
         <p:spPr>
           <a:xfrm>
-            <a:off x="104695" y="1202551"/>
-            <a:ext cx="8541594" cy="4452897"/>
+            <a:off x="104695" y="1102950"/>
+            <a:ext cx="8587892" cy="5089506"/>
           </a:xfrm>
         </p:spPr>
         <p:txBody>
@@ -12470,7 +11641,15 @@
             </a:pPr>
             <a:r>
               <a:rPr lang="en-US" sz="2200" dirty="0"/>
-              <a:t>IT service management framework</a:t>
+              <a:t>Framework </a:t>
+            </a:r>
+            <a:r>
+              <a:rPr lang="el-GR" sz="2200" dirty="0"/>
+              <a:t>για</a:t>
+            </a:r>
+            <a:r>
+              <a:rPr lang="en-US" sz="2200" dirty="0"/>
+              <a:t> Agile development</a:t>
             </a:r>
           </a:p>
           <a:p>
@@ -12480,8 +11659,12 @@
               </a:spcBef>
             </a:pPr>
             <a:r>
+              <a:rPr lang="el-GR" sz="2200" dirty="0"/>
+              <a:t>Υποστήριξη</a:t>
+            </a:r>
+            <a:r>
               <a:rPr lang="en-US" sz="2200" dirty="0"/>
-              <a:t>Best practices for ITSM</a:t>
+              <a:t> large-scale enterprises</a:t>
             </a:r>
           </a:p>
           <a:p>
@@ -12491,9 +11674,14 @@
               </a:spcBef>
             </a:pPr>
             <a:r>
+              <a:rPr lang="el-GR" sz="2200" dirty="0"/>
+              <a:t>Βασίζεται στις αρχές </a:t>
+            </a:r>
+            <a:r>
               <a:rPr lang="en-US" sz="2200" dirty="0"/>
-              <a:t>Aligns IT with business needs</a:t>
-            </a:r>
+              <a:t>Agile</a:t>
+            </a:r>
+            <a:endParaRPr lang="el-GR" sz="2200" dirty="0"/>
           </a:p>
           <a:p>
             <a:pPr>
@@ -12502,8 +11690,20 @@
               </a:spcBef>
             </a:pPr>
             <a:r>
+              <a:rPr lang="el-GR" sz="2200" dirty="0"/>
+              <a:t>Επιτρέπει</a:t>
+            </a:r>
+            <a:r>
               <a:rPr lang="en-US" sz="2200" dirty="0"/>
-              <a:t>Improves service quality</a:t>
+              <a:t> collaboration </a:t>
+            </a:r>
+            <a:r>
+              <a:rPr lang="el-GR" sz="2200" dirty="0"/>
+              <a:t>και</a:t>
+            </a:r>
+            <a:r>
+              <a:rPr lang="en-US" sz="2200" dirty="0"/>
+              <a:t> alignment</a:t>
             </a:r>
           </a:p>
           <a:p>
@@ -12513,8 +11713,20 @@
               </a:spcBef>
             </a:pPr>
             <a:r>
+              <a:rPr lang="el-GR" sz="2200" dirty="0"/>
+              <a:t>Παρέχει</a:t>
+            </a:r>
+            <a:r>
               <a:rPr lang="en-US" sz="2200" dirty="0"/>
-              <a:t>Reduces IT costs</a:t>
+              <a:t> continuous delivery </a:t>
+            </a:r>
+            <a:r>
+              <a:rPr lang="el-GR" sz="2200" dirty="0"/>
+              <a:t>και</a:t>
+            </a:r>
+            <a:r>
+              <a:rPr lang="en-US" sz="2200" dirty="0"/>
+              <a:t> integration</a:t>
             </a:r>
           </a:p>
           <a:p>
@@ -12524,8 +11736,12 @@
               </a:spcBef>
             </a:pPr>
             <a:r>
+              <a:rPr lang="el-GR" sz="2200" dirty="0"/>
+              <a:t>Δίνει έμφαση σε</a:t>
+            </a:r>
+            <a:r>
               <a:rPr lang="en-US" sz="2200" dirty="0"/>
-              <a:t>Enhances customer satisfaction</a:t>
+              <a:t> lean thinking</a:t>
             </a:r>
           </a:p>
           <a:p>
@@ -12535,8 +11751,20 @@
               </a:spcBef>
             </a:pPr>
             <a:r>
+              <a:rPr lang="el-GR" sz="2200" dirty="0"/>
+              <a:t>Βελτιώνει</a:t>
+            </a:r>
+            <a:r>
               <a:rPr lang="en-US" sz="2200" dirty="0"/>
-              <a:t>Focuses on continual improvement</a:t>
+              <a:t> productivity </a:t>
+            </a:r>
+            <a:r>
+              <a:rPr lang="el-GR" sz="2200" dirty="0"/>
+              <a:t>και</a:t>
+            </a:r>
+            <a:r>
+              <a:rPr lang="en-US" sz="2200" dirty="0"/>
+              <a:t> quality</a:t>
             </a:r>
           </a:p>
           <a:p>
@@ -12546,8 +11774,12 @@
               </a:spcBef>
             </a:pPr>
             <a:r>
+              <a:rPr lang="el-GR" sz="2200" dirty="0"/>
+              <a:t>Ενισχύει</a:t>
+            </a:r>
+            <a:r>
               <a:rPr lang="en-US" sz="2200" dirty="0"/>
-              <a:t>Provides a common language</a:t>
+              <a:t> customer satisfaction</a:t>
             </a:r>
           </a:p>
           <a:p>
@@ -12557,8 +11789,20 @@
               </a:spcBef>
             </a:pPr>
             <a:r>
+              <a:rPr lang="el-GR" sz="2200" dirty="0"/>
+              <a:t>Προάγει</a:t>
+            </a:r>
+            <a:r>
               <a:rPr lang="en-US" sz="2200" dirty="0"/>
-              <a:t>Defines roles and responsibilities</a:t>
+              <a:t> transparency </a:t>
+            </a:r>
+            <a:r>
+              <a:rPr lang="el-GR" sz="2200" dirty="0"/>
+              <a:t>και</a:t>
+            </a:r>
+            <a:r>
+              <a:rPr lang="en-US" sz="2200" dirty="0"/>
+              <a:t> visibility</a:t>
             </a:r>
           </a:p>
           <a:p>
@@ -12568,211 +11812,20 @@
               </a:spcBef>
             </a:pPr>
             <a:r>
+              <a:rPr lang="el-GR" sz="2200" dirty="0"/>
+              <a:t>Υποστηρίζει</a:t>
+            </a:r>
+            <a:r>
               <a:rPr lang="en-US" sz="2200" dirty="0"/>
-              <a:t>Enables efficient IT operations</a:t>
-            </a:r>
-          </a:p>
-        </p:txBody>
-      </p:sp>
-    </p:spTree>
-    <p:extLst>
-      <p:ext uri="{BB962C8B-B14F-4D97-AF65-F5344CB8AC3E}">
-        <p14:creationId xmlns:p14="http://schemas.microsoft.com/office/powerpoint/2010/main" val="1743719545"/>
-      </p:ext>
-    </p:extLst>
-  </p:cSld>
-  <p:clrMapOvr>
-    <a:masterClrMapping/>
-  </p:clrMapOvr>
-</p:sld>
-</file>
-
-<file path=ppt/slides/slide14.xml><?xml version="1.0" encoding="utf-8"?>
-<p:sld xmlns:a="http://schemas.openxmlformats.org/drawingml/2006/main" xmlns:r="http://schemas.openxmlformats.org/officeDocument/2006/relationships" xmlns:p="http://schemas.openxmlformats.org/presentationml/2006/main">
-  <p:cSld>
-    <p:spTree>
-      <p:nvGrpSpPr>
-        <p:cNvPr id="1" name=""/>
-        <p:cNvGrpSpPr/>
-        <p:nvPr/>
-      </p:nvGrpSpPr>
-      <p:grpSpPr>
-        <a:xfrm>
-          <a:off x="0" y="0"/>
-          <a:ext cx="0" cy="0"/>
-          <a:chOff x="0" y="0"/>
-          <a:chExt cx="0" cy="0"/>
-        </a:xfrm>
-      </p:grpSpPr>
-      <p:sp>
-        <p:nvSpPr>
-          <p:cNvPr id="3" name="TextBox 2">
-            <a:extLst>
-              <a:ext uri="{FF2B5EF4-FFF2-40B4-BE49-F238E27FC236}">
-                <a16:creationId xmlns:a16="http://schemas.microsoft.com/office/drawing/2014/main" id="{D15741E5-C777-6456-36F8-B560F1454D74}"/>
-              </a:ext>
-            </a:extLst>
-          </p:cNvPr>
-          <p:cNvSpPr txBox="1"/>
-          <p:nvPr/>
-        </p:nvSpPr>
-        <p:spPr>
-          <a:xfrm>
-            <a:off x="3750197" y="369539"/>
-            <a:ext cx="1099595" cy="584775"/>
-          </a:xfrm>
-          <a:prstGeom prst="rect">
-            <a:avLst/>
-          </a:prstGeom>
-          <a:noFill/>
-        </p:spPr>
-        <p:txBody>
-          <a:bodyPr wrap="square">
-            <a:spAutoFit/>
-          </a:bodyPr>
-          <a:lstStyle/>
-          <a:p>
-            <a:r>
-              <a:rPr lang="en-US" sz="3200" b="1" dirty="0" err="1"/>
-              <a:t>SAFe</a:t>
-            </a:r>
-            <a:endParaRPr lang="el-GR" sz="3200" b="1" dirty="0"/>
-          </a:p>
-        </p:txBody>
-      </p:sp>
-      <p:sp>
-        <p:nvSpPr>
-          <p:cNvPr id="2" name="Content Placeholder 4">
-            <a:extLst>
-              <a:ext uri="{FF2B5EF4-FFF2-40B4-BE49-F238E27FC236}">
-                <a16:creationId xmlns:a16="http://schemas.microsoft.com/office/drawing/2014/main" id="{AEDCCD92-4C90-F488-E81C-9A8D0AB7B42C}"/>
-              </a:ext>
-            </a:extLst>
-          </p:cNvPr>
-          <p:cNvSpPr>
-            <a:spLocks noGrp="1"/>
-          </p:cNvSpPr>
-          <p:nvPr>
-            <p:ph idx="1"/>
-          </p:nvPr>
-        </p:nvSpPr>
-        <p:spPr>
-          <a:xfrm>
-            <a:off x="104695" y="1102950"/>
-            <a:ext cx="8587892" cy="5089506"/>
-          </a:xfrm>
-        </p:spPr>
-        <p:txBody>
-          <a:bodyPr/>
-          <a:lstStyle/>
-          <a:p>
-            <a:pPr>
-              <a:spcBef>
-                <a:spcPts val="1400"/>
-              </a:spcBef>
-            </a:pPr>
+              <a:t> multiple teams </a:t>
+            </a:r>
+            <a:r>
+              <a:rPr lang="el-GR" sz="2200" dirty="0"/>
+              <a:t>και</a:t>
+            </a:r>
             <a:r>
               <a:rPr lang="en-US" sz="2200" dirty="0"/>
-              <a:t>Framework for Agile development</a:t>
-            </a:r>
-          </a:p>
-          <a:p>
-            <a:pPr>
-              <a:spcBef>
-                <a:spcPts val="1400"/>
-              </a:spcBef>
-            </a:pPr>
-            <a:r>
-              <a:rPr lang="en-US" sz="2200" dirty="0"/>
-              <a:t>Supports large-scale enterprises</a:t>
-            </a:r>
-          </a:p>
-          <a:p>
-            <a:pPr>
-              <a:spcBef>
-                <a:spcPts val="1400"/>
-              </a:spcBef>
-            </a:pPr>
-            <a:r>
-              <a:rPr lang="en-US" sz="2200" dirty="0"/>
-              <a:t>Builds on Agile principles</a:t>
-            </a:r>
-          </a:p>
-          <a:p>
-            <a:pPr>
-              <a:spcBef>
-                <a:spcPts val="1400"/>
-              </a:spcBef>
-            </a:pPr>
-            <a:r>
-              <a:rPr lang="en-US" sz="2200" dirty="0"/>
-              <a:t>Enables collaboration and alignment</a:t>
-            </a:r>
-          </a:p>
-          <a:p>
-            <a:pPr>
-              <a:spcBef>
-                <a:spcPts val="1400"/>
-              </a:spcBef>
-            </a:pPr>
-            <a:r>
-              <a:rPr lang="en-US" sz="2200" dirty="0"/>
-              <a:t>Provides continuous delivery and integration</a:t>
-            </a:r>
-          </a:p>
-          <a:p>
-            <a:pPr>
-              <a:spcBef>
-                <a:spcPts val="1400"/>
-              </a:spcBef>
-            </a:pPr>
-            <a:r>
-              <a:rPr lang="en-US" sz="2200" dirty="0"/>
-              <a:t>Emphasizes lean thinking</a:t>
-            </a:r>
-          </a:p>
-          <a:p>
-            <a:pPr>
-              <a:spcBef>
-                <a:spcPts val="1400"/>
-              </a:spcBef>
-            </a:pPr>
-            <a:r>
-              <a:rPr lang="en-US" sz="2200" dirty="0"/>
-              <a:t>Improves productivity and quality</a:t>
-            </a:r>
-          </a:p>
-          <a:p>
-            <a:pPr>
-              <a:spcBef>
-                <a:spcPts val="1400"/>
-              </a:spcBef>
-            </a:pPr>
-            <a:r>
-              <a:rPr lang="en-US" sz="2200" dirty="0"/>
-              <a:t>Enhances customer satisfaction</a:t>
-            </a:r>
-          </a:p>
-          <a:p>
-            <a:pPr>
-              <a:spcBef>
-                <a:spcPts val="1400"/>
-              </a:spcBef>
-            </a:pPr>
-            <a:r>
-              <a:rPr lang="en-US" sz="2200" dirty="0"/>
-              <a:t>Promotes transparency and visibility</a:t>
-            </a:r>
-          </a:p>
-          <a:p>
-            <a:pPr>
-              <a:spcBef>
-                <a:spcPts val="1400"/>
-              </a:spcBef>
-            </a:pPr>
-            <a:r>
-              <a:rPr lang="en-US" sz="2200" dirty="0"/>
-              <a:t>Supports multiple teams and projects</a:t>
+              <a:t> projects</a:t>
             </a:r>
           </a:p>
         </p:txBody>
@@ -12790,160 +11843,7 @@
 </p:sld>
 </file>
 
-<file path=ppt/slides/slide15.xml><?xml version="1.0" encoding="utf-8"?>
-<p:sld xmlns:a="http://schemas.openxmlformats.org/drawingml/2006/main" xmlns:r="http://schemas.openxmlformats.org/officeDocument/2006/relationships" xmlns:p="http://schemas.openxmlformats.org/presentationml/2006/main" show="0">
-  <p:cSld>
-    <p:spTree>
-      <p:nvGrpSpPr>
-        <p:cNvPr id="1" name=""/>
-        <p:cNvGrpSpPr/>
-        <p:nvPr/>
-      </p:nvGrpSpPr>
-      <p:grpSpPr>
-        <a:xfrm>
-          <a:off x="0" y="0"/>
-          <a:ext cx="0" cy="0"/>
-          <a:chOff x="0" y="0"/>
-          <a:chExt cx="0" cy="0"/>
-        </a:xfrm>
-      </p:grpSpPr>
-      <p:sp>
-        <p:nvSpPr>
-          <p:cNvPr id="3" name="TextBox 2">
-            <a:extLst>
-              <a:ext uri="{FF2B5EF4-FFF2-40B4-BE49-F238E27FC236}">
-                <a16:creationId xmlns:a16="http://schemas.microsoft.com/office/drawing/2014/main" id="{D15741E5-C777-6456-36F8-B560F1454D74}"/>
-              </a:ext>
-            </a:extLst>
-          </p:cNvPr>
-          <p:cNvSpPr txBox="1"/>
-          <p:nvPr/>
-        </p:nvSpPr>
-        <p:spPr>
-          <a:xfrm>
-            <a:off x="494818" y="426033"/>
-            <a:ext cx="6172200" cy="1077218"/>
-          </a:xfrm>
-          <a:prstGeom prst="rect">
-            <a:avLst/>
-          </a:prstGeom>
-          <a:noFill/>
-        </p:spPr>
-        <p:txBody>
-          <a:bodyPr wrap="square">
-            <a:spAutoFit/>
-          </a:bodyPr>
-          <a:lstStyle/>
-          <a:p>
-            <a:pPr>
-              <a:spcBef>
-                <a:spcPts val="1400"/>
-              </a:spcBef>
-            </a:pPr>
-            <a:r>
-              <a:rPr lang="el-GR" sz="3200" b="1" dirty="0"/>
-              <a:t>Δυνατότητα μεταμόρφωσης και ανάπτυξης</a:t>
-            </a:r>
-          </a:p>
-        </p:txBody>
-      </p:sp>
-      <p:sp>
-        <p:nvSpPr>
-          <p:cNvPr id="2" name="Content Placeholder 4">
-            <a:extLst>
-              <a:ext uri="{FF2B5EF4-FFF2-40B4-BE49-F238E27FC236}">
-                <a16:creationId xmlns:a16="http://schemas.microsoft.com/office/drawing/2014/main" id="{CA963E5B-479A-A060-880B-767754E703D4}"/>
-              </a:ext>
-            </a:extLst>
-          </p:cNvPr>
-          <p:cNvSpPr>
-            <a:spLocks noGrp="1"/>
-          </p:cNvSpPr>
-          <p:nvPr>
-            <p:ph idx="1"/>
-          </p:nvPr>
-        </p:nvSpPr>
-        <p:spPr>
-          <a:xfrm>
-            <a:off x="365125" y="1589088"/>
-            <a:ext cx="8229600" cy="4525962"/>
-          </a:xfrm>
-        </p:spPr>
-        <p:txBody>
-          <a:bodyPr/>
-          <a:lstStyle/>
-          <a:p>
-            <a:pPr marL="457200" indent="-457200">
-              <a:spcBef>
-                <a:spcPts val="1400"/>
-              </a:spcBef>
-              <a:buFont typeface="+mj-lt"/>
-              <a:buAutoNum type="arabicPeriod"/>
-            </a:pPr>
-            <a:r>
-              <a:rPr lang="el-GR" sz="2200" dirty="0"/>
-              <a:t>Οι αναδυόμενες τεχνολογίες όπως το DAO, το WEB3.0 και το </a:t>
-            </a:r>
-            <a:r>
-              <a:rPr lang="el-GR" sz="2200" dirty="0" err="1"/>
-              <a:t>blockchain</a:t>
-            </a:r>
-            <a:r>
-              <a:rPr lang="el-GR" sz="2200" dirty="0"/>
-              <a:t> μπορούν να μεταμορφώσουν τις παγκόσμιες επιχειρηματικές δραστηριότητες.</a:t>
-            </a:r>
-          </a:p>
-          <a:p>
-            <a:pPr marL="457200" indent="-457200">
-              <a:spcBef>
-                <a:spcPts val="1400"/>
-              </a:spcBef>
-              <a:buFont typeface="+mj-lt"/>
-              <a:buAutoNum type="arabicPeriod"/>
-            </a:pPr>
-            <a:r>
-              <a:rPr lang="el-GR" sz="2200" dirty="0"/>
-              <a:t>Η εφαρμογή </a:t>
-            </a:r>
-            <a:r>
-              <a:rPr lang="el-GR" sz="2200" dirty="0" err="1"/>
-              <a:t>blockchain</a:t>
-            </a:r>
-            <a:r>
-              <a:rPr lang="el-GR" sz="2200" dirty="0"/>
-              <a:t> στη διαχείριση της εφοδιαστικής αλυσίδας μπορεί να αυξήσει την αποτελεσματικότητα, τη διαφάνεια, την εξοικονόμηση κόστους και την ικανοποίηση των πελατών.</a:t>
-            </a:r>
-          </a:p>
-          <a:p>
-            <a:pPr marL="457200" indent="-457200">
-              <a:spcBef>
-                <a:spcPts val="1400"/>
-              </a:spcBef>
-              <a:buFont typeface="+mj-lt"/>
-              <a:buAutoNum type="arabicPeriod"/>
-            </a:pPr>
-            <a:r>
-              <a:rPr lang="el-GR" sz="2200" dirty="0"/>
-              <a:t>Η χρήση αλγοριθμικών συστημάτων HRM μπορεί να βελτιώσει την απόδοση και την ικανοποίηση των εργαζομένων, μειώνοντας τα ποσοστά κύκλου εργασιών και αυξάνοντας την παραγωγικότητα.</a:t>
-            </a:r>
-            <a:endParaRPr lang="en-US" sz="2200" dirty="0"/>
-          </a:p>
-        </p:txBody>
-      </p:sp>
-    </p:spTree>
-    <p:extLst>
-      <p:ext uri="{BB962C8B-B14F-4D97-AF65-F5344CB8AC3E}">
-        <p14:creationId xmlns:p14="http://schemas.microsoft.com/office/powerpoint/2010/main" val="41946471"/>
-      </p:ext>
-    </p:extLst>
-  </p:cSld>
-  <p:clrMapOvr>
-    <a:masterClrMapping/>
-  </p:clrMapOvr>
-</p:sld>
-</file>
-
-<file path=ppt/slides/slide16.xml><?xml version="1.0" encoding="utf-8"?>
+<file path=ppt/slides/slide14.xml><?xml version="1.0" encoding="utf-8"?>
 <p:sld xmlns:a="http://schemas.openxmlformats.org/drawingml/2006/main" xmlns:r="http://schemas.openxmlformats.org/officeDocument/2006/relationships" xmlns:p="http://schemas.openxmlformats.org/presentationml/2006/main">
   <p:cSld>
     <p:spTree>
@@ -13167,7 +12067,7 @@
 </p:sld>
 </file>
 
-<file path=ppt/slides/slide17.xml><?xml version="1.0" encoding="utf-8"?>
+<file path=ppt/slides/slide15.xml><?xml version="1.0" encoding="utf-8"?>
 <p:sld xmlns:a="http://schemas.openxmlformats.org/drawingml/2006/main" xmlns:r="http://schemas.openxmlformats.org/officeDocument/2006/relationships" xmlns:p="http://schemas.openxmlformats.org/presentationml/2006/main">
   <p:cSld>
     <p:spTree>
@@ -16190,7 +15090,7 @@
 </p:sld>
 </file>
 
-<file path=ppt/slides/slide18.xml><?xml version="1.0" encoding="utf-8"?>
+<file path=ppt/slides/slide16.xml><?xml version="1.0" encoding="utf-8"?>
 <p:sld xmlns:a="http://schemas.openxmlformats.org/drawingml/2006/main" xmlns:r="http://schemas.openxmlformats.org/officeDocument/2006/relationships" xmlns:p="http://schemas.openxmlformats.org/presentationml/2006/main">
   <p:cSld>
     <p:spTree>
@@ -16256,7 +15156,7 @@
 </p:sld>
 </file>
 
-<file path=ppt/slides/slide19.xml><?xml version="1.0" encoding="utf-8"?>
+<file path=ppt/slides/slide17.xml><?xml version="1.0" encoding="utf-8"?>
 <p:sld xmlns:a="http://schemas.openxmlformats.org/drawingml/2006/main" xmlns:r="http://schemas.openxmlformats.org/officeDocument/2006/relationships" xmlns:p="http://schemas.openxmlformats.org/presentationml/2006/main">
   <p:cSld>
     <p:spTree>
@@ -17080,83 +15980,6 @@
 </file>
 
 <file path=ppt/slides/slide5.xml><?xml version="1.0" encoding="utf-8"?>
-<p:sld xmlns:a="http://schemas.openxmlformats.org/drawingml/2006/main" xmlns:r="http://schemas.openxmlformats.org/officeDocument/2006/relationships" xmlns:p="http://schemas.openxmlformats.org/presentationml/2006/main" show="0">
-  <p:cSld>
-    <p:spTree>
-      <p:nvGrpSpPr>
-        <p:cNvPr id="1" name=""/>
-        <p:cNvGrpSpPr/>
-        <p:nvPr/>
-      </p:nvGrpSpPr>
-      <p:grpSpPr>
-        <a:xfrm>
-          <a:off x="0" y="0"/>
-          <a:ext cx="0" cy="0"/>
-          <a:chOff x="0" y="0"/>
-          <a:chExt cx="0" cy="0"/>
-        </a:xfrm>
-      </p:grpSpPr>
-      <p:pic>
-        <p:nvPicPr>
-          <p:cNvPr id="2050" name="Picture 2" descr="graphical user interface">
-            <a:extLst>
-              <a:ext uri="{FF2B5EF4-FFF2-40B4-BE49-F238E27FC236}">
-                <a16:creationId xmlns:a16="http://schemas.microsoft.com/office/drawing/2014/main" id="{855E38A1-D8A4-6F1B-6DD1-C32F24221B4B}"/>
-              </a:ext>
-            </a:extLst>
-          </p:cNvPr>
-          <p:cNvPicPr>
-            <a:picLocks noChangeAspect="1" noChangeArrowheads="1"/>
-          </p:cNvPicPr>
-          <p:nvPr/>
-        </p:nvPicPr>
-        <p:blipFill>
-          <a:blip r:embed="rId3">
-            <a:extLst>
-              <a:ext uri="{28A0092B-C50C-407E-A947-70E740481C1C}">
-                <a14:useLocalDpi xmlns:a14="http://schemas.microsoft.com/office/drawing/2010/main" val="0"/>
-              </a:ext>
-            </a:extLst>
-          </a:blip>
-          <a:srcRect/>
-          <a:stretch>
-            <a:fillRect/>
-          </a:stretch>
-        </p:blipFill>
-        <p:spPr bwMode="auto">
-          <a:xfrm>
-            <a:off x="2103186" y="-57874"/>
-            <a:ext cx="4644321" cy="6973747"/>
-          </a:xfrm>
-          <a:prstGeom prst="rect">
-            <a:avLst/>
-          </a:prstGeom>
-          <a:noFill/>
-          <a:extLst>
-            <a:ext uri="{909E8E84-426E-40DD-AFC4-6F175D3DCCD1}">
-              <a14:hiddenFill xmlns:a14="http://schemas.microsoft.com/office/drawing/2010/main">
-                <a:solidFill>
-                  <a:srgbClr val="FFFFFF"/>
-                </a:solidFill>
-              </a14:hiddenFill>
-            </a:ext>
-          </a:extLst>
-        </p:spPr>
-      </p:pic>
-    </p:spTree>
-    <p:extLst>
-      <p:ext uri="{BB962C8B-B14F-4D97-AF65-F5344CB8AC3E}">
-        <p14:creationId xmlns:p14="http://schemas.microsoft.com/office/powerpoint/2010/main" val="714784268"/>
-      </p:ext>
-    </p:extLst>
-  </p:cSld>
-  <p:clrMapOvr>
-    <a:masterClrMapping/>
-  </p:clrMapOvr>
-</p:sld>
-</file>
-
-<file path=ppt/slides/slide6.xml><?xml version="1.0" encoding="utf-8"?>
 <p:sld xmlns:a="http://schemas.openxmlformats.org/drawingml/2006/main" xmlns:r="http://schemas.openxmlformats.org/officeDocument/2006/relationships" xmlns:p="http://schemas.openxmlformats.org/presentationml/2006/main">
   <p:cSld>
     <p:spTree>
@@ -17282,7 +16105,7 @@
 </p:sld>
 </file>
 
-<file path=ppt/slides/slide7.xml><?xml version="1.0" encoding="utf-8"?>
+<file path=ppt/slides/slide6.xml><?xml version="1.0" encoding="utf-8"?>
 <p:sld xmlns:a="http://schemas.openxmlformats.org/drawingml/2006/main" xmlns:r="http://schemas.openxmlformats.org/officeDocument/2006/relationships" xmlns:p="http://schemas.openxmlformats.org/presentationml/2006/main">
   <p:cSld>
     <p:spTree>
@@ -17359,6 +16182,202 @@
 </p:sld>
 </file>
 
+<file path=ppt/slides/slide7.xml><?xml version="1.0" encoding="utf-8"?>
+<p:sld xmlns:a="http://schemas.openxmlformats.org/drawingml/2006/main" xmlns:r="http://schemas.openxmlformats.org/officeDocument/2006/relationships" xmlns:p="http://schemas.openxmlformats.org/presentationml/2006/main">
+  <p:cSld>
+    <p:spTree>
+      <p:nvGrpSpPr>
+        <p:cNvPr id="1" name=""/>
+        <p:cNvGrpSpPr/>
+        <p:nvPr/>
+      </p:nvGrpSpPr>
+      <p:grpSpPr>
+        <a:xfrm>
+          <a:off x="0" y="0"/>
+          <a:ext cx="0" cy="0"/>
+          <a:chOff x="0" y="0"/>
+          <a:chExt cx="0" cy="0"/>
+        </a:xfrm>
+      </p:grpSpPr>
+      <p:sp>
+        <p:nvSpPr>
+          <p:cNvPr id="5" name="Content Placeholder 4">
+            <a:extLst>
+              <a:ext uri="{FF2B5EF4-FFF2-40B4-BE49-F238E27FC236}">
+                <a16:creationId xmlns:a16="http://schemas.microsoft.com/office/drawing/2014/main" id="{19B0708D-0846-7151-22F5-D4D038C53B2A}"/>
+              </a:ext>
+            </a:extLst>
+          </p:cNvPr>
+          <p:cNvSpPr>
+            <a:spLocks noGrp="1"/>
+          </p:cNvSpPr>
+          <p:nvPr>
+            <p:ph idx="1"/>
+          </p:nvPr>
+        </p:nvSpPr>
+        <p:spPr>
+          <a:xfrm>
+            <a:off x="364602" y="1380281"/>
+            <a:ext cx="8229600" cy="4525963"/>
+          </a:xfrm>
+        </p:spPr>
+        <p:txBody>
+          <a:bodyPr/>
+          <a:lstStyle/>
+          <a:p>
+            <a:pPr marL="457200" indent="-457200">
+              <a:spcBef>
+                <a:spcPts val="1400"/>
+              </a:spcBef>
+              <a:buFont typeface="+mj-lt"/>
+              <a:buAutoNum type="arabicPeriod"/>
+            </a:pPr>
+            <a:r>
+              <a:rPr lang="el-GR" sz="2200" dirty="0"/>
+              <a:t>Η τεχνολογία στις παγκόσμιες επιχειρηματικές δραστηριότητες</a:t>
+            </a:r>
+          </a:p>
+          <a:p>
+            <a:pPr marL="457200" indent="-457200">
+              <a:spcBef>
+                <a:spcPts val="1400"/>
+              </a:spcBef>
+              <a:buFont typeface="+mj-lt"/>
+              <a:buAutoNum type="arabicPeriod"/>
+            </a:pPr>
+            <a:r>
+              <a:rPr lang="el-GR" sz="2200" dirty="0"/>
+              <a:t>Οφέλη των αναδυόμενων τεχνολογιών: αποτελεσματικότητα, εξοικονόμηση, διαφάνεια</a:t>
+            </a:r>
+          </a:p>
+          <a:p>
+            <a:pPr marL="457200" indent="-457200">
+              <a:spcBef>
+                <a:spcPts val="1400"/>
+              </a:spcBef>
+              <a:buFont typeface="+mj-lt"/>
+              <a:buAutoNum type="arabicPeriod"/>
+            </a:pPr>
+            <a:r>
+              <a:rPr lang="el-GR" sz="2200" dirty="0"/>
+              <a:t>Προκλήσεις των αναδυόμενων τεχνολογιών: ασφάλεια, ηθική</a:t>
+            </a:r>
+          </a:p>
+          <a:p>
+            <a:pPr marL="457200" indent="-457200">
+              <a:spcBef>
+                <a:spcPts val="1400"/>
+              </a:spcBef>
+              <a:buFont typeface="+mj-lt"/>
+              <a:buAutoNum type="arabicPeriod"/>
+            </a:pPr>
+            <a:r>
+              <a:rPr lang="el-GR" sz="2200" dirty="0"/>
+              <a:t>Παραδείγματα: </a:t>
+            </a:r>
+            <a:r>
+              <a:rPr lang="el-GR" sz="2200" dirty="0" err="1"/>
+              <a:t>Walmart</a:t>
+            </a:r>
+            <a:r>
+              <a:rPr lang="el-GR" sz="2200" dirty="0"/>
+              <a:t>, Accenture</a:t>
+            </a:r>
+          </a:p>
+          <a:p>
+            <a:pPr marL="457200" indent="-457200">
+              <a:spcBef>
+                <a:spcPts val="1400"/>
+              </a:spcBef>
+              <a:buFont typeface="+mj-lt"/>
+              <a:buAutoNum type="arabicPeriod"/>
+            </a:pPr>
+            <a:r>
+              <a:rPr lang="el-GR" sz="2200" dirty="0"/>
+              <a:t>Στρατηγικές για την αξιοποίηση των αναδυόμενων τεχνολογιών: </a:t>
+            </a:r>
+            <a:r>
+              <a:rPr lang="en-US" sz="2200" dirty="0"/>
+              <a:t>Enterprise Architectures</a:t>
+            </a:r>
+          </a:p>
+          <a:p>
+            <a:pPr marL="457200" indent="-457200">
+              <a:spcBef>
+                <a:spcPts val="1400"/>
+              </a:spcBef>
+              <a:buFont typeface="+mj-lt"/>
+              <a:buAutoNum type="arabicPeriod"/>
+            </a:pPr>
+            <a:r>
+              <a:rPr lang="el-GR" sz="2200" dirty="0"/>
+              <a:t>Δυνατότητα μεταμόρφωσης και ανάπτυξης</a:t>
+            </a:r>
+          </a:p>
+          <a:p>
+            <a:pPr marL="457200" indent="-457200">
+              <a:spcBef>
+                <a:spcPts val="1400"/>
+              </a:spcBef>
+              <a:buFont typeface="+mj-lt"/>
+              <a:buAutoNum type="arabicPeriod"/>
+            </a:pPr>
+            <a:r>
+              <a:rPr lang="el-GR" sz="2200" dirty="0"/>
+              <a:t>Σημασία στρατηγικής και υπεύθυνης προσέγγισης.</a:t>
+            </a:r>
+            <a:endParaRPr lang="en-US" sz="2200" dirty="0"/>
+          </a:p>
+        </p:txBody>
+      </p:sp>
+      <p:sp>
+        <p:nvSpPr>
+          <p:cNvPr id="2" name="TextBox 1">
+            <a:extLst>
+              <a:ext uri="{FF2B5EF4-FFF2-40B4-BE49-F238E27FC236}">
+                <a16:creationId xmlns:a16="http://schemas.microsoft.com/office/drawing/2014/main" id="{52BA0A59-5D1D-0917-B4CE-BDE83DE7B045}"/>
+              </a:ext>
+            </a:extLst>
+          </p:cNvPr>
+          <p:cNvSpPr txBox="1"/>
+          <p:nvPr/>
+        </p:nvSpPr>
+        <p:spPr>
+          <a:xfrm>
+            <a:off x="1874174" y="431500"/>
+            <a:ext cx="4329857" cy="584775"/>
+          </a:xfrm>
+          <a:prstGeom prst="rect">
+            <a:avLst/>
+          </a:prstGeom>
+          <a:noFill/>
+        </p:spPr>
+        <p:txBody>
+          <a:bodyPr wrap="square">
+            <a:spAutoFit/>
+          </a:bodyPr>
+          <a:lstStyle/>
+          <a:p>
+            <a:r>
+              <a:rPr lang="el-GR" sz="3200" b="1" dirty="0"/>
+              <a:t>Βιβλιογραφική έρευνα</a:t>
+            </a:r>
+          </a:p>
+        </p:txBody>
+      </p:sp>
+    </p:spTree>
+    <p:extLst>
+      <p:ext uri="{BB962C8B-B14F-4D97-AF65-F5344CB8AC3E}">
+        <p14:creationId xmlns:p14="http://schemas.microsoft.com/office/powerpoint/2010/main" val="2555135612"/>
+      </p:ext>
+    </p:extLst>
+  </p:cSld>
+  <p:clrMapOvr>
+    <a:masterClrMapping/>
+  </p:clrMapOvr>
+</p:sld>
+</file>
+
 <file path=ppt/slides/slide8.xml><?xml version="1.0" encoding="utf-8"?>
 <p:sld xmlns:a="http://schemas.openxmlformats.org/drawingml/2006/main" xmlns:r="http://schemas.openxmlformats.org/officeDocument/2006/relationships" xmlns:p="http://schemas.openxmlformats.org/presentationml/2006/main">
   <p:cSld>
@@ -17378,141 +16397,10 @@
       </p:grpSpPr>
       <p:sp>
         <p:nvSpPr>
-          <p:cNvPr id="5" name="Content Placeholder 4">
+          <p:cNvPr id="3" name="TextBox 2">
             <a:extLst>
               <a:ext uri="{FF2B5EF4-FFF2-40B4-BE49-F238E27FC236}">
-                <a16:creationId xmlns:a16="http://schemas.microsoft.com/office/drawing/2014/main" id="{19B0708D-0846-7151-22F5-D4D038C53B2A}"/>
-              </a:ext>
-            </a:extLst>
-          </p:cNvPr>
-          <p:cNvSpPr>
-            <a:spLocks noGrp="1"/>
-          </p:cNvSpPr>
-          <p:nvPr>
-            <p:ph idx="1"/>
-          </p:nvPr>
-        </p:nvSpPr>
-        <p:spPr>
-          <a:xfrm>
-            <a:off x="364602" y="1380281"/>
-            <a:ext cx="8229600" cy="4525963"/>
-          </a:xfrm>
-        </p:spPr>
-        <p:txBody>
-          <a:bodyPr/>
-          <a:lstStyle/>
-          <a:p>
-            <a:pPr marL="457200" indent="-457200">
-              <a:spcBef>
-                <a:spcPts val="1400"/>
-              </a:spcBef>
-              <a:buFont typeface="+mj-lt"/>
-              <a:buAutoNum type="arabicPeriod"/>
-            </a:pPr>
-            <a:r>
-              <a:rPr lang="el-GR" sz="2200" dirty="0"/>
-              <a:t>Η τεχνολογία στις παγκόσμιες επιχειρηματικές δραστηριότητες</a:t>
-            </a:r>
-          </a:p>
-          <a:p>
-            <a:pPr marL="457200" indent="-457200">
-              <a:spcBef>
-                <a:spcPts val="1400"/>
-              </a:spcBef>
-              <a:buFont typeface="+mj-lt"/>
-              <a:buAutoNum type="arabicPeriod"/>
-            </a:pPr>
-            <a:r>
-              <a:rPr lang="el-GR" sz="2200" dirty="0"/>
-              <a:t>Οφέλη των αναδυόμενων τεχνολογιών: αποτελεσματικότητα, εξοικονόμηση, διαφάνεια</a:t>
-            </a:r>
-          </a:p>
-          <a:p>
-            <a:pPr marL="457200" indent="-457200">
-              <a:spcBef>
-                <a:spcPts val="1400"/>
-              </a:spcBef>
-              <a:buFont typeface="+mj-lt"/>
-              <a:buAutoNum type="arabicPeriod"/>
-            </a:pPr>
-            <a:r>
-              <a:rPr lang="el-GR" sz="2200" dirty="0"/>
-              <a:t>Προκλήσεις των αναδυόμενων τεχνολογιών: ασφάλεια, ηθική</a:t>
-            </a:r>
-          </a:p>
-          <a:p>
-            <a:pPr marL="457200" indent="-457200">
-              <a:spcBef>
-                <a:spcPts val="1400"/>
-              </a:spcBef>
-              <a:buFont typeface="+mj-lt"/>
-              <a:buAutoNum type="arabicPeriod"/>
-            </a:pPr>
-            <a:r>
-              <a:rPr lang="el-GR" sz="2200" dirty="0"/>
-              <a:t>Παραδείγματα: </a:t>
-            </a:r>
-            <a:r>
-              <a:rPr lang="el-GR" sz="2200" dirty="0" err="1"/>
-              <a:t>Walmart</a:t>
-            </a:r>
-            <a:r>
-              <a:rPr lang="el-GR" sz="2200" dirty="0"/>
-              <a:t>, Accenture</a:t>
-            </a:r>
-          </a:p>
-          <a:p>
-            <a:pPr marL="457200" indent="-457200">
-              <a:spcBef>
-                <a:spcPts val="1400"/>
-              </a:spcBef>
-              <a:buFont typeface="+mj-lt"/>
-              <a:buAutoNum type="arabicPeriod"/>
-            </a:pPr>
-            <a:r>
-              <a:rPr lang="el-GR" sz="2200" dirty="0"/>
-              <a:t>Στρατηγικές για την αξιοποίηση των αναδυόμενων τεχνολογιών: </a:t>
-            </a:r>
-            <a:r>
-              <a:rPr lang="en-US" sz="2200" dirty="0"/>
-              <a:t>Enterprise Architectures</a:t>
-            </a:r>
-          </a:p>
-          <a:p>
-            <a:pPr marL="457200" indent="-457200">
-              <a:spcBef>
-                <a:spcPts val="1400"/>
-              </a:spcBef>
-              <a:buFont typeface="+mj-lt"/>
-              <a:buAutoNum type="arabicPeriod"/>
-            </a:pPr>
-            <a:r>
-              <a:rPr lang="el-GR" sz="2200" dirty="0"/>
-              <a:t>Δυνατότητα μεταμόρφωσης και ανάπτυξης</a:t>
-            </a:r>
-          </a:p>
-          <a:p>
-            <a:pPr marL="457200" indent="-457200">
-              <a:spcBef>
-                <a:spcPts val="1400"/>
-              </a:spcBef>
-              <a:buFont typeface="+mj-lt"/>
-              <a:buAutoNum type="arabicPeriod"/>
-            </a:pPr>
-            <a:r>
-              <a:rPr lang="el-GR" sz="2200" dirty="0"/>
-              <a:t>Σημασία στρατηγικής και υπεύθυνης προσέγγισης.</a:t>
-            </a:r>
-            <a:endParaRPr lang="en-US" sz="2200" dirty="0"/>
-          </a:p>
-        </p:txBody>
-      </p:sp>
-      <p:sp>
-        <p:nvSpPr>
-          <p:cNvPr id="2" name="TextBox 1">
-            <a:extLst>
-              <a:ext uri="{FF2B5EF4-FFF2-40B4-BE49-F238E27FC236}">
-                <a16:creationId xmlns:a16="http://schemas.microsoft.com/office/drawing/2014/main" id="{52BA0A59-5D1D-0917-B4CE-BDE83DE7B045}"/>
+                <a16:creationId xmlns:a16="http://schemas.microsoft.com/office/drawing/2014/main" id="{D15741E5-C777-6456-36F8-B560F1454D74}"/>
               </a:ext>
             </a:extLst>
           </p:cNvPr>
@@ -17521,8 +16409,8 @@
         </p:nvSpPr>
         <p:spPr>
           <a:xfrm>
-            <a:off x="1874174" y="431500"/>
-            <a:ext cx="4329857" cy="584775"/>
+            <a:off x="589384" y="431500"/>
+            <a:ext cx="7593917" cy="1077218"/>
           </a:xfrm>
           <a:prstGeom prst="rect">
             <a:avLst/>
@@ -17537,15 +16425,113 @@
           <a:p>
             <a:r>
               <a:rPr lang="el-GR" sz="3200" b="1" dirty="0"/>
-              <a:t>Βιβλιογραφική έρευνα</a:t>
-            </a:r>
+              <a:t>Η τεχνολογία στις παγκόσμιες επιχειρηματικές δραστηριότητες</a:t>
+            </a:r>
+          </a:p>
+        </p:txBody>
+      </p:sp>
+      <p:sp>
+        <p:nvSpPr>
+          <p:cNvPr id="2" name="Content Placeholder 4">
+            <a:extLst>
+              <a:ext uri="{FF2B5EF4-FFF2-40B4-BE49-F238E27FC236}">
+                <a16:creationId xmlns:a16="http://schemas.microsoft.com/office/drawing/2014/main" id="{29D1C372-E76D-8CF2-8FB0-E8B4D78A03A9}"/>
+              </a:ext>
+            </a:extLst>
+          </p:cNvPr>
+          <p:cNvSpPr>
+            <a:spLocks noGrp="1"/>
+          </p:cNvSpPr>
+          <p:nvPr>
+            <p:ph idx="1"/>
+          </p:nvPr>
+        </p:nvSpPr>
+        <p:spPr>
+          <a:xfrm>
+            <a:off x="365125" y="1877891"/>
+            <a:ext cx="8229600" cy="4013623"/>
+          </a:xfrm>
+        </p:spPr>
+        <p:txBody>
+          <a:bodyPr/>
+          <a:lstStyle/>
+          <a:p>
+            <a:pPr>
+              <a:spcBef>
+                <a:spcPts val="1400"/>
+              </a:spcBef>
+            </a:pPr>
+            <a:r>
+              <a:rPr lang="en-US" sz="2800" dirty="0"/>
+              <a:t>Enterprise Architecture (TOGAF)</a:t>
+            </a:r>
+          </a:p>
+          <a:p>
+            <a:pPr>
+              <a:spcBef>
+                <a:spcPts val="1400"/>
+              </a:spcBef>
+            </a:pPr>
+            <a:r>
+              <a:rPr lang="en-US" sz="2800" dirty="0"/>
+              <a:t>Scalable Agile Environments across organization awareness (</a:t>
+            </a:r>
+            <a:r>
+              <a:rPr lang="en-US" sz="2800" dirty="0" err="1"/>
+              <a:t>SAFe</a:t>
+            </a:r>
+            <a:r>
+              <a:rPr lang="en-US" sz="2800" dirty="0"/>
+              <a:t>)</a:t>
+            </a:r>
+          </a:p>
+          <a:p>
+            <a:pPr>
+              <a:spcBef>
+                <a:spcPts val="1400"/>
+              </a:spcBef>
+            </a:pPr>
+            <a:r>
+              <a:rPr lang="en-US" sz="2800" dirty="0"/>
+              <a:t>Information Technology management services (ITIL)</a:t>
+            </a:r>
+          </a:p>
+          <a:p>
+            <a:pPr>
+              <a:spcBef>
+                <a:spcPts val="1400"/>
+              </a:spcBef>
+            </a:pPr>
+            <a:r>
+              <a:rPr lang="en-US" sz="2800" dirty="0"/>
+              <a:t>Decentralized Autonomous Organizations (DAO) &amp; Blockchain</a:t>
+            </a:r>
+          </a:p>
+          <a:p>
+            <a:pPr>
+              <a:spcBef>
+                <a:spcPts val="1400"/>
+              </a:spcBef>
+            </a:pPr>
+            <a:r>
+              <a:rPr lang="en-US" sz="2800" dirty="0"/>
+              <a:t>Human Resource Systems with Artificial Intelligence</a:t>
+            </a:r>
+          </a:p>
+          <a:p>
+            <a:pPr>
+              <a:spcBef>
+                <a:spcPts val="1400"/>
+              </a:spcBef>
+            </a:pPr>
+            <a:endParaRPr lang="en-US" dirty="0"/>
           </a:p>
         </p:txBody>
       </p:sp>
     </p:spTree>
     <p:extLst>
       <p:ext uri="{BB962C8B-B14F-4D97-AF65-F5344CB8AC3E}">
-        <p14:creationId xmlns:p14="http://schemas.microsoft.com/office/powerpoint/2010/main" val="2555135612"/>
+        <p14:creationId xmlns:p14="http://schemas.microsoft.com/office/powerpoint/2010/main" val="3487133216"/>
       </p:ext>
     </p:extLst>
   </p:cSld>
@@ -17586,8 +16572,8 @@
         </p:nvSpPr>
         <p:spPr>
           <a:xfrm>
-            <a:off x="589384" y="431500"/>
-            <a:ext cx="7593917" cy="1077218"/>
+            <a:off x="0" y="369539"/>
+            <a:ext cx="7146845" cy="1077218"/>
           </a:xfrm>
           <a:prstGeom prst="rect">
             <a:avLst/>
@@ -17602,7 +16588,7 @@
           <a:p>
             <a:r>
               <a:rPr lang="el-GR" sz="3200" b="1" dirty="0"/>
-              <a:t>Η τεχνολογία στις παγκόσμιες επιχειρηματικές δραστηριότητες</a:t>
+              <a:t>Οφέλη &amp; Προκλήσεις των αναδυόμενων τεχνολογιών</a:t>
             </a:r>
           </a:p>
         </p:txBody>
@@ -17612,7 +16598,7 @@
           <p:cNvPr id="2" name="Content Placeholder 4">
             <a:extLst>
               <a:ext uri="{FF2B5EF4-FFF2-40B4-BE49-F238E27FC236}">
-                <a16:creationId xmlns:a16="http://schemas.microsoft.com/office/drawing/2014/main" id="{29D1C372-E76D-8CF2-8FB0-E8B4D78A03A9}"/>
+                <a16:creationId xmlns:a16="http://schemas.microsoft.com/office/drawing/2014/main" id="{AEDCCD92-4C90-F488-E81C-9A8D0AB7B42C}"/>
               </a:ext>
             </a:extLst>
           </p:cNvPr>
@@ -17625,90 +16611,652 @@
         </p:nvSpPr>
         <p:spPr>
           <a:xfrm>
-            <a:off x="365125" y="1877891"/>
-            <a:ext cx="8229600" cy="4013623"/>
+            <a:off x="104695" y="1589087"/>
+            <a:ext cx="6093548" cy="4452897"/>
           </a:xfrm>
         </p:spPr>
         <p:txBody>
           <a:bodyPr/>
           <a:lstStyle/>
           <a:p>
-            <a:pPr>
+            <a:pPr marL="0" indent="0">
               <a:spcBef>
                 <a:spcPts val="1400"/>
               </a:spcBef>
+              <a:buNone/>
             </a:pPr>
             <a:r>
-              <a:rPr lang="en-US" sz="2800" dirty="0"/>
-              <a:t>Enterprise Architecture (TOGAF)</a:t>
-            </a:r>
-          </a:p>
-          <a:p>
-            <a:pPr>
+              <a:rPr lang="el-GR" sz="2200" dirty="0"/>
+              <a:t>Άμεσα</a:t>
+            </a:r>
+            <a:r>
+              <a:rPr lang="en-US" sz="2200" dirty="0"/>
+              <a:t> side-effects</a:t>
+            </a:r>
+            <a:endParaRPr lang="el-GR" sz="2200" dirty="0"/>
+          </a:p>
+          <a:p>
+            <a:pPr marL="457200" indent="-457200">
               <a:spcBef>
                 <a:spcPts val="1400"/>
               </a:spcBef>
+              <a:buFont typeface="+mj-lt"/>
+              <a:buAutoNum type="arabicPeriod"/>
             </a:pPr>
             <a:r>
-              <a:rPr lang="en-US" sz="2800" dirty="0"/>
-              <a:t>Scalable Agile Environments across organization awareness (</a:t>
-            </a:r>
-            <a:r>
-              <a:rPr lang="en-US" sz="2800" dirty="0" err="1"/>
-              <a:t>SAFe</a:t>
-            </a:r>
-            <a:r>
-              <a:rPr lang="en-US" sz="2800" dirty="0"/>
-              <a:t>)</a:t>
-            </a:r>
-          </a:p>
-          <a:p>
-            <a:pPr>
+              <a:rPr lang="el-GR" sz="2200" dirty="0"/>
+              <a:t>Λήψη επιχειρηματικών αποφάσεων</a:t>
+            </a:r>
+          </a:p>
+          <a:p>
+            <a:pPr marL="457200" indent="-457200">
               <a:spcBef>
                 <a:spcPts val="1400"/>
               </a:spcBef>
+              <a:buFont typeface="+mj-lt"/>
+              <a:buAutoNum type="arabicPeriod"/>
             </a:pPr>
             <a:r>
-              <a:rPr lang="en-US" sz="2800" dirty="0"/>
-              <a:t>Information Technology management services (ITIL)</a:t>
-            </a:r>
-          </a:p>
-          <a:p>
-            <a:pPr>
+              <a:rPr lang="el-GR" sz="2200" dirty="0"/>
+              <a:t>Μετριασμός κινδύνων &amp; προκλήσεων</a:t>
+            </a:r>
+          </a:p>
+          <a:p>
+            <a:pPr marL="457200" indent="-457200">
               <a:spcBef>
                 <a:spcPts val="1400"/>
               </a:spcBef>
+              <a:buFont typeface="+mj-lt"/>
+              <a:buAutoNum type="arabicPeriod"/>
             </a:pPr>
             <a:r>
-              <a:rPr lang="en-US" sz="2800" dirty="0"/>
-              <a:t>Decentralized Autonomous Organizations (DAO) &amp; Blockchain</a:t>
-            </a:r>
-          </a:p>
-          <a:p>
-            <a:pPr>
+              <a:rPr lang="el-GR" sz="2200" dirty="0"/>
+              <a:t>Διαφάνεια λειτουργικότητας</a:t>
+            </a:r>
+          </a:p>
+          <a:p>
+            <a:pPr marL="457200" indent="-457200">
               <a:spcBef>
                 <a:spcPts val="1400"/>
               </a:spcBef>
+              <a:buFont typeface="+mj-lt"/>
+              <a:buAutoNum type="arabicPeriod"/>
             </a:pPr>
             <a:r>
-              <a:rPr lang="en-US" sz="2800" dirty="0"/>
-              <a:t>Human Resource Systems with Artificial Intelligence</a:t>
-            </a:r>
-          </a:p>
-          <a:p>
-            <a:pPr>
+              <a:rPr lang="el-GR" sz="2200" dirty="0"/>
+              <a:t>Ικανοποίηση εργαζομένων (4 != 5)</a:t>
+            </a:r>
+            <a:endParaRPr lang="en-US" sz="2200" dirty="0"/>
+          </a:p>
+          <a:p>
+            <a:pPr marL="457200" indent="-457200">
               <a:spcBef>
                 <a:spcPts val="1400"/>
               </a:spcBef>
+              <a:buFont typeface="+mj-lt"/>
+              <a:buAutoNum type="arabicPeriod"/>
             </a:pPr>
-            <a:endParaRPr lang="en-US" dirty="0"/>
+            <a:r>
+              <a:rPr lang="el-GR" sz="2200" dirty="0"/>
+              <a:t>Αύξηση παραγωγικότητας εργαζομένων</a:t>
+            </a:r>
+          </a:p>
+          <a:p>
+            <a:pPr marL="0" indent="0">
+              <a:spcBef>
+                <a:spcPts val="1400"/>
+              </a:spcBef>
+              <a:buNone/>
+            </a:pPr>
+            <a:r>
+              <a:rPr lang="el-GR" sz="2200" dirty="0"/>
+              <a:t>Έμμεσα</a:t>
+            </a:r>
+            <a:r>
+              <a:rPr lang="en-US" sz="2200" dirty="0"/>
+              <a:t> side-effects</a:t>
+            </a:r>
+            <a:endParaRPr lang="el-GR" sz="2200" dirty="0"/>
+          </a:p>
+          <a:p>
+            <a:pPr marL="457200" indent="-457200">
+              <a:spcBef>
+                <a:spcPts val="1400"/>
+              </a:spcBef>
+              <a:buFont typeface="+mj-lt"/>
+              <a:buAutoNum type="arabicPeriod"/>
+            </a:pPr>
+            <a:r>
+              <a:rPr lang="el-GR" sz="2200" dirty="0"/>
+              <a:t>Μεροληψία αποφάσεων </a:t>
+            </a:r>
+            <a:r>
+              <a:rPr lang="en-US" sz="2200" dirty="0"/>
+              <a:t>(biased decisions)</a:t>
+            </a:r>
+          </a:p>
+          <a:p>
+            <a:pPr marL="457200" indent="-457200">
+              <a:spcBef>
+                <a:spcPts val="1400"/>
+              </a:spcBef>
+              <a:buFont typeface="+mj-lt"/>
+              <a:buAutoNum type="arabicPeriod"/>
+            </a:pPr>
+            <a:r>
+              <a:rPr lang="el-GR" sz="2200" dirty="0" err="1"/>
+              <a:t>Διαλειτουργικοτητα</a:t>
+            </a:r>
+            <a:r>
+              <a:rPr lang="en-US" sz="2200" dirty="0"/>
+              <a:t> (interoperability)</a:t>
+            </a:r>
+            <a:endParaRPr lang="el-GR" sz="2200" dirty="0"/>
+          </a:p>
+          <a:p>
+            <a:pPr marL="0" indent="0">
+              <a:spcBef>
+                <a:spcPts val="1400"/>
+              </a:spcBef>
+              <a:buNone/>
+            </a:pPr>
+            <a:endParaRPr lang="el-GR" sz="2200" dirty="0"/>
+          </a:p>
+          <a:p>
+            <a:pPr marL="457200" indent="-457200">
+              <a:spcBef>
+                <a:spcPts val="1400"/>
+              </a:spcBef>
+              <a:buFont typeface="+mj-lt"/>
+              <a:buAutoNum type="arabicPeriod"/>
+            </a:pPr>
+            <a:endParaRPr lang="en-US" sz="2200" dirty="0"/>
+          </a:p>
+        </p:txBody>
+      </p:sp>
+      <p:cxnSp>
+        <p:nvCxnSpPr>
+          <p:cNvPr id="13" name="Connector: Elbow 12">
+            <a:extLst>
+              <a:ext uri="{FF2B5EF4-FFF2-40B4-BE49-F238E27FC236}">
+                <a16:creationId xmlns:a16="http://schemas.microsoft.com/office/drawing/2014/main" id="{36C448D0-077D-FFBA-3F5C-A592C14EBF1D}"/>
+              </a:ext>
+            </a:extLst>
+          </p:cNvPr>
+          <p:cNvCxnSpPr>
+            <a:cxnSpLocks/>
+          </p:cNvCxnSpPr>
+          <p:nvPr/>
+        </p:nvCxnSpPr>
+        <p:spPr>
+          <a:xfrm rot="10800000">
+            <a:off x="4572000" y="3815540"/>
+            <a:ext cx="775505" cy="594418"/>
+          </a:xfrm>
+          <a:prstGeom prst="bentConnector3">
+            <a:avLst>
+              <a:gd name="adj1" fmla="val -36567"/>
+            </a:avLst>
+          </a:prstGeom>
+          <a:ln>
+            <a:tailEnd type="triangle"/>
+          </a:ln>
+        </p:spPr>
+        <p:style>
+          <a:lnRef idx="1">
+            <a:schemeClr val="accent1"/>
+          </a:lnRef>
+          <a:fillRef idx="0">
+            <a:schemeClr val="accent1"/>
+          </a:fillRef>
+          <a:effectRef idx="0">
+            <a:schemeClr val="accent1"/>
+          </a:effectRef>
+          <a:fontRef idx="minor">
+            <a:schemeClr val="tx1"/>
+          </a:fontRef>
+        </p:style>
+      </p:cxnSp>
+      <p:sp>
+        <p:nvSpPr>
+          <p:cNvPr id="35" name="Content Placeholder 4">
+            <a:extLst>
+              <a:ext uri="{FF2B5EF4-FFF2-40B4-BE49-F238E27FC236}">
+                <a16:creationId xmlns:a16="http://schemas.microsoft.com/office/drawing/2014/main" id="{C6496EFF-8891-2E60-6A01-B443B792F704}"/>
+              </a:ext>
+            </a:extLst>
+          </p:cNvPr>
+          <p:cNvSpPr txBox="1">
+            <a:spLocks/>
+          </p:cNvSpPr>
+          <p:nvPr/>
+        </p:nvSpPr>
+        <p:spPr>
+          <a:xfrm>
+            <a:off x="5868887" y="2040504"/>
+            <a:ext cx="6093548" cy="1975912"/>
+          </a:xfrm>
+          <a:prstGeom prst="rect">
+            <a:avLst/>
+          </a:prstGeom>
+        </p:spPr>
+        <p:txBody>
+          <a:bodyPr/>
+          <a:lstStyle>
+            <a:lvl1pPr marL="342900" indent="-342900" algn="l" defTabSz="914400" rtl="0" eaLnBrk="1" latinLnBrk="0" hangingPunct="1">
+              <a:spcBef>
+                <a:spcPct val="20000"/>
+              </a:spcBef>
+              <a:buFont typeface="Arial" pitchFamily="34" charset="0"/>
+              <a:buChar char="•"/>
+              <a:defRPr sz="3200" kern="1200">
+                <a:solidFill>
+                  <a:schemeClr val="tx1"/>
+                </a:solidFill>
+                <a:latin typeface="+mn-lt"/>
+                <a:ea typeface="+mn-ea"/>
+                <a:cs typeface="+mn-cs"/>
+              </a:defRPr>
+            </a:lvl1pPr>
+            <a:lvl2pPr marL="742950" indent="-285750" algn="l" defTabSz="914400" rtl="0" eaLnBrk="1" latinLnBrk="0" hangingPunct="1">
+              <a:spcBef>
+                <a:spcPct val="20000"/>
+              </a:spcBef>
+              <a:buFont typeface="Arial" pitchFamily="34" charset="0"/>
+              <a:buChar char="–"/>
+              <a:defRPr sz="2800" kern="1200">
+                <a:solidFill>
+                  <a:schemeClr val="tx1"/>
+                </a:solidFill>
+                <a:latin typeface="+mn-lt"/>
+                <a:ea typeface="+mn-ea"/>
+                <a:cs typeface="+mn-cs"/>
+              </a:defRPr>
+            </a:lvl2pPr>
+            <a:lvl3pPr marL="1143000" indent="-228600" algn="l" defTabSz="914400" rtl="0" eaLnBrk="1" latinLnBrk="0" hangingPunct="1">
+              <a:spcBef>
+                <a:spcPct val="20000"/>
+              </a:spcBef>
+              <a:buFont typeface="Arial" pitchFamily="34" charset="0"/>
+              <a:buChar char="•"/>
+              <a:defRPr sz="2400" kern="1200">
+                <a:solidFill>
+                  <a:schemeClr val="tx1"/>
+                </a:solidFill>
+                <a:latin typeface="+mn-lt"/>
+                <a:ea typeface="+mn-ea"/>
+                <a:cs typeface="+mn-cs"/>
+              </a:defRPr>
+            </a:lvl3pPr>
+            <a:lvl4pPr marL="1600200" indent="-228600" algn="l" defTabSz="914400" rtl="0" eaLnBrk="1" latinLnBrk="0" hangingPunct="1">
+              <a:spcBef>
+                <a:spcPct val="20000"/>
+              </a:spcBef>
+              <a:buFont typeface="Arial" pitchFamily="34" charset="0"/>
+              <a:buChar char="–"/>
+              <a:defRPr sz="2000" kern="1200">
+                <a:solidFill>
+                  <a:schemeClr val="tx1"/>
+                </a:solidFill>
+                <a:latin typeface="+mn-lt"/>
+                <a:ea typeface="+mn-ea"/>
+                <a:cs typeface="+mn-cs"/>
+              </a:defRPr>
+            </a:lvl4pPr>
+            <a:lvl5pPr marL="2057400" indent="-228600" algn="l" defTabSz="914400" rtl="0" eaLnBrk="1" latinLnBrk="0" hangingPunct="1">
+              <a:spcBef>
+                <a:spcPct val="20000"/>
+              </a:spcBef>
+              <a:buFont typeface="Arial" pitchFamily="34" charset="0"/>
+              <a:buChar char="»"/>
+              <a:defRPr sz="2000" kern="1200">
+                <a:solidFill>
+                  <a:schemeClr val="tx1"/>
+                </a:solidFill>
+                <a:latin typeface="+mn-lt"/>
+                <a:ea typeface="+mn-ea"/>
+                <a:cs typeface="+mn-cs"/>
+              </a:defRPr>
+            </a:lvl5pPr>
+            <a:lvl6pPr marL="2514600" indent="-228600" algn="l" defTabSz="914400" rtl="0" eaLnBrk="1" latinLnBrk="0" hangingPunct="1">
+              <a:spcBef>
+                <a:spcPct val="20000"/>
+              </a:spcBef>
+              <a:buFont typeface="Arial" pitchFamily="34" charset="0"/>
+              <a:buChar char="•"/>
+              <a:defRPr sz="2000" kern="1200">
+                <a:solidFill>
+                  <a:schemeClr val="tx1"/>
+                </a:solidFill>
+                <a:latin typeface="+mn-lt"/>
+                <a:ea typeface="+mn-ea"/>
+                <a:cs typeface="+mn-cs"/>
+              </a:defRPr>
+            </a:lvl6pPr>
+            <a:lvl7pPr marL="2971800" indent="-228600" algn="l" defTabSz="914400" rtl="0" eaLnBrk="1" latinLnBrk="0" hangingPunct="1">
+              <a:spcBef>
+                <a:spcPct val="20000"/>
+              </a:spcBef>
+              <a:buFont typeface="Arial" pitchFamily="34" charset="0"/>
+              <a:buChar char="•"/>
+              <a:defRPr sz="2000" kern="1200">
+                <a:solidFill>
+                  <a:schemeClr val="tx1"/>
+                </a:solidFill>
+                <a:latin typeface="+mn-lt"/>
+                <a:ea typeface="+mn-ea"/>
+                <a:cs typeface="+mn-cs"/>
+              </a:defRPr>
+            </a:lvl7pPr>
+            <a:lvl8pPr marL="3429000" indent="-228600" algn="l" defTabSz="914400" rtl="0" eaLnBrk="1" latinLnBrk="0" hangingPunct="1">
+              <a:spcBef>
+                <a:spcPct val="20000"/>
+              </a:spcBef>
+              <a:buFont typeface="Arial" pitchFamily="34" charset="0"/>
+              <a:buChar char="•"/>
+              <a:defRPr sz="2000" kern="1200">
+                <a:solidFill>
+                  <a:schemeClr val="tx1"/>
+                </a:solidFill>
+                <a:latin typeface="+mn-lt"/>
+                <a:ea typeface="+mn-ea"/>
+                <a:cs typeface="+mn-cs"/>
+              </a:defRPr>
+            </a:lvl8pPr>
+            <a:lvl9pPr marL="3886200" indent="-228600" algn="l" defTabSz="914400" rtl="0" eaLnBrk="1" latinLnBrk="0" hangingPunct="1">
+              <a:spcBef>
+                <a:spcPct val="20000"/>
+              </a:spcBef>
+              <a:buFont typeface="Arial" pitchFamily="34" charset="0"/>
+              <a:buChar char="•"/>
+              <a:defRPr sz="2000" kern="1200">
+                <a:solidFill>
+                  <a:schemeClr val="tx1"/>
+                </a:solidFill>
+                <a:latin typeface="+mn-lt"/>
+                <a:ea typeface="+mn-ea"/>
+                <a:cs typeface="+mn-cs"/>
+              </a:defRPr>
+            </a:lvl9pPr>
+          </a:lstStyle>
+          <a:p>
+            <a:pPr marL="457200" indent="-457200">
+              <a:spcBef>
+                <a:spcPts val="1400"/>
+              </a:spcBef>
+              <a:buFont typeface="+mj-lt"/>
+              <a:buAutoNum type="arabicPeriod" startAt="5"/>
+            </a:pPr>
+            <a:r>
+              <a:rPr lang="el-GR" sz="2200" dirty="0"/>
+              <a:t>Κόστος</a:t>
+            </a:r>
+          </a:p>
+          <a:p>
+            <a:pPr marL="457200" indent="-457200">
+              <a:spcBef>
+                <a:spcPts val="1400"/>
+              </a:spcBef>
+              <a:buFont typeface="+mj-lt"/>
+              <a:buAutoNum type="arabicPeriod" startAt="5"/>
+            </a:pPr>
+            <a:r>
+              <a:rPr lang="el-GR" sz="2200" dirty="0"/>
+              <a:t>Ηθική</a:t>
+            </a:r>
+          </a:p>
+          <a:p>
+            <a:pPr marL="457200" indent="-457200">
+              <a:spcBef>
+                <a:spcPts val="1400"/>
+              </a:spcBef>
+              <a:buFont typeface="+mj-lt"/>
+              <a:buAutoNum type="arabicPeriod" startAt="5"/>
+            </a:pPr>
+            <a:r>
+              <a:rPr lang="el-GR" sz="2200" dirty="0"/>
+              <a:t>Κενό δεξιοτήτων</a:t>
+            </a:r>
+          </a:p>
+          <a:p>
+            <a:pPr marL="457200" indent="-457200">
+              <a:spcBef>
+                <a:spcPts val="1400"/>
+              </a:spcBef>
+              <a:buFont typeface="+mj-lt"/>
+              <a:buAutoNum type="arabicPeriod" startAt="5"/>
+            </a:pPr>
+            <a:endParaRPr lang="en-US" sz="2200" dirty="0"/>
+          </a:p>
+        </p:txBody>
+      </p:sp>
+      <p:cxnSp>
+        <p:nvCxnSpPr>
+          <p:cNvPr id="37" name="Straight Connector 36">
+            <a:extLst>
+              <a:ext uri="{FF2B5EF4-FFF2-40B4-BE49-F238E27FC236}">
+                <a16:creationId xmlns:a16="http://schemas.microsoft.com/office/drawing/2014/main" id="{711EBD2E-75FD-31E4-AA2D-22C369029003}"/>
+              </a:ext>
+            </a:extLst>
+          </p:cNvPr>
+          <p:cNvCxnSpPr/>
+          <p:nvPr/>
+        </p:nvCxnSpPr>
+        <p:spPr>
+          <a:xfrm>
+            <a:off x="5764192" y="1446757"/>
+            <a:ext cx="0" cy="4595227"/>
+          </a:xfrm>
+          <a:prstGeom prst="line">
+            <a:avLst/>
+          </a:prstGeom>
+        </p:spPr>
+        <p:style>
+          <a:lnRef idx="1">
+            <a:schemeClr val="accent1"/>
+          </a:lnRef>
+          <a:fillRef idx="0">
+            <a:schemeClr val="accent1"/>
+          </a:fillRef>
+          <a:effectRef idx="0">
+            <a:schemeClr val="accent1"/>
+          </a:effectRef>
+          <a:fontRef idx="minor">
+            <a:schemeClr val="tx1"/>
+          </a:fontRef>
+        </p:style>
+      </p:cxnSp>
+      <p:sp>
+        <p:nvSpPr>
+          <p:cNvPr id="38" name="Content Placeholder 4">
+            <a:extLst>
+              <a:ext uri="{FF2B5EF4-FFF2-40B4-BE49-F238E27FC236}">
+                <a16:creationId xmlns:a16="http://schemas.microsoft.com/office/drawing/2014/main" id="{BE49921E-D281-A370-568B-B9C112F64A41}"/>
+              </a:ext>
+            </a:extLst>
+          </p:cNvPr>
+          <p:cNvSpPr txBox="1">
+            <a:spLocks/>
+          </p:cNvSpPr>
+          <p:nvPr/>
+        </p:nvSpPr>
+        <p:spPr>
+          <a:xfrm>
+            <a:off x="5764192" y="5196358"/>
+            <a:ext cx="3831221" cy="1975912"/>
+          </a:xfrm>
+          <a:prstGeom prst="rect">
+            <a:avLst/>
+          </a:prstGeom>
+        </p:spPr>
+        <p:txBody>
+          <a:bodyPr/>
+          <a:lstStyle>
+            <a:lvl1pPr marL="342900" indent="-342900" algn="l" defTabSz="914400" rtl="0" eaLnBrk="1" latinLnBrk="0" hangingPunct="1">
+              <a:spcBef>
+                <a:spcPct val="20000"/>
+              </a:spcBef>
+              <a:buFont typeface="Arial" pitchFamily="34" charset="0"/>
+              <a:buChar char="•"/>
+              <a:defRPr sz="3200" kern="1200">
+                <a:solidFill>
+                  <a:schemeClr val="tx1"/>
+                </a:solidFill>
+                <a:latin typeface="+mn-lt"/>
+                <a:ea typeface="+mn-ea"/>
+                <a:cs typeface="+mn-cs"/>
+              </a:defRPr>
+            </a:lvl1pPr>
+            <a:lvl2pPr marL="742950" indent="-285750" algn="l" defTabSz="914400" rtl="0" eaLnBrk="1" latinLnBrk="0" hangingPunct="1">
+              <a:spcBef>
+                <a:spcPct val="20000"/>
+              </a:spcBef>
+              <a:buFont typeface="Arial" pitchFamily="34" charset="0"/>
+              <a:buChar char="–"/>
+              <a:defRPr sz="2800" kern="1200">
+                <a:solidFill>
+                  <a:schemeClr val="tx1"/>
+                </a:solidFill>
+                <a:latin typeface="+mn-lt"/>
+                <a:ea typeface="+mn-ea"/>
+                <a:cs typeface="+mn-cs"/>
+              </a:defRPr>
+            </a:lvl2pPr>
+            <a:lvl3pPr marL="1143000" indent="-228600" algn="l" defTabSz="914400" rtl="0" eaLnBrk="1" latinLnBrk="0" hangingPunct="1">
+              <a:spcBef>
+                <a:spcPct val="20000"/>
+              </a:spcBef>
+              <a:buFont typeface="Arial" pitchFamily="34" charset="0"/>
+              <a:buChar char="•"/>
+              <a:defRPr sz="2400" kern="1200">
+                <a:solidFill>
+                  <a:schemeClr val="tx1"/>
+                </a:solidFill>
+                <a:latin typeface="+mn-lt"/>
+                <a:ea typeface="+mn-ea"/>
+                <a:cs typeface="+mn-cs"/>
+              </a:defRPr>
+            </a:lvl3pPr>
+            <a:lvl4pPr marL="1600200" indent="-228600" algn="l" defTabSz="914400" rtl="0" eaLnBrk="1" latinLnBrk="0" hangingPunct="1">
+              <a:spcBef>
+                <a:spcPct val="20000"/>
+              </a:spcBef>
+              <a:buFont typeface="Arial" pitchFamily="34" charset="0"/>
+              <a:buChar char="–"/>
+              <a:defRPr sz="2000" kern="1200">
+                <a:solidFill>
+                  <a:schemeClr val="tx1"/>
+                </a:solidFill>
+                <a:latin typeface="+mn-lt"/>
+                <a:ea typeface="+mn-ea"/>
+                <a:cs typeface="+mn-cs"/>
+              </a:defRPr>
+            </a:lvl4pPr>
+            <a:lvl5pPr marL="2057400" indent="-228600" algn="l" defTabSz="914400" rtl="0" eaLnBrk="1" latinLnBrk="0" hangingPunct="1">
+              <a:spcBef>
+                <a:spcPct val="20000"/>
+              </a:spcBef>
+              <a:buFont typeface="Arial" pitchFamily="34" charset="0"/>
+              <a:buChar char="»"/>
+              <a:defRPr sz="2000" kern="1200">
+                <a:solidFill>
+                  <a:schemeClr val="tx1"/>
+                </a:solidFill>
+                <a:latin typeface="+mn-lt"/>
+                <a:ea typeface="+mn-ea"/>
+                <a:cs typeface="+mn-cs"/>
+              </a:defRPr>
+            </a:lvl5pPr>
+            <a:lvl6pPr marL="2514600" indent="-228600" algn="l" defTabSz="914400" rtl="0" eaLnBrk="1" latinLnBrk="0" hangingPunct="1">
+              <a:spcBef>
+                <a:spcPct val="20000"/>
+              </a:spcBef>
+              <a:buFont typeface="Arial" pitchFamily="34" charset="0"/>
+              <a:buChar char="•"/>
+              <a:defRPr sz="2000" kern="1200">
+                <a:solidFill>
+                  <a:schemeClr val="tx1"/>
+                </a:solidFill>
+                <a:latin typeface="+mn-lt"/>
+                <a:ea typeface="+mn-ea"/>
+                <a:cs typeface="+mn-cs"/>
+              </a:defRPr>
+            </a:lvl6pPr>
+            <a:lvl7pPr marL="2971800" indent="-228600" algn="l" defTabSz="914400" rtl="0" eaLnBrk="1" latinLnBrk="0" hangingPunct="1">
+              <a:spcBef>
+                <a:spcPct val="20000"/>
+              </a:spcBef>
+              <a:buFont typeface="Arial" pitchFamily="34" charset="0"/>
+              <a:buChar char="•"/>
+              <a:defRPr sz="2000" kern="1200">
+                <a:solidFill>
+                  <a:schemeClr val="tx1"/>
+                </a:solidFill>
+                <a:latin typeface="+mn-lt"/>
+                <a:ea typeface="+mn-ea"/>
+                <a:cs typeface="+mn-cs"/>
+              </a:defRPr>
+            </a:lvl7pPr>
+            <a:lvl8pPr marL="3429000" indent="-228600" algn="l" defTabSz="914400" rtl="0" eaLnBrk="1" latinLnBrk="0" hangingPunct="1">
+              <a:spcBef>
+                <a:spcPct val="20000"/>
+              </a:spcBef>
+              <a:buFont typeface="Arial" pitchFamily="34" charset="0"/>
+              <a:buChar char="•"/>
+              <a:defRPr sz="2000" kern="1200">
+                <a:solidFill>
+                  <a:schemeClr val="tx1"/>
+                </a:solidFill>
+                <a:latin typeface="+mn-lt"/>
+                <a:ea typeface="+mn-ea"/>
+                <a:cs typeface="+mn-cs"/>
+              </a:defRPr>
+            </a:lvl8pPr>
+            <a:lvl9pPr marL="3886200" indent="-228600" algn="l" defTabSz="914400" rtl="0" eaLnBrk="1" latinLnBrk="0" hangingPunct="1">
+              <a:spcBef>
+                <a:spcPct val="20000"/>
+              </a:spcBef>
+              <a:buFont typeface="Arial" pitchFamily="34" charset="0"/>
+              <a:buChar char="•"/>
+              <a:defRPr sz="2000" kern="1200">
+                <a:solidFill>
+                  <a:schemeClr val="tx1"/>
+                </a:solidFill>
+                <a:latin typeface="+mn-lt"/>
+                <a:ea typeface="+mn-ea"/>
+                <a:cs typeface="+mn-cs"/>
+              </a:defRPr>
+            </a:lvl9pPr>
+          </a:lstStyle>
+          <a:p>
+            <a:pPr marL="457200" indent="-457200">
+              <a:spcBef>
+                <a:spcPts val="1400"/>
+              </a:spcBef>
+              <a:buFont typeface="+mj-lt"/>
+              <a:buAutoNum type="arabicPeriod" startAt="3"/>
+            </a:pPr>
+            <a:r>
+              <a:rPr lang="el-GR" sz="2200" dirty="0"/>
+              <a:t>Ασφάλεια</a:t>
+            </a:r>
+          </a:p>
+          <a:p>
+            <a:pPr marL="457200" indent="-457200">
+              <a:spcBef>
+                <a:spcPts val="1400"/>
+              </a:spcBef>
+              <a:buFont typeface="+mj-lt"/>
+              <a:buAutoNum type="arabicPeriod" startAt="3"/>
+            </a:pPr>
+            <a:endParaRPr lang="en-US" sz="2200" dirty="0"/>
           </a:p>
         </p:txBody>
       </p:sp>
     </p:spTree>
     <p:extLst>
       <p:ext uri="{BB962C8B-B14F-4D97-AF65-F5344CB8AC3E}">
-        <p14:creationId xmlns:p14="http://schemas.microsoft.com/office/powerpoint/2010/main" val="3487133216"/>
+        <p14:creationId xmlns:p14="http://schemas.microsoft.com/office/powerpoint/2010/main" val="3520329503"/>
       </p:ext>
     </p:extLst>
   </p:cSld>
